--- a/Slides/Roadmap.pptx
+++ b/Slides/Roadmap.pptx
@@ -5,53 +5,55 @@
     <p:sldMasterId id="2147483648" r:id="rId1"/>
   </p:sldMasterIdLst>
   <p:notesMasterIdLst>
-    <p:notesMasterId r:id="rId46"/>
+    <p:notesMasterId r:id="rId48"/>
   </p:notesMasterIdLst>
   <p:sldIdLst>
     <p:sldId id="256" r:id="rId2"/>
     <p:sldId id="285" r:id="rId3"/>
     <p:sldId id="286" r:id="rId4"/>
-    <p:sldId id="257" r:id="rId5"/>
-    <p:sldId id="258" r:id="rId6"/>
-    <p:sldId id="259" r:id="rId7"/>
-    <p:sldId id="260" r:id="rId8"/>
-    <p:sldId id="278" r:id="rId9"/>
-    <p:sldId id="261" r:id="rId10"/>
-    <p:sldId id="262" r:id="rId11"/>
-    <p:sldId id="263" r:id="rId12"/>
-    <p:sldId id="284" r:id="rId13"/>
-    <p:sldId id="270" r:id="rId14"/>
-    <p:sldId id="267" r:id="rId15"/>
-    <p:sldId id="268" r:id="rId16"/>
-    <p:sldId id="269" r:id="rId17"/>
-    <p:sldId id="271" r:id="rId18"/>
-    <p:sldId id="272" r:id="rId19"/>
-    <p:sldId id="273" r:id="rId20"/>
-    <p:sldId id="274" r:id="rId21"/>
-    <p:sldId id="276" r:id="rId22"/>
-    <p:sldId id="279" r:id="rId23"/>
-    <p:sldId id="280" r:id="rId24"/>
-    <p:sldId id="281" r:id="rId25"/>
-    <p:sldId id="282" r:id="rId26"/>
-    <p:sldId id="283" r:id="rId27"/>
-    <p:sldId id="287" r:id="rId28"/>
-    <p:sldId id="288" r:id="rId29"/>
-    <p:sldId id="289" r:id="rId30"/>
-    <p:sldId id="299" r:id="rId31"/>
-    <p:sldId id="290" r:id="rId32"/>
-    <p:sldId id="291" r:id="rId33"/>
-    <p:sldId id="292" r:id="rId34"/>
-    <p:sldId id="293" r:id="rId35"/>
-    <p:sldId id="294" r:id="rId36"/>
-    <p:sldId id="295" r:id="rId37"/>
-    <p:sldId id="296" r:id="rId38"/>
-    <p:sldId id="297" r:id="rId39"/>
-    <p:sldId id="298" r:id="rId40"/>
-    <p:sldId id="300" r:id="rId41"/>
-    <p:sldId id="301" r:id="rId42"/>
-    <p:sldId id="303" r:id="rId43"/>
-    <p:sldId id="302" r:id="rId44"/>
-    <p:sldId id="304" r:id="rId45"/>
+    <p:sldId id="305" r:id="rId5"/>
+    <p:sldId id="257" r:id="rId6"/>
+    <p:sldId id="306" r:id="rId7"/>
+    <p:sldId id="258" r:id="rId8"/>
+    <p:sldId id="259" r:id="rId9"/>
+    <p:sldId id="260" r:id="rId10"/>
+    <p:sldId id="278" r:id="rId11"/>
+    <p:sldId id="261" r:id="rId12"/>
+    <p:sldId id="262" r:id="rId13"/>
+    <p:sldId id="263" r:id="rId14"/>
+    <p:sldId id="284" r:id="rId15"/>
+    <p:sldId id="270" r:id="rId16"/>
+    <p:sldId id="267" r:id="rId17"/>
+    <p:sldId id="268" r:id="rId18"/>
+    <p:sldId id="269" r:id="rId19"/>
+    <p:sldId id="271" r:id="rId20"/>
+    <p:sldId id="272" r:id="rId21"/>
+    <p:sldId id="273" r:id="rId22"/>
+    <p:sldId id="274" r:id="rId23"/>
+    <p:sldId id="276" r:id="rId24"/>
+    <p:sldId id="279" r:id="rId25"/>
+    <p:sldId id="280" r:id="rId26"/>
+    <p:sldId id="281" r:id="rId27"/>
+    <p:sldId id="282" r:id="rId28"/>
+    <p:sldId id="283" r:id="rId29"/>
+    <p:sldId id="287" r:id="rId30"/>
+    <p:sldId id="288" r:id="rId31"/>
+    <p:sldId id="289" r:id="rId32"/>
+    <p:sldId id="299" r:id="rId33"/>
+    <p:sldId id="290" r:id="rId34"/>
+    <p:sldId id="291" r:id="rId35"/>
+    <p:sldId id="292" r:id="rId36"/>
+    <p:sldId id="293" r:id="rId37"/>
+    <p:sldId id="294" r:id="rId38"/>
+    <p:sldId id="295" r:id="rId39"/>
+    <p:sldId id="296" r:id="rId40"/>
+    <p:sldId id="297" r:id="rId41"/>
+    <p:sldId id="298" r:id="rId42"/>
+    <p:sldId id="300" r:id="rId43"/>
+    <p:sldId id="301" r:id="rId44"/>
+    <p:sldId id="303" r:id="rId45"/>
+    <p:sldId id="302" r:id="rId46"/>
+    <p:sldId id="304" r:id="rId47"/>
   </p:sldIdLst>
   <p:sldSz cx="9144000" cy="6858000" type="screen4x3"/>
   <p:notesSz cx="7099300" cy="10223500"/>
@@ -3469,7 +3471,7 @@
           <a:p>
             <a:r>
               <a:rPr lang="en-GB" dirty="0" smtClean="0"/>
-              <a:t>ADO Store (1 of 2)</a:t>
+              <a:t>Upcoming Features – Core Library</a:t>
             </a:r>
             <a:endParaRPr lang="en-GB" dirty="0"/>
           </a:p>
@@ -3477,47 +3479,7 @@
       </p:sp>
       <p:sp>
         <p:nvSpPr>
-          <p:cNvPr id="3" name="Content Placeholder 2"/>
-          <p:cNvSpPr>
-            <a:spLocks noGrp="1"/>
-          </p:cNvSpPr>
-          <p:nvPr>
-            <p:ph idx="1"/>
-          </p:nvPr>
-        </p:nvSpPr>
-        <p:spPr/>
-        <p:txBody>
-          <a:bodyPr/>
-          <a:lstStyle/>
-          <a:p>
-            <a:r>
-              <a:rPr lang="en-GB" dirty="0" smtClean="0"/>
-              <a:t>A new SQL backend for </a:t>
-            </a:r>
-            <a:r>
-              <a:rPr lang="en-GB" dirty="0" err="1" smtClean="0"/>
-              <a:t>dotNetRDF</a:t>
-            </a:r>
-            <a:endParaRPr lang="en-GB" dirty="0" smtClean="0"/>
-          </a:p>
-          <a:p>
-            <a:r>
-              <a:rPr lang="en-GB" dirty="0" smtClean="0"/>
-              <a:t>Purely based on stored procedures so the code is independent of the database schema</a:t>
-            </a:r>
-          </a:p>
-          <a:p>
-            <a:r>
-              <a:rPr lang="en-GB" dirty="0" smtClean="0"/>
-              <a:t>Combines with new virtualised storage subsystem for improved SPARQL performance without need to load entire dataset into memory</a:t>
-            </a:r>
-            <a:endParaRPr lang="en-GB" dirty="0"/>
-          </a:p>
-        </p:txBody>
-      </p:sp>
-      <p:sp>
-        <p:nvSpPr>
-          <p:cNvPr id="4" name="Date Placeholder 3"/>
+          <p:cNvPr id="3" name="Date Placeholder 2"/>
           <p:cNvSpPr>
             <a:spLocks noGrp="1"/>
           </p:cNvSpPr>
@@ -3530,7 +3492,7 @@
           <a:bodyPr/>
           <a:lstStyle/>
           <a:p>
-            <a:fld id="{CDAEE9B0-25E7-4C28-AF1D-B3DDCE7EBBDB}" type="datetime1">
+            <a:fld id="{EA5D455B-ECD0-44E3-BA0C-3649A3FCD15C}" type="datetime1">
               <a:rPr lang="en-US" smtClean="0"/>
               <a:t>7/4/2011</a:t>
             </a:fld>
@@ -3540,7 +3502,7 @@
       </p:sp>
       <p:sp>
         <p:nvSpPr>
-          <p:cNvPr id="5" name="Footer Placeholder 4"/>
+          <p:cNvPr id="4" name="Footer Placeholder 3"/>
           <p:cNvSpPr>
             <a:spLocks noGrp="1"/>
           </p:cNvSpPr>
@@ -3563,7 +3525,7 @@
       </p:sp>
       <p:sp>
         <p:nvSpPr>
-          <p:cNvPr id="6" name="Slide Number Placeholder 5"/>
+          <p:cNvPr id="5" name="Slide Number Placeholder 4"/>
           <p:cNvSpPr>
             <a:spLocks noGrp="1"/>
           </p:cNvSpPr>
@@ -3588,7 +3550,7 @@
     </p:spTree>
     <p:extLst>
       <p:ext uri="{BB962C8B-B14F-4D97-AF65-F5344CB8AC3E}">
-        <p14:creationId xmlns:p14="http://schemas.microsoft.com/office/powerpoint/2010/main" val="2108512158"/>
+        <p14:creationId xmlns:p14="http://schemas.microsoft.com/office/powerpoint/2010/main" val="3728461749"/>
       </p:ext>
     </p:extLst>
   </p:cSld>
@@ -3632,7 +3594,7 @@
           <a:p>
             <a:r>
               <a:rPr lang="en-GB" dirty="0" smtClean="0"/>
-              <a:t>ADO Store (2 of 2)</a:t>
+              <a:t>Upcoming Features – Core Library</a:t>
             </a:r>
             <a:endParaRPr lang="en-GB" dirty="0"/>
           </a:p>
@@ -3650,24 +3612,43 @@
         </p:nvSpPr>
         <p:spPr/>
         <p:txBody>
-          <a:bodyPr/>
-          <a:lstStyle/>
-          <a:p>
-            <a:r>
-              <a:rPr lang="en-GB" dirty="0" smtClean="0"/>
-              <a:t>Existing SQL stores will henceforth be referred to as legacy stores</a:t>
-            </a:r>
-          </a:p>
-          <a:p>
-            <a:r>
-              <a:rPr lang="en-GB" dirty="0" smtClean="0"/>
-              <a:t>An upgrade path for legacy stores to the ADO store will be provided</a:t>
-            </a:r>
-          </a:p>
-          <a:p>
-            <a:r>
-              <a:rPr lang="en-GB" dirty="0" smtClean="0"/>
-              <a:t>Initial release will only include Microsoft SQL Server support – MySQL support may follow later</a:t>
+          <a:bodyPr>
+            <a:normAutofit lnSpcReduction="10000"/>
+          </a:bodyPr>
+          <a:lstStyle/>
+          <a:p>
+            <a:r>
+              <a:rPr lang="en-GB" dirty="0" smtClean="0"/>
+              <a:t>Version 0.5.0 will be a significant release introducing various new features and API additions/changes, including but not limited to:</a:t>
+            </a:r>
+          </a:p>
+          <a:p>
+            <a:pPr lvl="1"/>
+            <a:r>
+              <a:rPr lang="en-GB" dirty="0" smtClean="0"/>
+              <a:t>Rewritten SQL backend</a:t>
+            </a:r>
+          </a:p>
+          <a:p>
+            <a:pPr lvl="1"/>
+            <a:r>
+              <a:rPr lang="en-GB" dirty="0" smtClean="0"/>
+              <a:t>Handlers subsystem extended to be usable with query and storage subsystems</a:t>
+            </a:r>
+          </a:p>
+          <a:p>
+            <a:pPr lvl="1"/>
+            <a:r>
+              <a:rPr lang="en-GB" dirty="0" smtClean="0"/>
+              <a:t>New </a:t>
+            </a:r>
+            <a:r>
+              <a:rPr lang="en-GB" dirty="0" err="1" smtClean="0"/>
+              <a:t>RDFa</a:t>
+            </a:r>
+            <a:r>
+              <a:rPr lang="en-GB" dirty="0" smtClean="0"/>
+              <a:t> parser (time permitting)</a:t>
             </a:r>
             <a:endParaRPr lang="en-GB" dirty="0"/>
           </a:p>
@@ -3692,7 +3673,7 @@
               <a:rPr lang="en-US" smtClean="0"/>
               <a:t>7/4/2011</a:t>
             </a:fld>
-            <a:endParaRPr lang="en-GB" dirty="0"/>
+            <a:endParaRPr lang="en-GB"/>
           </a:p>
         </p:txBody>
       </p:sp>
@@ -3746,7 +3727,7 @@
     </p:spTree>
     <p:extLst>
       <p:ext uri="{BB962C8B-B14F-4D97-AF65-F5344CB8AC3E}">
-        <p14:creationId xmlns:p14="http://schemas.microsoft.com/office/powerpoint/2010/main" val="3738179165"/>
+        <p14:creationId xmlns:p14="http://schemas.microsoft.com/office/powerpoint/2010/main" val="3573922916"/>
       </p:ext>
     </p:extLst>
   </p:cSld>
@@ -3790,15 +3771,7 @@
           <a:p>
             <a:r>
               <a:rPr lang="en-GB" dirty="0" smtClean="0"/>
-              <a:t>New/Improved 3</a:t>
-            </a:r>
-            <a:r>
-              <a:rPr lang="en-GB" baseline="30000" dirty="0" smtClean="0"/>
-              <a:t>rd</a:t>
-            </a:r>
-            <a:r>
-              <a:rPr lang="en-GB" dirty="0" smtClean="0"/>
-              <a:t> Party Storage Support</a:t>
+              <a:t>ADO Store (1 of 2)</a:t>
             </a:r>
             <a:endParaRPr lang="en-GB" dirty="0"/>
           </a:p>
@@ -3821,37 +3794,24 @@
           <a:p>
             <a:r>
               <a:rPr lang="en-GB" dirty="0" smtClean="0"/>
-              <a:t>Improvements to </a:t>
+              <a:t>A new SQL backend for </a:t>
             </a:r>
             <a:r>
               <a:rPr lang="en-GB" dirty="0" err="1" smtClean="0"/>
-              <a:t>AllegroGraph</a:t>
-            </a:r>
-            <a:r>
-              <a:rPr lang="en-GB" dirty="0" smtClean="0"/>
-              <a:t> support to properly support </a:t>
-            </a:r>
-            <a:r>
-              <a:rPr lang="en-GB" dirty="0" err="1" smtClean="0"/>
-              <a:t>AllegroGraph</a:t>
-            </a:r>
-            <a:r>
-              <a:rPr lang="en-GB" dirty="0" smtClean="0"/>
-              <a:t> 4.x</a:t>
-            </a:r>
-          </a:p>
-          <a:p>
-            <a:r>
-              <a:rPr lang="en-GB" dirty="0" smtClean="0"/>
-              <a:t>Added </a:t>
-            </a:r>
-            <a:r>
-              <a:rPr lang="en-GB" dirty="0" err="1" smtClean="0"/>
-              <a:t>Dydra</a:t>
-            </a:r>
-            <a:r>
-              <a:rPr lang="en-GB" dirty="0" smtClean="0"/>
-              <a:t> support</a:t>
+              <a:t>dotNetRDF</a:t>
+            </a:r>
+            <a:endParaRPr lang="en-GB" dirty="0" smtClean="0"/>
+          </a:p>
+          <a:p>
+            <a:r>
+              <a:rPr lang="en-GB" dirty="0" smtClean="0"/>
+              <a:t>Purely based on stored procedures so the code is independent of the database schema</a:t>
+            </a:r>
+          </a:p>
+          <a:p>
+            <a:r>
+              <a:rPr lang="en-GB" dirty="0" smtClean="0"/>
+              <a:t>Combines with new virtualised storage subsystem for improved SPARQL performance without need to load entire dataset into memory</a:t>
             </a:r>
             <a:endParaRPr lang="en-GB" dirty="0"/>
           </a:p>
@@ -3930,7 +3890,7 @@
     </p:spTree>
     <p:extLst>
       <p:ext uri="{BB962C8B-B14F-4D97-AF65-F5344CB8AC3E}">
-        <p14:creationId xmlns:p14="http://schemas.microsoft.com/office/powerpoint/2010/main" val="1957182481"/>
+        <p14:creationId xmlns:p14="http://schemas.microsoft.com/office/powerpoint/2010/main" val="2108512158"/>
       </p:ext>
     </p:extLst>
   </p:cSld>
@@ -3974,7 +3934,7 @@
           <a:p>
             <a:r>
               <a:rPr lang="en-GB" dirty="0" smtClean="0"/>
-              <a:t>Virtualised Storage Subsystem</a:t>
+              <a:t>ADO Store (2 of 2)</a:t>
             </a:r>
             <a:endParaRPr lang="en-GB" dirty="0"/>
           </a:p>
@@ -3992,52 +3952,24 @@
         </p:nvSpPr>
         <p:spPr/>
         <p:txBody>
-          <a:bodyPr>
-            <a:normAutofit fontScale="85000" lnSpcReduction="10000"/>
-          </a:bodyPr>
-          <a:lstStyle/>
-          <a:p>
-            <a:r>
-              <a:rPr lang="en-GB" dirty="0" smtClean="0"/>
-              <a:t>A new subsystem which is added to the existing storage subsystem</a:t>
-            </a:r>
-          </a:p>
-          <a:p>
-            <a:r>
-              <a:rPr lang="en-GB" dirty="0" smtClean="0"/>
-              <a:t>Allows storage providers to return virtual identifiers for nodes rather than materialised values</a:t>
-            </a:r>
-          </a:p>
-          <a:p>
-            <a:pPr lvl="1"/>
-            <a:r>
-              <a:rPr lang="en-GB" dirty="0" smtClean="0"/>
-              <a:t>Provides for faster loading</a:t>
-            </a:r>
-          </a:p>
-          <a:p>
-            <a:pPr lvl="1"/>
-            <a:r>
-              <a:rPr lang="en-GB" dirty="0" smtClean="0"/>
-              <a:t>Allows better data caching, faster equality checking </a:t>
-            </a:r>
-            <a:r>
-              <a:rPr lang="en-GB" dirty="0" err="1" smtClean="0"/>
-              <a:t>etc</a:t>
-            </a:r>
-            <a:endParaRPr lang="en-GB" dirty="0" smtClean="0"/>
-          </a:p>
-          <a:p>
-            <a:pPr lvl="1"/>
-            <a:r>
-              <a:rPr lang="en-GB" dirty="0" smtClean="0"/>
-              <a:t>Designed primarily to improve performance for out of memory SPARQL datasets</a:t>
-            </a:r>
-          </a:p>
-          <a:p>
-            <a:r>
-              <a:rPr lang="en-GB" dirty="0" smtClean="0"/>
-              <a:t>Already used by the ADO Store</a:t>
+          <a:bodyPr/>
+          <a:lstStyle/>
+          <a:p>
+            <a:r>
+              <a:rPr lang="en-GB" dirty="0" smtClean="0"/>
+              <a:t>Existing SQL stores will henceforth be referred to as legacy stores</a:t>
+            </a:r>
+          </a:p>
+          <a:p>
+            <a:r>
+              <a:rPr lang="en-GB" dirty="0" smtClean="0"/>
+              <a:t>An upgrade path for legacy stores to the ADO store will be provided</a:t>
+            </a:r>
+          </a:p>
+          <a:p>
+            <a:r>
+              <a:rPr lang="en-GB" dirty="0" smtClean="0"/>
+              <a:t>Initial release will only include Microsoft SQL Server support – MySQL support may follow later</a:t>
             </a:r>
             <a:endParaRPr lang="en-GB" dirty="0"/>
           </a:p>
@@ -4062,7 +3994,7 @@
               <a:rPr lang="en-US" smtClean="0"/>
               <a:t>7/4/2011</a:t>
             </a:fld>
-            <a:endParaRPr lang="en-GB"/>
+            <a:endParaRPr lang="en-GB" dirty="0"/>
           </a:p>
         </p:txBody>
       </p:sp>
@@ -4116,7 +4048,7 @@
     </p:spTree>
     <p:extLst>
       <p:ext uri="{BB962C8B-B14F-4D97-AF65-F5344CB8AC3E}">
-        <p14:creationId xmlns:p14="http://schemas.microsoft.com/office/powerpoint/2010/main" val="2909703350"/>
+        <p14:creationId xmlns:p14="http://schemas.microsoft.com/office/powerpoint/2010/main" val="3738179165"/>
       </p:ext>
     </p:extLst>
   </p:cSld>
@@ -4160,7 +4092,15 @@
           <a:p>
             <a:r>
               <a:rPr lang="en-GB" dirty="0" smtClean="0"/>
-              <a:t>Handler Subsystem Extensions (1 of 3)</a:t>
+              <a:t>New/Improved 3</a:t>
+            </a:r>
+            <a:r>
+              <a:rPr lang="en-GB" baseline="30000" dirty="0" smtClean="0"/>
+              <a:t>rd</a:t>
+            </a:r>
+            <a:r>
+              <a:rPr lang="en-GB" dirty="0" smtClean="0"/>
+              <a:t> Party Storage Support</a:t>
             </a:r>
             <a:endParaRPr lang="en-GB" dirty="0"/>
           </a:p>
@@ -4178,28 +4118,42 @@
         </p:nvSpPr>
         <p:spPr/>
         <p:txBody>
-          <a:bodyPr>
-            <a:normAutofit lnSpcReduction="10000"/>
-          </a:bodyPr>
-          <a:lstStyle/>
-          <a:p>
-            <a:r>
-              <a:rPr lang="en-GB" dirty="0" smtClean="0"/>
-              <a:t>The Handlers subsystem was added in the previous release (0.4.1) and provides a way for users to control in detail what happens to triples/quads/SPARQL Results as they are parsed</a:t>
-            </a:r>
-          </a:p>
-          <a:p>
-            <a:pPr lvl="1"/>
-            <a:r>
-              <a:rPr lang="en-GB" dirty="0" smtClean="0"/>
-              <a:t>Permits early termination e.g. reading the first 10 triples then stopping</a:t>
-            </a:r>
-          </a:p>
-          <a:p>
-            <a:pPr lvl="1"/>
-            <a:r>
-              <a:rPr lang="en-GB" dirty="0" smtClean="0"/>
-              <a:t>Highly flexible API</a:t>
+          <a:bodyPr/>
+          <a:lstStyle/>
+          <a:p>
+            <a:r>
+              <a:rPr lang="en-GB" dirty="0" smtClean="0"/>
+              <a:t>Improvements to </a:t>
+            </a:r>
+            <a:r>
+              <a:rPr lang="en-GB" dirty="0" err="1" smtClean="0"/>
+              <a:t>AllegroGraph</a:t>
+            </a:r>
+            <a:r>
+              <a:rPr lang="en-GB" dirty="0" smtClean="0"/>
+              <a:t> support to properly support </a:t>
+            </a:r>
+            <a:r>
+              <a:rPr lang="en-GB" dirty="0" err="1" smtClean="0"/>
+              <a:t>AllegroGraph</a:t>
+            </a:r>
+            <a:r>
+              <a:rPr lang="en-GB" dirty="0" smtClean="0"/>
+              <a:t> 4.x</a:t>
+            </a:r>
+          </a:p>
+          <a:p>
+            <a:r>
+              <a:rPr lang="en-GB" dirty="0" smtClean="0"/>
+              <a:t>Added </a:t>
+            </a:r>
+            <a:r>
+              <a:rPr lang="en-GB" dirty="0" err="1" smtClean="0"/>
+              <a:t>Dydra</a:t>
+            </a:r>
+            <a:r>
+              <a:rPr lang="en-GB" dirty="0" smtClean="0"/>
+              <a:t> support</a:t>
             </a:r>
             <a:endParaRPr lang="en-GB" dirty="0"/>
           </a:p>
@@ -4278,7 +4232,7 @@
     </p:spTree>
     <p:extLst>
       <p:ext uri="{BB962C8B-B14F-4D97-AF65-F5344CB8AC3E}">
-        <p14:creationId xmlns:p14="http://schemas.microsoft.com/office/powerpoint/2010/main" val="3472818035"/>
+        <p14:creationId xmlns:p14="http://schemas.microsoft.com/office/powerpoint/2010/main" val="1957182481"/>
       </p:ext>
     </p:extLst>
   </p:cSld>
@@ -4322,7 +4276,7 @@
           <a:p>
             <a:r>
               <a:rPr lang="en-GB" dirty="0" smtClean="0"/>
-              <a:t>Handler Subsystem Extensions (2 of 3)</a:t>
+              <a:t>Virtualised Storage Subsystem</a:t>
             </a:r>
             <a:endParaRPr lang="en-GB" dirty="0"/>
           </a:p>
@@ -4341,33 +4295,51 @@
         <p:spPr/>
         <p:txBody>
           <a:bodyPr>
-            <a:normAutofit fontScale="92500"/>
+            <a:normAutofit fontScale="85000" lnSpcReduction="10000"/>
           </a:bodyPr>
           <a:lstStyle/>
           <a:p>
             <a:r>
               <a:rPr lang="en-GB" dirty="0" smtClean="0"/>
-              <a:t>Want to extend this subsystem to other parts of the API e.g. the query and storage subsystems</a:t>
-            </a:r>
-          </a:p>
-          <a:p>
-            <a:r>
-              <a:rPr lang="en-GB" dirty="0" smtClean="0"/>
-              <a:t>Query Subsystem</a:t>
+              <a:t>A new subsystem which is added to the existing storage subsystem</a:t>
+            </a:r>
+          </a:p>
+          <a:p>
+            <a:r>
+              <a:rPr lang="en-GB" dirty="0" smtClean="0"/>
+              <a:t>Allows storage providers to return virtual identifiers for nodes rather than materialised values</a:t>
             </a:r>
           </a:p>
           <a:p>
             <a:pPr lvl="1"/>
             <a:r>
               <a:rPr lang="en-GB" dirty="0" smtClean="0"/>
-              <a:t>When making a query it should be possible to provide two handlers – one for handling RDF and one for SPARQL Results</a:t>
+              <a:t>Provides for faster loading</a:t>
             </a:r>
           </a:p>
           <a:p>
             <a:pPr lvl="1"/>
             <a:r>
               <a:rPr lang="en-GB" dirty="0" smtClean="0"/>
-              <a:t>These handlers will be used to handle the generated results</a:t>
+              <a:t>Allows better data caching, faster equality checking </a:t>
+            </a:r>
+            <a:r>
+              <a:rPr lang="en-GB" dirty="0" err="1" smtClean="0"/>
+              <a:t>etc</a:t>
+            </a:r>
+            <a:endParaRPr lang="en-GB" dirty="0" smtClean="0"/>
+          </a:p>
+          <a:p>
+            <a:pPr lvl="1"/>
+            <a:r>
+              <a:rPr lang="en-GB" dirty="0" smtClean="0"/>
+              <a:t>Designed primarily to improve performance for out of memory SPARQL datasets</a:t>
+            </a:r>
+          </a:p>
+          <a:p>
+            <a:r>
+              <a:rPr lang="en-GB" dirty="0" smtClean="0"/>
+              <a:t>Already used by the ADO Store</a:t>
             </a:r>
             <a:endParaRPr lang="en-GB" dirty="0"/>
           </a:p>
@@ -4446,7 +4418,7 @@
     </p:spTree>
     <p:extLst>
       <p:ext uri="{BB962C8B-B14F-4D97-AF65-F5344CB8AC3E}">
-        <p14:creationId xmlns:p14="http://schemas.microsoft.com/office/powerpoint/2010/main" val="1034858646"/>
+        <p14:creationId xmlns:p14="http://schemas.microsoft.com/office/powerpoint/2010/main" val="2909703350"/>
       </p:ext>
     </p:extLst>
   </p:cSld>
@@ -4490,7 +4462,7 @@
           <a:p>
             <a:r>
               <a:rPr lang="en-GB" dirty="0" smtClean="0"/>
-              <a:t>Handler Subsystem Extensions (3 of 3)</a:t>
+              <a:t>Handler Subsystem Extensions (1 of 3)</a:t>
             </a:r>
             <a:endParaRPr lang="en-GB" dirty="0"/>
           </a:p>
@@ -4509,42 +4481,27 @@
         <p:spPr/>
         <p:txBody>
           <a:bodyPr>
-            <a:normAutofit fontScale="92500" lnSpcReduction="10000"/>
+            <a:normAutofit lnSpcReduction="10000"/>
           </a:bodyPr>
           <a:lstStyle/>
           <a:p>
             <a:r>
               <a:rPr lang="en-GB" dirty="0" smtClean="0"/>
-              <a:t>Storage Subsystem</a:t>
+              <a:t>The Handlers subsystem was added in the previous release (0.4.1) and provides a way for users to control in detail what happens to triples/quads/SPARQL Results as they are parsed</a:t>
             </a:r>
           </a:p>
           <a:p>
             <a:pPr lvl="1"/>
             <a:r>
               <a:rPr lang="en-GB" dirty="0" smtClean="0"/>
-              <a:t>Current limitation is that when you load a graph you have to wait for the entire graph to load</a:t>
+              <a:t>Permits early termination e.g. reading the first 10 triples then stopping</a:t>
             </a:r>
           </a:p>
           <a:p>
             <a:pPr lvl="1"/>
             <a:r>
               <a:rPr lang="en-GB" dirty="0" smtClean="0"/>
-              <a:t>Adding </a:t>
-            </a:r>
-            <a:r>
-              <a:rPr lang="en-GB" dirty="0" err="1" smtClean="0"/>
-              <a:t>LoadGraph</a:t>
-            </a:r>
-            <a:r>
-              <a:rPr lang="en-GB" dirty="0" smtClean="0"/>
-              <a:t>() overloads that take handlers allow users detailed control over how much of a graph they load</a:t>
-            </a:r>
-          </a:p>
-          <a:p>
-            <a:pPr lvl="1"/>
-            <a:r>
-              <a:rPr lang="en-GB" dirty="0" smtClean="0"/>
-              <a:t>In line with the query subsystem extensions also overload the Query() method of the storage subsystem to permit usage of handlers there as well</a:t>
+              <a:t>Highly flexible API</a:t>
             </a:r>
             <a:endParaRPr lang="en-GB" dirty="0"/>
           </a:p>
@@ -4623,7 +4580,7 @@
     </p:spTree>
     <p:extLst>
       <p:ext uri="{BB962C8B-B14F-4D97-AF65-F5344CB8AC3E}">
-        <p14:creationId xmlns:p14="http://schemas.microsoft.com/office/powerpoint/2010/main" val="3849529298"/>
+        <p14:creationId xmlns:p14="http://schemas.microsoft.com/office/powerpoint/2010/main" val="3472818035"/>
       </p:ext>
     </p:extLst>
   </p:cSld>
@@ -4667,15 +4624,7 @@
           <a:p>
             <a:r>
               <a:rPr lang="en-GB" dirty="0" smtClean="0"/>
-              <a:t>New </a:t>
-            </a:r>
-            <a:r>
-              <a:rPr lang="en-GB" dirty="0" err="1" smtClean="0"/>
-              <a:t>RDFa</a:t>
-            </a:r>
-            <a:r>
-              <a:rPr lang="en-GB" dirty="0" smtClean="0"/>
-              <a:t> Parser</a:t>
+              <a:t>Handler Subsystem Extensions (2 of 3)</a:t>
             </a:r>
             <a:endParaRPr lang="en-GB" dirty="0"/>
           </a:p>
@@ -4694,73 +4643,35 @@
         <p:spPr/>
         <p:txBody>
           <a:bodyPr>
-            <a:normAutofit lnSpcReduction="10000"/>
+            <a:normAutofit fontScale="92500"/>
           </a:bodyPr>
           <a:lstStyle/>
           <a:p>
             <a:r>
               <a:rPr lang="en-GB" dirty="0" smtClean="0"/>
-              <a:t>Is a brand new non-recursive </a:t>
-            </a:r>
-            <a:r>
-              <a:rPr lang="en-GB" dirty="0" err="1" smtClean="0"/>
-              <a:t>RDFa</a:t>
-            </a:r>
-            <a:r>
-              <a:rPr lang="en-GB" dirty="0" smtClean="0"/>
-              <a:t> parser that supports arbitrary host languages</a:t>
+              <a:t>Want to extend this subsystem to other parts of the API e.g. the query and storage subsystems</a:t>
+            </a:r>
+          </a:p>
+          <a:p>
+            <a:r>
+              <a:rPr lang="en-GB" dirty="0" smtClean="0"/>
+              <a:t>Query Subsystem</a:t>
             </a:r>
           </a:p>
           <a:p>
             <a:pPr lvl="1"/>
             <a:r>
               <a:rPr lang="en-GB" dirty="0" smtClean="0"/>
-              <a:t>i.e. not just </a:t>
-            </a:r>
-            <a:r>
-              <a:rPr lang="en-GB" dirty="0" err="1" smtClean="0"/>
-              <a:t>RDFa</a:t>
-            </a:r>
-            <a:r>
-              <a:rPr lang="en-GB" dirty="0" smtClean="0"/>
-              <a:t> + (X)HTML</a:t>
-            </a:r>
-          </a:p>
-          <a:p>
-            <a:r>
-              <a:rPr lang="en-GB" dirty="0" smtClean="0"/>
-              <a:t>Much more memory efficient (non-recursive)</a:t>
-            </a:r>
-          </a:p>
-          <a:p>
-            <a:r>
-              <a:rPr lang="en-GB" i="1" dirty="0" smtClean="0"/>
-              <a:t>Time Permitting Feature</a:t>
-            </a:r>
-            <a:r>
-              <a:rPr lang="en-GB" dirty="0" smtClean="0"/>
-              <a:t> – </a:t>
-            </a:r>
-            <a:r>
-              <a:rPr lang="en-GB" dirty="0" err="1" smtClean="0"/>
-              <a:t>RDFa</a:t>
-            </a:r>
-            <a:r>
-              <a:rPr lang="en-GB" dirty="0" smtClean="0"/>
-              <a:t> parsing is rather complex and prone to error</a:t>
+              <a:t>When making a query it should be possible to provide two handlers – one for handling RDF and one for SPARQL Results</a:t>
             </a:r>
           </a:p>
           <a:p>
             <a:pPr lvl="1"/>
             <a:r>
-              <a:rPr lang="en-GB" dirty="0"/>
-              <a:t>I</a:t>
-            </a:r>
-            <a:r>
-              <a:rPr lang="en-GB" dirty="0" smtClean="0"/>
-              <a:t>f the parser is not ready in time it will be pushed back to the 0.5.1 minor release</a:t>
-            </a:r>
-            <a:endParaRPr lang="en-GB" i="1" dirty="0"/>
+              <a:rPr lang="en-GB" dirty="0" smtClean="0"/>
+              <a:t>These handlers will be used to handle the generated results</a:t>
+            </a:r>
+            <a:endParaRPr lang="en-GB" dirty="0"/>
           </a:p>
         </p:txBody>
       </p:sp>
@@ -4837,7 +4748,7 @@
     </p:spTree>
     <p:extLst>
       <p:ext uri="{BB962C8B-B14F-4D97-AF65-F5344CB8AC3E}">
-        <p14:creationId xmlns:p14="http://schemas.microsoft.com/office/powerpoint/2010/main" val="4093170207"/>
+        <p14:creationId xmlns:p14="http://schemas.microsoft.com/office/powerpoint/2010/main" val="1034858646"/>
       </p:ext>
     </p:extLst>
   </p:cSld>
@@ -4881,7 +4792,7 @@
           <a:p>
             <a:r>
               <a:rPr lang="en-GB" dirty="0" smtClean="0"/>
-              <a:t>Query Subsystem Enhancements (1 of 2)</a:t>
+              <a:t>Handler Subsystem Extensions (3 of 3)</a:t>
             </a:r>
             <a:endParaRPr lang="en-GB" dirty="0"/>
           </a:p>
@@ -4899,43 +4810,43 @@
         </p:nvSpPr>
         <p:spPr/>
         <p:txBody>
-          <a:bodyPr/>
-          <a:lstStyle/>
-          <a:p>
-            <a:r>
-              <a:rPr lang="en-GB" dirty="0" smtClean="0"/>
-              <a:t>Major work on SPARQL Optimisation (25-30% performance boost)</a:t>
+          <a:bodyPr>
+            <a:normAutofit fontScale="92500" lnSpcReduction="10000"/>
+          </a:bodyPr>
+          <a:lstStyle/>
+          <a:p>
+            <a:r>
+              <a:rPr lang="en-GB" dirty="0" smtClean="0"/>
+              <a:t>Storage Subsystem</a:t>
             </a:r>
           </a:p>
           <a:p>
             <a:pPr lvl="1"/>
             <a:r>
               <a:rPr lang="en-GB" dirty="0" smtClean="0"/>
-              <a:t>Improved data structures internally</a:t>
+              <a:t>Current limitation is that when you load a graph you have to wait for the entire graph to load</a:t>
             </a:r>
           </a:p>
           <a:p>
             <a:pPr lvl="1"/>
             <a:r>
               <a:rPr lang="en-GB" dirty="0" smtClean="0"/>
-              <a:t>Improved use of caching</a:t>
-            </a:r>
-          </a:p>
-          <a:p>
-            <a:r>
-              <a:rPr lang="en-GB" dirty="0" smtClean="0"/>
-              <a:t>New Algebra operators so everything can be converted into pure algebra if desired</a:t>
+              <a:t>Adding </a:t>
+            </a:r>
+            <a:r>
+              <a:rPr lang="en-GB" dirty="0" err="1" smtClean="0"/>
+              <a:t>LoadGraph</a:t>
+            </a:r>
+            <a:r>
+              <a:rPr lang="en-GB" dirty="0" smtClean="0"/>
+              <a:t>() overloads that take handlers allow users detailed control over how much of a graph they load</a:t>
             </a:r>
           </a:p>
           <a:p>
             <a:pPr lvl="1"/>
             <a:r>
-              <a:rPr lang="en-GB" dirty="0" err="1" smtClean="0"/>
-              <a:t>StrictAlgebraOptimiser</a:t>
-            </a:r>
-            <a:r>
-              <a:rPr lang="en-GB" dirty="0" smtClean="0"/>
-              <a:t> added which does this</a:t>
+              <a:rPr lang="en-GB" dirty="0" smtClean="0"/>
+              <a:t>In line with the query subsystem extensions also overload the Query() method of the storage subsystem to permit usage of handlers there as well</a:t>
             </a:r>
             <a:endParaRPr lang="en-GB" dirty="0"/>
           </a:p>
@@ -5014,7 +4925,7 @@
     </p:spTree>
     <p:extLst>
       <p:ext uri="{BB962C8B-B14F-4D97-AF65-F5344CB8AC3E}">
-        <p14:creationId xmlns:p14="http://schemas.microsoft.com/office/powerpoint/2010/main" val="509411177"/>
+        <p14:creationId xmlns:p14="http://schemas.microsoft.com/office/powerpoint/2010/main" val="3849529298"/>
       </p:ext>
     </p:extLst>
   </p:cSld>
@@ -5053,14 +4964,20 @@
         </p:nvSpPr>
         <p:spPr/>
         <p:txBody>
-          <a:bodyPr>
-            <a:normAutofit/>
-          </a:bodyPr>
-          <a:lstStyle/>
-          <a:p>
-            <a:r>
-              <a:rPr lang="en-GB" dirty="0" smtClean="0"/>
-              <a:t>Query Subsystem Enhancements (2 of 2)</a:t>
+          <a:bodyPr/>
+          <a:lstStyle/>
+          <a:p>
+            <a:r>
+              <a:rPr lang="en-GB" dirty="0" smtClean="0"/>
+              <a:t>New </a:t>
+            </a:r>
+            <a:r>
+              <a:rPr lang="en-GB" dirty="0" err="1" smtClean="0"/>
+              <a:t>RDFa</a:t>
+            </a:r>
+            <a:r>
+              <a:rPr lang="en-GB" dirty="0" smtClean="0"/>
+              <a:t> Parser</a:t>
             </a:r>
             <a:endParaRPr lang="en-GB" dirty="0"/>
           </a:p>
@@ -5085,38 +5002,67 @@
           <a:p>
             <a:r>
               <a:rPr lang="en-GB" dirty="0" smtClean="0"/>
-              <a:t>Leviathan Query Engine refactored to make it much easier to extend</a:t>
+              <a:t>Is a brand new non-recursive </a:t>
+            </a:r>
+            <a:r>
+              <a:rPr lang="en-GB" dirty="0" err="1" smtClean="0"/>
+              <a:t>RDFa</a:t>
+            </a:r>
+            <a:r>
+              <a:rPr lang="en-GB" dirty="0" smtClean="0"/>
+              <a:t> parser that supports arbitrary host languages</a:t>
             </a:r>
           </a:p>
           <a:p>
             <a:pPr lvl="1"/>
             <a:r>
               <a:rPr lang="en-GB" dirty="0" smtClean="0"/>
-              <a:t>Can now just derive from </a:t>
+              <a:t>i.e. not just </a:t>
             </a:r>
             <a:r>
               <a:rPr lang="en-GB" dirty="0" err="1" smtClean="0"/>
-              <a:t>LeviathanQueryProcessor</a:t>
-            </a:r>
-            <a:r>
-              <a:rPr lang="en-GB" dirty="0" smtClean="0"/>
-              <a:t> and override the desired methods</a:t>
-            </a:r>
-          </a:p>
-          <a:p>
-            <a:r>
-              <a:rPr lang="en-GB" dirty="0" smtClean="0"/>
-              <a:t>Added an </a:t>
+              <a:t>RDFa</a:t>
+            </a:r>
+            <a:r>
+              <a:rPr lang="en-GB" dirty="0" smtClean="0"/>
+              <a:t> + (X)HTML</a:t>
+            </a:r>
+          </a:p>
+          <a:p>
+            <a:r>
+              <a:rPr lang="en-GB" dirty="0" smtClean="0"/>
+              <a:t>Much more memory efficient (non-recursive)</a:t>
+            </a:r>
+          </a:p>
+          <a:p>
+            <a:r>
+              <a:rPr lang="en-GB" i="1" dirty="0" smtClean="0"/>
+              <a:t>Time Permitting Feature</a:t>
+            </a:r>
+            <a:r>
+              <a:rPr lang="en-GB" dirty="0" smtClean="0"/>
+              <a:t> – </a:t>
             </a:r>
             <a:r>
               <a:rPr lang="en-GB" dirty="0" err="1" smtClean="0"/>
-              <a:t>ExplainQueryProcessor</a:t>
-            </a:r>
-            <a:r>
-              <a:rPr lang="en-GB" dirty="0" smtClean="0"/>
-              <a:t> which extends the standard engine and prints explanations of query processing</a:t>
-            </a:r>
-            <a:endParaRPr lang="en-GB" dirty="0"/>
+              <a:t>RDFa</a:t>
+            </a:r>
+            <a:r>
+              <a:rPr lang="en-GB" dirty="0" smtClean="0"/>
+              <a:t> parsing is rather complex and prone to error</a:t>
+            </a:r>
+          </a:p>
+          <a:p>
+            <a:pPr lvl="1"/>
+            <a:r>
+              <a:rPr lang="en-GB" dirty="0"/>
+              <a:t>I</a:t>
+            </a:r>
+            <a:r>
+              <a:rPr lang="en-GB" dirty="0" smtClean="0"/>
+              <a:t>f the parser is not ready in time it will be pushed back to the 0.5.1 minor release</a:t>
+            </a:r>
+            <a:endParaRPr lang="en-GB" i="1" dirty="0"/>
           </a:p>
         </p:txBody>
       </p:sp>
@@ -5193,7 +5139,7 @@
     </p:spTree>
     <p:extLst>
       <p:ext uri="{BB962C8B-B14F-4D97-AF65-F5344CB8AC3E}">
-        <p14:creationId xmlns:p14="http://schemas.microsoft.com/office/powerpoint/2010/main" val="673125997"/>
+        <p14:creationId xmlns:p14="http://schemas.microsoft.com/office/powerpoint/2010/main" val="4093170207"/>
       </p:ext>
     </p:extLst>
   </p:cSld>
@@ -5428,7 +5374,7 @@
           <a:p>
             <a:r>
               <a:rPr lang="en-GB" dirty="0" smtClean="0"/>
-              <a:t>Writing Subsystem Enhancements</a:t>
+              <a:t>Query Subsystem Enhancements (1 of 2)</a:t>
             </a:r>
             <a:endParaRPr lang="en-GB" dirty="0"/>
           </a:p>
@@ -5451,14 +5397,38 @@
           <a:p>
             <a:r>
               <a:rPr lang="en-GB" dirty="0" smtClean="0"/>
-              <a:t>Added a number of new interfaces to Writing namespace to mark different capabilities of writers</a:t>
+              <a:t>Major work on SPARQL Optimisation (25-30% performance boost)</a:t>
             </a:r>
           </a:p>
           <a:p>
             <a:pPr lvl="1"/>
             <a:r>
               <a:rPr lang="en-GB" dirty="0" smtClean="0"/>
-              <a:t>Added configuration properties to the Configuration API which allow these features to be configured – all HTTP Handlers support these</a:t>
+              <a:t>Improved data structures internally</a:t>
+            </a:r>
+          </a:p>
+          <a:p>
+            <a:pPr lvl="1"/>
+            <a:r>
+              <a:rPr lang="en-GB" dirty="0" smtClean="0"/>
+              <a:t>Improved use of caching</a:t>
+            </a:r>
+          </a:p>
+          <a:p>
+            <a:r>
+              <a:rPr lang="en-GB" dirty="0" smtClean="0"/>
+              <a:t>New Algebra operators so everything can be converted into pure algebra if desired</a:t>
+            </a:r>
+          </a:p>
+          <a:p>
+            <a:pPr lvl="1"/>
+            <a:r>
+              <a:rPr lang="en-GB" dirty="0" err="1" smtClean="0"/>
+              <a:t>StrictAlgebraOptimiser</a:t>
+            </a:r>
+            <a:r>
+              <a:rPr lang="en-GB" dirty="0" smtClean="0"/>
+              <a:t> added which does this</a:t>
             </a:r>
             <a:endParaRPr lang="en-GB" dirty="0"/>
           </a:p>
@@ -5537,7 +5507,7 @@
     </p:spTree>
     <p:extLst>
       <p:ext uri="{BB962C8B-B14F-4D97-AF65-F5344CB8AC3E}">
-        <p14:creationId xmlns:p14="http://schemas.microsoft.com/office/powerpoint/2010/main" val="2964860377"/>
+        <p14:creationId xmlns:p14="http://schemas.microsoft.com/office/powerpoint/2010/main" val="509411177"/>
       </p:ext>
     </p:extLst>
   </p:cSld>
@@ -5576,21 +5546,147 @@
         </p:nvSpPr>
         <p:spPr/>
         <p:txBody>
-          <a:bodyPr/>
-          <a:lstStyle/>
-          <a:p>
-            <a:r>
-              <a:rPr lang="en-GB" dirty="0" smtClean="0"/>
-              <a:t>Upcoming Features - Toolkit</a:t>
+          <a:bodyPr>
+            <a:normAutofit/>
+          </a:bodyPr>
+          <a:lstStyle/>
+          <a:p>
+            <a:r>
+              <a:rPr lang="en-GB" dirty="0" smtClean="0"/>
+              <a:t>Query Subsystem Enhancements (2 of 2)</a:t>
             </a:r>
             <a:endParaRPr lang="en-GB" dirty="0"/>
+          </a:p>
+        </p:txBody>
+      </p:sp>
+      <p:sp>
+        <p:nvSpPr>
+          <p:cNvPr id="3" name="Content Placeholder 2"/>
+          <p:cNvSpPr>
+            <a:spLocks noGrp="1"/>
+          </p:cNvSpPr>
+          <p:nvPr>
+            <p:ph idx="1"/>
+          </p:nvPr>
+        </p:nvSpPr>
+        <p:spPr/>
+        <p:txBody>
+          <a:bodyPr>
+            <a:normAutofit lnSpcReduction="10000"/>
+          </a:bodyPr>
+          <a:lstStyle/>
+          <a:p>
+            <a:r>
+              <a:rPr lang="en-GB" dirty="0" smtClean="0"/>
+              <a:t>Leviathan Query Engine refactored to make it much easier to extend</a:t>
+            </a:r>
+          </a:p>
+          <a:p>
+            <a:pPr lvl="1"/>
+            <a:r>
+              <a:rPr lang="en-GB" dirty="0" smtClean="0"/>
+              <a:t>Can now just derive from </a:t>
+            </a:r>
+            <a:r>
+              <a:rPr lang="en-GB" dirty="0" err="1" smtClean="0"/>
+              <a:t>LeviathanQueryProcessor</a:t>
+            </a:r>
+            <a:r>
+              <a:rPr lang="en-GB" dirty="0" smtClean="0"/>
+              <a:t> and override the desired methods</a:t>
+            </a:r>
+          </a:p>
+          <a:p>
+            <a:r>
+              <a:rPr lang="en-GB" dirty="0" smtClean="0"/>
+              <a:t>Added an </a:t>
+            </a:r>
+            <a:r>
+              <a:rPr lang="en-GB" dirty="0" err="1" smtClean="0"/>
+              <a:t>ExplainQueryProcessor</a:t>
+            </a:r>
+            <a:r>
+              <a:rPr lang="en-GB" dirty="0" smtClean="0"/>
+              <a:t> which extends the standard engine and prints explanations of query processing</a:t>
+            </a:r>
+            <a:endParaRPr lang="en-GB" dirty="0"/>
+          </a:p>
+        </p:txBody>
+      </p:sp>
+      <p:sp>
+        <p:nvSpPr>
+          <p:cNvPr id="4" name="Date Placeholder 3"/>
+          <p:cNvSpPr>
+            <a:spLocks noGrp="1"/>
+          </p:cNvSpPr>
+          <p:nvPr>
+            <p:ph type="dt" sz="half" idx="10"/>
+          </p:nvPr>
+        </p:nvSpPr>
+        <p:spPr/>
+        <p:txBody>
+          <a:bodyPr/>
+          <a:lstStyle/>
+          <a:p>
+            <a:fld id="{CDAEE9B0-25E7-4C28-AF1D-B3DDCE7EBBDB}" type="datetime1">
+              <a:rPr lang="en-US" smtClean="0"/>
+              <a:t>7/4/2011</a:t>
+            </a:fld>
+            <a:endParaRPr lang="en-GB"/>
+          </a:p>
+        </p:txBody>
+      </p:sp>
+      <p:sp>
+        <p:nvSpPr>
+          <p:cNvPr id="5" name="Footer Placeholder 4"/>
+          <p:cNvSpPr>
+            <a:spLocks noGrp="1"/>
+          </p:cNvSpPr>
+          <p:nvPr>
+            <p:ph type="ftr" sz="quarter" idx="11"/>
+          </p:nvPr>
+        </p:nvSpPr>
+        <p:spPr/>
+        <p:txBody>
+          <a:bodyPr/>
+          <a:lstStyle/>
+          <a:p>
+            <a:r>
+              <a:rPr lang="en-GB" smtClean="0"/>
+              <a:t>http://www.dotnetrdf.org</a:t>
+            </a:r>
+            <a:endParaRPr lang="en-GB"/>
+          </a:p>
+        </p:txBody>
+      </p:sp>
+      <p:sp>
+        <p:nvSpPr>
+          <p:cNvPr id="6" name="Slide Number Placeholder 5"/>
+          <p:cNvSpPr>
+            <a:spLocks noGrp="1"/>
+          </p:cNvSpPr>
+          <p:nvPr>
+            <p:ph type="sldNum" sz="quarter" idx="12"/>
+          </p:nvPr>
+        </p:nvSpPr>
+        <p:spPr/>
+        <p:txBody>
+          <a:bodyPr/>
+          <a:lstStyle/>
+          <a:p>
+            <a:fld id="{35128F56-7434-487A-8B29-0C024560A5F4}" type="slidenum">
+              <a:rPr lang="en-GB" smtClean="0"/>
+              <a:pPr/>
+              <a:t>21</a:t>
+            </a:fld>
+            <a:endParaRPr lang="en-GB"/>
           </a:p>
         </p:txBody>
       </p:sp>
     </p:spTree>
     <p:extLst>
       <p:ext uri="{BB962C8B-B14F-4D97-AF65-F5344CB8AC3E}">
-        <p14:creationId xmlns:p14="http://schemas.microsoft.com/office/powerpoint/2010/main" val="798346359"/>
+        <p14:creationId xmlns:p14="http://schemas.microsoft.com/office/powerpoint/2010/main" val="673125997"/>
       </p:ext>
     </p:extLst>
   </p:cSld>
@@ -5619,7 +5715,7 @@
       </p:grpSpPr>
       <p:sp>
         <p:nvSpPr>
-          <p:cNvPr id="6" name="Title 5"/>
+          <p:cNvPr id="2" name="Title 1"/>
           <p:cNvSpPr>
             <a:spLocks noGrp="1"/>
           </p:cNvSpPr>
@@ -5634,7 +5730,7 @@
           <a:p>
             <a:r>
               <a:rPr lang="en-GB" dirty="0" smtClean="0"/>
-              <a:t>Upcoming Features - Toolkit</a:t>
+              <a:t>Writing Subsystem Enhancements</a:t>
             </a:r>
             <a:endParaRPr lang="en-GB" dirty="0"/>
           </a:p>
@@ -5642,7 +5738,7 @@
       </p:sp>
       <p:sp>
         <p:nvSpPr>
-          <p:cNvPr id="7" name="Content Placeholder 6"/>
+          <p:cNvPr id="3" name="Content Placeholder 2"/>
           <p:cNvSpPr>
             <a:spLocks noGrp="1"/>
           </p:cNvSpPr>
@@ -5652,61 +5748,27 @@
         </p:nvSpPr>
         <p:spPr/>
         <p:txBody>
-          <a:bodyPr>
-            <a:normAutofit fontScale="92500"/>
-          </a:bodyPr>
-          <a:lstStyle/>
-          <a:p>
-            <a:r>
-              <a:rPr lang="en-GB" dirty="0" smtClean="0"/>
-              <a:t>There will likely be minimal changes to the Toolkit for the next release (0.3.0) but the following will see some changes/minor upgrades:</a:t>
+          <a:bodyPr/>
+          <a:lstStyle/>
+          <a:p>
+            <a:r>
+              <a:rPr lang="en-GB" dirty="0" smtClean="0"/>
+              <a:t>Added a number of new interfaces to Writing namespace to mark different capabilities of writers</a:t>
             </a:r>
           </a:p>
           <a:p>
             <a:pPr lvl="1"/>
             <a:r>
-              <a:rPr lang="en-GB" dirty="0" err="1" smtClean="0"/>
-              <a:t>rdfConvert</a:t>
-            </a:r>
-            <a:endParaRPr lang="en-GB" dirty="0" smtClean="0"/>
-          </a:p>
-          <a:p>
-            <a:pPr lvl="1"/>
-            <a:r>
-              <a:rPr lang="en-GB" dirty="0" err="1" smtClean="0"/>
-              <a:t>rdfQuery</a:t>
-            </a:r>
-            <a:endParaRPr lang="en-GB" dirty="0" smtClean="0"/>
-          </a:p>
-          <a:p>
-            <a:pPr lvl="1"/>
-            <a:r>
-              <a:rPr lang="en-GB" dirty="0" err="1" smtClean="0"/>
-              <a:t>rdfEditor</a:t>
-            </a:r>
-            <a:endParaRPr lang="en-GB" dirty="0" smtClean="0"/>
-          </a:p>
-          <a:p>
-            <a:pPr lvl="1"/>
-            <a:r>
-              <a:rPr lang="en-GB" dirty="0" err="1" smtClean="0"/>
-              <a:t>SparqlGUI</a:t>
-            </a:r>
-            <a:endParaRPr lang="en-GB" dirty="0" smtClean="0"/>
-          </a:p>
-          <a:p>
-            <a:pPr lvl="1"/>
-            <a:r>
-              <a:rPr lang="en-GB" dirty="0" err="1" smtClean="0"/>
-              <a:t>StoreManager</a:t>
-            </a:r>
-            <a:endParaRPr lang="en-GB" dirty="0" smtClean="0"/>
-          </a:p>
-        </p:txBody>
-      </p:sp>
-      <p:sp>
-        <p:nvSpPr>
-          <p:cNvPr id="3" name="Date Placeholder 2"/>
+              <a:rPr lang="en-GB" dirty="0" smtClean="0"/>
+              <a:t>Added configuration properties to the Configuration API which allow these features to be configured – all HTTP Handlers support these</a:t>
+            </a:r>
+            <a:endParaRPr lang="en-GB" dirty="0"/>
+          </a:p>
+        </p:txBody>
+      </p:sp>
+      <p:sp>
+        <p:nvSpPr>
+          <p:cNvPr id="4" name="Date Placeholder 3"/>
           <p:cNvSpPr>
             <a:spLocks noGrp="1"/>
           </p:cNvSpPr>
@@ -5719,7 +5781,7 @@
           <a:bodyPr/>
           <a:lstStyle/>
           <a:p>
-            <a:fld id="{EA5D455B-ECD0-44E3-BA0C-3649A3FCD15C}" type="datetime1">
+            <a:fld id="{CDAEE9B0-25E7-4C28-AF1D-B3DDCE7EBBDB}" type="datetime1">
               <a:rPr lang="en-US" smtClean="0"/>
               <a:t>7/4/2011</a:t>
             </a:fld>
@@ -5729,7 +5791,7 @@
       </p:sp>
       <p:sp>
         <p:nvSpPr>
-          <p:cNvPr id="4" name="Footer Placeholder 3"/>
+          <p:cNvPr id="5" name="Footer Placeholder 4"/>
           <p:cNvSpPr>
             <a:spLocks noGrp="1"/>
           </p:cNvSpPr>
@@ -5752,7 +5814,7 @@
       </p:sp>
       <p:sp>
         <p:nvSpPr>
-          <p:cNvPr id="5" name="Slide Number Placeholder 4"/>
+          <p:cNvPr id="6" name="Slide Number Placeholder 5"/>
           <p:cNvSpPr>
             <a:spLocks noGrp="1"/>
           </p:cNvSpPr>
@@ -5777,7 +5839,7 @@
     </p:spTree>
     <p:extLst>
       <p:ext uri="{BB962C8B-B14F-4D97-AF65-F5344CB8AC3E}">
-        <p14:creationId xmlns:p14="http://schemas.microsoft.com/office/powerpoint/2010/main" val="118536430"/>
+        <p14:creationId xmlns:p14="http://schemas.microsoft.com/office/powerpoint/2010/main" val="2964860377"/>
       </p:ext>
     </p:extLst>
   </p:cSld>
@@ -5806,170 +5868,31 @@
       </p:grpSpPr>
       <p:sp>
         <p:nvSpPr>
-          <p:cNvPr id="8" name="Text Placeholder 7"/>
-          <p:cNvSpPr>
-            <a:spLocks noGrp="1"/>
-          </p:cNvSpPr>
-          <p:nvPr>
-            <p:ph type="body" idx="1"/>
-          </p:nvPr>
-        </p:nvSpPr>
-        <p:spPr/>
-        <p:txBody>
-          <a:bodyPr/>
-          <a:lstStyle/>
-          <a:p>
-            <a:r>
-              <a:rPr lang="en-GB" dirty="0" err="1" smtClean="0"/>
-              <a:t>rdfConvert</a:t>
+          <p:cNvPr id="2" name="Title 1"/>
+          <p:cNvSpPr>
+            <a:spLocks noGrp="1"/>
+          </p:cNvSpPr>
+          <p:nvPr>
+            <p:ph type="title"/>
+          </p:nvPr>
+        </p:nvSpPr>
+        <p:spPr/>
+        <p:txBody>
+          <a:bodyPr/>
+          <a:lstStyle/>
+          <a:p>
+            <a:r>
+              <a:rPr lang="en-GB" dirty="0" smtClean="0"/>
+              <a:t>Upcoming Features - Toolkit</a:t>
             </a:r>
             <a:endParaRPr lang="en-GB" dirty="0"/>
-          </a:p>
-        </p:txBody>
-      </p:sp>
-      <p:sp>
-        <p:nvSpPr>
-          <p:cNvPr id="3" name="Content Placeholder 2"/>
-          <p:cNvSpPr>
-            <a:spLocks noGrp="1"/>
-          </p:cNvSpPr>
-          <p:nvPr>
-            <p:ph sz="half" idx="2"/>
-          </p:nvPr>
-        </p:nvSpPr>
-        <p:spPr/>
-        <p:txBody>
-          <a:bodyPr/>
-          <a:lstStyle/>
-          <a:p>
-            <a:r>
-              <a:rPr lang="en-GB" dirty="0" smtClean="0"/>
-              <a:t>With the addition of new formatters to the core library more formats will be eligible for fast conversion</a:t>
-            </a:r>
-            <a:endParaRPr lang="en-GB" dirty="0"/>
-          </a:p>
-        </p:txBody>
-      </p:sp>
-      <p:sp>
-        <p:nvSpPr>
-          <p:cNvPr id="9" name="Text Placeholder 8"/>
-          <p:cNvSpPr>
-            <a:spLocks noGrp="1"/>
-          </p:cNvSpPr>
-          <p:nvPr>
-            <p:ph type="body" sz="quarter" idx="3"/>
-          </p:nvPr>
-        </p:nvSpPr>
-        <p:spPr/>
-        <p:txBody>
-          <a:bodyPr/>
-          <a:lstStyle/>
-          <a:p>
-            <a:r>
-              <a:rPr lang="en-GB" dirty="0" err="1" smtClean="0"/>
-              <a:t>rdfQuery</a:t>
-            </a:r>
-            <a:endParaRPr lang="en-GB" dirty="0"/>
-          </a:p>
-        </p:txBody>
-      </p:sp>
-      <p:sp>
-        <p:nvSpPr>
-          <p:cNvPr id="10" name="Content Placeholder 9"/>
-          <p:cNvSpPr>
-            <a:spLocks noGrp="1"/>
-          </p:cNvSpPr>
-          <p:nvPr>
-            <p:ph sz="quarter" idx="4"/>
-          </p:nvPr>
-        </p:nvSpPr>
-        <p:spPr/>
-        <p:txBody>
-          <a:bodyPr/>
-          <a:lstStyle/>
-          <a:p>
-            <a:r>
-              <a:rPr lang="en-GB" dirty="0" smtClean="0"/>
-              <a:t>Changes in the core library now permit for the explanation of query execution so support for this will be added</a:t>
-            </a:r>
-            <a:endParaRPr lang="en-GB" dirty="0"/>
-          </a:p>
-        </p:txBody>
-      </p:sp>
-      <p:sp>
-        <p:nvSpPr>
-          <p:cNvPr id="4" name="Date Placeholder 3"/>
-          <p:cNvSpPr>
-            <a:spLocks noGrp="1"/>
-          </p:cNvSpPr>
-          <p:nvPr>
-            <p:ph type="dt" sz="half" idx="10"/>
-          </p:nvPr>
-        </p:nvSpPr>
-        <p:spPr/>
-        <p:txBody>
-          <a:bodyPr/>
-          <a:lstStyle/>
-          <a:p>
-            <a:fld id="{CDAEE9B0-25E7-4C28-AF1D-B3DDCE7EBBDB}" type="datetime1">
-              <a:rPr lang="en-US" smtClean="0"/>
-              <a:t>7/4/2011</a:t>
-            </a:fld>
-            <a:endParaRPr lang="en-GB"/>
-          </a:p>
-        </p:txBody>
-      </p:sp>
-      <p:sp>
-        <p:nvSpPr>
-          <p:cNvPr id="5" name="Footer Placeholder 4"/>
-          <p:cNvSpPr>
-            <a:spLocks noGrp="1"/>
-          </p:cNvSpPr>
-          <p:nvPr>
-            <p:ph type="ftr" sz="quarter" idx="11"/>
-          </p:nvPr>
-        </p:nvSpPr>
-        <p:spPr/>
-        <p:txBody>
-          <a:bodyPr/>
-          <a:lstStyle/>
-          <a:p>
-            <a:r>
-              <a:rPr lang="en-GB" smtClean="0"/>
-              <a:t>http://www.dotnetrdf.org</a:t>
-            </a:r>
-            <a:endParaRPr lang="en-GB"/>
-          </a:p>
-        </p:txBody>
-      </p:sp>
-      <p:sp>
-        <p:nvSpPr>
-          <p:cNvPr id="6" name="Slide Number Placeholder 5"/>
-          <p:cNvSpPr>
-            <a:spLocks noGrp="1"/>
-          </p:cNvSpPr>
-          <p:nvPr>
-            <p:ph type="sldNum" sz="quarter" idx="12"/>
-          </p:nvPr>
-        </p:nvSpPr>
-        <p:spPr/>
-        <p:txBody>
-          <a:bodyPr/>
-          <a:lstStyle/>
-          <a:p>
-            <a:fld id="{35128F56-7434-487A-8B29-0C024560A5F4}" type="slidenum">
-              <a:rPr lang="en-GB" smtClean="0"/>
-              <a:pPr/>
-              <a:t>23</a:t>
-            </a:fld>
-            <a:endParaRPr lang="en-GB"/>
           </a:p>
         </p:txBody>
       </p:sp>
     </p:spTree>
     <p:extLst>
       <p:ext uri="{BB962C8B-B14F-4D97-AF65-F5344CB8AC3E}">
-        <p14:creationId xmlns:p14="http://schemas.microsoft.com/office/powerpoint/2010/main" val="299555438"/>
+        <p14:creationId xmlns:p14="http://schemas.microsoft.com/office/powerpoint/2010/main" val="798346359"/>
       </p:ext>
     </p:extLst>
   </p:cSld>
@@ -5998,7 +5921,7 @@
       </p:grpSpPr>
       <p:sp>
         <p:nvSpPr>
-          <p:cNvPr id="2" name="Title 1"/>
+          <p:cNvPr id="6" name="Title 5"/>
           <p:cNvSpPr>
             <a:spLocks noGrp="1"/>
           </p:cNvSpPr>
@@ -6011,46 +5934,81 @@
           <a:bodyPr/>
           <a:lstStyle/>
           <a:p>
+            <a:r>
+              <a:rPr lang="en-GB" dirty="0" smtClean="0"/>
+              <a:t>Upcoming Features - Toolkit</a:t>
+            </a:r>
+            <a:endParaRPr lang="en-GB" dirty="0"/>
+          </a:p>
+        </p:txBody>
+      </p:sp>
+      <p:sp>
+        <p:nvSpPr>
+          <p:cNvPr id="7" name="Content Placeholder 6"/>
+          <p:cNvSpPr>
+            <a:spLocks noGrp="1"/>
+          </p:cNvSpPr>
+          <p:nvPr>
+            <p:ph idx="1"/>
+          </p:nvPr>
+        </p:nvSpPr>
+        <p:spPr/>
+        <p:txBody>
+          <a:bodyPr>
+            <a:normAutofit fontScale="92500"/>
+          </a:bodyPr>
+          <a:lstStyle/>
+          <a:p>
+            <a:r>
+              <a:rPr lang="en-GB" dirty="0" smtClean="0"/>
+              <a:t>There will likely be minimal changes to the Toolkit for the next release (0.3.0) but the following will see some changes/minor upgrades:</a:t>
+            </a:r>
+          </a:p>
+          <a:p>
+            <a:pPr lvl="1"/>
+            <a:r>
+              <a:rPr lang="en-GB" dirty="0" err="1" smtClean="0"/>
+              <a:t>rdfConvert</a:t>
+            </a:r>
+            <a:endParaRPr lang="en-GB" dirty="0" smtClean="0"/>
+          </a:p>
+          <a:p>
+            <a:pPr lvl="1"/>
+            <a:r>
+              <a:rPr lang="en-GB" dirty="0" err="1" smtClean="0"/>
+              <a:t>rdfQuery</a:t>
+            </a:r>
+            <a:endParaRPr lang="en-GB" dirty="0" smtClean="0"/>
+          </a:p>
+          <a:p>
+            <a:pPr lvl="1"/>
             <a:r>
               <a:rPr lang="en-GB" dirty="0" err="1" smtClean="0"/>
               <a:t>rdfEditor</a:t>
             </a:r>
-            <a:endParaRPr lang="en-GB" dirty="0"/>
-          </a:p>
-        </p:txBody>
-      </p:sp>
-      <p:sp>
-        <p:nvSpPr>
-          <p:cNvPr id="3" name="Content Placeholder 2"/>
-          <p:cNvSpPr>
-            <a:spLocks noGrp="1"/>
-          </p:cNvSpPr>
-          <p:nvPr>
-            <p:ph idx="1"/>
-          </p:nvPr>
-        </p:nvSpPr>
-        <p:spPr/>
-        <p:txBody>
-          <a:bodyPr/>
-          <a:lstStyle/>
-          <a:p>
-            <a:r>
-              <a:rPr lang="en-GB" dirty="0" smtClean="0"/>
-              <a:t>Speed improvements will be made to syntax validation</a:t>
-            </a:r>
-          </a:p>
-          <a:p>
-            <a:r>
-              <a:rPr lang="en-GB" dirty="0" smtClean="0"/>
-              <a:t>Time permitting there will be some internal API refactoring to permit planned changes in future releases</a:t>
-            </a:r>
-            <a:endParaRPr lang="en-GB" dirty="0"/>
-          </a:p>
-        </p:txBody>
-      </p:sp>
-      <p:sp>
-        <p:nvSpPr>
-          <p:cNvPr id="4" name="Date Placeholder 3"/>
+            <a:endParaRPr lang="en-GB" dirty="0" smtClean="0"/>
+          </a:p>
+          <a:p>
+            <a:pPr lvl="1"/>
+            <a:r>
+              <a:rPr lang="en-GB" dirty="0" err="1" smtClean="0"/>
+              <a:t>SparqlGUI</a:t>
+            </a:r>
+            <a:endParaRPr lang="en-GB" dirty="0" smtClean="0"/>
+          </a:p>
+          <a:p>
+            <a:pPr lvl="1"/>
+            <a:r>
+              <a:rPr lang="en-GB" dirty="0" err="1" smtClean="0"/>
+              <a:t>StoreManager</a:t>
+            </a:r>
+            <a:endParaRPr lang="en-GB" dirty="0" smtClean="0"/>
+          </a:p>
+        </p:txBody>
+      </p:sp>
+      <p:sp>
+        <p:nvSpPr>
+          <p:cNvPr id="3" name="Date Placeholder 2"/>
           <p:cNvSpPr>
             <a:spLocks noGrp="1"/>
           </p:cNvSpPr>
@@ -6063,7 +6021,7 @@
           <a:bodyPr/>
           <a:lstStyle/>
           <a:p>
-            <a:fld id="{CDAEE9B0-25E7-4C28-AF1D-B3DDCE7EBBDB}" type="datetime1">
+            <a:fld id="{EA5D455B-ECD0-44E3-BA0C-3649A3FCD15C}" type="datetime1">
               <a:rPr lang="en-US" smtClean="0"/>
               <a:t>7/4/2011</a:t>
             </a:fld>
@@ -6073,7 +6031,7 @@
       </p:sp>
       <p:sp>
         <p:nvSpPr>
-          <p:cNvPr id="5" name="Footer Placeholder 4"/>
+          <p:cNvPr id="4" name="Footer Placeholder 3"/>
           <p:cNvSpPr>
             <a:spLocks noGrp="1"/>
           </p:cNvSpPr>
@@ -6096,7 +6054,7 @@
       </p:sp>
       <p:sp>
         <p:nvSpPr>
-          <p:cNvPr id="6" name="Slide Number Placeholder 5"/>
+          <p:cNvPr id="5" name="Slide Number Placeholder 4"/>
           <p:cNvSpPr>
             <a:spLocks noGrp="1"/>
           </p:cNvSpPr>
@@ -6121,7 +6079,7 @@
     </p:spTree>
     <p:extLst>
       <p:ext uri="{BB962C8B-B14F-4D97-AF65-F5344CB8AC3E}">
-        <p14:creationId xmlns:p14="http://schemas.microsoft.com/office/powerpoint/2010/main" val="1002032322"/>
+        <p14:creationId xmlns:p14="http://schemas.microsoft.com/office/powerpoint/2010/main" val="118536430"/>
       </p:ext>
     </p:extLst>
   </p:cSld>
@@ -6150,12 +6108,12 @@
       </p:grpSpPr>
       <p:sp>
         <p:nvSpPr>
-          <p:cNvPr id="2" name="Title 1"/>
-          <p:cNvSpPr>
-            <a:spLocks noGrp="1"/>
-          </p:cNvSpPr>
-          <p:nvPr>
-            <p:ph type="title"/>
+          <p:cNvPr id="8" name="Text Placeholder 7"/>
+          <p:cNvSpPr>
+            <a:spLocks noGrp="1"/>
+          </p:cNvSpPr>
+          <p:nvPr>
+            <p:ph type="body" idx="1"/>
           </p:nvPr>
         </p:nvSpPr>
         <p:spPr/>
@@ -6165,7 +6123,7 @@
           <a:p>
             <a:r>
               <a:rPr lang="en-GB" dirty="0" err="1" smtClean="0"/>
-              <a:t>SparqlGUI</a:t>
+              <a:t>rdfConvert</a:t>
             </a:r>
             <a:endParaRPr lang="en-GB" dirty="0"/>
           </a:p>
@@ -6178,34 +6136,64 @@
             <a:spLocks noGrp="1"/>
           </p:cNvSpPr>
           <p:nvPr>
-            <p:ph idx="1"/>
-          </p:nvPr>
-        </p:nvSpPr>
-        <p:spPr/>
-        <p:txBody>
-          <a:bodyPr/>
-          <a:lstStyle/>
-          <a:p>
-            <a:r>
-              <a:rPr lang="en-GB" dirty="0" smtClean="0"/>
-              <a:t>Support for query explanation will also be added to the tool</a:t>
-            </a:r>
-          </a:p>
-          <a:p>
-            <a:pPr lvl="1"/>
-            <a:r>
-              <a:rPr lang="en-GB" dirty="0" smtClean="0"/>
-              <a:t>An explain button can be used just to show the explanation trace</a:t>
-            </a:r>
-          </a:p>
-          <a:p>
-            <a:pPr lvl="1"/>
-            <a:r>
-              <a:rPr lang="en-GB" dirty="0" smtClean="0"/>
-              <a:t>A Log Explanations option has been added so explanations for all queries are added to the log file</a:t>
-            </a:r>
-          </a:p>
-          <a:p>
+            <p:ph sz="half" idx="2"/>
+          </p:nvPr>
+        </p:nvSpPr>
+        <p:spPr/>
+        <p:txBody>
+          <a:bodyPr/>
+          <a:lstStyle/>
+          <a:p>
+            <a:r>
+              <a:rPr lang="en-GB" dirty="0" smtClean="0"/>
+              <a:t>With the addition of new formatters to the core library more formats will be eligible for fast conversion</a:t>
+            </a:r>
+            <a:endParaRPr lang="en-GB" dirty="0"/>
+          </a:p>
+        </p:txBody>
+      </p:sp>
+      <p:sp>
+        <p:nvSpPr>
+          <p:cNvPr id="9" name="Text Placeholder 8"/>
+          <p:cNvSpPr>
+            <a:spLocks noGrp="1"/>
+          </p:cNvSpPr>
+          <p:nvPr>
+            <p:ph type="body" sz="quarter" idx="3"/>
+          </p:nvPr>
+        </p:nvSpPr>
+        <p:spPr/>
+        <p:txBody>
+          <a:bodyPr/>
+          <a:lstStyle/>
+          <a:p>
+            <a:r>
+              <a:rPr lang="en-GB" dirty="0" err="1" smtClean="0"/>
+              <a:t>rdfQuery</a:t>
+            </a:r>
+            <a:endParaRPr lang="en-GB" dirty="0"/>
+          </a:p>
+        </p:txBody>
+      </p:sp>
+      <p:sp>
+        <p:nvSpPr>
+          <p:cNvPr id="10" name="Content Placeholder 9"/>
+          <p:cNvSpPr>
+            <a:spLocks noGrp="1"/>
+          </p:cNvSpPr>
+          <p:nvPr>
+            <p:ph sz="quarter" idx="4"/>
+          </p:nvPr>
+        </p:nvSpPr>
+        <p:spPr/>
+        <p:txBody>
+          <a:bodyPr/>
+          <a:lstStyle/>
+          <a:p>
+            <a:r>
+              <a:rPr lang="en-GB" dirty="0" smtClean="0"/>
+              <a:t>Changes in the core library now permit for the explanation of query execution so support for this will be added</a:t>
+            </a:r>
             <a:endParaRPr lang="en-GB" dirty="0"/>
           </a:p>
         </p:txBody>
@@ -6283,7 +6271,7 @@
     </p:spTree>
     <p:extLst>
       <p:ext uri="{BB962C8B-B14F-4D97-AF65-F5344CB8AC3E}">
-        <p14:creationId xmlns:p14="http://schemas.microsoft.com/office/powerpoint/2010/main" val="1473382163"/>
+        <p14:creationId xmlns:p14="http://schemas.microsoft.com/office/powerpoint/2010/main" val="299555438"/>
       </p:ext>
     </p:extLst>
   </p:cSld>
@@ -6327,7 +6315,7 @@
           <a:p>
             <a:r>
               <a:rPr lang="en-GB" dirty="0" err="1" smtClean="0"/>
-              <a:t>StoreManager</a:t>
+              <a:t>rdfEditor</a:t>
             </a:r>
             <a:endParaRPr lang="en-GB" dirty="0"/>
           </a:p>
@@ -6345,65 +6333,20 @@
         </p:nvSpPr>
         <p:spPr/>
         <p:txBody>
-          <a:bodyPr>
-            <a:normAutofit lnSpcReduction="10000"/>
-          </a:bodyPr>
-          <a:lstStyle/>
-          <a:p>
-            <a:r>
-              <a:rPr lang="en-GB" dirty="0" smtClean="0"/>
-              <a:t>Support for new stores</a:t>
-            </a:r>
-          </a:p>
-          <a:p>
-            <a:pPr lvl="1"/>
-            <a:r>
-              <a:rPr lang="en-GB" dirty="0" smtClean="0"/>
-              <a:t>ADO Store and </a:t>
-            </a:r>
-            <a:r>
-              <a:rPr lang="en-GB" dirty="0" err="1" smtClean="0"/>
-              <a:t>Dydra</a:t>
-            </a:r>
-            <a:endParaRPr lang="en-GB" dirty="0" smtClean="0"/>
-          </a:p>
-          <a:p>
-            <a:r>
-              <a:rPr lang="en-GB" dirty="0" smtClean="0"/>
-              <a:t>Improved </a:t>
-            </a:r>
-            <a:r>
-              <a:rPr lang="en-GB" dirty="0" err="1" smtClean="0"/>
-              <a:t>AllegroGraph</a:t>
-            </a:r>
-            <a:r>
-              <a:rPr lang="en-GB" dirty="0" smtClean="0"/>
-              <a:t> 4.x support</a:t>
-            </a:r>
-          </a:p>
-          <a:p>
-            <a:r>
-              <a:rPr lang="en-GB" dirty="0" smtClean="0"/>
-              <a:t>Will use the handler subsystem extensions in the core library to:</a:t>
-            </a:r>
-          </a:p>
-          <a:p>
-            <a:pPr lvl="1"/>
-            <a:r>
-              <a:rPr lang="en-GB" dirty="0"/>
-              <a:t>I</a:t>
-            </a:r>
-            <a:r>
-              <a:rPr lang="en-GB" dirty="0" smtClean="0"/>
-              <a:t>mprove export speed when possible</a:t>
-            </a:r>
-          </a:p>
-          <a:p>
-            <a:pPr lvl="1"/>
-            <a:r>
-              <a:rPr lang="en-GB" dirty="0" smtClean="0"/>
-              <a:t>Provide a preview graph function which returns the first 100 triples of a graph</a:t>
-            </a:r>
+          <a:bodyPr/>
+          <a:lstStyle/>
+          <a:p>
+            <a:r>
+              <a:rPr lang="en-GB" dirty="0" smtClean="0"/>
+              <a:t>Speed improvements will be made to syntax validation</a:t>
+            </a:r>
+          </a:p>
+          <a:p>
+            <a:r>
+              <a:rPr lang="en-GB" dirty="0" smtClean="0"/>
+              <a:t>Time permitting there will be some internal API refactoring to permit planned changes in future releases</a:t>
+            </a:r>
+            <a:endParaRPr lang="en-GB" dirty="0"/>
           </a:p>
         </p:txBody>
       </p:sp>
@@ -6480,7 +6423,7 @@
     </p:spTree>
     <p:extLst>
       <p:ext uri="{BB962C8B-B14F-4D97-AF65-F5344CB8AC3E}">
-        <p14:creationId xmlns:p14="http://schemas.microsoft.com/office/powerpoint/2010/main" val="370317736"/>
+        <p14:creationId xmlns:p14="http://schemas.microsoft.com/office/powerpoint/2010/main" val="1002032322"/>
       </p:ext>
     </p:extLst>
   </p:cSld>
@@ -6523,8 +6466,8 @@
           <a:lstStyle/>
           <a:p>
             <a:r>
-              <a:rPr lang="en-GB" dirty="0" smtClean="0"/>
-              <a:t>Architecture Roadmap</a:t>
+              <a:rPr lang="en-GB" dirty="0" err="1" smtClean="0"/>
+              <a:t>SparqlGUI</a:t>
             </a:r>
             <a:endParaRPr lang="en-GB" dirty="0"/>
           </a:p>
@@ -6532,7 +6475,46 @@
       </p:sp>
       <p:sp>
         <p:nvSpPr>
-          <p:cNvPr id="3" name="Date Placeholder 2"/>
+          <p:cNvPr id="3" name="Content Placeholder 2"/>
+          <p:cNvSpPr>
+            <a:spLocks noGrp="1"/>
+          </p:cNvSpPr>
+          <p:nvPr>
+            <p:ph idx="1"/>
+          </p:nvPr>
+        </p:nvSpPr>
+        <p:spPr/>
+        <p:txBody>
+          <a:bodyPr/>
+          <a:lstStyle/>
+          <a:p>
+            <a:r>
+              <a:rPr lang="en-GB" dirty="0" smtClean="0"/>
+              <a:t>Support for query explanation will also be added to the tool</a:t>
+            </a:r>
+          </a:p>
+          <a:p>
+            <a:pPr lvl="1"/>
+            <a:r>
+              <a:rPr lang="en-GB" dirty="0" smtClean="0"/>
+              <a:t>An explain button can be used just to show the explanation trace</a:t>
+            </a:r>
+          </a:p>
+          <a:p>
+            <a:pPr lvl="1"/>
+            <a:r>
+              <a:rPr lang="en-GB" dirty="0" smtClean="0"/>
+              <a:t>A Log Explanations option has been added so explanations for all queries are added to the log file</a:t>
+            </a:r>
+          </a:p>
+          <a:p>
+            <a:endParaRPr lang="en-GB" dirty="0"/>
+          </a:p>
+        </p:txBody>
+      </p:sp>
+      <p:sp>
+        <p:nvSpPr>
+          <p:cNvPr id="4" name="Date Placeholder 3"/>
           <p:cNvSpPr>
             <a:spLocks noGrp="1"/>
           </p:cNvSpPr>
@@ -6545,7 +6527,7 @@
           <a:bodyPr/>
           <a:lstStyle/>
           <a:p>
-            <a:fld id="{EA5D455B-ECD0-44E3-BA0C-3649A3FCD15C}" type="datetime1">
+            <a:fld id="{CDAEE9B0-25E7-4C28-AF1D-B3DDCE7EBBDB}" type="datetime1">
               <a:rPr lang="en-US" smtClean="0"/>
               <a:t>7/4/2011</a:t>
             </a:fld>
@@ -6555,7 +6537,7 @@
       </p:sp>
       <p:sp>
         <p:nvSpPr>
-          <p:cNvPr id="4" name="Footer Placeholder 3"/>
+          <p:cNvPr id="5" name="Footer Placeholder 4"/>
           <p:cNvSpPr>
             <a:spLocks noGrp="1"/>
           </p:cNvSpPr>
@@ -6578,7 +6560,7 @@
       </p:sp>
       <p:sp>
         <p:nvSpPr>
-          <p:cNvPr id="5" name="Slide Number Placeholder 4"/>
+          <p:cNvPr id="6" name="Slide Number Placeholder 5"/>
           <p:cNvSpPr>
             <a:spLocks noGrp="1"/>
           </p:cNvSpPr>
@@ -6603,7 +6585,7 @@
     </p:spTree>
     <p:extLst>
       <p:ext uri="{BB962C8B-B14F-4D97-AF65-F5344CB8AC3E}">
-        <p14:creationId xmlns:p14="http://schemas.microsoft.com/office/powerpoint/2010/main" val="106888204"/>
+        <p14:creationId xmlns:p14="http://schemas.microsoft.com/office/powerpoint/2010/main" val="1473382163"/>
       </p:ext>
     </p:extLst>
   </p:cSld>
@@ -6632,7 +6614,7 @@
       </p:grpSpPr>
       <p:sp>
         <p:nvSpPr>
-          <p:cNvPr id="6" name="Title 5"/>
+          <p:cNvPr id="2" name="Title 1"/>
           <p:cNvSpPr>
             <a:spLocks noGrp="1"/>
           </p:cNvSpPr>
@@ -6646,8 +6628,8 @@
           <a:lstStyle/>
           <a:p>
             <a:r>
-              <a:rPr lang="en-GB" dirty="0" smtClean="0"/>
-              <a:t>Current Architecture</a:t>
+              <a:rPr lang="en-GB" dirty="0" err="1" smtClean="0"/>
+              <a:t>StoreManager</a:t>
             </a:r>
             <a:endParaRPr lang="en-GB" dirty="0"/>
           </a:p>
@@ -6655,7 +6637,7 @@
       </p:sp>
       <p:sp>
         <p:nvSpPr>
-          <p:cNvPr id="7" name="Content Placeholder 6"/>
+          <p:cNvPr id="3" name="Content Placeholder 2"/>
           <p:cNvSpPr>
             <a:spLocks noGrp="1"/>
           </p:cNvSpPr>
@@ -6665,33 +6647,71 @@
         </p:nvSpPr>
         <p:spPr/>
         <p:txBody>
-          <a:bodyPr/>
-          <a:lstStyle/>
-          <a:p>
-            <a:r>
-              <a:rPr lang="en-GB" dirty="0" smtClean="0"/>
-              <a:t>Currently the core library is a single library which is not ideal design</a:t>
-            </a:r>
-          </a:p>
-          <a:p>
-            <a:r>
-              <a:rPr lang="en-GB" dirty="0" smtClean="0"/>
-              <a:t>Some features already reside in external libraries e.g. </a:t>
+          <a:bodyPr>
+            <a:normAutofit lnSpcReduction="10000"/>
+          </a:bodyPr>
+          <a:lstStyle/>
+          <a:p>
+            <a:r>
+              <a:rPr lang="en-GB" dirty="0" smtClean="0"/>
+              <a:t>Support for new stores</a:t>
+            </a:r>
+          </a:p>
+          <a:p>
+            <a:pPr lvl="1"/>
+            <a:r>
+              <a:rPr lang="en-GB" dirty="0" smtClean="0"/>
+              <a:t>ADO Store and </a:t>
             </a:r>
             <a:r>
               <a:rPr lang="en-GB" dirty="0" err="1" smtClean="0"/>
-              <a:t>dotNetRDF.WinForms</a:t>
-            </a:r>
-            <a:r>
-              <a:rPr lang="en-GB" dirty="0" smtClean="0"/>
-              <a:t> provides common functionality for Windows Forms GUIs</a:t>
-            </a:r>
-          </a:p>
-        </p:txBody>
-      </p:sp>
-      <p:sp>
-        <p:nvSpPr>
-          <p:cNvPr id="3" name="Date Placeholder 2"/>
+              <a:t>Dydra</a:t>
+            </a:r>
+            <a:endParaRPr lang="en-GB" dirty="0" smtClean="0"/>
+          </a:p>
+          <a:p>
+            <a:r>
+              <a:rPr lang="en-GB" dirty="0" smtClean="0"/>
+              <a:t>Improved </a:t>
+            </a:r>
+            <a:r>
+              <a:rPr lang="en-GB" dirty="0" err="1" smtClean="0"/>
+              <a:t>AllegroGraph</a:t>
+            </a:r>
+            <a:r>
+              <a:rPr lang="en-GB" dirty="0" smtClean="0"/>
+              <a:t> 4.x support</a:t>
+            </a:r>
+          </a:p>
+          <a:p>
+            <a:r>
+              <a:rPr lang="en-GB" dirty="0" smtClean="0"/>
+              <a:t>Will use the handler subsystem extensions in the core library to:</a:t>
+            </a:r>
+          </a:p>
+          <a:p>
+            <a:pPr lvl="1"/>
+            <a:r>
+              <a:rPr lang="en-GB" dirty="0"/>
+              <a:t>I</a:t>
+            </a:r>
+            <a:r>
+              <a:rPr lang="en-GB" dirty="0" smtClean="0"/>
+              <a:t>mprove export speed when possible</a:t>
+            </a:r>
+          </a:p>
+          <a:p>
+            <a:pPr lvl="1"/>
+            <a:r>
+              <a:rPr lang="en-GB" dirty="0" smtClean="0"/>
+              <a:t>Provide a preview graph function which returns the first 100 triples of a graph</a:t>
+            </a:r>
+          </a:p>
+        </p:txBody>
+      </p:sp>
+      <p:sp>
+        <p:nvSpPr>
+          <p:cNvPr id="4" name="Date Placeholder 3"/>
           <p:cNvSpPr>
             <a:spLocks noGrp="1"/>
           </p:cNvSpPr>
@@ -6704,7 +6724,7 @@
           <a:bodyPr/>
           <a:lstStyle/>
           <a:p>
-            <a:fld id="{EA5D455B-ECD0-44E3-BA0C-3649A3FCD15C}" type="datetime1">
+            <a:fld id="{CDAEE9B0-25E7-4C28-AF1D-B3DDCE7EBBDB}" type="datetime1">
               <a:rPr lang="en-US" smtClean="0"/>
               <a:t>7/4/2011</a:t>
             </a:fld>
@@ -6714,7 +6734,7 @@
       </p:sp>
       <p:sp>
         <p:nvSpPr>
-          <p:cNvPr id="4" name="Footer Placeholder 3"/>
+          <p:cNvPr id="5" name="Footer Placeholder 4"/>
           <p:cNvSpPr>
             <a:spLocks noGrp="1"/>
           </p:cNvSpPr>
@@ -6737,7 +6757,7 @@
       </p:sp>
       <p:sp>
         <p:nvSpPr>
-          <p:cNvPr id="5" name="Slide Number Placeholder 4"/>
+          <p:cNvPr id="6" name="Slide Number Placeholder 5"/>
           <p:cNvSpPr>
             <a:spLocks noGrp="1"/>
           </p:cNvSpPr>
@@ -6762,7 +6782,7 @@
     </p:spTree>
     <p:extLst>
       <p:ext uri="{BB962C8B-B14F-4D97-AF65-F5344CB8AC3E}">
-        <p14:creationId xmlns:p14="http://schemas.microsoft.com/office/powerpoint/2010/main" val="1934465878"/>
+        <p14:creationId xmlns:p14="http://schemas.microsoft.com/office/powerpoint/2010/main" val="370317736"/>
       </p:ext>
     </p:extLst>
   </p:cSld>
@@ -6806,7 +6826,7 @@
           <a:p>
             <a:r>
               <a:rPr lang="en-GB" dirty="0" smtClean="0"/>
-              <a:t>Proposed Architecture</a:t>
+              <a:t>Architecture Roadmap</a:t>
             </a:r>
             <a:endParaRPr lang="en-GB" dirty="0"/>
           </a:p>
@@ -6814,50 +6834,7 @@
       </p:sp>
       <p:sp>
         <p:nvSpPr>
-          <p:cNvPr id="3" name="Content Placeholder 2"/>
-          <p:cNvSpPr>
-            <a:spLocks noGrp="1"/>
-          </p:cNvSpPr>
-          <p:nvPr>
-            <p:ph idx="1"/>
-          </p:nvPr>
-        </p:nvSpPr>
-        <p:spPr/>
-        <p:txBody>
-          <a:bodyPr/>
-          <a:lstStyle/>
-          <a:p>
-            <a:r>
-              <a:rPr lang="en-GB" dirty="0" smtClean="0"/>
-              <a:t>As new features are added it should be considered carefully whether they are really core features</a:t>
-            </a:r>
-          </a:p>
-          <a:p>
-            <a:pPr lvl="1"/>
-            <a:r>
-              <a:rPr lang="en-GB" dirty="0" smtClean="0"/>
-              <a:t>Core Features should stay in the core library</a:t>
-            </a:r>
-          </a:p>
-          <a:p>
-            <a:pPr lvl="1"/>
-            <a:r>
-              <a:rPr lang="en-GB" dirty="0" smtClean="0"/>
-              <a:t>Non-core features should go into other libraries</a:t>
-            </a:r>
-          </a:p>
-          <a:p>
-            <a:r>
-              <a:rPr lang="en-GB" dirty="0" smtClean="0"/>
-              <a:t>This will help to stop dependency bloat as new features are added</a:t>
-            </a:r>
-            <a:endParaRPr lang="en-GB" dirty="0"/>
-          </a:p>
-        </p:txBody>
-      </p:sp>
-      <p:sp>
-        <p:nvSpPr>
-          <p:cNvPr id="4" name="Date Placeholder 3"/>
+          <p:cNvPr id="3" name="Date Placeholder 2"/>
           <p:cNvSpPr>
             <a:spLocks noGrp="1"/>
           </p:cNvSpPr>
@@ -6870,7 +6847,7 @@
           <a:bodyPr/>
           <a:lstStyle/>
           <a:p>
-            <a:fld id="{CDAEE9B0-25E7-4C28-AF1D-B3DDCE7EBBDB}" type="datetime1">
+            <a:fld id="{EA5D455B-ECD0-44E3-BA0C-3649A3FCD15C}" type="datetime1">
               <a:rPr lang="en-US" smtClean="0"/>
               <a:t>7/4/2011</a:t>
             </a:fld>
@@ -6880,7 +6857,7 @@
       </p:sp>
       <p:sp>
         <p:nvSpPr>
-          <p:cNvPr id="5" name="Footer Placeholder 4"/>
+          <p:cNvPr id="4" name="Footer Placeholder 3"/>
           <p:cNvSpPr>
             <a:spLocks noGrp="1"/>
           </p:cNvSpPr>
@@ -6903,7 +6880,7 @@
       </p:sp>
       <p:sp>
         <p:nvSpPr>
-          <p:cNvPr id="6" name="Slide Number Placeholder 5"/>
+          <p:cNvPr id="5" name="Slide Number Placeholder 4"/>
           <p:cNvSpPr>
             <a:spLocks noGrp="1"/>
           </p:cNvSpPr>
@@ -6928,7 +6905,7 @@
     </p:spTree>
     <p:extLst>
       <p:ext uri="{BB962C8B-B14F-4D97-AF65-F5344CB8AC3E}">
-        <p14:creationId xmlns:p14="http://schemas.microsoft.com/office/powerpoint/2010/main" val="3933745380"/>
+        <p14:creationId xmlns:p14="http://schemas.microsoft.com/office/powerpoint/2010/main" val="106888204"/>
       </p:ext>
     </p:extLst>
   </p:cSld>
@@ -6990,7 +6967,9 @@
         </p:nvSpPr>
         <p:spPr/>
         <p:txBody>
-          <a:bodyPr/>
+          <a:bodyPr>
+            <a:normAutofit lnSpcReduction="10000"/>
+          </a:bodyPr>
           <a:lstStyle/>
           <a:p>
             <a:pPr marL="514350" indent="-514350">
@@ -7027,7 +7006,21 @@
             </a:r>
           </a:p>
           <a:p>
-            <a:pPr marL="514350" indent="-514350"/>
+            <a:pPr marL="514350" indent="-514350">
+              <a:buFont typeface="+mj-lt"/>
+              <a:buAutoNum type="arabicPeriod" startAt="6"/>
+            </a:pPr>
+            <a:r>
+              <a:rPr lang="en-GB" dirty="0" smtClean="0"/>
+              <a:t>Get Involved</a:t>
+            </a:r>
+          </a:p>
+          <a:p>
+            <a:pPr marL="914400" lvl="1" indent="-514350"/>
+            <a:r>
+              <a:rPr lang="en-GB" dirty="0" smtClean="0"/>
+              <a:t>How you can get involved in shaping this roadmap</a:t>
+            </a:r>
             <a:endParaRPr lang="en-GB" dirty="0"/>
           </a:p>
         </p:txBody>
@@ -7134,7 +7127,7 @@
       </p:grpSpPr>
       <p:sp>
         <p:nvSpPr>
-          <p:cNvPr id="2" name="Title 1"/>
+          <p:cNvPr id="6" name="Title 5"/>
           <p:cNvSpPr>
             <a:spLocks noGrp="1"/>
           </p:cNvSpPr>
@@ -7149,7 +7142,7 @@
           <a:p>
             <a:r>
               <a:rPr lang="en-GB" dirty="0" smtClean="0"/>
-              <a:t>What constitutes a Core Feature?</a:t>
+              <a:t>Current Architecture</a:t>
             </a:r>
             <a:endParaRPr lang="en-GB" dirty="0"/>
           </a:p>
@@ -7157,7 +7150,7 @@
       </p:sp>
       <p:sp>
         <p:nvSpPr>
-          <p:cNvPr id="3" name="Content Placeholder 2"/>
+          <p:cNvPr id="7" name="Content Placeholder 6"/>
           <p:cNvSpPr>
             <a:spLocks noGrp="1"/>
           </p:cNvSpPr>
@@ -7167,70 +7160,33 @@
         </p:nvSpPr>
         <p:spPr/>
         <p:txBody>
-          <a:bodyPr>
-            <a:normAutofit fontScale="85000" lnSpcReduction="20000"/>
-          </a:bodyPr>
-          <a:lstStyle/>
-          <a:p>
-            <a:r>
-              <a:rPr lang="en-GB" dirty="0" smtClean="0"/>
-              <a:t>Core Features:</a:t>
-            </a:r>
-          </a:p>
-          <a:p>
-            <a:pPr lvl="1"/>
-            <a:r>
-              <a:rPr lang="en-GB" dirty="0" smtClean="0"/>
-              <a:t>Adds to/improve capability of a specific subsystem</a:t>
-            </a:r>
-          </a:p>
-          <a:p>
-            <a:pPr lvl="1"/>
-            <a:r>
-              <a:rPr lang="en-GB" dirty="0" smtClean="0"/>
-              <a:t>Unless providing major new capabilities which are highly desirable to all users they should not constitute an entirely new subsystem</a:t>
-            </a:r>
-          </a:p>
-          <a:p>
-            <a:pPr lvl="1"/>
-            <a:r>
-              <a:rPr lang="en-GB" dirty="0" smtClean="0"/>
-              <a:t>Does not require additional dependencies</a:t>
-            </a:r>
-          </a:p>
-          <a:p>
-            <a:r>
-              <a:rPr lang="en-GB" dirty="0" smtClean="0"/>
-              <a:t>Non Core Features:</a:t>
-            </a:r>
-          </a:p>
-          <a:p>
-            <a:pPr lvl="1"/>
-            <a:r>
-              <a:rPr lang="en-GB" dirty="0" smtClean="0"/>
-              <a:t>Provides an entirely new subsystem</a:t>
-            </a:r>
-          </a:p>
-          <a:p>
-            <a:pPr lvl="1"/>
-            <a:r>
-              <a:rPr lang="en-GB" dirty="0" smtClean="0"/>
-              <a:t>Is only of interest to part of the user base</a:t>
-            </a:r>
-          </a:p>
-          <a:p>
-            <a:pPr lvl="1"/>
-            <a:r>
-              <a:rPr lang="en-GB" dirty="0" smtClean="0"/>
-              <a:t>Introduce new dependencies</a:t>
-            </a:r>
-            <a:endParaRPr lang="en-GB" dirty="0"/>
-          </a:p>
-        </p:txBody>
-      </p:sp>
-      <p:sp>
-        <p:nvSpPr>
-          <p:cNvPr id="4" name="Date Placeholder 3"/>
+          <a:bodyPr/>
+          <a:lstStyle/>
+          <a:p>
+            <a:r>
+              <a:rPr lang="en-GB" dirty="0" smtClean="0"/>
+              <a:t>Currently the core library is a single library which is not ideal design</a:t>
+            </a:r>
+          </a:p>
+          <a:p>
+            <a:r>
+              <a:rPr lang="en-GB" dirty="0" smtClean="0"/>
+              <a:t>Some features already reside in external libraries e.g. </a:t>
+            </a:r>
+            <a:r>
+              <a:rPr lang="en-GB" dirty="0" err="1" smtClean="0"/>
+              <a:t>dotNetRDF.WinForms</a:t>
+            </a:r>
+            <a:r>
+              <a:rPr lang="en-GB" dirty="0" smtClean="0"/>
+              <a:t> provides common functionality for Windows Forms GUIs</a:t>
+            </a:r>
+          </a:p>
+        </p:txBody>
+      </p:sp>
+      <p:sp>
+        <p:nvSpPr>
+          <p:cNvPr id="3" name="Date Placeholder 2"/>
           <p:cNvSpPr>
             <a:spLocks noGrp="1"/>
           </p:cNvSpPr>
@@ -7243,7 +7199,7 @@
           <a:bodyPr/>
           <a:lstStyle/>
           <a:p>
-            <a:fld id="{CDAEE9B0-25E7-4C28-AF1D-B3DDCE7EBBDB}" type="datetime1">
+            <a:fld id="{EA5D455B-ECD0-44E3-BA0C-3649A3FCD15C}" type="datetime1">
               <a:rPr lang="en-US" smtClean="0"/>
               <a:t>7/4/2011</a:t>
             </a:fld>
@@ -7253,7 +7209,7 @@
       </p:sp>
       <p:sp>
         <p:nvSpPr>
-          <p:cNvPr id="5" name="Footer Placeholder 4"/>
+          <p:cNvPr id="4" name="Footer Placeholder 3"/>
           <p:cNvSpPr>
             <a:spLocks noGrp="1"/>
           </p:cNvSpPr>
@@ -7276,7 +7232,7 @@
       </p:sp>
       <p:sp>
         <p:nvSpPr>
-          <p:cNvPr id="6" name="Slide Number Placeholder 5"/>
+          <p:cNvPr id="5" name="Slide Number Placeholder 4"/>
           <p:cNvSpPr>
             <a:spLocks noGrp="1"/>
           </p:cNvSpPr>
@@ -7301,7 +7257,7 @@
     </p:spTree>
     <p:extLst>
       <p:ext uri="{BB962C8B-B14F-4D97-AF65-F5344CB8AC3E}">
-        <p14:creationId xmlns:p14="http://schemas.microsoft.com/office/powerpoint/2010/main" val="4089701815"/>
+        <p14:creationId xmlns:p14="http://schemas.microsoft.com/office/powerpoint/2010/main" val="1934465878"/>
       </p:ext>
     </p:extLst>
   </p:cSld>
@@ -7345,7 +7301,7 @@
           <a:p>
             <a:r>
               <a:rPr lang="en-GB" dirty="0" smtClean="0"/>
-              <a:t>Proposed Architecture in practise (1 of 2)</a:t>
+              <a:t>Proposed Architecture</a:t>
             </a:r>
             <a:endParaRPr lang="en-GB" dirty="0"/>
           </a:p>
@@ -7363,34 +7319,32 @@
         </p:nvSpPr>
         <p:spPr/>
         <p:txBody>
-          <a:bodyPr>
-            <a:normAutofit fontScale="92500"/>
-          </a:bodyPr>
-          <a:lstStyle/>
-          <a:p>
-            <a:r>
-              <a:rPr lang="en-GB" dirty="0" smtClean="0"/>
-              <a:t>It is proposed that the new ADO Store be packaged in a separate library</a:t>
+          <a:bodyPr/>
+          <a:lstStyle/>
+          <a:p>
+            <a:r>
+              <a:rPr lang="en-GB" dirty="0" smtClean="0"/>
+              <a:t>As new features are added it should be considered carefully whether they are really core features</a:t>
             </a:r>
           </a:p>
           <a:p>
             <a:pPr lvl="1"/>
             <a:r>
               <a:rPr lang="en-GB" dirty="0" smtClean="0"/>
-              <a:t>Will reduce the need for dependencies in the core library</a:t>
+              <a:t>Core Features should stay in the core library</a:t>
             </a:r>
           </a:p>
           <a:p>
             <a:pPr lvl="1"/>
             <a:r>
               <a:rPr lang="en-GB" dirty="0" smtClean="0"/>
-              <a:t>Allows additional implementations other than MSSQL to be added in future with their dependencies</a:t>
-            </a:r>
-          </a:p>
-          <a:p>
-            <a:r>
-              <a:rPr lang="en-GB" dirty="0" smtClean="0"/>
-              <a:t>Make it easier to maintain and those who don’t need the features get a smaller library footprint</a:t>
+              <a:t>Non-core features should go into other libraries</a:t>
+            </a:r>
+          </a:p>
+          <a:p>
+            <a:r>
+              <a:rPr lang="en-GB" dirty="0" smtClean="0"/>
+              <a:t>This will help to stop dependency bloat as new features are added</a:t>
             </a:r>
             <a:endParaRPr lang="en-GB" dirty="0"/>
           </a:p>
@@ -7469,7 +7423,7 @@
     </p:spTree>
     <p:extLst>
       <p:ext uri="{BB962C8B-B14F-4D97-AF65-F5344CB8AC3E}">
-        <p14:creationId xmlns:p14="http://schemas.microsoft.com/office/powerpoint/2010/main" val="1078110969"/>
+        <p14:creationId xmlns:p14="http://schemas.microsoft.com/office/powerpoint/2010/main" val="3933745380"/>
       </p:ext>
     </p:extLst>
   </p:cSld>
@@ -7513,7 +7467,7 @@
           <a:p>
             <a:r>
               <a:rPr lang="en-GB" dirty="0" smtClean="0"/>
-              <a:t>Proposed Architecture in practise (2 of 2)</a:t>
+              <a:t>What constitutes a Core Feature?</a:t>
             </a:r>
             <a:endParaRPr lang="en-GB" dirty="0"/>
           </a:p>
@@ -7531,19 +7485,62 @@
         </p:nvSpPr>
         <p:spPr/>
         <p:txBody>
-          <a:bodyPr/>
-          <a:lstStyle/>
-          <a:p>
-            <a:r>
-              <a:rPr lang="en-GB" dirty="0" smtClean="0"/>
-              <a:t>The Virtuoso provider will be separated out into it’s own library</a:t>
+          <a:bodyPr>
+            <a:normAutofit fontScale="85000" lnSpcReduction="20000"/>
+          </a:bodyPr>
+          <a:lstStyle/>
+          <a:p>
+            <a:r>
+              <a:rPr lang="en-GB" dirty="0" smtClean="0"/>
+              <a:t>Core Features:</a:t>
             </a:r>
           </a:p>
           <a:p>
             <a:pPr lvl="1"/>
             <a:r>
               <a:rPr lang="en-GB" dirty="0" smtClean="0"/>
-              <a:t>Desirable since Virtuoso support represents only a couple of classes in the API but introduces an entire DLL as a dependency</a:t>
+              <a:t>Adds to/improve capability of a specific subsystem</a:t>
+            </a:r>
+          </a:p>
+          <a:p>
+            <a:pPr lvl="1"/>
+            <a:r>
+              <a:rPr lang="en-GB" dirty="0" smtClean="0"/>
+              <a:t>Unless providing major new capabilities which are highly desirable to all users they should not constitute an entirely new subsystem</a:t>
+            </a:r>
+          </a:p>
+          <a:p>
+            <a:pPr lvl="1"/>
+            <a:r>
+              <a:rPr lang="en-GB" dirty="0" smtClean="0"/>
+              <a:t>Does not require additional dependencies</a:t>
+            </a:r>
+          </a:p>
+          <a:p>
+            <a:r>
+              <a:rPr lang="en-GB" dirty="0" smtClean="0"/>
+              <a:t>Non Core Features:</a:t>
+            </a:r>
+          </a:p>
+          <a:p>
+            <a:pPr lvl="1"/>
+            <a:r>
+              <a:rPr lang="en-GB" dirty="0" smtClean="0"/>
+              <a:t>Provides an entirely new subsystem</a:t>
+            </a:r>
+          </a:p>
+          <a:p>
+            <a:pPr lvl="1"/>
+            <a:r>
+              <a:rPr lang="en-GB" dirty="0" smtClean="0"/>
+              <a:t>Is only of interest to part of the user base</a:t>
+            </a:r>
+          </a:p>
+          <a:p>
+            <a:pPr lvl="1"/>
+            <a:r>
+              <a:rPr lang="en-GB" dirty="0" smtClean="0"/>
+              <a:t>Introduce new dependencies</a:t>
             </a:r>
             <a:endParaRPr lang="en-GB" dirty="0"/>
           </a:p>
@@ -7622,7 +7619,7 @@
     </p:spTree>
     <p:extLst>
       <p:ext uri="{BB962C8B-B14F-4D97-AF65-F5344CB8AC3E}">
-        <p14:creationId xmlns:p14="http://schemas.microsoft.com/office/powerpoint/2010/main" val="3038176013"/>
+        <p14:creationId xmlns:p14="http://schemas.microsoft.com/office/powerpoint/2010/main" val="4089701815"/>
       </p:ext>
     </p:extLst>
   </p:cSld>
@@ -7666,7 +7663,7 @@
           <a:p>
             <a:r>
               <a:rPr lang="en-GB" dirty="0" smtClean="0"/>
-              <a:t>Library Naming Conventions</a:t>
+              <a:t>Proposed Architecture in practise (1 of 2)</a:t>
             </a:r>
             <a:endParaRPr lang="en-GB" dirty="0"/>
           </a:p>
@@ -7685,66 +7682,35 @@
         <p:spPr/>
         <p:txBody>
           <a:bodyPr>
-            <a:normAutofit fontScale="85000" lnSpcReduction="20000"/>
+            <a:normAutofit fontScale="92500"/>
           </a:bodyPr>
           <a:lstStyle/>
           <a:p>
             <a:r>
               <a:rPr lang="en-GB" dirty="0" smtClean="0"/>
-              <a:t>Names should all be prefixed with </a:t>
-            </a:r>
-            <a:r>
-              <a:rPr lang="en-GB" dirty="0" err="1" smtClean="0"/>
-              <a:t>dotNetRDF</a:t>
-            </a:r>
-            <a:r>
-              <a:rPr lang="en-GB" dirty="0" smtClean="0"/>
-              <a:t>.</a:t>
-            </a:r>
-          </a:p>
-          <a:p>
-            <a:r>
-              <a:rPr lang="en-GB" dirty="0" smtClean="0"/>
-              <a:t>Name should be descriptive, not necessarily just the root namespace</a:t>
+              <a:t>It is proposed that the new ADO Store be packaged in a separate library</a:t>
             </a:r>
           </a:p>
           <a:p>
             <a:pPr lvl="1"/>
             <a:r>
-              <a:rPr lang="en-GB" dirty="0" err="1" smtClean="0"/>
-              <a:t>Eg</a:t>
-            </a:r>
-            <a:r>
-              <a:rPr lang="en-GB" dirty="0" smtClean="0"/>
-              <a:t>. dotNetRDF.WinForms.dll and dotNetRDF.Data.Sql.dll</a:t>
-            </a:r>
-          </a:p>
-          <a:p>
-            <a:r>
-              <a:rPr lang="en-GB" dirty="0" smtClean="0"/>
-              <a:t>Names can be </a:t>
-            </a:r>
-            <a:r>
-              <a:rPr lang="en-GB" dirty="0" err="1" smtClean="0"/>
-              <a:t>postfixed</a:t>
-            </a:r>
-            <a:r>
-              <a:rPr lang="en-GB" dirty="0" smtClean="0"/>
-              <a:t> with platform identifier where applicable e.g. dotNetRDF.Silverlight.dll</a:t>
-            </a:r>
-          </a:p>
-          <a:p>
-            <a:r>
-              <a:rPr lang="en-GB" dirty="0" smtClean="0"/>
-              <a:t>Version Numbers need not be aligned with core library, should reflect maturity of code</a:t>
+              <a:rPr lang="en-GB" dirty="0" smtClean="0"/>
+              <a:t>Will reduce the need for dependencies in the core library</a:t>
             </a:r>
           </a:p>
           <a:p>
             <a:pPr lvl="1"/>
             <a:r>
               <a:rPr lang="en-GB" dirty="0" smtClean="0"/>
-              <a:t>For simplicity code considered mature/split out of core library will have version numbers aligned with core library</a:t>
-            </a:r>
+              <a:t>Allows additional implementations other than MSSQL to be added in future with their dependencies</a:t>
+            </a:r>
+          </a:p>
+          <a:p>
+            <a:r>
+              <a:rPr lang="en-GB" dirty="0" smtClean="0"/>
+              <a:t>Make it easier to maintain and those who don’t need the features get a smaller library footprint</a:t>
+            </a:r>
+            <a:endParaRPr lang="en-GB" dirty="0"/>
           </a:p>
         </p:txBody>
       </p:sp>
@@ -7821,7 +7787,7 @@
     </p:spTree>
     <p:extLst>
       <p:ext uri="{BB962C8B-B14F-4D97-AF65-F5344CB8AC3E}">
-        <p14:creationId xmlns:p14="http://schemas.microsoft.com/office/powerpoint/2010/main" val="687733986"/>
+        <p14:creationId xmlns:p14="http://schemas.microsoft.com/office/powerpoint/2010/main" val="1078110969"/>
       </p:ext>
     </p:extLst>
   </p:cSld>
@@ -7865,7 +7831,7 @@
           <a:p>
             <a:r>
               <a:rPr lang="en-GB" dirty="0" smtClean="0"/>
-              <a:t>Proposed Libraries for 0.5.0 Release</a:t>
+              <a:t>Proposed Architecture in practise (2 of 2)</a:t>
             </a:r>
             <a:endParaRPr lang="en-GB" dirty="0"/>
           </a:p>
@@ -7888,32 +7854,14 @@
           <a:p>
             <a:r>
               <a:rPr lang="en-GB" dirty="0" smtClean="0"/>
-              <a:t>Core Library – dotNetRDF.dll</a:t>
+              <a:t>Virtuoso support will be separated out into it’s own library</a:t>
             </a:r>
           </a:p>
           <a:p>
             <a:pPr lvl="1"/>
             <a:r>
-              <a:rPr lang="en-GB" dirty="0" err="1" smtClean="0"/>
-              <a:t>WinForms</a:t>
-            </a:r>
-            <a:r>
-              <a:rPr lang="en-GB" dirty="0" smtClean="0"/>
-              <a:t> GUI – dotNetRDF.WinForms.dll</a:t>
-            </a:r>
-          </a:p>
-          <a:p>
-            <a:pPr lvl="1"/>
-            <a:r>
-              <a:rPr lang="en-GB" dirty="0" smtClean="0"/>
-              <a:t>ADO Store – dotNetRDF.Data.Sql.dll</a:t>
-            </a:r>
-          </a:p>
-          <a:p>
-            <a:pPr lvl="1"/>
-            <a:r>
-              <a:rPr lang="en-GB" dirty="0" smtClean="0"/>
-              <a:t>Virtuoso support – dotNetRDF.Data.Virtuoso.dll</a:t>
+              <a:rPr lang="en-GB" dirty="0" smtClean="0"/>
+              <a:t>Desirable since Virtuoso support represents only a couple of classes in the API but introduces an entire DLL as a dependency</a:t>
             </a:r>
             <a:endParaRPr lang="en-GB" dirty="0"/>
           </a:p>
@@ -7992,7 +7940,7 @@
     </p:spTree>
     <p:extLst>
       <p:ext uri="{BB962C8B-B14F-4D97-AF65-F5344CB8AC3E}">
-        <p14:creationId xmlns:p14="http://schemas.microsoft.com/office/powerpoint/2010/main" val="3219753914"/>
+        <p14:creationId xmlns:p14="http://schemas.microsoft.com/office/powerpoint/2010/main" val="3038176013"/>
       </p:ext>
     </p:extLst>
   </p:cSld>
@@ -8036,7 +7984,7 @@
           <a:p>
             <a:r>
               <a:rPr lang="en-GB" dirty="0" smtClean="0"/>
-              <a:t>Proposed Libraries for Future Releases</a:t>
+              <a:t>Library Naming Conventions</a:t>
             </a:r>
             <a:endParaRPr lang="en-GB" dirty="0"/>
           </a:p>
@@ -8054,47 +8002,67 @@
         </p:nvSpPr>
         <p:spPr/>
         <p:txBody>
-          <a:bodyPr/>
-          <a:lstStyle/>
-          <a:p>
-            <a:r>
-              <a:rPr lang="en-GB" dirty="0" smtClean="0"/>
-              <a:t>LINQ Provider – dotNetRDF.Linq.dll</a:t>
+          <a:bodyPr>
+            <a:normAutofit fontScale="85000" lnSpcReduction="20000"/>
+          </a:bodyPr>
+          <a:lstStyle/>
+          <a:p>
+            <a:r>
+              <a:rPr lang="en-GB" dirty="0" smtClean="0"/>
+              <a:t>Names should all be prefixed with </a:t>
+            </a:r>
+            <a:r>
+              <a:rPr lang="en-GB" dirty="0" err="1" smtClean="0"/>
+              <a:t>dotNetRDF</a:t>
+            </a:r>
+            <a:r>
+              <a:rPr lang="en-GB" dirty="0" smtClean="0"/>
+              <a:t>.</a:t>
+            </a:r>
+          </a:p>
+          <a:p>
+            <a:r>
+              <a:rPr lang="en-GB" dirty="0" smtClean="0"/>
+              <a:t>Name should be descriptive, not necessarily just the root namespace</a:t>
             </a:r>
           </a:p>
           <a:p>
             <a:pPr lvl="1"/>
             <a:r>
-              <a:rPr lang="en-GB" dirty="0" smtClean="0"/>
-              <a:t>Based on a port of </a:t>
-            </a:r>
-            <a:r>
               <a:rPr lang="en-GB" dirty="0" err="1" smtClean="0"/>
-              <a:t>Andew</a:t>
-            </a:r>
-            <a:r>
-              <a:rPr lang="en-GB" dirty="0" smtClean="0"/>
-              <a:t> Matthew’s </a:t>
+              <a:t>Eg</a:t>
+            </a:r>
+            <a:r>
+              <a:rPr lang="en-GB" dirty="0" smtClean="0"/>
+              <a:t>. dotNetRDF.WinForms.dll and dotNetRDF.Data.Sql.dll</a:t>
+            </a:r>
+          </a:p>
+          <a:p>
+            <a:r>
+              <a:rPr lang="en-GB" dirty="0" smtClean="0"/>
+              <a:t>Names can be </a:t>
             </a:r>
             <a:r>
               <a:rPr lang="en-GB" dirty="0" err="1" smtClean="0"/>
-              <a:t>LinqToRdf</a:t>
-            </a:r>
-            <a:endParaRPr lang="en-GB" dirty="0" smtClean="0"/>
+              <a:t>postfixed</a:t>
+            </a:r>
+            <a:r>
+              <a:rPr lang="en-GB" dirty="0" smtClean="0"/>
+              <a:t> with platform identifier where applicable e.g. dotNetRDF.Silverlight.dll</a:t>
+            </a:r>
+          </a:p>
+          <a:p>
+            <a:r>
+              <a:rPr lang="en-GB" dirty="0" smtClean="0"/>
+              <a:t>Version Numbers need not be aligned with core library, should reflect maturity of code</a:t>
+            </a:r>
           </a:p>
           <a:p>
             <a:pPr lvl="1"/>
             <a:r>
               <a:rPr lang="en-GB" dirty="0" smtClean="0"/>
-              <a:t>Persistence capability added by use of SPARQL Update</a:t>
-            </a:r>
-          </a:p>
-          <a:p>
-            <a:r>
-              <a:rPr lang="en-GB" dirty="0" smtClean="0"/>
-              <a:t>WPF GUI – dotNetRDF.Wpf.dll</a:t>
-            </a:r>
-            <a:endParaRPr lang="en-GB" dirty="0"/>
+              <a:t>For simplicity code considered mature/split out of core library will have version numbers aligned with core library</a:t>
+            </a:r>
           </a:p>
         </p:txBody>
       </p:sp>
@@ -8171,7 +8139,7 @@
     </p:spTree>
     <p:extLst>
       <p:ext uri="{BB962C8B-B14F-4D97-AF65-F5344CB8AC3E}">
-        <p14:creationId xmlns:p14="http://schemas.microsoft.com/office/powerpoint/2010/main" val="3035919924"/>
+        <p14:creationId xmlns:p14="http://schemas.microsoft.com/office/powerpoint/2010/main" val="687733986"/>
       </p:ext>
     </p:extLst>
   </p:cSld>
@@ -8210,14 +8178,12 @@
         </p:nvSpPr>
         <p:spPr/>
         <p:txBody>
-          <a:bodyPr>
-            <a:normAutofit/>
-          </a:bodyPr>
-          <a:lstStyle/>
-          <a:p>
-            <a:r>
-              <a:rPr lang="en-GB" dirty="0" smtClean="0"/>
-              <a:t>General Roadmap</a:t>
+          <a:bodyPr/>
+          <a:lstStyle/>
+          <a:p>
+            <a:r>
+              <a:rPr lang="en-GB" dirty="0" smtClean="0"/>
+              <a:t>Proposed Libraries for 0.5.0 Release</a:t>
             </a:r>
             <a:endParaRPr lang="en-GB" dirty="0"/>
           </a:p>
@@ -8225,7 +8191,55 @@
       </p:sp>
       <p:sp>
         <p:nvSpPr>
-          <p:cNvPr id="3" name="Date Placeholder 2"/>
+          <p:cNvPr id="3" name="Content Placeholder 2"/>
+          <p:cNvSpPr>
+            <a:spLocks noGrp="1"/>
+          </p:cNvSpPr>
+          <p:nvPr>
+            <p:ph idx="1"/>
+          </p:nvPr>
+        </p:nvSpPr>
+        <p:spPr/>
+        <p:txBody>
+          <a:bodyPr/>
+          <a:lstStyle/>
+          <a:p>
+            <a:r>
+              <a:rPr lang="en-GB" dirty="0" smtClean="0"/>
+              <a:t>Core Library – dotNetRDF.dll</a:t>
+            </a:r>
+          </a:p>
+          <a:p>
+            <a:pPr lvl="1"/>
+            <a:r>
+              <a:rPr lang="en-GB" dirty="0" err="1" smtClean="0"/>
+              <a:t>WinForms</a:t>
+            </a:r>
+            <a:r>
+              <a:rPr lang="en-GB" dirty="0" smtClean="0"/>
+              <a:t> GUI – dotNetRDF.WinForms.dll</a:t>
+            </a:r>
+          </a:p>
+          <a:p>
+            <a:pPr lvl="1"/>
+            <a:r>
+              <a:rPr lang="en-GB" dirty="0" smtClean="0"/>
+              <a:t>ADO Store – dotNetRDF.Data.Sql.dll</a:t>
+            </a:r>
+          </a:p>
+          <a:p>
+            <a:pPr lvl="1"/>
+            <a:r>
+              <a:rPr lang="en-GB" dirty="0" smtClean="0"/>
+              <a:t>Virtuoso support – dotNetRDF.Data.Virtuoso.dll</a:t>
+            </a:r>
+            <a:endParaRPr lang="en-GB" dirty="0"/>
+          </a:p>
+        </p:txBody>
+      </p:sp>
+      <p:sp>
+        <p:nvSpPr>
+          <p:cNvPr id="4" name="Date Placeholder 3"/>
           <p:cNvSpPr>
             <a:spLocks noGrp="1"/>
           </p:cNvSpPr>
@@ -8238,7 +8252,7 @@
           <a:bodyPr/>
           <a:lstStyle/>
           <a:p>
-            <a:fld id="{EA5D455B-ECD0-44E3-BA0C-3649A3FCD15C}" type="datetime1">
+            <a:fld id="{CDAEE9B0-25E7-4C28-AF1D-B3DDCE7EBBDB}" type="datetime1">
               <a:rPr lang="en-US" smtClean="0"/>
               <a:t>7/4/2011</a:t>
             </a:fld>
@@ -8248,7 +8262,7 @@
       </p:sp>
       <p:sp>
         <p:nvSpPr>
-          <p:cNvPr id="4" name="Footer Placeholder 3"/>
+          <p:cNvPr id="5" name="Footer Placeholder 4"/>
           <p:cNvSpPr>
             <a:spLocks noGrp="1"/>
           </p:cNvSpPr>
@@ -8271,7 +8285,7 @@
       </p:sp>
       <p:sp>
         <p:nvSpPr>
-          <p:cNvPr id="5" name="Slide Number Placeholder 4"/>
+          <p:cNvPr id="6" name="Slide Number Placeholder 5"/>
           <p:cNvSpPr>
             <a:spLocks noGrp="1"/>
           </p:cNvSpPr>
@@ -8296,7 +8310,7 @@
     </p:spTree>
     <p:extLst>
       <p:ext uri="{BB962C8B-B14F-4D97-AF65-F5344CB8AC3E}">
-        <p14:creationId xmlns:p14="http://schemas.microsoft.com/office/powerpoint/2010/main" val="2482877072"/>
+        <p14:creationId xmlns:p14="http://schemas.microsoft.com/office/powerpoint/2010/main" val="3219753914"/>
       </p:ext>
     </p:extLst>
   </p:cSld>
@@ -8325,7 +8339,7 @@
       </p:grpSpPr>
       <p:sp>
         <p:nvSpPr>
-          <p:cNvPr id="6" name="Title 5"/>
+          <p:cNvPr id="2" name="Title 1"/>
           <p:cNvSpPr>
             <a:spLocks noGrp="1"/>
           </p:cNvSpPr>
@@ -8340,7 +8354,7 @@
           <a:p>
             <a:r>
               <a:rPr lang="en-GB" dirty="0" smtClean="0"/>
-              <a:t>Plans</a:t>
+              <a:t>Proposed Libraries for Future Releases</a:t>
             </a:r>
             <a:endParaRPr lang="en-GB" dirty="0"/>
           </a:p>
@@ -8348,7 +8362,7 @@
       </p:sp>
       <p:sp>
         <p:nvSpPr>
-          <p:cNvPr id="7" name="Content Placeholder 6"/>
+          <p:cNvPr id="3" name="Content Placeholder 2"/>
           <p:cNvSpPr>
             <a:spLocks noGrp="1"/>
           </p:cNvSpPr>
@@ -8363,32 +8377,48 @@
           <a:p>
             <a:r>
               <a:rPr lang="en-GB" dirty="0" smtClean="0"/>
-              <a:t>Currently the roadmap is very loose beyond the immediate next releases (the 0.5.x series)</a:t>
-            </a:r>
-          </a:p>
-          <a:p>
-            <a:r>
-              <a:rPr lang="en-GB" dirty="0" smtClean="0"/>
-              <a:t>There are no specific plans for any release beyond 0.5.x at the moment</a:t>
-            </a:r>
-          </a:p>
-          <a:p>
-            <a:r>
-              <a:rPr lang="en-GB" dirty="0" smtClean="0"/>
-              <a:t>Ideally the roadmap from subsequent releases (0.6.x) to the 1.0 release should be driven by the community</a:t>
-            </a:r>
-          </a:p>
-          <a:p>
-            <a:pPr marL="0" indent="0">
-              <a:buNone/>
-            </a:pPr>
+              <a:t>LINQ Provider – dotNetRDF.Linq.dll</a:t>
+            </a:r>
+          </a:p>
+          <a:p>
+            <a:pPr lvl="1"/>
+            <a:r>
+              <a:rPr lang="en-GB" dirty="0" smtClean="0"/>
+              <a:t>Based on a port of </a:t>
+            </a:r>
+            <a:r>
+              <a:rPr lang="en-GB" dirty="0" err="1" smtClean="0"/>
+              <a:t>Andew</a:t>
+            </a:r>
+            <a:r>
+              <a:rPr lang="en-GB" dirty="0" smtClean="0"/>
+              <a:t> Matthew’s </a:t>
+            </a:r>
+            <a:r>
+              <a:rPr lang="en-GB" dirty="0" err="1" smtClean="0"/>
+              <a:t>LinqToRdf</a:t>
+            </a:r>
+            <a:endParaRPr lang="en-GB" dirty="0" smtClean="0"/>
+          </a:p>
+          <a:p>
+            <a:pPr lvl="1"/>
+            <a:r>
+              <a:rPr lang="en-GB" dirty="0" smtClean="0"/>
+              <a:t>Persistence capability added by use of SPARQL Update</a:t>
+            </a:r>
+          </a:p>
+          <a:p>
+            <a:r>
+              <a:rPr lang="en-GB" dirty="0" smtClean="0"/>
+              <a:t>WPF GUI – dotNetRDF.Wpf.dll</a:t>
+            </a:r>
             <a:endParaRPr lang="en-GB" dirty="0"/>
           </a:p>
         </p:txBody>
       </p:sp>
       <p:sp>
         <p:nvSpPr>
-          <p:cNvPr id="3" name="Date Placeholder 2"/>
+          <p:cNvPr id="4" name="Date Placeholder 3"/>
           <p:cNvSpPr>
             <a:spLocks noGrp="1"/>
           </p:cNvSpPr>
@@ -8401,7 +8431,7 @@
           <a:bodyPr/>
           <a:lstStyle/>
           <a:p>
-            <a:fld id="{EA5D455B-ECD0-44E3-BA0C-3649A3FCD15C}" type="datetime1">
+            <a:fld id="{CDAEE9B0-25E7-4C28-AF1D-B3DDCE7EBBDB}" type="datetime1">
               <a:rPr lang="en-US" smtClean="0"/>
               <a:t>7/4/2011</a:t>
             </a:fld>
@@ -8411,7 +8441,7 @@
       </p:sp>
       <p:sp>
         <p:nvSpPr>
-          <p:cNvPr id="4" name="Footer Placeholder 3"/>
+          <p:cNvPr id="5" name="Footer Placeholder 4"/>
           <p:cNvSpPr>
             <a:spLocks noGrp="1"/>
           </p:cNvSpPr>
@@ -8434,7 +8464,7 @@
       </p:sp>
       <p:sp>
         <p:nvSpPr>
-          <p:cNvPr id="5" name="Slide Number Placeholder 4"/>
+          <p:cNvPr id="6" name="Slide Number Placeholder 5"/>
           <p:cNvSpPr>
             <a:spLocks noGrp="1"/>
           </p:cNvSpPr>
@@ -8459,7 +8489,7 @@
     </p:spTree>
     <p:extLst>
       <p:ext uri="{BB962C8B-B14F-4D97-AF65-F5344CB8AC3E}">
-        <p14:creationId xmlns:p14="http://schemas.microsoft.com/office/powerpoint/2010/main" val="381284594"/>
+        <p14:creationId xmlns:p14="http://schemas.microsoft.com/office/powerpoint/2010/main" val="3035919924"/>
       </p:ext>
     </p:extLst>
   </p:cSld>
@@ -8498,12 +8528,14 @@
         </p:nvSpPr>
         <p:spPr/>
         <p:txBody>
-          <a:bodyPr/>
-          <a:lstStyle/>
-          <a:p>
-            <a:r>
-              <a:rPr lang="en-GB" dirty="0" smtClean="0"/>
-              <a:t>Community Driven Planning</a:t>
+          <a:bodyPr>
+            <a:normAutofit/>
+          </a:bodyPr>
+          <a:lstStyle/>
+          <a:p>
+            <a:r>
+              <a:rPr lang="en-GB" dirty="0" smtClean="0"/>
+              <a:t>General Roadmap</a:t>
             </a:r>
             <a:endParaRPr lang="en-GB" dirty="0"/>
           </a:p>
@@ -8511,45 +8543,7 @@
       </p:sp>
       <p:sp>
         <p:nvSpPr>
-          <p:cNvPr id="3" name="Content Placeholder 2"/>
-          <p:cNvSpPr>
-            <a:spLocks noGrp="1"/>
-          </p:cNvSpPr>
-          <p:nvPr>
-            <p:ph idx="1"/>
-          </p:nvPr>
-        </p:nvSpPr>
-        <p:spPr/>
-        <p:txBody>
-          <a:bodyPr>
-            <a:normAutofit lnSpcReduction="10000"/>
-          </a:bodyPr>
-          <a:lstStyle/>
-          <a:p>
-            <a:r>
-              <a:rPr lang="en-GB" dirty="0" smtClean="0"/>
-              <a:t>For 0.6.x releases new features/improvements should be primarily driven by community request</a:t>
-            </a:r>
-          </a:p>
-          <a:p>
-            <a:pPr lvl="1"/>
-            <a:r>
-              <a:rPr lang="en-GB" dirty="0" smtClean="0"/>
-              <a:t>i.e. features will be prioritised based on community request/need/feedback</a:t>
-            </a:r>
-          </a:p>
-          <a:p>
-            <a:r>
-              <a:rPr lang="en-GB" dirty="0" smtClean="0"/>
-              <a:t>We have some possible features lined up which we will prioritise unless community suggests other features</a:t>
-            </a:r>
-            <a:endParaRPr lang="en-GB" dirty="0"/>
-          </a:p>
-        </p:txBody>
-      </p:sp>
-      <p:sp>
-        <p:nvSpPr>
-          <p:cNvPr id="4" name="Date Placeholder 3"/>
+          <p:cNvPr id="3" name="Date Placeholder 2"/>
           <p:cNvSpPr>
             <a:spLocks noGrp="1"/>
           </p:cNvSpPr>
@@ -8562,7 +8556,7 @@
           <a:bodyPr/>
           <a:lstStyle/>
           <a:p>
-            <a:fld id="{CDAEE9B0-25E7-4C28-AF1D-B3DDCE7EBBDB}" type="datetime1">
+            <a:fld id="{EA5D455B-ECD0-44E3-BA0C-3649A3FCD15C}" type="datetime1">
               <a:rPr lang="en-US" smtClean="0"/>
               <a:t>7/4/2011</a:t>
             </a:fld>
@@ -8572,7 +8566,7 @@
       </p:sp>
       <p:sp>
         <p:nvSpPr>
-          <p:cNvPr id="5" name="Footer Placeholder 4"/>
+          <p:cNvPr id="4" name="Footer Placeholder 3"/>
           <p:cNvSpPr>
             <a:spLocks noGrp="1"/>
           </p:cNvSpPr>
@@ -8595,7 +8589,7 @@
       </p:sp>
       <p:sp>
         <p:nvSpPr>
-          <p:cNvPr id="6" name="Slide Number Placeholder 5"/>
+          <p:cNvPr id="5" name="Slide Number Placeholder 4"/>
           <p:cNvSpPr>
             <a:spLocks noGrp="1"/>
           </p:cNvSpPr>
@@ -8620,7 +8614,7 @@
     </p:spTree>
     <p:extLst>
       <p:ext uri="{BB962C8B-B14F-4D97-AF65-F5344CB8AC3E}">
-        <p14:creationId xmlns:p14="http://schemas.microsoft.com/office/powerpoint/2010/main" val="3357694366"/>
+        <p14:creationId xmlns:p14="http://schemas.microsoft.com/office/powerpoint/2010/main" val="2482877072"/>
       </p:ext>
     </p:extLst>
   </p:cSld>
@@ -8649,7 +8643,7 @@
       </p:grpSpPr>
       <p:sp>
         <p:nvSpPr>
-          <p:cNvPr id="2" name="Title 1"/>
+          <p:cNvPr id="6" name="Title 5"/>
           <p:cNvSpPr>
             <a:spLocks noGrp="1"/>
           </p:cNvSpPr>
@@ -8664,7 +8658,7 @@
           <a:p>
             <a:r>
               <a:rPr lang="en-GB" dirty="0" smtClean="0"/>
-              <a:t>Our Suggestions (1 of 2)</a:t>
+              <a:t>Plans</a:t>
             </a:r>
             <a:endParaRPr lang="en-GB" dirty="0"/>
           </a:p>
@@ -8672,7 +8666,7 @@
       </p:sp>
       <p:sp>
         <p:nvSpPr>
-          <p:cNvPr id="3" name="Content Placeholder 2"/>
+          <p:cNvPr id="7" name="Content Placeholder 6"/>
           <p:cNvSpPr>
             <a:spLocks noGrp="1"/>
           </p:cNvSpPr>
@@ -8682,51 +8676,37 @@
         </p:nvSpPr>
         <p:spPr/>
         <p:txBody>
-          <a:bodyPr>
-            <a:normAutofit fontScale="92500"/>
-          </a:bodyPr>
-          <a:lstStyle/>
-          <a:p>
-            <a:r>
-              <a:rPr lang="en-GB" dirty="0" smtClean="0"/>
-              <a:t>Full text SPARQL Support – dotNetRDF.Sparql.FullText.dll</a:t>
-            </a:r>
-          </a:p>
-          <a:p>
-            <a:pPr lvl="1"/>
-            <a:r>
-              <a:rPr lang="en-GB" dirty="0" smtClean="0"/>
-              <a:t>Use </a:t>
-            </a:r>
-            <a:r>
-              <a:rPr lang="en-GB" dirty="0" err="1" smtClean="0"/>
-              <a:t>Lucene.Net</a:t>
-            </a:r>
-            <a:r>
-              <a:rPr lang="en-GB" dirty="0" smtClean="0"/>
-              <a:t> to provide full text search capabilities</a:t>
-            </a:r>
-          </a:p>
-          <a:p>
-            <a:pPr lvl="1"/>
-            <a:r>
-              <a:rPr lang="en-GB" dirty="0" smtClean="0"/>
-              <a:t>Syntax compatible with other implementations as far as possible</a:t>
-            </a:r>
-          </a:p>
-          <a:p>
-            <a:pPr lvl="1"/>
-            <a:r>
-              <a:rPr lang="en-GB" dirty="0" smtClean="0"/>
-              <a:t>Will be implemented as a new library since as per the architecture proposal it is a non core feature and requires additional dependencies</a:t>
-            </a:r>
+          <a:bodyPr/>
+          <a:lstStyle/>
+          <a:p>
+            <a:r>
+              <a:rPr lang="en-GB" dirty="0" smtClean="0"/>
+              <a:t>Currently the roadmap is very loose beyond the immediate next releases (the 0.5.x series)</a:t>
+            </a:r>
+          </a:p>
+          <a:p>
+            <a:r>
+              <a:rPr lang="en-GB" dirty="0" smtClean="0"/>
+              <a:t>There are no specific plans for any release beyond 0.5.x at the moment</a:t>
+            </a:r>
+          </a:p>
+          <a:p>
+            <a:r>
+              <a:rPr lang="en-GB" dirty="0" smtClean="0"/>
+              <a:t>Ideally the roadmap from subsequent releases (0.6.x) to the 1.0 release should be driven by the community</a:t>
+            </a:r>
+          </a:p>
+          <a:p>
+            <a:pPr marL="0" indent="0">
+              <a:buNone/>
+            </a:pPr>
             <a:endParaRPr lang="en-GB" dirty="0"/>
           </a:p>
         </p:txBody>
       </p:sp>
       <p:sp>
         <p:nvSpPr>
-          <p:cNvPr id="4" name="Date Placeholder 3"/>
+          <p:cNvPr id="3" name="Date Placeholder 2"/>
           <p:cNvSpPr>
             <a:spLocks noGrp="1"/>
           </p:cNvSpPr>
@@ -8739,7 +8719,7 @@
           <a:bodyPr/>
           <a:lstStyle/>
           <a:p>
-            <a:fld id="{CDAEE9B0-25E7-4C28-AF1D-B3DDCE7EBBDB}" type="datetime1">
+            <a:fld id="{EA5D455B-ECD0-44E3-BA0C-3649A3FCD15C}" type="datetime1">
               <a:rPr lang="en-US" smtClean="0"/>
               <a:t>7/4/2011</a:t>
             </a:fld>
@@ -8749,7 +8729,7 @@
       </p:sp>
       <p:sp>
         <p:nvSpPr>
-          <p:cNvPr id="5" name="Footer Placeholder 4"/>
+          <p:cNvPr id="4" name="Footer Placeholder 3"/>
           <p:cNvSpPr>
             <a:spLocks noGrp="1"/>
           </p:cNvSpPr>
@@ -8772,7 +8752,7 @@
       </p:sp>
       <p:sp>
         <p:nvSpPr>
-          <p:cNvPr id="6" name="Slide Number Placeholder 5"/>
+          <p:cNvPr id="5" name="Slide Number Placeholder 4"/>
           <p:cNvSpPr>
             <a:spLocks noGrp="1"/>
           </p:cNvSpPr>
@@ -8797,7 +8777,7 @@
     </p:spTree>
     <p:extLst>
       <p:ext uri="{BB962C8B-B14F-4D97-AF65-F5344CB8AC3E}">
-        <p14:creationId xmlns:p14="http://schemas.microsoft.com/office/powerpoint/2010/main" val="912609684"/>
+        <p14:creationId xmlns:p14="http://schemas.microsoft.com/office/powerpoint/2010/main" val="381284594"/>
       </p:ext>
     </p:extLst>
   </p:cSld>
@@ -8849,64 +8829,7 @@
       </p:sp>
       <p:sp>
         <p:nvSpPr>
-          <p:cNvPr id="3" name="Content Placeholder 2"/>
-          <p:cNvSpPr>
-            <a:spLocks noGrp="1"/>
-          </p:cNvSpPr>
-          <p:nvPr>
-            <p:ph idx="1"/>
-          </p:nvPr>
-        </p:nvSpPr>
-        <p:spPr/>
-        <p:txBody>
-          <a:bodyPr/>
-          <a:lstStyle/>
-          <a:p>
-            <a:r>
-              <a:rPr lang="en-GB" dirty="0" smtClean="0"/>
-              <a:t>Core Library</a:t>
-            </a:r>
-          </a:p>
-          <a:p>
-            <a:pPr lvl="1"/>
-            <a:r>
-              <a:rPr lang="en-GB" dirty="0" smtClean="0"/>
-              <a:t>Version 0.4.1 Beta currently</a:t>
-            </a:r>
-          </a:p>
-          <a:p>
-            <a:pPr lvl="1"/>
-            <a:r>
-              <a:rPr lang="en-GB" dirty="0" smtClean="0"/>
-              <a:t>Version 0.5.0 due August 2011</a:t>
-            </a:r>
-          </a:p>
-          <a:p>
-            <a:r>
-              <a:rPr lang="en-GB" dirty="0" smtClean="0"/>
-              <a:t>Toolkit</a:t>
-            </a:r>
-          </a:p>
-          <a:p>
-            <a:pPr lvl="1"/>
-            <a:r>
-              <a:rPr lang="en-GB" dirty="0" smtClean="0"/>
-              <a:t>Version 0.2.0 Alpha currently</a:t>
-            </a:r>
-          </a:p>
-          <a:p>
-            <a:pPr lvl="1"/>
-            <a:r>
-              <a:rPr lang="en-GB" dirty="0" smtClean="0"/>
-              <a:t>Version 0.3.0 Alpha due August 2011</a:t>
-            </a:r>
-            <a:endParaRPr lang="en-GB" dirty="0"/>
-          </a:p>
-        </p:txBody>
-      </p:sp>
-      <p:sp>
-        <p:nvSpPr>
-          <p:cNvPr id="4" name="Date Placeholder 3"/>
+          <p:cNvPr id="3" name="Date Placeholder 2"/>
           <p:cNvSpPr>
             <a:spLocks noGrp="1"/>
           </p:cNvSpPr>
@@ -8919,7 +8842,7 @@
           <a:bodyPr/>
           <a:lstStyle/>
           <a:p>
-            <a:fld id="{CDAEE9B0-25E7-4C28-AF1D-B3DDCE7EBBDB}" type="datetime1">
+            <a:fld id="{EA5D455B-ECD0-44E3-BA0C-3649A3FCD15C}" type="datetime1">
               <a:rPr lang="en-US" smtClean="0"/>
               <a:t>7/4/2011</a:t>
             </a:fld>
@@ -8929,7 +8852,7 @@
       </p:sp>
       <p:sp>
         <p:nvSpPr>
-          <p:cNvPr id="5" name="Footer Placeholder 4"/>
+          <p:cNvPr id="4" name="Footer Placeholder 3"/>
           <p:cNvSpPr>
             <a:spLocks noGrp="1"/>
           </p:cNvSpPr>
@@ -8952,7 +8875,7 @@
       </p:sp>
       <p:sp>
         <p:nvSpPr>
-          <p:cNvPr id="6" name="Slide Number Placeholder 5"/>
+          <p:cNvPr id="5" name="Slide Number Placeholder 4"/>
           <p:cNvSpPr>
             <a:spLocks noGrp="1"/>
           </p:cNvSpPr>
@@ -8977,7 +8900,7 @@
     </p:spTree>
     <p:extLst>
       <p:ext uri="{BB962C8B-B14F-4D97-AF65-F5344CB8AC3E}">
-        <p14:creationId xmlns:p14="http://schemas.microsoft.com/office/powerpoint/2010/main" val="685525953"/>
+        <p14:creationId xmlns:p14="http://schemas.microsoft.com/office/powerpoint/2010/main" val="4095227198"/>
       </p:ext>
     </p:extLst>
   </p:cSld>
@@ -9021,7 +8944,7 @@
           <a:p>
             <a:r>
               <a:rPr lang="en-GB" dirty="0" smtClean="0"/>
-              <a:t>Our Suggestions (2 of 2)</a:t>
+              <a:t>Community Driven Planning</a:t>
             </a:r>
             <a:endParaRPr lang="en-GB" dirty="0"/>
           </a:p>
@@ -9039,38 +8962,27 @@
         </p:nvSpPr>
         <p:spPr/>
         <p:txBody>
-          <a:bodyPr/>
-          <a:lstStyle/>
-          <a:p>
-            <a:r>
-              <a:rPr lang="en-GB" dirty="0" err="1" smtClean="0"/>
-              <a:t>GeoSPARQL</a:t>
-            </a:r>
-            <a:r>
-              <a:rPr lang="en-GB" dirty="0" smtClean="0"/>
-              <a:t> Support – dotNetRDF.Sparql.Geo.dll</a:t>
+          <a:bodyPr>
+            <a:normAutofit lnSpcReduction="10000"/>
+          </a:bodyPr>
+          <a:lstStyle/>
+          <a:p>
+            <a:r>
+              <a:rPr lang="en-GB" dirty="0" smtClean="0"/>
+              <a:t>For 0.6.x releases new features/improvements should be primarily driven by community request</a:t>
             </a:r>
           </a:p>
           <a:p>
             <a:pPr lvl="1"/>
             <a:r>
               <a:rPr lang="en-GB" dirty="0" smtClean="0"/>
-              <a:t>Provide an implementation of the OGC </a:t>
-            </a:r>
-            <a:r>
-              <a:rPr lang="en-GB" dirty="0" err="1" smtClean="0"/>
-              <a:t>GeoSPARQL</a:t>
-            </a:r>
-            <a:r>
-              <a:rPr lang="en-GB" dirty="0" smtClean="0"/>
-              <a:t> standard</a:t>
-            </a:r>
-          </a:p>
-          <a:p>
-            <a:pPr lvl="1"/>
-            <a:r>
-              <a:rPr lang="en-GB" dirty="0" smtClean="0"/>
-              <a:t>As with full text SPARQL will be implemented as a new library as is as non-core feature</a:t>
+              <a:t>i.e. features will be prioritised based on community request/need/feedback</a:t>
+            </a:r>
+          </a:p>
+          <a:p>
+            <a:r>
+              <a:rPr lang="en-GB" dirty="0" smtClean="0"/>
+              <a:t>We have some possible features lined up which we will prioritise unless community suggests other features</a:t>
             </a:r>
             <a:endParaRPr lang="en-GB" dirty="0"/>
           </a:p>
@@ -9149,7 +9061,7 @@
     </p:spTree>
     <p:extLst>
       <p:ext uri="{BB962C8B-B14F-4D97-AF65-F5344CB8AC3E}">
-        <p14:creationId xmlns:p14="http://schemas.microsoft.com/office/powerpoint/2010/main" val="585871984"/>
+        <p14:creationId xmlns:p14="http://schemas.microsoft.com/office/powerpoint/2010/main" val="3357694366"/>
       </p:ext>
     </p:extLst>
   </p:cSld>
@@ -9193,7 +9105,7 @@
           <a:p>
             <a:r>
               <a:rPr lang="en-GB" dirty="0" smtClean="0"/>
-              <a:t>Existing Community Suggestions</a:t>
+              <a:t>Our Suggestions (1 of 2)</a:t>
             </a:r>
             <a:endParaRPr lang="en-GB" dirty="0"/>
           </a:p>
@@ -9211,37 +9123,43 @@
         </p:nvSpPr>
         <p:spPr/>
         <p:txBody>
-          <a:bodyPr/>
-          <a:lstStyle/>
-          <a:p>
-            <a:r>
-              <a:rPr lang="en-GB" dirty="0" smtClean="0"/>
-              <a:t>Currently the following features have been suggested/requested by the community:</a:t>
+          <a:bodyPr>
+            <a:normAutofit fontScale="92500"/>
+          </a:bodyPr>
+          <a:lstStyle/>
+          <a:p>
+            <a:r>
+              <a:rPr lang="en-GB" dirty="0" smtClean="0"/>
+              <a:t>Full text SPARQL Support – dotNetRDF.Sparql.FullText.dll</a:t>
             </a:r>
           </a:p>
           <a:p>
             <a:pPr lvl="1"/>
             <a:r>
               <a:rPr lang="en-GB" dirty="0" smtClean="0"/>
-              <a:t>SPIN (SPARQL Inferencing Notation) Support</a:t>
+              <a:t>Use </a:t>
+            </a:r>
+            <a:r>
+              <a:rPr lang="en-GB" dirty="0" err="1" smtClean="0"/>
+              <a:t>Lucene.Net</a:t>
+            </a:r>
+            <a:r>
+              <a:rPr lang="en-GB" dirty="0" smtClean="0"/>
+              <a:t> to provide full text search capabilities</a:t>
             </a:r>
           </a:p>
           <a:p>
             <a:pPr lvl="1"/>
             <a:r>
-              <a:rPr lang="en-GB" dirty="0" err="1" smtClean="0"/>
-              <a:t>rdfEditor</a:t>
-            </a:r>
-            <a:r>
-              <a:rPr lang="en-GB" dirty="0" smtClean="0"/>
-              <a:t> for non-Windows systems</a:t>
+              <a:rPr lang="en-GB" dirty="0" smtClean="0"/>
+              <a:t>Syntax compatible with other implementations as far as possible</a:t>
             </a:r>
           </a:p>
           <a:p>
             <a:pPr lvl="1"/>
             <a:r>
               <a:rPr lang="en-GB" dirty="0" smtClean="0"/>
-              <a:t>Additional JSON format support</a:t>
+              <a:t>Will be implemented as a new library since as per the architecture proposal it is a non core feature and requires additional dependencies</a:t>
             </a:r>
             <a:endParaRPr lang="en-GB" dirty="0"/>
           </a:p>
@@ -9320,7 +9238,7 @@
     </p:spTree>
     <p:extLst>
       <p:ext uri="{BB962C8B-B14F-4D97-AF65-F5344CB8AC3E}">
-        <p14:creationId xmlns:p14="http://schemas.microsoft.com/office/powerpoint/2010/main" val="2152085500"/>
+        <p14:creationId xmlns:p14="http://schemas.microsoft.com/office/powerpoint/2010/main" val="912609684"/>
       </p:ext>
     </p:extLst>
   </p:cSld>
@@ -9349,7 +9267,7 @@
       </p:grpSpPr>
       <p:sp>
         <p:nvSpPr>
-          <p:cNvPr id="7" name="Title 6"/>
+          <p:cNvPr id="2" name="Title 1"/>
           <p:cNvSpPr>
             <a:spLocks noGrp="1"/>
           </p:cNvSpPr>
@@ -9364,7 +9282,56 @@
           <a:p>
             <a:r>
               <a:rPr lang="en-GB" dirty="0" smtClean="0"/>
-              <a:t>Get Involved</a:t>
+              <a:t>Our Suggestions (2 of 2)</a:t>
+            </a:r>
+            <a:endParaRPr lang="en-GB" dirty="0"/>
+          </a:p>
+        </p:txBody>
+      </p:sp>
+      <p:sp>
+        <p:nvSpPr>
+          <p:cNvPr id="3" name="Content Placeholder 2"/>
+          <p:cNvSpPr>
+            <a:spLocks noGrp="1"/>
+          </p:cNvSpPr>
+          <p:nvPr>
+            <p:ph idx="1"/>
+          </p:nvPr>
+        </p:nvSpPr>
+        <p:spPr/>
+        <p:txBody>
+          <a:bodyPr/>
+          <a:lstStyle/>
+          <a:p>
+            <a:r>
+              <a:rPr lang="en-GB" dirty="0" err="1" smtClean="0"/>
+              <a:t>GeoSPARQL</a:t>
+            </a:r>
+            <a:r>
+              <a:rPr lang="en-GB" dirty="0" smtClean="0"/>
+              <a:t> Support – dotNetRDF.Sparql.Geo.dll</a:t>
+            </a:r>
+          </a:p>
+          <a:p>
+            <a:pPr lvl="1"/>
+            <a:r>
+              <a:rPr lang="en-GB" dirty="0" smtClean="0"/>
+              <a:t>Provide an implementation of the OGC </a:t>
+            </a:r>
+            <a:r>
+              <a:rPr lang="en-GB" dirty="0" err="1" smtClean="0"/>
+              <a:t>GeoSPARQL</a:t>
+            </a:r>
+            <a:r>
+              <a:rPr lang="en-GB" dirty="0" smtClean="0"/>
+              <a:t> standard</a:t>
+            </a:r>
+          </a:p>
+          <a:p>
+            <a:pPr lvl="1"/>
+            <a:r>
+              <a:rPr lang="en-GB" dirty="0" smtClean="0"/>
+              <a:t>As with full text SPARQL will be implemented as a new library as is as non-core feature</a:t>
             </a:r>
             <a:endParaRPr lang="en-GB" dirty="0"/>
           </a:p>
@@ -9443,7 +9410,7 @@
     </p:spTree>
     <p:extLst>
       <p:ext uri="{BB962C8B-B14F-4D97-AF65-F5344CB8AC3E}">
-        <p14:creationId xmlns:p14="http://schemas.microsoft.com/office/powerpoint/2010/main" val="3258641840"/>
+        <p14:creationId xmlns:p14="http://schemas.microsoft.com/office/powerpoint/2010/main" val="585871984"/>
       </p:ext>
     </p:extLst>
   </p:cSld>
@@ -9487,7 +9454,7 @@
           <a:p>
             <a:r>
               <a:rPr lang="en-GB" dirty="0" smtClean="0"/>
-              <a:t>Get Involved</a:t>
+              <a:t>Existing Community Suggestions</a:t>
             </a:r>
             <a:endParaRPr lang="en-GB" dirty="0"/>
           </a:p>
@@ -9505,68 +9472,39 @@
         </p:nvSpPr>
         <p:spPr/>
         <p:txBody>
-          <a:bodyPr>
-            <a:normAutofit/>
-          </a:bodyPr>
-          <a:lstStyle/>
-          <a:p>
-            <a:r>
-              <a:rPr lang="en-GB" dirty="0" smtClean="0"/>
-              <a:t>Suggestions and feedback on this roadmap </a:t>
-            </a:r>
-            <a:r>
-              <a:rPr lang="en-GB" smtClean="0"/>
-              <a:t>are solicited and welcomed</a:t>
-            </a:r>
-            <a:endParaRPr lang="en-GB" dirty="0" smtClean="0"/>
-          </a:p>
-          <a:p>
-            <a:r>
-              <a:rPr lang="en-GB" dirty="0" smtClean="0"/>
-              <a:t>Via email:</a:t>
+          <a:bodyPr/>
+          <a:lstStyle/>
+          <a:p>
+            <a:r>
+              <a:rPr lang="en-GB" dirty="0" smtClean="0"/>
+              <a:t>Currently the following features have been suggested/requested by the community:</a:t>
             </a:r>
           </a:p>
           <a:p>
             <a:pPr lvl="1"/>
             <a:r>
               <a:rPr lang="en-GB" dirty="0" smtClean="0"/>
-              <a:t>Mailing List – </a:t>
-            </a:r>
-            <a:r>
-              <a:rPr lang="en-GB" dirty="0" smtClean="0">
-                <a:hlinkClick r:id="rId2"/>
-              </a:rPr>
-              <a:t>dotnetrdf-develop@lists.sf.net</a:t>
-            </a:r>
-            <a:endParaRPr lang="en-GB" dirty="0" smtClean="0"/>
+              <a:t>SPIN (SPARQL Inferencing Notation) Support</a:t>
+            </a:r>
           </a:p>
           <a:p>
             <a:pPr lvl="1"/>
             <a:r>
-              <a:rPr lang="en-GB" dirty="0" smtClean="0"/>
-              <a:t>Direct Email – </a:t>
-            </a:r>
-            <a:r>
-              <a:rPr lang="en-GB" dirty="0" smtClean="0">
-                <a:hlinkClick r:id="rId3"/>
-              </a:rPr>
-              <a:t>rvesse@dotnetrdf.org</a:t>
-            </a:r>
-            <a:endParaRPr lang="en-GB" dirty="0" smtClean="0"/>
-          </a:p>
-          <a:p>
-            <a:r>
-              <a:rPr lang="en-GB" dirty="0" smtClean="0"/>
-              <a:t>Via Skype (</a:t>
-            </a:r>
-            <a:r>
               <a:rPr lang="en-GB" dirty="0" err="1" smtClean="0"/>
-              <a:t>rvesse</a:t>
-            </a:r>
-            <a:r>
-              <a:rPr lang="en-GB" dirty="0" smtClean="0"/>
-              <a:t>) – please email first to arrange a meeting</a:t>
-            </a:r>
+              <a:t>rdfEditor</a:t>
+            </a:r>
+            <a:r>
+              <a:rPr lang="en-GB" dirty="0" smtClean="0"/>
+              <a:t> for non-Windows systems – as it is WPF based it does not run under Mono which limits it to Windows only</a:t>
+            </a:r>
+          </a:p>
+          <a:p>
+            <a:pPr lvl="1"/>
+            <a:r>
+              <a:rPr lang="en-GB" dirty="0" smtClean="0"/>
+              <a:t>Additional JSON format support</a:t>
+            </a:r>
+            <a:endParaRPr lang="en-GB" dirty="0"/>
           </a:p>
         </p:txBody>
       </p:sp>
@@ -9643,7 +9581,7 @@
     </p:spTree>
     <p:extLst>
       <p:ext uri="{BB962C8B-B14F-4D97-AF65-F5344CB8AC3E}">
-        <p14:creationId xmlns:p14="http://schemas.microsoft.com/office/powerpoint/2010/main" val="1264147251"/>
+        <p14:creationId xmlns:p14="http://schemas.microsoft.com/office/powerpoint/2010/main" val="2152085500"/>
       </p:ext>
     </p:extLst>
   </p:cSld>
@@ -9672,7 +9610,7 @@
       </p:grpSpPr>
       <p:sp>
         <p:nvSpPr>
-          <p:cNvPr id="2" name="Title 1"/>
+          <p:cNvPr id="7" name="Title 6"/>
           <p:cNvSpPr>
             <a:spLocks noGrp="1"/>
           </p:cNvSpPr>
@@ -9689,82 +9627,6 @@
               <a:rPr lang="en-GB" dirty="0" smtClean="0"/>
               <a:t>Get Involved</a:t>
             </a:r>
-            <a:endParaRPr lang="en-GB" dirty="0"/>
-          </a:p>
-        </p:txBody>
-      </p:sp>
-      <p:sp>
-        <p:nvSpPr>
-          <p:cNvPr id="3" name="Content Placeholder 2"/>
-          <p:cNvSpPr>
-            <a:spLocks noGrp="1"/>
-          </p:cNvSpPr>
-          <p:nvPr>
-            <p:ph idx="1"/>
-          </p:nvPr>
-        </p:nvSpPr>
-        <p:spPr/>
-        <p:txBody>
-          <a:bodyPr/>
-          <a:lstStyle/>
-          <a:p>
-            <a:r>
-              <a:rPr lang="en-GB" dirty="0"/>
-              <a:t>Face to Face </a:t>
-            </a:r>
-          </a:p>
-          <a:p>
-            <a:pPr lvl="1"/>
-            <a:r>
-              <a:rPr lang="en-GB" dirty="0"/>
-              <a:t>Conferences – contact me via email to see what conferences I plain on attending later this year</a:t>
-            </a:r>
-          </a:p>
-          <a:p>
-            <a:pPr lvl="1"/>
-            <a:r>
-              <a:rPr lang="en-GB" dirty="0" err="1"/>
-              <a:t>Meetup</a:t>
-            </a:r>
-            <a:r>
-              <a:rPr lang="en-GB" dirty="0"/>
-              <a:t> – I attend the London </a:t>
-            </a:r>
-            <a:r>
-              <a:rPr lang="en-GB" dirty="0" err="1"/>
-              <a:t>SemWeb</a:t>
-            </a:r>
-            <a:r>
-              <a:rPr lang="en-GB" dirty="0"/>
-              <a:t> </a:t>
-            </a:r>
-            <a:r>
-              <a:rPr lang="en-GB" dirty="0" err="1" smtClean="0"/>
-              <a:t>Meetup</a:t>
-            </a:r>
-            <a:r>
-              <a:rPr lang="en-GB" dirty="0" smtClean="0"/>
-              <a:t>, please check with me via email whether I will be at a specific </a:t>
-            </a:r>
-            <a:r>
-              <a:rPr lang="en-GB" dirty="0" err="1" smtClean="0"/>
-              <a:t>meetup</a:t>
-            </a:r>
-            <a:endParaRPr lang="en-GB" dirty="0"/>
-          </a:p>
-          <a:p>
-            <a:pPr lvl="1"/>
-            <a:r>
-              <a:rPr lang="en-GB" dirty="0"/>
-              <a:t>Meetings – If you are based in the </a:t>
-            </a:r>
-            <a:r>
-              <a:rPr lang="en-GB" dirty="0" smtClean="0"/>
-              <a:t>south of the UK I am happy to arrange meetings via email</a:t>
-            </a:r>
-            <a:endParaRPr lang="en-GB" dirty="0"/>
-          </a:p>
-          <a:p>
             <a:endParaRPr lang="en-GB" dirty="0"/>
           </a:p>
         </p:txBody>
@@ -9834,6 +9696,400 @@
               <a:rPr lang="en-GB" smtClean="0"/>
               <a:pPr/>
               <a:t>44</a:t>
+            </a:fld>
+            <a:endParaRPr lang="en-GB"/>
+          </a:p>
+        </p:txBody>
+      </p:sp>
+    </p:spTree>
+    <p:extLst>
+      <p:ext uri="{BB962C8B-B14F-4D97-AF65-F5344CB8AC3E}">
+        <p14:creationId xmlns:p14="http://schemas.microsoft.com/office/powerpoint/2010/main" val="3258641840"/>
+      </p:ext>
+    </p:extLst>
+  </p:cSld>
+  <p:clrMapOvr>
+    <a:masterClrMapping/>
+  </p:clrMapOvr>
+</p:sld>
+</file>
+
+<file path=ppt/slides/slide45.xml><?xml version="1.0" encoding="utf-8"?>
+<p:sld xmlns:a="http://schemas.openxmlformats.org/drawingml/2006/main" xmlns:r="http://schemas.openxmlformats.org/officeDocument/2006/relationships" xmlns:p="http://schemas.openxmlformats.org/presentationml/2006/main">
+  <p:cSld>
+    <p:spTree>
+      <p:nvGrpSpPr>
+        <p:cNvPr id="1" name=""/>
+        <p:cNvGrpSpPr/>
+        <p:nvPr/>
+      </p:nvGrpSpPr>
+      <p:grpSpPr>
+        <a:xfrm>
+          <a:off x="0" y="0"/>
+          <a:ext cx="0" cy="0"/>
+          <a:chOff x="0" y="0"/>
+          <a:chExt cx="0" cy="0"/>
+        </a:xfrm>
+      </p:grpSpPr>
+      <p:sp>
+        <p:nvSpPr>
+          <p:cNvPr id="2" name="Title 1"/>
+          <p:cNvSpPr>
+            <a:spLocks noGrp="1"/>
+          </p:cNvSpPr>
+          <p:nvPr>
+            <p:ph type="title"/>
+          </p:nvPr>
+        </p:nvSpPr>
+        <p:spPr/>
+        <p:txBody>
+          <a:bodyPr/>
+          <a:lstStyle/>
+          <a:p>
+            <a:r>
+              <a:rPr lang="en-GB" dirty="0" smtClean="0"/>
+              <a:t>Get Involved</a:t>
+            </a:r>
+            <a:endParaRPr lang="en-GB" dirty="0"/>
+          </a:p>
+        </p:txBody>
+      </p:sp>
+      <p:sp>
+        <p:nvSpPr>
+          <p:cNvPr id="3" name="Content Placeholder 2"/>
+          <p:cNvSpPr>
+            <a:spLocks noGrp="1"/>
+          </p:cNvSpPr>
+          <p:nvPr>
+            <p:ph idx="1"/>
+          </p:nvPr>
+        </p:nvSpPr>
+        <p:spPr/>
+        <p:txBody>
+          <a:bodyPr>
+            <a:normAutofit/>
+          </a:bodyPr>
+          <a:lstStyle/>
+          <a:p>
+            <a:r>
+              <a:rPr lang="en-GB" dirty="0" smtClean="0"/>
+              <a:t>Suggestions and feedback on this roadmap are solicited and welcomed</a:t>
+            </a:r>
+          </a:p>
+          <a:p>
+            <a:r>
+              <a:rPr lang="en-GB" dirty="0" smtClean="0"/>
+              <a:t>Via email:</a:t>
+            </a:r>
+          </a:p>
+          <a:p>
+            <a:pPr lvl="1"/>
+            <a:r>
+              <a:rPr lang="en-GB" dirty="0" smtClean="0"/>
+              <a:t>Mailing List – </a:t>
+            </a:r>
+            <a:r>
+              <a:rPr lang="en-GB" dirty="0" smtClean="0">
+                <a:hlinkClick r:id="rId2"/>
+              </a:rPr>
+              <a:t>dotnetrdf-develop@lists.sf.net</a:t>
+            </a:r>
+            <a:endParaRPr lang="en-GB" dirty="0" smtClean="0"/>
+          </a:p>
+          <a:p>
+            <a:pPr lvl="1"/>
+            <a:r>
+              <a:rPr lang="en-GB" dirty="0" smtClean="0"/>
+              <a:t>Direct Email – </a:t>
+            </a:r>
+            <a:r>
+              <a:rPr lang="en-GB" dirty="0" smtClean="0">
+                <a:hlinkClick r:id="rId3"/>
+              </a:rPr>
+              <a:t>rvesse@dotnetrdf.org</a:t>
+            </a:r>
+            <a:endParaRPr lang="en-GB" dirty="0" smtClean="0"/>
+          </a:p>
+          <a:p>
+            <a:r>
+              <a:rPr lang="en-GB" dirty="0" smtClean="0"/>
+              <a:t>Via Skype (</a:t>
+            </a:r>
+            <a:r>
+              <a:rPr lang="en-GB" dirty="0" err="1" smtClean="0"/>
+              <a:t>rvesse</a:t>
+            </a:r>
+            <a:r>
+              <a:rPr lang="en-GB" dirty="0" smtClean="0"/>
+              <a:t>) – please email first to arrange a meeting</a:t>
+            </a:r>
+          </a:p>
+        </p:txBody>
+      </p:sp>
+      <p:sp>
+        <p:nvSpPr>
+          <p:cNvPr id="4" name="Date Placeholder 3"/>
+          <p:cNvSpPr>
+            <a:spLocks noGrp="1"/>
+          </p:cNvSpPr>
+          <p:nvPr>
+            <p:ph type="dt" sz="half" idx="10"/>
+          </p:nvPr>
+        </p:nvSpPr>
+        <p:spPr/>
+        <p:txBody>
+          <a:bodyPr/>
+          <a:lstStyle/>
+          <a:p>
+            <a:fld id="{CDAEE9B0-25E7-4C28-AF1D-B3DDCE7EBBDB}" type="datetime1">
+              <a:rPr lang="en-US" smtClean="0"/>
+              <a:t>7/4/2011</a:t>
+            </a:fld>
+            <a:endParaRPr lang="en-GB"/>
+          </a:p>
+        </p:txBody>
+      </p:sp>
+      <p:sp>
+        <p:nvSpPr>
+          <p:cNvPr id="5" name="Footer Placeholder 4"/>
+          <p:cNvSpPr>
+            <a:spLocks noGrp="1"/>
+          </p:cNvSpPr>
+          <p:nvPr>
+            <p:ph type="ftr" sz="quarter" idx="11"/>
+          </p:nvPr>
+        </p:nvSpPr>
+        <p:spPr/>
+        <p:txBody>
+          <a:bodyPr/>
+          <a:lstStyle/>
+          <a:p>
+            <a:r>
+              <a:rPr lang="en-GB" smtClean="0"/>
+              <a:t>http://www.dotnetrdf.org</a:t>
+            </a:r>
+            <a:endParaRPr lang="en-GB"/>
+          </a:p>
+        </p:txBody>
+      </p:sp>
+      <p:sp>
+        <p:nvSpPr>
+          <p:cNvPr id="6" name="Slide Number Placeholder 5"/>
+          <p:cNvSpPr>
+            <a:spLocks noGrp="1"/>
+          </p:cNvSpPr>
+          <p:nvPr>
+            <p:ph type="sldNum" sz="quarter" idx="12"/>
+          </p:nvPr>
+        </p:nvSpPr>
+        <p:spPr/>
+        <p:txBody>
+          <a:bodyPr/>
+          <a:lstStyle/>
+          <a:p>
+            <a:fld id="{35128F56-7434-487A-8B29-0C024560A5F4}" type="slidenum">
+              <a:rPr lang="en-GB" smtClean="0"/>
+              <a:pPr/>
+              <a:t>45</a:t>
+            </a:fld>
+            <a:endParaRPr lang="en-GB"/>
+          </a:p>
+        </p:txBody>
+      </p:sp>
+    </p:spTree>
+    <p:extLst>
+      <p:ext uri="{BB962C8B-B14F-4D97-AF65-F5344CB8AC3E}">
+        <p14:creationId xmlns:p14="http://schemas.microsoft.com/office/powerpoint/2010/main" val="1264147251"/>
+      </p:ext>
+    </p:extLst>
+  </p:cSld>
+  <p:clrMapOvr>
+    <a:masterClrMapping/>
+  </p:clrMapOvr>
+</p:sld>
+</file>
+
+<file path=ppt/slides/slide46.xml><?xml version="1.0" encoding="utf-8"?>
+<p:sld xmlns:a="http://schemas.openxmlformats.org/drawingml/2006/main" xmlns:r="http://schemas.openxmlformats.org/officeDocument/2006/relationships" xmlns:p="http://schemas.openxmlformats.org/presentationml/2006/main">
+  <p:cSld>
+    <p:spTree>
+      <p:nvGrpSpPr>
+        <p:cNvPr id="1" name=""/>
+        <p:cNvGrpSpPr/>
+        <p:nvPr/>
+      </p:nvGrpSpPr>
+      <p:grpSpPr>
+        <a:xfrm>
+          <a:off x="0" y="0"/>
+          <a:ext cx="0" cy="0"/>
+          <a:chOff x="0" y="0"/>
+          <a:chExt cx="0" cy="0"/>
+        </a:xfrm>
+      </p:grpSpPr>
+      <p:sp>
+        <p:nvSpPr>
+          <p:cNvPr id="2" name="Title 1"/>
+          <p:cNvSpPr>
+            <a:spLocks noGrp="1"/>
+          </p:cNvSpPr>
+          <p:nvPr>
+            <p:ph type="title"/>
+          </p:nvPr>
+        </p:nvSpPr>
+        <p:spPr/>
+        <p:txBody>
+          <a:bodyPr/>
+          <a:lstStyle/>
+          <a:p>
+            <a:r>
+              <a:rPr lang="en-GB" dirty="0" smtClean="0"/>
+              <a:t>Get Involved</a:t>
+            </a:r>
+            <a:endParaRPr lang="en-GB" dirty="0"/>
+          </a:p>
+        </p:txBody>
+      </p:sp>
+      <p:sp>
+        <p:nvSpPr>
+          <p:cNvPr id="3" name="Content Placeholder 2"/>
+          <p:cNvSpPr>
+            <a:spLocks noGrp="1"/>
+          </p:cNvSpPr>
+          <p:nvPr>
+            <p:ph idx="1"/>
+          </p:nvPr>
+        </p:nvSpPr>
+        <p:spPr/>
+        <p:txBody>
+          <a:bodyPr/>
+          <a:lstStyle/>
+          <a:p>
+            <a:r>
+              <a:rPr lang="en-GB" dirty="0"/>
+              <a:t>Face to Face </a:t>
+            </a:r>
+          </a:p>
+          <a:p>
+            <a:pPr lvl="1"/>
+            <a:r>
+              <a:rPr lang="en-GB" dirty="0"/>
+              <a:t>Conferences – contact me via email to see what conferences I plain on attending later this year</a:t>
+            </a:r>
+          </a:p>
+          <a:p>
+            <a:pPr lvl="1"/>
+            <a:r>
+              <a:rPr lang="en-GB" dirty="0" err="1"/>
+              <a:t>Meetup</a:t>
+            </a:r>
+            <a:r>
+              <a:rPr lang="en-GB" dirty="0"/>
+              <a:t> – I attend the London </a:t>
+            </a:r>
+            <a:r>
+              <a:rPr lang="en-GB" dirty="0" err="1"/>
+              <a:t>SemWeb</a:t>
+            </a:r>
+            <a:r>
+              <a:rPr lang="en-GB" dirty="0"/>
+              <a:t> </a:t>
+            </a:r>
+            <a:r>
+              <a:rPr lang="en-GB" dirty="0" err="1" smtClean="0"/>
+              <a:t>Meetup</a:t>
+            </a:r>
+            <a:r>
+              <a:rPr lang="en-GB" dirty="0" smtClean="0"/>
+              <a:t>, please check with me via email whether I will be at a specific </a:t>
+            </a:r>
+            <a:r>
+              <a:rPr lang="en-GB" dirty="0" err="1" smtClean="0"/>
+              <a:t>meetup</a:t>
+            </a:r>
+            <a:endParaRPr lang="en-GB" dirty="0"/>
+          </a:p>
+          <a:p>
+            <a:pPr lvl="1"/>
+            <a:r>
+              <a:rPr lang="en-GB" dirty="0"/>
+              <a:t>Meetings – If you are based in the </a:t>
+            </a:r>
+            <a:r>
+              <a:rPr lang="en-GB" dirty="0" smtClean="0"/>
+              <a:t>south of the UK I am happy to arrange meetings via email</a:t>
+            </a:r>
+            <a:endParaRPr lang="en-GB" dirty="0"/>
+          </a:p>
+          <a:p>
+            <a:endParaRPr lang="en-GB" dirty="0"/>
+          </a:p>
+        </p:txBody>
+      </p:sp>
+      <p:sp>
+        <p:nvSpPr>
+          <p:cNvPr id="4" name="Date Placeholder 3"/>
+          <p:cNvSpPr>
+            <a:spLocks noGrp="1"/>
+          </p:cNvSpPr>
+          <p:nvPr>
+            <p:ph type="dt" sz="half" idx="10"/>
+          </p:nvPr>
+        </p:nvSpPr>
+        <p:spPr/>
+        <p:txBody>
+          <a:bodyPr/>
+          <a:lstStyle/>
+          <a:p>
+            <a:fld id="{CDAEE9B0-25E7-4C28-AF1D-B3DDCE7EBBDB}" type="datetime1">
+              <a:rPr lang="en-US" smtClean="0"/>
+              <a:t>7/4/2011</a:t>
+            </a:fld>
+            <a:endParaRPr lang="en-GB"/>
+          </a:p>
+        </p:txBody>
+      </p:sp>
+      <p:sp>
+        <p:nvSpPr>
+          <p:cNvPr id="5" name="Footer Placeholder 4"/>
+          <p:cNvSpPr>
+            <a:spLocks noGrp="1"/>
+          </p:cNvSpPr>
+          <p:nvPr>
+            <p:ph type="ftr" sz="quarter" idx="11"/>
+          </p:nvPr>
+        </p:nvSpPr>
+        <p:spPr/>
+        <p:txBody>
+          <a:bodyPr/>
+          <a:lstStyle/>
+          <a:p>
+            <a:r>
+              <a:rPr lang="en-GB" smtClean="0"/>
+              <a:t>http://www.dotnetrdf.org</a:t>
+            </a:r>
+            <a:endParaRPr lang="en-GB"/>
+          </a:p>
+        </p:txBody>
+      </p:sp>
+      <p:sp>
+        <p:nvSpPr>
+          <p:cNvPr id="6" name="Slide Number Placeholder 5"/>
+          <p:cNvSpPr>
+            <a:spLocks noGrp="1"/>
+          </p:cNvSpPr>
+          <p:nvPr>
+            <p:ph type="sldNum" sz="quarter" idx="12"/>
+          </p:nvPr>
+        </p:nvSpPr>
+        <p:spPr/>
+        <p:txBody>
+          <a:bodyPr/>
+          <a:lstStyle/>
+          <a:p>
+            <a:fld id="{35128F56-7434-487A-8B29-0C024560A5F4}" type="slidenum">
+              <a:rPr lang="en-GB" smtClean="0"/>
+              <a:pPr/>
+              <a:t>46</a:t>
             </a:fld>
             <a:endParaRPr lang="en-GB"/>
           </a:p>
@@ -9886,7 +10142,7 @@
           <a:p>
             <a:r>
               <a:rPr lang="en-GB" dirty="0" smtClean="0"/>
-              <a:t>Release Schedule – Core Library</a:t>
+              <a:t>Current Status</a:t>
             </a:r>
             <a:endParaRPr lang="en-GB" dirty="0"/>
           </a:p>
@@ -9904,35 +10160,46 @@
         </p:nvSpPr>
         <p:spPr/>
         <p:txBody>
-          <a:bodyPr>
-            <a:normAutofit lnSpcReduction="10000"/>
-          </a:bodyPr>
-          <a:lstStyle/>
-          <a:p>
-            <a:r>
-              <a:rPr lang="en-GB" dirty="0" smtClean="0"/>
-              <a:t>Aim to provide a release every 3 months -faster when possible or minor/</a:t>
-            </a:r>
-            <a:r>
-              <a:rPr lang="en-GB" dirty="0" err="1" smtClean="0"/>
-              <a:t>bugfix</a:t>
-            </a:r>
-            <a:r>
-              <a:rPr lang="en-GB" dirty="0" smtClean="0"/>
-              <a:t> release only</a:t>
-            </a:r>
-          </a:p>
-          <a:p>
-            <a:r>
-              <a:rPr lang="en-GB" dirty="0" smtClean="0"/>
-              <a:t>Aim is to have two major releases per year from here to 1.0 with typically 1 minor release between each major release</a:t>
+          <a:bodyPr/>
+          <a:lstStyle/>
+          <a:p>
+            <a:r>
+              <a:rPr lang="en-GB" dirty="0" smtClean="0"/>
+              <a:t>Core Library</a:t>
             </a:r>
           </a:p>
           <a:p>
             <a:pPr lvl="1"/>
             <a:r>
               <a:rPr lang="en-GB" dirty="0" smtClean="0"/>
-              <a:t>i.e. 0.4.0 and 0.5.0 this year, 0.6.0 and 0.7.0 next year etc.</a:t>
+              <a:t>Version 0.4.1 Beta currently</a:t>
+            </a:r>
+          </a:p>
+          <a:p>
+            <a:pPr lvl="1"/>
+            <a:r>
+              <a:rPr lang="en-GB" dirty="0" smtClean="0"/>
+              <a:t>Version 0.5.0 due August 2011</a:t>
+            </a:r>
+          </a:p>
+          <a:p>
+            <a:r>
+              <a:rPr lang="en-GB" dirty="0" smtClean="0"/>
+              <a:t>Toolkit</a:t>
+            </a:r>
+          </a:p>
+          <a:p>
+            <a:pPr lvl="1"/>
+            <a:r>
+              <a:rPr lang="en-GB" dirty="0" smtClean="0"/>
+              <a:t>Version 0.2.0 Alpha currently</a:t>
+            </a:r>
+          </a:p>
+          <a:p>
+            <a:pPr lvl="1"/>
+            <a:r>
+              <a:rPr lang="en-GB" dirty="0" smtClean="0"/>
+              <a:t>Version 0.3.0 Alpha due August 2011</a:t>
             </a:r>
             <a:endParaRPr lang="en-GB" dirty="0"/>
           </a:p>
@@ -10011,7 +10278,7 @@
     </p:spTree>
     <p:extLst>
       <p:ext uri="{BB962C8B-B14F-4D97-AF65-F5344CB8AC3E}">
-        <p14:creationId xmlns:p14="http://schemas.microsoft.com/office/powerpoint/2010/main" val="2752513629"/>
+        <p14:creationId xmlns:p14="http://schemas.microsoft.com/office/powerpoint/2010/main" val="685525953"/>
       </p:ext>
     </p:extLst>
   </p:cSld>
@@ -10055,7 +10322,7 @@
           <a:p>
             <a:r>
               <a:rPr lang="en-GB" dirty="0" smtClean="0"/>
-              <a:t>Release Schedule – Core Library</a:t>
+              <a:t>Release Schedules</a:t>
             </a:r>
             <a:endParaRPr lang="en-GB" dirty="0"/>
           </a:p>
@@ -10063,56 +10330,7 @@
       </p:sp>
       <p:sp>
         <p:nvSpPr>
-          <p:cNvPr id="3" name="Content Placeholder 2"/>
-          <p:cNvSpPr>
-            <a:spLocks noGrp="1"/>
-          </p:cNvSpPr>
-          <p:nvPr>
-            <p:ph idx="1"/>
-          </p:nvPr>
-        </p:nvSpPr>
-        <p:spPr/>
-        <p:txBody>
-          <a:bodyPr/>
-          <a:lstStyle/>
-          <a:p>
-            <a:r>
-              <a:rPr lang="en-GB" dirty="0" smtClean="0"/>
-              <a:t>Phases</a:t>
-            </a:r>
-          </a:p>
-          <a:p>
-            <a:pPr lvl="1"/>
-            <a:r>
-              <a:rPr lang="en-GB" dirty="0" smtClean="0"/>
-              <a:t>Beta phase – up to Version 0.6.x</a:t>
-            </a:r>
-          </a:p>
-          <a:p>
-            <a:pPr lvl="1"/>
-            <a:r>
-              <a:rPr lang="en-GB" dirty="0" smtClean="0"/>
-              <a:t>Release Candidate phase – Versions 0.7.0 onwards</a:t>
-            </a:r>
-          </a:p>
-          <a:p>
-            <a:pPr lvl="1"/>
-            <a:r>
-              <a:rPr lang="en-GB" dirty="0" smtClean="0"/>
-              <a:t>Full production ready release – Version 1.0.0</a:t>
-            </a:r>
-          </a:p>
-          <a:p>
-            <a:r>
-              <a:rPr lang="en-GB" dirty="0" smtClean="0"/>
-              <a:t>As releases progress work will focus more on optimisation rather than new features</a:t>
-            </a:r>
-          </a:p>
-        </p:txBody>
-      </p:sp>
-      <p:sp>
-        <p:nvSpPr>
-          <p:cNvPr id="4" name="Date Placeholder 3"/>
+          <p:cNvPr id="3" name="Date Placeholder 2"/>
           <p:cNvSpPr>
             <a:spLocks noGrp="1"/>
           </p:cNvSpPr>
@@ -10125,7 +10343,7 @@
           <a:bodyPr/>
           <a:lstStyle/>
           <a:p>
-            <a:fld id="{CDAEE9B0-25E7-4C28-AF1D-B3DDCE7EBBDB}" type="datetime1">
+            <a:fld id="{EA5D455B-ECD0-44E3-BA0C-3649A3FCD15C}" type="datetime1">
               <a:rPr lang="en-US" smtClean="0"/>
               <a:t>7/4/2011</a:t>
             </a:fld>
@@ -10135,7 +10353,7 @@
       </p:sp>
       <p:sp>
         <p:nvSpPr>
-          <p:cNvPr id="5" name="Footer Placeholder 4"/>
+          <p:cNvPr id="4" name="Footer Placeholder 3"/>
           <p:cNvSpPr>
             <a:spLocks noGrp="1"/>
           </p:cNvSpPr>
@@ -10158,7 +10376,7 @@
       </p:sp>
       <p:sp>
         <p:nvSpPr>
-          <p:cNvPr id="6" name="Slide Number Placeholder 5"/>
+          <p:cNvPr id="5" name="Slide Number Placeholder 4"/>
           <p:cNvSpPr>
             <a:spLocks noGrp="1"/>
           </p:cNvSpPr>
@@ -10183,7 +10401,7 @@
     </p:spTree>
     <p:extLst>
       <p:ext uri="{BB962C8B-B14F-4D97-AF65-F5344CB8AC3E}">
-        <p14:creationId xmlns:p14="http://schemas.microsoft.com/office/powerpoint/2010/main" val="1884836899"/>
+        <p14:creationId xmlns:p14="http://schemas.microsoft.com/office/powerpoint/2010/main" val="2062332550"/>
       </p:ext>
     </p:extLst>
   </p:cSld>
@@ -10227,7 +10445,7 @@
           <a:p>
             <a:r>
               <a:rPr lang="en-GB" dirty="0" smtClean="0"/>
-              <a:t>Release Schedule – Toolkit</a:t>
+              <a:t>Release Schedule – Core Library</a:t>
             </a:r>
             <a:endParaRPr lang="en-GB" dirty="0"/>
           </a:p>
@@ -10245,12 +10463,27 @@
         </p:nvSpPr>
         <p:spPr/>
         <p:txBody>
-          <a:bodyPr/>
-          <a:lstStyle/>
-          <a:p>
-            <a:r>
-              <a:rPr lang="en-GB" dirty="0" smtClean="0"/>
-              <a:t>Will typically follow core library schedule though until version numbers are aligned will be a major release each time</a:t>
+          <a:bodyPr>
+            <a:normAutofit lnSpcReduction="10000"/>
+          </a:bodyPr>
+          <a:lstStyle/>
+          <a:p>
+            <a:r>
+              <a:rPr lang="en-GB" dirty="0" smtClean="0"/>
+              <a:t>Aim to provide a release every 3 months -faster when possible or minor/bug fix release only</a:t>
+            </a:r>
+          </a:p>
+          <a:p>
+            <a:r>
+              <a:rPr lang="en-GB" dirty="0" smtClean="0"/>
+              <a:t>Aim is to have two major releases per year from here to 1.0 with typically 1 minor release between each major release</a:t>
+            </a:r>
+          </a:p>
+          <a:p>
+            <a:pPr lvl="1"/>
+            <a:r>
+              <a:rPr lang="en-GB" dirty="0" smtClean="0"/>
+              <a:t>i.e. 0.4.0 and 0.5.0 this year, 0.6.0 and 0.7.0 next year etc.</a:t>
             </a:r>
             <a:endParaRPr lang="en-GB" dirty="0"/>
           </a:p>
@@ -10329,7 +10562,7 @@
     </p:spTree>
     <p:extLst>
       <p:ext uri="{BB962C8B-B14F-4D97-AF65-F5344CB8AC3E}">
-        <p14:creationId xmlns:p14="http://schemas.microsoft.com/office/powerpoint/2010/main" val="1547614895"/>
+        <p14:creationId xmlns:p14="http://schemas.microsoft.com/office/powerpoint/2010/main" val="2752513629"/>
       </p:ext>
     </p:extLst>
   </p:cSld>
@@ -10373,7 +10606,7 @@
           <a:p>
             <a:r>
               <a:rPr lang="en-GB" dirty="0" smtClean="0"/>
-              <a:t>Upcoming Features – Core Library</a:t>
+              <a:t>Release Schedule – Core Library</a:t>
             </a:r>
             <a:endParaRPr lang="en-GB" dirty="0"/>
           </a:p>
@@ -10381,7 +10614,63 @@
       </p:sp>
       <p:sp>
         <p:nvSpPr>
-          <p:cNvPr id="3" name="Date Placeholder 2"/>
+          <p:cNvPr id="3" name="Content Placeholder 2"/>
+          <p:cNvSpPr>
+            <a:spLocks noGrp="1"/>
+          </p:cNvSpPr>
+          <p:nvPr>
+            <p:ph idx="1"/>
+          </p:nvPr>
+        </p:nvSpPr>
+        <p:spPr/>
+        <p:txBody>
+          <a:bodyPr/>
+          <a:lstStyle/>
+          <a:p>
+            <a:r>
+              <a:rPr lang="en-GB" dirty="0" smtClean="0"/>
+              <a:t>Phases</a:t>
+            </a:r>
+          </a:p>
+          <a:p>
+            <a:pPr lvl="1"/>
+            <a:r>
+              <a:rPr lang="en-GB" dirty="0" smtClean="0"/>
+              <a:t>Alpha phase – Up to Version 0.3.x</a:t>
+            </a:r>
+          </a:p>
+          <a:p>
+            <a:pPr lvl="1"/>
+            <a:r>
+              <a:rPr lang="en-GB" dirty="0" smtClean="0"/>
+              <a:t>Beta phase – Version 0.4.x up to Version 0.6.x</a:t>
+            </a:r>
+          </a:p>
+          <a:p>
+            <a:pPr lvl="1"/>
+            <a:r>
+              <a:rPr lang="en-GB" dirty="0" smtClean="0"/>
+              <a:t>Release Candidate phase – Versions 0.7.0 onwards</a:t>
+            </a:r>
+          </a:p>
+          <a:p>
+            <a:pPr lvl="1"/>
+            <a:r>
+              <a:rPr lang="en-GB" dirty="0" smtClean="0"/>
+              <a:t>Full production ready release – Version 1.0.0</a:t>
+            </a:r>
+          </a:p>
+          <a:p>
+            <a:r>
+              <a:rPr lang="en-GB" dirty="0" smtClean="0"/>
+              <a:t>As releases progress work will focus more on optimisation rather than new features</a:t>
+            </a:r>
+          </a:p>
+        </p:txBody>
+      </p:sp>
+      <p:sp>
+        <p:nvSpPr>
+          <p:cNvPr id="4" name="Date Placeholder 3"/>
           <p:cNvSpPr>
             <a:spLocks noGrp="1"/>
           </p:cNvSpPr>
@@ -10394,7 +10683,7 @@
           <a:bodyPr/>
           <a:lstStyle/>
           <a:p>
-            <a:fld id="{EA5D455B-ECD0-44E3-BA0C-3649A3FCD15C}" type="datetime1">
+            <a:fld id="{CDAEE9B0-25E7-4C28-AF1D-B3DDCE7EBBDB}" type="datetime1">
               <a:rPr lang="en-US" smtClean="0"/>
               <a:t>7/4/2011</a:t>
             </a:fld>
@@ -10404,7 +10693,7 @@
       </p:sp>
       <p:sp>
         <p:nvSpPr>
-          <p:cNvPr id="4" name="Footer Placeholder 3"/>
+          <p:cNvPr id="5" name="Footer Placeholder 4"/>
           <p:cNvSpPr>
             <a:spLocks noGrp="1"/>
           </p:cNvSpPr>
@@ -10427,7 +10716,7 @@
       </p:sp>
       <p:sp>
         <p:nvSpPr>
-          <p:cNvPr id="5" name="Slide Number Placeholder 4"/>
+          <p:cNvPr id="6" name="Slide Number Placeholder 5"/>
           <p:cNvSpPr>
             <a:spLocks noGrp="1"/>
           </p:cNvSpPr>
@@ -10452,7 +10741,7 @@
     </p:spTree>
     <p:extLst>
       <p:ext uri="{BB962C8B-B14F-4D97-AF65-F5344CB8AC3E}">
-        <p14:creationId xmlns:p14="http://schemas.microsoft.com/office/powerpoint/2010/main" val="3728461749"/>
+        <p14:creationId xmlns:p14="http://schemas.microsoft.com/office/powerpoint/2010/main" val="1884836899"/>
       </p:ext>
     </p:extLst>
   </p:cSld>
@@ -10496,7 +10785,7 @@
           <a:p>
             <a:r>
               <a:rPr lang="en-GB" dirty="0" smtClean="0"/>
-              <a:t>Upcoming Features – Core Library</a:t>
+              <a:t>Release Schedule – Toolkit</a:t>
             </a:r>
             <a:endParaRPr lang="en-GB" dirty="0"/>
           </a:p>
@@ -10514,43 +10803,18 @@
         </p:nvSpPr>
         <p:spPr/>
         <p:txBody>
-          <a:bodyPr>
-            <a:normAutofit lnSpcReduction="10000"/>
-          </a:bodyPr>
-          <a:lstStyle/>
-          <a:p>
-            <a:r>
-              <a:rPr lang="en-GB" dirty="0" smtClean="0"/>
-              <a:t>Version 0.5.0 will be a significant release introducing various new features and API additions/changes, including but not limited to:</a:t>
-            </a:r>
-          </a:p>
-          <a:p>
-            <a:pPr lvl="1"/>
-            <a:r>
-              <a:rPr lang="en-GB" dirty="0" smtClean="0"/>
-              <a:t>Rewritten SQL backend</a:t>
-            </a:r>
-          </a:p>
-          <a:p>
-            <a:pPr lvl="1"/>
-            <a:r>
-              <a:rPr lang="en-GB" dirty="0" smtClean="0"/>
-              <a:t>Handlers subsystem extended to be usable with query and storage subsystems</a:t>
-            </a:r>
-          </a:p>
-          <a:p>
-            <a:pPr lvl="1"/>
-            <a:r>
-              <a:rPr lang="en-GB" dirty="0" smtClean="0"/>
-              <a:t>New </a:t>
-            </a:r>
-            <a:r>
-              <a:rPr lang="en-GB" dirty="0" err="1" smtClean="0"/>
-              <a:t>RDFa</a:t>
-            </a:r>
-            <a:r>
-              <a:rPr lang="en-GB" dirty="0" smtClean="0"/>
-              <a:t> parser (time permitting)</a:t>
+          <a:bodyPr/>
+          <a:lstStyle/>
+          <a:p>
+            <a:r>
+              <a:rPr lang="en-GB" dirty="0" smtClean="0"/>
+              <a:t>Will typically follow core library schedule though until version numbers are aligned will be a major release each time</a:t>
+            </a:r>
+          </a:p>
+          <a:p>
+            <a:r>
+              <a:rPr lang="en-GB" dirty="0" smtClean="0"/>
+              <a:t>Will follow core library in terms of phases</a:t>
             </a:r>
             <a:endParaRPr lang="en-GB" dirty="0"/>
           </a:p>
@@ -10629,7 +10893,7 @@
     </p:spTree>
     <p:extLst>
       <p:ext uri="{BB962C8B-B14F-4D97-AF65-F5344CB8AC3E}">
-        <p14:creationId xmlns:p14="http://schemas.microsoft.com/office/powerpoint/2010/main" val="3573922916"/>
+        <p14:creationId xmlns:p14="http://schemas.microsoft.com/office/powerpoint/2010/main" val="1547614895"/>
       </p:ext>
     </p:extLst>
   </p:cSld>

--- a/Slides/Roadmap.pptx
+++ b/Slides/Roadmap.pptx
@@ -237,7 +237,8 @@
           <a:p>
             <a:fld id="{A4EFCF4D-B222-4BDE-9F21-361A6D2DD5DC}" type="datetimeFigureOut">
               <a:rPr lang="en-GB" smtClean="0"/>
-              <a:t>04/07/2011</a:t>
+              <a:pPr/>
+              <a:t>05/07/2011</a:t>
             </a:fld>
             <a:endParaRPr lang="en-GB"/>
           </a:p>
@@ -396,6 +397,7 @@
           <a:p>
             <a:fld id="{62BAB909-6E45-45BB-A68B-B7C0D89A88D2}" type="slidenum">
               <a:rPr lang="en-GB" smtClean="0"/>
+              <a:pPr/>
               <a:t>‹#›</a:t>
             </a:fld>
             <a:endParaRPr lang="en-GB"/>
@@ -405,7 +407,7 @@
     </p:spTree>
     <p:extLst>
       <p:ext uri="{BB962C8B-B14F-4D97-AF65-F5344CB8AC3E}">
-        <p14:creationId xmlns:p14="http://schemas.microsoft.com/office/powerpoint/2010/main" val="3764111685"/>
+        <p14:creationId xmlns:p14="http://schemas.microsoft.com/office/powerpoint/2010/main" xmlns="" val="3764111685"/>
       </p:ext>
     </p:extLst>
   </p:cSld>
@@ -692,7 +694,8 @@
           <a:p>
             <a:fld id="{7DDF2E66-A8D8-4938-9770-803246E1F4D9}" type="datetime1">
               <a:rPr lang="en-US" smtClean="0"/>
-              <a:t>7/4/2011</a:t>
+              <a:pPr/>
+              <a:t>7/5/2011</a:t>
             </a:fld>
             <a:endParaRPr lang="en-GB"/>
           </a:p>
@@ -882,7 +885,8 @@
           <a:p>
             <a:fld id="{CDAEE9B0-25E7-4C28-AF1D-B3DDCE7EBBDB}" type="datetime1">
               <a:rPr lang="en-US" smtClean="0"/>
-              <a:t>7/4/2011</a:t>
+              <a:pPr/>
+              <a:t>7/5/2011</a:t>
             </a:fld>
             <a:endParaRPr lang="en-GB"/>
           </a:p>
@@ -1128,7 +1132,8 @@
           <a:p>
             <a:fld id="{B4D3D433-0AB0-44F2-9244-5C7078B0628D}" type="datetime1">
               <a:rPr lang="en-US" smtClean="0"/>
-              <a:t>7/4/2011</a:t>
+              <a:pPr/>
+              <a:t>7/5/2011</a:t>
             </a:fld>
             <a:endParaRPr lang="en-GB"/>
           </a:p>
@@ -1431,7 +1436,8 @@
           <a:p>
             <a:fld id="{603E95A3-71BD-4303-BDB5-8A36882C7B2B}" type="datetime1">
               <a:rPr lang="en-US" smtClean="0"/>
-              <a:t>7/4/2011</a:t>
+              <a:pPr/>
+              <a:t>7/5/2011</a:t>
             </a:fld>
             <a:endParaRPr lang="en-GB"/>
           </a:p>
@@ -1838,7 +1844,8 @@
           <a:p>
             <a:fld id="{DA3AB10B-EC00-4A9D-ADD6-A8B68613B4D2}" type="datetime1">
               <a:rPr lang="en-US" smtClean="0"/>
-              <a:t>7/4/2011</a:t>
+              <a:pPr/>
+              <a:t>7/5/2011</a:t>
             </a:fld>
             <a:endParaRPr lang="en-GB"/>
           </a:p>
@@ -1969,7 +1976,8 @@
           <a:p>
             <a:fld id="{EA5D455B-ECD0-44E3-BA0C-3649A3FCD15C}" type="datetime1">
               <a:rPr lang="en-US" smtClean="0"/>
-              <a:t>7/4/2011</a:t>
+              <a:pPr/>
+              <a:t>7/5/2011</a:t>
             </a:fld>
             <a:endParaRPr lang="en-GB"/>
           </a:p>
@@ -2064,7 +2072,8 @@
           <a:p>
             <a:fld id="{F83BA156-88F6-4A85-BCB0-63F0774EAEDC}" type="datetime1">
               <a:rPr lang="en-US" smtClean="0"/>
-              <a:t>7/4/2011</a:t>
+              <a:pPr/>
+              <a:t>7/5/2011</a:t>
             </a:fld>
             <a:endParaRPr lang="en-GB"/>
           </a:p>
@@ -2347,7 +2356,8 @@
           <a:p>
             <a:fld id="{044DBA34-05AD-44A3-A0F1-C917A9CE0E42}" type="datetime1">
               <a:rPr lang="en-US" smtClean="0"/>
-              <a:t>7/4/2011</a:t>
+              <a:pPr/>
+              <a:t>7/5/2011</a:t>
             </a:fld>
             <a:endParaRPr lang="en-GB"/>
           </a:p>
@@ -2610,7 +2620,8 @@
           <a:p>
             <a:fld id="{3FDD57B1-846D-42C4-9FE3-5B43FAB1C846}" type="datetime1">
               <a:rPr lang="en-US" smtClean="0"/>
-              <a:t>7/4/2011</a:t>
+              <a:pPr/>
+              <a:t>7/5/2011</a:t>
             </a:fld>
             <a:endParaRPr lang="en-GB"/>
           </a:p>
@@ -2761,7 +2772,8 @@
           <a:p>
             <a:fld id="{8EDAB77D-6898-4F92-AE07-90DBD2DF1995}" type="datetime1">
               <a:rPr lang="en-US" smtClean="0"/>
-              <a:t>7/4/2011</a:t>
+              <a:pPr/>
+              <a:t>7/5/2011</a:t>
             </a:fld>
             <a:endParaRPr lang="en-GB" dirty="0"/>
           </a:p>
@@ -3321,7 +3333,8 @@
           <a:p>
             <a:fld id="{ADB3C27C-C00A-40F0-A166-0452DE5EF4FD}" type="datetime1">
               <a:rPr lang="en-US" smtClean="0"/>
-              <a:t>7/4/2011</a:t>
+              <a:pPr/>
+              <a:t>7/5/2011</a:t>
             </a:fld>
             <a:endParaRPr lang="en-GB"/>
           </a:p>
@@ -3494,7 +3507,8 @@
           <a:p>
             <a:fld id="{EA5D455B-ECD0-44E3-BA0C-3649A3FCD15C}" type="datetime1">
               <a:rPr lang="en-US" smtClean="0"/>
-              <a:t>7/4/2011</a:t>
+              <a:pPr/>
+              <a:t>7/5/2011</a:t>
             </a:fld>
             <a:endParaRPr lang="en-GB"/>
           </a:p>
@@ -3550,7 +3564,7 @@
     </p:spTree>
     <p:extLst>
       <p:ext uri="{BB962C8B-B14F-4D97-AF65-F5344CB8AC3E}">
-        <p14:creationId xmlns:p14="http://schemas.microsoft.com/office/powerpoint/2010/main" val="3728461749"/>
+        <p14:creationId xmlns:p14="http://schemas.microsoft.com/office/powerpoint/2010/main" xmlns="" val="3728461749"/>
       </p:ext>
     </p:extLst>
   </p:cSld>
@@ -3671,7 +3685,8 @@
           <a:p>
             <a:fld id="{CDAEE9B0-25E7-4C28-AF1D-B3DDCE7EBBDB}" type="datetime1">
               <a:rPr lang="en-US" smtClean="0"/>
-              <a:t>7/4/2011</a:t>
+              <a:pPr/>
+              <a:t>7/5/2011</a:t>
             </a:fld>
             <a:endParaRPr lang="en-GB"/>
           </a:p>
@@ -3727,7 +3742,7 @@
     </p:spTree>
     <p:extLst>
       <p:ext uri="{BB962C8B-B14F-4D97-AF65-F5344CB8AC3E}">
-        <p14:creationId xmlns:p14="http://schemas.microsoft.com/office/powerpoint/2010/main" val="3573922916"/>
+        <p14:creationId xmlns:p14="http://schemas.microsoft.com/office/powerpoint/2010/main" xmlns="" val="3573922916"/>
       </p:ext>
     </p:extLst>
   </p:cSld>
@@ -3834,7 +3849,8 @@
           <a:p>
             <a:fld id="{CDAEE9B0-25E7-4C28-AF1D-B3DDCE7EBBDB}" type="datetime1">
               <a:rPr lang="en-US" smtClean="0"/>
-              <a:t>7/4/2011</a:t>
+              <a:pPr/>
+              <a:t>7/5/2011</a:t>
             </a:fld>
             <a:endParaRPr lang="en-GB"/>
           </a:p>
@@ -3890,7 +3906,7 @@
     </p:spTree>
     <p:extLst>
       <p:ext uri="{BB962C8B-B14F-4D97-AF65-F5344CB8AC3E}">
-        <p14:creationId xmlns:p14="http://schemas.microsoft.com/office/powerpoint/2010/main" val="2108512158"/>
+        <p14:creationId xmlns:p14="http://schemas.microsoft.com/office/powerpoint/2010/main" xmlns="" val="2108512158"/>
       </p:ext>
     </p:extLst>
   </p:cSld>
@@ -3992,7 +4008,8 @@
           <a:p>
             <a:fld id="{CDAEE9B0-25E7-4C28-AF1D-B3DDCE7EBBDB}" type="datetime1">
               <a:rPr lang="en-US" smtClean="0"/>
-              <a:t>7/4/2011</a:t>
+              <a:pPr/>
+              <a:t>7/5/2011</a:t>
             </a:fld>
             <a:endParaRPr lang="en-GB" dirty="0"/>
           </a:p>
@@ -4048,7 +4065,7 @@
     </p:spTree>
     <p:extLst>
       <p:ext uri="{BB962C8B-B14F-4D97-AF65-F5344CB8AC3E}">
-        <p14:creationId xmlns:p14="http://schemas.microsoft.com/office/powerpoint/2010/main" val="3738179165"/>
+        <p14:creationId xmlns:p14="http://schemas.microsoft.com/office/powerpoint/2010/main" xmlns="" val="3738179165"/>
       </p:ext>
     </p:extLst>
   </p:cSld>
@@ -4176,7 +4193,8 @@
           <a:p>
             <a:fld id="{CDAEE9B0-25E7-4C28-AF1D-B3DDCE7EBBDB}" type="datetime1">
               <a:rPr lang="en-US" smtClean="0"/>
-              <a:t>7/4/2011</a:t>
+              <a:pPr/>
+              <a:t>7/5/2011</a:t>
             </a:fld>
             <a:endParaRPr lang="en-GB"/>
           </a:p>
@@ -4232,7 +4250,7 @@
     </p:spTree>
     <p:extLst>
       <p:ext uri="{BB962C8B-B14F-4D97-AF65-F5344CB8AC3E}">
-        <p14:creationId xmlns:p14="http://schemas.microsoft.com/office/powerpoint/2010/main" val="1957182481"/>
+        <p14:creationId xmlns:p14="http://schemas.microsoft.com/office/powerpoint/2010/main" xmlns="" val="1957182481"/>
       </p:ext>
     </p:extLst>
   </p:cSld>
@@ -4362,7 +4380,8 @@
           <a:p>
             <a:fld id="{CDAEE9B0-25E7-4C28-AF1D-B3DDCE7EBBDB}" type="datetime1">
               <a:rPr lang="en-US" smtClean="0"/>
-              <a:t>7/4/2011</a:t>
+              <a:pPr/>
+              <a:t>7/5/2011</a:t>
             </a:fld>
             <a:endParaRPr lang="en-GB"/>
           </a:p>
@@ -4418,7 +4437,7 @@
     </p:spTree>
     <p:extLst>
       <p:ext uri="{BB962C8B-B14F-4D97-AF65-F5344CB8AC3E}">
-        <p14:creationId xmlns:p14="http://schemas.microsoft.com/office/powerpoint/2010/main" val="2909703350"/>
+        <p14:creationId xmlns:p14="http://schemas.microsoft.com/office/powerpoint/2010/main" xmlns="" val="2909703350"/>
       </p:ext>
     </p:extLst>
   </p:cSld>
@@ -4524,7 +4543,8 @@
           <a:p>
             <a:fld id="{CDAEE9B0-25E7-4C28-AF1D-B3DDCE7EBBDB}" type="datetime1">
               <a:rPr lang="en-US" smtClean="0"/>
-              <a:t>7/4/2011</a:t>
+              <a:pPr/>
+              <a:t>7/5/2011</a:t>
             </a:fld>
             <a:endParaRPr lang="en-GB"/>
           </a:p>
@@ -4580,7 +4600,7 @@
     </p:spTree>
     <p:extLst>
       <p:ext uri="{BB962C8B-B14F-4D97-AF65-F5344CB8AC3E}">
-        <p14:creationId xmlns:p14="http://schemas.microsoft.com/office/powerpoint/2010/main" val="3472818035"/>
+        <p14:creationId xmlns:p14="http://schemas.microsoft.com/office/powerpoint/2010/main" xmlns="" val="3472818035"/>
       </p:ext>
     </p:extLst>
   </p:cSld>
@@ -4692,7 +4712,8 @@
           <a:p>
             <a:fld id="{CDAEE9B0-25E7-4C28-AF1D-B3DDCE7EBBDB}" type="datetime1">
               <a:rPr lang="en-US" smtClean="0"/>
-              <a:t>7/4/2011</a:t>
+              <a:pPr/>
+              <a:t>7/5/2011</a:t>
             </a:fld>
             <a:endParaRPr lang="en-GB"/>
           </a:p>
@@ -4748,7 +4769,7 @@
     </p:spTree>
     <p:extLst>
       <p:ext uri="{BB962C8B-B14F-4D97-AF65-F5344CB8AC3E}">
-        <p14:creationId xmlns:p14="http://schemas.microsoft.com/office/powerpoint/2010/main" val="1034858646"/>
+        <p14:creationId xmlns:p14="http://schemas.microsoft.com/office/powerpoint/2010/main" xmlns="" val="1034858646"/>
       </p:ext>
     </p:extLst>
   </p:cSld>
@@ -4869,7 +4890,8 @@
           <a:p>
             <a:fld id="{CDAEE9B0-25E7-4C28-AF1D-B3DDCE7EBBDB}" type="datetime1">
               <a:rPr lang="en-US" smtClean="0"/>
-              <a:t>7/4/2011</a:t>
+              <a:pPr/>
+              <a:t>7/5/2011</a:t>
             </a:fld>
             <a:endParaRPr lang="en-GB"/>
           </a:p>
@@ -4925,7 +4947,7 @@
     </p:spTree>
     <p:extLst>
       <p:ext uri="{BB962C8B-B14F-4D97-AF65-F5344CB8AC3E}">
-        <p14:creationId xmlns:p14="http://schemas.microsoft.com/office/powerpoint/2010/main" val="3849529298"/>
+        <p14:creationId xmlns:p14="http://schemas.microsoft.com/office/powerpoint/2010/main" xmlns="" val="3849529298"/>
       </p:ext>
     </p:extLst>
   </p:cSld>
@@ -5083,7 +5105,8 @@
           <a:p>
             <a:fld id="{CDAEE9B0-25E7-4C28-AF1D-B3DDCE7EBBDB}" type="datetime1">
               <a:rPr lang="en-US" smtClean="0"/>
-              <a:t>7/4/2011</a:t>
+              <a:pPr/>
+              <a:t>7/5/2011</a:t>
             </a:fld>
             <a:endParaRPr lang="en-GB"/>
           </a:p>
@@ -5139,7 +5162,7 @@
     </p:spTree>
     <p:extLst>
       <p:ext uri="{BB962C8B-B14F-4D97-AF65-F5344CB8AC3E}">
-        <p14:creationId xmlns:p14="http://schemas.microsoft.com/office/powerpoint/2010/main" val="4093170207"/>
+        <p14:creationId xmlns:p14="http://schemas.microsoft.com/office/powerpoint/2010/main" xmlns="" val="4093170207"/>
       </p:ext>
     </p:extLst>
   </p:cSld>
@@ -5274,7 +5297,8 @@
           <a:p>
             <a:fld id="{CDAEE9B0-25E7-4C28-AF1D-B3DDCE7EBBDB}" type="datetime1">
               <a:rPr lang="en-US" smtClean="0"/>
-              <a:t>7/4/2011</a:t>
+              <a:pPr/>
+              <a:t>7/5/2011</a:t>
             </a:fld>
             <a:endParaRPr lang="en-GB"/>
           </a:p>
@@ -5330,7 +5354,7 @@
     </p:spTree>
     <p:extLst>
       <p:ext uri="{BB962C8B-B14F-4D97-AF65-F5344CB8AC3E}">
-        <p14:creationId xmlns:p14="http://schemas.microsoft.com/office/powerpoint/2010/main" val="2357537943"/>
+        <p14:creationId xmlns:p14="http://schemas.microsoft.com/office/powerpoint/2010/main" xmlns="" val="2357537943"/>
       </p:ext>
     </p:extLst>
   </p:cSld>
@@ -5451,7 +5475,8 @@
           <a:p>
             <a:fld id="{CDAEE9B0-25E7-4C28-AF1D-B3DDCE7EBBDB}" type="datetime1">
               <a:rPr lang="en-US" smtClean="0"/>
-              <a:t>7/4/2011</a:t>
+              <a:pPr/>
+              <a:t>7/5/2011</a:t>
             </a:fld>
             <a:endParaRPr lang="en-GB"/>
           </a:p>
@@ -5507,7 +5532,7 @@
     </p:spTree>
     <p:extLst>
       <p:ext uri="{BB962C8B-B14F-4D97-AF65-F5344CB8AC3E}">
-        <p14:creationId xmlns:p14="http://schemas.microsoft.com/office/powerpoint/2010/main" val="509411177"/>
+        <p14:creationId xmlns:p14="http://schemas.microsoft.com/office/powerpoint/2010/main" xmlns="" val="509411177"/>
       </p:ext>
     </p:extLst>
   </p:cSld>
@@ -5630,7 +5655,8 @@
           <a:p>
             <a:fld id="{CDAEE9B0-25E7-4C28-AF1D-B3DDCE7EBBDB}" type="datetime1">
               <a:rPr lang="en-US" smtClean="0"/>
-              <a:t>7/4/2011</a:t>
+              <a:pPr/>
+              <a:t>7/5/2011</a:t>
             </a:fld>
             <a:endParaRPr lang="en-GB"/>
           </a:p>
@@ -5686,7 +5712,7 @@
     </p:spTree>
     <p:extLst>
       <p:ext uri="{BB962C8B-B14F-4D97-AF65-F5344CB8AC3E}">
-        <p14:creationId xmlns:p14="http://schemas.microsoft.com/office/powerpoint/2010/main" val="673125997"/>
+        <p14:creationId xmlns:p14="http://schemas.microsoft.com/office/powerpoint/2010/main" xmlns="" val="673125997"/>
       </p:ext>
     </p:extLst>
   </p:cSld>
@@ -5783,7 +5809,8 @@
           <a:p>
             <a:fld id="{CDAEE9B0-25E7-4C28-AF1D-B3DDCE7EBBDB}" type="datetime1">
               <a:rPr lang="en-US" smtClean="0"/>
-              <a:t>7/4/2011</a:t>
+              <a:pPr/>
+              <a:t>7/5/2011</a:t>
             </a:fld>
             <a:endParaRPr lang="en-GB"/>
           </a:p>
@@ -5839,7 +5866,7 @@
     </p:spTree>
     <p:extLst>
       <p:ext uri="{BB962C8B-B14F-4D97-AF65-F5344CB8AC3E}">
-        <p14:creationId xmlns:p14="http://schemas.microsoft.com/office/powerpoint/2010/main" val="2964860377"/>
+        <p14:creationId xmlns:p14="http://schemas.microsoft.com/office/powerpoint/2010/main" xmlns="" val="2964860377"/>
       </p:ext>
     </p:extLst>
   </p:cSld>
@@ -5892,7 +5919,7 @@
     </p:spTree>
     <p:extLst>
       <p:ext uri="{BB962C8B-B14F-4D97-AF65-F5344CB8AC3E}">
-        <p14:creationId xmlns:p14="http://schemas.microsoft.com/office/powerpoint/2010/main" val="798346359"/>
+        <p14:creationId xmlns:p14="http://schemas.microsoft.com/office/powerpoint/2010/main" xmlns="" val="798346359"/>
       </p:ext>
     </p:extLst>
   </p:cSld>
@@ -6023,7 +6050,8 @@
           <a:p>
             <a:fld id="{EA5D455B-ECD0-44E3-BA0C-3649A3FCD15C}" type="datetime1">
               <a:rPr lang="en-US" smtClean="0"/>
-              <a:t>7/4/2011</a:t>
+              <a:pPr/>
+              <a:t>7/5/2011</a:t>
             </a:fld>
             <a:endParaRPr lang="en-GB"/>
           </a:p>
@@ -6079,7 +6107,7 @@
     </p:spTree>
     <p:extLst>
       <p:ext uri="{BB962C8B-B14F-4D97-AF65-F5344CB8AC3E}">
-        <p14:creationId xmlns:p14="http://schemas.microsoft.com/office/powerpoint/2010/main" val="118536430"/>
+        <p14:creationId xmlns:p14="http://schemas.microsoft.com/office/powerpoint/2010/main" xmlns="" val="118536430"/>
       </p:ext>
     </p:extLst>
   </p:cSld>
@@ -6215,7 +6243,8 @@
           <a:p>
             <a:fld id="{CDAEE9B0-25E7-4C28-AF1D-B3DDCE7EBBDB}" type="datetime1">
               <a:rPr lang="en-US" smtClean="0"/>
-              <a:t>7/4/2011</a:t>
+              <a:pPr/>
+              <a:t>7/5/2011</a:t>
             </a:fld>
             <a:endParaRPr lang="en-GB"/>
           </a:p>
@@ -6271,7 +6300,7 @@
     </p:spTree>
     <p:extLst>
       <p:ext uri="{BB962C8B-B14F-4D97-AF65-F5344CB8AC3E}">
-        <p14:creationId xmlns:p14="http://schemas.microsoft.com/office/powerpoint/2010/main" val="299555438"/>
+        <p14:creationId xmlns:p14="http://schemas.microsoft.com/office/powerpoint/2010/main" xmlns="" val="299555438"/>
       </p:ext>
     </p:extLst>
   </p:cSld>
@@ -6367,7 +6396,8 @@
           <a:p>
             <a:fld id="{CDAEE9B0-25E7-4C28-AF1D-B3DDCE7EBBDB}" type="datetime1">
               <a:rPr lang="en-US" smtClean="0"/>
-              <a:t>7/4/2011</a:t>
+              <a:pPr/>
+              <a:t>7/5/2011</a:t>
             </a:fld>
             <a:endParaRPr lang="en-GB"/>
           </a:p>
@@ -6423,7 +6453,7 @@
     </p:spTree>
     <p:extLst>
       <p:ext uri="{BB962C8B-B14F-4D97-AF65-F5344CB8AC3E}">
-        <p14:creationId xmlns:p14="http://schemas.microsoft.com/office/powerpoint/2010/main" val="1002032322"/>
+        <p14:creationId xmlns:p14="http://schemas.microsoft.com/office/powerpoint/2010/main" xmlns="" val="1002032322"/>
       </p:ext>
     </p:extLst>
   </p:cSld>
@@ -6529,7 +6559,8 @@
           <a:p>
             <a:fld id="{CDAEE9B0-25E7-4C28-AF1D-B3DDCE7EBBDB}" type="datetime1">
               <a:rPr lang="en-US" smtClean="0"/>
-              <a:t>7/4/2011</a:t>
+              <a:pPr/>
+              <a:t>7/5/2011</a:t>
             </a:fld>
             <a:endParaRPr lang="en-GB"/>
           </a:p>
@@ -6585,7 +6616,7 @@
     </p:spTree>
     <p:extLst>
       <p:ext uri="{BB962C8B-B14F-4D97-AF65-F5344CB8AC3E}">
-        <p14:creationId xmlns:p14="http://schemas.microsoft.com/office/powerpoint/2010/main" val="1473382163"/>
+        <p14:creationId xmlns:p14="http://schemas.microsoft.com/office/powerpoint/2010/main" xmlns="" val="1473382163"/>
       </p:ext>
     </p:extLst>
   </p:cSld>
@@ -6726,7 +6757,8 @@
           <a:p>
             <a:fld id="{CDAEE9B0-25E7-4C28-AF1D-B3DDCE7EBBDB}" type="datetime1">
               <a:rPr lang="en-US" smtClean="0"/>
-              <a:t>7/4/2011</a:t>
+              <a:pPr/>
+              <a:t>7/5/2011</a:t>
             </a:fld>
             <a:endParaRPr lang="en-GB"/>
           </a:p>
@@ -6782,7 +6814,7 @@
     </p:spTree>
     <p:extLst>
       <p:ext uri="{BB962C8B-B14F-4D97-AF65-F5344CB8AC3E}">
-        <p14:creationId xmlns:p14="http://schemas.microsoft.com/office/powerpoint/2010/main" val="370317736"/>
+        <p14:creationId xmlns:p14="http://schemas.microsoft.com/office/powerpoint/2010/main" xmlns="" val="370317736"/>
       </p:ext>
     </p:extLst>
   </p:cSld>
@@ -6849,7 +6881,8 @@
           <a:p>
             <a:fld id="{EA5D455B-ECD0-44E3-BA0C-3649A3FCD15C}" type="datetime1">
               <a:rPr lang="en-US" smtClean="0"/>
-              <a:t>7/4/2011</a:t>
+              <a:pPr/>
+              <a:t>7/5/2011</a:t>
             </a:fld>
             <a:endParaRPr lang="en-GB"/>
           </a:p>
@@ -6905,7 +6938,7 @@
     </p:spTree>
     <p:extLst>
       <p:ext uri="{BB962C8B-B14F-4D97-AF65-F5344CB8AC3E}">
-        <p14:creationId xmlns:p14="http://schemas.microsoft.com/office/powerpoint/2010/main" val="106888204"/>
+        <p14:creationId xmlns:p14="http://schemas.microsoft.com/office/powerpoint/2010/main" xmlns="" val="106888204"/>
       </p:ext>
     </p:extLst>
   </p:cSld>
@@ -7042,7 +7075,8 @@
           <a:p>
             <a:fld id="{CDAEE9B0-25E7-4C28-AF1D-B3DDCE7EBBDB}" type="datetime1">
               <a:rPr lang="en-US" smtClean="0"/>
-              <a:t>7/4/2011</a:t>
+              <a:pPr/>
+              <a:t>7/5/2011</a:t>
             </a:fld>
             <a:endParaRPr lang="en-GB"/>
           </a:p>
@@ -7098,7 +7132,7 @@
     </p:spTree>
     <p:extLst>
       <p:ext uri="{BB962C8B-B14F-4D97-AF65-F5344CB8AC3E}">
-        <p14:creationId xmlns:p14="http://schemas.microsoft.com/office/powerpoint/2010/main" val="3702788433"/>
+        <p14:creationId xmlns:p14="http://schemas.microsoft.com/office/powerpoint/2010/main" xmlns="" val="3702788433"/>
       </p:ext>
     </p:extLst>
   </p:cSld>
@@ -7201,7 +7235,8 @@
           <a:p>
             <a:fld id="{EA5D455B-ECD0-44E3-BA0C-3649A3FCD15C}" type="datetime1">
               <a:rPr lang="en-US" smtClean="0"/>
-              <a:t>7/4/2011</a:t>
+              <a:pPr/>
+              <a:t>7/5/2011</a:t>
             </a:fld>
             <a:endParaRPr lang="en-GB"/>
           </a:p>
@@ -7257,7 +7292,7 @@
     </p:spTree>
     <p:extLst>
       <p:ext uri="{BB962C8B-B14F-4D97-AF65-F5344CB8AC3E}">
-        <p14:creationId xmlns:p14="http://schemas.microsoft.com/office/powerpoint/2010/main" val="1934465878"/>
+        <p14:creationId xmlns:p14="http://schemas.microsoft.com/office/powerpoint/2010/main" xmlns="" val="1934465878"/>
       </p:ext>
     </p:extLst>
   </p:cSld>
@@ -7367,7 +7402,8 @@
           <a:p>
             <a:fld id="{CDAEE9B0-25E7-4C28-AF1D-B3DDCE7EBBDB}" type="datetime1">
               <a:rPr lang="en-US" smtClean="0"/>
-              <a:t>7/4/2011</a:t>
+              <a:pPr/>
+              <a:t>7/5/2011</a:t>
             </a:fld>
             <a:endParaRPr lang="en-GB"/>
           </a:p>
@@ -7423,7 +7459,7 @@
     </p:spTree>
     <p:extLst>
       <p:ext uri="{BB962C8B-B14F-4D97-AF65-F5344CB8AC3E}">
-        <p14:creationId xmlns:p14="http://schemas.microsoft.com/office/powerpoint/2010/main" val="3933745380"/>
+        <p14:creationId xmlns:p14="http://schemas.microsoft.com/office/powerpoint/2010/main" xmlns="" val="3933745380"/>
       </p:ext>
     </p:extLst>
   </p:cSld>
@@ -7563,7 +7599,8 @@
           <a:p>
             <a:fld id="{CDAEE9B0-25E7-4C28-AF1D-B3DDCE7EBBDB}" type="datetime1">
               <a:rPr lang="en-US" smtClean="0"/>
-              <a:t>7/4/2011</a:t>
+              <a:pPr/>
+              <a:t>7/5/2011</a:t>
             </a:fld>
             <a:endParaRPr lang="en-GB"/>
           </a:p>
@@ -7619,7 +7656,7 @@
     </p:spTree>
     <p:extLst>
       <p:ext uri="{BB962C8B-B14F-4D97-AF65-F5344CB8AC3E}">
-        <p14:creationId xmlns:p14="http://schemas.microsoft.com/office/powerpoint/2010/main" val="4089701815"/>
+        <p14:creationId xmlns:p14="http://schemas.microsoft.com/office/powerpoint/2010/main" xmlns="" val="4089701815"/>
       </p:ext>
     </p:extLst>
   </p:cSld>
@@ -7731,7 +7768,8 @@
           <a:p>
             <a:fld id="{CDAEE9B0-25E7-4C28-AF1D-B3DDCE7EBBDB}" type="datetime1">
               <a:rPr lang="en-US" smtClean="0"/>
-              <a:t>7/4/2011</a:t>
+              <a:pPr/>
+              <a:t>7/5/2011</a:t>
             </a:fld>
             <a:endParaRPr lang="en-GB"/>
           </a:p>
@@ -7787,7 +7825,7 @@
     </p:spTree>
     <p:extLst>
       <p:ext uri="{BB962C8B-B14F-4D97-AF65-F5344CB8AC3E}">
-        <p14:creationId xmlns:p14="http://schemas.microsoft.com/office/powerpoint/2010/main" val="1078110969"/>
+        <p14:creationId xmlns:p14="http://schemas.microsoft.com/office/powerpoint/2010/main" xmlns="" val="1078110969"/>
       </p:ext>
     </p:extLst>
   </p:cSld>
@@ -7884,7 +7922,8 @@
           <a:p>
             <a:fld id="{CDAEE9B0-25E7-4C28-AF1D-B3DDCE7EBBDB}" type="datetime1">
               <a:rPr lang="en-US" smtClean="0"/>
-              <a:t>7/4/2011</a:t>
+              <a:pPr/>
+              <a:t>7/5/2011</a:t>
             </a:fld>
             <a:endParaRPr lang="en-GB"/>
           </a:p>
@@ -7940,7 +7979,7 @@
     </p:spTree>
     <p:extLst>
       <p:ext uri="{BB962C8B-B14F-4D97-AF65-F5344CB8AC3E}">
-        <p14:creationId xmlns:p14="http://schemas.microsoft.com/office/powerpoint/2010/main" val="3038176013"/>
+        <p14:creationId xmlns:p14="http://schemas.microsoft.com/office/powerpoint/2010/main" xmlns="" val="3038176013"/>
       </p:ext>
     </p:extLst>
   </p:cSld>
@@ -8083,7 +8122,8 @@
           <a:p>
             <a:fld id="{CDAEE9B0-25E7-4C28-AF1D-B3DDCE7EBBDB}" type="datetime1">
               <a:rPr lang="en-US" smtClean="0"/>
-              <a:t>7/4/2011</a:t>
+              <a:pPr/>
+              <a:t>7/5/2011</a:t>
             </a:fld>
             <a:endParaRPr lang="en-GB"/>
           </a:p>
@@ -8139,7 +8179,7 @@
     </p:spTree>
     <p:extLst>
       <p:ext uri="{BB962C8B-B14F-4D97-AF65-F5344CB8AC3E}">
-        <p14:creationId xmlns:p14="http://schemas.microsoft.com/office/powerpoint/2010/main" val="687733986"/>
+        <p14:creationId xmlns:p14="http://schemas.microsoft.com/office/powerpoint/2010/main" xmlns="" val="687733986"/>
       </p:ext>
     </p:extLst>
   </p:cSld>
@@ -8254,7 +8294,8 @@
           <a:p>
             <a:fld id="{CDAEE9B0-25E7-4C28-AF1D-B3DDCE7EBBDB}" type="datetime1">
               <a:rPr lang="en-US" smtClean="0"/>
-              <a:t>7/4/2011</a:t>
+              <a:pPr/>
+              <a:t>7/5/2011</a:t>
             </a:fld>
             <a:endParaRPr lang="en-GB"/>
           </a:p>
@@ -8310,7 +8351,7 @@
     </p:spTree>
     <p:extLst>
       <p:ext uri="{BB962C8B-B14F-4D97-AF65-F5344CB8AC3E}">
-        <p14:creationId xmlns:p14="http://schemas.microsoft.com/office/powerpoint/2010/main" val="3219753914"/>
+        <p14:creationId xmlns:p14="http://schemas.microsoft.com/office/powerpoint/2010/main" xmlns="" val="3219753914"/>
       </p:ext>
     </p:extLst>
   </p:cSld>
@@ -8433,7 +8474,8 @@
           <a:p>
             <a:fld id="{CDAEE9B0-25E7-4C28-AF1D-B3DDCE7EBBDB}" type="datetime1">
               <a:rPr lang="en-US" smtClean="0"/>
-              <a:t>7/4/2011</a:t>
+              <a:pPr/>
+              <a:t>7/5/2011</a:t>
             </a:fld>
             <a:endParaRPr lang="en-GB"/>
           </a:p>
@@ -8489,7 +8531,7 @@
     </p:spTree>
     <p:extLst>
       <p:ext uri="{BB962C8B-B14F-4D97-AF65-F5344CB8AC3E}">
-        <p14:creationId xmlns:p14="http://schemas.microsoft.com/office/powerpoint/2010/main" val="3035919924"/>
+        <p14:creationId xmlns:p14="http://schemas.microsoft.com/office/powerpoint/2010/main" xmlns="" val="3035919924"/>
       </p:ext>
     </p:extLst>
   </p:cSld>
@@ -8558,7 +8600,8 @@
           <a:p>
             <a:fld id="{EA5D455B-ECD0-44E3-BA0C-3649A3FCD15C}" type="datetime1">
               <a:rPr lang="en-US" smtClean="0"/>
-              <a:t>7/4/2011</a:t>
+              <a:pPr/>
+              <a:t>7/5/2011</a:t>
             </a:fld>
             <a:endParaRPr lang="en-GB"/>
           </a:p>
@@ -8614,7 +8657,7 @@
     </p:spTree>
     <p:extLst>
       <p:ext uri="{BB962C8B-B14F-4D97-AF65-F5344CB8AC3E}">
-        <p14:creationId xmlns:p14="http://schemas.microsoft.com/office/powerpoint/2010/main" val="2482877072"/>
+        <p14:creationId xmlns:p14="http://schemas.microsoft.com/office/powerpoint/2010/main" xmlns="" val="2482877072"/>
       </p:ext>
     </p:extLst>
   </p:cSld>
@@ -8721,7 +8764,8 @@
           <a:p>
             <a:fld id="{EA5D455B-ECD0-44E3-BA0C-3649A3FCD15C}" type="datetime1">
               <a:rPr lang="en-US" smtClean="0"/>
-              <a:t>7/4/2011</a:t>
+              <a:pPr/>
+              <a:t>7/5/2011</a:t>
             </a:fld>
             <a:endParaRPr lang="en-GB"/>
           </a:p>
@@ -8777,7 +8821,7 @@
     </p:spTree>
     <p:extLst>
       <p:ext uri="{BB962C8B-B14F-4D97-AF65-F5344CB8AC3E}">
-        <p14:creationId xmlns:p14="http://schemas.microsoft.com/office/powerpoint/2010/main" val="381284594"/>
+        <p14:creationId xmlns:p14="http://schemas.microsoft.com/office/powerpoint/2010/main" xmlns="" val="381284594"/>
       </p:ext>
     </p:extLst>
   </p:cSld>
@@ -8844,7 +8888,8 @@
           <a:p>
             <a:fld id="{EA5D455B-ECD0-44E3-BA0C-3649A3FCD15C}" type="datetime1">
               <a:rPr lang="en-US" smtClean="0"/>
-              <a:t>7/4/2011</a:t>
+              <a:pPr/>
+              <a:t>7/5/2011</a:t>
             </a:fld>
             <a:endParaRPr lang="en-GB"/>
           </a:p>
@@ -8900,7 +8945,7 @@
     </p:spTree>
     <p:extLst>
       <p:ext uri="{BB962C8B-B14F-4D97-AF65-F5344CB8AC3E}">
-        <p14:creationId xmlns:p14="http://schemas.microsoft.com/office/powerpoint/2010/main" val="4095227198"/>
+        <p14:creationId xmlns:p14="http://schemas.microsoft.com/office/powerpoint/2010/main" xmlns="" val="4095227198"/>
       </p:ext>
     </p:extLst>
   </p:cSld>
@@ -9005,7 +9050,8 @@
           <a:p>
             <a:fld id="{CDAEE9B0-25E7-4C28-AF1D-B3DDCE7EBBDB}" type="datetime1">
               <a:rPr lang="en-US" smtClean="0"/>
-              <a:t>7/4/2011</a:t>
+              <a:pPr/>
+              <a:t>7/5/2011</a:t>
             </a:fld>
             <a:endParaRPr lang="en-GB"/>
           </a:p>
@@ -9061,7 +9107,7 @@
     </p:spTree>
     <p:extLst>
       <p:ext uri="{BB962C8B-B14F-4D97-AF65-F5344CB8AC3E}">
-        <p14:creationId xmlns:p14="http://schemas.microsoft.com/office/powerpoint/2010/main" val="3357694366"/>
+        <p14:creationId xmlns:p14="http://schemas.microsoft.com/office/powerpoint/2010/main" xmlns="" val="3357694366"/>
       </p:ext>
     </p:extLst>
   </p:cSld>
@@ -9182,7 +9228,8 @@
           <a:p>
             <a:fld id="{CDAEE9B0-25E7-4C28-AF1D-B3DDCE7EBBDB}" type="datetime1">
               <a:rPr lang="en-US" smtClean="0"/>
-              <a:t>7/4/2011</a:t>
+              <a:pPr/>
+              <a:t>7/5/2011</a:t>
             </a:fld>
             <a:endParaRPr lang="en-GB"/>
           </a:p>
@@ -9238,7 +9285,7 @@
     </p:spTree>
     <p:extLst>
       <p:ext uri="{BB962C8B-B14F-4D97-AF65-F5344CB8AC3E}">
-        <p14:creationId xmlns:p14="http://schemas.microsoft.com/office/powerpoint/2010/main" val="912609684"/>
+        <p14:creationId xmlns:p14="http://schemas.microsoft.com/office/powerpoint/2010/main" xmlns="" val="912609684"/>
       </p:ext>
     </p:extLst>
   </p:cSld>
@@ -9354,7 +9401,8 @@
           <a:p>
             <a:fld id="{CDAEE9B0-25E7-4C28-AF1D-B3DDCE7EBBDB}" type="datetime1">
               <a:rPr lang="en-US" smtClean="0"/>
-              <a:t>7/4/2011</a:t>
+              <a:pPr/>
+              <a:t>7/5/2011</a:t>
             </a:fld>
             <a:endParaRPr lang="en-GB"/>
           </a:p>
@@ -9410,7 +9458,7 @@
     </p:spTree>
     <p:extLst>
       <p:ext uri="{BB962C8B-B14F-4D97-AF65-F5344CB8AC3E}">
-        <p14:creationId xmlns:p14="http://schemas.microsoft.com/office/powerpoint/2010/main" val="585871984"/>
+        <p14:creationId xmlns:p14="http://schemas.microsoft.com/office/powerpoint/2010/main" xmlns="" val="585871984"/>
       </p:ext>
     </p:extLst>
   </p:cSld>
@@ -9477,8 +9525,24 @@
           <a:p>
             <a:r>
               <a:rPr lang="en-GB" dirty="0" smtClean="0"/>
-              <a:t>Currently the following features have been suggested/requested by the community:</a:t>
-            </a:r>
+              <a:t>Currently the following features have been suggested/requested by the community</a:t>
+            </a:r>
+            <a:r>
+              <a:rPr lang="en-GB" dirty="0" smtClean="0"/>
+              <a:t>:</a:t>
+            </a:r>
+          </a:p>
+          <a:p>
+            <a:pPr lvl="1"/>
+            <a:r>
+              <a:rPr lang="en-GB" dirty="0" err="1" smtClean="0"/>
+              <a:t>.Net</a:t>
+            </a:r>
+            <a:r>
+              <a:rPr lang="en-GB" dirty="0" smtClean="0"/>
+              <a:t> Serialization support</a:t>
+            </a:r>
+            <a:endParaRPr lang="en-GB" dirty="0" smtClean="0"/>
           </a:p>
           <a:p>
             <a:pPr lvl="1"/>
@@ -9495,8 +9559,28 @@
             </a:r>
             <a:r>
               <a:rPr lang="en-GB" dirty="0" smtClean="0"/>
-              <a:t> for non-Windows systems – as it is WPF based it does not run under Mono which limits it to Windows only</a:t>
-            </a:r>
+              <a:t> for non-Windows </a:t>
+            </a:r>
+            <a:r>
+              <a:rPr lang="en-GB" dirty="0" smtClean="0"/>
+              <a:t>systems</a:t>
+            </a:r>
+          </a:p>
+          <a:p>
+            <a:pPr lvl="2"/>
+            <a:r>
+              <a:rPr lang="en-GB" dirty="0" smtClean="0"/>
+              <a:t>As </a:t>
+            </a:r>
+            <a:r>
+              <a:rPr lang="en-GB" dirty="0" smtClean="0"/>
+              <a:t>it is WPF based it does not run under Mono which limits it to Windows </a:t>
+            </a:r>
+            <a:r>
+              <a:rPr lang="en-GB" smtClean="0"/>
+              <a:t>only currently</a:t>
+            </a:r>
+            <a:endParaRPr lang="en-GB" dirty="0" smtClean="0"/>
           </a:p>
           <a:p>
             <a:pPr lvl="1"/>
@@ -9525,7 +9609,8 @@
           <a:p>
             <a:fld id="{CDAEE9B0-25E7-4C28-AF1D-B3DDCE7EBBDB}" type="datetime1">
               <a:rPr lang="en-US" smtClean="0"/>
-              <a:t>7/4/2011</a:t>
+              <a:pPr/>
+              <a:t>7/5/2011</a:t>
             </a:fld>
             <a:endParaRPr lang="en-GB"/>
           </a:p>
@@ -9581,7 +9666,7 @@
     </p:spTree>
     <p:extLst>
       <p:ext uri="{BB962C8B-B14F-4D97-AF65-F5344CB8AC3E}">
-        <p14:creationId xmlns:p14="http://schemas.microsoft.com/office/powerpoint/2010/main" val="2152085500"/>
+        <p14:creationId xmlns:p14="http://schemas.microsoft.com/office/powerpoint/2010/main" xmlns="" val="2152085500"/>
       </p:ext>
     </p:extLst>
   </p:cSld>
@@ -9648,7 +9733,8 @@
           <a:p>
             <a:fld id="{CDAEE9B0-25E7-4C28-AF1D-B3DDCE7EBBDB}" type="datetime1">
               <a:rPr lang="en-US" smtClean="0"/>
-              <a:t>7/4/2011</a:t>
+              <a:pPr/>
+              <a:t>7/5/2011</a:t>
             </a:fld>
             <a:endParaRPr lang="en-GB"/>
           </a:p>
@@ -9704,7 +9790,7 @@
     </p:spTree>
     <p:extLst>
       <p:ext uri="{BB962C8B-B14F-4D97-AF65-F5344CB8AC3E}">
-        <p14:creationId xmlns:p14="http://schemas.microsoft.com/office/powerpoint/2010/main" val="3258641840"/>
+        <p14:creationId xmlns:p14="http://schemas.microsoft.com/office/powerpoint/2010/main" xmlns="" val="3258641840"/>
       </p:ext>
     </p:extLst>
   </p:cSld>
@@ -9843,7 +9929,8 @@
           <a:p>
             <a:fld id="{CDAEE9B0-25E7-4C28-AF1D-B3DDCE7EBBDB}" type="datetime1">
               <a:rPr lang="en-US" smtClean="0"/>
-              <a:t>7/4/2011</a:t>
+              <a:pPr/>
+              <a:t>7/5/2011</a:t>
             </a:fld>
             <a:endParaRPr lang="en-GB"/>
           </a:p>
@@ -9899,7 +9986,7 @@
     </p:spTree>
     <p:extLst>
       <p:ext uri="{BB962C8B-B14F-4D97-AF65-F5344CB8AC3E}">
-        <p14:creationId xmlns:p14="http://schemas.microsoft.com/office/powerpoint/2010/main" val="1264147251"/>
+        <p14:creationId xmlns:p14="http://schemas.microsoft.com/office/powerpoint/2010/main" xmlns="" val="1264147251"/>
       </p:ext>
     </p:extLst>
   </p:cSld>
@@ -10042,7 +10129,8 @@
           <a:p>
             <a:fld id="{CDAEE9B0-25E7-4C28-AF1D-B3DDCE7EBBDB}" type="datetime1">
               <a:rPr lang="en-US" smtClean="0"/>
-              <a:t>7/4/2011</a:t>
+              <a:pPr/>
+              <a:t>7/5/2011</a:t>
             </a:fld>
             <a:endParaRPr lang="en-GB"/>
           </a:p>
@@ -10098,7 +10186,7 @@
     </p:spTree>
     <p:extLst>
       <p:ext uri="{BB962C8B-B14F-4D97-AF65-F5344CB8AC3E}">
-        <p14:creationId xmlns:p14="http://schemas.microsoft.com/office/powerpoint/2010/main" val="798761902"/>
+        <p14:creationId xmlns:p14="http://schemas.microsoft.com/office/powerpoint/2010/main" xmlns="" val="798761902"/>
       </p:ext>
     </p:extLst>
   </p:cSld>
@@ -10222,7 +10310,8 @@
           <a:p>
             <a:fld id="{CDAEE9B0-25E7-4C28-AF1D-B3DDCE7EBBDB}" type="datetime1">
               <a:rPr lang="en-US" smtClean="0"/>
-              <a:t>7/4/2011</a:t>
+              <a:pPr/>
+              <a:t>7/5/2011</a:t>
             </a:fld>
             <a:endParaRPr lang="en-GB"/>
           </a:p>
@@ -10278,7 +10367,7 @@
     </p:spTree>
     <p:extLst>
       <p:ext uri="{BB962C8B-B14F-4D97-AF65-F5344CB8AC3E}">
-        <p14:creationId xmlns:p14="http://schemas.microsoft.com/office/powerpoint/2010/main" val="685525953"/>
+        <p14:creationId xmlns:p14="http://schemas.microsoft.com/office/powerpoint/2010/main" xmlns="" val="685525953"/>
       </p:ext>
     </p:extLst>
   </p:cSld>
@@ -10345,7 +10434,8 @@
           <a:p>
             <a:fld id="{EA5D455B-ECD0-44E3-BA0C-3649A3FCD15C}" type="datetime1">
               <a:rPr lang="en-US" smtClean="0"/>
-              <a:t>7/4/2011</a:t>
+              <a:pPr/>
+              <a:t>7/5/2011</a:t>
             </a:fld>
             <a:endParaRPr lang="en-GB"/>
           </a:p>
@@ -10401,7 +10491,7 @@
     </p:spTree>
     <p:extLst>
       <p:ext uri="{BB962C8B-B14F-4D97-AF65-F5344CB8AC3E}">
-        <p14:creationId xmlns:p14="http://schemas.microsoft.com/office/powerpoint/2010/main" val="2062332550"/>
+        <p14:creationId xmlns:p14="http://schemas.microsoft.com/office/powerpoint/2010/main" xmlns="" val="2062332550"/>
       </p:ext>
     </p:extLst>
   </p:cSld>
@@ -10506,7 +10596,8 @@
           <a:p>
             <a:fld id="{CDAEE9B0-25E7-4C28-AF1D-B3DDCE7EBBDB}" type="datetime1">
               <a:rPr lang="en-US" smtClean="0"/>
-              <a:t>7/4/2011</a:t>
+              <a:pPr/>
+              <a:t>7/5/2011</a:t>
             </a:fld>
             <a:endParaRPr lang="en-GB"/>
           </a:p>
@@ -10562,7 +10653,7 @@
     </p:spTree>
     <p:extLst>
       <p:ext uri="{BB962C8B-B14F-4D97-AF65-F5344CB8AC3E}">
-        <p14:creationId xmlns:p14="http://schemas.microsoft.com/office/powerpoint/2010/main" val="2752513629"/>
+        <p14:creationId xmlns:p14="http://schemas.microsoft.com/office/powerpoint/2010/main" xmlns="" val="2752513629"/>
       </p:ext>
     </p:extLst>
   </p:cSld>
@@ -10685,7 +10776,8 @@
           <a:p>
             <a:fld id="{CDAEE9B0-25E7-4C28-AF1D-B3DDCE7EBBDB}" type="datetime1">
               <a:rPr lang="en-US" smtClean="0"/>
-              <a:t>7/4/2011</a:t>
+              <a:pPr/>
+              <a:t>7/5/2011</a:t>
             </a:fld>
             <a:endParaRPr lang="en-GB"/>
           </a:p>
@@ -10741,7 +10833,7 @@
     </p:spTree>
     <p:extLst>
       <p:ext uri="{BB962C8B-B14F-4D97-AF65-F5344CB8AC3E}">
-        <p14:creationId xmlns:p14="http://schemas.microsoft.com/office/powerpoint/2010/main" val="1884836899"/>
+        <p14:creationId xmlns:p14="http://schemas.microsoft.com/office/powerpoint/2010/main" xmlns="" val="1884836899"/>
       </p:ext>
     </p:extLst>
   </p:cSld>
@@ -10837,7 +10929,8 @@
           <a:p>
             <a:fld id="{CDAEE9B0-25E7-4C28-AF1D-B3DDCE7EBBDB}" type="datetime1">
               <a:rPr lang="en-US" smtClean="0"/>
-              <a:t>7/4/2011</a:t>
+              <a:pPr/>
+              <a:t>7/5/2011</a:t>
             </a:fld>
             <a:endParaRPr lang="en-GB"/>
           </a:p>
@@ -10893,7 +10986,7 @@
     </p:spTree>
     <p:extLst>
       <p:ext uri="{BB962C8B-B14F-4D97-AF65-F5344CB8AC3E}">
-        <p14:creationId xmlns:p14="http://schemas.microsoft.com/office/powerpoint/2010/main" val="1547614895"/>
+        <p14:creationId xmlns:p14="http://schemas.microsoft.com/office/powerpoint/2010/main" xmlns="" val="1547614895"/>
       </p:ext>
     </p:extLst>
   </p:cSld>

--- a/Slides/Roadmap.pptx
+++ b/Slides/Roadmap.pptx
@@ -9577,7 +9577,7 @@
               <a:t>it is WPF based it does not run under Mono which limits it to Windows </a:t>
             </a:r>
             <a:r>
-              <a:rPr lang="en-GB" smtClean="0"/>
+              <a:rPr lang="en-GB" dirty="0" smtClean="0"/>
               <a:t>only currently</a:t>
             </a:r>
             <a:endParaRPr lang="en-GB" dirty="0" smtClean="0"/>

--- a/Slides/Roadmap.pptx
+++ b/Slides/Roadmap.pptx
@@ -5,7 +5,7 @@
     <p:sldMasterId id="2147483648" r:id="rId1"/>
   </p:sldMasterIdLst>
   <p:notesMasterIdLst>
-    <p:notesMasterId r:id="rId48"/>
+    <p:notesMasterId r:id="rId49"/>
   </p:notesMasterIdLst>
   <p:sldIdLst>
     <p:sldId id="256" r:id="rId2"/>
@@ -30,30 +30,31 @@
     <p:sldId id="272" r:id="rId21"/>
     <p:sldId id="273" r:id="rId22"/>
     <p:sldId id="274" r:id="rId23"/>
-    <p:sldId id="276" r:id="rId24"/>
-    <p:sldId id="279" r:id="rId25"/>
-    <p:sldId id="280" r:id="rId26"/>
-    <p:sldId id="281" r:id="rId27"/>
-    <p:sldId id="282" r:id="rId28"/>
-    <p:sldId id="283" r:id="rId29"/>
-    <p:sldId id="287" r:id="rId30"/>
-    <p:sldId id="288" r:id="rId31"/>
-    <p:sldId id="289" r:id="rId32"/>
-    <p:sldId id="299" r:id="rId33"/>
-    <p:sldId id="290" r:id="rId34"/>
-    <p:sldId id="291" r:id="rId35"/>
-    <p:sldId id="292" r:id="rId36"/>
-    <p:sldId id="293" r:id="rId37"/>
-    <p:sldId id="294" r:id="rId38"/>
-    <p:sldId id="295" r:id="rId39"/>
-    <p:sldId id="296" r:id="rId40"/>
-    <p:sldId id="297" r:id="rId41"/>
-    <p:sldId id="298" r:id="rId42"/>
-    <p:sldId id="300" r:id="rId43"/>
-    <p:sldId id="301" r:id="rId44"/>
-    <p:sldId id="303" r:id="rId45"/>
-    <p:sldId id="302" r:id="rId46"/>
-    <p:sldId id="304" r:id="rId47"/>
+    <p:sldId id="307" r:id="rId24"/>
+    <p:sldId id="276" r:id="rId25"/>
+    <p:sldId id="279" r:id="rId26"/>
+    <p:sldId id="280" r:id="rId27"/>
+    <p:sldId id="281" r:id="rId28"/>
+    <p:sldId id="282" r:id="rId29"/>
+    <p:sldId id="283" r:id="rId30"/>
+    <p:sldId id="287" r:id="rId31"/>
+    <p:sldId id="288" r:id="rId32"/>
+    <p:sldId id="289" r:id="rId33"/>
+    <p:sldId id="299" r:id="rId34"/>
+    <p:sldId id="290" r:id="rId35"/>
+    <p:sldId id="291" r:id="rId36"/>
+    <p:sldId id="292" r:id="rId37"/>
+    <p:sldId id="293" r:id="rId38"/>
+    <p:sldId id="294" r:id="rId39"/>
+    <p:sldId id="295" r:id="rId40"/>
+    <p:sldId id="296" r:id="rId41"/>
+    <p:sldId id="297" r:id="rId42"/>
+    <p:sldId id="298" r:id="rId43"/>
+    <p:sldId id="300" r:id="rId44"/>
+    <p:sldId id="301" r:id="rId45"/>
+    <p:sldId id="303" r:id="rId46"/>
+    <p:sldId id="302" r:id="rId47"/>
+    <p:sldId id="304" r:id="rId48"/>
   </p:sldIdLst>
   <p:sldSz cx="9144000" cy="6858000" type="screen4x3"/>
   <p:notesSz cx="7099300" cy="10223500"/>
@@ -238,7 +239,7 @@
             <a:fld id="{A4EFCF4D-B222-4BDE-9F21-361A6D2DD5DC}" type="datetimeFigureOut">
               <a:rPr lang="en-GB" smtClean="0"/>
               <a:pPr/>
-              <a:t>05/07/2011</a:t>
+              <a:t>13/07/2011</a:t>
             </a:fld>
             <a:endParaRPr lang="en-GB"/>
           </a:p>
@@ -407,7 +408,7 @@
     </p:spTree>
     <p:extLst>
       <p:ext uri="{BB962C8B-B14F-4D97-AF65-F5344CB8AC3E}">
-        <p14:creationId xmlns:p14="http://schemas.microsoft.com/office/powerpoint/2010/main" xmlns="" val="3764111685"/>
+        <p14:creationId xmlns:p14="http://schemas.microsoft.com/office/powerpoint/2010/main" val="3764111685"/>
       </p:ext>
     </p:extLst>
   </p:cSld>
@@ -695,7 +696,7 @@
             <a:fld id="{7DDF2E66-A8D8-4938-9770-803246E1F4D9}" type="datetime1">
               <a:rPr lang="en-US" smtClean="0"/>
               <a:pPr/>
-              <a:t>7/5/2011</a:t>
+              <a:t>7/13/2011</a:t>
             </a:fld>
             <a:endParaRPr lang="en-GB"/>
           </a:p>
@@ -886,7 +887,7 @@
             <a:fld id="{CDAEE9B0-25E7-4C28-AF1D-B3DDCE7EBBDB}" type="datetime1">
               <a:rPr lang="en-US" smtClean="0"/>
               <a:pPr/>
-              <a:t>7/5/2011</a:t>
+              <a:t>7/13/2011</a:t>
             </a:fld>
             <a:endParaRPr lang="en-GB"/>
           </a:p>
@@ -1133,7 +1134,7 @@
             <a:fld id="{B4D3D433-0AB0-44F2-9244-5C7078B0628D}" type="datetime1">
               <a:rPr lang="en-US" smtClean="0"/>
               <a:pPr/>
-              <a:t>7/5/2011</a:t>
+              <a:t>7/13/2011</a:t>
             </a:fld>
             <a:endParaRPr lang="en-GB"/>
           </a:p>
@@ -1437,7 +1438,7 @@
             <a:fld id="{603E95A3-71BD-4303-BDB5-8A36882C7B2B}" type="datetime1">
               <a:rPr lang="en-US" smtClean="0"/>
               <a:pPr/>
-              <a:t>7/5/2011</a:t>
+              <a:t>7/13/2011</a:t>
             </a:fld>
             <a:endParaRPr lang="en-GB"/>
           </a:p>
@@ -1845,7 +1846,7 @@
             <a:fld id="{DA3AB10B-EC00-4A9D-ADD6-A8B68613B4D2}" type="datetime1">
               <a:rPr lang="en-US" smtClean="0"/>
               <a:pPr/>
-              <a:t>7/5/2011</a:t>
+              <a:t>7/13/2011</a:t>
             </a:fld>
             <a:endParaRPr lang="en-GB"/>
           </a:p>
@@ -1977,7 +1978,7 @@
             <a:fld id="{EA5D455B-ECD0-44E3-BA0C-3649A3FCD15C}" type="datetime1">
               <a:rPr lang="en-US" smtClean="0"/>
               <a:pPr/>
-              <a:t>7/5/2011</a:t>
+              <a:t>7/13/2011</a:t>
             </a:fld>
             <a:endParaRPr lang="en-GB"/>
           </a:p>
@@ -2073,7 +2074,7 @@
             <a:fld id="{F83BA156-88F6-4A85-BCB0-63F0774EAEDC}" type="datetime1">
               <a:rPr lang="en-US" smtClean="0"/>
               <a:pPr/>
-              <a:t>7/5/2011</a:t>
+              <a:t>7/13/2011</a:t>
             </a:fld>
             <a:endParaRPr lang="en-GB"/>
           </a:p>
@@ -2357,7 +2358,7 @@
             <a:fld id="{044DBA34-05AD-44A3-A0F1-C917A9CE0E42}" type="datetime1">
               <a:rPr lang="en-US" smtClean="0"/>
               <a:pPr/>
-              <a:t>7/5/2011</a:t>
+              <a:t>7/13/2011</a:t>
             </a:fld>
             <a:endParaRPr lang="en-GB"/>
           </a:p>
@@ -2621,7 +2622,7 @@
             <a:fld id="{3FDD57B1-846D-42C4-9FE3-5B43FAB1C846}" type="datetime1">
               <a:rPr lang="en-US" smtClean="0"/>
               <a:pPr/>
-              <a:t>7/5/2011</a:t>
+              <a:t>7/13/2011</a:t>
             </a:fld>
             <a:endParaRPr lang="en-GB"/>
           </a:p>
@@ -2773,7 +2774,7 @@
             <a:fld id="{8EDAB77D-6898-4F92-AE07-90DBD2DF1995}" type="datetime1">
               <a:rPr lang="en-US" smtClean="0"/>
               <a:pPr/>
-              <a:t>7/5/2011</a:t>
+              <a:t>7/13/2011</a:t>
             </a:fld>
             <a:endParaRPr lang="en-GB" dirty="0"/>
           </a:p>
@@ -3334,7 +3335,7 @@
             <a:fld id="{ADB3C27C-C00A-40F0-A166-0452DE5EF4FD}" type="datetime1">
               <a:rPr lang="en-US" smtClean="0"/>
               <a:pPr/>
-              <a:t>7/5/2011</a:t>
+              <a:t>7/13/2011</a:t>
             </a:fld>
             <a:endParaRPr lang="en-GB"/>
           </a:p>
@@ -3508,7 +3509,7 @@
             <a:fld id="{EA5D455B-ECD0-44E3-BA0C-3649A3FCD15C}" type="datetime1">
               <a:rPr lang="en-US" smtClean="0"/>
               <a:pPr/>
-              <a:t>7/5/2011</a:t>
+              <a:t>7/13/2011</a:t>
             </a:fld>
             <a:endParaRPr lang="en-GB"/>
           </a:p>
@@ -3564,7 +3565,7 @@
     </p:spTree>
     <p:extLst>
       <p:ext uri="{BB962C8B-B14F-4D97-AF65-F5344CB8AC3E}">
-        <p14:creationId xmlns:p14="http://schemas.microsoft.com/office/powerpoint/2010/main" xmlns="" val="3728461749"/>
+        <p14:creationId xmlns:p14="http://schemas.microsoft.com/office/powerpoint/2010/main" val="3728461749"/>
       </p:ext>
     </p:extLst>
   </p:cSld>
@@ -3686,7 +3687,7 @@
             <a:fld id="{CDAEE9B0-25E7-4C28-AF1D-B3DDCE7EBBDB}" type="datetime1">
               <a:rPr lang="en-US" smtClean="0"/>
               <a:pPr/>
-              <a:t>7/5/2011</a:t>
+              <a:t>7/13/2011</a:t>
             </a:fld>
             <a:endParaRPr lang="en-GB"/>
           </a:p>
@@ -3742,7 +3743,7 @@
     </p:spTree>
     <p:extLst>
       <p:ext uri="{BB962C8B-B14F-4D97-AF65-F5344CB8AC3E}">
-        <p14:creationId xmlns:p14="http://schemas.microsoft.com/office/powerpoint/2010/main" xmlns="" val="3573922916"/>
+        <p14:creationId xmlns:p14="http://schemas.microsoft.com/office/powerpoint/2010/main" val="3573922916"/>
       </p:ext>
     </p:extLst>
   </p:cSld>
@@ -3826,7 +3827,23 @@
           <a:p>
             <a:r>
               <a:rPr lang="en-GB" dirty="0" smtClean="0"/>
-              <a:t>Combines with new virtualised storage subsystem for improved SPARQL performance without need to load entire dataset into memory</a:t>
+              <a:t>Combines with new virtualised storage subsystem for </a:t>
+            </a:r>
+            <a:r>
+              <a:rPr lang="en-GB" dirty="0" smtClean="0"/>
+              <a:t>reasonable</a:t>
+            </a:r>
+            <a:r>
+              <a:rPr lang="en-GB" dirty="0" smtClean="0"/>
+              <a:t> </a:t>
+            </a:r>
+            <a:r>
+              <a:rPr lang="en-GB" dirty="0" smtClean="0"/>
+              <a:t>SPARQL performance </a:t>
+            </a:r>
+            <a:r>
+              <a:rPr lang="en-GB" dirty="0" smtClean="0"/>
+              <a:t>with much lower memory requirements</a:t>
             </a:r>
             <a:endParaRPr lang="en-GB" dirty="0"/>
           </a:p>
@@ -3850,7 +3867,7 @@
             <a:fld id="{CDAEE9B0-25E7-4C28-AF1D-B3DDCE7EBBDB}" type="datetime1">
               <a:rPr lang="en-US" smtClean="0"/>
               <a:pPr/>
-              <a:t>7/5/2011</a:t>
+              <a:t>7/13/2011</a:t>
             </a:fld>
             <a:endParaRPr lang="en-GB"/>
           </a:p>
@@ -3906,7 +3923,7 @@
     </p:spTree>
     <p:extLst>
       <p:ext uri="{BB962C8B-B14F-4D97-AF65-F5344CB8AC3E}">
-        <p14:creationId xmlns:p14="http://schemas.microsoft.com/office/powerpoint/2010/main" xmlns="" val="2108512158"/>
+        <p14:creationId xmlns:p14="http://schemas.microsoft.com/office/powerpoint/2010/main" val="2108512158"/>
       </p:ext>
     </p:extLst>
   </p:cSld>
@@ -4009,7 +4026,7 @@
             <a:fld id="{CDAEE9B0-25E7-4C28-AF1D-B3DDCE7EBBDB}" type="datetime1">
               <a:rPr lang="en-US" smtClean="0"/>
               <a:pPr/>
-              <a:t>7/5/2011</a:t>
+              <a:t>7/13/2011</a:t>
             </a:fld>
             <a:endParaRPr lang="en-GB" dirty="0"/>
           </a:p>
@@ -4065,7 +4082,7 @@
     </p:spTree>
     <p:extLst>
       <p:ext uri="{BB962C8B-B14F-4D97-AF65-F5344CB8AC3E}">
-        <p14:creationId xmlns:p14="http://schemas.microsoft.com/office/powerpoint/2010/main" xmlns="" val="3738179165"/>
+        <p14:creationId xmlns:p14="http://schemas.microsoft.com/office/powerpoint/2010/main" val="3738179165"/>
       </p:ext>
     </p:extLst>
   </p:cSld>
@@ -4194,7 +4211,7 @@
             <a:fld id="{CDAEE9B0-25E7-4C28-AF1D-B3DDCE7EBBDB}" type="datetime1">
               <a:rPr lang="en-US" smtClean="0"/>
               <a:pPr/>
-              <a:t>7/5/2011</a:t>
+              <a:t>7/13/2011</a:t>
             </a:fld>
             <a:endParaRPr lang="en-GB"/>
           </a:p>
@@ -4250,7 +4267,7 @@
     </p:spTree>
     <p:extLst>
       <p:ext uri="{BB962C8B-B14F-4D97-AF65-F5344CB8AC3E}">
-        <p14:creationId xmlns:p14="http://schemas.microsoft.com/office/powerpoint/2010/main" xmlns="" val="1957182481"/>
+        <p14:creationId xmlns:p14="http://schemas.microsoft.com/office/powerpoint/2010/main" val="1957182481"/>
       </p:ext>
     </p:extLst>
   </p:cSld>
@@ -4351,7 +4368,23 @@
             <a:pPr lvl="1"/>
             <a:r>
               <a:rPr lang="en-GB" dirty="0" smtClean="0"/>
-              <a:t>Designed primarily to improve performance for out of memory SPARQL datasets</a:t>
+              <a:t>Designed primarily to improve </a:t>
+            </a:r>
+            <a:r>
+              <a:rPr lang="en-GB" dirty="0" smtClean="0"/>
+              <a:t>performance (and memor</a:t>
+            </a:r>
+            <a:r>
+              <a:rPr lang="en-GB" dirty="0" smtClean="0"/>
+              <a:t>y usage)</a:t>
+            </a:r>
+            <a:r>
+              <a:rPr lang="en-GB" dirty="0" smtClean="0"/>
+              <a:t> </a:t>
+            </a:r>
+            <a:r>
+              <a:rPr lang="en-GB" dirty="0" smtClean="0"/>
+              <a:t>for out of memory SPARQL datasets</a:t>
             </a:r>
           </a:p>
           <a:p>
@@ -4381,7 +4414,7 @@
             <a:fld id="{CDAEE9B0-25E7-4C28-AF1D-B3DDCE7EBBDB}" type="datetime1">
               <a:rPr lang="en-US" smtClean="0"/>
               <a:pPr/>
-              <a:t>7/5/2011</a:t>
+              <a:t>7/13/2011</a:t>
             </a:fld>
             <a:endParaRPr lang="en-GB"/>
           </a:p>
@@ -4437,7 +4470,7 @@
     </p:spTree>
     <p:extLst>
       <p:ext uri="{BB962C8B-B14F-4D97-AF65-F5344CB8AC3E}">
-        <p14:creationId xmlns:p14="http://schemas.microsoft.com/office/powerpoint/2010/main" xmlns="" val="2909703350"/>
+        <p14:creationId xmlns:p14="http://schemas.microsoft.com/office/powerpoint/2010/main" val="2909703350"/>
       </p:ext>
     </p:extLst>
   </p:cSld>
@@ -4544,7 +4577,7 @@
             <a:fld id="{CDAEE9B0-25E7-4C28-AF1D-B3DDCE7EBBDB}" type="datetime1">
               <a:rPr lang="en-US" smtClean="0"/>
               <a:pPr/>
-              <a:t>7/5/2011</a:t>
+              <a:t>7/13/2011</a:t>
             </a:fld>
             <a:endParaRPr lang="en-GB"/>
           </a:p>
@@ -4600,7 +4633,7 @@
     </p:spTree>
     <p:extLst>
       <p:ext uri="{BB962C8B-B14F-4D97-AF65-F5344CB8AC3E}">
-        <p14:creationId xmlns:p14="http://schemas.microsoft.com/office/powerpoint/2010/main" xmlns="" val="3472818035"/>
+        <p14:creationId xmlns:p14="http://schemas.microsoft.com/office/powerpoint/2010/main" val="3472818035"/>
       </p:ext>
     </p:extLst>
   </p:cSld>
@@ -4713,7 +4746,7 @@
             <a:fld id="{CDAEE9B0-25E7-4C28-AF1D-B3DDCE7EBBDB}" type="datetime1">
               <a:rPr lang="en-US" smtClean="0"/>
               <a:pPr/>
-              <a:t>7/5/2011</a:t>
+              <a:t>7/13/2011</a:t>
             </a:fld>
             <a:endParaRPr lang="en-GB"/>
           </a:p>
@@ -4769,7 +4802,7 @@
     </p:spTree>
     <p:extLst>
       <p:ext uri="{BB962C8B-B14F-4D97-AF65-F5344CB8AC3E}">
-        <p14:creationId xmlns:p14="http://schemas.microsoft.com/office/powerpoint/2010/main" xmlns="" val="1034858646"/>
+        <p14:creationId xmlns:p14="http://schemas.microsoft.com/office/powerpoint/2010/main" val="1034858646"/>
       </p:ext>
     </p:extLst>
   </p:cSld>
@@ -4891,7 +4924,7 @@
             <a:fld id="{CDAEE9B0-25E7-4C28-AF1D-B3DDCE7EBBDB}" type="datetime1">
               <a:rPr lang="en-US" smtClean="0"/>
               <a:pPr/>
-              <a:t>7/5/2011</a:t>
+              <a:t>7/13/2011</a:t>
             </a:fld>
             <a:endParaRPr lang="en-GB"/>
           </a:p>
@@ -4947,7 +4980,7 @@
     </p:spTree>
     <p:extLst>
       <p:ext uri="{BB962C8B-B14F-4D97-AF65-F5344CB8AC3E}">
-        <p14:creationId xmlns:p14="http://schemas.microsoft.com/office/powerpoint/2010/main" xmlns="" val="3849529298"/>
+        <p14:creationId xmlns:p14="http://schemas.microsoft.com/office/powerpoint/2010/main" val="3849529298"/>
       </p:ext>
     </p:extLst>
   </p:cSld>
@@ -5106,7 +5139,7 @@
             <a:fld id="{CDAEE9B0-25E7-4C28-AF1D-B3DDCE7EBBDB}" type="datetime1">
               <a:rPr lang="en-US" smtClean="0"/>
               <a:pPr/>
-              <a:t>7/5/2011</a:t>
+              <a:t>7/13/2011</a:t>
             </a:fld>
             <a:endParaRPr lang="en-GB"/>
           </a:p>
@@ -5162,7 +5195,7 @@
     </p:spTree>
     <p:extLst>
       <p:ext uri="{BB962C8B-B14F-4D97-AF65-F5344CB8AC3E}">
-        <p14:creationId xmlns:p14="http://schemas.microsoft.com/office/powerpoint/2010/main" xmlns="" val="4093170207"/>
+        <p14:creationId xmlns:p14="http://schemas.microsoft.com/office/powerpoint/2010/main" val="4093170207"/>
       </p:ext>
     </p:extLst>
   </p:cSld>
@@ -5298,7 +5331,7 @@
             <a:fld id="{CDAEE9B0-25E7-4C28-AF1D-B3DDCE7EBBDB}" type="datetime1">
               <a:rPr lang="en-US" smtClean="0"/>
               <a:pPr/>
-              <a:t>7/5/2011</a:t>
+              <a:t>7/13/2011</a:t>
             </a:fld>
             <a:endParaRPr lang="en-GB"/>
           </a:p>
@@ -5354,7 +5387,7 @@
     </p:spTree>
     <p:extLst>
       <p:ext uri="{BB962C8B-B14F-4D97-AF65-F5344CB8AC3E}">
-        <p14:creationId xmlns:p14="http://schemas.microsoft.com/office/powerpoint/2010/main" xmlns="" val="2357537943"/>
+        <p14:creationId xmlns:p14="http://schemas.microsoft.com/office/powerpoint/2010/main" val="2357537943"/>
       </p:ext>
     </p:extLst>
   </p:cSld>
@@ -5476,7 +5509,7 @@
             <a:fld id="{CDAEE9B0-25E7-4C28-AF1D-B3DDCE7EBBDB}" type="datetime1">
               <a:rPr lang="en-US" smtClean="0"/>
               <a:pPr/>
-              <a:t>7/5/2011</a:t>
+              <a:t>7/13/2011</a:t>
             </a:fld>
             <a:endParaRPr lang="en-GB"/>
           </a:p>
@@ -5532,7 +5565,7 @@
     </p:spTree>
     <p:extLst>
       <p:ext uri="{BB962C8B-B14F-4D97-AF65-F5344CB8AC3E}">
-        <p14:creationId xmlns:p14="http://schemas.microsoft.com/office/powerpoint/2010/main" xmlns="" val="509411177"/>
+        <p14:creationId xmlns:p14="http://schemas.microsoft.com/office/powerpoint/2010/main" val="509411177"/>
       </p:ext>
     </p:extLst>
   </p:cSld>
@@ -5656,7 +5689,7 @@
             <a:fld id="{CDAEE9B0-25E7-4C28-AF1D-B3DDCE7EBBDB}" type="datetime1">
               <a:rPr lang="en-US" smtClean="0"/>
               <a:pPr/>
-              <a:t>7/5/2011</a:t>
+              <a:t>7/13/2011</a:t>
             </a:fld>
             <a:endParaRPr lang="en-GB"/>
           </a:p>
@@ -5712,7 +5745,7 @@
     </p:spTree>
     <p:extLst>
       <p:ext uri="{BB962C8B-B14F-4D97-AF65-F5344CB8AC3E}">
-        <p14:creationId xmlns:p14="http://schemas.microsoft.com/office/powerpoint/2010/main" xmlns="" val="673125997"/>
+        <p14:creationId xmlns:p14="http://schemas.microsoft.com/office/powerpoint/2010/main" val="673125997"/>
       </p:ext>
     </p:extLst>
   </p:cSld>
@@ -5810,7 +5843,7 @@
             <a:fld id="{CDAEE9B0-25E7-4C28-AF1D-B3DDCE7EBBDB}" type="datetime1">
               <a:rPr lang="en-US" smtClean="0"/>
               <a:pPr/>
-              <a:t>7/5/2011</a:t>
+              <a:t>7/13/2011</a:t>
             </a:fld>
             <a:endParaRPr lang="en-GB"/>
           </a:p>
@@ -5866,7 +5899,7 @@
     </p:spTree>
     <p:extLst>
       <p:ext uri="{BB962C8B-B14F-4D97-AF65-F5344CB8AC3E}">
-        <p14:creationId xmlns:p14="http://schemas.microsoft.com/office/powerpoint/2010/main" xmlns="" val="2964860377"/>
+        <p14:creationId xmlns:p14="http://schemas.microsoft.com/office/powerpoint/2010/main" val="2964860377"/>
       </p:ext>
     </p:extLst>
   </p:cSld>
@@ -5909,17 +5942,190 @@
           <a:lstStyle/>
           <a:p>
             <a:r>
-              <a:rPr lang="en-GB" dirty="0" smtClean="0"/>
-              <a:t>Upcoming Features - Toolkit</a:t>
+              <a:rPr lang="en-GB" dirty="0" err="1" smtClean="0"/>
+              <a:t>.Net</a:t>
+            </a:r>
+            <a:r>
+              <a:rPr lang="en-GB" dirty="0" smtClean="0"/>
+              <a:t> Serialization Support</a:t>
             </a:r>
             <a:endParaRPr lang="en-GB" dirty="0"/>
+          </a:p>
+        </p:txBody>
+      </p:sp>
+      <p:sp>
+        <p:nvSpPr>
+          <p:cNvPr id="3" name="Content Placeholder 2"/>
+          <p:cNvSpPr>
+            <a:spLocks noGrp="1"/>
+          </p:cNvSpPr>
+          <p:nvPr>
+            <p:ph idx="1"/>
+          </p:nvPr>
+        </p:nvSpPr>
+        <p:spPr/>
+        <p:txBody>
+          <a:bodyPr/>
+          <a:lstStyle/>
+          <a:p>
+            <a:r>
+              <a:rPr lang="en-GB" dirty="0" smtClean="0"/>
+              <a:t>Initial support for </a:t>
+            </a:r>
+            <a:r>
+              <a:rPr lang="en-GB" dirty="0" err="1" smtClean="0"/>
+              <a:t>.Net</a:t>
+            </a:r>
+            <a:r>
+              <a:rPr lang="en-GB" dirty="0" smtClean="0"/>
+              <a:t> serialization</a:t>
+            </a:r>
+          </a:p>
+          <a:p>
+            <a:pPr lvl="1"/>
+            <a:r>
+              <a:rPr lang="en-GB" dirty="0" smtClean="0"/>
+              <a:t>Core interfaces and classes (</a:t>
+            </a:r>
+            <a:r>
+              <a:rPr lang="en-GB" dirty="0" err="1" smtClean="0"/>
+              <a:t>INode</a:t>
+            </a:r>
+            <a:r>
+              <a:rPr lang="en-GB" dirty="0" smtClean="0"/>
+              <a:t>, Triple, </a:t>
+            </a:r>
+            <a:r>
+              <a:rPr lang="en-GB" dirty="0" err="1" smtClean="0"/>
+              <a:t>IGraph</a:t>
+            </a:r>
+            <a:r>
+              <a:rPr lang="en-GB" dirty="0" smtClean="0"/>
+              <a:t>, </a:t>
+            </a:r>
+            <a:r>
+              <a:rPr lang="en-GB" dirty="0" err="1" smtClean="0"/>
+              <a:t>SparqlResult</a:t>
+            </a:r>
+            <a:r>
+              <a:rPr lang="en-GB" dirty="0" smtClean="0"/>
+              <a:t>, </a:t>
+            </a:r>
+            <a:r>
+              <a:rPr lang="en-GB" dirty="0" err="1" smtClean="0"/>
+              <a:t>SparqlResultSet</a:t>
+            </a:r>
+            <a:r>
+              <a:rPr lang="en-GB" dirty="0" smtClean="0"/>
+              <a:t>) will implement </a:t>
+            </a:r>
+            <a:r>
+              <a:rPr lang="en-GB" dirty="0" err="1" smtClean="0"/>
+              <a:t>ISerializable</a:t>
+            </a:r>
+            <a:r>
+              <a:rPr lang="en-GB" dirty="0" smtClean="0"/>
+              <a:t> and </a:t>
+            </a:r>
+            <a:r>
+              <a:rPr lang="en-GB" dirty="0" err="1" smtClean="0"/>
+              <a:t>IXmlSerializable</a:t>
+            </a:r>
+            <a:endParaRPr lang="en-GB" dirty="0"/>
+          </a:p>
+          <a:p>
+            <a:pPr lvl="1"/>
+            <a:r>
+              <a:rPr lang="en-GB" dirty="0" smtClean="0"/>
+              <a:t>All relevant implementations marked [</a:t>
+            </a:r>
+            <a:r>
+              <a:rPr lang="en-GB" dirty="0" err="1" smtClean="0"/>
+              <a:t>Serializable</a:t>
+            </a:r>
+            <a:r>
+              <a:rPr lang="en-GB" dirty="0" smtClean="0"/>
+              <a:t>]</a:t>
+            </a:r>
+            <a:endParaRPr lang="en-GB" dirty="0"/>
+          </a:p>
+        </p:txBody>
+      </p:sp>
+      <p:sp>
+        <p:nvSpPr>
+          <p:cNvPr id="4" name="Date Placeholder 3"/>
+          <p:cNvSpPr>
+            <a:spLocks noGrp="1"/>
+          </p:cNvSpPr>
+          <p:nvPr>
+            <p:ph type="dt" sz="half" idx="10"/>
+          </p:nvPr>
+        </p:nvSpPr>
+        <p:spPr/>
+        <p:txBody>
+          <a:bodyPr/>
+          <a:lstStyle/>
+          <a:p>
+            <a:fld id="{CDAEE9B0-25E7-4C28-AF1D-B3DDCE7EBBDB}" type="datetime1">
+              <a:rPr lang="en-US" smtClean="0"/>
+              <a:pPr/>
+              <a:t>7/13/2011</a:t>
+            </a:fld>
+            <a:endParaRPr lang="en-GB"/>
+          </a:p>
+        </p:txBody>
+      </p:sp>
+      <p:sp>
+        <p:nvSpPr>
+          <p:cNvPr id="5" name="Footer Placeholder 4"/>
+          <p:cNvSpPr>
+            <a:spLocks noGrp="1"/>
+          </p:cNvSpPr>
+          <p:nvPr>
+            <p:ph type="ftr" sz="quarter" idx="11"/>
+          </p:nvPr>
+        </p:nvSpPr>
+        <p:spPr/>
+        <p:txBody>
+          <a:bodyPr/>
+          <a:lstStyle/>
+          <a:p>
+            <a:r>
+              <a:rPr lang="en-GB" smtClean="0"/>
+              <a:t>http://www.dotnetrdf.org</a:t>
+            </a:r>
+            <a:endParaRPr lang="en-GB"/>
+          </a:p>
+        </p:txBody>
+      </p:sp>
+      <p:sp>
+        <p:nvSpPr>
+          <p:cNvPr id="6" name="Slide Number Placeholder 5"/>
+          <p:cNvSpPr>
+            <a:spLocks noGrp="1"/>
+          </p:cNvSpPr>
+          <p:nvPr>
+            <p:ph type="sldNum" sz="quarter" idx="12"/>
+          </p:nvPr>
+        </p:nvSpPr>
+        <p:spPr/>
+        <p:txBody>
+          <a:bodyPr/>
+          <a:lstStyle/>
+          <a:p>
+            <a:fld id="{35128F56-7434-487A-8B29-0C024560A5F4}" type="slidenum">
+              <a:rPr lang="en-GB" smtClean="0"/>
+              <a:pPr/>
+              <a:t>23</a:t>
+            </a:fld>
+            <a:endParaRPr lang="en-GB"/>
           </a:p>
         </p:txBody>
       </p:sp>
     </p:spTree>
     <p:extLst>
       <p:ext uri="{BB962C8B-B14F-4D97-AF65-F5344CB8AC3E}">
-        <p14:creationId xmlns:p14="http://schemas.microsoft.com/office/powerpoint/2010/main" xmlns="" val="798346359"/>
+        <p14:creationId xmlns:p14="http://schemas.microsoft.com/office/powerpoint/2010/main" val="322844269"/>
       </p:ext>
     </p:extLst>
   </p:cSld>
@@ -5948,7 +6154,7 @@
       </p:grpSpPr>
       <p:sp>
         <p:nvSpPr>
-          <p:cNvPr id="6" name="Title 5"/>
+          <p:cNvPr id="2" name="Title 1"/>
           <p:cNvSpPr>
             <a:spLocks noGrp="1"/>
           </p:cNvSpPr>
@@ -5966,148 +6172,13 @@
               <a:t>Upcoming Features - Toolkit</a:t>
             </a:r>
             <a:endParaRPr lang="en-GB" dirty="0"/>
-          </a:p>
-        </p:txBody>
-      </p:sp>
-      <p:sp>
-        <p:nvSpPr>
-          <p:cNvPr id="7" name="Content Placeholder 6"/>
-          <p:cNvSpPr>
-            <a:spLocks noGrp="1"/>
-          </p:cNvSpPr>
-          <p:nvPr>
-            <p:ph idx="1"/>
-          </p:nvPr>
-        </p:nvSpPr>
-        <p:spPr/>
-        <p:txBody>
-          <a:bodyPr>
-            <a:normAutofit fontScale="92500"/>
-          </a:bodyPr>
-          <a:lstStyle/>
-          <a:p>
-            <a:r>
-              <a:rPr lang="en-GB" dirty="0" smtClean="0"/>
-              <a:t>There will likely be minimal changes to the Toolkit for the next release (0.3.0) but the following will see some changes/minor upgrades:</a:t>
-            </a:r>
-          </a:p>
-          <a:p>
-            <a:pPr lvl="1"/>
-            <a:r>
-              <a:rPr lang="en-GB" dirty="0" err="1" smtClean="0"/>
-              <a:t>rdfConvert</a:t>
-            </a:r>
-            <a:endParaRPr lang="en-GB" dirty="0" smtClean="0"/>
-          </a:p>
-          <a:p>
-            <a:pPr lvl="1"/>
-            <a:r>
-              <a:rPr lang="en-GB" dirty="0" err="1" smtClean="0"/>
-              <a:t>rdfQuery</a:t>
-            </a:r>
-            <a:endParaRPr lang="en-GB" dirty="0" smtClean="0"/>
-          </a:p>
-          <a:p>
-            <a:pPr lvl="1"/>
-            <a:r>
-              <a:rPr lang="en-GB" dirty="0" err="1" smtClean="0"/>
-              <a:t>rdfEditor</a:t>
-            </a:r>
-            <a:endParaRPr lang="en-GB" dirty="0" smtClean="0"/>
-          </a:p>
-          <a:p>
-            <a:pPr lvl="1"/>
-            <a:r>
-              <a:rPr lang="en-GB" dirty="0" err="1" smtClean="0"/>
-              <a:t>SparqlGUI</a:t>
-            </a:r>
-            <a:endParaRPr lang="en-GB" dirty="0" smtClean="0"/>
-          </a:p>
-          <a:p>
-            <a:pPr lvl="1"/>
-            <a:r>
-              <a:rPr lang="en-GB" dirty="0" err="1" smtClean="0"/>
-              <a:t>StoreManager</a:t>
-            </a:r>
-            <a:endParaRPr lang="en-GB" dirty="0" smtClean="0"/>
-          </a:p>
-        </p:txBody>
-      </p:sp>
-      <p:sp>
-        <p:nvSpPr>
-          <p:cNvPr id="3" name="Date Placeholder 2"/>
-          <p:cNvSpPr>
-            <a:spLocks noGrp="1"/>
-          </p:cNvSpPr>
-          <p:nvPr>
-            <p:ph type="dt" sz="half" idx="10"/>
-          </p:nvPr>
-        </p:nvSpPr>
-        <p:spPr/>
-        <p:txBody>
-          <a:bodyPr/>
-          <a:lstStyle/>
-          <a:p>
-            <a:fld id="{EA5D455B-ECD0-44E3-BA0C-3649A3FCD15C}" type="datetime1">
-              <a:rPr lang="en-US" smtClean="0"/>
-              <a:pPr/>
-              <a:t>7/5/2011</a:t>
-            </a:fld>
-            <a:endParaRPr lang="en-GB"/>
-          </a:p>
-        </p:txBody>
-      </p:sp>
-      <p:sp>
-        <p:nvSpPr>
-          <p:cNvPr id="4" name="Footer Placeholder 3"/>
-          <p:cNvSpPr>
-            <a:spLocks noGrp="1"/>
-          </p:cNvSpPr>
-          <p:nvPr>
-            <p:ph type="ftr" sz="quarter" idx="11"/>
-          </p:nvPr>
-        </p:nvSpPr>
-        <p:spPr/>
-        <p:txBody>
-          <a:bodyPr/>
-          <a:lstStyle/>
-          <a:p>
-            <a:r>
-              <a:rPr lang="en-GB" smtClean="0"/>
-              <a:t>http://www.dotnetrdf.org</a:t>
-            </a:r>
-            <a:endParaRPr lang="en-GB"/>
-          </a:p>
-        </p:txBody>
-      </p:sp>
-      <p:sp>
-        <p:nvSpPr>
-          <p:cNvPr id="5" name="Slide Number Placeholder 4"/>
-          <p:cNvSpPr>
-            <a:spLocks noGrp="1"/>
-          </p:cNvSpPr>
-          <p:nvPr>
-            <p:ph type="sldNum" sz="quarter" idx="12"/>
-          </p:nvPr>
-        </p:nvSpPr>
-        <p:spPr/>
-        <p:txBody>
-          <a:bodyPr/>
-          <a:lstStyle/>
-          <a:p>
-            <a:fld id="{35128F56-7434-487A-8B29-0C024560A5F4}" type="slidenum">
-              <a:rPr lang="en-GB" smtClean="0"/>
-              <a:pPr/>
-              <a:t>24</a:t>
-            </a:fld>
-            <a:endParaRPr lang="en-GB"/>
           </a:p>
         </p:txBody>
       </p:sp>
     </p:spTree>
     <p:extLst>
       <p:ext uri="{BB962C8B-B14F-4D97-AF65-F5344CB8AC3E}">
-        <p14:creationId xmlns:p14="http://schemas.microsoft.com/office/powerpoint/2010/main" xmlns="" val="118536430"/>
+        <p14:creationId xmlns:p14="http://schemas.microsoft.com/office/powerpoint/2010/main" val="798346359"/>
       </p:ext>
     </p:extLst>
   </p:cSld>
@@ -6136,99 +6207,94 @@
       </p:grpSpPr>
       <p:sp>
         <p:nvSpPr>
-          <p:cNvPr id="8" name="Text Placeholder 7"/>
-          <p:cNvSpPr>
-            <a:spLocks noGrp="1"/>
-          </p:cNvSpPr>
-          <p:nvPr>
-            <p:ph type="body" idx="1"/>
-          </p:nvPr>
-        </p:nvSpPr>
-        <p:spPr/>
-        <p:txBody>
-          <a:bodyPr/>
-          <a:lstStyle/>
-          <a:p>
+          <p:cNvPr id="6" name="Title 5"/>
+          <p:cNvSpPr>
+            <a:spLocks noGrp="1"/>
+          </p:cNvSpPr>
+          <p:nvPr>
+            <p:ph type="title"/>
+          </p:nvPr>
+        </p:nvSpPr>
+        <p:spPr/>
+        <p:txBody>
+          <a:bodyPr/>
+          <a:lstStyle/>
+          <a:p>
+            <a:r>
+              <a:rPr lang="en-GB" dirty="0" smtClean="0"/>
+              <a:t>Upcoming Features - Toolkit</a:t>
+            </a:r>
+            <a:endParaRPr lang="en-GB" dirty="0"/>
+          </a:p>
+        </p:txBody>
+      </p:sp>
+      <p:sp>
+        <p:nvSpPr>
+          <p:cNvPr id="7" name="Content Placeholder 6"/>
+          <p:cNvSpPr>
+            <a:spLocks noGrp="1"/>
+          </p:cNvSpPr>
+          <p:nvPr>
+            <p:ph idx="1"/>
+          </p:nvPr>
+        </p:nvSpPr>
+        <p:spPr/>
+        <p:txBody>
+          <a:bodyPr>
+            <a:normAutofit fontScale="92500"/>
+          </a:bodyPr>
+          <a:lstStyle/>
+          <a:p>
+            <a:r>
+              <a:rPr lang="en-GB" dirty="0" smtClean="0"/>
+              <a:t>There will likely be minimal changes to the Toolkit for the next release (0.3.0) but the following will see some changes/minor upgrades:</a:t>
+            </a:r>
+          </a:p>
+          <a:p>
+            <a:pPr lvl="1"/>
             <a:r>
               <a:rPr lang="en-GB" dirty="0" err="1" smtClean="0"/>
               <a:t>rdfConvert</a:t>
             </a:r>
-            <a:endParaRPr lang="en-GB" dirty="0"/>
-          </a:p>
-        </p:txBody>
-      </p:sp>
-      <p:sp>
-        <p:nvSpPr>
-          <p:cNvPr id="3" name="Content Placeholder 2"/>
-          <p:cNvSpPr>
-            <a:spLocks noGrp="1"/>
-          </p:cNvSpPr>
-          <p:nvPr>
-            <p:ph sz="half" idx="2"/>
-          </p:nvPr>
-        </p:nvSpPr>
-        <p:spPr/>
-        <p:txBody>
-          <a:bodyPr/>
-          <a:lstStyle/>
-          <a:p>
-            <a:r>
-              <a:rPr lang="en-GB" dirty="0" smtClean="0"/>
-              <a:t>With the addition of new formatters to the core library more formats will be eligible for fast conversion</a:t>
-            </a:r>
-            <a:endParaRPr lang="en-GB" dirty="0"/>
-          </a:p>
-        </p:txBody>
-      </p:sp>
-      <p:sp>
-        <p:nvSpPr>
-          <p:cNvPr id="9" name="Text Placeholder 8"/>
-          <p:cNvSpPr>
-            <a:spLocks noGrp="1"/>
-          </p:cNvSpPr>
-          <p:nvPr>
-            <p:ph type="body" sz="quarter" idx="3"/>
-          </p:nvPr>
-        </p:nvSpPr>
-        <p:spPr/>
-        <p:txBody>
-          <a:bodyPr/>
-          <a:lstStyle/>
-          <a:p>
+            <a:endParaRPr lang="en-GB" dirty="0" smtClean="0"/>
+          </a:p>
+          <a:p>
+            <a:pPr lvl="1"/>
             <a:r>
               <a:rPr lang="en-GB" dirty="0" err="1" smtClean="0"/>
               <a:t>rdfQuery</a:t>
             </a:r>
-            <a:endParaRPr lang="en-GB" dirty="0"/>
-          </a:p>
-        </p:txBody>
-      </p:sp>
-      <p:sp>
-        <p:nvSpPr>
-          <p:cNvPr id="10" name="Content Placeholder 9"/>
-          <p:cNvSpPr>
-            <a:spLocks noGrp="1"/>
-          </p:cNvSpPr>
-          <p:nvPr>
-            <p:ph sz="quarter" idx="4"/>
-          </p:nvPr>
-        </p:nvSpPr>
-        <p:spPr/>
-        <p:txBody>
-          <a:bodyPr/>
-          <a:lstStyle/>
-          <a:p>
-            <a:r>
-              <a:rPr lang="en-GB" dirty="0" smtClean="0"/>
-              <a:t>Changes in the core library now permit for the explanation of query execution so support for this will be added</a:t>
-            </a:r>
-            <a:endParaRPr lang="en-GB" dirty="0"/>
-          </a:p>
-        </p:txBody>
-      </p:sp>
-      <p:sp>
-        <p:nvSpPr>
-          <p:cNvPr id="4" name="Date Placeholder 3"/>
+            <a:endParaRPr lang="en-GB" dirty="0" smtClean="0"/>
+          </a:p>
+          <a:p>
+            <a:pPr lvl="1"/>
+            <a:r>
+              <a:rPr lang="en-GB" dirty="0" err="1" smtClean="0"/>
+              <a:t>rdfEditor</a:t>
+            </a:r>
+            <a:endParaRPr lang="en-GB" dirty="0" smtClean="0"/>
+          </a:p>
+          <a:p>
+            <a:pPr lvl="1"/>
+            <a:r>
+              <a:rPr lang="en-GB" dirty="0" err="1" smtClean="0"/>
+              <a:t>SparqlGUI</a:t>
+            </a:r>
+            <a:endParaRPr lang="en-GB" dirty="0" smtClean="0"/>
+          </a:p>
+          <a:p>
+            <a:pPr lvl="1"/>
+            <a:r>
+              <a:rPr lang="en-GB" dirty="0" err="1" smtClean="0"/>
+              <a:t>StoreManager</a:t>
+            </a:r>
+            <a:endParaRPr lang="en-GB" dirty="0" smtClean="0"/>
+          </a:p>
+        </p:txBody>
+      </p:sp>
+      <p:sp>
+        <p:nvSpPr>
+          <p:cNvPr id="3" name="Date Placeholder 2"/>
           <p:cNvSpPr>
             <a:spLocks noGrp="1"/>
           </p:cNvSpPr>
@@ -6241,10 +6307,10 @@
           <a:bodyPr/>
           <a:lstStyle/>
           <a:p>
-            <a:fld id="{CDAEE9B0-25E7-4C28-AF1D-B3DDCE7EBBDB}" type="datetime1">
+            <a:fld id="{EA5D455B-ECD0-44E3-BA0C-3649A3FCD15C}" type="datetime1">
               <a:rPr lang="en-US" smtClean="0"/>
               <a:pPr/>
-              <a:t>7/5/2011</a:t>
+              <a:t>7/13/2011</a:t>
             </a:fld>
             <a:endParaRPr lang="en-GB"/>
           </a:p>
@@ -6252,7 +6318,7 @@
       </p:sp>
       <p:sp>
         <p:nvSpPr>
-          <p:cNvPr id="5" name="Footer Placeholder 4"/>
+          <p:cNvPr id="4" name="Footer Placeholder 3"/>
           <p:cNvSpPr>
             <a:spLocks noGrp="1"/>
           </p:cNvSpPr>
@@ -6275,7 +6341,7 @@
       </p:sp>
       <p:sp>
         <p:nvSpPr>
-          <p:cNvPr id="6" name="Slide Number Placeholder 5"/>
+          <p:cNvPr id="5" name="Slide Number Placeholder 4"/>
           <p:cNvSpPr>
             <a:spLocks noGrp="1"/>
           </p:cNvSpPr>
@@ -6300,7 +6366,7 @@
     </p:spTree>
     <p:extLst>
       <p:ext uri="{BB962C8B-B14F-4D97-AF65-F5344CB8AC3E}">
-        <p14:creationId xmlns:p14="http://schemas.microsoft.com/office/powerpoint/2010/main" xmlns="" val="299555438"/>
+        <p14:creationId xmlns:p14="http://schemas.microsoft.com/office/powerpoint/2010/main" val="118536430"/>
       </p:ext>
     </p:extLst>
   </p:cSld>
@@ -6329,12 +6395,12 @@
       </p:grpSpPr>
       <p:sp>
         <p:nvSpPr>
-          <p:cNvPr id="2" name="Title 1"/>
-          <p:cNvSpPr>
-            <a:spLocks noGrp="1"/>
-          </p:cNvSpPr>
-          <p:nvPr>
-            <p:ph type="title"/>
+          <p:cNvPr id="8" name="Text Placeholder 7"/>
+          <p:cNvSpPr>
+            <a:spLocks noGrp="1"/>
+          </p:cNvSpPr>
+          <p:nvPr>
+            <p:ph type="body" idx="1"/>
           </p:nvPr>
         </p:nvSpPr>
         <p:spPr/>
@@ -6344,7 +6410,7 @@
           <a:p>
             <a:r>
               <a:rPr lang="en-GB" dirty="0" err="1" smtClean="0"/>
-              <a:t>rdfEditor</a:t>
+              <a:t>rdfConvert</a:t>
             </a:r>
             <a:endParaRPr lang="en-GB" dirty="0"/>
           </a:p>
@@ -6357,23 +6423,63 @@
             <a:spLocks noGrp="1"/>
           </p:cNvSpPr>
           <p:nvPr>
-            <p:ph idx="1"/>
-          </p:nvPr>
-        </p:nvSpPr>
-        <p:spPr/>
-        <p:txBody>
-          <a:bodyPr/>
-          <a:lstStyle/>
-          <a:p>
-            <a:r>
-              <a:rPr lang="en-GB" dirty="0" smtClean="0"/>
-              <a:t>Speed improvements will be made to syntax validation</a:t>
-            </a:r>
-          </a:p>
-          <a:p>
-            <a:r>
-              <a:rPr lang="en-GB" dirty="0" smtClean="0"/>
-              <a:t>Time permitting there will be some internal API refactoring to permit planned changes in future releases</a:t>
+            <p:ph sz="half" idx="2"/>
+          </p:nvPr>
+        </p:nvSpPr>
+        <p:spPr/>
+        <p:txBody>
+          <a:bodyPr/>
+          <a:lstStyle/>
+          <a:p>
+            <a:r>
+              <a:rPr lang="en-GB" dirty="0" smtClean="0"/>
+              <a:t>With the addition of new formatters to the core library more formats will be eligible for fast conversion</a:t>
+            </a:r>
+            <a:endParaRPr lang="en-GB" dirty="0"/>
+          </a:p>
+        </p:txBody>
+      </p:sp>
+      <p:sp>
+        <p:nvSpPr>
+          <p:cNvPr id="9" name="Text Placeholder 8"/>
+          <p:cNvSpPr>
+            <a:spLocks noGrp="1"/>
+          </p:cNvSpPr>
+          <p:nvPr>
+            <p:ph type="body" sz="quarter" idx="3"/>
+          </p:nvPr>
+        </p:nvSpPr>
+        <p:spPr/>
+        <p:txBody>
+          <a:bodyPr/>
+          <a:lstStyle/>
+          <a:p>
+            <a:r>
+              <a:rPr lang="en-GB" dirty="0" err="1" smtClean="0"/>
+              <a:t>rdfQuery</a:t>
+            </a:r>
+            <a:endParaRPr lang="en-GB" dirty="0"/>
+          </a:p>
+        </p:txBody>
+      </p:sp>
+      <p:sp>
+        <p:nvSpPr>
+          <p:cNvPr id="10" name="Content Placeholder 9"/>
+          <p:cNvSpPr>
+            <a:spLocks noGrp="1"/>
+          </p:cNvSpPr>
+          <p:nvPr>
+            <p:ph sz="quarter" idx="4"/>
+          </p:nvPr>
+        </p:nvSpPr>
+        <p:spPr/>
+        <p:txBody>
+          <a:bodyPr/>
+          <a:lstStyle/>
+          <a:p>
+            <a:r>
+              <a:rPr lang="en-GB" dirty="0" smtClean="0"/>
+              <a:t>Changes in the core library now permit for the explanation of query execution so support for this will be added</a:t>
             </a:r>
             <a:endParaRPr lang="en-GB" dirty="0"/>
           </a:p>
@@ -6397,7 +6503,7 @@
             <a:fld id="{CDAEE9B0-25E7-4C28-AF1D-B3DDCE7EBBDB}" type="datetime1">
               <a:rPr lang="en-US" smtClean="0"/>
               <a:pPr/>
-              <a:t>7/5/2011</a:t>
+              <a:t>7/13/2011</a:t>
             </a:fld>
             <a:endParaRPr lang="en-GB"/>
           </a:p>
@@ -6453,7 +6559,7 @@
     </p:spTree>
     <p:extLst>
       <p:ext uri="{BB962C8B-B14F-4D97-AF65-F5344CB8AC3E}">
-        <p14:creationId xmlns:p14="http://schemas.microsoft.com/office/powerpoint/2010/main" xmlns="" val="1002032322"/>
+        <p14:creationId xmlns:p14="http://schemas.microsoft.com/office/powerpoint/2010/main" val="299555438"/>
       </p:ext>
     </p:extLst>
   </p:cSld>
@@ -6497,7 +6603,7 @@
           <a:p>
             <a:r>
               <a:rPr lang="en-GB" dirty="0" err="1" smtClean="0"/>
-              <a:t>SparqlGUI</a:t>
+              <a:t>rdfEditor</a:t>
             </a:r>
             <a:endParaRPr lang="en-GB" dirty="0"/>
           </a:p>
@@ -6520,24 +6626,14 @@
           <a:p>
             <a:r>
               <a:rPr lang="en-GB" dirty="0" smtClean="0"/>
-              <a:t>Support for query explanation will also be added to the tool</a:t>
-            </a:r>
-          </a:p>
-          <a:p>
-            <a:pPr lvl="1"/>
-            <a:r>
-              <a:rPr lang="en-GB" dirty="0" smtClean="0"/>
-              <a:t>An explain button can be used just to show the explanation trace</a:t>
-            </a:r>
-          </a:p>
-          <a:p>
-            <a:pPr lvl="1"/>
-            <a:r>
-              <a:rPr lang="en-GB" dirty="0" smtClean="0"/>
-              <a:t>A Log Explanations option has been added so explanations for all queries are added to the log file</a:t>
-            </a:r>
-          </a:p>
-          <a:p>
+              <a:t>Speed improvements will be made to syntax validation</a:t>
+            </a:r>
+          </a:p>
+          <a:p>
+            <a:r>
+              <a:rPr lang="en-GB" dirty="0" smtClean="0"/>
+              <a:t>Time permitting there will be some internal API refactoring to permit planned changes in future releases</a:t>
+            </a:r>
             <a:endParaRPr lang="en-GB" dirty="0"/>
           </a:p>
         </p:txBody>
@@ -6560,7 +6656,7 @@
             <a:fld id="{CDAEE9B0-25E7-4C28-AF1D-B3DDCE7EBBDB}" type="datetime1">
               <a:rPr lang="en-US" smtClean="0"/>
               <a:pPr/>
-              <a:t>7/5/2011</a:t>
+              <a:t>7/13/2011</a:t>
             </a:fld>
             <a:endParaRPr lang="en-GB"/>
           </a:p>
@@ -6616,7 +6712,7 @@
     </p:spTree>
     <p:extLst>
       <p:ext uri="{BB962C8B-B14F-4D97-AF65-F5344CB8AC3E}">
-        <p14:creationId xmlns:p14="http://schemas.microsoft.com/office/powerpoint/2010/main" xmlns="" val="1473382163"/>
+        <p14:creationId xmlns:p14="http://schemas.microsoft.com/office/powerpoint/2010/main" val="1002032322"/>
       </p:ext>
     </p:extLst>
   </p:cSld>
@@ -6660,7 +6756,7 @@
           <a:p>
             <a:r>
               <a:rPr lang="en-GB" dirty="0" err="1" smtClean="0"/>
-              <a:t>StoreManager</a:t>
+              <a:t>SparqlGUI</a:t>
             </a:r>
             <a:endParaRPr lang="en-GB" dirty="0"/>
           </a:p>
@@ -6678,65 +6774,38 @@
         </p:nvSpPr>
         <p:spPr/>
         <p:txBody>
-          <a:bodyPr>
-            <a:normAutofit lnSpcReduction="10000"/>
-          </a:bodyPr>
-          <a:lstStyle/>
-          <a:p>
-            <a:r>
-              <a:rPr lang="en-GB" dirty="0" smtClean="0"/>
-              <a:t>Support for new stores</a:t>
+          <a:bodyPr/>
+          <a:lstStyle/>
+          <a:p>
+            <a:r>
+              <a:rPr lang="en-GB" dirty="0" smtClean="0"/>
+              <a:t>Support for query explanation will </a:t>
+            </a:r>
+            <a:r>
+              <a:rPr lang="en-GB" dirty="0" smtClean="0"/>
+              <a:t>be </a:t>
+            </a:r>
+            <a:r>
+              <a:rPr lang="en-GB" dirty="0" smtClean="0"/>
+              <a:t>added to the tool</a:t>
             </a:r>
           </a:p>
           <a:p>
             <a:pPr lvl="1"/>
             <a:r>
               <a:rPr lang="en-GB" dirty="0" smtClean="0"/>
-              <a:t>ADO Store and </a:t>
-            </a:r>
-            <a:r>
-              <a:rPr lang="en-GB" dirty="0" err="1" smtClean="0"/>
-              <a:t>Dydra</a:t>
-            </a:r>
-            <a:endParaRPr lang="en-GB" dirty="0" smtClean="0"/>
-          </a:p>
-          <a:p>
-            <a:r>
-              <a:rPr lang="en-GB" dirty="0" smtClean="0"/>
-              <a:t>Improved </a:t>
-            </a:r>
-            <a:r>
-              <a:rPr lang="en-GB" dirty="0" err="1" smtClean="0"/>
-              <a:t>AllegroGraph</a:t>
-            </a:r>
-            <a:r>
-              <a:rPr lang="en-GB" dirty="0" smtClean="0"/>
-              <a:t> 4.x support</a:t>
-            </a:r>
-          </a:p>
-          <a:p>
-            <a:r>
-              <a:rPr lang="en-GB" dirty="0" smtClean="0"/>
-              <a:t>Will use the handler subsystem extensions in the core library to:</a:t>
+              <a:t>An explain button can be used just to show the explanation trace</a:t>
             </a:r>
           </a:p>
           <a:p>
             <a:pPr lvl="1"/>
             <a:r>
-              <a:rPr lang="en-GB" dirty="0"/>
-              <a:t>I</a:t>
-            </a:r>
-            <a:r>
-              <a:rPr lang="en-GB" dirty="0" smtClean="0"/>
-              <a:t>mprove export speed when possible</a:t>
-            </a:r>
-          </a:p>
-          <a:p>
-            <a:pPr lvl="1"/>
-            <a:r>
-              <a:rPr lang="en-GB" dirty="0" smtClean="0"/>
-              <a:t>Provide a preview graph function which returns the first 100 triples of a graph</a:t>
-            </a:r>
+              <a:rPr lang="en-GB" dirty="0" smtClean="0"/>
+              <a:t>A Log Explanations option has been added so explanations for all queries are added to the log file</a:t>
+            </a:r>
+          </a:p>
+          <a:p>
+            <a:endParaRPr lang="en-GB" dirty="0"/>
           </a:p>
         </p:txBody>
       </p:sp>
@@ -6758,7 +6827,7 @@
             <a:fld id="{CDAEE9B0-25E7-4C28-AF1D-B3DDCE7EBBDB}" type="datetime1">
               <a:rPr lang="en-US" smtClean="0"/>
               <a:pPr/>
-              <a:t>7/5/2011</a:t>
+              <a:t>7/13/2011</a:t>
             </a:fld>
             <a:endParaRPr lang="en-GB"/>
           </a:p>
@@ -6814,7 +6883,7 @@
     </p:spTree>
     <p:extLst>
       <p:ext uri="{BB962C8B-B14F-4D97-AF65-F5344CB8AC3E}">
-        <p14:creationId xmlns:p14="http://schemas.microsoft.com/office/powerpoint/2010/main" xmlns="" val="370317736"/>
+        <p14:creationId xmlns:p14="http://schemas.microsoft.com/office/powerpoint/2010/main" val="1473382163"/>
       </p:ext>
     </p:extLst>
   </p:cSld>
@@ -6857,8 +6926,8 @@
           <a:lstStyle/>
           <a:p>
             <a:r>
-              <a:rPr lang="en-GB" dirty="0" smtClean="0"/>
-              <a:t>Architecture Roadmap</a:t>
+              <a:rPr lang="en-GB" dirty="0" err="1" smtClean="0"/>
+              <a:t>StoreManager</a:t>
             </a:r>
             <a:endParaRPr lang="en-GB" dirty="0"/>
           </a:p>
@@ -6866,7 +6935,89 @@
       </p:sp>
       <p:sp>
         <p:nvSpPr>
-          <p:cNvPr id="3" name="Date Placeholder 2"/>
+          <p:cNvPr id="3" name="Content Placeholder 2"/>
+          <p:cNvSpPr>
+            <a:spLocks noGrp="1"/>
+          </p:cNvSpPr>
+          <p:nvPr>
+            <p:ph idx="1"/>
+          </p:nvPr>
+        </p:nvSpPr>
+        <p:spPr/>
+        <p:txBody>
+          <a:bodyPr>
+            <a:normAutofit lnSpcReduction="10000"/>
+          </a:bodyPr>
+          <a:lstStyle/>
+          <a:p>
+            <a:r>
+              <a:rPr lang="en-GB" dirty="0" smtClean="0"/>
+              <a:t>Support for new stores</a:t>
+            </a:r>
+          </a:p>
+          <a:p>
+            <a:pPr lvl="1"/>
+            <a:r>
+              <a:rPr lang="en-GB" dirty="0" smtClean="0"/>
+              <a:t>ADO </a:t>
+            </a:r>
+            <a:r>
+              <a:rPr lang="en-GB" dirty="0" smtClean="0"/>
+              <a:t>Store (MS SQL) </a:t>
+            </a:r>
+            <a:r>
+              <a:rPr lang="en-GB" dirty="0" smtClean="0"/>
+              <a:t>and </a:t>
+            </a:r>
+            <a:r>
+              <a:rPr lang="en-GB" dirty="0" err="1" smtClean="0"/>
+              <a:t>Dydra</a:t>
+            </a:r>
+            <a:endParaRPr lang="en-GB" dirty="0" smtClean="0"/>
+          </a:p>
+          <a:p>
+            <a:r>
+              <a:rPr lang="en-GB" dirty="0" smtClean="0"/>
+              <a:t>Improved </a:t>
+            </a:r>
+            <a:r>
+              <a:rPr lang="en-GB" dirty="0" err="1" smtClean="0"/>
+              <a:t>AllegroGraph</a:t>
+            </a:r>
+            <a:r>
+              <a:rPr lang="en-GB" dirty="0" smtClean="0"/>
+              <a:t> 4.x support</a:t>
+            </a:r>
+          </a:p>
+          <a:p>
+            <a:r>
+              <a:rPr lang="en-GB" dirty="0" smtClean="0"/>
+              <a:t>Will use the handler subsystem extensions in the core library to:</a:t>
+            </a:r>
+          </a:p>
+          <a:p>
+            <a:pPr lvl="1"/>
+            <a:r>
+              <a:rPr lang="en-GB" dirty="0"/>
+              <a:t>I</a:t>
+            </a:r>
+            <a:r>
+              <a:rPr lang="en-GB" dirty="0" smtClean="0"/>
+              <a:t>mprove export speed when possible</a:t>
+            </a:r>
+          </a:p>
+          <a:p>
+            <a:pPr lvl="1"/>
+            <a:r>
+              <a:rPr lang="en-GB" dirty="0" smtClean="0"/>
+              <a:t>Provide a preview graph function which returns the first 100 triples of a graph</a:t>
+            </a:r>
+          </a:p>
+        </p:txBody>
+      </p:sp>
+      <p:sp>
+        <p:nvSpPr>
+          <p:cNvPr id="4" name="Date Placeholder 3"/>
           <p:cNvSpPr>
             <a:spLocks noGrp="1"/>
           </p:cNvSpPr>
@@ -6879,10 +7030,10 @@
           <a:bodyPr/>
           <a:lstStyle/>
           <a:p>
-            <a:fld id="{EA5D455B-ECD0-44E3-BA0C-3649A3FCD15C}" type="datetime1">
+            <a:fld id="{CDAEE9B0-25E7-4C28-AF1D-B3DDCE7EBBDB}" type="datetime1">
               <a:rPr lang="en-US" smtClean="0"/>
               <a:pPr/>
-              <a:t>7/5/2011</a:t>
+              <a:t>7/13/2011</a:t>
             </a:fld>
             <a:endParaRPr lang="en-GB"/>
           </a:p>
@@ -6890,7 +7041,7 @@
       </p:sp>
       <p:sp>
         <p:nvSpPr>
-          <p:cNvPr id="4" name="Footer Placeholder 3"/>
+          <p:cNvPr id="5" name="Footer Placeholder 4"/>
           <p:cNvSpPr>
             <a:spLocks noGrp="1"/>
           </p:cNvSpPr>
@@ -6913,7 +7064,7 @@
       </p:sp>
       <p:sp>
         <p:nvSpPr>
-          <p:cNvPr id="5" name="Slide Number Placeholder 4"/>
+          <p:cNvPr id="6" name="Slide Number Placeholder 5"/>
           <p:cNvSpPr>
             <a:spLocks noGrp="1"/>
           </p:cNvSpPr>
@@ -6938,7 +7089,7 @@
     </p:spTree>
     <p:extLst>
       <p:ext uri="{BB962C8B-B14F-4D97-AF65-F5344CB8AC3E}">
-        <p14:creationId xmlns:p14="http://schemas.microsoft.com/office/powerpoint/2010/main" xmlns="" val="106888204"/>
+        <p14:creationId xmlns:p14="http://schemas.microsoft.com/office/powerpoint/2010/main" val="370317736"/>
       </p:ext>
     </p:extLst>
   </p:cSld>
@@ -7076,7 +7227,7 @@
             <a:fld id="{CDAEE9B0-25E7-4C28-AF1D-B3DDCE7EBBDB}" type="datetime1">
               <a:rPr lang="en-US" smtClean="0"/>
               <a:pPr/>
-              <a:t>7/5/2011</a:t>
+              <a:t>7/13/2011</a:t>
             </a:fld>
             <a:endParaRPr lang="en-GB"/>
           </a:p>
@@ -7132,7 +7283,7 @@
     </p:spTree>
     <p:extLst>
       <p:ext uri="{BB962C8B-B14F-4D97-AF65-F5344CB8AC3E}">
-        <p14:creationId xmlns:p14="http://schemas.microsoft.com/office/powerpoint/2010/main" xmlns="" val="3702788433"/>
+        <p14:creationId xmlns:p14="http://schemas.microsoft.com/office/powerpoint/2010/main" val="3702788433"/>
       </p:ext>
     </p:extLst>
   </p:cSld>
@@ -7161,7 +7312,7 @@
       </p:grpSpPr>
       <p:sp>
         <p:nvSpPr>
-          <p:cNvPr id="6" name="Title 5"/>
+          <p:cNvPr id="2" name="Title 1"/>
           <p:cNvSpPr>
             <a:spLocks noGrp="1"/>
           </p:cNvSpPr>
@@ -7176,45 +7327,9 @@
           <a:p>
             <a:r>
               <a:rPr lang="en-GB" dirty="0" smtClean="0"/>
-              <a:t>Current Architecture</a:t>
+              <a:t>Architecture Roadmap</a:t>
             </a:r>
             <a:endParaRPr lang="en-GB" dirty="0"/>
-          </a:p>
-        </p:txBody>
-      </p:sp>
-      <p:sp>
-        <p:nvSpPr>
-          <p:cNvPr id="7" name="Content Placeholder 6"/>
-          <p:cNvSpPr>
-            <a:spLocks noGrp="1"/>
-          </p:cNvSpPr>
-          <p:nvPr>
-            <p:ph idx="1"/>
-          </p:nvPr>
-        </p:nvSpPr>
-        <p:spPr/>
-        <p:txBody>
-          <a:bodyPr/>
-          <a:lstStyle/>
-          <a:p>
-            <a:r>
-              <a:rPr lang="en-GB" dirty="0" smtClean="0"/>
-              <a:t>Currently the core library is a single library which is not ideal design</a:t>
-            </a:r>
-          </a:p>
-          <a:p>
-            <a:r>
-              <a:rPr lang="en-GB" dirty="0" smtClean="0"/>
-              <a:t>Some features already reside in external libraries e.g. </a:t>
-            </a:r>
-            <a:r>
-              <a:rPr lang="en-GB" dirty="0" err="1" smtClean="0"/>
-              <a:t>dotNetRDF.WinForms</a:t>
-            </a:r>
-            <a:r>
-              <a:rPr lang="en-GB" dirty="0" smtClean="0"/>
-              <a:t> provides common functionality for Windows Forms GUIs</a:t>
-            </a:r>
           </a:p>
         </p:txBody>
       </p:sp>
@@ -7236,7 +7351,7 @@
             <a:fld id="{EA5D455B-ECD0-44E3-BA0C-3649A3FCD15C}" type="datetime1">
               <a:rPr lang="en-US" smtClean="0"/>
               <a:pPr/>
-              <a:t>7/5/2011</a:t>
+              <a:t>7/13/2011</a:t>
             </a:fld>
             <a:endParaRPr lang="en-GB"/>
           </a:p>
@@ -7292,7 +7407,7 @@
     </p:spTree>
     <p:extLst>
       <p:ext uri="{BB962C8B-B14F-4D97-AF65-F5344CB8AC3E}">
-        <p14:creationId xmlns:p14="http://schemas.microsoft.com/office/powerpoint/2010/main" xmlns="" val="1934465878"/>
+        <p14:creationId xmlns:p14="http://schemas.microsoft.com/office/powerpoint/2010/main" val="106888204"/>
       </p:ext>
     </p:extLst>
   </p:cSld>
@@ -7321,7 +7436,7 @@
       </p:grpSpPr>
       <p:sp>
         <p:nvSpPr>
-          <p:cNvPr id="2" name="Title 1"/>
+          <p:cNvPr id="6" name="Title 5"/>
           <p:cNvSpPr>
             <a:spLocks noGrp="1"/>
           </p:cNvSpPr>
@@ -7336,7 +7451,7 @@
           <a:p>
             <a:r>
               <a:rPr lang="en-GB" dirty="0" smtClean="0"/>
-              <a:t>Proposed Architecture</a:t>
+              <a:t>Current Architecture</a:t>
             </a:r>
             <a:endParaRPr lang="en-GB" dirty="0"/>
           </a:p>
@@ -7344,7 +7459,7 @@
       </p:sp>
       <p:sp>
         <p:nvSpPr>
-          <p:cNvPr id="3" name="Content Placeholder 2"/>
+          <p:cNvPr id="7" name="Content Placeholder 6"/>
           <p:cNvSpPr>
             <a:spLocks noGrp="1"/>
           </p:cNvSpPr>
@@ -7359,35 +7474,33 @@
           <a:p>
             <a:r>
               <a:rPr lang="en-GB" dirty="0" smtClean="0"/>
-              <a:t>As new features are added it should be considered carefully whether they are really core features</a:t>
-            </a:r>
-          </a:p>
-          <a:p>
-            <a:pPr lvl="1"/>
-            <a:r>
-              <a:rPr lang="en-GB" dirty="0" smtClean="0"/>
-              <a:t>Core Features should stay in the core library</a:t>
-            </a:r>
-          </a:p>
-          <a:p>
-            <a:pPr lvl="1"/>
-            <a:r>
-              <a:rPr lang="en-GB" dirty="0" smtClean="0"/>
-              <a:t>Non-core features should go into other libraries</a:t>
-            </a:r>
-          </a:p>
-          <a:p>
-            <a:r>
-              <a:rPr lang="en-GB" dirty="0" smtClean="0"/>
-              <a:t>This will help to stop dependency bloat as new features are added</a:t>
-            </a:r>
-            <a:endParaRPr lang="en-GB" dirty="0"/>
-          </a:p>
-        </p:txBody>
-      </p:sp>
-      <p:sp>
-        <p:nvSpPr>
-          <p:cNvPr id="4" name="Date Placeholder 3"/>
+              <a:t>Currently the core library is a single library which is not ideal </a:t>
+            </a:r>
+            <a:r>
+              <a:rPr lang="en-GB" dirty="0" smtClean="0"/>
+              <a:t>design going forward</a:t>
+            </a:r>
+            <a:endParaRPr lang="en-GB" dirty="0" smtClean="0"/>
+          </a:p>
+          <a:p>
+            <a:r>
+              <a:rPr lang="en-GB" dirty="0" smtClean="0"/>
+              <a:t>Some features already reside in external libraries e.g. </a:t>
+            </a:r>
+            <a:r>
+              <a:rPr lang="en-GB" dirty="0" err="1" smtClean="0"/>
+              <a:t>dotNetRDF.WinForms</a:t>
+            </a:r>
+            <a:r>
+              <a:rPr lang="en-GB" dirty="0" smtClean="0"/>
+              <a:t> provides common functionality for Windows Forms GUIs</a:t>
+            </a:r>
+          </a:p>
+        </p:txBody>
+      </p:sp>
+      <p:sp>
+        <p:nvSpPr>
+          <p:cNvPr id="3" name="Date Placeholder 2"/>
           <p:cNvSpPr>
             <a:spLocks noGrp="1"/>
           </p:cNvSpPr>
@@ -7400,10 +7513,10 @@
           <a:bodyPr/>
           <a:lstStyle/>
           <a:p>
-            <a:fld id="{CDAEE9B0-25E7-4C28-AF1D-B3DDCE7EBBDB}" type="datetime1">
+            <a:fld id="{EA5D455B-ECD0-44E3-BA0C-3649A3FCD15C}" type="datetime1">
               <a:rPr lang="en-US" smtClean="0"/>
               <a:pPr/>
-              <a:t>7/5/2011</a:t>
+              <a:t>7/13/2011</a:t>
             </a:fld>
             <a:endParaRPr lang="en-GB"/>
           </a:p>
@@ -7411,7 +7524,7 @@
       </p:sp>
       <p:sp>
         <p:nvSpPr>
-          <p:cNvPr id="5" name="Footer Placeholder 4"/>
+          <p:cNvPr id="4" name="Footer Placeholder 3"/>
           <p:cNvSpPr>
             <a:spLocks noGrp="1"/>
           </p:cNvSpPr>
@@ -7434,7 +7547,7 @@
       </p:sp>
       <p:sp>
         <p:nvSpPr>
-          <p:cNvPr id="6" name="Slide Number Placeholder 5"/>
+          <p:cNvPr id="5" name="Slide Number Placeholder 4"/>
           <p:cNvSpPr>
             <a:spLocks noGrp="1"/>
           </p:cNvSpPr>
@@ -7459,7 +7572,7 @@
     </p:spTree>
     <p:extLst>
       <p:ext uri="{BB962C8B-B14F-4D97-AF65-F5344CB8AC3E}">
-        <p14:creationId xmlns:p14="http://schemas.microsoft.com/office/powerpoint/2010/main" xmlns="" val="3933745380"/>
+        <p14:creationId xmlns:p14="http://schemas.microsoft.com/office/powerpoint/2010/main" val="1934465878"/>
       </p:ext>
     </p:extLst>
   </p:cSld>
@@ -7503,7 +7616,7 @@
           <a:p>
             <a:r>
               <a:rPr lang="en-GB" dirty="0" smtClean="0"/>
-              <a:t>What constitutes a Core Feature?</a:t>
+              <a:t>Proposed Architecture</a:t>
             </a:r>
             <a:endParaRPr lang="en-GB" dirty="0"/>
           </a:p>
@@ -7522,61 +7635,55 @@
         <p:spPr/>
         <p:txBody>
           <a:bodyPr>
-            <a:normAutofit fontScale="85000" lnSpcReduction="20000"/>
+            <a:normAutofit fontScale="92500" lnSpcReduction="20000"/>
           </a:bodyPr>
           <a:lstStyle/>
           <a:p>
             <a:r>
               <a:rPr lang="en-GB" dirty="0" smtClean="0"/>
-              <a:t>Core Features:</a:t>
+              <a:t>As new features are added it should be considered carefully whether they are really core features</a:t>
             </a:r>
           </a:p>
           <a:p>
             <a:pPr lvl="1"/>
             <a:r>
               <a:rPr lang="en-GB" dirty="0" smtClean="0"/>
-              <a:t>Adds to/improve capability of a specific subsystem</a:t>
+              <a:t>Core Features should stay in the core library</a:t>
             </a:r>
           </a:p>
           <a:p>
             <a:pPr lvl="1"/>
             <a:r>
               <a:rPr lang="en-GB" dirty="0" smtClean="0"/>
-              <a:t>Unless providing major new capabilities which are highly desirable to all users they should not constitute an entirely new subsystem</a:t>
-            </a:r>
-          </a:p>
-          <a:p>
-            <a:pPr lvl="1"/>
-            <a:r>
-              <a:rPr lang="en-GB" dirty="0" smtClean="0"/>
-              <a:t>Does not require additional dependencies</a:t>
-            </a:r>
-          </a:p>
-          <a:p>
-            <a:r>
-              <a:rPr lang="en-GB" dirty="0" smtClean="0"/>
-              <a:t>Non Core Features:</a:t>
-            </a:r>
-          </a:p>
-          <a:p>
-            <a:pPr lvl="1"/>
-            <a:r>
-              <a:rPr lang="en-GB" dirty="0" smtClean="0"/>
-              <a:t>Provides an entirely new subsystem</a:t>
-            </a:r>
-          </a:p>
-          <a:p>
-            <a:pPr lvl="1"/>
-            <a:r>
-              <a:rPr lang="en-GB" dirty="0" smtClean="0"/>
-              <a:t>Is only of interest to part of the user base</a:t>
-            </a:r>
-          </a:p>
-          <a:p>
-            <a:pPr lvl="1"/>
-            <a:r>
-              <a:rPr lang="en-GB" dirty="0" smtClean="0"/>
-              <a:t>Introduce new dependencies</a:t>
+              <a:t>Non-core features should go into </a:t>
+            </a:r>
+            <a:r>
+              <a:rPr lang="en-GB" dirty="0" smtClean="0"/>
+              <a:t>dedicated</a:t>
+            </a:r>
+            <a:r>
+              <a:rPr lang="en-GB" dirty="0" smtClean="0"/>
+              <a:t> </a:t>
+            </a:r>
+            <a:r>
+              <a:rPr lang="en-GB" dirty="0" smtClean="0"/>
+              <a:t>libraries</a:t>
+            </a:r>
+          </a:p>
+          <a:p>
+            <a:r>
+              <a:rPr lang="en-GB" dirty="0" smtClean="0"/>
+              <a:t>This will help to stop dependency bloat as new features are </a:t>
+            </a:r>
+            <a:r>
+              <a:rPr lang="en-GB" dirty="0" smtClean="0"/>
+              <a:t>added</a:t>
+            </a:r>
+          </a:p>
+          <a:p>
+            <a:r>
+              <a:rPr lang="en-GB" dirty="0" smtClean="0"/>
+              <a:t>Also improves maintainability of code and features</a:t>
             </a:r>
             <a:endParaRPr lang="en-GB" dirty="0"/>
           </a:p>
@@ -7600,7 +7707,7 @@
             <a:fld id="{CDAEE9B0-25E7-4C28-AF1D-B3DDCE7EBBDB}" type="datetime1">
               <a:rPr lang="en-US" smtClean="0"/>
               <a:pPr/>
-              <a:t>7/5/2011</a:t>
+              <a:t>7/13/2011</a:t>
             </a:fld>
             <a:endParaRPr lang="en-GB"/>
           </a:p>
@@ -7656,7 +7763,7 @@
     </p:spTree>
     <p:extLst>
       <p:ext uri="{BB962C8B-B14F-4D97-AF65-F5344CB8AC3E}">
-        <p14:creationId xmlns:p14="http://schemas.microsoft.com/office/powerpoint/2010/main" xmlns="" val="4089701815"/>
+        <p14:creationId xmlns:p14="http://schemas.microsoft.com/office/powerpoint/2010/main" val="3933745380"/>
       </p:ext>
     </p:extLst>
   </p:cSld>
@@ -7700,7 +7807,7 @@
           <a:p>
             <a:r>
               <a:rPr lang="en-GB" dirty="0" smtClean="0"/>
-              <a:t>Proposed Architecture in practise (1 of 2)</a:t>
+              <a:t>What constitutes a Core Feature?</a:t>
             </a:r>
             <a:endParaRPr lang="en-GB" dirty="0"/>
           </a:p>
@@ -7719,33 +7826,61 @@
         <p:spPr/>
         <p:txBody>
           <a:bodyPr>
-            <a:normAutofit fontScale="92500"/>
+            <a:normAutofit fontScale="85000" lnSpcReduction="20000"/>
           </a:bodyPr>
           <a:lstStyle/>
           <a:p>
             <a:r>
               <a:rPr lang="en-GB" dirty="0" smtClean="0"/>
-              <a:t>It is proposed that the new ADO Store be packaged in a separate library</a:t>
+              <a:t>Core Features:</a:t>
             </a:r>
           </a:p>
           <a:p>
             <a:pPr lvl="1"/>
             <a:r>
               <a:rPr lang="en-GB" dirty="0" smtClean="0"/>
-              <a:t>Will reduce the need for dependencies in the core library</a:t>
+              <a:t>Adds to/improve capability of a specific subsystem</a:t>
             </a:r>
           </a:p>
           <a:p>
             <a:pPr lvl="1"/>
             <a:r>
               <a:rPr lang="en-GB" dirty="0" smtClean="0"/>
-              <a:t>Allows additional implementations other than MSSQL to be added in future with their dependencies</a:t>
-            </a:r>
-          </a:p>
-          <a:p>
-            <a:r>
-              <a:rPr lang="en-GB" dirty="0" smtClean="0"/>
-              <a:t>Make it easier to maintain and those who don’t need the features get a smaller library footprint</a:t>
+              <a:t>Unless providing major new capabilities which are highly desirable to all users they should not constitute an entirely new subsystem</a:t>
+            </a:r>
+          </a:p>
+          <a:p>
+            <a:pPr lvl="1"/>
+            <a:r>
+              <a:rPr lang="en-GB" dirty="0" smtClean="0"/>
+              <a:t>Does not require additional dependencies</a:t>
+            </a:r>
+          </a:p>
+          <a:p>
+            <a:r>
+              <a:rPr lang="en-GB" dirty="0" smtClean="0"/>
+              <a:t>Non Core Features:</a:t>
+            </a:r>
+          </a:p>
+          <a:p>
+            <a:pPr lvl="1"/>
+            <a:r>
+              <a:rPr lang="en-GB" dirty="0" smtClean="0"/>
+              <a:t>Provides an entirely new subsystem</a:t>
+            </a:r>
+          </a:p>
+          <a:p>
+            <a:pPr lvl="1"/>
+            <a:r>
+              <a:rPr lang="en-GB" dirty="0" smtClean="0"/>
+              <a:t>Is only of interest to part of the user base</a:t>
+            </a:r>
+          </a:p>
+          <a:p>
+            <a:pPr lvl="1"/>
+            <a:r>
+              <a:rPr lang="en-GB" dirty="0" smtClean="0"/>
+              <a:t>Introduce new dependencies</a:t>
             </a:r>
             <a:endParaRPr lang="en-GB" dirty="0"/>
           </a:p>
@@ -7769,7 +7904,7 @@
             <a:fld id="{CDAEE9B0-25E7-4C28-AF1D-B3DDCE7EBBDB}" type="datetime1">
               <a:rPr lang="en-US" smtClean="0"/>
               <a:pPr/>
-              <a:t>7/5/2011</a:t>
+              <a:t>7/13/2011</a:t>
             </a:fld>
             <a:endParaRPr lang="en-GB"/>
           </a:p>
@@ -7825,7 +7960,7 @@
     </p:spTree>
     <p:extLst>
       <p:ext uri="{BB962C8B-B14F-4D97-AF65-F5344CB8AC3E}">
-        <p14:creationId xmlns:p14="http://schemas.microsoft.com/office/powerpoint/2010/main" xmlns="" val="1078110969"/>
+        <p14:creationId xmlns:p14="http://schemas.microsoft.com/office/powerpoint/2010/main" val="4089701815"/>
       </p:ext>
     </p:extLst>
   </p:cSld>
@@ -7869,7 +8004,7 @@
           <a:p>
             <a:r>
               <a:rPr lang="en-GB" dirty="0" smtClean="0"/>
-              <a:t>Proposed Architecture in practise (2 of 2)</a:t>
+              <a:t>Proposed Architecture in practise (1 of 2)</a:t>
             </a:r>
             <a:endParaRPr lang="en-GB" dirty="0"/>
           </a:p>
@@ -7887,19 +8022,34 @@
         </p:nvSpPr>
         <p:spPr/>
         <p:txBody>
-          <a:bodyPr/>
-          <a:lstStyle/>
-          <a:p>
-            <a:r>
-              <a:rPr lang="en-GB" dirty="0" smtClean="0"/>
-              <a:t>Virtuoso support will be separated out into it’s own library</a:t>
+          <a:bodyPr>
+            <a:normAutofit fontScale="92500"/>
+          </a:bodyPr>
+          <a:lstStyle/>
+          <a:p>
+            <a:r>
+              <a:rPr lang="en-GB" dirty="0" smtClean="0"/>
+              <a:t>It is proposed that the new ADO Store be packaged in a separate library</a:t>
             </a:r>
           </a:p>
           <a:p>
             <a:pPr lvl="1"/>
             <a:r>
               <a:rPr lang="en-GB" dirty="0" smtClean="0"/>
-              <a:t>Desirable since Virtuoso support represents only a couple of classes in the API but introduces an entire DLL as a dependency</a:t>
+              <a:t>Will reduce the need for dependencies in the core library</a:t>
+            </a:r>
+          </a:p>
+          <a:p>
+            <a:pPr lvl="1"/>
+            <a:r>
+              <a:rPr lang="en-GB" dirty="0" smtClean="0"/>
+              <a:t>Allows additional implementations other than MSSQL to be added in future with their dependencies</a:t>
+            </a:r>
+          </a:p>
+          <a:p>
+            <a:r>
+              <a:rPr lang="en-GB" dirty="0" smtClean="0"/>
+              <a:t>Make it easier to maintain and those who don’t need the features get a smaller library footprint</a:t>
             </a:r>
             <a:endParaRPr lang="en-GB" dirty="0"/>
           </a:p>
@@ -7923,7 +8073,7 @@
             <a:fld id="{CDAEE9B0-25E7-4C28-AF1D-B3DDCE7EBBDB}" type="datetime1">
               <a:rPr lang="en-US" smtClean="0"/>
               <a:pPr/>
-              <a:t>7/5/2011</a:t>
+              <a:t>7/13/2011</a:t>
             </a:fld>
             <a:endParaRPr lang="en-GB"/>
           </a:p>
@@ -7979,7 +8129,7 @@
     </p:spTree>
     <p:extLst>
       <p:ext uri="{BB962C8B-B14F-4D97-AF65-F5344CB8AC3E}">
-        <p14:creationId xmlns:p14="http://schemas.microsoft.com/office/powerpoint/2010/main" xmlns="" val="3038176013"/>
+        <p14:creationId xmlns:p14="http://schemas.microsoft.com/office/powerpoint/2010/main" val="1078110969"/>
       </p:ext>
     </p:extLst>
   </p:cSld>
@@ -8023,7 +8173,7 @@
           <a:p>
             <a:r>
               <a:rPr lang="en-GB" dirty="0" smtClean="0"/>
-              <a:t>Library Naming Conventions</a:t>
+              <a:t>Proposed Architecture in practise (2 of 2)</a:t>
             </a:r>
             <a:endParaRPr lang="en-GB" dirty="0"/>
           </a:p>
@@ -8041,67 +8191,21 @@
         </p:nvSpPr>
         <p:spPr/>
         <p:txBody>
-          <a:bodyPr>
-            <a:normAutofit fontScale="85000" lnSpcReduction="20000"/>
-          </a:bodyPr>
-          <a:lstStyle/>
-          <a:p>
-            <a:r>
-              <a:rPr lang="en-GB" dirty="0" smtClean="0"/>
-              <a:t>Names should all be prefixed with </a:t>
-            </a:r>
-            <a:r>
-              <a:rPr lang="en-GB" dirty="0" err="1" smtClean="0"/>
-              <a:t>dotNetRDF</a:t>
-            </a:r>
-            <a:r>
-              <a:rPr lang="en-GB" dirty="0" smtClean="0"/>
-              <a:t>.</a:t>
-            </a:r>
-          </a:p>
-          <a:p>
-            <a:r>
-              <a:rPr lang="en-GB" dirty="0" smtClean="0"/>
-              <a:t>Name should be descriptive, not necessarily just the root namespace</a:t>
+          <a:bodyPr/>
+          <a:lstStyle/>
+          <a:p>
+            <a:r>
+              <a:rPr lang="en-GB" dirty="0" smtClean="0"/>
+              <a:t>Virtuoso support will be separated out into it’s own library</a:t>
             </a:r>
           </a:p>
           <a:p>
             <a:pPr lvl="1"/>
             <a:r>
-              <a:rPr lang="en-GB" dirty="0" err="1" smtClean="0"/>
-              <a:t>Eg</a:t>
-            </a:r>
-            <a:r>
-              <a:rPr lang="en-GB" dirty="0" smtClean="0"/>
-              <a:t>. dotNetRDF.WinForms.dll and dotNetRDF.Data.Sql.dll</a:t>
-            </a:r>
-          </a:p>
-          <a:p>
-            <a:r>
-              <a:rPr lang="en-GB" dirty="0" smtClean="0"/>
-              <a:t>Names can be </a:t>
-            </a:r>
-            <a:r>
-              <a:rPr lang="en-GB" dirty="0" err="1" smtClean="0"/>
-              <a:t>postfixed</a:t>
-            </a:r>
-            <a:r>
-              <a:rPr lang="en-GB" dirty="0" smtClean="0"/>
-              <a:t> with platform identifier where applicable e.g. dotNetRDF.Silverlight.dll</a:t>
-            </a:r>
-          </a:p>
-          <a:p>
-            <a:r>
-              <a:rPr lang="en-GB" dirty="0" smtClean="0"/>
-              <a:t>Version Numbers need not be aligned with core library, should reflect maturity of code</a:t>
-            </a:r>
-          </a:p>
-          <a:p>
-            <a:pPr lvl="1"/>
-            <a:r>
-              <a:rPr lang="en-GB" dirty="0" smtClean="0"/>
-              <a:t>For simplicity code considered mature/split out of core library will have version numbers aligned with core library</a:t>
-            </a:r>
+              <a:rPr lang="en-GB" dirty="0" smtClean="0"/>
+              <a:t>Desirable since Virtuoso support represents only a couple of classes in the API but introduces an entire DLL as a dependency</a:t>
+            </a:r>
+            <a:endParaRPr lang="en-GB" dirty="0"/>
           </a:p>
         </p:txBody>
       </p:sp>
@@ -8123,7 +8227,7 @@
             <a:fld id="{CDAEE9B0-25E7-4C28-AF1D-B3DDCE7EBBDB}" type="datetime1">
               <a:rPr lang="en-US" smtClean="0"/>
               <a:pPr/>
-              <a:t>7/5/2011</a:t>
+              <a:t>7/13/2011</a:t>
             </a:fld>
             <a:endParaRPr lang="en-GB"/>
           </a:p>
@@ -8179,7 +8283,7 @@
     </p:spTree>
     <p:extLst>
       <p:ext uri="{BB962C8B-B14F-4D97-AF65-F5344CB8AC3E}">
-        <p14:creationId xmlns:p14="http://schemas.microsoft.com/office/powerpoint/2010/main" xmlns="" val="687733986"/>
+        <p14:creationId xmlns:p14="http://schemas.microsoft.com/office/powerpoint/2010/main" val="3038176013"/>
       </p:ext>
     </p:extLst>
   </p:cSld>
@@ -8223,7 +8327,7 @@
           <a:p>
             <a:r>
               <a:rPr lang="en-GB" dirty="0" smtClean="0"/>
-              <a:t>Proposed Libraries for 0.5.0 Release</a:t>
+              <a:t>Library Naming Conventions</a:t>
             </a:r>
             <a:endParaRPr lang="en-GB" dirty="0"/>
           </a:p>
@@ -8241,39 +8345,79 @@
         </p:nvSpPr>
         <p:spPr/>
         <p:txBody>
-          <a:bodyPr/>
-          <a:lstStyle/>
-          <a:p>
-            <a:r>
-              <a:rPr lang="en-GB" dirty="0" smtClean="0"/>
-              <a:t>Core Library – dotNetRDF.dll</a:t>
+          <a:bodyPr>
+            <a:normAutofit fontScale="85000" lnSpcReduction="20000"/>
+          </a:bodyPr>
+          <a:lstStyle/>
+          <a:p>
+            <a:r>
+              <a:rPr lang="en-GB" dirty="0" smtClean="0"/>
+              <a:t>Names should all be prefixed with </a:t>
+            </a:r>
+            <a:r>
+              <a:rPr lang="en-GB" dirty="0" err="1" smtClean="0"/>
+              <a:t>dotNetRDF</a:t>
+            </a:r>
+            <a:r>
+              <a:rPr lang="en-GB" dirty="0" smtClean="0"/>
+              <a:t>.</a:t>
+            </a:r>
+          </a:p>
+          <a:p>
+            <a:r>
+              <a:rPr lang="en-GB" dirty="0" smtClean="0"/>
+              <a:t>Name should be descriptive, not necessarily </a:t>
+            </a:r>
+            <a:r>
+              <a:rPr lang="en-GB" dirty="0" smtClean="0"/>
+              <a:t>aligned with</a:t>
+            </a:r>
+            <a:r>
+              <a:rPr lang="en-GB" dirty="0" smtClean="0"/>
+              <a:t> </a:t>
+            </a:r>
+            <a:r>
+              <a:rPr lang="en-GB" dirty="0" smtClean="0"/>
+              <a:t>the root namespace</a:t>
             </a:r>
           </a:p>
           <a:p>
             <a:pPr lvl="1"/>
             <a:r>
               <a:rPr lang="en-GB" dirty="0" err="1" smtClean="0"/>
-              <a:t>WinForms</a:t>
-            </a:r>
-            <a:r>
-              <a:rPr lang="en-GB" dirty="0" smtClean="0"/>
-              <a:t> GUI – dotNetRDF.WinForms.dll</a:t>
+              <a:t>Eg</a:t>
+            </a:r>
+            <a:r>
+              <a:rPr lang="en-GB" dirty="0" smtClean="0"/>
+              <a:t>. dotNetRDF.WinForms.dll and dotNetRDF.Data.Sql.dll</a:t>
+            </a:r>
+          </a:p>
+          <a:p>
+            <a:r>
+              <a:rPr lang="en-GB" dirty="0" smtClean="0"/>
+              <a:t>Names can be </a:t>
+            </a:r>
+            <a:r>
+              <a:rPr lang="en-GB" dirty="0" err="1" smtClean="0"/>
+              <a:t>postfixed</a:t>
+            </a:r>
+            <a:r>
+              <a:rPr lang="en-GB" dirty="0" smtClean="0"/>
+              <a:t> with platform identifier where applicable e.g. dotNetRDF.Silverlight.dll</a:t>
+            </a:r>
+          </a:p>
+          <a:p>
+            <a:r>
+              <a:rPr lang="en-GB" dirty="0" smtClean="0"/>
+              <a:t>Version Numbers need not be aligned with core library, should reflect maturity of code</a:t>
             </a:r>
           </a:p>
           <a:p>
             <a:pPr lvl="1"/>
             <a:r>
               <a:rPr lang="en-GB" dirty="0" smtClean="0"/>
-              <a:t>ADO Store – dotNetRDF.Data.Sql.dll</a:t>
-            </a:r>
-          </a:p>
-          <a:p>
-            <a:pPr lvl="1"/>
-            <a:r>
-              <a:rPr lang="en-GB" dirty="0" smtClean="0"/>
-              <a:t>Virtuoso support – dotNetRDF.Data.Virtuoso.dll</a:t>
-            </a:r>
-            <a:endParaRPr lang="en-GB" dirty="0"/>
+              <a:t>For simplicity code considered mature/split out of core library will have version numbers aligned with core library</a:t>
+            </a:r>
           </a:p>
         </p:txBody>
       </p:sp>
@@ -8295,7 +8439,7 @@
             <a:fld id="{CDAEE9B0-25E7-4C28-AF1D-B3DDCE7EBBDB}" type="datetime1">
               <a:rPr lang="en-US" smtClean="0"/>
               <a:pPr/>
-              <a:t>7/5/2011</a:t>
+              <a:t>7/13/2011</a:t>
             </a:fld>
             <a:endParaRPr lang="en-GB"/>
           </a:p>
@@ -8351,7 +8495,7 @@
     </p:spTree>
     <p:extLst>
       <p:ext uri="{BB962C8B-B14F-4D97-AF65-F5344CB8AC3E}">
-        <p14:creationId xmlns:p14="http://schemas.microsoft.com/office/powerpoint/2010/main" xmlns="" val="3219753914"/>
+        <p14:creationId xmlns:p14="http://schemas.microsoft.com/office/powerpoint/2010/main" val="687733986"/>
       </p:ext>
     </p:extLst>
   </p:cSld>
@@ -8395,7 +8539,7 @@
           <a:p>
             <a:r>
               <a:rPr lang="en-GB" dirty="0" smtClean="0"/>
-              <a:t>Proposed Libraries for Future Releases</a:t>
+              <a:t>Proposed Libraries for 0.5.0 Release</a:t>
             </a:r>
             <a:endParaRPr lang="en-GB" dirty="0"/>
           </a:p>
@@ -8418,40 +8562,32 @@
           <a:p>
             <a:r>
               <a:rPr lang="en-GB" dirty="0" smtClean="0"/>
-              <a:t>LINQ Provider – dotNetRDF.Linq.dll</a:t>
+              <a:t>Core Library – dotNetRDF.dll</a:t>
             </a:r>
           </a:p>
           <a:p>
             <a:pPr lvl="1"/>
             <a:r>
-              <a:rPr lang="en-GB" dirty="0" smtClean="0"/>
-              <a:t>Based on a port of </a:t>
-            </a:r>
-            <a:r>
               <a:rPr lang="en-GB" dirty="0" err="1" smtClean="0"/>
-              <a:t>Andew</a:t>
-            </a:r>
-            <a:r>
-              <a:rPr lang="en-GB" dirty="0" smtClean="0"/>
-              <a:t> Matthew’s </a:t>
-            </a:r>
-            <a:r>
-              <a:rPr lang="en-GB" dirty="0" err="1" smtClean="0"/>
-              <a:t>LinqToRdf</a:t>
-            </a:r>
-            <a:endParaRPr lang="en-GB" dirty="0" smtClean="0"/>
+              <a:t>WinForms</a:t>
+            </a:r>
+            <a:r>
+              <a:rPr lang="en-GB" dirty="0" smtClean="0"/>
+              <a:t> GUI – dotNetRDF.WinForms.dll</a:t>
+            </a:r>
           </a:p>
           <a:p>
             <a:pPr lvl="1"/>
             <a:r>
               <a:rPr lang="en-GB" dirty="0" smtClean="0"/>
-              <a:t>Persistence capability added by use of SPARQL Update</a:t>
-            </a:r>
-          </a:p>
-          <a:p>
-            <a:r>
-              <a:rPr lang="en-GB" dirty="0" smtClean="0"/>
-              <a:t>WPF GUI – dotNetRDF.Wpf.dll</a:t>
+              <a:t>ADO Store – dotNetRDF.Data.Sql.dll</a:t>
+            </a:r>
+          </a:p>
+          <a:p>
+            <a:pPr lvl="1"/>
+            <a:r>
+              <a:rPr lang="en-GB" dirty="0" smtClean="0"/>
+              <a:t>Virtuoso support – dotNetRDF.Data.Virtuoso.dll</a:t>
             </a:r>
             <a:endParaRPr lang="en-GB" dirty="0"/>
           </a:p>
@@ -8475,7 +8611,7 @@
             <a:fld id="{CDAEE9B0-25E7-4C28-AF1D-B3DDCE7EBBDB}" type="datetime1">
               <a:rPr lang="en-US" smtClean="0"/>
               <a:pPr/>
-              <a:t>7/5/2011</a:t>
+              <a:t>7/13/2011</a:t>
             </a:fld>
             <a:endParaRPr lang="en-GB"/>
           </a:p>
@@ -8531,7 +8667,7 @@
     </p:spTree>
     <p:extLst>
       <p:ext uri="{BB962C8B-B14F-4D97-AF65-F5344CB8AC3E}">
-        <p14:creationId xmlns:p14="http://schemas.microsoft.com/office/powerpoint/2010/main" xmlns="" val="3035919924"/>
+        <p14:creationId xmlns:p14="http://schemas.microsoft.com/office/powerpoint/2010/main" val="3219753914"/>
       </p:ext>
     </p:extLst>
   </p:cSld>
@@ -8570,14 +8706,12 @@
         </p:nvSpPr>
         <p:spPr/>
         <p:txBody>
-          <a:bodyPr>
-            <a:normAutofit/>
-          </a:bodyPr>
-          <a:lstStyle/>
-          <a:p>
-            <a:r>
-              <a:rPr lang="en-GB" dirty="0" smtClean="0"/>
-              <a:t>General Roadmap</a:t>
+          <a:bodyPr/>
+          <a:lstStyle/>
+          <a:p>
+            <a:r>
+              <a:rPr lang="en-GB" dirty="0" smtClean="0"/>
+              <a:t>Proposed Libraries for Future Releases</a:t>
             </a:r>
             <a:endParaRPr lang="en-GB" dirty="0"/>
           </a:p>
@@ -8585,7 +8719,74 @@
       </p:sp>
       <p:sp>
         <p:nvSpPr>
-          <p:cNvPr id="3" name="Date Placeholder 2"/>
+          <p:cNvPr id="3" name="Content Placeholder 2"/>
+          <p:cNvSpPr>
+            <a:spLocks noGrp="1"/>
+          </p:cNvSpPr>
+          <p:nvPr>
+            <p:ph idx="1"/>
+          </p:nvPr>
+        </p:nvSpPr>
+        <p:spPr/>
+        <p:txBody>
+          <a:bodyPr/>
+          <a:lstStyle/>
+          <a:p>
+            <a:r>
+              <a:rPr lang="en-GB" dirty="0" smtClean="0"/>
+              <a:t>LINQ Provider – dotNetRDF.Linq.dll</a:t>
+            </a:r>
+          </a:p>
+          <a:p>
+            <a:pPr lvl="1"/>
+            <a:r>
+              <a:rPr lang="en-GB" dirty="0" smtClean="0"/>
+              <a:t>Based on a port of </a:t>
+            </a:r>
+            <a:r>
+              <a:rPr lang="en-GB" dirty="0" err="1" smtClean="0"/>
+              <a:t>Andew</a:t>
+            </a:r>
+            <a:r>
+              <a:rPr lang="en-GB" dirty="0" smtClean="0"/>
+              <a:t> Matthew’s </a:t>
+            </a:r>
+            <a:r>
+              <a:rPr lang="en-GB" dirty="0" err="1" smtClean="0"/>
+              <a:t>LinqToRdf</a:t>
+            </a:r>
+            <a:endParaRPr lang="en-GB" dirty="0" smtClean="0"/>
+          </a:p>
+          <a:p>
+            <a:pPr lvl="1"/>
+            <a:r>
+              <a:rPr lang="en-GB" dirty="0" smtClean="0"/>
+              <a:t>Persistence capability added by use of SPARQL </a:t>
+            </a:r>
+            <a:r>
+              <a:rPr lang="en-GB" dirty="0" smtClean="0"/>
+              <a:t>Update</a:t>
+            </a:r>
+          </a:p>
+          <a:p>
+            <a:r>
+              <a:rPr lang="en-GB" dirty="0" smtClean="0"/>
+              <a:t>SPIN Implementation – dotNetRDF.Spin.dll</a:t>
+            </a:r>
+            <a:endParaRPr lang="en-GB" dirty="0" smtClean="0"/>
+          </a:p>
+          <a:p>
+            <a:r>
+              <a:rPr lang="en-GB" dirty="0" smtClean="0"/>
+              <a:t>WPF GUI – dotNetRDF.Wpf.dll</a:t>
+            </a:r>
+            <a:endParaRPr lang="en-GB" dirty="0"/>
+          </a:p>
+        </p:txBody>
+      </p:sp>
+      <p:sp>
+        <p:nvSpPr>
+          <p:cNvPr id="4" name="Date Placeholder 3"/>
           <p:cNvSpPr>
             <a:spLocks noGrp="1"/>
           </p:cNvSpPr>
@@ -8598,10 +8799,10 @@
           <a:bodyPr/>
           <a:lstStyle/>
           <a:p>
-            <a:fld id="{EA5D455B-ECD0-44E3-BA0C-3649A3FCD15C}" type="datetime1">
+            <a:fld id="{CDAEE9B0-25E7-4C28-AF1D-B3DDCE7EBBDB}" type="datetime1">
               <a:rPr lang="en-US" smtClean="0"/>
               <a:pPr/>
-              <a:t>7/5/2011</a:t>
+              <a:t>7/13/2011</a:t>
             </a:fld>
             <a:endParaRPr lang="en-GB"/>
           </a:p>
@@ -8609,7 +8810,7 @@
       </p:sp>
       <p:sp>
         <p:nvSpPr>
-          <p:cNvPr id="4" name="Footer Placeholder 3"/>
+          <p:cNvPr id="5" name="Footer Placeholder 4"/>
           <p:cNvSpPr>
             <a:spLocks noGrp="1"/>
           </p:cNvSpPr>
@@ -8632,7 +8833,7 @@
       </p:sp>
       <p:sp>
         <p:nvSpPr>
-          <p:cNvPr id="5" name="Slide Number Placeholder 4"/>
+          <p:cNvPr id="6" name="Slide Number Placeholder 5"/>
           <p:cNvSpPr>
             <a:spLocks noGrp="1"/>
           </p:cNvSpPr>
@@ -8657,7 +8858,7 @@
     </p:spTree>
     <p:extLst>
       <p:ext uri="{BB962C8B-B14F-4D97-AF65-F5344CB8AC3E}">
-        <p14:creationId xmlns:p14="http://schemas.microsoft.com/office/powerpoint/2010/main" xmlns="" val="2482877072"/>
+        <p14:creationId xmlns:p14="http://schemas.microsoft.com/office/powerpoint/2010/main" val="3035919924"/>
       </p:ext>
     </p:extLst>
   </p:cSld>
@@ -8686,7 +8887,7 @@
       </p:grpSpPr>
       <p:sp>
         <p:nvSpPr>
-          <p:cNvPr id="6" name="Title 5"/>
+          <p:cNvPr id="2" name="Title 1"/>
           <p:cNvSpPr>
             <a:spLocks noGrp="1"/>
           </p:cNvSpPr>
@@ -8696,53 +8897,15 @@
         </p:nvSpPr>
         <p:spPr/>
         <p:txBody>
-          <a:bodyPr/>
-          <a:lstStyle/>
-          <a:p>
-            <a:r>
-              <a:rPr lang="en-GB" dirty="0" smtClean="0"/>
-              <a:t>Plans</a:t>
-            </a:r>
-            <a:endParaRPr lang="en-GB" dirty="0"/>
-          </a:p>
-        </p:txBody>
-      </p:sp>
-      <p:sp>
-        <p:nvSpPr>
-          <p:cNvPr id="7" name="Content Placeholder 6"/>
-          <p:cNvSpPr>
-            <a:spLocks noGrp="1"/>
-          </p:cNvSpPr>
-          <p:nvPr>
-            <p:ph idx="1"/>
-          </p:nvPr>
-        </p:nvSpPr>
-        <p:spPr/>
-        <p:txBody>
-          <a:bodyPr/>
-          <a:lstStyle/>
-          <a:p>
-            <a:r>
-              <a:rPr lang="en-GB" dirty="0" smtClean="0"/>
-              <a:t>Currently the roadmap is very loose beyond the immediate next releases (the 0.5.x series)</a:t>
-            </a:r>
-          </a:p>
-          <a:p>
-            <a:r>
-              <a:rPr lang="en-GB" dirty="0" smtClean="0"/>
-              <a:t>There are no specific plans for any release beyond 0.5.x at the moment</a:t>
-            </a:r>
-          </a:p>
-          <a:p>
-            <a:r>
-              <a:rPr lang="en-GB" dirty="0" smtClean="0"/>
-              <a:t>Ideally the roadmap from subsequent releases (0.6.x) to the 1.0 release should be driven by the community</a:t>
-            </a:r>
-          </a:p>
-          <a:p>
-            <a:pPr marL="0" indent="0">
-              <a:buNone/>
-            </a:pPr>
+          <a:bodyPr>
+            <a:normAutofit/>
+          </a:bodyPr>
+          <a:lstStyle/>
+          <a:p>
+            <a:r>
+              <a:rPr lang="en-GB" dirty="0" smtClean="0"/>
+              <a:t>General Roadmap</a:t>
+            </a:r>
             <a:endParaRPr lang="en-GB" dirty="0"/>
           </a:p>
         </p:txBody>
@@ -8765,7 +8928,7 @@
             <a:fld id="{EA5D455B-ECD0-44E3-BA0C-3649A3FCD15C}" type="datetime1">
               <a:rPr lang="en-US" smtClean="0"/>
               <a:pPr/>
-              <a:t>7/5/2011</a:t>
+              <a:t>7/13/2011</a:t>
             </a:fld>
             <a:endParaRPr lang="en-GB"/>
           </a:p>
@@ -8821,7 +8984,7 @@
     </p:spTree>
     <p:extLst>
       <p:ext uri="{BB962C8B-B14F-4D97-AF65-F5344CB8AC3E}">
-        <p14:creationId xmlns:p14="http://schemas.microsoft.com/office/powerpoint/2010/main" xmlns="" val="381284594"/>
+        <p14:creationId xmlns:p14="http://schemas.microsoft.com/office/powerpoint/2010/main" val="2482877072"/>
       </p:ext>
     </p:extLst>
   </p:cSld>
@@ -8889,7 +9052,7 @@
             <a:fld id="{EA5D455B-ECD0-44E3-BA0C-3649A3FCD15C}" type="datetime1">
               <a:rPr lang="en-US" smtClean="0"/>
               <a:pPr/>
-              <a:t>7/5/2011</a:t>
+              <a:t>7/13/2011</a:t>
             </a:fld>
             <a:endParaRPr lang="en-GB"/>
           </a:p>
@@ -8945,7 +9108,7 @@
     </p:spTree>
     <p:extLst>
       <p:ext uri="{BB962C8B-B14F-4D97-AF65-F5344CB8AC3E}">
-        <p14:creationId xmlns:p14="http://schemas.microsoft.com/office/powerpoint/2010/main" xmlns="" val="4095227198"/>
+        <p14:creationId xmlns:p14="http://schemas.microsoft.com/office/powerpoint/2010/main" val="4095227198"/>
       </p:ext>
     </p:extLst>
   </p:cSld>
@@ -8974,7 +9137,7 @@
       </p:grpSpPr>
       <p:sp>
         <p:nvSpPr>
-          <p:cNvPr id="2" name="Title 1"/>
+          <p:cNvPr id="6" name="Title 5"/>
           <p:cNvSpPr>
             <a:spLocks noGrp="1"/>
           </p:cNvSpPr>
@@ -8989,7 +9152,7 @@
           <a:p>
             <a:r>
               <a:rPr lang="en-GB" dirty="0" smtClean="0"/>
-              <a:t>Community Driven Planning</a:t>
+              <a:t>Plans</a:t>
             </a:r>
             <a:endParaRPr lang="en-GB" dirty="0"/>
           </a:p>
@@ -8997,7 +9160,7 @@
       </p:sp>
       <p:sp>
         <p:nvSpPr>
-          <p:cNvPr id="3" name="Content Placeholder 2"/>
+          <p:cNvPr id="7" name="Content Placeholder 6"/>
           <p:cNvSpPr>
             <a:spLocks noGrp="1"/>
           </p:cNvSpPr>
@@ -9007,35 +9170,37 @@
         </p:nvSpPr>
         <p:spPr/>
         <p:txBody>
-          <a:bodyPr>
-            <a:normAutofit lnSpcReduction="10000"/>
-          </a:bodyPr>
-          <a:lstStyle/>
-          <a:p>
-            <a:r>
-              <a:rPr lang="en-GB" dirty="0" smtClean="0"/>
-              <a:t>For 0.6.x releases new features/improvements should be primarily driven by community request</a:t>
-            </a:r>
-          </a:p>
-          <a:p>
-            <a:pPr lvl="1"/>
-            <a:r>
-              <a:rPr lang="en-GB" dirty="0" smtClean="0"/>
-              <a:t>i.e. features will be prioritised based on community request/need/feedback</a:t>
-            </a:r>
-          </a:p>
-          <a:p>
-            <a:r>
-              <a:rPr lang="en-GB" dirty="0" smtClean="0"/>
-              <a:t>We have some possible features lined up which we will prioritise unless community suggests other features</a:t>
-            </a:r>
+          <a:bodyPr/>
+          <a:lstStyle/>
+          <a:p>
+            <a:r>
+              <a:rPr lang="en-GB" dirty="0" smtClean="0"/>
+              <a:t>Currently the roadmap is very loose beyond the immediate next releases (the 0.5.x series)</a:t>
+            </a:r>
+          </a:p>
+          <a:p>
+            <a:r>
+              <a:rPr lang="en-GB" dirty="0" smtClean="0"/>
+              <a:t>There are no specific plans for any release beyond 0.5.x at the moment</a:t>
+            </a:r>
+          </a:p>
+          <a:p>
+            <a:r>
+              <a:rPr lang="en-GB" dirty="0" smtClean="0"/>
+              <a:t>Ideally the roadmap from subsequent releases (0.6.x) to the 1.0 release should be driven by the community</a:t>
+            </a:r>
+          </a:p>
+          <a:p>
+            <a:pPr marL="0" indent="0">
+              <a:buNone/>
+            </a:pPr>
             <a:endParaRPr lang="en-GB" dirty="0"/>
           </a:p>
         </p:txBody>
       </p:sp>
       <p:sp>
         <p:nvSpPr>
-          <p:cNvPr id="4" name="Date Placeholder 3"/>
+          <p:cNvPr id="3" name="Date Placeholder 2"/>
           <p:cNvSpPr>
             <a:spLocks noGrp="1"/>
           </p:cNvSpPr>
@@ -9048,10 +9213,10 @@
           <a:bodyPr/>
           <a:lstStyle/>
           <a:p>
-            <a:fld id="{CDAEE9B0-25E7-4C28-AF1D-B3DDCE7EBBDB}" type="datetime1">
+            <a:fld id="{EA5D455B-ECD0-44E3-BA0C-3649A3FCD15C}" type="datetime1">
               <a:rPr lang="en-US" smtClean="0"/>
               <a:pPr/>
-              <a:t>7/5/2011</a:t>
+              <a:t>7/13/2011</a:t>
             </a:fld>
             <a:endParaRPr lang="en-GB"/>
           </a:p>
@@ -9059,7 +9224,7 @@
       </p:sp>
       <p:sp>
         <p:nvSpPr>
-          <p:cNvPr id="5" name="Footer Placeholder 4"/>
+          <p:cNvPr id="4" name="Footer Placeholder 3"/>
           <p:cNvSpPr>
             <a:spLocks noGrp="1"/>
           </p:cNvSpPr>
@@ -9082,7 +9247,7 @@
       </p:sp>
       <p:sp>
         <p:nvSpPr>
-          <p:cNvPr id="6" name="Slide Number Placeholder 5"/>
+          <p:cNvPr id="5" name="Slide Number Placeholder 4"/>
           <p:cNvSpPr>
             <a:spLocks noGrp="1"/>
           </p:cNvSpPr>
@@ -9107,7 +9272,7 @@
     </p:spTree>
     <p:extLst>
       <p:ext uri="{BB962C8B-B14F-4D97-AF65-F5344CB8AC3E}">
-        <p14:creationId xmlns:p14="http://schemas.microsoft.com/office/powerpoint/2010/main" xmlns="" val="3357694366"/>
+        <p14:creationId xmlns:p14="http://schemas.microsoft.com/office/powerpoint/2010/main" val="381284594"/>
       </p:ext>
     </p:extLst>
   </p:cSld>
@@ -9151,7 +9316,7 @@
           <a:p>
             <a:r>
               <a:rPr lang="en-GB" dirty="0" smtClean="0"/>
-              <a:t>Our Suggestions (1 of 2)</a:t>
+              <a:t>Community Driven Planning</a:t>
             </a:r>
             <a:endParaRPr lang="en-GB" dirty="0"/>
           </a:p>
@@ -9170,42 +9335,26 @@
         <p:spPr/>
         <p:txBody>
           <a:bodyPr>
-            <a:normAutofit fontScale="92500"/>
+            <a:normAutofit lnSpcReduction="10000"/>
           </a:bodyPr>
           <a:lstStyle/>
           <a:p>
             <a:r>
               <a:rPr lang="en-GB" dirty="0" smtClean="0"/>
-              <a:t>Full text SPARQL Support – dotNetRDF.Sparql.FullText.dll</a:t>
+              <a:t>For 0.6.x releases new features/improvements should be primarily driven by community request</a:t>
             </a:r>
           </a:p>
           <a:p>
             <a:pPr lvl="1"/>
             <a:r>
               <a:rPr lang="en-GB" dirty="0" smtClean="0"/>
-              <a:t>Use </a:t>
-            </a:r>
-            <a:r>
-              <a:rPr lang="en-GB" dirty="0" err="1" smtClean="0"/>
-              <a:t>Lucene.Net</a:t>
-            </a:r>
-            <a:r>
-              <a:rPr lang="en-GB" dirty="0" smtClean="0"/>
-              <a:t> to provide full text search capabilities</a:t>
-            </a:r>
-          </a:p>
-          <a:p>
-            <a:pPr lvl="1"/>
-            <a:r>
-              <a:rPr lang="en-GB" dirty="0" smtClean="0"/>
-              <a:t>Syntax compatible with other implementations as far as possible</a:t>
-            </a:r>
-          </a:p>
-          <a:p>
-            <a:pPr lvl="1"/>
-            <a:r>
-              <a:rPr lang="en-GB" dirty="0" smtClean="0"/>
-              <a:t>Will be implemented as a new library since as per the architecture proposal it is a non core feature and requires additional dependencies</a:t>
+              <a:t>i.e. features will be prioritised based on community request/need/feedback</a:t>
+            </a:r>
+          </a:p>
+          <a:p>
+            <a:r>
+              <a:rPr lang="en-GB" dirty="0" smtClean="0"/>
+              <a:t>We have some possible features lined up which we will prioritise unless community suggests other features</a:t>
             </a:r>
             <a:endParaRPr lang="en-GB" dirty="0"/>
           </a:p>
@@ -9229,7 +9378,7 @@
             <a:fld id="{CDAEE9B0-25E7-4C28-AF1D-B3DDCE7EBBDB}" type="datetime1">
               <a:rPr lang="en-US" smtClean="0"/>
               <a:pPr/>
-              <a:t>7/5/2011</a:t>
+              <a:t>7/13/2011</a:t>
             </a:fld>
             <a:endParaRPr lang="en-GB"/>
           </a:p>
@@ -9285,7 +9434,7 @@
     </p:spTree>
     <p:extLst>
       <p:ext uri="{BB962C8B-B14F-4D97-AF65-F5344CB8AC3E}">
-        <p14:creationId xmlns:p14="http://schemas.microsoft.com/office/powerpoint/2010/main" xmlns="" val="912609684"/>
+        <p14:creationId xmlns:p14="http://schemas.microsoft.com/office/powerpoint/2010/main" val="3357694366"/>
       </p:ext>
     </p:extLst>
   </p:cSld>
@@ -9329,7 +9478,7 @@
           <a:p>
             <a:r>
               <a:rPr lang="en-GB" dirty="0" smtClean="0"/>
-              <a:t>Our Suggestions (2 of 2)</a:t>
+              <a:t>Our Suggestions (1 of 2)</a:t>
             </a:r>
             <a:endParaRPr lang="en-GB" dirty="0"/>
           </a:p>
@@ -9347,38 +9496,43 @@
         </p:nvSpPr>
         <p:spPr/>
         <p:txBody>
-          <a:bodyPr/>
-          <a:lstStyle/>
-          <a:p>
+          <a:bodyPr>
+            <a:normAutofit fontScale="92500"/>
+          </a:bodyPr>
+          <a:lstStyle/>
+          <a:p>
+            <a:r>
+              <a:rPr lang="en-GB" dirty="0" smtClean="0"/>
+              <a:t>Full text SPARQL Support – dotNetRDF.Sparql.FullText.dll</a:t>
+            </a:r>
+          </a:p>
+          <a:p>
+            <a:pPr lvl="1"/>
+            <a:r>
+              <a:rPr lang="en-GB" dirty="0" smtClean="0"/>
+              <a:t>Use </a:t>
+            </a:r>
             <a:r>
               <a:rPr lang="en-GB" dirty="0" err="1" smtClean="0"/>
-              <a:t>GeoSPARQL</a:t>
-            </a:r>
-            <a:r>
-              <a:rPr lang="en-GB" dirty="0" smtClean="0"/>
-              <a:t> Support – dotNetRDF.Sparql.Geo.dll</a:t>
+              <a:t>Lucene.Net</a:t>
+            </a:r>
+            <a:r>
+              <a:rPr lang="en-GB" dirty="0" smtClean="0"/>
+              <a:t> to provide full text search capabilities</a:t>
             </a:r>
           </a:p>
           <a:p>
             <a:pPr lvl="1"/>
             <a:r>
               <a:rPr lang="en-GB" dirty="0" smtClean="0"/>
-              <a:t>Provide an implementation of the OGC </a:t>
-            </a:r>
-            <a:r>
-              <a:rPr lang="en-GB" dirty="0" err="1" smtClean="0"/>
-              <a:t>GeoSPARQL</a:t>
-            </a:r>
-            <a:r>
-              <a:rPr lang="en-GB" dirty="0" smtClean="0"/>
-              <a:t> standard</a:t>
+              <a:t>Syntax compatible with other implementations as far as possible</a:t>
             </a:r>
           </a:p>
           <a:p>
             <a:pPr lvl="1"/>
             <a:r>
               <a:rPr lang="en-GB" dirty="0" smtClean="0"/>
-              <a:t>As with full text SPARQL will be implemented as a new library as is as non-core feature</a:t>
+              <a:t>Will be implemented as a new library since as per the architecture proposal it is a non core feature and requires additional dependencies</a:t>
             </a:r>
             <a:endParaRPr lang="en-GB" dirty="0"/>
           </a:p>
@@ -9402,7 +9556,7 @@
             <a:fld id="{CDAEE9B0-25E7-4C28-AF1D-B3DDCE7EBBDB}" type="datetime1">
               <a:rPr lang="en-US" smtClean="0"/>
               <a:pPr/>
-              <a:t>7/5/2011</a:t>
+              <a:t>7/13/2011</a:t>
             </a:fld>
             <a:endParaRPr lang="en-GB"/>
           </a:p>
@@ -9458,7 +9612,7 @@
     </p:spTree>
     <p:extLst>
       <p:ext uri="{BB962C8B-B14F-4D97-AF65-F5344CB8AC3E}">
-        <p14:creationId xmlns:p14="http://schemas.microsoft.com/office/powerpoint/2010/main" xmlns="" val="585871984"/>
+        <p14:creationId xmlns:p14="http://schemas.microsoft.com/office/powerpoint/2010/main" val="912609684"/>
       </p:ext>
     </p:extLst>
   </p:cSld>
@@ -9502,7 +9656,7 @@
           <a:p>
             <a:r>
               <a:rPr lang="en-GB" dirty="0" smtClean="0"/>
-              <a:t>Existing Community Suggestions</a:t>
+              <a:t>Our Suggestions (2 of 2)</a:t>
             </a:r>
             <a:endParaRPr lang="en-GB" dirty="0"/>
           </a:p>
@@ -9524,69 +9678,34 @@
           <a:lstStyle/>
           <a:p>
             <a:r>
-              <a:rPr lang="en-GB" dirty="0" smtClean="0"/>
-              <a:t>Currently the following features have been suggested/requested by the community</a:t>
-            </a:r>
-            <a:r>
-              <a:rPr lang="en-GB" dirty="0" smtClean="0"/>
-              <a:t>:</a:t>
+              <a:rPr lang="en-GB" dirty="0" err="1" smtClean="0"/>
+              <a:t>GeoSPARQL</a:t>
+            </a:r>
+            <a:r>
+              <a:rPr lang="en-GB" dirty="0" smtClean="0"/>
+              <a:t> Support – dotNetRDF.Sparql.Geo.dll</a:t>
             </a:r>
           </a:p>
           <a:p>
             <a:pPr lvl="1"/>
             <a:r>
+              <a:rPr lang="en-GB" dirty="0" smtClean="0"/>
+              <a:t>Provide an implementation of the OGC </a:t>
+            </a:r>
+            <a:r>
               <a:rPr lang="en-GB" dirty="0" err="1" smtClean="0"/>
-              <a:t>.Net</a:t>
-            </a:r>
-            <a:r>
-              <a:rPr lang="en-GB" dirty="0" smtClean="0"/>
-              <a:t> Serialization support</a:t>
-            </a:r>
-            <a:endParaRPr lang="en-GB" dirty="0" smtClean="0"/>
+              <a:t>GeoSPARQL</a:t>
+            </a:r>
+            <a:r>
+              <a:rPr lang="en-GB" dirty="0" smtClean="0"/>
+              <a:t> standard</a:t>
+            </a:r>
           </a:p>
           <a:p>
             <a:pPr lvl="1"/>
             <a:r>
               <a:rPr lang="en-GB" dirty="0" smtClean="0"/>
-              <a:t>SPIN (SPARQL Inferencing Notation) Support</a:t>
-            </a:r>
-          </a:p>
-          <a:p>
-            <a:pPr lvl="1"/>
-            <a:r>
-              <a:rPr lang="en-GB" dirty="0" err="1" smtClean="0"/>
-              <a:t>rdfEditor</a:t>
-            </a:r>
-            <a:r>
-              <a:rPr lang="en-GB" dirty="0" smtClean="0"/>
-              <a:t> for non-Windows </a:t>
-            </a:r>
-            <a:r>
-              <a:rPr lang="en-GB" dirty="0" smtClean="0"/>
-              <a:t>systems</a:t>
-            </a:r>
-          </a:p>
-          <a:p>
-            <a:pPr lvl="2"/>
-            <a:r>
-              <a:rPr lang="en-GB" dirty="0" smtClean="0"/>
-              <a:t>As </a:t>
-            </a:r>
-            <a:r>
-              <a:rPr lang="en-GB" dirty="0" smtClean="0"/>
-              <a:t>it is WPF based it does not run under Mono which limits it to Windows </a:t>
-            </a:r>
-            <a:r>
-              <a:rPr lang="en-GB" dirty="0" smtClean="0"/>
-              <a:t>only currently</a:t>
-            </a:r>
-            <a:endParaRPr lang="en-GB" dirty="0" smtClean="0"/>
-          </a:p>
-          <a:p>
-            <a:pPr lvl="1"/>
-            <a:r>
-              <a:rPr lang="en-GB" dirty="0" smtClean="0"/>
-              <a:t>Additional JSON format support</a:t>
+              <a:t>As with full text SPARQL will be implemented as a new library as is as non-core feature</a:t>
             </a:r>
             <a:endParaRPr lang="en-GB" dirty="0"/>
           </a:p>
@@ -9610,7 +9729,7 @@
             <a:fld id="{CDAEE9B0-25E7-4C28-AF1D-B3DDCE7EBBDB}" type="datetime1">
               <a:rPr lang="en-US" smtClean="0"/>
               <a:pPr/>
-              <a:t>7/5/2011</a:t>
+              <a:t>7/13/2011</a:t>
             </a:fld>
             <a:endParaRPr lang="en-GB"/>
           </a:p>
@@ -9666,7 +9785,7 @@
     </p:spTree>
     <p:extLst>
       <p:ext uri="{BB962C8B-B14F-4D97-AF65-F5344CB8AC3E}">
-        <p14:creationId xmlns:p14="http://schemas.microsoft.com/office/powerpoint/2010/main" xmlns="" val="2152085500"/>
+        <p14:creationId xmlns:p14="http://schemas.microsoft.com/office/powerpoint/2010/main" val="585871984"/>
       </p:ext>
     </p:extLst>
   </p:cSld>
@@ -9695,7 +9814,7 @@
       </p:grpSpPr>
       <p:sp>
         <p:nvSpPr>
-          <p:cNvPr id="7" name="Title 6"/>
+          <p:cNvPr id="2" name="Title 1"/>
           <p:cNvSpPr>
             <a:spLocks noGrp="1"/>
           </p:cNvSpPr>
@@ -9710,7 +9829,73 @@
           <a:p>
             <a:r>
               <a:rPr lang="en-GB" dirty="0" smtClean="0"/>
-              <a:t>Get Involved</a:t>
+              <a:t>Existing Community Suggestions</a:t>
+            </a:r>
+            <a:endParaRPr lang="en-GB" dirty="0"/>
+          </a:p>
+        </p:txBody>
+      </p:sp>
+      <p:sp>
+        <p:nvSpPr>
+          <p:cNvPr id="3" name="Content Placeholder 2"/>
+          <p:cNvSpPr>
+            <a:spLocks noGrp="1"/>
+          </p:cNvSpPr>
+          <p:nvPr>
+            <p:ph idx="1"/>
+          </p:nvPr>
+        </p:nvSpPr>
+        <p:spPr/>
+        <p:txBody>
+          <a:bodyPr/>
+          <a:lstStyle/>
+          <a:p>
+            <a:r>
+              <a:rPr lang="en-GB" dirty="0" smtClean="0"/>
+              <a:t>Currently the following features have been suggested/requested by the community:</a:t>
+            </a:r>
+          </a:p>
+          <a:p>
+            <a:pPr lvl="1"/>
+            <a:r>
+              <a:rPr lang="en-GB" dirty="0" err="1" smtClean="0"/>
+              <a:t>.Net</a:t>
+            </a:r>
+            <a:r>
+              <a:rPr lang="en-GB" dirty="0" smtClean="0"/>
+              <a:t> Serialization support</a:t>
+            </a:r>
+          </a:p>
+          <a:p>
+            <a:pPr lvl="1"/>
+            <a:r>
+              <a:rPr lang="en-GB" dirty="0" smtClean="0"/>
+              <a:t>SPIN (SPARQL Inferencing Notation) Support</a:t>
+            </a:r>
+          </a:p>
+          <a:p>
+            <a:pPr lvl="1"/>
+            <a:r>
+              <a:rPr lang="en-GB" dirty="0" err="1" smtClean="0"/>
+              <a:t>rdfEditor</a:t>
+            </a:r>
+            <a:r>
+              <a:rPr lang="en-GB" dirty="0" smtClean="0"/>
+              <a:t> for non-Windows systems</a:t>
+            </a:r>
+          </a:p>
+          <a:p>
+            <a:pPr lvl="2"/>
+            <a:r>
+              <a:rPr lang="en-GB" dirty="0" smtClean="0"/>
+              <a:t>As it is WPF based it does not run under Mono which limits it to Windows only currently</a:t>
+            </a:r>
+          </a:p>
+          <a:p>
+            <a:pPr lvl="1"/>
+            <a:r>
+              <a:rPr lang="en-GB" dirty="0" smtClean="0"/>
+              <a:t>Additional JSON format support</a:t>
             </a:r>
             <a:endParaRPr lang="en-GB" dirty="0"/>
           </a:p>
@@ -9734,7 +9919,7 @@
             <a:fld id="{CDAEE9B0-25E7-4C28-AF1D-B3DDCE7EBBDB}" type="datetime1">
               <a:rPr lang="en-US" smtClean="0"/>
               <a:pPr/>
-              <a:t>7/5/2011</a:t>
+              <a:t>7/13/2011</a:t>
             </a:fld>
             <a:endParaRPr lang="en-GB"/>
           </a:p>
@@ -9790,7 +9975,7 @@
     </p:spTree>
     <p:extLst>
       <p:ext uri="{BB962C8B-B14F-4D97-AF65-F5344CB8AC3E}">
-        <p14:creationId xmlns:p14="http://schemas.microsoft.com/office/powerpoint/2010/main" xmlns="" val="3258641840"/>
+        <p14:creationId xmlns:p14="http://schemas.microsoft.com/office/powerpoint/2010/main" val="2152085500"/>
       </p:ext>
     </p:extLst>
   </p:cSld>
@@ -9819,7 +10004,7 @@
       </p:grpSpPr>
       <p:sp>
         <p:nvSpPr>
-          <p:cNvPr id="2" name="Title 1"/>
+          <p:cNvPr id="7" name="Title 6"/>
           <p:cNvSpPr>
             <a:spLocks noGrp="1"/>
           </p:cNvSpPr>
@@ -9837,78 +10022,6 @@
               <a:t>Get Involved</a:t>
             </a:r>
             <a:endParaRPr lang="en-GB" dirty="0"/>
-          </a:p>
-        </p:txBody>
-      </p:sp>
-      <p:sp>
-        <p:nvSpPr>
-          <p:cNvPr id="3" name="Content Placeholder 2"/>
-          <p:cNvSpPr>
-            <a:spLocks noGrp="1"/>
-          </p:cNvSpPr>
-          <p:nvPr>
-            <p:ph idx="1"/>
-          </p:nvPr>
-        </p:nvSpPr>
-        <p:spPr/>
-        <p:txBody>
-          <a:bodyPr>
-            <a:normAutofit/>
-          </a:bodyPr>
-          <a:lstStyle/>
-          <a:p>
-            <a:r>
-              <a:rPr lang="en-GB" dirty="0" smtClean="0"/>
-              <a:t>Suggestions and feedback on this roadmap are solicited and welcomed</a:t>
-            </a:r>
-          </a:p>
-          <a:p>
-            <a:r>
-              <a:rPr lang="en-GB" dirty="0" smtClean="0"/>
-              <a:t>Via email:</a:t>
-            </a:r>
-          </a:p>
-          <a:p>
-            <a:pPr lvl="1"/>
-            <a:r>
-              <a:rPr lang="en-GB" dirty="0" smtClean="0"/>
-              <a:t>Mailing List – </a:t>
-            </a:r>
-            <a:r>
-              <a:rPr lang="en-GB" dirty="0" smtClean="0">
-                <a:hlinkClick r:id="rId2"/>
-              </a:rPr>
-              <a:t>dotnetrdf-develop@lists.sf.net</a:t>
-            </a:r>
-            <a:endParaRPr lang="en-GB" dirty="0" smtClean="0"/>
-          </a:p>
-          <a:p>
-            <a:pPr lvl="1"/>
-            <a:r>
-              <a:rPr lang="en-GB" dirty="0" smtClean="0"/>
-              <a:t>Direct Email – </a:t>
-            </a:r>
-            <a:r>
-              <a:rPr lang="en-GB" dirty="0" smtClean="0">
-                <a:hlinkClick r:id="rId3"/>
-              </a:rPr>
-              <a:t>rvesse@dotnetrdf.org</a:t>
-            </a:r>
-            <a:endParaRPr lang="en-GB" dirty="0" smtClean="0"/>
-          </a:p>
-          <a:p>
-            <a:r>
-              <a:rPr lang="en-GB" dirty="0" smtClean="0"/>
-              <a:t>Via Skype (</a:t>
-            </a:r>
-            <a:r>
-              <a:rPr lang="en-GB" dirty="0" err="1" smtClean="0"/>
-              <a:t>rvesse</a:t>
-            </a:r>
-            <a:r>
-              <a:rPr lang="en-GB" dirty="0" smtClean="0"/>
-              <a:t>) – please email first to arrange a meeting</a:t>
-            </a:r>
           </a:p>
         </p:txBody>
       </p:sp>
@@ -9930,7 +10043,7 @@
             <a:fld id="{CDAEE9B0-25E7-4C28-AF1D-B3DDCE7EBBDB}" type="datetime1">
               <a:rPr lang="en-US" smtClean="0"/>
               <a:pPr/>
-              <a:t>7/5/2011</a:t>
+              <a:t>7/13/2011</a:t>
             </a:fld>
             <a:endParaRPr lang="en-GB"/>
           </a:p>
@@ -9986,7 +10099,7 @@
     </p:spTree>
     <p:extLst>
       <p:ext uri="{BB962C8B-B14F-4D97-AF65-F5344CB8AC3E}">
-        <p14:creationId xmlns:p14="http://schemas.microsoft.com/office/powerpoint/2010/main" xmlns="" val="1264147251"/>
+        <p14:creationId xmlns:p14="http://schemas.microsoft.com/office/powerpoint/2010/main" val="3258641840"/>
       </p:ext>
     </p:extLst>
   </p:cSld>
@@ -10048,67 +10161,63 @@
         </p:nvSpPr>
         <p:spPr/>
         <p:txBody>
-          <a:bodyPr/>
-          <a:lstStyle/>
-          <a:p>
-            <a:r>
-              <a:rPr lang="en-GB" dirty="0"/>
-              <a:t>Face to Face </a:t>
+          <a:bodyPr>
+            <a:normAutofit/>
+          </a:bodyPr>
+          <a:lstStyle/>
+          <a:p>
+            <a:r>
+              <a:rPr lang="en-GB" dirty="0" smtClean="0"/>
+              <a:t>Suggestions and feedback on this roadmap are solicited and welcomed</a:t>
+            </a:r>
+          </a:p>
+          <a:p>
+            <a:r>
+              <a:rPr lang="en-GB" dirty="0" smtClean="0"/>
+              <a:t>Via email:</a:t>
             </a:r>
           </a:p>
           <a:p>
             <a:pPr lvl="1"/>
             <a:r>
-              <a:rPr lang="en-GB" dirty="0"/>
-              <a:t>Conferences – contact me via email to see what conferences I plain on attending later this year</a:t>
-            </a:r>
+              <a:rPr lang="en-GB" dirty="0" smtClean="0"/>
+              <a:t>Mailing List – </a:t>
+            </a:r>
+            <a:r>
+              <a:rPr lang="en-GB" dirty="0" smtClean="0">
+                <a:hlinkClick r:id="rId2"/>
+              </a:rPr>
+              <a:t>dotnetrdf-develop@lists.sf.net</a:t>
+            </a:r>
+            <a:endParaRPr lang="en-GB" dirty="0" smtClean="0"/>
           </a:p>
           <a:p>
             <a:pPr lvl="1"/>
             <a:r>
-              <a:rPr lang="en-GB" dirty="0" err="1"/>
-              <a:t>Meetup</a:t>
-            </a:r>
-            <a:r>
-              <a:rPr lang="en-GB" dirty="0"/>
-              <a:t> – I attend the London </a:t>
-            </a:r>
-            <a:r>
-              <a:rPr lang="en-GB" dirty="0" err="1"/>
-              <a:t>SemWeb</a:t>
-            </a:r>
-            <a:r>
-              <a:rPr lang="en-GB" dirty="0"/>
-              <a:t> </a:t>
+              <a:rPr lang="en-GB" dirty="0" smtClean="0"/>
+              <a:t>Direct Email – </a:t>
+            </a:r>
+            <a:r>
+              <a:rPr lang="en-GB" dirty="0" smtClean="0">
+                <a:hlinkClick r:id="rId3"/>
+              </a:rPr>
+              <a:t>rvesse@dotnetrdf.org</a:t>
+            </a:r>
+            <a:endParaRPr lang="en-GB" dirty="0" smtClean="0"/>
+          </a:p>
+          <a:p>
+            <a:r>
+              <a:rPr lang="en-GB" dirty="0" smtClean="0"/>
+              <a:t>Via Skype (</a:t>
             </a:r>
             <a:r>
               <a:rPr lang="en-GB" dirty="0" err="1" smtClean="0"/>
-              <a:t>Meetup</a:t>
-            </a:r>
-            <a:r>
-              <a:rPr lang="en-GB" dirty="0" smtClean="0"/>
-              <a:t>, please check with me via email whether I will be at a specific </a:t>
-            </a:r>
-            <a:r>
-              <a:rPr lang="en-GB" dirty="0" err="1" smtClean="0"/>
-              <a:t>meetup</a:t>
-            </a:r>
-            <a:endParaRPr lang="en-GB" dirty="0"/>
-          </a:p>
-          <a:p>
-            <a:pPr lvl="1"/>
-            <a:r>
-              <a:rPr lang="en-GB" dirty="0"/>
-              <a:t>Meetings – If you are based in the </a:t>
-            </a:r>
-            <a:r>
-              <a:rPr lang="en-GB" dirty="0" smtClean="0"/>
-              <a:t>south of the UK I am happy to arrange meetings via email</a:t>
-            </a:r>
-            <a:endParaRPr lang="en-GB" dirty="0"/>
-          </a:p>
-          <a:p>
-            <a:endParaRPr lang="en-GB" dirty="0"/>
+              <a:t>rvesse</a:t>
+            </a:r>
+            <a:r>
+              <a:rPr lang="en-GB" dirty="0" smtClean="0"/>
+              <a:t>) – please email first to arrange a meeting</a:t>
+            </a:r>
           </a:p>
         </p:txBody>
       </p:sp>
@@ -10130,7 +10239,7 @@
             <a:fld id="{CDAEE9B0-25E7-4C28-AF1D-B3DDCE7EBBDB}" type="datetime1">
               <a:rPr lang="en-US" smtClean="0"/>
               <a:pPr/>
-              <a:t>7/5/2011</a:t>
+              <a:t>7/13/2011</a:t>
             </a:fld>
             <a:endParaRPr lang="en-GB"/>
           </a:p>
@@ -10186,7 +10295,207 @@
     </p:spTree>
     <p:extLst>
       <p:ext uri="{BB962C8B-B14F-4D97-AF65-F5344CB8AC3E}">
-        <p14:creationId xmlns:p14="http://schemas.microsoft.com/office/powerpoint/2010/main" xmlns="" val="798761902"/>
+        <p14:creationId xmlns:p14="http://schemas.microsoft.com/office/powerpoint/2010/main" val="1264147251"/>
+      </p:ext>
+    </p:extLst>
+  </p:cSld>
+  <p:clrMapOvr>
+    <a:masterClrMapping/>
+  </p:clrMapOvr>
+</p:sld>
+</file>
+
+<file path=ppt/slides/slide47.xml><?xml version="1.0" encoding="utf-8"?>
+<p:sld xmlns:a="http://schemas.openxmlformats.org/drawingml/2006/main" xmlns:r="http://schemas.openxmlformats.org/officeDocument/2006/relationships" xmlns:p="http://schemas.openxmlformats.org/presentationml/2006/main">
+  <p:cSld>
+    <p:spTree>
+      <p:nvGrpSpPr>
+        <p:cNvPr id="1" name=""/>
+        <p:cNvGrpSpPr/>
+        <p:nvPr/>
+      </p:nvGrpSpPr>
+      <p:grpSpPr>
+        <a:xfrm>
+          <a:off x="0" y="0"/>
+          <a:ext cx="0" cy="0"/>
+          <a:chOff x="0" y="0"/>
+          <a:chExt cx="0" cy="0"/>
+        </a:xfrm>
+      </p:grpSpPr>
+      <p:sp>
+        <p:nvSpPr>
+          <p:cNvPr id="2" name="Title 1"/>
+          <p:cNvSpPr>
+            <a:spLocks noGrp="1"/>
+          </p:cNvSpPr>
+          <p:nvPr>
+            <p:ph type="title"/>
+          </p:nvPr>
+        </p:nvSpPr>
+        <p:spPr/>
+        <p:txBody>
+          <a:bodyPr/>
+          <a:lstStyle/>
+          <a:p>
+            <a:r>
+              <a:rPr lang="en-GB" dirty="0" smtClean="0"/>
+              <a:t>Get Involved</a:t>
+            </a:r>
+            <a:endParaRPr lang="en-GB" dirty="0"/>
+          </a:p>
+        </p:txBody>
+      </p:sp>
+      <p:sp>
+        <p:nvSpPr>
+          <p:cNvPr id="3" name="Content Placeholder 2"/>
+          <p:cNvSpPr>
+            <a:spLocks noGrp="1"/>
+          </p:cNvSpPr>
+          <p:nvPr>
+            <p:ph idx="1"/>
+          </p:nvPr>
+        </p:nvSpPr>
+        <p:spPr/>
+        <p:txBody>
+          <a:bodyPr/>
+          <a:lstStyle/>
+          <a:p>
+            <a:r>
+              <a:rPr lang="en-GB" dirty="0"/>
+              <a:t>Face to Face </a:t>
+            </a:r>
+          </a:p>
+          <a:p>
+            <a:pPr lvl="1"/>
+            <a:r>
+              <a:rPr lang="en-GB" dirty="0"/>
+              <a:t>Conferences – contact me via email to see what conferences I plain on attending later this year</a:t>
+            </a:r>
+          </a:p>
+          <a:p>
+            <a:pPr lvl="1"/>
+            <a:r>
+              <a:rPr lang="en-GB" dirty="0" err="1"/>
+              <a:t>Meetup</a:t>
+            </a:r>
+            <a:r>
+              <a:rPr lang="en-GB" dirty="0"/>
+              <a:t> – I attend the London </a:t>
+            </a:r>
+            <a:r>
+              <a:rPr lang="en-GB" dirty="0" err="1"/>
+              <a:t>SemWeb</a:t>
+            </a:r>
+            <a:r>
+              <a:rPr lang="en-GB" dirty="0"/>
+              <a:t> </a:t>
+            </a:r>
+            <a:r>
+              <a:rPr lang="en-GB" dirty="0" err="1" smtClean="0"/>
+              <a:t>Meetup</a:t>
+            </a:r>
+            <a:r>
+              <a:rPr lang="en-GB" dirty="0" smtClean="0"/>
+              <a:t>, please check with me via email whether I will be at a specific </a:t>
+            </a:r>
+            <a:r>
+              <a:rPr lang="en-GB" dirty="0" err="1" smtClean="0"/>
+              <a:t>meetup</a:t>
+            </a:r>
+            <a:endParaRPr lang="en-GB" dirty="0"/>
+          </a:p>
+          <a:p>
+            <a:pPr lvl="1"/>
+            <a:r>
+              <a:rPr lang="en-GB" dirty="0"/>
+              <a:t>Meetings – If you are based in the </a:t>
+            </a:r>
+            <a:r>
+              <a:rPr lang="en-GB" dirty="0" smtClean="0"/>
+              <a:t>south of the UK I am happy to arrange meetings via email</a:t>
+            </a:r>
+            <a:endParaRPr lang="en-GB" dirty="0"/>
+          </a:p>
+          <a:p>
+            <a:endParaRPr lang="en-GB" dirty="0"/>
+          </a:p>
+        </p:txBody>
+      </p:sp>
+      <p:sp>
+        <p:nvSpPr>
+          <p:cNvPr id="4" name="Date Placeholder 3"/>
+          <p:cNvSpPr>
+            <a:spLocks noGrp="1"/>
+          </p:cNvSpPr>
+          <p:nvPr>
+            <p:ph type="dt" sz="half" idx="10"/>
+          </p:nvPr>
+        </p:nvSpPr>
+        <p:spPr/>
+        <p:txBody>
+          <a:bodyPr/>
+          <a:lstStyle/>
+          <a:p>
+            <a:fld id="{CDAEE9B0-25E7-4C28-AF1D-B3DDCE7EBBDB}" type="datetime1">
+              <a:rPr lang="en-US" smtClean="0"/>
+              <a:pPr/>
+              <a:t>7/13/2011</a:t>
+            </a:fld>
+            <a:endParaRPr lang="en-GB"/>
+          </a:p>
+        </p:txBody>
+      </p:sp>
+      <p:sp>
+        <p:nvSpPr>
+          <p:cNvPr id="5" name="Footer Placeholder 4"/>
+          <p:cNvSpPr>
+            <a:spLocks noGrp="1"/>
+          </p:cNvSpPr>
+          <p:nvPr>
+            <p:ph type="ftr" sz="quarter" idx="11"/>
+          </p:nvPr>
+        </p:nvSpPr>
+        <p:spPr/>
+        <p:txBody>
+          <a:bodyPr/>
+          <a:lstStyle/>
+          <a:p>
+            <a:r>
+              <a:rPr lang="en-GB" smtClean="0"/>
+              <a:t>http://www.dotnetrdf.org</a:t>
+            </a:r>
+            <a:endParaRPr lang="en-GB"/>
+          </a:p>
+        </p:txBody>
+      </p:sp>
+      <p:sp>
+        <p:nvSpPr>
+          <p:cNvPr id="6" name="Slide Number Placeholder 5"/>
+          <p:cNvSpPr>
+            <a:spLocks noGrp="1"/>
+          </p:cNvSpPr>
+          <p:nvPr>
+            <p:ph type="sldNum" sz="quarter" idx="12"/>
+          </p:nvPr>
+        </p:nvSpPr>
+        <p:spPr/>
+        <p:txBody>
+          <a:bodyPr/>
+          <a:lstStyle/>
+          <a:p>
+            <a:fld id="{35128F56-7434-487A-8B29-0C024560A5F4}" type="slidenum">
+              <a:rPr lang="en-GB" smtClean="0"/>
+              <a:pPr/>
+              <a:t>47</a:t>
+            </a:fld>
+            <a:endParaRPr lang="en-GB"/>
+          </a:p>
+        </p:txBody>
+      </p:sp>
+    </p:spTree>
+    <p:extLst>
+      <p:ext uri="{BB962C8B-B14F-4D97-AF65-F5344CB8AC3E}">
+        <p14:creationId xmlns:p14="http://schemas.microsoft.com/office/powerpoint/2010/main" val="798761902"/>
       </p:ext>
     </p:extLst>
   </p:cSld>
@@ -10311,7 +10620,7 @@
             <a:fld id="{CDAEE9B0-25E7-4C28-AF1D-B3DDCE7EBBDB}" type="datetime1">
               <a:rPr lang="en-US" smtClean="0"/>
               <a:pPr/>
-              <a:t>7/5/2011</a:t>
+              <a:t>7/13/2011</a:t>
             </a:fld>
             <a:endParaRPr lang="en-GB"/>
           </a:p>
@@ -10367,7 +10676,7 @@
     </p:spTree>
     <p:extLst>
       <p:ext uri="{BB962C8B-B14F-4D97-AF65-F5344CB8AC3E}">
-        <p14:creationId xmlns:p14="http://schemas.microsoft.com/office/powerpoint/2010/main" xmlns="" val="685525953"/>
+        <p14:creationId xmlns:p14="http://schemas.microsoft.com/office/powerpoint/2010/main" val="685525953"/>
       </p:ext>
     </p:extLst>
   </p:cSld>
@@ -10435,7 +10744,7 @@
             <a:fld id="{EA5D455B-ECD0-44E3-BA0C-3649A3FCD15C}" type="datetime1">
               <a:rPr lang="en-US" smtClean="0"/>
               <a:pPr/>
-              <a:t>7/5/2011</a:t>
+              <a:t>7/13/2011</a:t>
             </a:fld>
             <a:endParaRPr lang="en-GB"/>
           </a:p>
@@ -10491,7 +10800,7 @@
     </p:spTree>
     <p:extLst>
       <p:ext uri="{BB962C8B-B14F-4D97-AF65-F5344CB8AC3E}">
-        <p14:creationId xmlns:p14="http://schemas.microsoft.com/office/powerpoint/2010/main" xmlns="" val="2062332550"/>
+        <p14:creationId xmlns:p14="http://schemas.microsoft.com/office/powerpoint/2010/main" val="2062332550"/>
       </p:ext>
     </p:extLst>
   </p:cSld>
@@ -10597,7 +10906,7 @@
             <a:fld id="{CDAEE9B0-25E7-4C28-AF1D-B3DDCE7EBBDB}" type="datetime1">
               <a:rPr lang="en-US" smtClean="0"/>
               <a:pPr/>
-              <a:t>7/5/2011</a:t>
+              <a:t>7/13/2011</a:t>
             </a:fld>
             <a:endParaRPr lang="en-GB"/>
           </a:p>
@@ -10653,7 +10962,7 @@
     </p:spTree>
     <p:extLst>
       <p:ext uri="{BB962C8B-B14F-4D97-AF65-F5344CB8AC3E}">
-        <p14:creationId xmlns:p14="http://schemas.microsoft.com/office/powerpoint/2010/main" xmlns="" val="2752513629"/>
+        <p14:creationId xmlns:p14="http://schemas.microsoft.com/office/powerpoint/2010/main" val="2752513629"/>
       </p:ext>
     </p:extLst>
   </p:cSld>
@@ -10777,7 +11086,7 @@
             <a:fld id="{CDAEE9B0-25E7-4C28-AF1D-B3DDCE7EBBDB}" type="datetime1">
               <a:rPr lang="en-US" smtClean="0"/>
               <a:pPr/>
-              <a:t>7/5/2011</a:t>
+              <a:t>7/13/2011</a:t>
             </a:fld>
             <a:endParaRPr lang="en-GB"/>
           </a:p>
@@ -10833,7 +11142,7 @@
     </p:spTree>
     <p:extLst>
       <p:ext uri="{BB962C8B-B14F-4D97-AF65-F5344CB8AC3E}">
-        <p14:creationId xmlns:p14="http://schemas.microsoft.com/office/powerpoint/2010/main" xmlns="" val="1884836899"/>
+        <p14:creationId xmlns:p14="http://schemas.microsoft.com/office/powerpoint/2010/main" val="1884836899"/>
       </p:ext>
     </p:extLst>
   </p:cSld>
@@ -10930,7 +11239,7 @@
             <a:fld id="{CDAEE9B0-25E7-4C28-AF1D-B3DDCE7EBBDB}" type="datetime1">
               <a:rPr lang="en-US" smtClean="0"/>
               <a:pPr/>
-              <a:t>7/5/2011</a:t>
+              <a:t>7/13/2011</a:t>
             </a:fld>
             <a:endParaRPr lang="en-GB"/>
           </a:p>
@@ -10986,7 +11295,7 @@
     </p:spTree>
     <p:extLst>
       <p:ext uri="{BB962C8B-B14F-4D97-AF65-F5344CB8AC3E}">
-        <p14:creationId xmlns:p14="http://schemas.microsoft.com/office/powerpoint/2010/main" xmlns="" val="1547614895"/>
+        <p14:creationId xmlns:p14="http://schemas.microsoft.com/office/powerpoint/2010/main" val="1547614895"/>
       </p:ext>
     </p:extLst>
   </p:cSld>

--- a/Slides/Roadmap.pptx
+++ b/Slides/Roadmap.pptx
@@ -5,7 +5,7 @@
     <p:sldMasterId id="2147483648" r:id="rId1"/>
   </p:sldMasterIdLst>
   <p:notesMasterIdLst>
-    <p:notesMasterId r:id="rId49"/>
+    <p:notesMasterId r:id="rId50"/>
   </p:notesMasterIdLst>
   <p:sldIdLst>
     <p:sldId id="256" r:id="rId2"/>
@@ -35,26 +35,27 @@
     <p:sldId id="279" r:id="rId26"/>
     <p:sldId id="280" r:id="rId27"/>
     <p:sldId id="281" r:id="rId28"/>
-    <p:sldId id="282" r:id="rId29"/>
-    <p:sldId id="283" r:id="rId30"/>
-    <p:sldId id="287" r:id="rId31"/>
-    <p:sldId id="288" r:id="rId32"/>
-    <p:sldId id="289" r:id="rId33"/>
-    <p:sldId id="299" r:id="rId34"/>
-    <p:sldId id="290" r:id="rId35"/>
-    <p:sldId id="291" r:id="rId36"/>
-    <p:sldId id="292" r:id="rId37"/>
-    <p:sldId id="293" r:id="rId38"/>
-    <p:sldId id="294" r:id="rId39"/>
-    <p:sldId id="295" r:id="rId40"/>
-    <p:sldId id="296" r:id="rId41"/>
-    <p:sldId id="297" r:id="rId42"/>
-    <p:sldId id="298" r:id="rId43"/>
-    <p:sldId id="300" r:id="rId44"/>
-    <p:sldId id="301" r:id="rId45"/>
-    <p:sldId id="303" r:id="rId46"/>
-    <p:sldId id="302" r:id="rId47"/>
-    <p:sldId id="304" r:id="rId48"/>
+    <p:sldId id="308" r:id="rId29"/>
+    <p:sldId id="282" r:id="rId30"/>
+    <p:sldId id="283" r:id="rId31"/>
+    <p:sldId id="287" r:id="rId32"/>
+    <p:sldId id="288" r:id="rId33"/>
+    <p:sldId id="289" r:id="rId34"/>
+    <p:sldId id="299" r:id="rId35"/>
+    <p:sldId id="290" r:id="rId36"/>
+    <p:sldId id="291" r:id="rId37"/>
+    <p:sldId id="292" r:id="rId38"/>
+    <p:sldId id="293" r:id="rId39"/>
+    <p:sldId id="294" r:id="rId40"/>
+    <p:sldId id="295" r:id="rId41"/>
+    <p:sldId id="296" r:id="rId42"/>
+    <p:sldId id="297" r:id="rId43"/>
+    <p:sldId id="298" r:id="rId44"/>
+    <p:sldId id="300" r:id="rId45"/>
+    <p:sldId id="301" r:id="rId46"/>
+    <p:sldId id="303" r:id="rId47"/>
+    <p:sldId id="302" r:id="rId48"/>
+    <p:sldId id="304" r:id="rId49"/>
   </p:sldIdLst>
   <p:sldSz cx="9144000" cy="6858000" type="screen4x3"/>
   <p:notesSz cx="7099300" cy="10223500"/>
@@ -239,7 +240,7 @@
             <a:fld id="{A4EFCF4D-B222-4BDE-9F21-361A6D2DD5DC}" type="datetimeFigureOut">
               <a:rPr lang="en-GB" smtClean="0"/>
               <a:pPr/>
-              <a:t>13/07/2011</a:t>
+              <a:t>15/07/2011</a:t>
             </a:fld>
             <a:endParaRPr lang="en-GB"/>
           </a:p>
@@ -696,7 +697,7 @@
             <a:fld id="{7DDF2E66-A8D8-4938-9770-803246E1F4D9}" type="datetime1">
               <a:rPr lang="en-US" smtClean="0"/>
               <a:pPr/>
-              <a:t>7/13/2011</a:t>
+              <a:t>7/15/2011</a:t>
             </a:fld>
             <a:endParaRPr lang="en-GB"/>
           </a:p>
@@ -887,7 +888,7 @@
             <a:fld id="{CDAEE9B0-25E7-4C28-AF1D-B3DDCE7EBBDB}" type="datetime1">
               <a:rPr lang="en-US" smtClean="0"/>
               <a:pPr/>
-              <a:t>7/13/2011</a:t>
+              <a:t>7/15/2011</a:t>
             </a:fld>
             <a:endParaRPr lang="en-GB"/>
           </a:p>
@@ -1134,7 +1135,7 @@
             <a:fld id="{B4D3D433-0AB0-44F2-9244-5C7078B0628D}" type="datetime1">
               <a:rPr lang="en-US" smtClean="0"/>
               <a:pPr/>
-              <a:t>7/13/2011</a:t>
+              <a:t>7/15/2011</a:t>
             </a:fld>
             <a:endParaRPr lang="en-GB"/>
           </a:p>
@@ -1438,7 +1439,7 @@
             <a:fld id="{603E95A3-71BD-4303-BDB5-8A36882C7B2B}" type="datetime1">
               <a:rPr lang="en-US" smtClean="0"/>
               <a:pPr/>
-              <a:t>7/13/2011</a:t>
+              <a:t>7/15/2011</a:t>
             </a:fld>
             <a:endParaRPr lang="en-GB"/>
           </a:p>
@@ -1846,7 +1847,7 @@
             <a:fld id="{DA3AB10B-EC00-4A9D-ADD6-A8B68613B4D2}" type="datetime1">
               <a:rPr lang="en-US" smtClean="0"/>
               <a:pPr/>
-              <a:t>7/13/2011</a:t>
+              <a:t>7/15/2011</a:t>
             </a:fld>
             <a:endParaRPr lang="en-GB"/>
           </a:p>
@@ -1978,7 +1979,7 @@
             <a:fld id="{EA5D455B-ECD0-44E3-BA0C-3649A3FCD15C}" type="datetime1">
               <a:rPr lang="en-US" smtClean="0"/>
               <a:pPr/>
-              <a:t>7/13/2011</a:t>
+              <a:t>7/15/2011</a:t>
             </a:fld>
             <a:endParaRPr lang="en-GB"/>
           </a:p>
@@ -2074,7 +2075,7 @@
             <a:fld id="{F83BA156-88F6-4A85-BCB0-63F0774EAEDC}" type="datetime1">
               <a:rPr lang="en-US" smtClean="0"/>
               <a:pPr/>
-              <a:t>7/13/2011</a:t>
+              <a:t>7/15/2011</a:t>
             </a:fld>
             <a:endParaRPr lang="en-GB"/>
           </a:p>
@@ -2358,7 +2359,7 @@
             <a:fld id="{044DBA34-05AD-44A3-A0F1-C917A9CE0E42}" type="datetime1">
               <a:rPr lang="en-US" smtClean="0"/>
               <a:pPr/>
-              <a:t>7/13/2011</a:t>
+              <a:t>7/15/2011</a:t>
             </a:fld>
             <a:endParaRPr lang="en-GB"/>
           </a:p>
@@ -2622,7 +2623,7 @@
             <a:fld id="{3FDD57B1-846D-42C4-9FE3-5B43FAB1C846}" type="datetime1">
               <a:rPr lang="en-US" smtClean="0"/>
               <a:pPr/>
-              <a:t>7/13/2011</a:t>
+              <a:t>7/15/2011</a:t>
             </a:fld>
             <a:endParaRPr lang="en-GB"/>
           </a:p>
@@ -2774,7 +2775,7 @@
             <a:fld id="{8EDAB77D-6898-4F92-AE07-90DBD2DF1995}" type="datetime1">
               <a:rPr lang="en-US" smtClean="0"/>
               <a:pPr/>
-              <a:t>7/13/2011</a:t>
+              <a:t>7/15/2011</a:t>
             </a:fld>
             <a:endParaRPr lang="en-GB" dirty="0"/>
           </a:p>
@@ -3335,7 +3336,7 @@
             <a:fld id="{ADB3C27C-C00A-40F0-A166-0452DE5EF4FD}" type="datetime1">
               <a:rPr lang="en-US" smtClean="0"/>
               <a:pPr/>
-              <a:t>7/13/2011</a:t>
+              <a:t>7/15/2011</a:t>
             </a:fld>
             <a:endParaRPr lang="en-GB"/>
           </a:p>
@@ -3509,7 +3510,7 @@
             <a:fld id="{EA5D455B-ECD0-44E3-BA0C-3649A3FCD15C}" type="datetime1">
               <a:rPr lang="en-US" smtClean="0"/>
               <a:pPr/>
-              <a:t>7/13/2011</a:t>
+              <a:t>7/15/2011</a:t>
             </a:fld>
             <a:endParaRPr lang="en-GB"/>
           </a:p>
@@ -3687,7 +3688,7 @@
             <a:fld id="{CDAEE9B0-25E7-4C28-AF1D-B3DDCE7EBBDB}" type="datetime1">
               <a:rPr lang="en-US" smtClean="0"/>
               <a:pPr/>
-              <a:t>7/13/2011</a:t>
+              <a:t>7/15/2011</a:t>
             </a:fld>
             <a:endParaRPr lang="en-GB"/>
           </a:p>
@@ -3827,23 +3828,7 @@
           <a:p>
             <a:r>
               <a:rPr lang="en-GB" dirty="0" smtClean="0"/>
-              <a:t>Combines with new virtualised storage subsystem for </a:t>
-            </a:r>
-            <a:r>
-              <a:rPr lang="en-GB" dirty="0" smtClean="0"/>
-              <a:t>reasonable</a:t>
-            </a:r>
-            <a:r>
-              <a:rPr lang="en-GB" dirty="0" smtClean="0"/>
-              <a:t> </a:t>
-            </a:r>
-            <a:r>
-              <a:rPr lang="en-GB" dirty="0" smtClean="0"/>
-              <a:t>SPARQL performance </a:t>
-            </a:r>
-            <a:r>
-              <a:rPr lang="en-GB" dirty="0" smtClean="0"/>
-              <a:t>with much lower memory requirements</a:t>
+              <a:t>Combines with new virtualised storage subsystem for reasonable SPARQL performance with much lower memory requirements</a:t>
             </a:r>
             <a:endParaRPr lang="en-GB" dirty="0"/>
           </a:p>
@@ -3867,7 +3852,7 @@
             <a:fld id="{CDAEE9B0-25E7-4C28-AF1D-B3DDCE7EBBDB}" type="datetime1">
               <a:rPr lang="en-US" smtClean="0"/>
               <a:pPr/>
-              <a:t>7/13/2011</a:t>
+              <a:t>7/15/2011</a:t>
             </a:fld>
             <a:endParaRPr lang="en-GB"/>
           </a:p>
@@ -4026,7 +4011,7 @@
             <a:fld id="{CDAEE9B0-25E7-4C28-AF1D-B3DDCE7EBBDB}" type="datetime1">
               <a:rPr lang="en-US" smtClean="0"/>
               <a:pPr/>
-              <a:t>7/13/2011</a:t>
+              <a:t>7/15/2011</a:t>
             </a:fld>
             <a:endParaRPr lang="en-GB" dirty="0"/>
           </a:p>
@@ -4211,7 +4196,7 @@
             <a:fld id="{CDAEE9B0-25E7-4C28-AF1D-B3DDCE7EBBDB}" type="datetime1">
               <a:rPr lang="en-US" smtClean="0"/>
               <a:pPr/>
-              <a:t>7/13/2011</a:t>
+              <a:t>7/15/2011</a:t>
             </a:fld>
             <a:endParaRPr lang="en-GB"/>
           </a:p>
@@ -4368,23 +4353,7 @@
             <a:pPr lvl="1"/>
             <a:r>
               <a:rPr lang="en-GB" dirty="0" smtClean="0"/>
-              <a:t>Designed primarily to improve </a:t>
-            </a:r>
-            <a:r>
-              <a:rPr lang="en-GB" dirty="0" smtClean="0"/>
-              <a:t>performance (and memor</a:t>
-            </a:r>
-            <a:r>
-              <a:rPr lang="en-GB" dirty="0" smtClean="0"/>
-              <a:t>y usage)</a:t>
-            </a:r>
-            <a:r>
-              <a:rPr lang="en-GB" dirty="0" smtClean="0"/>
-              <a:t> </a:t>
-            </a:r>
-            <a:r>
-              <a:rPr lang="en-GB" dirty="0" smtClean="0"/>
-              <a:t>for out of memory SPARQL datasets</a:t>
+              <a:t>Designed primarily to improve performance (and memory usage) for out of memory SPARQL datasets</a:t>
             </a:r>
           </a:p>
           <a:p>
@@ -4414,7 +4383,7 @@
             <a:fld id="{CDAEE9B0-25E7-4C28-AF1D-B3DDCE7EBBDB}" type="datetime1">
               <a:rPr lang="en-US" smtClean="0"/>
               <a:pPr/>
-              <a:t>7/13/2011</a:t>
+              <a:t>7/15/2011</a:t>
             </a:fld>
             <a:endParaRPr lang="en-GB"/>
           </a:p>
@@ -4577,7 +4546,7 @@
             <a:fld id="{CDAEE9B0-25E7-4C28-AF1D-B3DDCE7EBBDB}" type="datetime1">
               <a:rPr lang="en-US" smtClean="0"/>
               <a:pPr/>
-              <a:t>7/13/2011</a:t>
+              <a:t>7/15/2011</a:t>
             </a:fld>
             <a:endParaRPr lang="en-GB"/>
           </a:p>
@@ -4746,7 +4715,7 @@
             <a:fld id="{CDAEE9B0-25E7-4C28-AF1D-B3DDCE7EBBDB}" type="datetime1">
               <a:rPr lang="en-US" smtClean="0"/>
               <a:pPr/>
-              <a:t>7/13/2011</a:t>
+              <a:t>7/15/2011</a:t>
             </a:fld>
             <a:endParaRPr lang="en-GB"/>
           </a:p>
@@ -4924,7 +4893,7 @@
             <a:fld id="{CDAEE9B0-25E7-4C28-AF1D-B3DDCE7EBBDB}" type="datetime1">
               <a:rPr lang="en-US" smtClean="0"/>
               <a:pPr/>
-              <a:t>7/13/2011</a:t>
+              <a:t>7/15/2011</a:t>
             </a:fld>
             <a:endParaRPr lang="en-GB"/>
           </a:p>
@@ -5139,7 +5108,7 @@
             <a:fld id="{CDAEE9B0-25E7-4C28-AF1D-B3DDCE7EBBDB}" type="datetime1">
               <a:rPr lang="en-US" smtClean="0"/>
               <a:pPr/>
-              <a:t>7/13/2011</a:t>
+              <a:t>7/15/2011</a:t>
             </a:fld>
             <a:endParaRPr lang="en-GB"/>
           </a:p>
@@ -5331,7 +5300,7 @@
             <a:fld id="{CDAEE9B0-25E7-4C28-AF1D-B3DDCE7EBBDB}" type="datetime1">
               <a:rPr lang="en-US" smtClean="0"/>
               <a:pPr/>
-              <a:t>7/13/2011</a:t>
+              <a:t>7/15/2011</a:t>
             </a:fld>
             <a:endParaRPr lang="en-GB"/>
           </a:p>
@@ -5509,7 +5478,7 @@
             <a:fld id="{CDAEE9B0-25E7-4C28-AF1D-B3DDCE7EBBDB}" type="datetime1">
               <a:rPr lang="en-US" smtClean="0"/>
               <a:pPr/>
-              <a:t>7/13/2011</a:t>
+              <a:t>7/15/2011</a:t>
             </a:fld>
             <a:endParaRPr lang="en-GB"/>
           </a:p>
@@ -5689,7 +5658,7 @@
             <a:fld id="{CDAEE9B0-25E7-4C28-AF1D-B3DDCE7EBBDB}" type="datetime1">
               <a:rPr lang="en-US" smtClean="0"/>
               <a:pPr/>
-              <a:t>7/13/2011</a:t>
+              <a:t>7/15/2011</a:t>
             </a:fld>
             <a:endParaRPr lang="en-GB"/>
           </a:p>
@@ -5843,7 +5812,7 @@
             <a:fld id="{CDAEE9B0-25E7-4C28-AF1D-B3DDCE7EBBDB}" type="datetime1">
               <a:rPr lang="en-US" smtClean="0"/>
               <a:pPr/>
-              <a:t>7/13/2011</a:t>
+              <a:t>7/15/2011</a:t>
             </a:fld>
             <a:endParaRPr lang="en-GB"/>
           </a:p>
@@ -6069,7 +6038,7 @@
             <a:fld id="{CDAEE9B0-25E7-4C28-AF1D-B3DDCE7EBBDB}" type="datetime1">
               <a:rPr lang="en-US" smtClean="0"/>
               <a:pPr/>
-              <a:t>7/13/2011</a:t>
+              <a:t>7/15/2011</a:t>
             </a:fld>
             <a:endParaRPr lang="en-GB"/>
           </a:p>
@@ -6310,7 +6279,7 @@
             <a:fld id="{EA5D455B-ECD0-44E3-BA0C-3649A3FCD15C}" type="datetime1">
               <a:rPr lang="en-US" smtClean="0"/>
               <a:pPr/>
-              <a:t>7/13/2011</a:t>
+              <a:t>7/15/2011</a:t>
             </a:fld>
             <a:endParaRPr lang="en-GB"/>
           </a:p>
@@ -6503,7 +6472,7 @@
             <a:fld id="{CDAEE9B0-25E7-4C28-AF1D-B3DDCE7EBBDB}" type="datetime1">
               <a:rPr lang="en-US" smtClean="0"/>
               <a:pPr/>
-              <a:t>7/13/2011</a:t>
+              <a:t>7/15/2011</a:t>
             </a:fld>
             <a:endParaRPr lang="en-GB"/>
           </a:p>
@@ -6605,6 +6574,10 @@
               <a:rPr lang="en-GB" dirty="0" err="1" smtClean="0"/>
               <a:t>rdfEditor</a:t>
             </a:r>
+            <a:r>
+              <a:rPr lang="en-GB" dirty="0" smtClean="0"/>
+              <a:t> (1 of 2)</a:t>
+            </a:r>
             <a:endParaRPr lang="en-GB" dirty="0"/>
           </a:p>
         </p:txBody>
@@ -6621,7 +6594,9 @@
         </p:nvSpPr>
         <p:spPr/>
         <p:txBody>
-          <a:bodyPr/>
+          <a:bodyPr>
+            <a:normAutofit lnSpcReduction="10000"/>
+          </a:bodyPr>
           <a:lstStyle/>
           <a:p>
             <a:r>
@@ -6632,7 +6607,45 @@
           <a:p>
             <a:r>
               <a:rPr lang="en-GB" dirty="0" smtClean="0"/>
-              <a:t>Time permitting there will be some internal API refactoring to permit planned changes in future releases</a:t>
+              <a:t>Abstraction of much of the core functionality into a separate library </a:t>
+            </a:r>
+            <a:r>
+              <a:rPr lang="en-GB" dirty="0" err="1" smtClean="0"/>
+              <a:t>rdfEditor.Core</a:t>
+            </a:r>
+            <a:endParaRPr lang="en-GB" dirty="0" smtClean="0"/>
+          </a:p>
+          <a:p>
+            <a:r>
+              <a:rPr lang="en-GB" dirty="0" err="1" smtClean="0"/>
+              <a:t>WinForms</a:t>
+            </a:r>
+            <a:r>
+              <a:rPr lang="en-GB" dirty="0" smtClean="0"/>
+              <a:t> based version of </a:t>
+            </a:r>
+            <a:r>
+              <a:rPr lang="en-GB" dirty="0" err="1" smtClean="0"/>
+              <a:t>rdfEditor</a:t>
+            </a:r>
+            <a:r>
+              <a:rPr lang="en-GB" dirty="0" smtClean="0"/>
+              <a:t> using this new library</a:t>
+            </a:r>
+          </a:p>
+          <a:p>
+            <a:pPr lvl="1"/>
+            <a:r>
+              <a:rPr lang="en-GB" dirty="0" smtClean="0"/>
+              <a:t>Means </a:t>
+            </a:r>
+            <a:r>
+              <a:rPr lang="en-GB" dirty="0" err="1" smtClean="0"/>
+              <a:t>rdfEditor</a:t>
+            </a:r>
+            <a:r>
+              <a:rPr lang="en-GB" dirty="0" smtClean="0"/>
+              <a:t> is runnable on non-Windows systems</a:t>
             </a:r>
             <a:endParaRPr lang="en-GB" dirty="0"/>
           </a:p>
@@ -6656,7 +6669,7 @@
             <a:fld id="{CDAEE9B0-25E7-4C28-AF1D-B3DDCE7EBBDB}" type="datetime1">
               <a:rPr lang="en-US" smtClean="0"/>
               <a:pPr/>
-              <a:t>7/13/2011</a:t>
+              <a:t>7/15/2011</a:t>
             </a:fld>
             <a:endParaRPr lang="en-GB"/>
           </a:p>
@@ -6756,7 +6769,11 @@
           <a:p>
             <a:r>
               <a:rPr lang="en-GB" dirty="0" err="1" smtClean="0"/>
-              <a:t>SparqlGUI</a:t>
+              <a:t>rdfEditor</a:t>
+            </a:r>
+            <a:r>
+              <a:rPr lang="en-GB" dirty="0" smtClean="0"/>
+              <a:t> (2 of 2)</a:t>
             </a:r>
             <a:endParaRPr lang="en-GB" dirty="0"/>
           </a:p>
@@ -6774,37 +6791,74 @@
         </p:nvSpPr>
         <p:spPr/>
         <p:txBody>
-          <a:bodyPr/>
-          <a:lstStyle/>
-          <a:p>
-            <a:r>
-              <a:rPr lang="en-GB" dirty="0" smtClean="0"/>
-              <a:t>Support for query explanation will </a:t>
-            </a:r>
-            <a:r>
-              <a:rPr lang="en-GB" dirty="0" smtClean="0"/>
-              <a:t>be </a:t>
-            </a:r>
-            <a:r>
-              <a:rPr lang="en-GB" dirty="0" smtClean="0"/>
-              <a:t>added to the tool</a:t>
+          <a:bodyPr>
+            <a:normAutofit lnSpcReduction="10000"/>
+          </a:bodyPr>
+          <a:lstStyle/>
+          <a:p>
+            <a:r>
+              <a:rPr lang="en-GB" dirty="0" smtClean="0"/>
+              <a:t>Existing WPF version of </a:t>
+            </a:r>
+            <a:r>
+              <a:rPr lang="en-GB" dirty="0" err="1" smtClean="0"/>
+              <a:t>rdfEditor</a:t>
+            </a:r>
+            <a:r>
+              <a:rPr lang="en-GB" dirty="0" smtClean="0"/>
+              <a:t> will be refactored to use new </a:t>
+            </a:r>
+            <a:r>
+              <a:rPr lang="en-GB" dirty="0" err="1" smtClean="0"/>
+              <a:t>rdfEditor.Core</a:t>
+            </a:r>
+            <a:r>
+              <a:rPr lang="en-GB" dirty="0" smtClean="0"/>
+              <a:t> library</a:t>
+            </a:r>
+          </a:p>
+          <a:p>
+            <a:r>
+              <a:rPr lang="en-GB" dirty="0" err="1" smtClean="0"/>
+              <a:t>rdfEditor.Core</a:t>
+            </a:r>
+            <a:r>
+              <a:rPr lang="en-GB" dirty="0" smtClean="0"/>
+              <a:t> provides the following:</a:t>
             </a:r>
           </a:p>
           <a:p>
             <a:pPr lvl="1"/>
             <a:r>
               <a:rPr lang="en-GB" dirty="0" smtClean="0"/>
-              <a:t>An explain button can be used just to show the explanation trace</a:t>
+              <a:t>Cleaner and reusable shared code based between different GUI frontends</a:t>
             </a:r>
           </a:p>
           <a:p>
             <a:pPr lvl="1"/>
             <a:r>
               <a:rPr lang="en-GB" dirty="0" smtClean="0"/>
-              <a:t>A Log Explanations option has been added so explanations for all queries are added to the log file</a:t>
-            </a:r>
-          </a:p>
-          <a:p>
+              <a:t>Support for multiple document editing</a:t>
+            </a:r>
+          </a:p>
+          <a:p>
+            <a:pPr lvl="1"/>
+            <a:r>
+              <a:rPr lang="en-GB" dirty="0" smtClean="0"/>
+              <a:t>Improved support for conversion between formats</a:t>
+            </a:r>
+          </a:p>
+          <a:p>
+            <a:pPr lvl="1"/>
+            <a:r>
+              <a:rPr lang="en-GB" dirty="0" smtClean="0"/>
+              <a:t>Extensible plugin system</a:t>
+            </a:r>
+          </a:p>
+          <a:p>
+            <a:pPr marL="457200" lvl="1" indent="0">
+              <a:buNone/>
+            </a:pPr>
             <a:endParaRPr lang="en-GB" dirty="0"/>
           </a:p>
         </p:txBody>
@@ -6827,7 +6881,7 @@
             <a:fld id="{CDAEE9B0-25E7-4C28-AF1D-B3DDCE7EBBDB}" type="datetime1">
               <a:rPr lang="en-US" smtClean="0"/>
               <a:pPr/>
-              <a:t>7/13/2011</a:t>
+              <a:t>7/15/2011</a:t>
             </a:fld>
             <a:endParaRPr lang="en-GB"/>
           </a:p>
@@ -6883,7 +6937,7 @@
     </p:spTree>
     <p:extLst>
       <p:ext uri="{BB962C8B-B14F-4D97-AF65-F5344CB8AC3E}">
-        <p14:creationId xmlns:p14="http://schemas.microsoft.com/office/powerpoint/2010/main" val="1473382163"/>
+        <p14:creationId xmlns:p14="http://schemas.microsoft.com/office/powerpoint/2010/main" val="1906835178"/>
       </p:ext>
     </p:extLst>
   </p:cSld>
@@ -6927,7 +6981,7 @@
           <a:p>
             <a:r>
               <a:rPr lang="en-GB" dirty="0" err="1" smtClean="0"/>
-              <a:t>StoreManager</a:t>
+              <a:t>SparqlGUI</a:t>
             </a:r>
             <a:endParaRPr lang="en-GB" dirty="0"/>
           </a:p>
@@ -6945,73 +6999,30 @@
         </p:nvSpPr>
         <p:spPr/>
         <p:txBody>
-          <a:bodyPr>
-            <a:normAutofit lnSpcReduction="10000"/>
-          </a:bodyPr>
-          <a:lstStyle/>
-          <a:p>
-            <a:r>
-              <a:rPr lang="en-GB" dirty="0" smtClean="0"/>
-              <a:t>Support for new stores</a:t>
+          <a:bodyPr/>
+          <a:lstStyle/>
+          <a:p>
+            <a:r>
+              <a:rPr lang="en-GB" dirty="0" smtClean="0"/>
+              <a:t>Support for query explanation will be added to the tool</a:t>
             </a:r>
           </a:p>
           <a:p>
             <a:pPr lvl="1"/>
             <a:r>
               <a:rPr lang="en-GB" dirty="0" smtClean="0"/>
-              <a:t>ADO </a:t>
-            </a:r>
-            <a:r>
-              <a:rPr lang="en-GB" dirty="0" smtClean="0"/>
-              <a:t>Store (MS SQL) </a:t>
-            </a:r>
-            <a:r>
-              <a:rPr lang="en-GB" dirty="0" smtClean="0"/>
-              <a:t>and </a:t>
-            </a:r>
-            <a:r>
-              <a:rPr lang="en-GB" dirty="0" err="1" smtClean="0"/>
-              <a:t>Dydra</a:t>
-            </a:r>
-            <a:endParaRPr lang="en-GB" dirty="0" smtClean="0"/>
-          </a:p>
-          <a:p>
-            <a:r>
-              <a:rPr lang="en-GB" dirty="0" smtClean="0"/>
-              <a:t>Improved </a:t>
-            </a:r>
-            <a:r>
-              <a:rPr lang="en-GB" dirty="0" err="1" smtClean="0"/>
-              <a:t>AllegroGraph</a:t>
-            </a:r>
-            <a:r>
-              <a:rPr lang="en-GB" dirty="0" smtClean="0"/>
-              <a:t> 4.x support</a:t>
-            </a:r>
-          </a:p>
-          <a:p>
-            <a:r>
-              <a:rPr lang="en-GB" dirty="0" smtClean="0"/>
-              <a:t>Will use the handler subsystem extensions in the core library to:</a:t>
+              <a:t>An explain button can be used just to show the explanation trace</a:t>
             </a:r>
           </a:p>
           <a:p>
             <a:pPr lvl="1"/>
             <a:r>
-              <a:rPr lang="en-GB" dirty="0"/>
-              <a:t>I</a:t>
-            </a:r>
-            <a:r>
-              <a:rPr lang="en-GB" dirty="0" smtClean="0"/>
-              <a:t>mprove export speed when possible</a:t>
-            </a:r>
-          </a:p>
-          <a:p>
-            <a:pPr lvl="1"/>
-            <a:r>
-              <a:rPr lang="en-GB" dirty="0" smtClean="0"/>
-              <a:t>Provide a preview graph function which returns the first 100 triples of a graph</a:t>
-            </a:r>
+              <a:rPr lang="en-GB" dirty="0" smtClean="0"/>
+              <a:t>A Log Explanations option has been added so explanations for all queries are added to the log file</a:t>
+            </a:r>
+          </a:p>
+          <a:p>
+            <a:endParaRPr lang="en-GB" dirty="0"/>
           </a:p>
         </p:txBody>
       </p:sp>
@@ -7033,7 +7044,7 @@
             <a:fld id="{CDAEE9B0-25E7-4C28-AF1D-B3DDCE7EBBDB}" type="datetime1">
               <a:rPr lang="en-US" smtClean="0"/>
               <a:pPr/>
-              <a:t>7/13/2011</a:t>
+              <a:t>7/15/2011</a:t>
             </a:fld>
             <a:endParaRPr lang="en-GB"/>
           </a:p>
@@ -7089,7 +7100,7 @@
     </p:spTree>
     <p:extLst>
       <p:ext uri="{BB962C8B-B14F-4D97-AF65-F5344CB8AC3E}">
-        <p14:creationId xmlns:p14="http://schemas.microsoft.com/office/powerpoint/2010/main" val="370317736"/>
+        <p14:creationId xmlns:p14="http://schemas.microsoft.com/office/powerpoint/2010/main" val="1473382163"/>
       </p:ext>
     </p:extLst>
   </p:cSld>
@@ -7227,7 +7238,7 @@
             <a:fld id="{CDAEE9B0-25E7-4C28-AF1D-B3DDCE7EBBDB}" type="datetime1">
               <a:rPr lang="en-US" smtClean="0"/>
               <a:pPr/>
-              <a:t>7/13/2011</a:t>
+              <a:t>7/15/2011</a:t>
             </a:fld>
             <a:endParaRPr lang="en-GB"/>
           </a:p>
@@ -7326,8 +7337,8 @@
           <a:lstStyle/>
           <a:p>
             <a:r>
-              <a:rPr lang="en-GB" dirty="0" smtClean="0"/>
-              <a:t>Architecture Roadmap</a:t>
+              <a:rPr lang="en-GB" dirty="0" err="1" smtClean="0"/>
+              <a:t>StoreManager</a:t>
             </a:r>
             <a:endParaRPr lang="en-GB" dirty="0"/>
           </a:p>
@@ -7335,7 +7346,81 @@
       </p:sp>
       <p:sp>
         <p:nvSpPr>
-          <p:cNvPr id="3" name="Date Placeholder 2"/>
+          <p:cNvPr id="3" name="Content Placeholder 2"/>
+          <p:cNvSpPr>
+            <a:spLocks noGrp="1"/>
+          </p:cNvSpPr>
+          <p:nvPr>
+            <p:ph idx="1"/>
+          </p:nvPr>
+        </p:nvSpPr>
+        <p:spPr/>
+        <p:txBody>
+          <a:bodyPr>
+            <a:normAutofit lnSpcReduction="10000"/>
+          </a:bodyPr>
+          <a:lstStyle/>
+          <a:p>
+            <a:r>
+              <a:rPr lang="en-GB" dirty="0" smtClean="0"/>
+              <a:t>Support for new stores</a:t>
+            </a:r>
+          </a:p>
+          <a:p>
+            <a:pPr lvl="1"/>
+            <a:r>
+              <a:rPr lang="en-GB" dirty="0" smtClean="0"/>
+              <a:t>ADO Store (MS SQL) and </a:t>
+            </a:r>
+            <a:r>
+              <a:rPr lang="en-GB" dirty="0" err="1" smtClean="0"/>
+              <a:t>Dydra</a:t>
+            </a:r>
+            <a:endParaRPr lang="en-GB" dirty="0" smtClean="0"/>
+          </a:p>
+          <a:p>
+            <a:r>
+              <a:rPr lang="en-GB" dirty="0" smtClean="0"/>
+              <a:t>Improved </a:t>
+            </a:r>
+            <a:r>
+              <a:rPr lang="en-GB" dirty="0" err="1" smtClean="0"/>
+              <a:t>AllegroGraph</a:t>
+            </a:r>
+            <a:r>
+              <a:rPr lang="en-GB" dirty="0" smtClean="0"/>
+              <a:t> 4.x support</a:t>
+            </a:r>
+          </a:p>
+          <a:p>
+            <a:r>
+              <a:rPr lang="en-GB" dirty="0" smtClean="0"/>
+              <a:t>Will use the handler subsystem extensions in the core library to:</a:t>
+            </a:r>
+          </a:p>
+          <a:p>
+            <a:pPr lvl="1"/>
+            <a:r>
+              <a:rPr lang="en-GB" dirty="0"/>
+              <a:t>I</a:t>
+            </a:r>
+            <a:r>
+              <a:rPr lang="en-GB" dirty="0" smtClean="0"/>
+              <a:t>mprove export speed when possible</a:t>
+            </a:r>
+          </a:p>
+          <a:p>
+            <a:pPr lvl="1"/>
+            <a:r>
+              <a:rPr lang="en-GB" dirty="0" smtClean="0"/>
+              <a:t>Provide a preview graph function which returns the first 100 triples of a graph</a:t>
+            </a:r>
+          </a:p>
+        </p:txBody>
+      </p:sp>
+      <p:sp>
+        <p:nvSpPr>
+          <p:cNvPr id="4" name="Date Placeholder 3"/>
           <p:cNvSpPr>
             <a:spLocks noGrp="1"/>
           </p:cNvSpPr>
@@ -7348,10 +7433,10 @@
           <a:bodyPr/>
           <a:lstStyle/>
           <a:p>
-            <a:fld id="{EA5D455B-ECD0-44E3-BA0C-3649A3FCD15C}" type="datetime1">
+            <a:fld id="{CDAEE9B0-25E7-4C28-AF1D-B3DDCE7EBBDB}" type="datetime1">
               <a:rPr lang="en-US" smtClean="0"/>
               <a:pPr/>
-              <a:t>7/13/2011</a:t>
+              <a:t>7/15/2011</a:t>
             </a:fld>
             <a:endParaRPr lang="en-GB"/>
           </a:p>
@@ -7359,7 +7444,7 @@
       </p:sp>
       <p:sp>
         <p:nvSpPr>
-          <p:cNvPr id="4" name="Footer Placeholder 3"/>
+          <p:cNvPr id="5" name="Footer Placeholder 4"/>
           <p:cNvSpPr>
             <a:spLocks noGrp="1"/>
           </p:cNvSpPr>
@@ -7382,7 +7467,7 @@
       </p:sp>
       <p:sp>
         <p:nvSpPr>
-          <p:cNvPr id="5" name="Slide Number Placeholder 4"/>
+          <p:cNvPr id="6" name="Slide Number Placeholder 5"/>
           <p:cNvSpPr>
             <a:spLocks noGrp="1"/>
           </p:cNvSpPr>
@@ -7407,7 +7492,7 @@
     </p:spTree>
     <p:extLst>
       <p:ext uri="{BB962C8B-B14F-4D97-AF65-F5344CB8AC3E}">
-        <p14:creationId xmlns:p14="http://schemas.microsoft.com/office/powerpoint/2010/main" val="106888204"/>
+        <p14:creationId xmlns:p14="http://schemas.microsoft.com/office/powerpoint/2010/main" val="370317736"/>
       </p:ext>
     </p:extLst>
   </p:cSld>
@@ -7436,7 +7521,7 @@
       </p:grpSpPr>
       <p:sp>
         <p:nvSpPr>
-          <p:cNvPr id="6" name="Title 5"/>
+          <p:cNvPr id="2" name="Title 1"/>
           <p:cNvSpPr>
             <a:spLocks noGrp="1"/>
           </p:cNvSpPr>
@@ -7451,50 +7536,9 @@
           <a:p>
             <a:r>
               <a:rPr lang="en-GB" dirty="0" smtClean="0"/>
-              <a:t>Current Architecture</a:t>
+              <a:t>Architecture Roadmap</a:t>
             </a:r>
             <a:endParaRPr lang="en-GB" dirty="0"/>
-          </a:p>
-        </p:txBody>
-      </p:sp>
-      <p:sp>
-        <p:nvSpPr>
-          <p:cNvPr id="7" name="Content Placeholder 6"/>
-          <p:cNvSpPr>
-            <a:spLocks noGrp="1"/>
-          </p:cNvSpPr>
-          <p:nvPr>
-            <p:ph idx="1"/>
-          </p:nvPr>
-        </p:nvSpPr>
-        <p:spPr/>
-        <p:txBody>
-          <a:bodyPr/>
-          <a:lstStyle/>
-          <a:p>
-            <a:r>
-              <a:rPr lang="en-GB" dirty="0" smtClean="0"/>
-              <a:t>Currently the core library is a single library which is not ideal </a:t>
-            </a:r>
-            <a:r>
-              <a:rPr lang="en-GB" dirty="0" smtClean="0"/>
-              <a:t>design going forward</a:t>
-            </a:r>
-            <a:endParaRPr lang="en-GB" dirty="0" smtClean="0"/>
-          </a:p>
-          <a:p>
-            <a:r>
-              <a:rPr lang="en-GB" dirty="0" smtClean="0"/>
-              <a:t>Some features already reside in external libraries e.g. </a:t>
-            </a:r>
-            <a:r>
-              <a:rPr lang="en-GB" dirty="0" err="1" smtClean="0"/>
-              <a:t>dotNetRDF.WinForms</a:t>
-            </a:r>
-            <a:r>
-              <a:rPr lang="en-GB" dirty="0" smtClean="0"/>
-              <a:t> provides common functionality for Windows Forms GUIs</a:t>
-            </a:r>
           </a:p>
         </p:txBody>
       </p:sp>
@@ -7516,7 +7560,7 @@
             <a:fld id="{EA5D455B-ECD0-44E3-BA0C-3649A3FCD15C}" type="datetime1">
               <a:rPr lang="en-US" smtClean="0"/>
               <a:pPr/>
-              <a:t>7/13/2011</a:t>
+              <a:t>7/15/2011</a:t>
             </a:fld>
             <a:endParaRPr lang="en-GB"/>
           </a:p>
@@ -7572,7 +7616,7 @@
     </p:spTree>
     <p:extLst>
       <p:ext uri="{BB962C8B-B14F-4D97-AF65-F5344CB8AC3E}">
-        <p14:creationId xmlns:p14="http://schemas.microsoft.com/office/powerpoint/2010/main" val="1934465878"/>
+        <p14:creationId xmlns:p14="http://schemas.microsoft.com/office/powerpoint/2010/main" val="106888204"/>
       </p:ext>
     </p:extLst>
   </p:cSld>
@@ -7601,7 +7645,7 @@
       </p:grpSpPr>
       <p:sp>
         <p:nvSpPr>
-          <p:cNvPr id="2" name="Title 1"/>
+          <p:cNvPr id="6" name="Title 5"/>
           <p:cNvSpPr>
             <a:spLocks noGrp="1"/>
           </p:cNvSpPr>
@@ -7616,7 +7660,7 @@
           <a:p>
             <a:r>
               <a:rPr lang="en-GB" dirty="0" smtClean="0"/>
-              <a:t>Proposed Architecture</a:t>
+              <a:t>Current Architecture</a:t>
             </a:r>
             <a:endParaRPr lang="en-GB" dirty="0"/>
           </a:p>
@@ -7624,7 +7668,7 @@
       </p:sp>
       <p:sp>
         <p:nvSpPr>
-          <p:cNvPr id="3" name="Content Placeholder 2"/>
+          <p:cNvPr id="7" name="Content Placeholder 6"/>
           <p:cNvSpPr>
             <a:spLocks noGrp="1"/>
           </p:cNvSpPr>
@@ -7634,64 +7678,33 @@
         </p:nvSpPr>
         <p:spPr/>
         <p:txBody>
-          <a:bodyPr>
-            <a:normAutofit fontScale="92500" lnSpcReduction="20000"/>
-          </a:bodyPr>
-          <a:lstStyle/>
-          <a:p>
-            <a:r>
-              <a:rPr lang="en-GB" dirty="0" smtClean="0"/>
-              <a:t>As new features are added it should be considered carefully whether they are really core features</a:t>
-            </a:r>
-          </a:p>
-          <a:p>
-            <a:pPr lvl="1"/>
-            <a:r>
-              <a:rPr lang="en-GB" dirty="0" smtClean="0"/>
-              <a:t>Core Features should stay in the core library</a:t>
-            </a:r>
-          </a:p>
-          <a:p>
-            <a:pPr lvl="1"/>
-            <a:r>
-              <a:rPr lang="en-GB" dirty="0" smtClean="0"/>
-              <a:t>Non-core features should go into </a:t>
-            </a:r>
-            <a:r>
-              <a:rPr lang="en-GB" dirty="0" smtClean="0"/>
-              <a:t>dedicated</a:t>
-            </a:r>
-            <a:r>
-              <a:rPr lang="en-GB" dirty="0" smtClean="0"/>
-              <a:t> </a:t>
-            </a:r>
-            <a:r>
-              <a:rPr lang="en-GB" dirty="0" smtClean="0"/>
-              <a:t>libraries</a:t>
-            </a:r>
-          </a:p>
-          <a:p>
-            <a:r>
-              <a:rPr lang="en-GB" dirty="0" smtClean="0"/>
-              <a:t>This will help to stop dependency bloat as new features are </a:t>
-            </a:r>
-            <a:r>
-              <a:rPr lang="en-GB" dirty="0" smtClean="0"/>
-              <a:t>added</a:t>
-            </a:r>
-          </a:p>
-          <a:p>
-            <a:r>
-              <a:rPr lang="en-GB" dirty="0" smtClean="0"/>
-              <a:t>Also improves maintainability of code and features</a:t>
-            </a:r>
-            <a:endParaRPr lang="en-GB" dirty="0"/>
-          </a:p>
-        </p:txBody>
-      </p:sp>
-      <p:sp>
-        <p:nvSpPr>
-          <p:cNvPr id="4" name="Date Placeholder 3"/>
+          <a:bodyPr/>
+          <a:lstStyle/>
+          <a:p>
+            <a:r>
+              <a:rPr lang="en-GB" dirty="0" smtClean="0"/>
+              <a:t>Currently the core library is a single library which is not ideal design going forward</a:t>
+            </a:r>
+          </a:p>
+          <a:p>
+            <a:r>
+              <a:rPr lang="en-GB" dirty="0" smtClean="0"/>
+              <a:t>Some features already reside in external libraries e.g. </a:t>
+            </a:r>
+            <a:r>
+              <a:rPr lang="en-GB" dirty="0" err="1" smtClean="0"/>
+              <a:t>dotNetRDF.WinForms</a:t>
+            </a:r>
+            <a:r>
+              <a:rPr lang="en-GB" dirty="0" smtClean="0"/>
+              <a:t> provides common functionality for Windows Forms GUIs</a:t>
+            </a:r>
+          </a:p>
+        </p:txBody>
+      </p:sp>
+      <p:sp>
+        <p:nvSpPr>
+          <p:cNvPr id="3" name="Date Placeholder 2"/>
           <p:cNvSpPr>
             <a:spLocks noGrp="1"/>
           </p:cNvSpPr>
@@ -7704,10 +7717,10 @@
           <a:bodyPr/>
           <a:lstStyle/>
           <a:p>
-            <a:fld id="{CDAEE9B0-25E7-4C28-AF1D-B3DDCE7EBBDB}" type="datetime1">
+            <a:fld id="{EA5D455B-ECD0-44E3-BA0C-3649A3FCD15C}" type="datetime1">
               <a:rPr lang="en-US" smtClean="0"/>
               <a:pPr/>
-              <a:t>7/13/2011</a:t>
+              <a:t>7/15/2011</a:t>
             </a:fld>
             <a:endParaRPr lang="en-GB"/>
           </a:p>
@@ -7715,7 +7728,7 @@
       </p:sp>
       <p:sp>
         <p:nvSpPr>
-          <p:cNvPr id="5" name="Footer Placeholder 4"/>
+          <p:cNvPr id="4" name="Footer Placeholder 3"/>
           <p:cNvSpPr>
             <a:spLocks noGrp="1"/>
           </p:cNvSpPr>
@@ -7738,7 +7751,7 @@
       </p:sp>
       <p:sp>
         <p:nvSpPr>
-          <p:cNvPr id="6" name="Slide Number Placeholder 5"/>
+          <p:cNvPr id="5" name="Slide Number Placeholder 4"/>
           <p:cNvSpPr>
             <a:spLocks noGrp="1"/>
           </p:cNvSpPr>
@@ -7763,7 +7776,7 @@
     </p:spTree>
     <p:extLst>
       <p:ext uri="{BB962C8B-B14F-4D97-AF65-F5344CB8AC3E}">
-        <p14:creationId xmlns:p14="http://schemas.microsoft.com/office/powerpoint/2010/main" val="3933745380"/>
+        <p14:creationId xmlns:p14="http://schemas.microsoft.com/office/powerpoint/2010/main" val="1934465878"/>
       </p:ext>
     </p:extLst>
   </p:cSld>
@@ -7807,7 +7820,7 @@
           <a:p>
             <a:r>
               <a:rPr lang="en-GB" dirty="0" smtClean="0"/>
-              <a:t>What constitutes a Core Feature?</a:t>
+              <a:t>Proposed Architecture</a:t>
             </a:r>
             <a:endParaRPr lang="en-GB" dirty="0"/>
           </a:p>
@@ -7826,61 +7839,39 @@
         <p:spPr/>
         <p:txBody>
           <a:bodyPr>
-            <a:normAutofit fontScale="85000" lnSpcReduction="20000"/>
+            <a:normAutofit fontScale="92500" lnSpcReduction="20000"/>
           </a:bodyPr>
           <a:lstStyle/>
           <a:p>
             <a:r>
               <a:rPr lang="en-GB" dirty="0" smtClean="0"/>
-              <a:t>Core Features:</a:t>
+              <a:t>As new features are added it should be considered carefully whether they are really core features</a:t>
             </a:r>
           </a:p>
           <a:p>
             <a:pPr lvl="1"/>
             <a:r>
               <a:rPr lang="en-GB" dirty="0" smtClean="0"/>
-              <a:t>Adds to/improve capability of a specific subsystem</a:t>
+              <a:t>Core Features should stay in the core library</a:t>
             </a:r>
           </a:p>
           <a:p>
             <a:pPr lvl="1"/>
             <a:r>
               <a:rPr lang="en-GB" dirty="0" smtClean="0"/>
-              <a:t>Unless providing major new capabilities which are highly desirable to all users they should not constitute an entirely new subsystem</a:t>
-            </a:r>
-          </a:p>
-          <a:p>
-            <a:pPr lvl="1"/>
-            <a:r>
-              <a:rPr lang="en-GB" dirty="0" smtClean="0"/>
-              <a:t>Does not require additional dependencies</a:t>
-            </a:r>
-          </a:p>
-          <a:p>
-            <a:r>
-              <a:rPr lang="en-GB" dirty="0" smtClean="0"/>
-              <a:t>Non Core Features:</a:t>
-            </a:r>
-          </a:p>
-          <a:p>
-            <a:pPr lvl="1"/>
-            <a:r>
-              <a:rPr lang="en-GB" dirty="0" smtClean="0"/>
-              <a:t>Provides an entirely new subsystem</a:t>
-            </a:r>
-          </a:p>
-          <a:p>
-            <a:pPr lvl="1"/>
-            <a:r>
-              <a:rPr lang="en-GB" dirty="0" smtClean="0"/>
-              <a:t>Is only of interest to part of the user base</a:t>
-            </a:r>
-          </a:p>
-          <a:p>
-            <a:pPr lvl="1"/>
-            <a:r>
-              <a:rPr lang="en-GB" dirty="0" smtClean="0"/>
-              <a:t>Introduce new dependencies</a:t>
+              <a:t>Non-core features should go into dedicated libraries</a:t>
+            </a:r>
+          </a:p>
+          <a:p>
+            <a:r>
+              <a:rPr lang="en-GB" dirty="0" smtClean="0"/>
+              <a:t>This will help to stop dependency bloat as new features are added</a:t>
+            </a:r>
+          </a:p>
+          <a:p>
+            <a:r>
+              <a:rPr lang="en-GB" dirty="0" smtClean="0"/>
+              <a:t>Also improves maintainability of code and features</a:t>
             </a:r>
             <a:endParaRPr lang="en-GB" dirty="0"/>
           </a:p>
@@ -7904,7 +7895,7 @@
             <a:fld id="{CDAEE9B0-25E7-4C28-AF1D-B3DDCE7EBBDB}" type="datetime1">
               <a:rPr lang="en-US" smtClean="0"/>
               <a:pPr/>
-              <a:t>7/13/2011</a:t>
+              <a:t>7/15/2011</a:t>
             </a:fld>
             <a:endParaRPr lang="en-GB"/>
           </a:p>
@@ -7960,7 +7951,7 @@
     </p:spTree>
     <p:extLst>
       <p:ext uri="{BB962C8B-B14F-4D97-AF65-F5344CB8AC3E}">
-        <p14:creationId xmlns:p14="http://schemas.microsoft.com/office/powerpoint/2010/main" val="4089701815"/>
+        <p14:creationId xmlns:p14="http://schemas.microsoft.com/office/powerpoint/2010/main" val="3933745380"/>
       </p:ext>
     </p:extLst>
   </p:cSld>
@@ -8004,7 +7995,7 @@
           <a:p>
             <a:r>
               <a:rPr lang="en-GB" dirty="0" smtClean="0"/>
-              <a:t>Proposed Architecture in practise (1 of 2)</a:t>
+              <a:t>What constitutes a Core Feature?</a:t>
             </a:r>
             <a:endParaRPr lang="en-GB" dirty="0"/>
           </a:p>
@@ -8023,33 +8014,61 @@
         <p:spPr/>
         <p:txBody>
           <a:bodyPr>
-            <a:normAutofit fontScale="92500"/>
+            <a:normAutofit fontScale="85000" lnSpcReduction="20000"/>
           </a:bodyPr>
           <a:lstStyle/>
           <a:p>
             <a:r>
               <a:rPr lang="en-GB" dirty="0" smtClean="0"/>
-              <a:t>It is proposed that the new ADO Store be packaged in a separate library</a:t>
+              <a:t>Core Features:</a:t>
             </a:r>
           </a:p>
           <a:p>
             <a:pPr lvl="1"/>
             <a:r>
               <a:rPr lang="en-GB" dirty="0" smtClean="0"/>
-              <a:t>Will reduce the need for dependencies in the core library</a:t>
+              <a:t>Adds to/improve capability of a specific subsystem</a:t>
             </a:r>
           </a:p>
           <a:p>
             <a:pPr lvl="1"/>
             <a:r>
               <a:rPr lang="en-GB" dirty="0" smtClean="0"/>
-              <a:t>Allows additional implementations other than MSSQL to be added in future with their dependencies</a:t>
-            </a:r>
-          </a:p>
-          <a:p>
-            <a:r>
-              <a:rPr lang="en-GB" dirty="0" smtClean="0"/>
-              <a:t>Make it easier to maintain and those who don’t need the features get a smaller library footprint</a:t>
+              <a:t>Unless providing major new capabilities which are highly desirable to all users they should not constitute an entirely new subsystem</a:t>
+            </a:r>
+          </a:p>
+          <a:p>
+            <a:pPr lvl="1"/>
+            <a:r>
+              <a:rPr lang="en-GB" dirty="0" smtClean="0"/>
+              <a:t>Does not require additional dependencies</a:t>
+            </a:r>
+          </a:p>
+          <a:p>
+            <a:r>
+              <a:rPr lang="en-GB" dirty="0" smtClean="0"/>
+              <a:t>Non Core Features:</a:t>
+            </a:r>
+          </a:p>
+          <a:p>
+            <a:pPr lvl="1"/>
+            <a:r>
+              <a:rPr lang="en-GB" dirty="0" smtClean="0"/>
+              <a:t>Provides an entirely new subsystem</a:t>
+            </a:r>
+          </a:p>
+          <a:p>
+            <a:pPr lvl="1"/>
+            <a:r>
+              <a:rPr lang="en-GB" dirty="0" smtClean="0"/>
+              <a:t>Is only of interest to part of the user base</a:t>
+            </a:r>
+          </a:p>
+          <a:p>
+            <a:pPr lvl="1"/>
+            <a:r>
+              <a:rPr lang="en-GB" dirty="0" smtClean="0"/>
+              <a:t>Introduce new dependencies</a:t>
             </a:r>
             <a:endParaRPr lang="en-GB" dirty="0"/>
           </a:p>
@@ -8073,7 +8092,7 @@
             <a:fld id="{CDAEE9B0-25E7-4C28-AF1D-B3DDCE7EBBDB}" type="datetime1">
               <a:rPr lang="en-US" smtClean="0"/>
               <a:pPr/>
-              <a:t>7/13/2011</a:t>
+              <a:t>7/15/2011</a:t>
             </a:fld>
             <a:endParaRPr lang="en-GB"/>
           </a:p>
@@ -8129,7 +8148,7 @@
     </p:spTree>
     <p:extLst>
       <p:ext uri="{BB962C8B-B14F-4D97-AF65-F5344CB8AC3E}">
-        <p14:creationId xmlns:p14="http://schemas.microsoft.com/office/powerpoint/2010/main" val="1078110969"/>
+        <p14:creationId xmlns:p14="http://schemas.microsoft.com/office/powerpoint/2010/main" val="4089701815"/>
       </p:ext>
     </p:extLst>
   </p:cSld>
@@ -8173,7 +8192,7 @@
           <a:p>
             <a:r>
               <a:rPr lang="en-GB" dirty="0" smtClean="0"/>
-              <a:t>Proposed Architecture in practise (2 of 2)</a:t>
+              <a:t>Proposed Architecture in practise (1 of 2)</a:t>
             </a:r>
             <a:endParaRPr lang="en-GB" dirty="0"/>
           </a:p>
@@ -8191,19 +8210,34 @@
         </p:nvSpPr>
         <p:spPr/>
         <p:txBody>
-          <a:bodyPr/>
-          <a:lstStyle/>
-          <a:p>
-            <a:r>
-              <a:rPr lang="en-GB" dirty="0" smtClean="0"/>
-              <a:t>Virtuoso support will be separated out into it’s own library</a:t>
+          <a:bodyPr>
+            <a:normAutofit fontScale="92500"/>
+          </a:bodyPr>
+          <a:lstStyle/>
+          <a:p>
+            <a:r>
+              <a:rPr lang="en-GB" dirty="0" smtClean="0"/>
+              <a:t>It is proposed that the new ADO Store be packaged in a separate library</a:t>
             </a:r>
           </a:p>
           <a:p>
             <a:pPr lvl="1"/>
             <a:r>
               <a:rPr lang="en-GB" dirty="0" smtClean="0"/>
-              <a:t>Desirable since Virtuoso support represents only a couple of classes in the API but introduces an entire DLL as a dependency</a:t>
+              <a:t>Will reduce the need for dependencies in the core library</a:t>
+            </a:r>
+          </a:p>
+          <a:p>
+            <a:pPr lvl="1"/>
+            <a:r>
+              <a:rPr lang="en-GB" dirty="0" smtClean="0"/>
+              <a:t>Allows additional implementations other than MSSQL to be added in future with their dependencies</a:t>
+            </a:r>
+          </a:p>
+          <a:p>
+            <a:r>
+              <a:rPr lang="en-GB" dirty="0" smtClean="0"/>
+              <a:t>Make it easier to maintain and those who don’t need the features get a smaller library footprint</a:t>
             </a:r>
             <a:endParaRPr lang="en-GB" dirty="0"/>
           </a:p>
@@ -8227,7 +8261,7 @@
             <a:fld id="{CDAEE9B0-25E7-4C28-AF1D-B3DDCE7EBBDB}" type="datetime1">
               <a:rPr lang="en-US" smtClean="0"/>
               <a:pPr/>
-              <a:t>7/13/2011</a:t>
+              <a:t>7/15/2011</a:t>
             </a:fld>
             <a:endParaRPr lang="en-GB"/>
           </a:p>
@@ -8283,7 +8317,7 @@
     </p:spTree>
     <p:extLst>
       <p:ext uri="{BB962C8B-B14F-4D97-AF65-F5344CB8AC3E}">
-        <p14:creationId xmlns:p14="http://schemas.microsoft.com/office/powerpoint/2010/main" val="3038176013"/>
+        <p14:creationId xmlns:p14="http://schemas.microsoft.com/office/powerpoint/2010/main" val="1078110969"/>
       </p:ext>
     </p:extLst>
   </p:cSld>
@@ -8327,7 +8361,7 @@
           <a:p>
             <a:r>
               <a:rPr lang="en-GB" dirty="0" smtClean="0"/>
-              <a:t>Library Naming Conventions</a:t>
+              <a:t>Proposed Architecture in practise (2 of 2)</a:t>
             </a:r>
             <a:endParaRPr lang="en-GB" dirty="0"/>
           </a:p>
@@ -8345,79 +8379,21 @@
         </p:nvSpPr>
         <p:spPr/>
         <p:txBody>
-          <a:bodyPr>
-            <a:normAutofit fontScale="85000" lnSpcReduction="20000"/>
-          </a:bodyPr>
-          <a:lstStyle/>
-          <a:p>
-            <a:r>
-              <a:rPr lang="en-GB" dirty="0" smtClean="0"/>
-              <a:t>Names should all be prefixed with </a:t>
-            </a:r>
-            <a:r>
-              <a:rPr lang="en-GB" dirty="0" err="1" smtClean="0"/>
-              <a:t>dotNetRDF</a:t>
-            </a:r>
-            <a:r>
-              <a:rPr lang="en-GB" dirty="0" smtClean="0"/>
-              <a:t>.</a:t>
-            </a:r>
-          </a:p>
-          <a:p>
-            <a:r>
-              <a:rPr lang="en-GB" dirty="0" smtClean="0"/>
-              <a:t>Name should be descriptive, not necessarily </a:t>
-            </a:r>
-            <a:r>
-              <a:rPr lang="en-GB" dirty="0" smtClean="0"/>
-              <a:t>aligned with</a:t>
-            </a:r>
-            <a:r>
-              <a:rPr lang="en-GB" dirty="0" smtClean="0"/>
-              <a:t> </a:t>
-            </a:r>
-            <a:r>
-              <a:rPr lang="en-GB" dirty="0" smtClean="0"/>
-              <a:t>the root namespace</a:t>
+          <a:bodyPr/>
+          <a:lstStyle/>
+          <a:p>
+            <a:r>
+              <a:rPr lang="en-GB" dirty="0" smtClean="0"/>
+              <a:t>Virtuoso support will be separated out into it’s own library</a:t>
             </a:r>
           </a:p>
           <a:p>
             <a:pPr lvl="1"/>
             <a:r>
-              <a:rPr lang="en-GB" dirty="0" err="1" smtClean="0"/>
-              <a:t>Eg</a:t>
-            </a:r>
-            <a:r>
-              <a:rPr lang="en-GB" dirty="0" smtClean="0"/>
-              <a:t>. dotNetRDF.WinForms.dll and dotNetRDF.Data.Sql.dll</a:t>
-            </a:r>
-          </a:p>
-          <a:p>
-            <a:r>
-              <a:rPr lang="en-GB" dirty="0" smtClean="0"/>
-              <a:t>Names can be </a:t>
-            </a:r>
-            <a:r>
-              <a:rPr lang="en-GB" dirty="0" err="1" smtClean="0"/>
-              <a:t>postfixed</a:t>
-            </a:r>
-            <a:r>
-              <a:rPr lang="en-GB" dirty="0" smtClean="0"/>
-              <a:t> with platform identifier where applicable e.g. dotNetRDF.Silverlight.dll</a:t>
-            </a:r>
-          </a:p>
-          <a:p>
-            <a:r>
-              <a:rPr lang="en-GB" dirty="0" smtClean="0"/>
-              <a:t>Version Numbers need not be aligned with core library, should reflect maturity of code</a:t>
-            </a:r>
-          </a:p>
-          <a:p>
-            <a:pPr lvl="1"/>
-            <a:r>
-              <a:rPr lang="en-GB" dirty="0" smtClean="0"/>
-              <a:t>For simplicity code considered mature/split out of core library will have version numbers aligned with core library</a:t>
-            </a:r>
+              <a:rPr lang="en-GB" dirty="0" smtClean="0"/>
+              <a:t>Desirable since Virtuoso support represents only a couple of classes in the API but introduces an entire DLL as a dependency</a:t>
+            </a:r>
+            <a:endParaRPr lang="en-GB" dirty="0"/>
           </a:p>
         </p:txBody>
       </p:sp>
@@ -8439,7 +8415,7 @@
             <a:fld id="{CDAEE9B0-25E7-4C28-AF1D-B3DDCE7EBBDB}" type="datetime1">
               <a:rPr lang="en-US" smtClean="0"/>
               <a:pPr/>
-              <a:t>7/13/2011</a:t>
+              <a:t>7/15/2011</a:t>
             </a:fld>
             <a:endParaRPr lang="en-GB"/>
           </a:p>
@@ -8495,7 +8471,7 @@
     </p:spTree>
     <p:extLst>
       <p:ext uri="{BB962C8B-B14F-4D97-AF65-F5344CB8AC3E}">
-        <p14:creationId xmlns:p14="http://schemas.microsoft.com/office/powerpoint/2010/main" val="687733986"/>
+        <p14:creationId xmlns:p14="http://schemas.microsoft.com/office/powerpoint/2010/main" val="3038176013"/>
       </p:ext>
     </p:extLst>
   </p:cSld>
@@ -8539,7 +8515,7 @@
           <a:p>
             <a:r>
               <a:rPr lang="en-GB" dirty="0" smtClean="0"/>
-              <a:t>Proposed Libraries for 0.5.0 Release</a:t>
+              <a:t>Library Naming Conventions</a:t>
             </a:r>
             <a:endParaRPr lang="en-GB" dirty="0"/>
           </a:p>
@@ -8557,39 +8533,67 @@
         </p:nvSpPr>
         <p:spPr/>
         <p:txBody>
-          <a:bodyPr/>
-          <a:lstStyle/>
-          <a:p>
-            <a:r>
-              <a:rPr lang="en-GB" dirty="0" smtClean="0"/>
-              <a:t>Core Library – dotNetRDF.dll</a:t>
+          <a:bodyPr>
+            <a:normAutofit fontScale="85000" lnSpcReduction="20000"/>
+          </a:bodyPr>
+          <a:lstStyle/>
+          <a:p>
+            <a:r>
+              <a:rPr lang="en-GB" dirty="0" smtClean="0"/>
+              <a:t>Names should all be prefixed with </a:t>
+            </a:r>
+            <a:r>
+              <a:rPr lang="en-GB" dirty="0" err="1" smtClean="0"/>
+              <a:t>dotNetRDF</a:t>
+            </a:r>
+            <a:r>
+              <a:rPr lang="en-GB" dirty="0" smtClean="0"/>
+              <a:t>.</a:t>
+            </a:r>
+          </a:p>
+          <a:p>
+            <a:r>
+              <a:rPr lang="en-GB" dirty="0" smtClean="0"/>
+              <a:t>Name should be descriptive, not necessarily aligned with the root namespace</a:t>
             </a:r>
           </a:p>
           <a:p>
             <a:pPr lvl="1"/>
             <a:r>
               <a:rPr lang="en-GB" dirty="0" err="1" smtClean="0"/>
-              <a:t>WinForms</a:t>
-            </a:r>
-            <a:r>
-              <a:rPr lang="en-GB" dirty="0" smtClean="0"/>
-              <a:t> GUI – dotNetRDF.WinForms.dll</a:t>
+              <a:t>Eg</a:t>
+            </a:r>
+            <a:r>
+              <a:rPr lang="en-GB" dirty="0" smtClean="0"/>
+              <a:t>. dotNetRDF.WinForms.dll and dotNetRDF.Data.Sql.dll</a:t>
+            </a:r>
+          </a:p>
+          <a:p>
+            <a:r>
+              <a:rPr lang="en-GB" dirty="0" smtClean="0"/>
+              <a:t>Names can be </a:t>
+            </a:r>
+            <a:r>
+              <a:rPr lang="en-GB" dirty="0" err="1" smtClean="0"/>
+              <a:t>postfixed</a:t>
+            </a:r>
+            <a:r>
+              <a:rPr lang="en-GB" dirty="0" smtClean="0"/>
+              <a:t> with platform identifier where applicable e.g. dotNetRDF.Silverlight.dll</a:t>
+            </a:r>
+          </a:p>
+          <a:p>
+            <a:r>
+              <a:rPr lang="en-GB" dirty="0" smtClean="0"/>
+              <a:t>Version Numbers need not be aligned with core library, should reflect maturity of code</a:t>
             </a:r>
           </a:p>
           <a:p>
             <a:pPr lvl="1"/>
             <a:r>
               <a:rPr lang="en-GB" dirty="0" smtClean="0"/>
-              <a:t>ADO Store – dotNetRDF.Data.Sql.dll</a:t>
-            </a:r>
-          </a:p>
-          <a:p>
-            <a:pPr lvl="1"/>
-            <a:r>
-              <a:rPr lang="en-GB" dirty="0" smtClean="0"/>
-              <a:t>Virtuoso support – dotNetRDF.Data.Virtuoso.dll</a:t>
-            </a:r>
-            <a:endParaRPr lang="en-GB" dirty="0"/>
+              <a:t>For simplicity code considered mature/split out of core library will have version numbers aligned with core library</a:t>
+            </a:r>
           </a:p>
         </p:txBody>
       </p:sp>
@@ -8611,7 +8615,7 @@
             <a:fld id="{CDAEE9B0-25E7-4C28-AF1D-B3DDCE7EBBDB}" type="datetime1">
               <a:rPr lang="en-US" smtClean="0"/>
               <a:pPr/>
-              <a:t>7/13/2011</a:t>
+              <a:t>7/15/2011</a:t>
             </a:fld>
             <a:endParaRPr lang="en-GB"/>
           </a:p>
@@ -8667,7 +8671,7 @@
     </p:spTree>
     <p:extLst>
       <p:ext uri="{BB962C8B-B14F-4D97-AF65-F5344CB8AC3E}">
-        <p14:creationId xmlns:p14="http://schemas.microsoft.com/office/powerpoint/2010/main" val="3219753914"/>
+        <p14:creationId xmlns:p14="http://schemas.microsoft.com/office/powerpoint/2010/main" val="687733986"/>
       </p:ext>
     </p:extLst>
   </p:cSld>
@@ -8711,7 +8715,7 @@
           <a:p>
             <a:r>
               <a:rPr lang="en-GB" dirty="0" smtClean="0"/>
-              <a:t>Proposed Libraries for Future Releases</a:t>
+              <a:t>Proposed Libraries for 0.5.0 Release</a:t>
             </a:r>
             <a:endParaRPr lang="en-GB" dirty="0"/>
           </a:p>
@@ -8734,51 +8738,32 @@
           <a:p>
             <a:r>
               <a:rPr lang="en-GB" dirty="0" smtClean="0"/>
-              <a:t>LINQ Provider – dotNetRDF.Linq.dll</a:t>
+              <a:t>Core Library – dotNetRDF.dll</a:t>
             </a:r>
           </a:p>
           <a:p>
             <a:pPr lvl="1"/>
             <a:r>
-              <a:rPr lang="en-GB" dirty="0" smtClean="0"/>
-              <a:t>Based on a port of </a:t>
-            </a:r>
-            <a:r>
               <a:rPr lang="en-GB" dirty="0" err="1" smtClean="0"/>
-              <a:t>Andew</a:t>
-            </a:r>
-            <a:r>
-              <a:rPr lang="en-GB" dirty="0" smtClean="0"/>
-              <a:t> Matthew’s </a:t>
-            </a:r>
-            <a:r>
-              <a:rPr lang="en-GB" dirty="0" err="1" smtClean="0"/>
-              <a:t>LinqToRdf</a:t>
-            </a:r>
-            <a:endParaRPr lang="en-GB" dirty="0" smtClean="0"/>
+              <a:t>WinForms</a:t>
+            </a:r>
+            <a:r>
+              <a:rPr lang="en-GB" dirty="0" smtClean="0"/>
+              <a:t> GUI – dotNetRDF.WinForms.dll</a:t>
+            </a:r>
           </a:p>
           <a:p>
             <a:pPr lvl="1"/>
             <a:r>
               <a:rPr lang="en-GB" dirty="0" smtClean="0"/>
-              <a:t>Persistence capability added by use of SPARQL </a:t>
-            </a:r>
-            <a:r>
-              <a:rPr lang="en-GB" dirty="0" smtClean="0"/>
-              <a:t>Update</a:t>
-            </a:r>
-          </a:p>
-          <a:p>
-            <a:r>
-              <a:rPr lang="en-GB" dirty="0" smtClean="0"/>
-              <a:t>SPIN Implementation – dotNetRDF.Spin.dll</a:t>
-            </a:r>
-            <a:endParaRPr lang="en-GB" dirty="0" smtClean="0"/>
-          </a:p>
-          <a:p>
-            <a:r>
-              <a:rPr lang="en-GB" dirty="0" smtClean="0"/>
-              <a:t>WPF GUI – dotNetRDF.Wpf.dll</a:t>
+              <a:t>ADO Store – dotNetRDF.Data.Sql.dll</a:t>
+            </a:r>
+          </a:p>
+          <a:p>
+            <a:pPr lvl="1"/>
+            <a:r>
+              <a:rPr lang="en-GB" dirty="0" smtClean="0"/>
+              <a:t>Virtuoso support – dotNetRDF.Data.Virtuoso.dll</a:t>
             </a:r>
             <a:endParaRPr lang="en-GB" dirty="0"/>
           </a:p>
@@ -8802,7 +8787,7 @@
             <a:fld id="{CDAEE9B0-25E7-4C28-AF1D-B3DDCE7EBBDB}" type="datetime1">
               <a:rPr lang="en-US" smtClean="0"/>
               <a:pPr/>
-              <a:t>7/13/2011</a:t>
+              <a:t>7/15/2011</a:t>
             </a:fld>
             <a:endParaRPr lang="en-GB"/>
           </a:p>
@@ -8858,7 +8843,7 @@
     </p:spTree>
     <p:extLst>
       <p:ext uri="{BB962C8B-B14F-4D97-AF65-F5344CB8AC3E}">
-        <p14:creationId xmlns:p14="http://schemas.microsoft.com/office/powerpoint/2010/main" val="3035919924"/>
+        <p14:creationId xmlns:p14="http://schemas.microsoft.com/office/powerpoint/2010/main" val="3219753914"/>
       </p:ext>
     </p:extLst>
   </p:cSld>
@@ -8897,14 +8882,12 @@
         </p:nvSpPr>
         <p:spPr/>
         <p:txBody>
-          <a:bodyPr>
-            <a:normAutofit/>
-          </a:bodyPr>
-          <a:lstStyle/>
-          <a:p>
-            <a:r>
-              <a:rPr lang="en-GB" dirty="0" smtClean="0"/>
-              <a:t>General Roadmap</a:t>
+          <a:bodyPr/>
+          <a:lstStyle/>
+          <a:p>
+            <a:r>
+              <a:rPr lang="en-GB" dirty="0" smtClean="0"/>
+              <a:t>Proposed Libraries for Future Releases</a:t>
             </a:r>
             <a:endParaRPr lang="en-GB" dirty="0"/>
           </a:p>
@@ -8912,7 +8895,69 @@
       </p:sp>
       <p:sp>
         <p:nvSpPr>
-          <p:cNvPr id="3" name="Date Placeholder 2"/>
+          <p:cNvPr id="3" name="Content Placeholder 2"/>
+          <p:cNvSpPr>
+            <a:spLocks noGrp="1"/>
+          </p:cNvSpPr>
+          <p:nvPr>
+            <p:ph idx="1"/>
+          </p:nvPr>
+        </p:nvSpPr>
+        <p:spPr/>
+        <p:txBody>
+          <a:bodyPr/>
+          <a:lstStyle/>
+          <a:p>
+            <a:r>
+              <a:rPr lang="en-GB" dirty="0" smtClean="0"/>
+              <a:t>LINQ Provider – dotNetRDF.Linq.dll</a:t>
+            </a:r>
+          </a:p>
+          <a:p>
+            <a:pPr lvl="1"/>
+            <a:r>
+              <a:rPr lang="en-GB" dirty="0" smtClean="0"/>
+              <a:t>Based on a port of </a:t>
+            </a:r>
+            <a:r>
+              <a:rPr lang="en-GB" dirty="0" err="1" smtClean="0"/>
+              <a:t>Andew</a:t>
+            </a:r>
+            <a:r>
+              <a:rPr lang="en-GB" dirty="0" smtClean="0"/>
+              <a:t> Matthew’s </a:t>
+            </a:r>
+            <a:r>
+              <a:rPr lang="en-GB" dirty="0" err="1" smtClean="0"/>
+              <a:t>LinqToRdf</a:t>
+            </a:r>
+            <a:endParaRPr lang="en-GB" dirty="0" smtClean="0"/>
+          </a:p>
+          <a:p>
+            <a:pPr lvl="1"/>
+            <a:r>
+              <a:rPr lang="en-GB" dirty="0" smtClean="0"/>
+              <a:t>Persistence capability added by use of SPARQL Update</a:t>
+            </a:r>
+          </a:p>
+          <a:p>
+            <a:r>
+              <a:rPr lang="en-GB" dirty="0" smtClean="0"/>
+              <a:t>SPIN Implementation – dotNetRDF.Spin.dll</a:t>
+            </a:r>
+          </a:p>
+          <a:p>
+            <a:r>
+              <a:rPr lang="en-GB" dirty="0" smtClean="0"/>
+              <a:t>WPF GUI – dotNetRDF.Wpf.dll</a:t>
+            </a:r>
+            <a:endParaRPr lang="en-GB" dirty="0"/>
+          </a:p>
+        </p:txBody>
+      </p:sp>
+      <p:sp>
+        <p:nvSpPr>
+          <p:cNvPr id="4" name="Date Placeholder 3"/>
           <p:cNvSpPr>
             <a:spLocks noGrp="1"/>
           </p:cNvSpPr>
@@ -8925,10 +8970,10 @@
           <a:bodyPr/>
           <a:lstStyle/>
           <a:p>
-            <a:fld id="{EA5D455B-ECD0-44E3-BA0C-3649A3FCD15C}" type="datetime1">
+            <a:fld id="{CDAEE9B0-25E7-4C28-AF1D-B3DDCE7EBBDB}" type="datetime1">
               <a:rPr lang="en-US" smtClean="0"/>
               <a:pPr/>
-              <a:t>7/13/2011</a:t>
+              <a:t>7/15/2011</a:t>
             </a:fld>
             <a:endParaRPr lang="en-GB"/>
           </a:p>
@@ -8936,7 +8981,7 @@
       </p:sp>
       <p:sp>
         <p:nvSpPr>
-          <p:cNvPr id="4" name="Footer Placeholder 3"/>
+          <p:cNvPr id="5" name="Footer Placeholder 4"/>
           <p:cNvSpPr>
             <a:spLocks noGrp="1"/>
           </p:cNvSpPr>
@@ -8959,7 +9004,7 @@
       </p:sp>
       <p:sp>
         <p:nvSpPr>
-          <p:cNvPr id="5" name="Slide Number Placeholder 4"/>
+          <p:cNvPr id="6" name="Slide Number Placeholder 5"/>
           <p:cNvSpPr>
             <a:spLocks noGrp="1"/>
           </p:cNvSpPr>
@@ -8984,7 +9029,7 @@
     </p:spTree>
     <p:extLst>
       <p:ext uri="{BB962C8B-B14F-4D97-AF65-F5344CB8AC3E}">
-        <p14:creationId xmlns:p14="http://schemas.microsoft.com/office/powerpoint/2010/main" val="2482877072"/>
+        <p14:creationId xmlns:p14="http://schemas.microsoft.com/office/powerpoint/2010/main" val="3035919924"/>
       </p:ext>
     </p:extLst>
   </p:cSld>
@@ -9052,7 +9097,7 @@
             <a:fld id="{EA5D455B-ECD0-44E3-BA0C-3649A3FCD15C}" type="datetime1">
               <a:rPr lang="en-US" smtClean="0"/>
               <a:pPr/>
-              <a:t>7/13/2011</a:t>
+              <a:t>7/15/2011</a:t>
             </a:fld>
             <a:endParaRPr lang="en-GB"/>
           </a:p>
@@ -9137,7 +9182,7 @@
       </p:grpSpPr>
       <p:sp>
         <p:nvSpPr>
-          <p:cNvPr id="6" name="Title 5"/>
+          <p:cNvPr id="2" name="Title 1"/>
           <p:cNvSpPr>
             <a:spLocks noGrp="1"/>
           </p:cNvSpPr>
@@ -9147,53 +9192,15 @@
         </p:nvSpPr>
         <p:spPr/>
         <p:txBody>
-          <a:bodyPr/>
-          <a:lstStyle/>
-          <a:p>
-            <a:r>
-              <a:rPr lang="en-GB" dirty="0" smtClean="0"/>
-              <a:t>Plans</a:t>
-            </a:r>
-            <a:endParaRPr lang="en-GB" dirty="0"/>
-          </a:p>
-        </p:txBody>
-      </p:sp>
-      <p:sp>
-        <p:nvSpPr>
-          <p:cNvPr id="7" name="Content Placeholder 6"/>
-          <p:cNvSpPr>
-            <a:spLocks noGrp="1"/>
-          </p:cNvSpPr>
-          <p:nvPr>
-            <p:ph idx="1"/>
-          </p:nvPr>
-        </p:nvSpPr>
-        <p:spPr/>
-        <p:txBody>
-          <a:bodyPr/>
-          <a:lstStyle/>
-          <a:p>
-            <a:r>
-              <a:rPr lang="en-GB" dirty="0" smtClean="0"/>
-              <a:t>Currently the roadmap is very loose beyond the immediate next releases (the 0.5.x series)</a:t>
-            </a:r>
-          </a:p>
-          <a:p>
-            <a:r>
-              <a:rPr lang="en-GB" dirty="0" smtClean="0"/>
-              <a:t>There are no specific plans for any release beyond 0.5.x at the moment</a:t>
-            </a:r>
-          </a:p>
-          <a:p>
-            <a:r>
-              <a:rPr lang="en-GB" dirty="0" smtClean="0"/>
-              <a:t>Ideally the roadmap from subsequent releases (0.6.x) to the 1.0 release should be driven by the community</a:t>
-            </a:r>
-          </a:p>
-          <a:p>
-            <a:pPr marL="0" indent="0">
-              <a:buNone/>
-            </a:pPr>
+          <a:bodyPr>
+            <a:normAutofit/>
+          </a:bodyPr>
+          <a:lstStyle/>
+          <a:p>
+            <a:r>
+              <a:rPr lang="en-GB" dirty="0" smtClean="0"/>
+              <a:t>General Roadmap</a:t>
+            </a:r>
             <a:endParaRPr lang="en-GB" dirty="0"/>
           </a:p>
         </p:txBody>
@@ -9216,7 +9223,7 @@
             <a:fld id="{EA5D455B-ECD0-44E3-BA0C-3649A3FCD15C}" type="datetime1">
               <a:rPr lang="en-US" smtClean="0"/>
               <a:pPr/>
-              <a:t>7/13/2011</a:t>
+              <a:t>7/15/2011</a:t>
             </a:fld>
             <a:endParaRPr lang="en-GB"/>
           </a:p>
@@ -9272,7 +9279,7 @@
     </p:spTree>
     <p:extLst>
       <p:ext uri="{BB962C8B-B14F-4D97-AF65-F5344CB8AC3E}">
-        <p14:creationId xmlns:p14="http://schemas.microsoft.com/office/powerpoint/2010/main" val="381284594"/>
+        <p14:creationId xmlns:p14="http://schemas.microsoft.com/office/powerpoint/2010/main" val="2482877072"/>
       </p:ext>
     </p:extLst>
   </p:cSld>
@@ -9301,7 +9308,7 @@
       </p:grpSpPr>
       <p:sp>
         <p:nvSpPr>
-          <p:cNvPr id="2" name="Title 1"/>
+          <p:cNvPr id="6" name="Title 5"/>
           <p:cNvSpPr>
             <a:spLocks noGrp="1"/>
           </p:cNvSpPr>
@@ -9316,7 +9323,7 @@
           <a:p>
             <a:r>
               <a:rPr lang="en-GB" dirty="0" smtClean="0"/>
-              <a:t>Community Driven Planning</a:t>
+              <a:t>Plans</a:t>
             </a:r>
             <a:endParaRPr lang="en-GB" dirty="0"/>
           </a:p>
@@ -9324,7 +9331,7 @@
       </p:sp>
       <p:sp>
         <p:nvSpPr>
-          <p:cNvPr id="3" name="Content Placeholder 2"/>
+          <p:cNvPr id="7" name="Content Placeholder 6"/>
           <p:cNvSpPr>
             <a:spLocks noGrp="1"/>
           </p:cNvSpPr>
@@ -9334,35 +9341,37 @@
         </p:nvSpPr>
         <p:spPr/>
         <p:txBody>
-          <a:bodyPr>
-            <a:normAutofit lnSpcReduction="10000"/>
-          </a:bodyPr>
-          <a:lstStyle/>
-          <a:p>
-            <a:r>
-              <a:rPr lang="en-GB" dirty="0" smtClean="0"/>
-              <a:t>For 0.6.x releases new features/improvements should be primarily driven by community request</a:t>
-            </a:r>
-          </a:p>
-          <a:p>
-            <a:pPr lvl="1"/>
-            <a:r>
-              <a:rPr lang="en-GB" dirty="0" smtClean="0"/>
-              <a:t>i.e. features will be prioritised based on community request/need/feedback</a:t>
-            </a:r>
-          </a:p>
-          <a:p>
-            <a:r>
-              <a:rPr lang="en-GB" dirty="0" smtClean="0"/>
-              <a:t>We have some possible features lined up which we will prioritise unless community suggests other features</a:t>
-            </a:r>
+          <a:bodyPr/>
+          <a:lstStyle/>
+          <a:p>
+            <a:r>
+              <a:rPr lang="en-GB" dirty="0" smtClean="0"/>
+              <a:t>Currently the roadmap is very loose beyond the immediate next releases (the 0.5.x series)</a:t>
+            </a:r>
+          </a:p>
+          <a:p>
+            <a:r>
+              <a:rPr lang="en-GB" dirty="0" smtClean="0"/>
+              <a:t>There are no specific plans for any release beyond 0.5.x at the moment</a:t>
+            </a:r>
+          </a:p>
+          <a:p>
+            <a:r>
+              <a:rPr lang="en-GB" dirty="0" smtClean="0"/>
+              <a:t>Ideally the roadmap from subsequent releases (0.6.x) to the 1.0 release should be driven by the community</a:t>
+            </a:r>
+          </a:p>
+          <a:p>
+            <a:pPr marL="0" indent="0">
+              <a:buNone/>
+            </a:pPr>
             <a:endParaRPr lang="en-GB" dirty="0"/>
           </a:p>
         </p:txBody>
       </p:sp>
       <p:sp>
         <p:nvSpPr>
-          <p:cNvPr id="4" name="Date Placeholder 3"/>
+          <p:cNvPr id="3" name="Date Placeholder 2"/>
           <p:cNvSpPr>
             <a:spLocks noGrp="1"/>
           </p:cNvSpPr>
@@ -9375,10 +9384,10 @@
           <a:bodyPr/>
           <a:lstStyle/>
           <a:p>
-            <a:fld id="{CDAEE9B0-25E7-4C28-AF1D-B3DDCE7EBBDB}" type="datetime1">
+            <a:fld id="{EA5D455B-ECD0-44E3-BA0C-3649A3FCD15C}" type="datetime1">
               <a:rPr lang="en-US" smtClean="0"/>
               <a:pPr/>
-              <a:t>7/13/2011</a:t>
+              <a:t>7/15/2011</a:t>
             </a:fld>
             <a:endParaRPr lang="en-GB"/>
           </a:p>
@@ -9386,7 +9395,7 @@
       </p:sp>
       <p:sp>
         <p:nvSpPr>
-          <p:cNvPr id="5" name="Footer Placeholder 4"/>
+          <p:cNvPr id="4" name="Footer Placeholder 3"/>
           <p:cNvSpPr>
             <a:spLocks noGrp="1"/>
           </p:cNvSpPr>
@@ -9409,7 +9418,7 @@
       </p:sp>
       <p:sp>
         <p:nvSpPr>
-          <p:cNvPr id="6" name="Slide Number Placeholder 5"/>
+          <p:cNvPr id="5" name="Slide Number Placeholder 4"/>
           <p:cNvSpPr>
             <a:spLocks noGrp="1"/>
           </p:cNvSpPr>
@@ -9434,7 +9443,7 @@
     </p:spTree>
     <p:extLst>
       <p:ext uri="{BB962C8B-B14F-4D97-AF65-F5344CB8AC3E}">
-        <p14:creationId xmlns:p14="http://schemas.microsoft.com/office/powerpoint/2010/main" val="3357694366"/>
+        <p14:creationId xmlns:p14="http://schemas.microsoft.com/office/powerpoint/2010/main" val="381284594"/>
       </p:ext>
     </p:extLst>
   </p:cSld>
@@ -9478,7 +9487,7 @@
           <a:p>
             <a:r>
               <a:rPr lang="en-GB" dirty="0" smtClean="0"/>
-              <a:t>Our Suggestions (1 of 2)</a:t>
+              <a:t>Community Driven Planning</a:t>
             </a:r>
             <a:endParaRPr lang="en-GB" dirty="0"/>
           </a:p>
@@ -9497,42 +9506,26 @@
         <p:spPr/>
         <p:txBody>
           <a:bodyPr>
-            <a:normAutofit fontScale="92500"/>
+            <a:normAutofit lnSpcReduction="10000"/>
           </a:bodyPr>
           <a:lstStyle/>
           <a:p>
             <a:r>
               <a:rPr lang="en-GB" dirty="0" smtClean="0"/>
-              <a:t>Full text SPARQL Support – dotNetRDF.Sparql.FullText.dll</a:t>
+              <a:t>For 0.6.x releases new features/improvements should be primarily driven by community request</a:t>
             </a:r>
           </a:p>
           <a:p>
             <a:pPr lvl="1"/>
             <a:r>
               <a:rPr lang="en-GB" dirty="0" smtClean="0"/>
-              <a:t>Use </a:t>
-            </a:r>
-            <a:r>
-              <a:rPr lang="en-GB" dirty="0" err="1" smtClean="0"/>
-              <a:t>Lucene.Net</a:t>
-            </a:r>
-            <a:r>
-              <a:rPr lang="en-GB" dirty="0" smtClean="0"/>
-              <a:t> to provide full text search capabilities</a:t>
-            </a:r>
-          </a:p>
-          <a:p>
-            <a:pPr lvl="1"/>
-            <a:r>
-              <a:rPr lang="en-GB" dirty="0" smtClean="0"/>
-              <a:t>Syntax compatible with other implementations as far as possible</a:t>
-            </a:r>
-          </a:p>
-          <a:p>
-            <a:pPr lvl="1"/>
-            <a:r>
-              <a:rPr lang="en-GB" dirty="0" smtClean="0"/>
-              <a:t>Will be implemented as a new library since as per the architecture proposal it is a non core feature and requires additional dependencies</a:t>
+              <a:t>i.e. features will be prioritised based on community request/need/feedback</a:t>
+            </a:r>
+          </a:p>
+          <a:p>
+            <a:r>
+              <a:rPr lang="en-GB" dirty="0" smtClean="0"/>
+              <a:t>We have some possible features lined up which we will prioritise unless community suggests other features</a:t>
             </a:r>
             <a:endParaRPr lang="en-GB" dirty="0"/>
           </a:p>
@@ -9556,7 +9549,7 @@
             <a:fld id="{CDAEE9B0-25E7-4C28-AF1D-B3DDCE7EBBDB}" type="datetime1">
               <a:rPr lang="en-US" smtClean="0"/>
               <a:pPr/>
-              <a:t>7/13/2011</a:t>
+              <a:t>7/15/2011</a:t>
             </a:fld>
             <a:endParaRPr lang="en-GB"/>
           </a:p>
@@ -9612,7 +9605,7 @@
     </p:spTree>
     <p:extLst>
       <p:ext uri="{BB962C8B-B14F-4D97-AF65-F5344CB8AC3E}">
-        <p14:creationId xmlns:p14="http://schemas.microsoft.com/office/powerpoint/2010/main" val="912609684"/>
+        <p14:creationId xmlns:p14="http://schemas.microsoft.com/office/powerpoint/2010/main" val="3357694366"/>
       </p:ext>
     </p:extLst>
   </p:cSld>
@@ -9656,7 +9649,7 @@
           <a:p>
             <a:r>
               <a:rPr lang="en-GB" dirty="0" smtClean="0"/>
-              <a:t>Our Suggestions (2 of 2)</a:t>
+              <a:t>Our Suggestions (1 of 2)</a:t>
             </a:r>
             <a:endParaRPr lang="en-GB" dirty="0"/>
           </a:p>
@@ -9674,38 +9667,43 @@
         </p:nvSpPr>
         <p:spPr/>
         <p:txBody>
-          <a:bodyPr/>
-          <a:lstStyle/>
-          <a:p>
+          <a:bodyPr>
+            <a:normAutofit fontScale="92500"/>
+          </a:bodyPr>
+          <a:lstStyle/>
+          <a:p>
+            <a:r>
+              <a:rPr lang="en-GB" dirty="0" smtClean="0"/>
+              <a:t>Full text SPARQL Support – dotNetRDF.Sparql.FullText.dll</a:t>
+            </a:r>
+          </a:p>
+          <a:p>
+            <a:pPr lvl="1"/>
+            <a:r>
+              <a:rPr lang="en-GB" dirty="0" smtClean="0"/>
+              <a:t>Use </a:t>
+            </a:r>
             <a:r>
               <a:rPr lang="en-GB" dirty="0" err="1" smtClean="0"/>
-              <a:t>GeoSPARQL</a:t>
-            </a:r>
-            <a:r>
-              <a:rPr lang="en-GB" dirty="0" smtClean="0"/>
-              <a:t> Support – dotNetRDF.Sparql.Geo.dll</a:t>
+              <a:t>Lucene.Net</a:t>
+            </a:r>
+            <a:r>
+              <a:rPr lang="en-GB" dirty="0" smtClean="0"/>
+              <a:t> to provide full text search capabilities</a:t>
             </a:r>
           </a:p>
           <a:p>
             <a:pPr lvl="1"/>
             <a:r>
               <a:rPr lang="en-GB" dirty="0" smtClean="0"/>
-              <a:t>Provide an implementation of the OGC </a:t>
-            </a:r>
-            <a:r>
-              <a:rPr lang="en-GB" dirty="0" err="1" smtClean="0"/>
-              <a:t>GeoSPARQL</a:t>
-            </a:r>
-            <a:r>
-              <a:rPr lang="en-GB" dirty="0" smtClean="0"/>
-              <a:t> standard</a:t>
+              <a:t>Syntax compatible with other implementations as far as possible</a:t>
             </a:r>
           </a:p>
           <a:p>
             <a:pPr lvl="1"/>
             <a:r>
               <a:rPr lang="en-GB" dirty="0" smtClean="0"/>
-              <a:t>As with full text SPARQL will be implemented as a new library as is as non-core feature</a:t>
+              <a:t>Will be implemented as a new library since as per the architecture proposal it is a non core feature and requires additional dependencies</a:t>
             </a:r>
             <a:endParaRPr lang="en-GB" dirty="0"/>
           </a:p>
@@ -9729,7 +9727,7 @@
             <a:fld id="{CDAEE9B0-25E7-4C28-AF1D-B3DDCE7EBBDB}" type="datetime1">
               <a:rPr lang="en-US" smtClean="0"/>
               <a:pPr/>
-              <a:t>7/13/2011</a:t>
+              <a:t>7/15/2011</a:t>
             </a:fld>
             <a:endParaRPr lang="en-GB"/>
           </a:p>
@@ -9785,7 +9783,7 @@
     </p:spTree>
     <p:extLst>
       <p:ext uri="{BB962C8B-B14F-4D97-AF65-F5344CB8AC3E}">
-        <p14:creationId xmlns:p14="http://schemas.microsoft.com/office/powerpoint/2010/main" val="585871984"/>
+        <p14:creationId xmlns:p14="http://schemas.microsoft.com/office/powerpoint/2010/main" val="912609684"/>
       </p:ext>
     </p:extLst>
   </p:cSld>
@@ -9829,7 +9827,7 @@
           <a:p>
             <a:r>
               <a:rPr lang="en-GB" dirty="0" smtClean="0"/>
-              <a:t>Existing Community Suggestions</a:t>
+              <a:t>Our Suggestions (2 of 2)</a:t>
             </a:r>
             <a:endParaRPr lang="en-GB" dirty="0"/>
           </a:p>
@@ -9851,51 +9849,34 @@
           <a:lstStyle/>
           <a:p>
             <a:r>
-              <a:rPr lang="en-GB" dirty="0" smtClean="0"/>
-              <a:t>Currently the following features have been suggested/requested by the community:</a:t>
+              <a:rPr lang="en-GB" dirty="0" err="1" smtClean="0"/>
+              <a:t>GeoSPARQL</a:t>
+            </a:r>
+            <a:r>
+              <a:rPr lang="en-GB" dirty="0" smtClean="0"/>
+              <a:t> Support – dotNetRDF.Sparql.Geo.dll</a:t>
             </a:r>
           </a:p>
           <a:p>
             <a:pPr lvl="1"/>
             <a:r>
+              <a:rPr lang="en-GB" dirty="0" smtClean="0"/>
+              <a:t>Provide an implementation of the OGC </a:t>
+            </a:r>
+            <a:r>
               <a:rPr lang="en-GB" dirty="0" err="1" smtClean="0"/>
-              <a:t>.Net</a:t>
-            </a:r>
-            <a:r>
-              <a:rPr lang="en-GB" dirty="0" smtClean="0"/>
-              <a:t> Serialization support</a:t>
+              <a:t>GeoSPARQL</a:t>
+            </a:r>
+            <a:r>
+              <a:rPr lang="en-GB" dirty="0" smtClean="0"/>
+              <a:t> standard</a:t>
             </a:r>
           </a:p>
           <a:p>
             <a:pPr lvl="1"/>
             <a:r>
               <a:rPr lang="en-GB" dirty="0" smtClean="0"/>
-              <a:t>SPIN (SPARQL Inferencing Notation) Support</a:t>
-            </a:r>
-          </a:p>
-          <a:p>
-            <a:pPr lvl="1"/>
-            <a:r>
-              <a:rPr lang="en-GB" dirty="0" err="1" smtClean="0"/>
-              <a:t>rdfEditor</a:t>
-            </a:r>
-            <a:r>
-              <a:rPr lang="en-GB" dirty="0" smtClean="0"/>
-              <a:t> for non-Windows systems</a:t>
-            </a:r>
-          </a:p>
-          <a:p>
-            <a:pPr lvl="2"/>
-            <a:r>
-              <a:rPr lang="en-GB" dirty="0" smtClean="0"/>
-              <a:t>As it is WPF based it does not run under Mono which limits it to Windows only currently</a:t>
-            </a:r>
-          </a:p>
-          <a:p>
-            <a:pPr lvl="1"/>
-            <a:r>
-              <a:rPr lang="en-GB" dirty="0" smtClean="0"/>
-              <a:t>Additional JSON format support</a:t>
+              <a:t>As with full text SPARQL will be implemented as a new library as is as non-core feature</a:t>
             </a:r>
             <a:endParaRPr lang="en-GB" dirty="0"/>
           </a:p>
@@ -9919,7 +9900,7 @@
             <a:fld id="{CDAEE9B0-25E7-4C28-AF1D-B3DDCE7EBBDB}" type="datetime1">
               <a:rPr lang="en-US" smtClean="0"/>
               <a:pPr/>
-              <a:t>7/13/2011</a:t>
+              <a:t>7/15/2011</a:t>
             </a:fld>
             <a:endParaRPr lang="en-GB"/>
           </a:p>
@@ -9975,7 +9956,7 @@
     </p:spTree>
     <p:extLst>
       <p:ext uri="{BB962C8B-B14F-4D97-AF65-F5344CB8AC3E}">
-        <p14:creationId xmlns:p14="http://schemas.microsoft.com/office/powerpoint/2010/main" val="2152085500"/>
+        <p14:creationId xmlns:p14="http://schemas.microsoft.com/office/powerpoint/2010/main" val="585871984"/>
       </p:ext>
     </p:extLst>
   </p:cSld>
@@ -10004,7 +9985,7 @@
       </p:grpSpPr>
       <p:sp>
         <p:nvSpPr>
-          <p:cNvPr id="7" name="Title 6"/>
+          <p:cNvPr id="2" name="Title 1"/>
           <p:cNvSpPr>
             <a:spLocks noGrp="1"/>
           </p:cNvSpPr>
@@ -10019,7 +10000,73 @@
           <a:p>
             <a:r>
               <a:rPr lang="en-GB" dirty="0" smtClean="0"/>
-              <a:t>Get Involved</a:t>
+              <a:t>Existing Community Suggestions</a:t>
+            </a:r>
+            <a:endParaRPr lang="en-GB" dirty="0"/>
+          </a:p>
+        </p:txBody>
+      </p:sp>
+      <p:sp>
+        <p:nvSpPr>
+          <p:cNvPr id="3" name="Content Placeholder 2"/>
+          <p:cNvSpPr>
+            <a:spLocks noGrp="1"/>
+          </p:cNvSpPr>
+          <p:nvPr>
+            <p:ph idx="1"/>
+          </p:nvPr>
+        </p:nvSpPr>
+        <p:spPr/>
+        <p:txBody>
+          <a:bodyPr/>
+          <a:lstStyle/>
+          <a:p>
+            <a:r>
+              <a:rPr lang="en-GB" dirty="0" smtClean="0"/>
+              <a:t>Currently the following features have been suggested/requested by the community:</a:t>
+            </a:r>
+          </a:p>
+          <a:p>
+            <a:pPr lvl="1"/>
+            <a:r>
+              <a:rPr lang="en-GB" dirty="0" err="1" smtClean="0"/>
+              <a:t>.Net</a:t>
+            </a:r>
+            <a:r>
+              <a:rPr lang="en-GB" dirty="0" smtClean="0"/>
+              <a:t> Serialization support</a:t>
+            </a:r>
+          </a:p>
+          <a:p>
+            <a:pPr lvl="1"/>
+            <a:r>
+              <a:rPr lang="en-GB" dirty="0" smtClean="0"/>
+              <a:t>SPIN (SPARQL Inferencing Notation) Support</a:t>
+            </a:r>
+          </a:p>
+          <a:p>
+            <a:pPr lvl="1"/>
+            <a:r>
+              <a:rPr lang="en-GB" dirty="0" err="1" smtClean="0"/>
+              <a:t>rdfEditor</a:t>
+            </a:r>
+            <a:r>
+              <a:rPr lang="en-GB" dirty="0" smtClean="0"/>
+              <a:t> for non-Windows systems</a:t>
+            </a:r>
+          </a:p>
+          <a:p>
+            <a:pPr lvl="2"/>
+            <a:r>
+              <a:rPr lang="en-GB" dirty="0" smtClean="0"/>
+              <a:t>As it is WPF based it does not run under Mono which limits it to Windows only currently</a:t>
+            </a:r>
+          </a:p>
+          <a:p>
+            <a:pPr lvl="1"/>
+            <a:r>
+              <a:rPr lang="en-GB" dirty="0" smtClean="0"/>
+              <a:t>Additional JSON format support</a:t>
             </a:r>
             <a:endParaRPr lang="en-GB" dirty="0"/>
           </a:p>
@@ -10043,7 +10090,7 @@
             <a:fld id="{CDAEE9B0-25E7-4C28-AF1D-B3DDCE7EBBDB}" type="datetime1">
               <a:rPr lang="en-US" smtClean="0"/>
               <a:pPr/>
-              <a:t>7/13/2011</a:t>
+              <a:t>7/15/2011</a:t>
             </a:fld>
             <a:endParaRPr lang="en-GB"/>
           </a:p>
@@ -10099,7 +10146,7 @@
     </p:spTree>
     <p:extLst>
       <p:ext uri="{BB962C8B-B14F-4D97-AF65-F5344CB8AC3E}">
-        <p14:creationId xmlns:p14="http://schemas.microsoft.com/office/powerpoint/2010/main" val="3258641840"/>
+        <p14:creationId xmlns:p14="http://schemas.microsoft.com/office/powerpoint/2010/main" val="2152085500"/>
       </p:ext>
     </p:extLst>
   </p:cSld>
@@ -10128,7 +10175,7 @@
       </p:grpSpPr>
       <p:sp>
         <p:nvSpPr>
-          <p:cNvPr id="2" name="Title 1"/>
+          <p:cNvPr id="7" name="Title 6"/>
           <p:cNvSpPr>
             <a:spLocks noGrp="1"/>
           </p:cNvSpPr>
@@ -10146,78 +10193,6 @@
               <a:t>Get Involved</a:t>
             </a:r>
             <a:endParaRPr lang="en-GB" dirty="0"/>
-          </a:p>
-        </p:txBody>
-      </p:sp>
-      <p:sp>
-        <p:nvSpPr>
-          <p:cNvPr id="3" name="Content Placeholder 2"/>
-          <p:cNvSpPr>
-            <a:spLocks noGrp="1"/>
-          </p:cNvSpPr>
-          <p:nvPr>
-            <p:ph idx="1"/>
-          </p:nvPr>
-        </p:nvSpPr>
-        <p:spPr/>
-        <p:txBody>
-          <a:bodyPr>
-            <a:normAutofit/>
-          </a:bodyPr>
-          <a:lstStyle/>
-          <a:p>
-            <a:r>
-              <a:rPr lang="en-GB" dirty="0" smtClean="0"/>
-              <a:t>Suggestions and feedback on this roadmap are solicited and welcomed</a:t>
-            </a:r>
-          </a:p>
-          <a:p>
-            <a:r>
-              <a:rPr lang="en-GB" dirty="0" smtClean="0"/>
-              <a:t>Via email:</a:t>
-            </a:r>
-          </a:p>
-          <a:p>
-            <a:pPr lvl="1"/>
-            <a:r>
-              <a:rPr lang="en-GB" dirty="0" smtClean="0"/>
-              <a:t>Mailing List – </a:t>
-            </a:r>
-            <a:r>
-              <a:rPr lang="en-GB" dirty="0" smtClean="0">
-                <a:hlinkClick r:id="rId2"/>
-              </a:rPr>
-              <a:t>dotnetrdf-develop@lists.sf.net</a:t>
-            </a:r>
-            <a:endParaRPr lang="en-GB" dirty="0" smtClean="0"/>
-          </a:p>
-          <a:p>
-            <a:pPr lvl="1"/>
-            <a:r>
-              <a:rPr lang="en-GB" dirty="0" smtClean="0"/>
-              <a:t>Direct Email – </a:t>
-            </a:r>
-            <a:r>
-              <a:rPr lang="en-GB" dirty="0" smtClean="0">
-                <a:hlinkClick r:id="rId3"/>
-              </a:rPr>
-              <a:t>rvesse@dotnetrdf.org</a:t>
-            </a:r>
-            <a:endParaRPr lang="en-GB" dirty="0" smtClean="0"/>
-          </a:p>
-          <a:p>
-            <a:r>
-              <a:rPr lang="en-GB" dirty="0" smtClean="0"/>
-              <a:t>Via Skype (</a:t>
-            </a:r>
-            <a:r>
-              <a:rPr lang="en-GB" dirty="0" err="1" smtClean="0"/>
-              <a:t>rvesse</a:t>
-            </a:r>
-            <a:r>
-              <a:rPr lang="en-GB" dirty="0" smtClean="0"/>
-              <a:t>) – please email first to arrange a meeting</a:t>
-            </a:r>
           </a:p>
         </p:txBody>
       </p:sp>
@@ -10239,7 +10214,7 @@
             <a:fld id="{CDAEE9B0-25E7-4C28-AF1D-B3DDCE7EBBDB}" type="datetime1">
               <a:rPr lang="en-US" smtClean="0"/>
               <a:pPr/>
-              <a:t>7/13/2011</a:t>
+              <a:t>7/15/2011</a:t>
             </a:fld>
             <a:endParaRPr lang="en-GB"/>
           </a:p>
@@ -10295,7 +10270,7 @@
     </p:spTree>
     <p:extLst>
       <p:ext uri="{BB962C8B-B14F-4D97-AF65-F5344CB8AC3E}">
-        <p14:creationId xmlns:p14="http://schemas.microsoft.com/office/powerpoint/2010/main" val="1264147251"/>
+        <p14:creationId xmlns:p14="http://schemas.microsoft.com/office/powerpoint/2010/main" val="3258641840"/>
       </p:ext>
     </p:extLst>
   </p:cSld>
@@ -10357,67 +10332,63 @@
         </p:nvSpPr>
         <p:spPr/>
         <p:txBody>
-          <a:bodyPr/>
-          <a:lstStyle/>
-          <a:p>
-            <a:r>
-              <a:rPr lang="en-GB" dirty="0"/>
-              <a:t>Face to Face </a:t>
+          <a:bodyPr>
+            <a:normAutofit/>
+          </a:bodyPr>
+          <a:lstStyle/>
+          <a:p>
+            <a:r>
+              <a:rPr lang="en-GB" dirty="0" smtClean="0"/>
+              <a:t>Suggestions and feedback on this roadmap are solicited and welcomed</a:t>
+            </a:r>
+          </a:p>
+          <a:p>
+            <a:r>
+              <a:rPr lang="en-GB" dirty="0" smtClean="0"/>
+              <a:t>Via email:</a:t>
             </a:r>
           </a:p>
           <a:p>
             <a:pPr lvl="1"/>
             <a:r>
-              <a:rPr lang="en-GB" dirty="0"/>
-              <a:t>Conferences – contact me via email to see what conferences I plain on attending later this year</a:t>
-            </a:r>
+              <a:rPr lang="en-GB" dirty="0" smtClean="0"/>
+              <a:t>Mailing List – </a:t>
+            </a:r>
+            <a:r>
+              <a:rPr lang="en-GB" dirty="0" smtClean="0">
+                <a:hlinkClick r:id="rId2"/>
+              </a:rPr>
+              <a:t>dotnetrdf-develop@lists.sf.net</a:t>
+            </a:r>
+            <a:endParaRPr lang="en-GB" dirty="0" smtClean="0"/>
           </a:p>
           <a:p>
             <a:pPr lvl="1"/>
             <a:r>
-              <a:rPr lang="en-GB" dirty="0" err="1"/>
-              <a:t>Meetup</a:t>
-            </a:r>
-            <a:r>
-              <a:rPr lang="en-GB" dirty="0"/>
-              <a:t> – I attend the London </a:t>
-            </a:r>
-            <a:r>
-              <a:rPr lang="en-GB" dirty="0" err="1"/>
-              <a:t>SemWeb</a:t>
-            </a:r>
-            <a:r>
-              <a:rPr lang="en-GB" dirty="0"/>
-              <a:t> </a:t>
+              <a:rPr lang="en-GB" dirty="0" smtClean="0"/>
+              <a:t>Direct Email – </a:t>
+            </a:r>
+            <a:r>
+              <a:rPr lang="en-GB" dirty="0" smtClean="0">
+                <a:hlinkClick r:id="rId3"/>
+              </a:rPr>
+              <a:t>rvesse@dotnetrdf.org</a:t>
+            </a:r>
+            <a:endParaRPr lang="en-GB" dirty="0" smtClean="0"/>
+          </a:p>
+          <a:p>
+            <a:r>
+              <a:rPr lang="en-GB" dirty="0" smtClean="0"/>
+              <a:t>Via Skype (</a:t>
             </a:r>
             <a:r>
               <a:rPr lang="en-GB" dirty="0" err="1" smtClean="0"/>
-              <a:t>Meetup</a:t>
-            </a:r>
-            <a:r>
-              <a:rPr lang="en-GB" dirty="0" smtClean="0"/>
-              <a:t>, please check with me via email whether I will be at a specific </a:t>
-            </a:r>
-            <a:r>
-              <a:rPr lang="en-GB" dirty="0" err="1" smtClean="0"/>
-              <a:t>meetup</a:t>
-            </a:r>
-            <a:endParaRPr lang="en-GB" dirty="0"/>
-          </a:p>
-          <a:p>
-            <a:pPr lvl="1"/>
-            <a:r>
-              <a:rPr lang="en-GB" dirty="0"/>
-              <a:t>Meetings – If you are based in the </a:t>
-            </a:r>
-            <a:r>
-              <a:rPr lang="en-GB" dirty="0" smtClean="0"/>
-              <a:t>south of the UK I am happy to arrange meetings via email</a:t>
-            </a:r>
-            <a:endParaRPr lang="en-GB" dirty="0"/>
-          </a:p>
-          <a:p>
-            <a:endParaRPr lang="en-GB" dirty="0"/>
+              <a:t>rvesse</a:t>
+            </a:r>
+            <a:r>
+              <a:rPr lang="en-GB" dirty="0" smtClean="0"/>
+              <a:t>) – please email first to arrange a meeting</a:t>
+            </a:r>
           </a:p>
         </p:txBody>
       </p:sp>
@@ -10439,7 +10410,7 @@
             <a:fld id="{CDAEE9B0-25E7-4C28-AF1D-B3DDCE7EBBDB}" type="datetime1">
               <a:rPr lang="en-US" smtClean="0"/>
               <a:pPr/>
-              <a:t>7/13/2011</a:t>
+              <a:t>7/15/2011</a:t>
             </a:fld>
             <a:endParaRPr lang="en-GB"/>
           </a:p>
@@ -10487,6 +10458,206 @@
               <a:rPr lang="en-GB" smtClean="0"/>
               <a:pPr/>
               <a:t>47</a:t>
+            </a:fld>
+            <a:endParaRPr lang="en-GB"/>
+          </a:p>
+        </p:txBody>
+      </p:sp>
+    </p:spTree>
+    <p:extLst>
+      <p:ext uri="{BB962C8B-B14F-4D97-AF65-F5344CB8AC3E}">
+        <p14:creationId xmlns:p14="http://schemas.microsoft.com/office/powerpoint/2010/main" val="1264147251"/>
+      </p:ext>
+    </p:extLst>
+  </p:cSld>
+  <p:clrMapOvr>
+    <a:masterClrMapping/>
+  </p:clrMapOvr>
+</p:sld>
+</file>
+
+<file path=ppt/slides/slide48.xml><?xml version="1.0" encoding="utf-8"?>
+<p:sld xmlns:a="http://schemas.openxmlformats.org/drawingml/2006/main" xmlns:r="http://schemas.openxmlformats.org/officeDocument/2006/relationships" xmlns:p="http://schemas.openxmlformats.org/presentationml/2006/main">
+  <p:cSld>
+    <p:spTree>
+      <p:nvGrpSpPr>
+        <p:cNvPr id="1" name=""/>
+        <p:cNvGrpSpPr/>
+        <p:nvPr/>
+      </p:nvGrpSpPr>
+      <p:grpSpPr>
+        <a:xfrm>
+          <a:off x="0" y="0"/>
+          <a:ext cx="0" cy="0"/>
+          <a:chOff x="0" y="0"/>
+          <a:chExt cx="0" cy="0"/>
+        </a:xfrm>
+      </p:grpSpPr>
+      <p:sp>
+        <p:nvSpPr>
+          <p:cNvPr id="2" name="Title 1"/>
+          <p:cNvSpPr>
+            <a:spLocks noGrp="1"/>
+          </p:cNvSpPr>
+          <p:nvPr>
+            <p:ph type="title"/>
+          </p:nvPr>
+        </p:nvSpPr>
+        <p:spPr/>
+        <p:txBody>
+          <a:bodyPr/>
+          <a:lstStyle/>
+          <a:p>
+            <a:r>
+              <a:rPr lang="en-GB" dirty="0" smtClean="0"/>
+              <a:t>Get Involved</a:t>
+            </a:r>
+            <a:endParaRPr lang="en-GB" dirty="0"/>
+          </a:p>
+        </p:txBody>
+      </p:sp>
+      <p:sp>
+        <p:nvSpPr>
+          <p:cNvPr id="3" name="Content Placeholder 2"/>
+          <p:cNvSpPr>
+            <a:spLocks noGrp="1"/>
+          </p:cNvSpPr>
+          <p:nvPr>
+            <p:ph idx="1"/>
+          </p:nvPr>
+        </p:nvSpPr>
+        <p:spPr/>
+        <p:txBody>
+          <a:bodyPr/>
+          <a:lstStyle/>
+          <a:p>
+            <a:r>
+              <a:rPr lang="en-GB" dirty="0"/>
+              <a:t>Face to Face </a:t>
+            </a:r>
+          </a:p>
+          <a:p>
+            <a:pPr lvl="1"/>
+            <a:r>
+              <a:rPr lang="en-GB" dirty="0"/>
+              <a:t>Conferences – contact me via email to see what conferences I plain on attending later this year</a:t>
+            </a:r>
+          </a:p>
+          <a:p>
+            <a:pPr lvl="1"/>
+            <a:r>
+              <a:rPr lang="en-GB" dirty="0" err="1"/>
+              <a:t>Meetup</a:t>
+            </a:r>
+            <a:r>
+              <a:rPr lang="en-GB" dirty="0"/>
+              <a:t> – I attend the London </a:t>
+            </a:r>
+            <a:r>
+              <a:rPr lang="en-GB" dirty="0" err="1"/>
+              <a:t>SemWeb</a:t>
+            </a:r>
+            <a:r>
+              <a:rPr lang="en-GB" dirty="0"/>
+              <a:t> </a:t>
+            </a:r>
+            <a:r>
+              <a:rPr lang="en-GB" dirty="0" err="1" smtClean="0"/>
+              <a:t>Meetup</a:t>
+            </a:r>
+            <a:r>
+              <a:rPr lang="en-GB" dirty="0" smtClean="0"/>
+              <a:t>, please check with me via email whether I will be at a specific </a:t>
+            </a:r>
+            <a:r>
+              <a:rPr lang="en-GB" dirty="0" err="1" smtClean="0"/>
+              <a:t>meetup</a:t>
+            </a:r>
+            <a:endParaRPr lang="en-GB" dirty="0"/>
+          </a:p>
+          <a:p>
+            <a:pPr lvl="1"/>
+            <a:r>
+              <a:rPr lang="en-GB" dirty="0"/>
+              <a:t>Meetings – If you are based in the </a:t>
+            </a:r>
+            <a:r>
+              <a:rPr lang="en-GB" dirty="0" smtClean="0"/>
+              <a:t>south of the UK I am happy to arrange meetings via email</a:t>
+            </a:r>
+            <a:endParaRPr lang="en-GB" dirty="0"/>
+          </a:p>
+          <a:p>
+            <a:endParaRPr lang="en-GB" dirty="0"/>
+          </a:p>
+        </p:txBody>
+      </p:sp>
+      <p:sp>
+        <p:nvSpPr>
+          <p:cNvPr id="4" name="Date Placeholder 3"/>
+          <p:cNvSpPr>
+            <a:spLocks noGrp="1"/>
+          </p:cNvSpPr>
+          <p:nvPr>
+            <p:ph type="dt" sz="half" idx="10"/>
+          </p:nvPr>
+        </p:nvSpPr>
+        <p:spPr/>
+        <p:txBody>
+          <a:bodyPr/>
+          <a:lstStyle/>
+          <a:p>
+            <a:fld id="{CDAEE9B0-25E7-4C28-AF1D-B3DDCE7EBBDB}" type="datetime1">
+              <a:rPr lang="en-US" smtClean="0"/>
+              <a:pPr/>
+              <a:t>7/15/2011</a:t>
+            </a:fld>
+            <a:endParaRPr lang="en-GB"/>
+          </a:p>
+        </p:txBody>
+      </p:sp>
+      <p:sp>
+        <p:nvSpPr>
+          <p:cNvPr id="5" name="Footer Placeholder 4"/>
+          <p:cNvSpPr>
+            <a:spLocks noGrp="1"/>
+          </p:cNvSpPr>
+          <p:nvPr>
+            <p:ph type="ftr" sz="quarter" idx="11"/>
+          </p:nvPr>
+        </p:nvSpPr>
+        <p:spPr/>
+        <p:txBody>
+          <a:bodyPr/>
+          <a:lstStyle/>
+          <a:p>
+            <a:r>
+              <a:rPr lang="en-GB" smtClean="0"/>
+              <a:t>http://www.dotnetrdf.org</a:t>
+            </a:r>
+            <a:endParaRPr lang="en-GB"/>
+          </a:p>
+        </p:txBody>
+      </p:sp>
+      <p:sp>
+        <p:nvSpPr>
+          <p:cNvPr id="6" name="Slide Number Placeholder 5"/>
+          <p:cNvSpPr>
+            <a:spLocks noGrp="1"/>
+          </p:cNvSpPr>
+          <p:nvPr>
+            <p:ph type="sldNum" sz="quarter" idx="12"/>
+          </p:nvPr>
+        </p:nvSpPr>
+        <p:spPr/>
+        <p:txBody>
+          <a:bodyPr/>
+          <a:lstStyle/>
+          <a:p>
+            <a:fld id="{35128F56-7434-487A-8B29-0C024560A5F4}" type="slidenum">
+              <a:rPr lang="en-GB" smtClean="0"/>
+              <a:pPr/>
+              <a:t>48</a:t>
             </a:fld>
             <a:endParaRPr lang="en-GB"/>
           </a:p>
@@ -10620,7 +10791,7 @@
             <a:fld id="{CDAEE9B0-25E7-4C28-AF1D-B3DDCE7EBBDB}" type="datetime1">
               <a:rPr lang="en-US" smtClean="0"/>
               <a:pPr/>
-              <a:t>7/13/2011</a:t>
+              <a:t>7/15/2011</a:t>
             </a:fld>
             <a:endParaRPr lang="en-GB"/>
           </a:p>
@@ -10744,7 +10915,7 @@
             <a:fld id="{EA5D455B-ECD0-44E3-BA0C-3649A3FCD15C}" type="datetime1">
               <a:rPr lang="en-US" smtClean="0"/>
               <a:pPr/>
-              <a:t>7/13/2011</a:t>
+              <a:t>7/15/2011</a:t>
             </a:fld>
             <a:endParaRPr lang="en-GB"/>
           </a:p>
@@ -10906,7 +11077,7 @@
             <a:fld id="{CDAEE9B0-25E7-4C28-AF1D-B3DDCE7EBBDB}" type="datetime1">
               <a:rPr lang="en-US" smtClean="0"/>
               <a:pPr/>
-              <a:t>7/13/2011</a:t>
+              <a:t>7/15/2011</a:t>
             </a:fld>
             <a:endParaRPr lang="en-GB"/>
           </a:p>
@@ -11086,7 +11257,7 @@
             <a:fld id="{CDAEE9B0-25E7-4C28-AF1D-B3DDCE7EBBDB}" type="datetime1">
               <a:rPr lang="en-US" smtClean="0"/>
               <a:pPr/>
-              <a:t>7/13/2011</a:t>
+              <a:t>7/15/2011</a:t>
             </a:fld>
             <a:endParaRPr lang="en-GB"/>
           </a:p>
@@ -11239,7 +11410,7 @@
             <a:fld id="{CDAEE9B0-25E7-4C28-AF1D-B3DDCE7EBBDB}" type="datetime1">
               <a:rPr lang="en-US" smtClean="0"/>
               <a:pPr/>
-              <a:t>7/13/2011</a:t>
+              <a:t>7/15/2011</a:t>
             </a:fld>
             <a:endParaRPr lang="en-GB"/>
           </a:p>

--- a/Slides/Roadmap.pptx
+++ b/Slides/Roadmap.pptx
@@ -5,7 +5,7 @@
     <p:sldMasterId id="2147483648" r:id="rId1"/>
   </p:sldMasterIdLst>
   <p:notesMasterIdLst>
-    <p:notesMasterId r:id="rId50"/>
+    <p:notesMasterId r:id="rId51"/>
   </p:notesMasterIdLst>
   <p:sldIdLst>
     <p:sldId id="256" r:id="rId2"/>
@@ -35,27 +35,28 @@
     <p:sldId id="279" r:id="rId26"/>
     <p:sldId id="280" r:id="rId27"/>
     <p:sldId id="281" r:id="rId28"/>
-    <p:sldId id="308" r:id="rId29"/>
-    <p:sldId id="282" r:id="rId30"/>
-    <p:sldId id="283" r:id="rId31"/>
-    <p:sldId id="287" r:id="rId32"/>
-    <p:sldId id="288" r:id="rId33"/>
-    <p:sldId id="289" r:id="rId34"/>
-    <p:sldId id="299" r:id="rId35"/>
-    <p:sldId id="290" r:id="rId36"/>
-    <p:sldId id="291" r:id="rId37"/>
-    <p:sldId id="292" r:id="rId38"/>
-    <p:sldId id="293" r:id="rId39"/>
-    <p:sldId id="294" r:id="rId40"/>
-    <p:sldId id="295" r:id="rId41"/>
-    <p:sldId id="296" r:id="rId42"/>
-    <p:sldId id="297" r:id="rId43"/>
-    <p:sldId id="298" r:id="rId44"/>
-    <p:sldId id="300" r:id="rId45"/>
-    <p:sldId id="301" r:id="rId46"/>
-    <p:sldId id="303" r:id="rId47"/>
-    <p:sldId id="302" r:id="rId48"/>
-    <p:sldId id="304" r:id="rId49"/>
+    <p:sldId id="282" r:id="rId29"/>
+    <p:sldId id="283" r:id="rId30"/>
+    <p:sldId id="287" r:id="rId31"/>
+    <p:sldId id="288" r:id="rId32"/>
+    <p:sldId id="289" r:id="rId33"/>
+    <p:sldId id="299" r:id="rId34"/>
+    <p:sldId id="290" r:id="rId35"/>
+    <p:sldId id="291" r:id="rId36"/>
+    <p:sldId id="292" r:id="rId37"/>
+    <p:sldId id="293" r:id="rId38"/>
+    <p:sldId id="294" r:id="rId39"/>
+    <p:sldId id="295" r:id="rId40"/>
+    <p:sldId id="296" r:id="rId41"/>
+    <p:sldId id="297" r:id="rId42"/>
+    <p:sldId id="298" r:id="rId43"/>
+    <p:sldId id="300" r:id="rId44"/>
+    <p:sldId id="308" r:id="rId45"/>
+    <p:sldId id="309" r:id="rId46"/>
+    <p:sldId id="301" r:id="rId47"/>
+    <p:sldId id="303" r:id="rId48"/>
+    <p:sldId id="302" r:id="rId49"/>
+    <p:sldId id="304" r:id="rId50"/>
   </p:sldIdLst>
   <p:sldSz cx="9144000" cy="6858000" type="screen4x3"/>
   <p:notesSz cx="7099300" cy="10223500"/>
@@ -240,7 +241,7 @@
             <a:fld id="{A4EFCF4D-B222-4BDE-9F21-361A6D2DD5DC}" type="datetimeFigureOut">
               <a:rPr lang="en-GB" smtClean="0"/>
               <a:pPr/>
-              <a:t>15/07/2011</a:t>
+              <a:t>20/07/2011</a:t>
             </a:fld>
             <a:endParaRPr lang="en-GB"/>
           </a:p>
@@ -409,7 +410,7 @@
     </p:spTree>
     <p:extLst>
       <p:ext uri="{BB962C8B-B14F-4D97-AF65-F5344CB8AC3E}">
-        <p14:creationId xmlns:p14="http://schemas.microsoft.com/office/powerpoint/2010/main" val="3764111685"/>
+        <p14:creationId xmlns:p14="http://schemas.microsoft.com/office/powerpoint/2010/main" xmlns="" val="3764111685"/>
       </p:ext>
     </p:extLst>
   </p:cSld>
@@ -697,7 +698,7 @@
             <a:fld id="{7DDF2E66-A8D8-4938-9770-803246E1F4D9}" type="datetime1">
               <a:rPr lang="en-US" smtClean="0"/>
               <a:pPr/>
-              <a:t>7/15/2011</a:t>
+              <a:t>7/20/2011</a:t>
             </a:fld>
             <a:endParaRPr lang="en-GB"/>
           </a:p>
@@ -888,7 +889,7 @@
             <a:fld id="{CDAEE9B0-25E7-4C28-AF1D-B3DDCE7EBBDB}" type="datetime1">
               <a:rPr lang="en-US" smtClean="0"/>
               <a:pPr/>
-              <a:t>7/15/2011</a:t>
+              <a:t>7/20/2011</a:t>
             </a:fld>
             <a:endParaRPr lang="en-GB"/>
           </a:p>
@@ -1135,7 +1136,7 @@
             <a:fld id="{B4D3D433-0AB0-44F2-9244-5C7078B0628D}" type="datetime1">
               <a:rPr lang="en-US" smtClean="0"/>
               <a:pPr/>
-              <a:t>7/15/2011</a:t>
+              <a:t>7/20/2011</a:t>
             </a:fld>
             <a:endParaRPr lang="en-GB"/>
           </a:p>
@@ -1439,7 +1440,7 @@
             <a:fld id="{603E95A3-71BD-4303-BDB5-8A36882C7B2B}" type="datetime1">
               <a:rPr lang="en-US" smtClean="0"/>
               <a:pPr/>
-              <a:t>7/15/2011</a:t>
+              <a:t>7/20/2011</a:t>
             </a:fld>
             <a:endParaRPr lang="en-GB"/>
           </a:p>
@@ -1847,7 +1848,7 @@
             <a:fld id="{DA3AB10B-EC00-4A9D-ADD6-A8B68613B4D2}" type="datetime1">
               <a:rPr lang="en-US" smtClean="0"/>
               <a:pPr/>
-              <a:t>7/15/2011</a:t>
+              <a:t>7/20/2011</a:t>
             </a:fld>
             <a:endParaRPr lang="en-GB"/>
           </a:p>
@@ -1979,7 +1980,7 @@
             <a:fld id="{EA5D455B-ECD0-44E3-BA0C-3649A3FCD15C}" type="datetime1">
               <a:rPr lang="en-US" smtClean="0"/>
               <a:pPr/>
-              <a:t>7/15/2011</a:t>
+              <a:t>7/20/2011</a:t>
             </a:fld>
             <a:endParaRPr lang="en-GB"/>
           </a:p>
@@ -2075,7 +2076,7 @@
             <a:fld id="{F83BA156-88F6-4A85-BCB0-63F0774EAEDC}" type="datetime1">
               <a:rPr lang="en-US" smtClean="0"/>
               <a:pPr/>
-              <a:t>7/15/2011</a:t>
+              <a:t>7/20/2011</a:t>
             </a:fld>
             <a:endParaRPr lang="en-GB"/>
           </a:p>
@@ -2359,7 +2360,7 @@
             <a:fld id="{044DBA34-05AD-44A3-A0F1-C917A9CE0E42}" type="datetime1">
               <a:rPr lang="en-US" smtClean="0"/>
               <a:pPr/>
-              <a:t>7/15/2011</a:t>
+              <a:t>7/20/2011</a:t>
             </a:fld>
             <a:endParaRPr lang="en-GB"/>
           </a:p>
@@ -2623,7 +2624,7 @@
             <a:fld id="{3FDD57B1-846D-42C4-9FE3-5B43FAB1C846}" type="datetime1">
               <a:rPr lang="en-US" smtClean="0"/>
               <a:pPr/>
-              <a:t>7/15/2011</a:t>
+              <a:t>7/20/2011</a:t>
             </a:fld>
             <a:endParaRPr lang="en-GB"/>
           </a:p>
@@ -2775,7 +2776,7 @@
             <a:fld id="{8EDAB77D-6898-4F92-AE07-90DBD2DF1995}" type="datetime1">
               <a:rPr lang="en-US" smtClean="0"/>
               <a:pPr/>
-              <a:t>7/15/2011</a:t>
+              <a:t>7/20/2011</a:t>
             </a:fld>
             <a:endParaRPr lang="en-GB" dirty="0"/>
           </a:p>
@@ -3336,7 +3337,7 @@
             <a:fld id="{ADB3C27C-C00A-40F0-A166-0452DE5EF4FD}" type="datetime1">
               <a:rPr lang="en-US" smtClean="0"/>
               <a:pPr/>
-              <a:t>7/15/2011</a:t>
+              <a:t>7/20/2011</a:t>
             </a:fld>
             <a:endParaRPr lang="en-GB"/>
           </a:p>
@@ -3510,7 +3511,7 @@
             <a:fld id="{EA5D455B-ECD0-44E3-BA0C-3649A3FCD15C}" type="datetime1">
               <a:rPr lang="en-US" smtClean="0"/>
               <a:pPr/>
-              <a:t>7/15/2011</a:t>
+              <a:t>7/20/2011</a:t>
             </a:fld>
             <a:endParaRPr lang="en-GB"/>
           </a:p>
@@ -3566,7 +3567,7 @@
     </p:spTree>
     <p:extLst>
       <p:ext uri="{BB962C8B-B14F-4D97-AF65-F5344CB8AC3E}">
-        <p14:creationId xmlns:p14="http://schemas.microsoft.com/office/powerpoint/2010/main" val="3728461749"/>
+        <p14:creationId xmlns:p14="http://schemas.microsoft.com/office/powerpoint/2010/main" xmlns="" val="3728461749"/>
       </p:ext>
     </p:extLst>
   </p:cSld>
@@ -3688,7 +3689,7 @@
             <a:fld id="{CDAEE9B0-25E7-4C28-AF1D-B3DDCE7EBBDB}" type="datetime1">
               <a:rPr lang="en-US" smtClean="0"/>
               <a:pPr/>
-              <a:t>7/15/2011</a:t>
+              <a:t>7/20/2011</a:t>
             </a:fld>
             <a:endParaRPr lang="en-GB"/>
           </a:p>
@@ -3744,7 +3745,7 @@
     </p:spTree>
     <p:extLst>
       <p:ext uri="{BB962C8B-B14F-4D97-AF65-F5344CB8AC3E}">
-        <p14:creationId xmlns:p14="http://schemas.microsoft.com/office/powerpoint/2010/main" val="3573922916"/>
+        <p14:creationId xmlns:p14="http://schemas.microsoft.com/office/powerpoint/2010/main" xmlns="" val="3573922916"/>
       </p:ext>
     </p:extLst>
   </p:cSld>
@@ -3852,7 +3853,7 @@
             <a:fld id="{CDAEE9B0-25E7-4C28-AF1D-B3DDCE7EBBDB}" type="datetime1">
               <a:rPr lang="en-US" smtClean="0"/>
               <a:pPr/>
-              <a:t>7/15/2011</a:t>
+              <a:t>7/20/2011</a:t>
             </a:fld>
             <a:endParaRPr lang="en-GB"/>
           </a:p>
@@ -3908,7 +3909,7 @@
     </p:spTree>
     <p:extLst>
       <p:ext uri="{BB962C8B-B14F-4D97-AF65-F5344CB8AC3E}">
-        <p14:creationId xmlns:p14="http://schemas.microsoft.com/office/powerpoint/2010/main" val="2108512158"/>
+        <p14:creationId xmlns:p14="http://schemas.microsoft.com/office/powerpoint/2010/main" xmlns="" val="2108512158"/>
       </p:ext>
     </p:extLst>
   </p:cSld>
@@ -4011,7 +4012,7 @@
             <a:fld id="{CDAEE9B0-25E7-4C28-AF1D-B3DDCE7EBBDB}" type="datetime1">
               <a:rPr lang="en-US" smtClean="0"/>
               <a:pPr/>
-              <a:t>7/15/2011</a:t>
+              <a:t>7/20/2011</a:t>
             </a:fld>
             <a:endParaRPr lang="en-GB" dirty="0"/>
           </a:p>
@@ -4067,7 +4068,7 @@
     </p:spTree>
     <p:extLst>
       <p:ext uri="{BB962C8B-B14F-4D97-AF65-F5344CB8AC3E}">
-        <p14:creationId xmlns:p14="http://schemas.microsoft.com/office/powerpoint/2010/main" val="3738179165"/>
+        <p14:creationId xmlns:p14="http://schemas.microsoft.com/office/powerpoint/2010/main" xmlns="" val="3738179165"/>
       </p:ext>
     </p:extLst>
   </p:cSld>
@@ -4196,7 +4197,7 @@
             <a:fld id="{CDAEE9B0-25E7-4C28-AF1D-B3DDCE7EBBDB}" type="datetime1">
               <a:rPr lang="en-US" smtClean="0"/>
               <a:pPr/>
-              <a:t>7/15/2011</a:t>
+              <a:t>7/20/2011</a:t>
             </a:fld>
             <a:endParaRPr lang="en-GB"/>
           </a:p>
@@ -4252,7 +4253,7 @@
     </p:spTree>
     <p:extLst>
       <p:ext uri="{BB962C8B-B14F-4D97-AF65-F5344CB8AC3E}">
-        <p14:creationId xmlns:p14="http://schemas.microsoft.com/office/powerpoint/2010/main" val="1957182481"/>
+        <p14:creationId xmlns:p14="http://schemas.microsoft.com/office/powerpoint/2010/main" xmlns="" val="1957182481"/>
       </p:ext>
     </p:extLst>
   </p:cSld>
@@ -4383,7 +4384,7 @@
             <a:fld id="{CDAEE9B0-25E7-4C28-AF1D-B3DDCE7EBBDB}" type="datetime1">
               <a:rPr lang="en-US" smtClean="0"/>
               <a:pPr/>
-              <a:t>7/15/2011</a:t>
+              <a:t>7/20/2011</a:t>
             </a:fld>
             <a:endParaRPr lang="en-GB"/>
           </a:p>
@@ -4439,7 +4440,7 @@
     </p:spTree>
     <p:extLst>
       <p:ext uri="{BB962C8B-B14F-4D97-AF65-F5344CB8AC3E}">
-        <p14:creationId xmlns:p14="http://schemas.microsoft.com/office/powerpoint/2010/main" val="2909703350"/>
+        <p14:creationId xmlns:p14="http://schemas.microsoft.com/office/powerpoint/2010/main" xmlns="" val="2909703350"/>
       </p:ext>
     </p:extLst>
   </p:cSld>
@@ -4546,7 +4547,7 @@
             <a:fld id="{CDAEE9B0-25E7-4C28-AF1D-B3DDCE7EBBDB}" type="datetime1">
               <a:rPr lang="en-US" smtClean="0"/>
               <a:pPr/>
-              <a:t>7/15/2011</a:t>
+              <a:t>7/20/2011</a:t>
             </a:fld>
             <a:endParaRPr lang="en-GB"/>
           </a:p>
@@ -4602,7 +4603,7 @@
     </p:spTree>
     <p:extLst>
       <p:ext uri="{BB962C8B-B14F-4D97-AF65-F5344CB8AC3E}">
-        <p14:creationId xmlns:p14="http://schemas.microsoft.com/office/powerpoint/2010/main" val="3472818035"/>
+        <p14:creationId xmlns:p14="http://schemas.microsoft.com/office/powerpoint/2010/main" xmlns="" val="3472818035"/>
       </p:ext>
     </p:extLst>
   </p:cSld>
@@ -4715,7 +4716,7 @@
             <a:fld id="{CDAEE9B0-25E7-4C28-AF1D-B3DDCE7EBBDB}" type="datetime1">
               <a:rPr lang="en-US" smtClean="0"/>
               <a:pPr/>
-              <a:t>7/15/2011</a:t>
+              <a:t>7/20/2011</a:t>
             </a:fld>
             <a:endParaRPr lang="en-GB"/>
           </a:p>
@@ -4771,7 +4772,7 @@
     </p:spTree>
     <p:extLst>
       <p:ext uri="{BB962C8B-B14F-4D97-AF65-F5344CB8AC3E}">
-        <p14:creationId xmlns:p14="http://schemas.microsoft.com/office/powerpoint/2010/main" val="1034858646"/>
+        <p14:creationId xmlns:p14="http://schemas.microsoft.com/office/powerpoint/2010/main" xmlns="" val="1034858646"/>
       </p:ext>
     </p:extLst>
   </p:cSld>
@@ -4893,7 +4894,7 @@
             <a:fld id="{CDAEE9B0-25E7-4C28-AF1D-B3DDCE7EBBDB}" type="datetime1">
               <a:rPr lang="en-US" smtClean="0"/>
               <a:pPr/>
-              <a:t>7/15/2011</a:t>
+              <a:t>7/20/2011</a:t>
             </a:fld>
             <a:endParaRPr lang="en-GB"/>
           </a:p>
@@ -4949,7 +4950,7 @@
     </p:spTree>
     <p:extLst>
       <p:ext uri="{BB962C8B-B14F-4D97-AF65-F5344CB8AC3E}">
-        <p14:creationId xmlns:p14="http://schemas.microsoft.com/office/powerpoint/2010/main" val="3849529298"/>
+        <p14:creationId xmlns:p14="http://schemas.microsoft.com/office/powerpoint/2010/main" xmlns="" val="3849529298"/>
       </p:ext>
     </p:extLst>
   </p:cSld>
@@ -5108,7 +5109,7 @@
             <a:fld id="{CDAEE9B0-25E7-4C28-AF1D-B3DDCE7EBBDB}" type="datetime1">
               <a:rPr lang="en-US" smtClean="0"/>
               <a:pPr/>
-              <a:t>7/15/2011</a:t>
+              <a:t>7/20/2011</a:t>
             </a:fld>
             <a:endParaRPr lang="en-GB"/>
           </a:p>
@@ -5164,7 +5165,7 @@
     </p:spTree>
     <p:extLst>
       <p:ext uri="{BB962C8B-B14F-4D97-AF65-F5344CB8AC3E}">
-        <p14:creationId xmlns:p14="http://schemas.microsoft.com/office/powerpoint/2010/main" val="4093170207"/>
+        <p14:creationId xmlns:p14="http://schemas.microsoft.com/office/powerpoint/2010/main" xmlns="" val="4093170207"/>
       </p:ext>
     </p:extLst>
   </p:cSld>
@@ -5300,7 +5301,7 @@
             <a:fld id="{CDAEE9B0-25E7-4C28-AF1D-B3DDCE7EBBDB}" type="datetime1">
               <a:rPr lang="en-US" smtClean="0"/>
               <a:pPr/>
-              <a:t>7/15/2011</a:t>
+              <a:t>7/20/2011</a:t>
             </a:fld>
             <a:endParaRPr lang="en-GB"/>
           </a:p>
@@ -5356,7 +5357,7 @@
     </p:spTree>
     <p:extLst>
       <p:ext uri="{BB962C8B-B14F-4D97-AF65-F5344CB8AC3E}">
-        <p14:creationId xmlns:p14="http://schemas.microsoft.com/office/powerpoint/2010/main" val="2357537943"/>
+        <p14:creationId xmlns:p14="http://schemas.microsoft.com/office/powerpoint/2010/main" xmlns="" val="2357537943"/>
       </p:ext>
     </p:extLst>
   </p:cSld>
@@ -5478,7 +5479,7 @@
             <a:fld id="{CDAEE9B0-25E7-4C28-AF1D-B3DDCE7EBBDB}" type="datetime1">
               <a:rPr lang="en-US" smtClean="0"/>
               <a:pPr/>
-              <a:t>7/15/2011</a:t>
+              <a:t>7/20/2011</a:t>
             </a:fld>
             <a:endParaRPr lang="en-GB"/>
           </a:p>
@@ -5534,7 +5535,7 @@
     </p:spTree>
     <p:extLst>
       <p:ext uri="{BB962C8B-B14F-4D97-AF65-F5344CB8AC3E}">
-        <p14:creationId xmlns:p14="http://schemas.microsoft.com/office/powerpoint/2010/main" val="509411177"/>
+        <p14:creationId xmlns:p14="http://schemas.microsoft.com/office/powerpoint/2010/main" xmlns="" val="509411177"/>
       </p:ext>
     </p:extLst>
   </p:cSld>
@@ -5658,7 +5659,7 @@
             <a:fld id="{CDAEE9B0-25E7-4C28-AF1D-B3DDCE7EBBDB}" type="datetime1">
               <a:rPr lang="en-US" smtClean="0"/>
               <a:pPr/>
-              <a:t>7/15/2011</a:t>
+              <a:t>7/20/2011</a:t>
             </a:fld>
             <a:endParaRPr lang="en-GB"/>
           </a:p>
@@ -5714,7 +5715,7 @@
     </p:spTree>
     <p:extLst>
       <p:ext uri="{BB962C8B-B14F-4D97-AF65-F5344CB8AC3E}">
-        <p14:creationId xmlns:p14="http://schemas.microsoft.com/office/powerpoint/2010/main" val="673125997"/>
+        <p14:creationId xmlns:p14="http://schemas.microsoft.com/office/powerpoint/2010/main" xmlns="" val="673125997"/>
       </p:ext>
     </p:extLst>
   </p:cSld>
@@ -5812,7 +5813,7 @@
             <a:fld id="{CDAEE9B0-25E7-4C28-AF1D-B3DDCE7EBBDB}" type="datetime1">
               <a:rPr lang="en-US" smtClean="0"/>
               <a:pPr/>
-              <a:t>7/15/2011</a:t>
+              <a:t>7/20/2011</a:t>
             </a:fld>
             <a:endParaRPr lang="en-GB"/>
           </a:p>
@@ -5868,7 +5869,7 @@
     </p:spTree>
     <p:extLst>
       <p:ext uri="{BB962C8B-B14F-4D97-AF65-F5344CB8AC3E}">
-        <p14:creationId xmlns:p14="http://schemas.microsoft.com/office/powerpoint/2010/main" val="2964860377"/>
+        <p14:creationId xmlns:p14="http://schemas.microsoft.com/office/powerpoint/2010/main" xmlns="" val="2964860377"/>
       </p:ext>
     </p:extLst>
   </p:cSld>
@@ -6038,7 +6039,7 @@
             <a:fld id="{CDAEE9B0-25E7-4C28-AF1D-B3DDCE7EBBDB}" type="datetime1">
               <a:rPr lang="en-US" smtClean="0"/>
               <a:pPr/>
-              <a:t>7/15/2011</a:t>
+              <a:t>7/20/2011</a:t>
             </a:fld>
             <a:endParaRPr lang="en-GB"/>
           </a:p>
@@ -6094,7 +6095,7 @@
     </p:spTree>
     <p:extLst>
       <p:ext uri="{BB962C8B-B14F-4D97-AF65-F5344CB8AC3E}">
-        <p14:creationId xmlns:p14="http://schemas.microsoft.com/office/powerpoint/2010/main" val="322844269"/>
+        <p14:creationId xmlns:p14="http://schemas.microsoft.com/office/powerpoint/2010/main" xmlns="" val="322844269"/>
       </p:ext>
     </p:extLst>
   </p:cSld>
@@ -6147,7 +6148,7 @@
     </p:spTree>
     <p:extLst>
       <p:ext uri="{BB962C8B-B14F-4D97-AF65-F5344CB8AC3E}">
-        <p14:creationId xmlns:p14="http://schemas.microsoft.com/office/powerpoint/2010/main" val="798346359"/>
+        <p14:creationId xmlns:p14="http://schemas.microsoft.com/office/powerpoint/2010/main" xmlns="" val="798346359"/>
       </p:ext>
     </p:extLst>
   </p:cSld>
@@ -6279,7 +6280,7 @@
             <a:fld id="{EA5D455B-ECD0-44E3-BA0C-3649A3FCD15C}" type="datetime1">
               <a:rPr lang="en-US" smtClean="0"/>
               <a:pPr/>
-              <a:t>7/15/2011</a:t>
+              <a:t>7/20/2011</a:t>
             </a:fld>
             <a:endParaRPr lang="en-GB"/>
           </a:p>
@@ -6335,7 +6336,7 @@
     </p:spTree>
     <p:extLst>
       <p:ext uri="{BB962C8B-B14F-4D97-AF65-F5344CB8AC3E}">
-        <p14:creationId xmlns:p14="http://schemas.microsoft.com/office/powerpoint/2010/main" val="118536430"/>
+        <p14:creationId xmlns:p14="http://schemas.microsoft.com/office/powerpoint/2010/main" xmlns="" val="118536430"/>
       </p:ext>
     </p:extLst>
   </p:cSld>
@@ -6472,7 +6473,7 @@
             <a:fld id="{CDAEE9B0-25E7-4C28-AF1D-B3DDCE7EBBDB}" type="datetime1">
               <a:rPr lang="en-US" smtClean="0"/>
               <a:pPr/>
-              <a:t>7/15/2011</a:t>
+              <a:t>7/20/2011</a:t>
             </a:fld>
             <a:endParaRPr lang="en-GB"/>
           </a:p>
@@ -6528,7 +6529,7 @@
     </p:spTree>
     <p:extLst>
       <p:ext uri="{BB962C8B-B14F-4D97-AF65-F5344CB8AC3E}">
-        <p14:creationId xmlns:p14="http://schemas.microsoft.com/office/powerpoint/2010/main" val="299555438"/>
+        <p14:creationId xmlns:p14="http://schemas.microsoft.com/office/powerpoint/2010/main" xmlns="" val="299555438"/>
       </p:ext>
     </p:extLst>
   </p:cSld>
@@ -6574,10 +6575,6 @@
               <a:rPr lang="en-GB" dirty="0" err="1" smtClean="0"/>
               <a:t>rdfEditor</a:t>
             </a:r>
-            <a:r>
-              <a:rPr lang="en-GB" dirty="0" smtClean="0"/>
-              <a:t> (1 of 2)</a:t>
-            </a:r>
             <a:endParaRPr lang="en-GB" dirty="0"/>
           </a:p>
         </p:txBody>
@@ -6601,53 +6598,13 @@
           <a:p>
             <a:r>
               <a:rPr lang="en-GB" dirty="0" smtClean="0"/>
-              <a:t>Speed improvements will be made to syntax validation</a:t>
-            </a:r>
-          </a:p>
-          <a:p>
-            <a:r>
-              <a:rPr lang="en-GB" dirty="0" smtClean="0"/>
-              <a:t>Abstraction of much of the core functionality into a separate library </a:t>
-            </a:r>
-            <a:r>
-              <a:rPr lang="en-GB" dirty="0" err="1" smtClean="0"/>
-              <a:t>rdfEditor.Core</a:t>
+              <a:t>Speed improvements will be made to syntax </a:t>
+            </a:r>
+            <a:r>
+              <a:rPr lang="en-GB" dirty="0" smtClean="0"/>
+              <a:t>validation</a:t>
             </a:r>
             <a:endParaRPr lang="en-GB" dirty="0" smtClean="0"/>
-          </a:p>
-          <a:p>
-            <a:r>
-              <a:rPr lang="en-GB" dirty="0" err="1" smtClean="0"/>
-              <a:t>WinForms</a:t>
-            </a:r>
-            <a:r>
-              <a:rPr lang="en-GB" dirty="0" smtClean="0"/>
-              <a:t> based version of </a:t>
-            </a:r>
-            <a:r>
-              <a:rPr lang="en-GB" dirty="0" err="1" smtClean="0"/>
-              <a:t>rdfEditor</a:t>
-            </a:r>
-            <a:r>
-              <a:rPr lang="en-GB" dirty="0" smtClean="0"/>
-              <a:t> using this new library</a:t>
-            </a:r>
-          </a:p>
-          <a:p>
-            <a:pPr lvl="1"/>
-            <a:r>
-              <a:rPr lang="en-GB" dirty="0" smtClean="0"/>
-              <a:t>Means </a:t>
-            </a:r>
-            <a:r>
-              <a:rPr lang="en-GB" dirty="0" err="1" smtClean="0"/>
-              <a:t>rdfEditor</a:t>
-            </a:r>
-            <a:r>
-              <a:rPr lang="en-GB" dirty="0" smtClean="0"/>
-              <a:t> is runnable on non-Windows systems</a:t>
-            </a:r>
-            <a:endParaRPr lang="en-GB" dirty="0"/>
           </a:p>
         </p:txBody>
       </p:sp>
@@ -6669,7 +6626,7 @@
             <a:fld id="{CDAEE9B0-25E7-4C28-AF1D-B3DDCE7EBBDB}" type="datetime1">
               <a:rPr lang="en-US" smtClean="0"/>
               <a:pPr/>
-              <a:t>7/15/2011</a:t>
+              <a:t>7/20/2011</a:t>
             </a:fld>
             <a:endParaRPr lang="en-GB"/>
           </a:p>
@@ -6725,7 +6682,7 @@
     </p:spTree>
     <p:extLst>
       <p:ext uri="{BB962C8B-B14F-4D97-AF65-F5344CB8AC3E}">
-        <p14:creationId xmlns:p14="http://schemas.microsoft.com/office/powerpoint/2010/main" val="1002032322"/>
+        <p14:creationId xmlns:p14="http://schemas.microsoft.com/office/powerpoint/2010/main" xmlns="" val="1002032322"/>
       </p:ext>
     </p:extLst>
   </p:cSld>
@@ -6769,11 +6726,7 @@
           <a:p>
             <a:r>
               <a:rPr lang="en-GB" dirty="0" err="1" smtClean="0"/>
-              <a:t>rdfEditor</a:t>
-            </a:r>
-            <a:r>
-              <a:rPr lang="en-GB" dirty="0" smtClean="0"/>
-              <a:t> (2 of 2)</a:t>
+              <a:t>SparqlGUI</a:t>
             </a:r>
             <a:endParaRPr lang="en-GB" dirty="0"/>
           </a:p>
@@ -6791,74 +6744,29 @@
         </p:nvSpPr>
         <p:spPr/>
         <p:txBody>
-          <a:bodyPr>
-            <a:normAutofit lnSpcReduction="10000"/>
-          </a:bodyPr>
-          <a:lstStyle/>
-          <a:p>
-            <a:r>
-              <a:rPr lang="en-GB" dirty="0" smtClean="0"/>
-              <a:t>Existing WPF version of </a:t>
-            </a:r>
-            <a:r>
-              <a:rPr lang="en-GB" dirty="0" err="1" smtClean="0"/>
-              <a:t>rdfEditor</a:t>
-            </a:r>
-            <a:r>
-              <a:rPr lang="en-GB" dirty="0" smtClean="0"/>
-              <a:t> will be refactored to use new </a:t>
-            </a:r>
-            <a:r>
-              <a:rPr lang="en-GB" dirty="0" err="1" smtClean="0"/>
-              <a:t>rdfEditor.Core</a:t>
-            </a:r>
-            <a:r>
-              <a:rPr lang="en-GB" dirty="0" smtClean="0"/>
-              <a:t> library</a:t>
-            </a:r>
-          </a:p>
-          <a:p>
-            <a:r>
-              <a:rPr lang="en-GB" dirty="0" err="1" smtClean="0"/>
-              <a:t>rdfEditor.Core</a:t>
-            </a:r>
-            <a:r>
-              <a:rPr lang="en-GB" dirty="0" smtClean="0"/>
-              <a:t> provides the following:</a:t>
+          <a:bodyPr/>
+          <a:lstStyle/>
+          <a:p>
+            <a:r>
+              <a:rPr lang="en-GB" dirty="0" smtClean="0"/>
+              <a:t>Support for query explanation will be added to the tool</a:t>
             </a:r>
           </a:p>
           <a:p>
             <a:pPr lvl="1"/>
             <a:r>
               <a:rPr lang="en-GB" dirty="0" smtClean="0"/>
-              <a:t>Cleaner and reusable shared code based between different GUI frontends</a:t>
+              <a:t>An explain button can be used just to show the explanation trace</a:t>
             </a:r>
           </a:p>
           <a:p>
             <a:pPr lvl="1"/>
             <a:r>
               <a:rPr lang="en-GB" dirty="0" smtClean="0"/>
-              <a:t>Support for multiple document editing</a:t>
-            </a:r>
-          </a:p>
-          <a:p>
-            <a:pPr lvl="1"/>
-            <a:r>
-              <a:rPr lang="en-GB" dirty="0" smtClean="0"/>
-              <a:t>Improved support for conversion between formats</a:t>
-            </a:r>
-          </a:p>
-          <a:p>
-            <a:pPr lvl="1"/>
-            <a:r>
-              <a:rPr lang="en-GB" dirty="0" smtClean="0"/>
-              <a:t>Extensible plugin system</a:t>
-            </a:r>
-          </a:p>
-          <a:p>
-            <a:pPr marL="457200" lvl="1" indent="0">
-              <a:buNone/>
-            </a:pPr>
+              <a:t>A Log Explanations option has been added so explanations for all queries are added to the log file</a:t>
+            </a:r>
+          </a:p>
+          <a:p>
             <a:endParaRPr lang="en-GB" dirty="0"/>
           </a:p>
         </p:txBody>
@@ -6881,7 +6789,7 @@
             <a:fld id="{CDAEE9B0-25E7-4C28-AF1D-B3DDCE7EBBDB}" type="datetime1">
               <a:rPr lang="en-US" smtClean="0"/>
               <a:pPr/>
-              <a:t>7/15/2011</a:t>
+              <a:t>7/20/2011</a:t>
             </a:fld>
             <a:endParaRPr lang="en-GB"/>
           </a:p>
@@ -6937,7 +6845,7 @@
     </p:spTree>
     <p:extLst>
       <p:ext uri="{BB962C8B-B14F-4D97-AF65-F5344CB8AC3E}">
-        <p14:creationId xmlns:p14="http://schemas.microsoft.com/office/powerpoint/2010/main" val="1906835178"/>
+        <p14:creationId xmlns:p14="http://schemas.microsoft.com/office/powerpoint/2010/main" xmlns="" val="1473382163"/>
       </p:ext>
     </p:extLst>
   </p:cSld>
@@ -6981,7 +6889,7 @@
           <a:p>
             <a:r>
               <a:rPr lang="en-GB" dirty="0" err="1" smtClean="0"/>
-              <a:t>SparqlGUI</a:t>
+              <a:t>StoreManager</a:t>
             </a:r>
             <a:endParaRPr lang="en-GB" dirty="0"/>
           </a:p>
@@ -6999,30 +6907,65 @@
         </p:nvSpPr>
         <p:spPr/>
         <p:txBody>
-          <a:bodyPr/>
-          <a:lstStyle/>
-          <a:p>
-            <a:r>
-              <a:rPr lang="en-GB" dirty="0" smtClean="0"/>
-              <a:t>Support for query explanation will be added to the tool</a:t>
+          <a:bodyPr>
+            <a:normAutofit lnSpcReduction="10000"/>
+          </a:bodyPr>
+          <a:lstStyle/>
+          <a:p>
+            <a:r>
+              <a:rPr lang="en-GB" dirty="0" smtClean="0"/>
+              <a:t>Support for new stores</a:t>
             </a:r>
           </a:p>
           <a:p>
             <a:pPr lvl="1"/>
             <a:r>
               <a:rPr lang="en-GB" dirty="0" smtClean="0"/>
-              <a:t>An explain button can be used just to show the explanation trace</a:t>
+              <a:t>ADO Store (MS SQL) and </a:t>
+            </a:r>
+            <a:r>
+              <a:rPr lang="en-GB" dirty="0" err="1" smtClean="0"/>
+              <a:t>Dydra</a:t>
+            </a:r>
+            <a:endParaRPr lang="en-GB" dirty="0" smtClean="0"/>
+          </a:p>
+          <a:p>
+            <a:r>
+              <a:rPr lang="en-GB" dirty="0" smtClean="0"/>
+              <a:t>Improved </a:t>
+            </a:r>
+            <a:r>
+              <a:rPr lang="en-GB" dirty="0" err="1" smtClean="0"/>
+              <a:t>AllegroGraph</a:t>
+            </a:r>
+            <a:r>
+              <a:rPr lang="en-GB" dirty="0" smtClean="0"/>
+              <a:t> 4.x support</a:t>
+            </a:r>
+          </a:p>
+          <a:p>
+            <a:r>
+              <a:rPr lang="en-GB" dirty="0" smtClean="0"/>
+              <a:t>Will use the handler subsystem extensions in the core library to:</a:t>
             </a:r>
           </a:p>
           <a:p>
             <a:pPr lvl="1"/>
             <a:r>
-              <a:rPr lang="en-GB" dirty="0" smtClean="0"/>
-              <a:t>A Log Explanations option has been added so explanations for all queries are added to the log file</a:t>
-            </a:r>
-          </a:p>
-          <a:p>
-            <a:endParaRPr lang="en-GB" dirty="0"/>
+              <a:rPr lang="en-GB" dirty="0"/>
+              <a:t>I</a:t>
+            </a:r>
+            <a:r>
+              <a:rPr lang="en-GB" dirty="0" smtClean="0"/>
+              <a:t>mprove export speed when possible</a:t>
+            </a:r>
+          </a:p>
+          <a:p>
+            <a:pPr lvl="1"/>
+            <a:r>
+              <a:rPr lang="en-GB" dirty="0" smtClean="0"/>
+              <a:t>Provide a preview graph function which returns the first 100 triples of a graph</a:t>
+            </a:r>
           </a:p>
         </p:txBody>
       </p:sp>
@@ -7044,7 +6987,7 @@
             <a:fld id="{CDAEE9B0-25E7-4C28-AF1D-B3DDCE7EBBDB}" type="datetime1">
               <a:rPr lang="en-US" smtClean="0"/>
               <a:pPr/>
-              <a:t>7/15/2011</a:t>
+              <a:t>7/20/2011</a:t>
             </a:fld>
             <a:endParaRPr lang="en-GB"/>
           </a:p>
@@ -7100,7 +7043,7 @@
     </p:spTree>
     <p:extLst>
       <p:ext uri="{BB962C8B-B14F-4D97-AF65-F5344CB8AC3E}">
-        <p14:creationId xmlns:p14="http://schemas.microsoft.com/office/powerpoint/2010/main" val="1473382163"/>
+        <p14:creationId xmlns:p14="http://schemas.microsoft.com/office/powerpoint/2010/main" xmlns="" val="370317736"/>
       </p:ext>
     </p:extLst>
   </p:cSld>
@@ -7238,7 +7181,7 @@
             <a:fld id="{CDAEE9B0-25E7-4C28-AF1D-B3DDCE7EBBDB}" type="datetime1">
               <a:rPr lang="en-US" smtClean="0"/>
               <a:pPr/>
-              <a:t>7/15/2011</a:t>
+              <a:t>7/20/2011</a:t>
             </a:fld>
             <a:endParaRPr lang="en-GB"/>
           </a:p>
@@ -7294,7 +7237,7 @@
     </p:spTree>
     <p:extLst>
       <p:ext uri="{BB962C8B-B14F-4D97-AF65-F5344CB8AC3E}">
-        <p14:creationId xmlns:p14="http://schemas.microsoft.com/office/powerpoint/2010/main" val="3702788433"/>
+        <p14:creationId xmlns:p14="http://schemas.microsoft.com/office/powerpoint/2010/main" xmlns="" val="3702788433"/>
       </p:ext>
     </p:extLst>
   </p:cSld>
@@ -7337,8 +7280,8 @@
           <a:lstStyle/>
           <a:p>
             <a:r>
-              <a:rPr lang="en-GB" dirty="0" err="1" smtClean="0"/>
-              <a:t>StoreManager</a:t>
+              <a:rPr lang="en-GB" dirty="0" smtClean="0"/>
+              <a:t>Architecture Roadmap</a:t>
             </a:r>
             <a:endParaRPr lang="en-GB" dirty="0"/>
           </a:p>
@@ -7346,81 +7289,7 @@
       </p:sp>
       <p:sp>
         <p:nvSpPr>
-          <p:cNvPr id="3" name="Content Placeholder 2"/>
-          <p:cNvSpPr>
-            <a:spLocks noGrp="1"/>
-          </p:cNvSpPr>
-          <p:nvPr>
-            <p:ph idx="1"/>
-          </p:nvPr>
-        </p:nvSpPr>
-        <p:spPr/>
-        <p:txBody>
-          <a:bodyPr>
-            <a:normAutofit lnSpcReduction="10000"/>
-          </a:bodyPr>
-          <a:lstStyle/>
-          <a:p>
-            <a:r>
-              <a:rPr lang="en-GB" dirty="0" smtClean="0"/>
-              <a:t>Support for new stores</a:t>
-            </a:r>
-          </a:p>
-          <a:p>
-            <a:pPr lvl="1"/>
-            <a:r>
-              <a:rPr lang="en-GB" dirty="0" smtClean="0"/>
-              <a:t>ADO Store (MS SQL) and </a:t>
-            </a:r>
-            <a:r>
-              <a:rPr lang="en-GB" dirty="0" err="1" smtClean="0"/>
-              <a:t>Dydra</a:t>
-            </a:r>
-            <a:endParaRPr lang="en-GB" dirty="0" smtClean="0"/>
-          </a:p>
-          <a:p>
-            <a:r>
-              <a:rPr lang="en-GB" dirty="0" smtClean="0"/>
-              <a:t>Improved </a:t>
-            </a:r>
-            <a:r>
-              <a:rPr lang="en-GB" dirty="0" err="1" smtClean="0"/>
-              <a:t>AllegroGraph</a:t>
-            </a:r>
-            <a:r>
-              <a:rPr lang="en-GB" dirty="0" smtClean="0"/>
-              <a:t> 4.x support</a:t>
-            </a:r>
-          </a:p>
-          <a:p>
-            <a:r>
-              <a:rPr lang="en-GB" dirty="0" smtClean="0"/>
-              <a:t>Will use the handler subsystem extensions in the core library to:</a:t>
-            </a:r>
-          </a:p>
-          <a:p>
-            <a:pPr lvl="1"/>
-            <a:r>
-              <a:rPr lang="en-GB" dirty="0"/>
-              <a:t>I</a:t>
-            </a:r>
-            <a:r>
-              <a:rPr lang="en-GB" dirty="0" smtClean="0"/>
-              <a:t>mprove export speed when possible</a:t>
-            </a:r>
-          </a:p>
-          <a:p>
-            <a:pPr lvl="1"/>
-            <a:r>
-              <a:rPr lang="en-GB" dirty="0" smtClean="0"/>
-              <a:t>Provide a preview graph function which returns the first 100 triples of a graph</a:t>
-            </a:r>
-          </a:p>
-        </p:txBody>
-      </p:sp>
-      <p:sp>
-        <p:nvSpPr>
-          <p:cNvPr id="4" name="Date Placeholder 3"/>
+          <p:cNvPr id="3" name="Date Placeholder 2"/>
           <p:cNvSpPr>
             <a:spLocks noGrp="1"/>
           </p:cNvSpPr>
@@ -7433,10 +7302,10 @@
           <a:bodyPr/>
           <a:lstStyle/>
           <a:p>
-            <a:fld id="{CDAEE9B0-25E7-4C28-AF1D-B3DDCE7EBBDB}" type="datetime1">
+            <a:fld id="{EA5D455B-ECD0-44E3-BA0C-3649A3FCD15C}" type="datetime1">
               <a:rPr lang="en-US" smtClean="0"/>
               <a:pPr/>
-              <a:t>7/15/2011</a:t>
+              <a:t>7/20/2011</a:t>
             </a:fld>
             <a:endParaRPr lang="en-GB"/>
           </a:p>
@@ -7444,7 +7313,7 @@
       </p:sp>
       <p:sp>
         <p:nvSpPr>
-          <p:cNvPr id="5" name="Footer Placeholder 4"/>
+          <p:cNvPr id="4" name="Footer Placeholder 3"/>
           <p:cNvSpPr>
             <a:spLocks noGrp="1"/>
           </p:cNvSpPr>
@@ -7467,7 +7336,7 @@
       </p:sp>
       <p:sp>
         <p:nvSpPr>
-          <p:cNvPr id="6" name="Slide Number Placeholder 5"/>
+          <p:cNvPr id="5" name="Slide Number Placeholder 4"/>
           <p:cNvSpPr>
             <a:spLocks noGrp="1"/>
           </p:cNvSpPr>
@@ -7492,7 +7361,7 @@
     </p:spTree>
     <p:extLst>
       <p:ext uri="{BB962C8B-B14F-4D97-AF65-F5344CB8AC3E}">
-        <p14:creationId xmlns:p14="http://schemas.microsoft.com/office/powerpoint/2010/main" val="370317736"/>
+        <p14:creationId xmlns:p14="http://schemas.microsoft.com/office/powerpoint/2010/main" xmlns="" val="106888204"/>
       </p:ext>
     </p:extLst>
   </p:cSld>
@@ -7521,7 +7390,7 @@
       </p:grpSpPr>
       <p:sp>
         <p:nvSpPr>
-          <p:cNvPr id="2" name="Title 1"/>
+          <p:cNvPr id="6" name="Title 5"/>
           <p:cNvSpPr>
             <a:spLocks noGrp="1"/>
           </p:cNvSpPr>
@@ -7536,9 +7405,45 @@
           <a:p>
             <a:r>
               <a:rPr lang="en-GB" dirty="0" smtClean="0"/>
-              <a:t>Architecture Roadmap</a:t>
+              <a:t>Current Architecture</a:t>
             </a:r>
             <a:endParaRPr lang="en-GB" dirty="0"/>
+          </a:p>
+        </p:txBody>
+      </p:sp>
+      <p:sp>
+        <p:nvSpPr>
+          <p:cNvPr id="7" name="Content Placeholder 6"/>
+          <p:cNvSpPr>
+            <a:spLocks noGrp="1"/>
+          </p:cNvSpPr>
+          <p:nvPr>
+            <p:ph idx="1"/>
+          </p:nvPr>
+        </p:nvSpPr>
+        <p:spPr/>
+        <p:txBody>
+          <a:bodyPr/>
+          <a:lstStyle/>
+          <a:p>
+            <a:r>
+              <a:rPr lang="en-GB" dirty="0" smtClean="0"/>
+              <a:t>Currently the core library is a single library which is not ideal design going forward</a:t>
+            </a:r>
+          </a:p>
+          <a:p>
+            <a:r>
+              <a:rPr lang="en-GB" dirty="0" smtClean="0"/>
+              <a:t>Some features already reside in external libraries e.g. </a:t>
+            </a:r>
+            <a:r>
+              <a:rPr lang="en-GB" dirty="0" err="1" smtClean="0"/>
+              <a:t>dotNetRDF.WinForms</a:t>
+            </a:r>
+            <a:r>
+              <a:rPr lang="en-GB" dirty="0" smtClean="0"/>
+              <a:t> provides common functionality for Windows Forms GUIs</a:t>
+            </a:r>
           </a:p>
         </p:txBody>
       </p:sp>
@@ -7560,7 +7465,7 @@
             <a:fld id="{EA5D455B-ECD0-44E3-BA0C-3649A3FCD15C}" type="datetime1">
               <a:rPr lang="en-US" smtClean="0"/>
               <a:pPr/>
-              <a:t>7/15/2011</a:t>
+              <a:t>7/20/2011</a:t>
             </a:fld>
             <a:endParaRPr lang="en-GB"/>
           </a:p>
@@ -7616,7 +7521,7 @@
     </p:spTree>
     <p:extLst>
       <p:ext uri="{BB962C8B-B14F-4D97-AF65-F5344CB8AC3E}">
-        <p14:creationId xmlns:p14="http://schemas.microsoft.com/office/powerpoint/2010/main" val="106888204"/>
+        <p14:creationId xmlns:p14="http://schemas.microsoft.com/office/powerpoint/2010/main" xmlns="" val="1934465878"/>
       </p:ext>
     </p:extLst>
   </p:cSld>
@@ -7645,7 +7550,7 @@
       </p:grpSpPr>
       <p:sp>
         <p:nvSpPr>
-          <p:cNvPr id="6" name="Title 5"/>
+          <p:cNvPr id="2" name="Title 1"/>
           <p:cNvSpPr>
             <a:spLocks noGrp="1"/>
           </p:cNvSpPr>
@@ -7660,7 +7565,7 @@
           <a:p>
             <a:r>
               <a:rPr lang="en-GB" dirty="0" smtClean="0"/>
-              <a:t>Current Architecture</a:t>
+              <a:t>Proposed Architecture</a:t>
             </a:r>
             <a:endParaRPr lang="en-GB" dirty="0"/>
           </a:p>
@@ -7668,7 +7573,7 @@
       </p:sp>
       <p:sp>
         <p:nvSpPr>
-          <p:cNvPr id="7" name="Content Placeholder 6"/>
+          <p:cNvPr id="3" name="Content Placeholder 2"/>
           <p:cNvSpPr>
             <a:spLocks noGrp="1"/>
           </p:cNvSpPr>
@@ -7678,33 +7583,48 @@
         </p:nvSpPr>
         <p:spPr/>
         <p:txBody>
-          <a:bodyPr/>
-          <a:lstStyle/>
-          <a:p>
-            <a:r>
-              <a:rPr lang="en-GB" dirty="0" smtClean="0"/>
-              <a:t>Currently the core library is a single library which is not ideal design going forward</a:t>
-            </a:r>
-          </a:p>
-          <a:p>
-            <a:r>
-              <a:rPr lang="en-GB" dirty="0" smtClean="0"/>
-              <a:t>Some features already reside in external libraries e.g. </a:t>
-            </a:r>
-            <a:r>
-              <a:rPr lang="en-GB" dirty="0" err="1" smtClean="0"/>
-              <a:t>dotNetRDF.WinForms</a:t>
-            </a:r>
-            <a:r>
-              <a:rPr lang="en-GB" dirty="0" smtClean="0"/>
-              <a:t> provides common functionality for Windows Forms GUIs</a:t>
-            </a:r>
-          </a:p>
-        </p:txBody>
-      </p:sp>
-      <p:sp>
-        <p:nvSpPr>
-          <p:cNvPr id="3" name="Date Placeholder 2"/>
+          <a:bodyPr>
+            <a:normAutofit fontScale="92500" lnSpcReduction="20000"/>
+          </a:bodyPr>
+          <a:lstStyle/>
+          <a:p>
+            <a:r>
+              <a:rPr lang="en-GB" dirty="0" smtClean="0"/>
+              <a:t>As new features are added it should be considered carefully whether they are really core features</a:t>
+            </a:r>
+          </a:p>
+          <a:p>
+            <a:pPr lvl="1"/>
+            <a:r>
+              <a:rPr lang="en-GB" dirty="0" smtClean="0"/>
+              <a:t>Core Features should stay in the core library</a:t>
+            </a:r>
+          </a:p>
+          <a:p>
+            <a:pPr lvl="1"/>
+            <a:r>
+              <a:rPr lang="en-GB" dirty="0" smtClean="0"/>
+              <a:t>Non-core features should go into dedicated libraries</a:t>
+            </a:r>
+          </a:p>
+          <a:p>
+            <a:r>
+              <a:rPr lang="en-GB" dirty="0" smtClean="0"/>
+              <a:t>This will help to stop dependency bloat as new features are added</a:t>
+            </a:r>
+          </a:p>
+          <a:p>
+            <a:r>
+              <a:rPr lang="en-GB" dirty="0" smtClean="0"/>
+              <a:t>Also improves maintainability of code and features</a:t>
+            </a:r>
+            <a:endParaRPr lang="en-GB" dirty="0"/>
+          </a:p>
+        </p:txBody>
+      </p:sp>
+      <p:sp>
+        <p:nvSpPr>
+          <p:cNvPr id="4" name="Date Placeholder 3"/>
           <p:cNvSpPr>
             <a:spLocks noGrp="1"/>
           </p:cNvSpPr>
@@ -7717,10 +7637,10 @@
           <a:bodyPr/>
           <a:lstStyle/>
           <a:p>
-            <a:fld id="{EA5D455B-ECD0-44E3-BA0C-3649A3FCD15C}" type="datetime1">
+            <a:fld id="{CDAEE9B0-25E7-4C28-AF1D-B3DDCE7EBBDB}" type="datetime1">
               <a:rPr lang="en-US" smtClean="0"/>
               <a:pPr/>
-              <a:t>7/15/2011</a:t>
+              <a:t>7/20/2011</a:t>
             </a:fld>
             <a:endParaRPr lang="en-GB"/>
           </a:p>
@@ -7728,7 +7648,7 @@
       </p:sp>
       <p:sp>
         <p:nvSpPr>
-          <p:cNvPr id="4" name="Footer Placeholder 3"/>
+          <p:cNvPr id="5" name="Footer Placeholder 4"/>
           <p:cNvSpPr>
             <a:spLocks noGrp="1"/>
           </p:cNvSpPr>
@@ -7751,7 +7671,7 @@
       </p:sp>
       <p:sp>
         <p:nvSpPr>
-          <p:cNvPr id="5" name="Slide Number Placeholder 4"/>
+          <p:cNvPr id="6" name="Slide Number Placeholder 5"/>
           <p:cNvSpPr>
             <a:spLocks noGrp="1"/>
           </p:cNvSpPr>
@@ -7776,7 +7696,7 @@
     </p:spTree>
     <p:extLst>
       <p:ext uri="{BB962C8B-B14F-4D97-AF65-F5344CB8AC3E}">
-        <p14:creationId xmlns:p14="http://schemas.microsoft.com/office/powerpoint/2010/main" val="1934465878"/>
+        <p14:creationId xmlns:p14="http://schemas.microsoft.com/office/powerpoint/2010/main" xmlns="" val="3933745380"/>
       </p:ext>
     </p:extLst>
   </p:cSld>
@@ -7820,7 +7740,7 @@
           <a:p>
             <a:r>
               <a:rPr lang="en-GB" dirty="0" smtClean="0"/>
-              <a:t>Proposed Architecture</a:t>
+              <a:t>What constitutes a Core Feature?</a:t>
             </a:r>
             <a:endParaRPr lang="en-GB" dirty="0"/>
           </a:p>
@@ -7839,39 +7759,61 @@
         <p:spPr/>
         <p:txBody>
           <a:bodyPr>
-            <a:normAutofit fontScale="92500" lnSpcReduction="20000"/>
+            <a:normAutofit fontScale="85000" lnSpcReduction="20000"/>
           </a:bodyPr>
           <a:lstStyle/>
           <a:p>
             <a:r>
               <a:rPr lang="en-GB" dirty="0" smtClean="0"/>
-              <a:t>As new features are added it should be considered carefully whether they are really core features</a:t>
+              <a:t>Core Features:</a:t>
             </a:r>
           </a:p>
           <a:p>
             <a:pPr lvl="1"/>
             <a:r>
               <a:rPr lang="en-GB" dirty="0" smtClean="0"/>
-              <a:t>Core Features should stay in the core library</a:t>
+              <a:t>Adds to/improve capability of a specific subsystem</a:t>
             </a:r>
           </a:p>
           <a:p>
             <a:pPr lvl="1"/>
             <a:r>
               <a:rPr lang="en-GB" dirty="0" smtClean="0"/>
-              <a:t>Non-core features should go into dedicated libraries</a:t>
-            </a:r>
-          </a:p>
-          <a:p>
-            <a:r>
-              <a:rPr lang="en-GB" dirty="0" smtClean="0"/>
-              <a:t>This will help to stop dependency bloat as new features are added</a:t>
-            </a:r>
-          </a:p>
-          <a:p>
-            <a:r>
-              <a:rPr lang="en-GB" dirty="0" smtClean="0"/>
-              <a:t>Also improves maintainability of code and features</a:t>
+              <a:t>Unless providing major new capabilities which are highly desirable to all users they should not constitute an entirely new subsystem</a:t>
+            </a:r>
+          </a:p>
+          <a:p>
+            <a:pPr lvl="1"/>
+            <a:r>
+              <a:rPr lang="en-GB" dirty="0" smtClean="0"/>
+              <a:t>Does not require additional dependencies</a:t>
+            </a:r>
+          </a:p>
+          <a:p>
+            <a:r>
+              <a:rPr lang="en-GB" dirty="0" smtClean="0"/>
+              <a:t>Non Core Features:</a:t>
+            </a:r>
+          </a:p>
+          <a:p>
+            <a:pPr lvl="1"/>
+            <a:r>
+              <a:rPr lang="en-GB" dirty="0" smtClean="0"/>
+              <a:t>Provides an entirely new subsystem</a:t>
+            </a:r>
+          </a:p>
+          <a:p>
+            <a:pPr lvl="1"/>
+            <a:r>
+              <a:rPr lang="en-GB" dirty="0" smtClean="0"/>
+              <a:t>Is only of interest to part of the user base</a:t>
+            </a:r>
+          </a:p>
+          <a:p>
+            <a:pPr lvl="1"/>
+            <a:r>
+              <a:rPr lang="en-GB" dirty="0" smtClean="0"/>
+              <a:t>Introduce new dependencies</a:t>
             </a:r>
             <a:endParaRPr lang="en-GB" dirty="0"/>
           </a:p>
@@ -7895,7 +7837,7 @@
             <a:fld id="{CDAEE9B0-25E7-4C28-AF1D-B3DDCE7EBBDB}" type="datetime1">
               <a:rPr lang="en-US" smtClean="0"/>
               <a:pPr/>
-              <a:t>7/15/2011</a:t>
+              <a:t>7/20/2011</a:t>
             </a:fld>
             <a:endParaRPr lang="en-GB"/>
           </a:p>
@@ -7951,7 +7893,7 @@
     </p:spTree>
     <p:extLst>
       <p:ext uri="{BB962C8B-B14F-4D97-AF65-F5344CB8AC3E}">
-        <p14:creationId xmlns:p14="http://schemas.microsoft.com/office/powerpoint/2010/main" val="3933745380"/>
+        <p14:creationId xmlns:p14="http://schemas.microsoft.com/office/powerpoint/2010/main" xmlns="" val="4089701815"/>
       </p:ext>
     </p:extLst>
   </p:cSld>
@@ -7995,7 +7937,7 @@
           <a:p>
             <a:r>
               <a:rPr lang="en-GB" dirty="0" smtClean="0"/>
-              <a:t>What constitutes a Core Feature?</a:t>
+              <a:t>Proposed Architecture in practise (1 of 2)</a:t>
             </a:r>
             <a:endParaRPr lang="en-GB" dirty="0"/>
           </a:p>
@@ -8014,61 +7956,33 @@
         <p:spPr/>
         <p:txBody>
           <a:bodyPr>
-            <a:normAutofit fontScale="85000" lnSpcReduction="20000"/>
+            <a:normAutofit fontScale="92500"/>
           </a:bodyPr>
           <a:lstStyle/>
           <a:p>
             <a:r>
               <a:rPr lang="en-GB" dirty="0" smtClean="0"/>
-              <a:t>Core Features:</a:t>
+              <a:t>It is proposed that the new ADO Store be packaged in a separate library</a:t>
             </a:r>
           </a:p>
           <a:p>
             <a:pPr lvl="1"/>
             <a:r>
               <a:rPr lang="en-GB" dirty="0" smtClean="0"/>
-              <a:t>Adds to/improve capability of a specific subsystem</a:t>
+              <a:t>Will reduce the need for dependencies in the core library</a:t>
             </a:r>
           </a:p>
           <a:p>
             <a:pPr lvl="1"/>
             <a:r>
               <a:rPr lang="en-GB" dirty="0" smtClean="0"/>
-              <a:t>Unless providing major new capabilities which are highly desirable to all users they should not constitute an entirely new subsystem</a:t>
-            </a:r>
-          </a:p>
-          <a:p>
-            <a:pPr lvl="1"/>
-            <a:r>
-              <a:rPr lang="en-GB" dirty="0" smtClean="0"/>
-              <a:t>Does not require additional dependencies</a:t>
-            </a:r>
-          </a:p>
-          <a:p>
-            <a:r>
-              <a:rPr lang="en-GB" dirty="0" smtClean="0"/>
-              <a:t>Non Core Features:</a:t>
-            </a:r>
-          </a:p>
-          <a:p>
-            <a:pPr lvl="1"/>
-            <a:r>
-              <a:rPr lang="en-GB" dirty="0" smtClean="0"/>
-              <a:t>Provides an entirely new subsystem</a:t>
-            </a:r>
-          </a:p>
-          <a:p>
-            <a:pPr lvl="1"/>
-            <a:r>
-              <a:rPr lang="en-GB" dirty="0" smtClean="0"/>
-              <a:t>Is only of interest to part of the user base</a:t>
-            </a:r>
-          </a:p>
-          <a:p>
-            <a:pPr lvl="1"/>
-            <a:r>
-              <a:rPr lang="en-GB" dirty="0" smtClean="0"/>
-              <a:t>Introduce new dependencies</a:t>
+              <a:t>Allows additional implementations other than MSSQL to be added in future with their dependencies</a:t>
+            </a:r>
+          </a:p>
+          <a:p>
+            <a:r>
+              <a:rPr lang="en-GB" dirty="0" smtClean="0"/>
+              <a:t>Make it easier to maintain and those who don’t need the features get a smaller library footprint</a:t>
             </a:r>
             <a:endParaRPr lang="en-GB" dirty="0"/>
           </a:p>
@@ -8092,7 +8006,7 @@
             <a:fld id="{CDAEE9B0-25E7-4C28-AF1D-B3DDCE7EBBDB}" type="datetime1">
               <a:rPr lang="en-US" smtClean="0"/>
               <a:pPr/>
-              <a:t>7/15/2011</a:t>
+              <a:t>7/20/2011</a:t>
             </a:fld>
             <a:endParaRPr lang="en-GB"/>
           </a:p>
@@ -8148,7 +8062,7 @@
     </p:spTree>
     <p:extLst>
       <p:ext uri="{BB962C8B-B14F-4D97-AF65-F5344CB8AC3E}">
-        <p14:creationId xmlns:p14="http://schemas.microsoft.com/office/powerpoint/2010/main" val="4089701815"/>
+        <p14:creationId xmlns:p14="http://schemas.microsoft.com/office/powerpoint/2010/main" xmlns="" val="1078110969"/>
       </p:ext>
     </p:extLst>
   </p:cSld>
@@ -8192,7 +8106,7 @@
           <a:p>
             <a:r>
               <a:rPr lang="en-GB" dirty="0" smtClean="0"/>
-              <a:t>Proposed Architecture in practise (1 of 2)</a:t>
+              <a:t>Proposed Architecture in practise (2 of 2)</a:t>
             </a:r>
             <a:endParaRPr lang="en-GB" dirty="0"/>
           </a:p>
@@ -8210,34 +8124,19 @@
         </p:nvSpPr>
         <p:spPr/>
         <p:txBody>
-          <a:bodyPr>
-            <a:normAutofit fontScale="92500"/>
-          </a:bodyPr>
-          <a:lstStyle/>
-          <a:p>
-            <a:r>
-              <a:rPr lang="en-GB" dirty="0" smtClean="0"/>
-              <a:t>It is proposed that the new ADO Store be packaged in a separate library</a:t>
+          <a:bodyPr/>
+          <a:lstStyle/>
+          <a:p>
+            <a:r>
+              <a:rPr lang="en-GB" dirty="0" smtClean="0"/>
+              <a:t>Virtuoso support will be separated out into it’s own library</a:t>
             </a:r>
           </a:p>
           <a:p>
             <a:pPr lvl="1"/>
             <a:r>
               <a:rPr lang="en-GB" dirty="0" smtClean="0"/>
-              <a:t>Will reduce the need for dependencies in the core library</a:t>
-            </a:r>
-          </a:p>
-          <a:p>
-            <a:pPr lvl="1"/>
-            <a:r>
-              <a:rPr lang="en-GB" dirty="0" smtClean="0"/>
-              <a:t>Allows additional implementations other than MSSQL to be added in future with their dependencies</a:t>
-            </a:r>
-          </a:p>
-          <a:p>
-            <a:r>
-              <a:rPr lang="en-GB" dirty="0" smtClean="0"/>
-              <a:t>Make it easier to maintain and those who don’t need the features get a smaller library footprint</a:t>
+              <a:t>Desirable since Virtuoso support represents only a couple of classes in the API but introduces an entire DLL as a dependency</a:t>
             </a:r>
             <a:endParaRPr lang="en-GB" dirty="0"/>
           </a:p>
@@ -8261,7 +8160,7 @@
             <a:fld id="{CDAEE9B0-25E7-4C28-AF1D-B3DDCE7EBBDB}" type="datetime1">
               <a:rPr lang="en-US" smtClean="0"/>
               <a:pPr/>
-              <a:t>7/15/2011</a:t>
+              <a:t>7/20/2011</a:t>
             </a:fld>
             <a:endParaRPr lang="en-GB"/>
           </a:p>
@@ -8317,7 +8216,7 @@
     </p:spTree>
     <p:extLst>
       <p:ext uri="{BB962C8B-B14F-4D97-AF65-F5344CB8AC3E}">
-        <p14:creationId xmlns:p14="http://schemas.microsoft.com/office/powerpoint/2010/main" val="1078110969"/>
+        <p14:creationId xmlns:p14="http://schemas.microsoft.com/office/powerpoint/2010/main" xmlns="" val="3038176013"/>
       </p:ext>
     </p:extLst>
   </p:cSld>
@@ -8361,7 +8260,7 @@
           <a:p>
             <a:r>
               <a:rPr lang="en-GB" dirty="0" smtClean="0"/>
-              <a:t>Proposed Architecture in practise (2 of 2)</a:t>
+              <a:t>Library Naming Conventions</a:t>
             </a:r>
             <a:endParaRPr lang="en-GB" dirty="0"/>
           </a:p>
@@ -8379,21 +8278,67 @@
         </p:nvSpPr>
         <p:spPr/>
         <p:txBody>
-          <a:bodyPr/>
-          <a:lstStyle/>
-          <a:p>
-            <a:r>
-              <a:rPr lang="en-GB" dirty="0" smtClean="0"/>
-              <a:t>Virtuoso support will be separated out into it’s own library</a:t>
+          <a:bodyPr>
+            <a:normAutofit fontScale="85000" lnSpcReduction="20000"/>
+          </a:bodyPr>
+          <a:lstStyle/>
+          <a:p>
+            <a:r>
+              <a:rPr lang="en-GB" dirty="0" smtClean="0"/>
+              <a:t>Names should all be prefixed with </a:t>
+            </a:r>
+            <a:r>
+              <a:rPr lang="en-GB" dirty="0" err="1" smtClean="0"/>
+              <a:t>dotNetRDF</a:t>
+            </a:r>
+            <a:r>
+              <a:rPr lang="en-GB" dirty="0" smtClean="0"/>
+              <a:t>.</a:t>
+            </a:r>
+          </a:p>
+          <a:p>
+            <a:r>
+              <a:rPr lang="en-GB" dirty="0" smtClean="0"/>
+              <a:t>Name should be descriptive, not necessarily aligned with the root namespace</a:t>
             </a:r>
           </a:p>
           <a:p>
             <a:pPr lvl="1"/>
             <a:r>
-              <a:rPr lang="en-GB" dirty="0" smtClean="0"/>
-              <a:t>Desirable since Virtuoso support represents only a couple of classes in the API but introduces an entire DLL as a dependency</a:t>
-            </a:r>
-            <a:endParaRPr lang="en-GB" dirty="0"/>
+              <a:rPr lang="en-GB" dirty="0" err="1" smtClean="0"/>
+              <a:t>Eg</a:t>
+            </a:r>
+            <a:r>
+              <a:rPr lang="en-GB" dirty="0" smtClean="0"/>
+              <a:t>. dotNetRDF.WinForms.dll and dotNetRDF.Data.Sql.dll</a:t>
+            </a:r>
+          </a:p>
+          <a:p>
+            <a:r>
+              <a:rPr lang="en-GB" dirty="0" smtClean="0"/>
+              <a:t>Names can be </a:t>
+            </a:r>
+            <a:r>
+              <a:rPr lang="en-GB" dirty="0" err="1" smtClean="0"/>
+              <a:t>postfixed</a:t>
+            </a:r>
+            <a:r>
+              <a:rPr lang="en-GB" dirty="0" smtClean="0"/>
+              <a:t> with platform identifier where applicable e.g. dotNetRDF.Silverlight.dll</a:t>
+            </a:r>
+          </a:p>
+          <a:p>
+            <a:r>
+              <a:rPr lang="en-GB" dirty="0" smtClean="0"/>
+              <a:t>Version Numbers need not be aligned with core library, should reflect maturity of code</a:t>
+            </a:r>
+          </a:p>
+          <a:p>
+            <a:pPr lvl="1"/>
+            <a:r>
+              <a:rPr lang="en-GB" dirty="0" smtClean="0"/>
+              <a:t>For simplicity code considered mature/split out of core library will have version numbers aligned with core library</a:t>
+            </a:r>
           </a:p>
         </p:txBody>
       </p:sp>
@@ -8415,7 +8360,7 @@
             <a:fld id="{CDAEE9B0-25E7-4C28-AF1D-B3DDCE7EBBDB}" type="datetime1">
               <a:rPr lang="en-US" smtClean="0"/>
               <a:pPr/>
-              <a:t>7/15/2011</a:t>
+              <a:t>7/20/2011</a:t>
             </a:fld>
             <a:endParaRPr lang="en-GB"/>
           </a:p>
@@ -8471,7 +8416,7 @@
     </p:spTree>
     <p:extLst>
       <p:ext uri="{BB962C8B-B14F-4D97-AF65-F5344CB8AC3E}">
-        <p14:creationId xmlns:p14="http://schemas.microsoft.com/office/powerpoint/2010/main" val="3038176013"/>
+        <p14:creationId xmlns:p14="http://schemas.microsoft.com/office/powerpoint/2010/main" xmlns="" val="687733986"/>
       </p:ext>
     </p:extLst>
   </p:cSld>
@@ -8515,7 +8460,7 @@
           <a:p>
             <a:r>
               <a:rPr lang="en-GB" dirty="0" smtClean="0"/>
-              <a:t>Library Naming Conventions</a:t>
+              <a:t>Proposed Libraries for 0.5.0 Release</a:t>
             </a:r>
             <a:endParaRPr lang="en-GB" dirty="0"/>
           </a:p>
@@ -8533,67 +8478,39 @@
         </p:nvSpPr>
         <p:spPr/>
         <p:txBody>
-          <a:bodyPr>
-            <a:normAutofit fontScale="85000" lnSpcReduction="20000"/>
-          </a:bodyPr>
-          <a:lstStyle/>
-          <a:p>
-            <a:r>
-              <a:rPr lang="en-GB" dirty="0" smtClean="0"/>
-              <a:t>Names should all be prefixed with </a:t>
-            </a:r>
+          <a:bodyPr/>
+          <a:lstStyle/>
+          <a:p>
+            <a:r>
+              <a:rPr lang="en-GB" dirty="0" smtClean="0"/>
+              <a:t>Core Library – dotNetRDF.dll</a:t>
+            </a:r>
+          </a:p>
+          <a:p>
+            <a:pPr lvl="1"/>
             <a:r>
               <a:rPr lang="en-GB" dirty="0" err="1" smtClean="0"/>
-              <a:t>dotNetRDF</a:t>
-            </a:r>
-            <a:r>
-              <a:rPr lang="en-GB" dirty="0" smtClean="0"/>
-              <a:t>.</a:t>
-            </a:r>
-          </a:p>
-          <a:p>
-            <a:r>
-              <a:rPr lang="en-GB" dirty="0" smtClean="0"/>
-              <a:t>Name should be descriptive, not necessarily aligned with the root namespace</a:t>
+              <a:t>WinForms</a:t>
+            </a:r>
+            <a:r>
+              <a:rPr lang="en-GB" dirty="0" smtClean="0"/>
+              <a:t> GUI – dotNetRDF.WinForms.dll</a:t>
             </a:r>
           </a:p>
           <a:p>
             <a:pPr lvl="1"/>
             <a:r>
-              <a:rPr lang="en-GB" dirty="0" err="1" smtClean="0"/>
-              <a:t>Eg</a:t>
-            </a:r>
-            <a:r>
-              <a:rPr lang="en-GB" dirty="0" smtClean="0"/>
-              <a:t>. dotNetRDF.WinForms.dll and dotNetRDF.Data.Sql.dll</a:t>
-            </a:r>
-          </a:p>
-          <a:p>
-            <a:r>
-              <a:rPr lang="en-GB" dirty="0" smtClean="0"/>
-              <a:t>Names can be </a:t>
-            </a:r>
-            <a:r>
-              <a:rPr lang="en-GB" dirty="0" err="1" smtClean="0"/>
-              <a:t>postfixed</a:t>
-            </a:r>
-            <a:r>
-              <a:rPr lang="en-GB" dirty="0" smtClean="0"/>
-              <a:t> with platform identifier where applicable e.g. dotNetRDF.Silverlight.dll</a:t>
-            </a:r>
-          </a:p>
-          <a:p>
-            <a:r>
-              <a:rPr lang="en-GB" dirty="0" smtClean="0"/>
-              <a:t>Version Numbers need not be aligned with core library, should reflect maturity of code</a:t>
+              <a:rPr lang="en-GB" dirty="0" smtClean="0"/>
+              <a:t>ADO Store – dotNetRDF.Data.Sql.dll</a:t>
             </a:r>
           </a:p>
           <a:p>
             <a:pPr lvl="1"/>
             <a:r>
               <a:rPr lang="en-GB" dirty="0" smtClean="0"/>
-              <a:t>For simplicity code considered mature/split out of core library will have version numbers aligned with core library</a:t>
-            </a:r>
+              <a:t>Virtuoso support – dotNetRDF.Data.Virtuoso.dll</a:t>
+            </a:r>
+            <a:endParaRPr lang="en-GB" dirty="0"/>
           </a:p>
         </p:txBody>
       </p:sp>
@@ -8615,7 +8532,7 @@
             <a:fld id="{CDAEE9B0-25E7-4C28-AF1D-B3DDCE7EBBDB}" type="datetime1">
               <a:rPr lang="en-US" smtClean="0"/>
               <a:pPr/>
-              <a:t>7/15/2011</a:t>
+              <a:t>7/20/2011</a:t>
             </a:fld>
             <a:endParaRPr lang="en-GB"/>
           </a:p>
@@ -8671,7 +8588,7 @@
     </p:spTree>
     <p:extLst>
       <p:ext uri="{BB962C8B-B14F-4D97-AF65-F5344CB8AC3E}">
-        <p14:creationId xmlns:p14="http://schemas.microsoft.com/office/powerpoint/2010/main" val="687733986"/>
+        <p14:creationId xmlns:p14="http://schemas.microsoft.com/office/powerpoint/2010/main" xmlns="" val="3219753914"/>
       </p:ext>
     </p:extLst>
   </p:cSld>
@@ -8710,12 +8627,18 @@
         </p:nvSpPr>
         <p:spPr/>
         <p:txBody>
-          <a:bodyPr/>
-          <a:lstStyle/>
-          <a:p>
-            <a:r>
-              <a:rPr lang="en-GB" dirty="0" smtClean="0"/>
-              <a:t>Proposed Libraries for 0.5.0 Release</a:t>
+          <a:bodyPr>
+            <a:normAutofit fontScale="90000"/>
+          </a:bodyPr>
+          <a:lstStyle/>
+          <a:p>
+            <a:r>
+              <a:rPr lang="en-GB" dirty="0" smtClean="0"/>
+              <a:t>Proposed Libraries for Future </a:t>
+            </a:r>
+            <a:r>
+              <a:rPr lang="en-GB" dirty="0" smtClean="0"/>
+              <a:t>Releases (1 of 2)</a:t>
             </a:r>
             <a:endParaRPr lang="en-GB" dirty="0"/>
           </a:p>
@@ -8738,32 +8661,46 @@
           <a:p>
             <a:r>
               <a:rPr lang="en-GB" dirty="0" smtClean="0"/>
-              <a:t>Core Library – dotNetRDF.dll</a:t>
+              <a:t>LINQ Provider – dotNetRDF.Linq.dll</a:t>
             </a:r>
           </a:p>
           <a:p>
             <a:pPr lvl="1"/>
             <a:r>
+              <a:rPr lang="en-GB" dirty="0" smtClean="0"/>
+              <a:t>Based on a port of </a:t>
+            </a:r>
+            <a:r>
               <a:rPr lang="en-GB" dirty="0" err="1" smtClean="0"/>
-              <a:t>WinForms</a:t>
-            </a:r>
-            <a:r>
-              <a:rPr lang="en-GB" dirty="0" smtClean="0"/>
-              <a:t> GUI – dotNetRDF.WinForms.dll</a:t>
-            </a:r>
+              <a:t>Andew</a:t>
+            </a:r>
+            <a:r>
+              <a:rPr lang="en-GB" dirty="0" smtClean="0"/>
+              <a:t> Matthew’s </a:t>
+            </a:r>
+            <a:r>
+              <a:rPr lang="en-GB" dirty="0" err="1" smtClean="0"/>
+              <a:t>LinqToRdf</a:t>
+            </a:r>
+            <a:endParaRPr lang="en-GB" dirty="0" smtClean="0"/>
           </a:p>
           <a:p>
             <a:pPr lvl="1"/>
             <a:r>
               <a:rPr lang="en-GB" dirty="0" smtClean="0"/>
-              <a:t>ADO Store – dotNetRDF.Data.Sql.dll</a:t>
-            </a:r>
-          </a:p>
-          <a:p>
-            <a:pPr lvl="1"/>
-            <a:r>
-              <a:rPr lang="en-GB" dirty="0" smtClean="0"/>
-              <a:t>Virtuoso support – dotNetRDF.Data.Virtuoso.dll</a:t>
+              <a:t>Persistence capability added by use of SPARQL Update</a:t>
+            </a:r>
+          </a:p>
+          <a:p>
+            <a:r>
+              <a:rPr lang="en-GB" dirty="0" smtClean="0"/>
+              <a:t>SPIN Implementation – dotNetRDF.Spin.dll</a:t>
+            </a:r>
+          </a:p>
+          <a:p>
+            <a:r>
+              <a:rPr lang="en-GB" dirty="0" smtClean="0"/>
+              <a:t>WPF GUI – dotNetRDF.Wpf.dll</a:t>
             </a:r>
             <a:endParaRPr lang="en-GB" dirty="0"/>
           </a:p>
@@ -8787,7 +8724,7 @@
             <a:fld id="{CDAEE9B0-25E7-4C28-AF1D-B3DDCE7EBBDB}" type="datetime1">
               <a:rPr lang="en-US" smtClean="0"/>
               <a:pPr/>
-              <a:t>7/15/2011</a:t>
+              <a:t>7/20/2011</a:t>
             </a:fld>
             <a:endParaRPr lang="en-GB"/>
           </a:p>
@@ -8843,7 +8780,7 @@
     </p:spTree>
     <p:extLst>
       <p:ext uri="{BB962C8B-B14F-4D97-AF65-F5344CB8AC3E}">
-        <p14:creationId xmlns:p14="http://schemas.microsoft.com/office/powerpoint/2010/main" val="3219753914"/>
+        <p14:creationId xmlns:p14="http://schemas.microsoft.com/office/powerpoint/2010/main" xmlns="" val="3035919924"/>
       </p:ext>
     </p:extLst>
   </p:cSld>
@@ -8882,12 +8819,14 @@
         </p:nvSpPr>
         <p:spPr/>
         <p:txBody>
-          <a:bodyPr/>
-          <a:lstStyle/>
-          <a:p>
-            <a:r>
-              <a:rPr lang="en-GB" dirty="0" smtClean="0"/>
-              <a:t>Proposed Libraries for Future Releases</a:t>
+          <a:bodyPr>
+            <a:normAutofit/>
+          </a:bodyPr>
+          <a:lstStyle/>
+          <a:p>
+            <a:r>
+              <a:rPr lang="en-GB" dirty="0" smtClean="0"/>
+              <a:t>General Roadmap</a:t>
             </a:r>
             <a:endParaRPr lang="en-GB" dirty="0"/>
           </a:p>
@@ -8895,69 +8834,7 @@
       </p:sp>
       <p:sp>
         <p:nvSpPr>
-          <p:cNvPr id="3" name="Content Placeholder 2"/>
-          <p:cNvSpPr>
-            <a:spLocks noGrp="1"/>
-          </p:cNvSpPr>
-          <p:nvPr>
-            <p:ph idx="1"/>
-          </p:nvPr>
-        </p:nvSpPr>
-        <p:spPr/>
-        <p:txBody>
-          <a:bodyPr/>
-          <a:lstStyle/>
-          <a:p>
-            <a:r>
-              <a:rPr lang="en-GB" dirty="0" smtClean="0"/>
-              <a:t>LINQ Provider – dotNetRDF.Linq.dll</a:t>
-            </a:r>
-          </a:p>
-          <a:p>
-            <a:pPr lvl="1"/>
-            <a:r>
-              <a:rPr lang="en-GB" dirty="0" smtClean="0"/>
-              <a:t>Based on a port of </a:t>
-            </a:r>
-            <a:r>
-              <a:rPr lang="en-GB" dirty="0" err="1" smtClean="0"/>
-              <a:t>Andew</a:t>
-            </a:r>
-            <a:r>
-              <a:rPr lang="en-GB" dirty="0" smtClean="0"/>
-              <a:t> Matthew’s </a:t>
-            </a:r>
-            <a:r>
-              <a:rPr lang="en-GB" dirty="0" err="1" smtClean="0"/>
-              <a:t>LinqToRdf</a:t>
-            </a:r>
-            <a:endParaRPr lang="en-GB" dirty="0" smtClean="0"/>
-          </a:p>
-          <a:p>
-            <a:pPr lvl="1"/>
-            <a:r>
-              <a:rPr lang="en-GB" dirty="0" smtClean="0"/>
-              <a:t>Persistence capability added by use of SPARQL Update</a:t>
-            </a:r>
-          </a:p>
-          <a:p>
-            <a:r>
-              <a:rPr lang="en-GB" dirty="0" smtClean="0"/>
-              <a:t>SPIN Implementation – dotNetRDF.Spin.dll</a:t>
-            </a:r>
-          </a:p>
-          <a:p>
-            <a:r>
-              <a:rPr lang="en-GB" dirty="0" smtClean="0"/>
-              <a:t>WPF GUI – dotNetRDF.Wpf.dll</a:t>
-            </a:r>
-            <a:endParaRPr lang="en-GB" dirty="0"/>
-          </a:p>
-        </p:txBody>
-      </p:sp>
-      <p:sp>
-        <p:nvSpPr>
-          <p:cNvPr id="4" name="Date Placeholder 3"/>
+          <p:cNvPr id="3" name="Date Placeholder 2"/>
           <p:cNvSpPr>
             <a:spLocks noGrp="1"/>
           </p:cNvSpPr>
@@ -8970,10 +8847,10 @@
           <a:bodyPr/>
           <a:lstStyle/>
           <a:p>
-            <a:fld id="{CDAEE9B0-25E7-4C28-AF1D-B3DDCE7EBBDB}" type="datetime1">
+            <a:fld id="{EA5D455B-ECD0-44E3-BA0C-3649A3FCD15C}" type="datetime1">
               <a:rPr lang="en-US" smtClean="0"/>
               <a:pPr/>
-              <a:t>7/15/2011</a:t>
+              <a:t>7/20/2011</a:t>
             </a:fld>
             <a:endParaRPr lang="en-GB"/>
           </a:p>
@@ -8981,7 +8858,7 @@
       </p:sp>
       <p:sp>
         <p:nvSpPr>
-          <p:cNvPr id="5" name="Footer Placeholder 4"/>
+          <p:cNvPr id="4" name="Footer Placeholder 3"/>
           <p:cNvSpPr>
             <a:spLocks noGrp="1"/>
           </p:cNvSpPr>
@@ -9004,7 +8881,7 @@
       </p:sp>
       <p:sp>
         <p:nvSpPr>
-          <p:cNvPr id="6" name="Slide Number Placeholder 5"/>
+          <p:cNvPr id="5" name="Slide Number Placeholder 4"/>
           <p:cNvSpPr>
             <a:spLocks noGrp="1"/>
           </p:cNvSpPr>
@@ -9029,7 +8906,7 @@
     </p:spTree>
     <p:extLst>
       <p:ext uri="{BB962C8B-B14F-4D97-AF65-F5344CB8AC3E}">
-        <p14:creationId xmlns:p14="http://schemas.microsoft.com/office/powerpoint/2010/main" val="3035919924"/>
+        <p14:creationId xmlns:p14="http://schemas.microsoft.com/office/powerpoint/2010/main" xmlns="" val="2482877072"/>
       </p:ext>
     </p:extLst>
   </p:cSld>
@@ -9097,7 +8974,7 @@
             <a:fld id="{EA5D455B-ECD0-44E3-BA0C-3649A3FCD15C}" type="datetime1">
               <a:rPr lang="en-US" smtClean="0"/>
               <a:pPr/>
-              <a:t>7/15/2011</a:t>
+              <a:t>7/20/2011</a:t>
             </a:fld>
             <a:endParaRPr lang="en-GB"/>
           </a:p>
@@ -9153,7 +9030,7 @@
     </p:spTree>
     <p:extLst>
       <p:ext uri="{BB962C8B-B14F-4D97-AF65-F5344CB8AC3E}">
-        <p14:creationId xmlns:p14="http://schemas.microsoft.com/office/powerpoint/2010/main" val="4095227198"/>
+        <p14:creationId xmlns:p14="http://schemas.microsoft.com/office/powerpoint/2010/main" xmlns="" val="4095227198"/>
       </p:ext>
     </p:extLst>
   </p:cSld>
@@ -9182,7 +9059,7 @@
       </p:grpSpPr>
       <p:sp>
         <p:nvSpPr>
-          <p:cNvPr id="2" name="Title 1"/>
+          <p:cNvPr id="6" name="Title 5"/>
           <p:cNvSpPr>
             <a:spLocks noGrp="1"/>
           </p:cNvSpPr>
@@ -9192,15 +9069,53 @@
         </p:nvSpPr>
         <p:spPr/>
         <p:txBody>
-          <a:bodyPr>
-            <a:normAutofit/>
-          </a:bodyPr>
-          <a:lstStyle/>
-          <a:p>
-            <a:r>
-              <a:rPr lang="en-GB" dirty="0" smtClean="0"/>
-              <a:t>General Roadmap</a:t>
-            </a:r>
+          <a:bodyPr/>
+          <a:lstStyle/>
+          <a:p>
+            <a:r>
+              <a:rPr lang="en-GB" dirty="0" smtClean="0"/>
+              <a:t>Plans</a:t>
+            </a:r>
+            <a:endParaRPr lang="en-GB" dirty="0"/>
+          </a:p>
+        </p:txBody>
+      </p:sp>
+      <p:sp>
+        <p:nvSpPr>
+          <p:cNvPr id="7" name="Content Placeholder 6"/>
+          <p:cNvSpPr>
+            <a:spLocks noGrp="1"/>
+          </p:cNvSpPr>
+          <p:nvPr>
+            <p:ph idx="1"/>
+          </p:nvPr>
+        </p:nvSpPr>
+        <p:spPr/>
+        <p:txBody>
+          <a:bodyPr/>
+          <a:lstStyle/>
+          <a:p>
+            <a:r>
+              <a:rPr lang="en-GB" dirty="0" smtClean="0"/>
+              <a:t>Currently the roadmap is very loose beyond the immediate next releases (the 0.5.x series)</a:t>
+            </a:r>
+          </a:p>
+          <a:p>
+            <a:r>
+              <a:rPr lang="en-GB" dirty="0" smtClean="0"/>
+              <a:t>There are no specific plans for any release beyond 0.5.x at the moment</a:t>
+            </a:r>
+          </a:p>
+          <a:p>
+            <a:r>
+              <a:rPr lang="en-GB" dirty="0" smtClean="0"/>
+              <a:t>Ideally the roadmap from subsequent releases (0.6.x) to the 1.0 release should be driven by the community</a:t>
+            </a:r>
+          </a:p>
+          <a:p>
+            <a:pPr marL="0" indent="0">
+              <a:buNone/>
+            </a:pPr>
             <a:endParaRPr lang="en-GB" dirty="0"/>
           </a:p>
         </p:txBody>
@@ -9223,7 +9138,7 @@
             <a:fld id="{EA5D455B-ECD0-44E3-BA0C-3649A3FCD15C}" type="datetime1">
               <a:rPr lang="en-US" smtClean="0"/>
               <a:pPr/>
-              <a:t>7/15/2011</a:t>
+              <a:t>7/20/2011</a:t>
             </a:fld>
             <a:endParaRPr lang="en-GB"/>
           </a:p>
@@ -9279,7 +9194,7 @@
     </p:spTree>
     <p:extLst>
       <p:ext uri="{BB962C8B-B14F-4D97-AF65-F5344CB8AC3E}">
-        <p14:creationId xmlns:p14="http://schemas.microsoft.com/office/powerpoint/2010/main" val="2482877072"/>
+        <p14:creationId xmlns:p14="http://schemas.microsoft.com/office/powerpoint/2010/main" xmlns="" val="381284594"/>
       </p:ext>
     </p:extLst>
   </p:cSld>
@@ -9308,7 +9223,7 @@
       </p:grpSpPr>
       <p:sp>
         <p:nvSpPr>
-          <p:cNvPr id="6" name="Title 5"/>
+          <p:cNvPr id="2" name="Title 1"/>
           <p:cNvSpPr>
             <a:spLocks noGrp="1"/>
           </p:cNvSpPr>
@@ -9323,7 +9238,7 @@
           <a:p>
             <a:r>
               <a:rPr lang="en-GB" dirty="0" smtClean="0"/>
-              <a:t>Plans</a:t>
+              <a:t>Community Driven Planning</a:t>
             </a:r>
             <a:endParaRPr lang="en-GB" dirty="0"/>
           </a:p>
@@ -9331,7 +9246,7 @@
       </p:sp>
       <p:sp>
         <p:nvSpPr>
-          <p:cNvPr id="7" name="Content Placeholder 6"/>
+          <p:cNvPr id="3" name="Content Placeholder 2"/>
           <p:cNvSpPr>
             <a:spLocks noGrp="1"/>
           </p:cNvSpPr>
@@ -9341,37 +9256,35 @@
         </p:nvSpPr>
         <p:spPr/>
         <p:txBody>
-          <a:bodyPr/>
-          <a:lstStyle/>
-          <a:p>
-            <a:r>
-              <a:rPr lang="en-GB" dirty="0" smtClean="0"/>
-              <a:t>Currently the roadmap is very loose beyond the immediate next releases (the 0.5.x series)</a:t>
-            </a:r>
-          </a:p>
-          <a:p>
-            <a:r>
-              <a:rPr lang="en-GB" dirty="0" smtClean="0"/>
-              <a:t>There are no specific plans for any release beyond 0.5.x at the moment</a:t>
-            </a:r>
-          </a:p>
-          <a:p>
-            <a:r>
-              <a:rPr lang="en-GB" dirty="0" smtClean="0"/>
-              <a:t>Ideally the roadmap from subsequent releases (0.6.x) to the 1.0 release should be driven by the community</a:t>
-            </a:r>
-          </a:p>
-          <a:p>
-            <a:pPr marL="0" indent="0">
-              <a:buNone/>
-            </a:pPr>
+          <a:bodyPr>
+            <a:normAutofit lnSpcReduction="10000"/>
+          </a:bodyPr>
+          <a:lstStyle/>
+          <a:p>
+            <a:r>
+              <a:rPr lang="en-GB" dirty="0" smtClean="0"/>
+              <a:t>For 0.6.x releases new features/improvements should be primarily driven by community request</a:t>
+            </a:r>
+          </a:p>
+          <a:p>
+            <a:pPr lvl="1"/>
+            <a:r>
+              <a:rPr lang="en-GB" dirty="0" smtClean="0"/>
+              <a:t>i.e. features will be prioritised based on community request/need/feedback</a:t>
+            </a:r>
+          </a:p>
+          <a:p>
+            <a:r>
+              <a:rPr lang="en-GB" dirty="0" smtClean="0"/>
+              <a:t>We have some possible features lined up which we will prioritise unless community suggests other features</a:t>
+            </a:r>
             <a:endParaRPr lang="en-GB" dirty="0"/>
           </a:p>
         </p:txBody>
       </p:sp>
       <p:sp>
         <p:nvSpPr>
-          <p:cNvPr id="3" name="Date Placeholder 2"/>
+          <p:cNvPr id="4" name="Date Placeholder 3"/>
           <p:cNvSpPr>
             <a:spLocks noGrp="1"/>
           </p:cNvSpPr>
@@ -9384,10 +9297,10 @@
           <a:bodyPr/>
           <a:lstStyle/>
           <a:p>
-            <a:fld id="{EA5D455B-ECD0-44E3-BA0C-3649A3FCD15C}" type="datetime1">
+            <a:fld id="{CDAEE9B0-25E7-4C28-AF1D-B3DDCE7EBBDB}" type="datetime1">
               <a:rPr lang="en-US" smtClean="0"/>
               <a:pPr/>
-              <a:t>7/15/2011</a:t>
+              <a:t>7/20/2011</a:t>
             </a:fld>
             <a:endParaRPr lang="en-GB"/>
           </a:p>
@@ -9395,7 +9308,7 @@
       </p:sp>
       <p:sp>
         <p:nvSpPr>
-          <p:cNvPr id="4" name="Footer Placeholder 3"/>
+          <p:cNvPr id="5" name="Footer Placeholder 4"/>
           <p:cNvSpPr>
             <a:spLocks noGrp="1"/>
           </p:cNvSpPr>
@@ -9418,7 +9331,7 @@
       </p:sp>
       <p:sp>
         <p:nvSpPr>
-          <p:cNvPr id="5" name="Slide Number Placeholder 4"/>
+          <p:cNvPr id="6" name="Slide Number Placeholder 5"/>
           <p:cNvSpPr>
             <a:spLocks noGrp="1"/>
           </p:cNvSpPr>
@@ -9443,7 +9356,7 @@
     </p:spTree>
     <p:extLst>
       <p:ext uri="{BB962C8B-B14F-4D97-AF65-F5344CB8AC3E}">
-        <p14:creationId xmlns:p14="http://schemas.microsoft.com/office/powerpoint/2010/main" val="381284594"/>
+        <p14:creationId xmlns:p14="http://schemas.microsoft.com/office/powerpoint/2010/main" xmlns="" val="3357694366"/>
       </p:ext>
     </p:extLst>
   </p:cSld>
@@ -9487,7 +9400,11 @@
           <a:p>
             <a:r>
               <a:rPr lang="en-GB" dirty="0" smtClean="0"/>
-              <a:t>Community Driven Planning</a:t>
+              <a:t>Our Suggestions (1 of </a:t>
+            </a:r>
+            <a:r>
+              <a:rPr lang="en-GB" dirty="0" smtClean="0"/>
+              <a:t>4)</a:t>
             </a:r>
             <a:endParaRPr lang="en-GB" dirty="0"/>
           </a:p>
@@ -9506,26 +9423,42 @@
         <p:spPr/>
         <p:txBody>
           <a:bodyPr>
-            <a:normAutofit lnSpcReduction="10000"/>
+            <a:normAutofit fontScale="92500"/>
           </a:bodyPr>
           <a:lstStyle/>
           <a:p>
             <a:r>
               <a:rPr lang="en-GB" dirty="0" smtClean="0"/>
-              <a:t>For 0.6.x releases new features/improvements should be primarily driven by community request</a:t>
+              <a:t>Full text SPARQL Support – dotNetRDF.Sparql.FullText.dll</a:t>
             </a:r>
           </a:p>
           <a:p>
             <a:pPr lvl="1"/>
             <a:r>
               <a:rPr lang="en-GB" dirty="0" smtClean="0"/>
-              <a:t>i.e. features will be prioritised based on community request/need/feedback</a:t>
-            </a:r>
-          </a:p>
-          <a:p>
-            <a:r>
-              <a:rPr lang="en-GB" dirty="0" smtClean="0"/>
-              <a:t>We have some possible features lined up which we will prioritise unless community suggests other features</a:t>
+              <a:t>Use </a:t>
+            </a:r>
+            <a:r>
+              <a:rPr lang="en-GB" dirty="0" err="1" smtClean="0"/>
+              <a:t>Lucene.Net</a:t>
+            </a:r>
+            <a:r>
+              <a:rPr lang="en-GB" dirty="0" smtClean="0"/>
+              <a:t> to provide full text search capabilities</a:t>
+            </a:r>
+          </a:p>
+          <a:p>
+            <a:pPr lvl="1"/>
+            <a:r>
+              <a:rPr lang="en-GB" dirty="0" smtClean="0"/>
+              <a:t>Syntax compatible with other implementations as far as possible</a:t>
+            </a:r>
+          </a:p>
+          <a:p>
+            <a:pPr lvl="1"/>
+            <a:r>
+              <a:rPr lang="en-GB" dirty="0" smtClean="0"/>
+              <a:t>Will be implemented as a new library since as per the architecture proposal it is a non core feature and requires additional dependencies</a:t>
             </a:r>
             <a:endParaRPr lang="en-GB" dirty="0"/>
           </a:p>
@@ -9549,7 +9482,7 @@
             <a:fld id="{CDAEE9B0-25E7-4C28-AF1D-B3DDCE7EBBDB}" type="datetime1">
               <a:rPr lang="en-US" smtClean="0"/>
               <a:pPr/>
-              <a:t>7/15/2011</a:t>
+              <a:t>7/20/2011</a:t>
             </a:fld>
             <a:endParaRPr lang="en-GB"/>
           </a:p>
@@ -9605,7 +9538,7 @@
     </p:spTree>
     <p:extLst>
       <p:ext uri="{BB962C8B-B14F-4D97-AF65-F5344CB8AC3E}">
-        <p14:creationId xmlns:p14="http://schemas.microsoft.com/office/powerpoint/2010/main" val="3357694366"/>
+        <p14:creationId xmlns:p14="http://schemas.microsoft.com/office/powerpoint/2010/main" xmlns="" val="912609684"/>
       </p:ext>
     </p:extLst>
   </p:cSld>
@@ -9649,7 +9582,11 @@
           <a:p>
             <a:r>
               <a:rPr lang="en-GB" dirty="0" smtClean="0"/>
-              <a:t>Our Suggestions (1 of 2)</a:t>
+              <a:t>Our Suggestions (2 of </a:t>
+            </a:r>
+            <a:r>
+              <a:rPr lang="en-GB" dirty="0" smtClean="0"/>
+              <a:t>4)</a:t>
             </a:r>
             <a:endParaRPr lang="en-GB" dirty="0"/>
           </a:p>
@@ -9667,43 +9604,38 @@
         </p:nvSpPr>
         <p:spPr/>
         <p:txBody>
-          <a:bodyPr>
-            <a:normAutofit fontScale="92500"/>
-          </a:bodyPr>
-          <a:lstStyle/>
-          <a:p>
-            <a:r>
-              <a:rPr lang="en-GB" dirty="0" smtClean="0"/>
-              <a:t>Full text SPARQL Support – dotNetRDF.Sparql.FullText.dll</a:t>
+          <a:bodyPr/>
+          <a:lstStyle/>
+          <a:p>
+            <a:r>
+              <a:rPr lang="en-GB" dirty="0" err="1" smtClean="0"/>
+              <a:t>GeoSPARQL</a:t>
+            </a:r>
+            <a:r>
+              <a:rPr lang="en-GB" dirty="0" smtClean="0"/>
+              <a:t> Support – dotNetRDF.Sparql.Geo.dll</a:t>
             </a:r>
           </a:p>
           <a:p>
             <a:pPr lvl="1"/>
             <a:r>
               <a:rPr lang="en-GB" dirty="0" smtClean="0"/>
-              <a:t>Use </a:t>
+              <a:t>Provide an implementation of the OGC </a:t>
             </a:r>
             <a:r>
               <a:rPr lang="en-GB" dirty="0" err="1" smtClean="0"/>
-              <a:t>Lucene.Net</a:t>
-            </a:r>
-            <a:r>
-              <a:rPr lang="en-GB" dirty="0" smtClean="0"/>
-              <a:t> to provide full text search capabilities</a:t>
+              <a:t>GeoSPARQL</a:t>
+            </a:r>
+            <a:r>
+              <a:rPr lang="en-GB" dirty="0" smtClean="0"/>
+              <a:t> standard</a:t>
             </a:r>
           </a:p>
           <a:p>
             <a:pPr lvl="1"/>
             <a:r>
               <a:rPr lang="en-GB" dirty="0" smtClean="0"/>
-              <a:t>Syntax compatible with other implementations as far as possible</a:t>
-            </a:r>
-          </a:p>
-          <a:p>
-            <a:pPr lvl="1"/>
-            <a:r>
-              <a:rPr lang="en-GB" dirty="0" smtClean="0"/>
-              <a:t>Will be implemented as a new library since as per the architecture proposal it is a non core feature and requires additional dependencies</a:t>
+              <a:t>As with full text SPARQL will be implemented as a new library as is as non-core feature</a:t>
             </a:r>
             <a:endParaRPr lang="en-GB" dirty="0"/>
           </a:p>
@@ -9727,7 +9659,7 @@
             <a:fld id="{CDAEE9B0-25E7-4C28-AF1D-B3DDCE7EBBDB}" type="datetime1">
               <a:rPr lang="en-US" smtClean="0"/>
               <a:pPr/>
-              <a:t>7/15/2011</a:t>
+              <a:t>7/20/2011</a:t>
             </a:fld>
             <a:endParaRPr lang="en-GB"/>
           </a:p>
@@ -9783,7 +9715,7 @@
     </p:spTree>
     <p:extLst>
       <p:ext uri="{BB962C8B-B14F-4D97-AF65-F5344CB8AC3E}">
-        <p14:creationId xmlns:p14="http://schemas.microsoft.com/office/powerpoint/2010/main" val="912609684"/>
+        <p14:creationId xmlns:p14="http://schemas.microsoft.com/office/powerpoint/2010/main" xmlns="" val="585871984"/>
       </p:ext>
     </p:extLst>
   </p:cSld>
@@ -9822,12 +9754,14 @@
         </p:nvSpPr>
         <p:spPr/>
         <p:txBody>
-          <a:bodyPr/>
-          <a:lstStyle/>
-          <a:p>
-            <a:r>
-              <a:rPr lang="en-GB" dirty="0" smtClean="0"/>
-              <a:t>Our Suggestions (2 of 2)</a:t>
+          <a:bodyPr>
+            <a:normAutofit/>
+          </a:bodyPr>
+          <a:lstStyle/>
+          <a:p>
+            <a:r>
+              <a:rPr lang="en-GB" dirty="0" smtClean="0"/>
+              <a:t>Our Suggestions (3 of 4)</a:t>
             </a:r>
             <a:endParaRPr lang="en-GB" dirty="0"/>
           </a:p>
@@ -9850,33 +9784,101 @@
           <a:p>
             <a:r>
               <a:rPr lang="en-GB" dirty="0" err="1" smtClean="0"/>
-              <a:t>GeoSPARQL</a:t>
-            </a:r>
-            <a:r>
-              <a:rPr lang="en-GB" dirty="0" smtClean="0"/>
-              <a:t> Support – dotNetRDF.Sparql.Geo.dll</a:t>
-            </a:r>
+              <a:t>rdfEditor</a:t>
+            </a:r>
+            <a:r>
+              <a:rPr lang="en-GB" dirty="0" smtClean="0"/>
+              <a:t> Core – </a:t>
+            </a:r>
+            <a:r>
+              <a:rPr lang="en-GB" dirty="0" err="1" smtClean="0"/>
+              <a:t>rdfEditor.Core.dll</a:t>
+            </a:r>
+            <a:endParaRPr lang="en-GB" dirty="0" smtClean="0"/>
           </a:p>
           <a:p>
             <a:pPr lvl="1"/>
             <a:r>
               <a:rPr lang="en-GB" dirty="0" smtClean="0"/>
-              <a:t>Provide an implementation of the OGC </a:t>
+              <a:t>Abstraction </a:t>
+            </a:r>
+            <a:r>
+              <a:rPr lang="en-GB" dirty="0" smtClean="0"/>
+              <a:t>of much of the core functionality into a separate library </a:t>
             </a:r>
             <a:r>
               <a:rPr lang="en-GB" dirty="0" err="1" smtClean="0"/>
-              <a:t>GeoSPARQL</a:t>
-            </a:r>
-            <a:r>
-              <a:rPr lang="en-GB" dirty="0" smtClean="0"/>
-              <a:t> standard</a:t>
-            </a:r>
+              <a:t>rdfEditor.Core</a:t>
+            </a:r>
+            <a:endParaRPr lang="en-GB" dirty="0" smtClean="0"/>
           </a:p>
           <a:p>
             <a:pPr lvl="1"/>
             <a:r>
               <a:rPr lang="en-GB" dirty="0" smtClean="0"/>
-              <a:t>As with full text SPARQL will be implemented as a new library as is as non-core feature</a:t>
+              <a:t>Alternative GUI implementation </a:t>
+            </a:r>
+            <a:r>
+              <a:rPr lang="en-GB" dirty="0" smtClean="0"/>
+              <a:t>of </a:t>
+            </a:r>
+            <a:r>
+              <a:rPr lang="en-GB" dirty="0" err="1" smtClean="0"/>
+              <a:t>rdfEditor</a:t>
+            </a:r>
+            <a:r>
+              <a:rPr lang="en-GB" dirty="0" smtClean="0"/>
+              <a:t> using this new library</a:t>
+            </a:r>
+          </a:p>
+          <a:p>
+            <a:pPr lvl="2"/>
+            <a:r>
+              <a:rPr lang="en-GB" dirty="0" smtClean="0"/>
+              <a:t>Will use a GUI that is works on Mono and non-Windows systems </a:t>
+            </a:r>
+            <a:r>
+              <a:rPr lang="en-GB" dirty="0" err="1" smtClean="0"/>
+              <a:t>e.g</a:t>
+            </a:r>
+            <a:r>
+              <a:rPr lang="en-GB" dirty="0" smtClean="0"/>
+              <a:t> </a:t>
+            </a:r>
+            <a:r>
+              <a:rPr lang="en-GB" dirty="0" err="1" smtClean="0"/>
+              <a:t>MonoDevelop’s</a:t>
+            </a:r>
+            <a:r>
+              <a:rPr lang="en-GB" dirty="0" smtClean="0"/>
+              <a:t> GTK# based editor</a:t>
+            </a:r>
+          </a:p>
+          <a:p>
+            <a:pPr lvl="1"/>
+            <a:r>
+              <a:rPr lang="en-GB" dirty="0" smtClean="0"/>
+              <a:t>Existing WPF version of </a:t>
+            </a:r>
+            <a:r>
+              <a:rPr lang="en-GB" dirty="0" err="1" smtClean="0"/>
+              <a:t>rdfEditor</a:t>
+            </a:r>
+            <a:r>
+              <a:rPr lang="en-GB" dirty="0" smtClean="0"/>
+              <a:t> will be </a:t>
+            </a:r>
+            <a:r>
+              <a:rPr lang="en-GB" dirty="0" err="1" smtClean="0"/>
+              <a:t>refactored</a:t>
+            </a:r>
+            <a:r>
+              <a:rPr lang="en-GB" dirty="0" smtClean="0"/>
+              <a:t> to use </a:t>
+            </a:r>
+            <a:r>
+              <a:rPr lang="en-GB" dirty="0" smtClean="0"/>
+              <a:t>this</a:t>
             </a:r>
             <a:endParaRPr lang="en-GB" dirty="0"/>
           </a:p>
@@ -9900,9 +9902,9 @@
             <a:fld id="{CDAEE9B0-25E7-4C28-AF1D-B3DDCE7EBBDB}" type="datetime1">
               <a:rPr lang="en-US" smtClean="0"/>
               <a:pPr/>
-              <a:t>7/15/2011</a:t>
+              <a:t>7/20/2011</a:t>
             </a:fld>
-            <a:endParaRPr lang="en-GB"/>
+            <a:endParaRPr lang="en-GB" dirty="0"/>
           </a:p>
         </p:txBody>
       </p:sp>
@@ -9922,10 +9924,10 @@
           <a:lstStyle/>
           <a:p>
             <a:r>
-              <a:rPr lang="en-GB" smtClean="0"/>
+              <a:rPr lang="en-GB" dirty="0" smtClean="0"/>
               <a:t>http://www.dotnetrdf.org</a:t>
             </a:r>
-            <a:endParaRPr lang="en-GB"/>
+            <a:endParaRPr lang="en-GB" dirty="0"/>
           </a:p>
         </p:txBody>
       </p:sp>
@@ -9954,11 +9956,6 @@
         </p:txBody>
       </p:sp>
     </p:spTree>
-    <p:extLst>
-      <p:ext uri="{BB962C8B-B14F-4D97-AF65-F5344CB8AC3E}">
-        <p14:creationId xmlns:p14="http://schemas.microsoft.com/office/powerpoint/2010/main" val="585871984"/>
-      </p:ext>
-    </p:extLst>
   </p:cSld>
   <p:clrMapOvr>
     <a:masterClrMapping/>
@@ -10000,7 +9997,7 @@
           <a:p>
             <a:r>
               <a:rPr lang="en-GB" dirty="0" smtClean="0"/>
-              <a:t>Existing Community Suggestions</a:t>
+              <a:t>Our Suggestions (4 of 4)</a:t>
             </a:r>
             <a:endParaRPr lang="en-GB" dirty="0"/>
           </a:p>
@@ -10022,52 +10019,59 @@
           <a:lstStyle/>
           <a:p>
             <a:r>
-              <a:rPr lang="en-GB" dirty="0" smtClean="0"/>
-              <a:t>Currently the following features have been suggested/requested by the community:</a:t>
+              <a:rPr lang="en-GB" dirty="0" err="1" smtClean="0"/>
+              <a:t>rdfEditor.Core</a:t>
+            </a:r>
+            <a:r>
+              <a:rPr lang="en-GB" smtClean="0"/>
+              <a:t> will provide </a:t>
+            </a:r>
+            <a:r>
+              <a:rPr lang="en-GB" dirty="0" smtClean="0"/>
+              <a:t>the following:</a:t>
             </a:r>
           </a:p>
           <a:p>
             <a:pPr lvl="1"/>
             <a:r>
+              <a:rPr lang="en-GB" dirty="0" smtClean="0"/>
+              <a:t>Cleaner and reusable shared code based between different GUI frontends</a:t>
+            </a:r>
+          </a:p>
+          <a:p>
+            <a:pPr lvl="1"/>
+            <a:r>
+              <a:rPr lang="en-GB" dirty="0" smtClean="0"/>
+              <a:t>Support for multiple document editing</a:t>
+            </a:r>
+          </a:p>
+          <a:p>
+            <a:pPr lvl="1"/>
+            <a:r>
+              <a:rPr lang="en-GB" dirty="0" smtClean="0"/>
+              <a:t>Improved support for conversion between formats</a:t>
+            </a:r>
+          </a:p>
+          <a:p>
+            <a:pPr lvl="1"/>
+            <a:r>
+              <a:rPr lang="en-GB" dirty="0" smtClean="0"/>
+              <a:t>Extensible </a:t>
+            </a:r>
+            <a:r>
               <a:rPr lang="en-GB" dirty="0" err="1" smtClean="0"/>
-              <a:t>.Net</a:t>
-            </a:r>
-            <a:r>
-              <a:rPr lang="en-GB" dirty="0" smtClean="0"/>
-              <a:t> Serialization support</a:t>
+              <a:t>plugin</a:t>
+            </a:r>
+            <a:r>
+              <a:rPr lang="en-GB" dirty="0" smtClean="0"/>
+              <a:t> system</a:t>
             </a:r>
           </a:p>
           <a:p>
             <a:pPr lvl="1"/>
-            <a:r>
-              <a:rPr lang="en-GB" dirty="0" smtClean="0"/>
-              <a:t>SPIN (SPARQL Inferencing Notation) Support</a:t>
-            </a:r>
-          </a:p>
-          <a:p>
-            <a:pPr lvl="1"/>
-            <a:r>
-              <a:rPr lang="en-GB" dirty="0" err="1" smtClean="0"/>
-              <a:t>rdfEditor</a:t>
-            </a:r>
-            <a:r>
-              <a:rPr lang="en-GB" dirty="0" smtClean="0"/>
-              <a:t> for non-Windows systems</a:t>
-            </a:r>
-          </a:p>
-          <a:p>
-            <a:pPr lvl="2"/>
-            <a:r>
-              <a:rPr lang="en-GB" dirty="0" smtClean="0"/>
-              <a:t>As it is WPF based it does not run under Mono which limits it to Windows only currently</a:t>
-            </a:r>
-          </a:p>
-          <a:p>
-            <a:pPr lvl="1"/>
-            <a:r>
-              <a:rPr lang="en-GB" dirty="0" smtClean="0"/>
-              <a:t>Additional JSON format support</a:t>
-            </a:r>
+            <a:endParaRPr lang="en-GB" dirty="0" smtClean="0"/>
+          </a:p>
+          <a:p>
             <a:endParaRPr lang="en-GB" dirty="0"/>
           </a:p>
         </p:txBody>
@@ -10090,7 +10094,7 @@
             <a:fld id="{CDAEE9B0-25E7-4C28-AF1D-B3DDCE7EBBDB}" type="datetime1">
               <a:rPr lang="en-US" smtClean="0"/>
               <a:pPr/>
-              <a:t>7/15/2011</a:t>
+              <a:t>7/20/2011</a:t>
             </a:fld>
             <a:endParaRPr lang="en-GB"/>
           </a:p>
@@ -10144,11 +10148,6 @@
         </p:txBody>
       </p:sp>
     </p:spTree>
-    <p:extLst>
-      <p:ext uri="{BB962C8B-B14F-4D97-AF65-F5344CB8AC3E}">
-        <p14:creationId xmlns:p14="http://schemas.microsoft.com/office/powerpoint/2010/main" val="2152085500"/>
-      </p:ext>
-    </p:extLst>
   </p:cSld>
   <p:clrMapOvr>
     <a:masterClrMapping/>
@@ -10175,7 +10174,7 @@
       </p:grpSpPr>
       <p:sp>
         <p:nvSpPr>
-          <p:cNvPr id="7" name="Title 6"/>
+          <p:cNvPr id="2" name="Title 1"/>
           <p:cNvSpPr>
             <a:spLocks noGrp="1"/>
           </p:cNvSpPr>
@@ -10190,7 +10189,73 @@
           <a:p>
             <a:r>
               <a:rPr lang="en-GB" dirty="0" smtClean="0"/>
-              <a:t>Get Involved</a:t>
+              <a:t>Existing Community Suggestions</a:t>
+            </a:r>
+            <a:endParaRPr lang="en-GB" dirty="0"/>
+          </a:p>
+        </p:txBody>
+      </p:sp>
+      <p:sp>
+        <p:nvSpPr>
+          <p:cNvPr id="3" name="Content Placeholder 2"/>
+          <p:cNvSpPr>
+            <a:spLocks noGrp="1"/>
+          </p:cNvSpPr>
+          <p:nvPr>
+            <p:ph idx="1"/>
+          </p:nvPr>
+        </p:nvSpPr>
+        <p:spPr/>
+        <p:txBody>
+          <a:bodyPr/>
+          <a:lstStyle/>
+          <a:p>
+            <a:r>
+              <a:rPr lang="en-GB" dirty="0" smtClean="0"/>
+              <a:t>Currently the following features have been suggested/requested by the community:</a:t>
+            </a:r>
+          </a:p>
+          <a:p>
+            <a:pPr lvl="1"/>
+            <a:r>
+              <a:rPr lang="en-GB" dirty="0" err="1" smtClean="0"/>
+              <a:t>.Net</a:t>
+            </a:r>
+            <a:r>
+              <a:rPr lang="en-GB" dirty="0" smtClean="0"/>
+              <a:t> Serialization support</a:t>
+            </a:r>
+          </a:p>
+          <a:p>
+            <a:pPr lvl="1"/>
+            <a:r>
+              <a:rPr lang="en-GB" dirty="0" smtClean="0"/>
+              <a:t>SPIN (SPARQL Inferencing Notation) Support</a:t>
+            </a:r>
+          </a:p>
+          <a:p>
+            <a:pPr lvl="1"/>
+            <a:r>
+              <a:rPr lang="en-GB" dirty="0" err="1" smtClean="0"/>
+              <a:t>rdfEditor</a:t>
+            </a:r>
+            <a:r>
+              <a:rPr lang="en-GB" dirty="0" smtClean="0"/>
+              <a:t> for non-Windows systems</a:t>
+            </a:r>
+          </a:p>
+          <a:p>
+            <a:pPr lvl="2"/>
+            <a:r>
+              <a:rPr lang="en-GB" dirty="0" smtClean="0"/>
+              <a:t>As it is WPF based it does not run under Mono which limits it to Windows only currently</a:t>
+            </a:r>
+          </a:p>
+          <a:p>
+            <a:pPr lvl="1"/>
+            <a:r>
+              <a:rPr lang="en-GB" dirty="0" smtClean="0"/>
+              <a:t>Additional JSON format support</a:t>
             </a:r>
             <a:endParaRPr lang="en-GB" dirty="0"/>
           </a:p>
@@ -10214,7 +10279,7 @@
             <a:fld id="{CDAEE9B0-25E7-4C28-AF1D-B3DDCE7EBBDB}" type="datetime1">
               <a:rPr lang="en-US" smtClean="0"/>
               <a:pPr/>
-              <a:t>7/15/2011</a:t>
+              <a:t>7/20/2011</a:t>
             </a:fld>
             <a:endParaRPr lang="en-GB"/>
           </a:p>
@@ -10270,7 +10335,7 @@
     </p:spTree>
     <p:extLst>
       <p:ext uri="{BB962C8B-B14F-4D97-AF65-F5344CB8AC3E}">
-        <p14:creationId xmlns:p14="http://schemas.microsoft.com/office/powerpoint/2010/main" val="3258641840"/>
+        <p14:creationId xmlns:p14="http://schemas.microsoft.com/office/powerpoint/2010/main" xmlns="" val="2152085500"/>
       </p:ext>
     </p:extLst>
   </p:cSld>
@@ -10299,7 +10364,7 @@
       </p:grpSpPr>
       <p:sp>
         <p:nvSpPr>
-          <p:cNvPr id="2" name="Title 1"/>
+          <p:cNvPr id="7" name="Title 6"/>
           <p:cNvSpPr>
             <a:spLocks noGrp="1"/>
           </p:cNvSpPr>
@@ -10317,78 +10382,6 @@
               <a:t>Get Involved</a:t>
             </a:r>
             <a:endParaRPr lang="en-GB" dirty="0"/>
-          </a:p>
-        </p:txBody>
-      </p:sp>
-      <p:sp>
-        <p:nvSpPr>
-          <p:cNvPr id="3" name="Content Placeholder 2"/>
-          <p:cNvSpPr>
-            <a:spLocks noGrp="1"/>
-          </p:cNvSpPr>
-          <p:nvPr>
-            <p:ph idx="1"/>
-          </p:nvPr>
-        </p:nvSpPr>
-        <p:spPr/>
-        <p:txBody>
-          <a:bodyPr>
-            <a:normAutofit/>
-          </a:bodyPr>
-          <a:lstStyle/>
-          <a:p>
-            <a:r>
-              <a:rPr lang="en-GB" dirty="0" smtClean="0"/>
-              <a:t>Suggestions and feedback on this roadmap are solicited and welcomed</a:t>
-            </a:r>
-          </a:p>
-          <a:p>
-            <a:r>
-              <a:rPr lang="en-GB" dirty="0" smtClean="0"/>
-              <a:t>Via email:</a:t>
-            </a:r>
-          </a:p>
-          <a:p>
-            <a:pPr lvl="1"/>
-            <a:r>
-              <a:rPr lang="en-GB" dirty="0" smtClean="0"/>
-              <a:t>Mailing List – </a:t>
-            </a:r>
-            <a:r>
-              <a:rPr lang="en-GB" dirty="0" smtClean="0">
-                <a:hlinkClick r:id="rId2"/>
-              </a:rPr>
-              <a:t>dotnetrdf-develop@lists.sf.net</a:t>
-            </a:r>
-            <a:endParaRPr lang="en-GB" dirty="0" smtClean="0"/>
-          </a:p>
-          <a:p>
-            <a:pPr lvl="1"/>
-            <a:r>
-              <a:rPr lang="en-GB" dirty="0" smtClean="0"/>
-              <a:t>Direct Email – </a:t>
-            </a:r>
-            <a:r>
-              <a:rPr lang="en-GB" dirty="0" smtClean="0">
-                <a:hlinkClick r:id="rId3"/>
-              </a:rPr>
-              <a:t>rvesse@dotnetrdf.org</a:t>
-            </a:r>
-            <a:endParaRPr lang="en-GB" dirty="0" smtClean="0"/>
-          </a:p>
-          <a:p>
-            <a:r>
-              <a:rPr lang="en-GB" dirty="0" smtClean="0"/>
-              <a:t>Via Skype (</a:t>
-            </a:r>
-            <a:r>
-              <a:rPr lang="en-GB" dirty="0" err="1" smtClean="0"/>
-              <a:t>rvesse</a:t>
-            </a:r>
-            <a:r>
-              <a:rPr lang="en-GB" dirty="0" smtClean="0"/>
-              <a:t>) – please email first to arrange a meeting</a:t>
-            </a:r>
           </a:p>
         </p:txBody>
       </p:sp>
@@ -10410,7 +10403,7 @@
             <a:fld id="{CDAEE9B0-25E7-4C28-AF1D-B3DDCE7EBBDB}" type="datetime1">
               <a:rPr lang="en-US" smtClean="0"/>
               <a:pPr/>
-              <a:t>7/15/2011</a:t>
+              <a:t>7/20/2011</a:t>
             </a:fld>
             <a:endParaRPr lang="en-GB"/>
           </a:p>
@@ -10466,7 +10459,7 @@
     </p:spTree>
     <p:extLst>
       <p:ext uri="{BB962C8B-B14F-4D97-AF65-F5344CB8AC3E}">
-        <p14:creationId xmlns:p14="http://schemas.microsoft.com/office/powerpoint/2010/main" val="1264147251"/>
+        <p14:creationId xmlns:p14="http://schemas.microsoft.com/office/powerpoint/2010/main" xmlns="" val="3258641840"/>
       </p:ext>
     </p:extLst>
   </p:cSld>
@@ -10528,67 +10521,63 @@
         </p:nvSpPr>
         <p:spPr/>
         <p:txBody>
-          <a:bodyPr/>
-          <a:lstStyle/>
-          <a:p>
-            <a:r>
-              <a:rPr lang="en-GB" dirty="0"/>
-              <a:t>Face to Face </a:t>
+          <a:bodyPr>
+            <a:normAutofit/>
+          </a:bodyPr>
+          <a:lstStyle/>
+          <a:p>
+            <a:r>
+              <a:rPr lang="en-GB" dirty="0" smtClean="0"/>
+              <a:t>Suggestions and feedback on this roadmap are solicited and welcomed</a:t>
+            </a:r>
+          </a:p>
+          <a:p>
+            <a:r>
+              <a:rPr lang="en-GB" dirty="0" smtClean="0"/>
+              <a:t>Via email:</a:t>
             </a:r>
           </a:p>
           <a:p>
             <a:pPr lvl="1"/>
             <a:r>
-              <a:rPr lang="en-GB" dirty="0"/>
-              <a:t>Conferences – contact me via email to see what conferences I plain on attending later this year</a:t>
-            </a:r>
+              <a:rPr lang="en-GB" dirty="0" smtClean="0"/>
+              <a:t>Mailing List – </a:t>
+            </a:r>
+            <a:r>
+              <a:rPr lang="en-GB" dirty="0" smtClean="0">
+                <a:hlinkClick r:id="rId2"/>
+              </a:rPr>
+              <a:t>dotnetrdf-develop@lists.sf.net</a:t>
+            </a:r>
+            <a:endParaRPr lang="en-GB" dirty="0" smtClean="0"/>
           </a:p>
           <a:p>
             <a:pPr lvl="1"/>
             <a:r>
-              <a:rPr lang="en-GB" dirty="0" err="1"/>
-              <a:t>Meetup</a:t>
-            </a:r>
-            <a:r>
-              <a:rPr lang="en-GB" dirty="0"/>
-              <a:t> – I attend the London </a:t>
-            </a:r>
-            <a:r>
-              <a:rPr lang="en-GB" dirty="0" err="1"/>
-              <a:t>SemWeb</a:t>
-            </a:r>
-            <a:r>
-              <a:rPr lang="en-GB" dirty="0"/>
-              <a:t> </a:t>
+              <a:rPr lang="en-GB" dirty="0" smtClean="0"/>
+              <a:t>Direct Email – </a:t>
+            </a:r>
+            <a:r>
+              <a:rPr lang="en-GB" dirty="0" smtClean="0">
+                <a:hlinkClick r:id="rId3"/>
+              </a:rPr>
+              <a:t>rvesse@dotnetrdf.org</a:t>
+            </a:r>
+            <a:endParaRPr lang="en-GB" dirty="0" smtClean="0"/>
+          </a:p>
+          <a:p>
+            <a:r>
+              <a:rPr lang="en-GB" dirty="0" smtClean="0"/>
+              <a:t>Via Skype (</a:t>
             </a:r>
             <a:r>
               <a:rPr lang="en-GB" dirty="0" err="1" smtClean="0"/>
-              <a:t>Meetup</a:t>
-            </a:r>
-            <a:r>
-              <a:rPr lang="en-GB" dirty="0" smtClean="0"/>
-              <a:t>, please check with me via email whether I will be at a specific </a:t>
-            </a:r>
-            <a:r>
-              <a:rPr lang="en-GB" dirty="0" err="1" smtClean="0"/>
-              <a:t>meetup</a:t>
-            </a:r>
-            <a:endParaRPr lang="en-GB" dirty="0"/>
-          </a:p>
-          <a:p>
-            <a:pPr lvl="1"/>
-            <a:r>
-              <a:rPr lang="en-GB" dirty="0"/>
-              <a:t>Meetings – If you are based in the </a:t>
-            </a:r>
-            <a:r>
-              <a:rPr lang="en-GB" dirty="0" smtClean="0"/>
-              <a:t>south of the UK I am happy to arrange meetings via email</a:t>
-            </a:r>
-            <a:endParaRPr lang="en-GB" dirty="0"/>
-          </a:p>
-          <a:p>
-            <a:endParaRPr lang="en-GB" dirty="0"/>
+              <a:t>rvesse</a:t>
+            </a:r>
+            <a:r>
+              <a:rPr lang="en-GB" dirty="0" smtClean="0"/>
+              <a:t>) – please email first to arrange a meeting</a:t>
+            </a:r>
           </a:p>
         </p:txBody>
       </p:sp>
@@ -10610,7 +10599,7 @@
             <a:fld id="{CDAEE9B0-25E7-4C28-AF1D-B3DDCE7EBBDB}" type="datetime1">
               <a:rPr lang="en-US" smtClean="0"/>
               <a:pPr/>
-              <a:t>7/15/2011</a:t>
+              <a:t>7/20/2011</a:t>
             </a:fld>
             <a:endParaRPr lang="en-GB"/>
           </a:p>
@@ -10666,7 +10655,207 @@
     </p:spTree>
     <p:extLst>
       <p:ext uri="{BB962C8B-B14F-4D97-AF65-F5344CB8AC3E}">
-        <p14:creationId xmlns:p14="http://schemas.microsoft.com/office/powerpoint/2010/main" val="798761902"/>
+        <p14:creationId xmlns:p14="http://schemas.microsoft.com/office/powerpoint/2010/main" xmlns="" val="1264147251"/>
+      </p:ext>
+    </p:extLst>
+  </p:cSld>
+  <p:clrMapOvr>
+    <a:masterClrMapping/>
+  </p:clrMapOvr>
+</p:sld>
+</file>
+
+<file path=ppt/slides/slide49.xml><?xml version="1.0" encoding="utf-8"?>
+<p:sld xmlns:a="http://schemas.openxmlformats.org/drawingml/2006/main" xmlns:r="http://schemas.openxmlformats.org/officeDocument/2006/relationships" xmlns:p="http://schemas.openxmlformats.org/presentationml/2006/main">
+  <p:cSld>
+    <p:spTree>
+      <p:nvGrpSpPr>
+        <p:cNvPr id="1" name=""/>
+        <p:cNvGrpSpPr/>
+        <p:nvPr/>
+      </p:nvGrpSpPr>
+      <p:grpSpPr>
+        <a:xfrm>
+          <a:off x="0" y="0"/>
+          <a:ext cx="0" cy="0"/>
+          <a:chOff x="0" y="0"/>
+          <a:chExt cx="0" cy="0"/>
+        </a:xfrm>
+      </p:grpSpPr>
+      <p:sp>
+        <p:nvSpPr>
+          <p:cNvPr id="2" name="Title 1"/>
+          <p:cNvSpPr>
+            <a:spLocks noGrp="1"/>
+          </p:cNvSpPr>
+          <p:nvPr>
+            <p:ph type="title"/>
+          </p:nvPr>
+        </p:nvSpPr>
+        <p:spPr/>
+        <p:txBody>
+          <a:bodyPr/>
+          <a:lstStyle/>
+          <a:p>
+            <a:r>
+              <a:rPr lang="en-GB" dirty="0" smtClean="0"/>
+              <a:t>Get Involved</a:t>
+            </a:r>
+            <a:endParaRPr lang="en-GB" dirty="0"/>
+          </a:p>
+        </p:txBody>
+      </p:sp>
+      <p:sp>
+        <p:nvSpPr>
+          <p:cNvPr id="3" name="Content Placeholder 2"/>
+          <p:cNvSpPr>
+            <a:spLocks noGrp="1"/>
+          </p:cNvSpPr>
+          <p:nvPr>
+            <p:ph idx="1"/>
+          </p:nvPr>
+        </p:nvSpPr>
+        <p:spPr/>
+        <p:txBody>
+          <a:bodyPr/>
+          <a:lstStyle/>
+          <a:p>
+            <a:r>
+              <a:rPr lang="en-GB" dirty="0"/>
+              <a:t>Face to Face </a:t>
+            </a:r>
+          </a:p>
+          <a:p>
+            <a:pPr lvl="1"/>
+            <a:r>
+              <a:rPr lang="en-GB" dirty="0"/>
+              <a:t>Conferences – contact me via email to see what conferences I plain on attending later this year</a:t>
+            </a:r>
+          </a:p>
+          <a:p>
+            <a:pPr lvl="1"/>
+            <a:r>
+              <a:rPr lang="en-GB" dirty="0" err="1"/>
+              <a:t>Meetup</a:t>
+            </a:r>
+            <a:r>
+              <a:rPr lang="en-GB" dirty="0"/>
+              <a:t> – I attend the London </a:t>
+            </a:r>
+            <a:r>
+              <a:rPr lang="en-GB" dirty="0" err="1"/>
+              <a:t>SemWeb</a:t>
+            </a:r>
+            <a:r>
+              <a:rPr lang="en-GB" dirty="0"/>
+              <a:t> </a:t>
+            </a:r>
+            <a:r>
+              <a:rPr lang="en-GB" dirty="0" err="1" smtClean="0"/>
+              <a:t>Meetup</a:t>
+            </a:r>
+            <a:r>
+              <a:rPr lang="en-GB" dirty="0" smtClean="0"/>
+              <a:t>, please check with me via email whether I will be at a specific </a:t>
+            </a:r>
+            <a:r>
+              <a:rPr lang="en-GB" dirty="0" err="1" smtClean="0"/>
+              <a:t>meetup</a:t>
+            </a:r>
+            <a:endParaRPr lang="en-GB" dirty="0"/>
+          </a:p>
+          <a:p>
+            <a:pPr lvl="1"/>
+            <a:r>
+              <a:rPr lang="en-GB" dirty="0"/>
+              <a:t>Meetings – If you are based in the </a:t>
+            </a:r>
+            <a:r>
+              <a:rPr lang="en-GB" dirty="0" smtClean="0"/>
+              <a:t>south of the UK I am happy to arrange meetings via email</a:t>
+            </a:r>
+            <a:endParaRPr lang="en-GB" dirty="0"/>
+          </a:p>
+          <a:p>
+            <a:endParaRPr lang="en-GB" dirty="0"/>
+          </a:p>
+        </p:txBody>
+      </p:sp>
+      <p:sp>
+        <p:nvSpPr>
+          <p:cNvPr id="4" name="Date Placeholder 3"/>
+          <p:cNvSpPr>
+            <a:spLocks noGrp="1"/>
+          </p:cNvSpPr>
+          <p:nvPr>
+            <p:ph type="dt" sz="half" idx="10"/>
+          </p:nvPr>
+        </p:nvSpPr>
+        <p:spPr/>
+        <p:txBody>
+          <a:bodyPr/>
+          <a:lstStyle/>
+          <a:p>
+            <a:fld id="{CDAEE9B0-25E7-4C28-AF1D-B3DDCE7EBBDB}" type="datetime1">
+              <a:rPr lang="en-US" smtClean="0"/>
+              <a:pPr/>
+              <a:t>7/20/2011</a:t>
+            </a:fld>
+            <a:endParaRPr lang="en-GB"/>
+          </a:p>
+        </p:txBody>
+      </p:sp>
+      <p:sp>
+        <p:nvSpPr>
+          <p:cNvPr id="5" name="Footer Placeholder 4"/>
+          <p:cNvSpPr>
+            <a:spLocks noGrp="1"/>
+          </p:cNvSpPr>
+          <p:nvPr>
+            <p:ph type="ftr" sz="quarter" idx="11"/>
+          </p:nvPr>
+        </p:nvSpPr>
+        <p:spPr/>
+        <p:txBody>
+          <a:bodyPr/>
+          <a:lstStyle/>
+          <a:p>
+            <a:r>
+              <a:rPr lang="en-GB" smtClean="0"/>
+              <a:t>http://www.dotnetrdf.org</a:t>
+            </a:r>
+            <a:endParaRPr lang="en-GB"/>
+          </a:p>
+        </p:txBody>
+      </p:sp>
+      <p:sp>
+        <p:nvSpPr>
+          <p:cNvPr id="6" name="Slide Number Placeholder 5"/>
+          <p:cNvSpPr>
+            <a:spLocks noGrp="1"/>
+          </p:cNvSpPr>
+          <p:nvPr>
+            <p:ph type="sldNum" sz="quarter" idx="12"/>
+          </p:nvPr>
+        </p:nvSpPr>
+        <p:spPr/>
+        <p:txBody>
+          <a:bodyPr/>
+          <a:lstStyle/>
+          <a:p>
+            <a:fld id="{35128F56-7434-487A-8B29-0C024560A5F4}" type="slidenum">
+              <a:rPr lang="en-GB" smtClean="0"/>
+              <a:pPr/>
+              <a:t>49</a:t>
+            </a:fld>
+            <a:endParaRPr lang="en-GB"/>
+          </a:p>
+        </p:txBody>
+      </p:sp>
+    </p:spTree>
+    <p:extLst>
+      <p:ext uri="{BB962C8B-B14F-4D97-AF65-F5344CB8AC3E}">
+        <p14:creationId xmlns:p14="http://schemas.microsoft.com/office/powerpoint/2010/main" xmlns="" val="798761902"/>
       </p:ext>
     </p:extLst>
   </p:cSld>
@@ -10791,7 +10980,7 @@
             <a:fld id="{CDAEE9B0-25E7-4C28-AF1D-B3DDCE7EBBDB}" type="datetime1">
               <a:rPr lang="en-US" smtClean="0"/>
               <a:pPr/>
-              <a:t>7/15/2011</a:t>
+              <a:t>7/20/2011</a:t>
             </a:fld>
             <a:endParaRPr lang="en-GB"/>
           </a:p>
@@ -10847,7 +11036,7 @@
     </p:spTree>
     <p:extLst>
       <p:ext uri="{BB962C8B-B14F-4D97-AF65-F5344CB8AC3E}">
-        <p14:creationId xmlns:p14="http://schemas.microsoft.com/office/powerpoint/2010/main" val="685525953"/>
+        <p14:creationId xmlns:p14="http://schemas.microsoft.com/office/powerpoint/2010/main" xmlns="" val="685525953"/>
       </p:ext>
     </p:extLst>
   </p:cSld>
@@ -10915,7 +11104,7 @@
             <a:fld id="{EA5D455B-ECD0-44E3-BA0C-3649A3FCD15C}" type="datetime1">
               <a:rPr lang="en-US" smtClean="0"/>
               <a:pPr/>
-              <a:t>7/15/2011</a:t>
+              <a:t>7/20/2011</a:t>
             </a:fld>
             <a:endParaRPr lang="en-GB"/>
           </a:p>
@@ -10971,7 +11160,7 @@
     </p:spTree>
     <p:extLst>
       <p:ext uri="{BB962C8B-B14F-4D97-AF65-F5344CB8AC3E}">
-        <p14:creationId xmlns:p14="http://schemas.microsoft.com/office/powerpoint/2010/main" val="2062332550"/>
+        <p14:creationId xmlns:p14="http://schemas.microsoft.com/office/powerpoint/2010/main" xmlns="" val="2062332550"/>
       </p:ext>
     </p:extLst>
   </p:cSld>
@@ -11077,7 +11266,7 @@
             <a:fld id="{CDAEE9B0-25E7-4C28-AF1D-B3DDCE7EBBDB}" type="datetime1">
               <a:rPr lang="en-US" smtClean="0"/>
               <a:pPr/>
-              <a:t>7/15/2011</a:t>
+              <a:t>7/20/2011</a:t>
             </a:fld>
             <a:endParaRPr lang="en-GB"/>
           </a:p>
@@ -11133,7 +11322,7 @@
     </p:spTree>
     <p:extLst>
       <p:ext uri="{BB962C8B-B14F-4D97-AF65-F5344CB8AC3E}">
-        <p14:creationId xmlns:p14="http://schemas.microsoft.com/office/powerpoint/2010/main" val="2752513629"/>
+        <p14:creationId xmlns:p14="http://schemas.microsoft.com/office/powerpoint/2010/main" xmlns="" val="2752513629"/>
       </p:ext>
     </p:extLst>
   </p:cSld>
@@ -11257,7 +11446,7 @@
             <a:fld id="{CDAEE9B0-25E7-4C28-AF1D-B3DDCE7EBBDB}" type="datetime1">
               <a:rPr lang="en-US" smtClean="0"/>
               <a:pPr/>
-              <a:t>7/15/2011</a:t>
+              <a:t>7/20/2011</a:t>
             </a:fld>
             <a:endParaRPr lang="en-GB"/>
           </a:p>
@@ -11313,7 +11502,7 @@
     </p:spTree>
     <p:extLst>
       <p:ext uri="{BB962C8B-B14F-4D97-AF65-F5344CB8AC3E}">
-        <p14:creationId xmlns:p14="http://schemas.microsoft.com/office/powerpoint/2010/main" val="1884836899"/>
+        <p14:creationId xmlns:p14="http://schemas.microsoft.com/office/powerpoint/2010/main" xmlns="" val="1884836899"/>
       </p:ext>
     </p:extLst>
   </p:cSld>
@@ -11410,7 +11599,7 @@
             <a:fld id="{CDAEE9B0-25E7-4C28-AF1D-B3DDCE7EBBDB}" type="datetime1">
               <a:rPr lang="en-US" smtClean="0"/>
               <a:pPr/>
-              <a:t>7/15/2011</a:t>
+              <a:t>7/20/2011</a:t>
             </a:fld>
             <a:endParaRPr lang="en-GB"/>
           </a:p>
@@ -11466,7 +11655,7 @@
     </p:spTree>
     <p:extLst>
       <p:ext uri="{BB962C8B-B14F-4D97-AF65-F5344CB8AC3E}">
-        <p14:creationId xmlns:p14="http://schemas.microsoft.com/office/powerpoint/2010/main" val="1547614895"/>
+        <p14:creationId xmlns:p14="http://schemas.microsoft.com/office/powerpoint/2010/main" xmlns="" val="1547614895"/>
       </p:ext>
     </p:extLst>
   </p:cSld>

--- a/Slides/Roadmap.pptx
+++ b/Slides/Roadmap.pptx
@@ -5,7 +5,7 @@
     <p:sldMasterId id="2147483648" r:id="rId1"/>
   </p:sldMasterIdLst>
   <p:notesMasterIdLst>
-    <p:notesMasterId r:id="rId51"/>
+    <p:notesMasterId r:id="rId56"/>
   </p:notesMasterIdLst>
   <p:sldIdLst>
     <p:sldId id="256" r:id="rId2"/>
@@ -37,26 +37,31 @@
     <p:sldId id="281" r:id="rId28"/>
     <p:sldId id="282" r:id="rId29"/>
     <p:sldId id="283" r:id="rId30"/>
-    <p:sldId id="287" r:id="rId31"/>
-    <p:sldId id="288" r:id="rId32"/>
-    <p:sldId id="289" r:id="rId33"/>
-    <p:sldId id="299" r:id="rId34"/>
-    <p:sldId id="290" r:id="rId35"/>
-    <p:sldId id="291" r:id="rId36"/>
-    <p:sldId id="292" r:id="rId37"/>
-    <p:sldId id="293" r:id="rId38"/>
-    <p:sldId id="294" r:id="rId39"/>
-    <p:sldId id="295" r:id="rId40"/>
-    <p:sldId id="296" r:id="rId41"/>
-    <p:sldId id="297" r:id="rId42"/>
-    <p:sldId id="298" r:id="rId43"/>
-    <p:sldId id="300" r:id="rId44"/>
-    <p:sldId id="308" r:id="rId45"/>
-    <p:sldId id="309" r:id="rId46"/>
-    <p:sldId id="301" r:id="rId47"/>
-    <p:sldId id="303" r:id="rId48"/>
-    <p:sldId id="302" r:id="rId49"/>
-    <p:sldId id="304" r:id="rId50"/>
+    <p:sldId id="315" r:id="rId31"/>
+    <p:sldId id="287" r:id="rId32"/>
+    <p:sldId id="288" r:id="rId33"/>
+    <p:sldId id="310" r:id="rId34"/>
+    <p:sldId id="289" r:id="rId35"/>
+    <p:sldId id="299" r:id="rId36"/>
+    <p:sldId id="290" r:id="rId37"/>
+    <p:sldId id="291" r:id="rId38"/>
+    <p:sldId id="292" r:id="rId39"/>
+    <p:sldId id="293" r:id="rId40"/>
+    <p:sldId id="311" r:id="rId41"/>
+    <p:sldId id="295" r:id="rId42"/>
+    <p:sldId id="296" r:id="rId43"/>
+    <p:sldId id="297" r:id="rId44"/>
+    <p:sldId id="298" r:id="rId45"/>
+    <p:sldId id="300" r:id="rId46"/>
+    <p:sldId id="308" r:id="rId47"/>
+    <p:sldId id="309" r:id="rId48"/>
+    <p:sldId id="301" r:id="rId49"/>
+    <p:sldId id="303" r:id="rId50"/>
+    <p:sldId id="302" r:id="rId51"/>
+    <p:sldId id="312" r:id="rId52"/>
+    <p:sldId id="304" r:id="rId53"/>
+    <p:sldId id="313" r:id="rId54"/>
+    <p:sldId id="314" r:id="rId55"/>
   </p:sldIdLst>
   <p:sldSz cx="9144000" cy="6858000" type="screen4x3"/>
   <p:notesSz cx="7099300" cy="10223500"/>
@@ -241,7 +246,7 @@
             <a:fld id="{A4EFCF4D-B222-4BDE-9F21-361A6D2DD5DC}" type="datetimeFigureOut">
               <a:rPr lang="en-GB" smtClean="0"/>
               <a:pPr/>
-              <a:t>20/07/2011</a:t>
+              <a:t>26/07/2011</a:t>
             </a:fld>
             <a:endParaRPr lang="en-GB"/>
           </a:p>
@@ -410,7 +415,7 @@
     </p:spTree>
     <p:extLst>
       <p:ext uri="{BB962C8B-B14F-4D97-AF65-F5344CB8AC3E}">
-        <p14:creationId xmlns:p14="http://schemas.microsoft.com/office/powerpoint/2010/main" xmlns="" val="3764111685"/>
+        <p14:creationId xmlns="" xmlns:p14="http://schemas.microsoft.com/office/powerpoint/2010/main" val="3764111685"/>
       </p:ext>
     </p:extLst>
   </p:cSld>
@@ -698,7 +703,7 @@
             <a:fld id="{7DDF2E66-A8D8-4938-9770-803246E1F4D9}" type="datetime1">
               <a:rPr lang="en-US" smtClean="0"/>
               <a:pPr/>
-              <a:t>7/20/2011</a:t>
+              <a:t>7/26/2011</a:t>
             </a:fld>
             <a:endParaRPr lang="en-GB"/>
           </a:p>
@@ -889,7 +894,7 @@
             <a:fld id="{CDAEE9B0-25E7-4C28-AF1D-B3DDCE7EBBDB}" type="datetime1">
               <a:rPr lang="en-US" smtClean="0"/>
               <a:pPr/>
-              <a:t>7/20/2011</a:t>
+              <a:t>7/26/2011</a:t>
             </a:fld>
             <a:endParaRPr lang="en-GB"/>
           </a:p>
@@ -1136,7 +1141,7 @@
             <a:fld id="{B4D3D433-0AB0-44F2-9244-5C7078B0628D}" type="datetime1">
               <a:rPr lang="en-US" smtClean="0"/>
               <a:pPr/>
-              <a:t>7/20/2011</a:t>
+              <a:t>7/26/2011</a:t>
             </a:fld>
             <a:endParaRPr lang="en-GB"/>
           </a:p>
@@ -1440,7 +1445,7 @@
             <a:fld id="{603E95A3-71BD-4303-BDB5-8A36882C7B2B}" type="datetime1">
               <a:rPr lang="en-US" smtClean="0"/>
               <a:pPr/>
-              <a:t>7/20/2011</a:t>
+              <a:t>7/26/2011</a:t>
             </a:fld>
             <a:endParaRPr lang="en-GB"/>
           </a:p>
@@ -1848,7 +1853,7 @@
             <a:fld id="{DA3AB10B-EC00-4A9D-ADD6-A8B68613B4D2}" type="datetime1">
               <a:rPr lang="en-US" smtClean="0"/>
               <a:pPr/>
-              <a:t>7/20/2011</a:t>
+              <a:t>7/26/2011</a:t>
             </a:fld>
             <a:endParaRPr lang="en-GB"/>
           </a:p>
@@ -1980,7 +1985,7 @@
             <a:fld id="{EA5D455B-ECD0-44E3-BA0C-3649A3FCD15C}" type="datetime1">
               <a:rPr lang="en-US" smtClean="0"/>
               <a:pPr/>
-              <a:t>7/20/2011</a:t>
+              <a:t>7/26/2011</a:t>
             </a:fld>
             <a:endParaRPr lang="en-GB"/>
           </a:p>
@@ -2076,7 +2081,7 @@
             <a:fld id="{F83BA156-88F6-4A85-BCB0-63F0774EAEDC}" type="datetime1">
               <a:rPr lang="en-US" smtClean="0"/>
               <a:pPr/>
-              <a:t>7/20/2011</a:t>
+              <a:t>7/26/2011</a:t>
             </a:fld>
             <a:endParaRPr lang="en-GB"/>
           </a:p>
@@ -2360,7 +2365,7 @@
             <a:fld id="{044DBA34-05AD-44A3-A0F1-C917A9CE0E42}" type="datetime1">
               <a:rPr lang="en-US" smtClean="0"/>
               <a:pPr/>
-              <a:t>7/20/2011</a:t>
+              <a:t>7/26/2011</a:t>
             </a:fld>
             <a:endParaRPr lang="en-GB"/>
           </a:p>
@@ -2624,7 +2629,7 @@
             <a:fld id="{3FDD57B1-846D-42C4-9FE3-5B43FAB1C846}" type="datetime1">
               <a:rPr lang="en-US" smtClean="0"/>
               <a:pPr/>
-              <a:t>7/20/2011</a:t>
+              <a:t>7/26/2011</a:t>
             </a:fld>
             <a:endParaRPr lang="en-GB"/>
           </a:p>
@@ -2776,7 +2781,7 @@
             <a:fld id="{8EDAB77D-6898-4F92-AE07-90DBD2DF1995}" type="datetime1">
               <a:rPr lang="en-US" smtClean="0"/>
               <a:pPr/>
-              <a:t>7/20/2011</a:t>
+              <a:t>7/26/2011</a:t>
             </a:fld>
             <a:endParaRPr lang="en-GB" dirty="0"/>
           </a:p>
@@ -3337,7 +3342,7 @@
             <a:fld id="{ADB3C27C-C00A-40F0-A166-0452DE5EF4FD}" type="datetime1">
               <a:rPr lang="en-US" smtClean="0"/>
               <a:pPr/>
-              <a:t>7/20/2011</a:t>
+              <a:t>7/26/2011</a:t>
             </a:fld>
             <a:endParaRPr lang="en-GB"/>
           </a:p>
@@ -3511,7 +3516,7 @@
             <a:fld id="{EA5D455B-ECD0-44E3-BA0C-3649A3FCD15C}" type="datetime1">
               <a:rPr lang="en-US" smtClean="0"/>
               <a:pPr/>
-              <a:t>7/20/2011</a:t>
+              <a:t>7/26/2011</a:t>
             </a:fld>
             <a:endParaRPr lang="en-GB"/>
           </a:p>
@@ -3567,7 +3572,7 @@
     </p:spTree>
     <p:extLst>
       <p:ext uri="{BB962C8B-B14F-4D97-AF65-F5344CB8AC3E}">
-        <p14:creationId xmlns:p14="http://schemas.microsoft.com/office/powerpoint/2010/main" xmlns="" val="3728461749"/>
+        <p14:creationId xmlns="" xmlns:p14="http://schemas.microsoft.com/office/powerpoint/2010/main" val="3728461749"/>
       </p:ext>
     </p:extLst>
   </p:cSld>
@@ -3689,7 +3694,7 @@
             <a:fld id="{CDAEE9B0-25E7-4C28-AF1D-B3DDCE7EBBDB}" type="datetime1">
               <a:rPr lang="en-US" smtClean="0"/>
               <a:pPr/>
-              <a:t>7/20/2011</a:t>
+              <a:t>7/26/2011</a:t>
             </a:fld>
             <a:endParaRPr lang="en-GB"/>
           </a:p>
@@ -3745,7 +3750,7 @@
     </p:spTree>
     <p:extLst>
       <p:ext uri="{BB962C8B-B14F-4D97-AF65-F5344CB8AC3E}">
-        <p14:creationId xmlns:p14="http://schemas.microsoft.com/office/powerpoint/2010/main" xmlns="" val="3573922916"/>
+        <p14:creationId xmlns="" xmlns:p14="http://schemas.microsoft.com/office/powerpoint/2010/main" val="3573922916"/>
       </p:ext>
     </p:extLst>
   </p:cSld>
@@ -3853,7 +3858,7 @@
             <a:fld id="{CDAEE9B0-25E7-4C28-AF1D-B3DDCE7EBBDB}" type="datetime1">
               <a:rPr lang="en-US" smtClean="0"/>
               <a:pPr/>
-              <a:t>7/20/2011</a:t>
+              <a:t>7/26/2011</a:t>
             </a:fld>
             <a:endParaRPr lang="en-GB"/>
           </a:p>
@@ -3909,7 +3914,7 @@
     </p:spTree>
     <p:extLst>
       <p:ext uri="{BB962C8B-B14F-4D97-AF65-F5344CB8AC3E}">
-        <p14:creationId xmlns:p14="http://schemas.microsoft.com/office/powerpoint/2010/main" xmlns="" val="2108512158"/>
+        <p14:creationId xmlns="" xmlns:p14="http://schemas.microsoft.com/office/powerpoint/2010/main" val="2108512158"/>
       </p:ext>
     </p:extLst>
   </p:cSld>
@@ -4012,7 +4017,7 @@
             <a:fld id="{CDAEE9B0-25E7-4C28-AF1D-B3DDCE7EBBDB}" type="datetime1">
               <a:rPr lang="en-US" smtClean="0"/>
               <a:pPr/>
-              <a:t>7/20/2011</a:t>
+              <a:t>7/26/2011</a:t>
             </a:fld>
             <a:endParaRPr lang="en-GB" dirty="0"/>
           </a:p>
@@ -4068,7 +4073,7 @@
     </p:spTree>
     <p:extLst>
       <p:ext uri="{BB962C8B-B14F-4D97-AF65-F5344CB8AC3E}">
-        <p14:creationId xmlns:p14="http://schemas.microsoft.com/office/powerpoint/2010/main" xmlns="" val="3738179165"/>
+        <p14:creationId xmlns="" xmlns:p14="http://schemas.microsoft.com/office/powerpoint/2010/main" val="3738179165"/>
       </p:ext>
     </p:extLst>
   </p:cSld>
@@ -4197,7 +4202,7 @@
             <a:fld id="{CDAEE9B0-25E7-4C28-AF1D-B3DDCE7EBBDB}" type="datetime1">
               <a:rPr lang="en-US" smtClean="0"/>
               <a:pPr/>
-              <a:t>7/20/2011</a:t>
+              <a:t>7/26/2011</a:t>
             </a:fld>
             <a:endParaRPr lang="en-GB"/>
           </a:p>
@@ -4253,7 +4258,7 @@
     </p:spTree>
     <p:extLst>
       <p:ext uri="{BB962C8B-B14F-4D97-AF65-F5344CB8AC3E}">
-        <p14:creationId xmlns:p14="http://schemas.microsoft.com/office/powerpoint/2010/main" xmlns="" val="1957182481"/>
+        <p14:creationId xmlns="" xmlns:p14="http://schemas.microsoft.com/office/powerpoint/2010/main" val="1957182481"/>
       </p:ext>
     </p:extLst>
   </p:cSld>
@@ -4384,7 +4389,7 @@
             <a:fld id="{CDAEE9B0-25E7-4C28-AF1D-B3DDCE7EBBDB}" type="datetime1">
               <a:rPr lang="en-US" smtClean="0"/>
               <a:pPr/>
-              <a:t>7/20/2011</a:t>
+              <a:t>7/26/2011</a:t>
             </a:fld>
             <a:endParaRPr lang="en-GB"/>
           </a:p>
@@ -4440,7 +4445,7 @@
     </p:spTree>
     <p:extLst>
       <p:ext uri="{BB962C8B-B14F-4D97-AF65-F5344CB8AC3E}">
-        <p14:creationId xmlns:p14="http://schemas.microsoft.com/office/powerpoint/2010/main" xmlns="" val="2909703350"/>
+        <p14:creationId xmlns="" xmlns:p14="http://schemas.microsoft.com/office/powerpoint/2010/main" val="2909703350"/>
       </p:ext>
     </p:extLst>
   </p:cSld>
@@ -4547,7 +4552,7 @@
             <a:fld id="{CDAEE9B0-25E7-4C28-AF1D-B3DDCE7EBBDB}" type="datetime1">
               <a:rPr lang="en-US" smtClean="0"/>
               <a:pPr/>
-              <a:t>7/20/2011</a:t>
+              <a:t>7/26/2011</a:t>
             </a:fld>
             <a:endParaRPr lang="en-GB"/>
           </a:p>
@@ -4603,7 +4608,7 @@
     </p:spTree>
     <p:extLst>
       <p:ext uri="{BB962C8B-B14F-4D97-AF65-F5344CB8AC3E}">
-        <p14:creationId xmlns:p14="http://schemas.microsoft.com/office/powerpoint/2010/main" xmlns="" val="3472818035"/>
+        <p14:creationId xmlns="" xmlns:p14="http://schemas.microsoft.com/office/powerpoint/2010/main" val="3472818035"/>
       </p:ext>
     </p:extLst>
   </p:cSld>
@@ -4716,7 +4721,7 @@
             <a:fld id="{CDAEE9B0-25E7-4C28-AF1D-B3DDCE7EBBDB}" type="datetime1">
               <a:rPr lang="en-US" smtClean="0"/>
               <a:pPr/>
-              <a:t>7/20/2011</a:t>
+              <a:t>7/26/2011</a:t>
             </a:fld>
             <a:endParaRPr lang="en-GB"/>
           </a:p>
@@ -4772,7 +4777,7 @@
     </p:spTree>
     <p:extLst>
       <p:ext uri="{BB962C8B-B14F-4D97-AF65-F5344CB8AC3E}">
-        <p14:creationId xmlns:p14="http://schemas.microsoft.com/office/powerpoint/2010/main" xmlns="" val="1034858646"/>
+        <p14:creationId xmlns="" xmlns:p14="http://schemas.microsoft.com/office/powerpoint/2010/main" val="1034858646"/>
       </p:ext>
     </p:extLst>
   </p:cSld>
@@ -4894,7 +4899,7 @@
             <a:fld id="{CDAEE9B0-25E7-4C28-AF1D-B3DDCE7EBBDB}" type="datetime1">
               <a:rPr lang="en-US" smtClean="0"/>
               <a:pPr/>
-              <a:t>7/20/2011</a:t>
+              <a:t>7/26/2011</a:t>
             </a:fld>
             <a:endParaRPr lang="en-GB"/>
           </a:p>
@@ -4950,7 +4955,7 @@
     </p:spTree>
     <p:extLst>
       <p:ext uri="{BB962C8B-B14F-4D97-AF65-F5344CB8AC3E}">
-        <p14:creationId xmlns:p14="http://schemas.microsoft.com/office/powerpoint/2010/main" xmlns="" val="3849529298"/>
+        <p14:creationId xmlns="" xmlns:p14="http://schemas.microsoft.com/office/powerpoint/2010/main" val="3849529298"/>
       </p:ext>
     </p:extLst>
   </p:cSld>
@@ -5080,12 +5085,8 @@
           <a:p>
             <a:pPr lvl="1"/>
             <a:r>
-              <a:rPr lang="en-GB" dirty="0"/>
-              <a:t>I</a:t>
-            </a:r>
-            <a:r>
-              <a:rPr lang="en-GB" dirty="0" smtClean="0"/>
-              <a:t>f the parser is not ready in time it will be pushed back to the 0.5.1 minor release</a:t>
+              <a:rPr lang="en-GB" dirty="0" smtClean="0"/>
+              <a:t>Likely to be pushed back to 0.5.1 release due to time and work constraints</a:t>
             </a:r>
             <a:endParaRPr lang="en-GB" i="1" dirty="0"/>
           </a:p>
@@ -5109,7 +5110,7 @@
             <a:fld id="{CDAEE9B0-25E7-4C28-AF1D-B3DDCE7EBBDB}" type="datetime1">
               <a:rPr lang="en-US" smtClean="0"/>
               <a:pPr/>
-              <a:t>7/20/2011</a:t>
+              <a:t>7/26/2011</a:t>
             </a:fld>
             <a:endParaRPr lang="en-GB"/>
           </a:p>
@@ -5165,7 +5166,7 @@
     </p:spTree>
     <p:extLst>
       <p:ext uri="{BB962C8B-B14F-4D97-AF65-F5344CB8AC3E}">
-        <p14:creationId xmlns:p14="http://schemas.microsoft.com/office/powerpoint/2010/main" xmlns="" val="4093170207"/>
+        <p14:creationId xmlns="" xmlns:p14="http://schemas.microsoft.com/office/powerpoint/2010/main" val="4093170207"/>
       </p:ext>
     </p:extLst>
   </p:cSld>
@@ -5301,7 +5302,7 @@
             <a:fld id="{CDAEE9B0-25E7-4C28-AF1D-B3DDCE7EBBDB}" type="datetime1">
               <a:rPr lang="en-US" smtClean="0"/>
               <a:pPr/>
-              <a:t>7/20/2011</a:t>
+              <a:t>7/26/2011</a:t>
             </a:fld>
             <a:endParaRPr lang="en-GB"/>
           </a:p>
@@ -5357,7 +5358,7 @@
     </p:spTree>
     <p:extLst>
       <p:ext uri="{BB962C8B-B14F-4D97-AF65-F5344CB8AC3E}">
-        <p14:creationId xmlns:p14="http://schemas.microsoft.com/office/powerpoint/2010/main" xmlns="" val="2357537943"/>
+        <p14:creationId xmlns="" xmlns:p14="http://schemas.microsoft.com/office/powerpoint/2010/main" val="2357537943"/>
       </p:ext>
     </p:extLst>
   </p:cSld>
@@ -5479,7 +5480,7 @@
             <a:fld id="{CDAEE9B0-25E7-4C28-AF1D-B3DDCE7EBBDB}" type="datetime1">
               <a:rPr lang="en-US" smtClean="0"/>
               <a:pPr/>
-              <a:t>7/20/2011</a:t>
+              <a:t>7/26/2011</a:t>
             </a:fld>
             <a:endParaRPr lang="en-GB"/>
           </a:p>
@@ -5535,7 +5536,7 @@
     </p:spTree>
     <p:extLst>
       <p:ext uri="{BB962C8B-B14F-4D97-AF65-F5344CB8AC3E}">
-        <p14:creationId xmlns:p14="http://schemas.microsoft.com/office/powerpoint/2010/main" xmlns="" val="509411177"/>
+        <p14:creationId xmlns="" xmlns:p14="http://schemas.microsoft.com/office/powerpoint/2010/main" val="509411177"/>
       </p:ext>
     </p:extLst>
   </p:cSld>
@@ -5659,7 +5660,7 @@
             <a:fld id="{CDAEE9B0-25E7-4C28-AF1D-B3DDCE7EBBDB}" type="datetime1">
               <a:rPr lang="en-US" smtClean="0"/>
               <a:pPr/>
-              <a:t>7/20/2011</a:t>
+              <a:t>7/26/2011</a:t>
             </a:fld>
             <a:endParaRPr lang="en-GB"/>
           </a:p>
@@ -5715,7 +5716,7 @@
     </p:spTree>
     <p:extLst>
       <p:ext uri="{BB962C8B-B14F-4D97-AF65-F5344CB8AC3E}">
-        <p14:creationId xmlns:p14="http://schemas.microsoft.com/office/powerpoint/2010/main" xmlns="" val="673125997"/>
+        <p14:creationId xmlns="" xmlns:p14="http://schemas.microsoft.com/office/powerpoint/2010/main" val="673125997"/>
       </p:ext>
     </p:extLst>
   </p:cSld>
@@ -5813,7 +5814,7 @@
             <a:fld id="{CDAEE9B0-25E7-4C28-AF1D-B3DDCE7EBBDB}" type="datetime1">
               <a:rPr lang="en-US" smtClean="0"/>
               <a:pPr/>
-              <a:t>7/20/2011</a:t>
+              <a:t>7/26/2011</a:t>
             </a:fld>
             <a:endParaRPr lang="en-GB"/>
           </a:p>
@@ -5869,7 +5870,7 @@
     </p:spTree>
     <p:extLst>
       <p:ext uri="{BB962C8B-B14F-4D97-AF65-F5344CB8AC3E}">
-        <p14:creationId xmlns:p14="http://schemas.microsoft.com/office/powerpoint/2010/main" xmlns="" val="2964860377"/>
+        <p14:creationId xmlns="" xmlns:p14="http://schemas.microsoft.com/office/powerpoint/2010/main" val="2964860377"/>
       </p:ext>
     </p:extLst>
   </p:cSld>
@@ -6039,7 +6040,7 @@
             <a:fld id="{CDAEE9B0-25E7-4C28-AF1D-B3DDCE7EBBDB}" type="datetime1">
               <a:rPr lang="en-US" smtClean="0"/>
               <a:pPr/>
-              <a:t>7/20/2011</a:t>
+              <a:t>7/26/2011</a:t>
             </a:fld>
             <a:endParaRPr lang="en-GB"/>
           </a:p>
@@ -6095,7 +6096,7 @@
     </p:spTree>
     <p:extLst>
       <p:ext uri="{BB962C8B-B14F-4D97-AF65-F5344CB8AC3E}">
-        <p14:creationId xmlns:p14="http://schemas.microsoft.com/office/powerpoint/2010/main" xmlns="" val="322844269"/>
+        <p14:creationId xmlns="" xmlns:p14="http://schemas.microsoft.com/office/powerpoint/2010/main" val="322844269"/>
       </p:ext>
     </p:extLst>
   </p:cSld>
@@ -6148,7 +6149,7 @@
     </p:spTree>
     <p:extLst>
       <p:ext uri="{BB962C8B-B14F-4D97-AF65-F5344CB8AC3E}">
-        <p14:creationId xmlns:p14="http://schemas.microsoft.com/office/powerpoint/2010/main" xmlns="" val="798346359"/>
+        <p14:creationId xmlns="" xmlns:p14="http://schemas.microsoft.com/office/powerpoint/2010/main" val="798346359"/>
       </p:ext>
     </p:extLst>
   </p:cSld>
@@ -6280,7 +6281,7 @@
             <a:fld id="{EA5D455B-ECD0-44E3-BA0C-3649A3FCD15C}" type="datetime1">
               <a:rPr lang="en-US" smtClean="0"/>
               <a:pPr/>
-              <a:t>7/20/2011</a:t>
+              <a:t>7/26/2011</a:t>
             </a:fld>
             <a:endParaRPr lang="en-GB"/>
           </a:p>
@@ -6336,7 +6337,7 @@
     </p:spTree>
     <p:extLst>
       <p:ext uri="{BB962C8B-B14F-4D97-AF65-F5344CB8AC3E}">
-        <p14:creationId xmlns:p14="http://schemas.microsoft.com/office/powerpoint/2010/main" xmlns="" val="118536430"/>
+        <p14:creationId xmlns="" xmlns:p14="http://schemas.microsoft.com/office/powerpoint/2010/main" val="118536430"/>
       </p:ext>
     </p:extLst>
   </p:cSld>
@@ -6473,7 +6474,7 @@
             <a:fld id="{CDAEE9B0-25E7-4C28-AF1D-B3DDCE7EBBDB}" type="datetime1">
               <a:rPr lang="en-US" smtClean="0"/>
               <a:pPr/>
-              <a:t>7/20/2011</a:t>
+              <a:t>7/26/2011</a:t>
             </a:fld>
             <a:endParaRPr lang="en-GB"/>
           </a:p>
@@ -6529,7 +6530,7 @@
     </p:spTree>
     <p:extLst>
       <p:ext uri="{BB962C8B-B14F-4D97-AF65-F5344CB8AC3E}">
-        <p14:creationId xmlns:p14="http://schemas.microsoft.com/office/powerpoint/2010/main" xmlns="" val="299555438"/>
+        <p14:creationId xmlns="" xmlns:p14="http://schemas.microsoft.com/office/powerpoint/2010/main" val="299555438"/>
       </p:ext>
     </p:extLst>
   </p:cSld>
@@ -6604,6 +6605,31 @@
               <a:rPr lang="en-GB" dirty="0" smtClean="0"/>
               <a:t>validation</a:t>
             </a:r>
+          </a:p>
+          <a:p>
+            <a:r>
+              <a:rPr lang="en-GB" i="1" dirty="0" smtClean="0"/>
+              <a:t>Time Permitting Feature</a:t>
+            </a:r>
+            <a:r>
+              <a:rPr lang="en-GB" dirty="0" smtClean="0"/>
+              <a:t> – May be altered to start using the new </a:t>
+            </a:r>
+            <a:r>
+              <a:rPr lang="en-GB" dirty="0" err="1" smtClean="0"/>
+              <a:t>rdfEditor.Core.dll</a:t>
+            </a:r>
+            <a:r>
+              <a:rPr lang="en-GB" dirty="0" smtClean="0"/>
+              <a:t> backend</a:t>
+            </a:r>
+          </a:p>
+          <a:p>
+            <a:pPr lvl="1"/>
+            <a:r>
+              <a:rPr lang="en-GB" dirty="0" smtClean="0"/>
+              <a:t>Unlikely to be in immediate next release given current time and work constraints</a:t>
+            </a:r>
             <a:endParaRPr lang="en-GB" dirty="0" smtClean="0"/>
           </a:p>
         </p:txBody>
@@ -6626,7 +6652,7 @@
             <a:fld id="{CDAEE9B0-25E7-4C28-AF1D-B3DDCE7EBBDB}" type="datetime1">
               <a:rPr lang="en-US" smtClean="0"/>
               <a:pPr/>
-              <a:t>7/20/2011</a:t>
+              <a:t>7/26/2011</a:t>
             </a:fld>
             <a:endParaRPr lang="en-GB"/>
           </a:p>
@@ -6682,7 +6708,7 @@
     </p:spTree>
     <p:extLst>
       <p:ext uri="{BB962C8B-B14F-4D97-AF65-F5344CB8AC3E}">
-        <p14:creationId xmlns:p14="http://schemas.microsoft.com/office/powerpoint/2010/main" xmlns="" val="1002032322"/>
+        <p14:creationId xmlns="" xmlns:p14="http://schemas.microsoft.com/office/powerpoint/2010/main" val="1002032322"/>
       </p:ext>
     </p:extLst>
   </p:cSld>
@@ -6789,7 +6815,7 @@
             <a:fld id="{CDAEE9B0-25E7-4C28-AF1D-B3DDCE7EBBDB}" type="datetime1">
               <a:rPr lang="en-US" smtClean="0"/>
               <a:pPr/>
-              <a:t>7/20/2011</a:t>
+              <a:t>7/26/2011</a:t>
             </a:fld>
             <a:endParaRPr lang="en-GB"/>
           </a:p>
@@ -6845,7 +6871,7 @@
     </p:spTree>
     <p:extLst>
       <p:ext uri="{BB962C8B-B14F-4D97-AF65-F5344CB8AC3E}">
-        <p14:creationId xmlns:p14="http://schemas.microsoft.com/office/powerpoint/2010/main" xmlns="" val="1473382163"/>
+        <p14:creationId xmlns="" xmlns:p14="http://schemas.microsoft.com/office/powerpoint/2010/main" val="1473382163"/>
       </p:ext>
     </p:extLst>
   </p:cSld>
@@ -6891,6 +6917,10 @@
               <a:rPr lang="en-GB" dirty="0" err="1" smtClean="0"/>
               <a:t>StoreManager</a:t>
             </a:r>
+            <a:r>
+              <a:rPr lang="en-GB" dirty="0" smtClean="0"/>
+              <a:t> (1 of 2)</a:t>
+            </a:r>
             <a:endParaRPr lang="en-GB" dirty="0"/>
           </a:p>
         </p:txBody>
@@ -6914,8 +6944,17 @@
           <a:p>
             <a:r>
               <a:rPr lang="en-GB" dirty="0" smtClean="0"/>
-              <a:t>Support for new stores</a:t>
-            </a:r>
+              <a:t>Support for new </a:t>
+            </a:r>
+            <a:r>
+              <a:rPr lang="en-GB" dirty="0" smtClean="0"/>
+              <a:t>stores and </a:t>
+            </a:r>
+            <a:r>
+              <a:rPr lang="en-GB" dirty="0" smtClean="0"/>
+              <a:t>improvements for some existing stores</a:t>
+            </a:r>
+            <a:endParaRPr lang="en-GB" dirty="0" smtClean="0"/>
           </a:p>
           <a:p>
             <a:pPr lvl="1"/>
@@ -6930,42 +6969,31 @@
             <a:endParaRPr lang="en-GB" dirty="0" smtClean="0"/>
           </a:p>
           <a:p>
-            <a:r>
-              <a:rPr lang="en-GB" dirty="0" smtClean="0"/>
-              <a:t>Improved </a:t>
-            </a:r>
+            <a:pPr lvl="1"/>
             <a:r>
               <a:rPr lang="en-GB" dirty="0" err="1" smtClean="0"/>
               <a:t>AllegroGraph</a:t>
             </a:r>
             <a:r>
               <a:rPr lang="en-GB" dirty="0" smtClean="0"/>
-              <a:t> 4.x support</a:t>
-            </a:r>
-          </a:p>
-          <a:p>
-            <a:r>
-              <a:rPr lang="en-GB" dirty="0" smtClean="0"/>
-              <a:t>Will use the handler subsystem extensions in the core library to:</a:t>
+              <a:t> 4.x root </a:t>
+            </a:r>
+            <a:r>
+              <a:rPr lang="en-GB" dirty="0" err="1" smtClean="0"/>
+              <a:t>catalog</a:t>
+            </a:r>
+            <a:r>
+              <a:rPr lang="en-GB" dirty="0" smtClean="0"/>
+              <a:t> support</a:t>
             </a:r>
           </a:p>
           <a:p>
             <a:pPr lvl="1"/>
             <a:r>
-              <a:rPr lang="en-GB" dirty="0"/>
-              <a:t>I</a:t>
-            </a:r>
-            <a:r>
-              <a:rPr lang="en-GB" dirty="0" smtClean="0"/>
-              <a:t>mprove export speed when possible</a:t>
-            </a:r>
-          </a:p>
-          <a:p>
-            <a:pPr lvl="1"/>
-            <a:r>
-              <a:rPr lang="en-GB" dirty="0" smtClean="0"/>
-              <a:t>Provide a preview graph function which returns the first 100 triples of a graph</a:t>
-            </a:r>
+              <a:rPr lang="en-GB" dirty="0" smtClean="0"/>
+              <a:t>Support for configuring Stardog reasoning</a:t>
+            </a:r>
+            <a:endParaRPr lang="en-GB" dirty="0" smtClean="0"/>
           </a:p>
         </p:txBody>
       </p:sp>
@@ -6987,7 +7015,7 @@
             <a:fld id="{CDAEE9B0-25E7-4C28-AF1D-B3DDCE7EBBDB}" type="datetime1">
               <a:rPr lang="en-US" smtClean="0"/>
               <a:pPr/>
-              <a:t>7/20/2011</a:t>
+              <a:t>7/26/2011</a:t>
             </a:fld>
             <a:endParaRPr lang="en-GB"/>
           </a:p>
@@ -7043,7 +7071,7 @@
     </p:spTree>
     <p:extLst>
       <p:ext uri="{BB962C8B-B14F-4D97-AF65-F5344CB8AC3E}">
-        <p14:creationId xmlns:p14="http://schemas.microsoft.com/office/powerpoint/2010/main" xmlns="" val="370317736"/>
+        <p14:creationId xmlns="" xmlns:p14="http://schemas.microsoft.com/office/powerpoint/2010/main" val="370317736"/>
       </p:ext>
     </p:extLst>
   </p:cSld>
@@ -7150,7 +7178,11 @@
             </a:pPr>
             <a:r>
               <a:rPr lang="en-GB" dirty="0" smtClean="0"/>
-              <a:t>Get Involved</a:t>
+              <a:t>Getting </a:t>
+            </a:r>
+            <a:r>
+              <a:rPr lang="en-GB" dirty="0" smtClean="0"/>
+              <a:t>Involved</a:t>
             </a:r>
           </a:p>
           <a:p>
@@ -7181,7 +7213,7 @@
             <a:fld id="{CDAEE9B0-25E7-4C28-AF1D-B3DDCE7EBBDB}" type="datetime1">
               <a:rPr lang="en-US" smtClean="0"/>
               <a:pPr/>
-              <a:t>7/20/2011</a:t>
+              <a:t>7/26/2011</a:t>
             </a:fld>
             <a:endParaRPr lang="en-GB"/>
           </a:p>
@@ -7237,7 +7269,7 @@
     </p:spTree>
     <p:extLst>
       <p:ext uri="{BB962C8B-B14F-4D97-AF65-F5344CB8AC3E}">
-        <p14:creationId xmlns:p14="http://schemas.microsoft.com/office/powerpoint/2010/main" xmlns="" val="3702788433"/>
+        <p14:creationId xmlns="" xmlns:p14="http://schemas.microsoft.com/office/powerpoint/2010/main" val="3702788433"/>
       </p:ext>
     </p:extLst>
   </p:cSld>
@@ -7266,7 +7298,7 @@
       </p:grpSpPr>
       <p:sp>
         <p:nvSpPr>
-          <p:cNvPr id="2" name="Title 1"/>
+          <p:cNvPr id="6" name="Title 5"/>
           <p:cNvSpPr>
             <a:spLocks noGrp="1"/>
           </p:cNvSpPr>
@@ -7281,8 +7313,47 @@
           <a:p>
             <a:r>
               <a:rPr lang="en-GB" dirty="0" smtClean="0"/>
-              <a:t>Architecture Roadmap</a:t>
-            </a:r>
+              <a:t>Store Manager (2 of 2)</a:t>
+            </a:r>
+            <a:endParaRPr lang="en-GB" dirty="0"/>
+          </a:p>
+        </p:txBody>
+      </p:sp>
+      <p:sp>
+        <p:nvSpPr>
+          <p:cNvPr id="7" name="Content Placeholder 6"/>
+          <p:cNvSpPr>
+            <a:spLocks noGrp="1"/>
+          </p:cNvSpPr>
+          <p:nvPr>
+            <p:ph idx="1"/>
+          </p:nvPr>
+        </p:nvSpPr>
+        <p:spPr/>
+        <p:txBody>
+          <a:bodyPr/>
+          <a:lstStyle/>
+          <a:p>
+            <a:r>
+              <a:rPr lang="en-GB" dirty="0" smtClean="0"/>
+              <a:t>Will use the handler subsystem extensions in the core library to:</a:t>
+            </a:r>
+          </a:p>
+          <a:p>
+            <a:pPr lvl="1"/>
+            <a:r>
+              <a:rPr lang="en-GB" dirty="0" smtClean="0"/>
+              <a:t>Improve export speed when possible</a:t>
+            </a:r>
+          </a:p>
+          <a:p>
+            <a:pPr lvl="1"/>
+            <a:r>
+              <a:rPr lang="en-GB" dirty="0" smtClean="0"/>
+              <a:t>Provide a preview graph function which returns the first 100 triples of a graph</a:t>
+            </a:r>
+          </a:p>
+          <a:p>
             <a:endParaRPr lang="en-GB" dirty="0"/>
           </a:p>
         </p:txBody>
@@ -7305,7 +7376,7 @@
             <a:fld id="{EA5D455B-ECD0-44E3-BA0C-3649A3FCD15C}" type="datetime1">
               <a:rPr lang="en-US" smtClean="0"/>
               <a:pPr/>
-              <a:t>7/20/2011</a:t>
+              <a:t>7/26/2011</a:t>
             </a:fld>
             <a:endParaRPr lang="en-GB"/>
           </a:p>
@@ -7359,11 +7430,6 @@
         </p:txBody>
       </p:sp>
     </p:spTree>
-    <p:extLst>
-      <p:ext uri="{BB962C8B-B14F-4D97-AF65-F5344CB8AC3E}">
-        <p14:creationId xmlns:p14="http://schemas.microsoft.com/office/powerpoint/2010/main" xmlns="" val="106888204"/>
-      </p:ext>
-    </p:extLst>
   </p:cSld>
   <p:clrMapOvr>
     <a:masterClrMapping/>
@@ -7390,7 +7456,7 @@
       </p:grpSpPr>
       <p:sp>
         <p:nvSpPr>
-          <p:cNvPr id="6" name="Title 5"/>
+          <p:cNvPr id="2" name="Title 1"/>
           <p:cNvSpPr>
             <a:spLocks noGrp="1"/>
           </p:cNvSpPr>
@@ -7405,45 +7471,9 @@
           <a:p>
             <a:r>
               <a:rPr lang="en-GB" dirty="0" smtClean="0"/>
-              <a:t>Current Architecture</a:t>
+              <a:t>Architecture Roadmap</a:t>
             </a:r>
             <a:endParaRPr lang="en-GB" dirty="0"/>
-          </a:p>
-        </p:txBody>
-      </p:sp>
-      <p:sp>
-        <p:nvSpPr>
-          <p:cNvPr id="7" name="Content Placeholder 6"/>
-          <p:cNvSpPr>
-            <a:spLocks noGrp="1"/>
-          </p:cNvSpPr>
-          <p:nvPr>
-            <p:ph idx="1"/>
-          </p:nvPr>
-        </p:nvSpPr>
-        <p:spPr/>
-        <p:txBody>
-          <a:bodyPr/>
-          <a:lstStyle/>
-          <a:p>
-            <a:r>
-              <a:rPr lang="en-GB" dirty="0" smtClean="0"/>
-              <a:t>Currently the core library is a single library which is not ideal design going forward</a:t>
-            </a:r>
-          </a:p>
-          <a:p>
-            <a:r>
-              <a:rPr lang="en-GB" dirty="0" smtClean="0"/>
-              <a:t>Some features already reside in external libraries e.g. </a:t>
-            </a:r>
-            <a:r>
-              <a:rPr lang="en-GB" dirty="0" err="1" smtClean="0"/>
-              <a:t>dotNetRDF.WinForms</a:t>
-            </a:r>
-            <a:r>
-              <a:rPr lang="en-GB" dirty="0" smtClean="0"/>
-              <a:t> provides common functionality for Windows Forms GUIs</a:t>
-            </a:r>
           </a:p>
         </p:txBody>
       </p:sp>
@@ -7465,7 +7495,7 @@
             <a:fld id="{EA5D455B-ECD0-44E3-BA0C-3649A3FCD15C}" type="datetime1">
               <a:rPr lang="en-US" smtClean="0"/>
               <a:pPr/>
-              <a:t>7/20/2011</a:t>
+              <a:t>7/26/2011</a:t>
             </a:fld>
             <a:endParaRPr lang="en-GB"/>
           </a:p>
@@ -7521,7 +7551,7 @@
     </p:spTree>
     <p:extLst>
       <p:ext uri="{BB962C8B-B14F-4D97-AF65-F5344CB8AC3E}">
-        <p14:creationId xmlns:p14="http://schemas.microsoft.com/office/powerpoint/2010/main" xmlns="" val="1934465878"/>
+        <p14:creationId xmlns="" xmlns:p14="http://schemas.microsoft.com/office/powerpoint/2010/main" val="106888204"/>
       </p:ext>
     </p:extLst>
   </p:cSld>
@@ -7550,7 +7580,7 @@
       </p:grpSpPr>
       <p:sp>
         <p:nvSpPr>
-          <p:cNvPr id="2" name="Title 1"/>
+          <p:cNvPr id="6" name="Title 5"/>
           <p:cNvSpPr>
             <a:spLocks noGrp="1"/>
           </p:cNvSpPr>
@@ -7565,7 +7595,7 @@
           <a:p>
             <a:r>
               <a:rPr lang="en-GB" dirty="0" smtClean="0"/>
-              <a:t>Proposed Architecture</a:t>
+              <a:t>Current Architecture</a:t>
             </a:r>
             <a:endParaRPr lang="en-GB" dirty="0"/>
           </a:p>
@@ -7573,7 +7603,7 @@
       </p:sp>
       <p:sp>
         <p:nvSpPr>
-          <p:cNvPr id="3" name="Content Placeholder 2"/>
+          <p:cNvPr id="7" name="Content Placeholder 6"/>
           <p:cNvSpPr>
             <a:spLocks noGrp="1"/>
           </p:cNvSpPr>
@@ -7583,48 +7613,33 @@
         </p:nvSpPr>
         <p:spPr/>
         <p:txBody>
-          <a:bodyPr>
-            <a:normAutofit fontScale="92500" lnSpcReduction="20000"/>
-          </a:bodyPr>
-          <a:lstStyle/>
-          <a:p>
-            <a:r>
-              <a:rPr lang="en-GB" dirty="0" smtClean="0"/>
-              <a:t>As new features are added it should be considered carefully whether they are really core features</a:t>
-            </a:r>
-          </a:p>
-          <a:p>
-            <a:pPr lvl="1"/>
-            <a:r>
-              <a:rPr lang="en-GB" dirty="0" smtClean="0"/>
-              <a:t>Core Features should stay in the core library</a:t>
-            </a:r>
-          </a:p>
-          <a:p>
-            <a:pPr lvl="1"/>
-            <a:r>
-              <a:rPr lang="en-GB" dirty="0" smtClean="0"/>
-              <a:t>Non-core features should go into dedicated libraries</a:t>
-            </a:r>
-          </a:p>
-          <a:p>
-            <a:r>
-              <a:rPr lang="en-GB" dirty="0" smtClean="0"/>
-              <a:t>This will help to stop dependency bloat as new features are added</a:t>
-            </a:r>
-          </a:p>
-          <a:p>
-            <a:r>
-              <a:rPr lang="en-GB" dirty="0" smtClean="0"/>
-              <a:t>Also improves maintainability of code and features</a:t>
-            </a:r>
-            <a:endParaRPr lang="en-GB" dirty="0"/>
-          </a:p>
-        </p:txBody>
-      </p:sp>
-      <p:sp>
-        <p:nvSpPr>
-          <p:cNvPr id="4" name="Date Placeholder 3"/>
+          <a:bodyPr/>
+          <a:lstStyle/>
+          <a:p>
+            <a:r>
+              <a:rPr lang="en-GB" dirty="0" smtClean="0"/>
+              <a:t>Currently the core library is a single library which is not ideal design going forward</a:t>
+            </a:r>
+          </a:p>
+          <a:p>
+            <a:r>
+              <a:rPr lang="en-GB" dirty="0" smtClean="0"/>
+              <a:t>Some features already reside in external libraries e.g. </a:t>
+            </a:r>
+            <a:r>
+              <a:rPr lang="en-GB" dirty="0" err="1" smtClean="0"/>
+              <a:t>dotNetRDF.WinForms</a:t>
+            </a:r>
+            <a:r>
+              <a:rPr lang="en-GB" dirty="0" smtClean="0"/>
+              <a:t> provides common functionality for Windows Forms GUIs</a:t>
+            </a:r>
+          </a:p>
+        </p:txBody>
+      </p:sp>
+      <p:sp>
+        <p:nvSpPr>
+          <p:cNvPr id="3" name="Date Placeholder 2"/>
           <p:cNvSpPr>
             <a:spLocks noGrp="1"/>
           </p:cNvSpPr>
@@ -7637,10 +7652,10 @@
           <a:bodyPr/>
           <a:lstStyle/>
           <a:p>
-            <a:fld id="{CDAEE9B0-25E7-4C28-AF1D-B3DDCE7EBBDB}" type="datetime1">
+            <a:fld id="{EA5D455B-ECD0-44E3-BA0C-3649A3FCD15C}" type="datetime1">
               <a:rPr lang="en-US" smtClean="0"/>
               <a:pPr/>
-              <a:t>7/20/2011</a:t>
+              <a:t>7/26/2011</a:t>
             </a:fld>
             <a:endParaRPr lang="en-GB"/>
           </a:p>
@@ -7648,7 +7663,7 @@
       </p:sp>
       <p:sp>
         <p:nvSpPr>
-          <p:cNvPr id="5" name="Footer Placeholder 4"/>
+          <p:cNvPr id="4" name="Footer Placeholder 3"/>
           <p:cNvSpPr>
             <a:spLocks noGrp="1"/>
           </p:cNvSpPr>
@@ -7671,7 +7686,7 @@
       </p:sp>
       <p:sp>
         <p:nvSpPr>
-          <p:cNvPr id="6" name="Slide Number Placeholder 5"/>
+          <p:cNvPr id="5" name="Slide Number Placeholder 4"/>
           <p:cNvSpPr>
             <a:spLocks noGrp="1"/>
           </p:cNvSpPr>
@@ -7696,7 +7711,7 @@
     </p:spTree>
     <p:extLst>
       <p:ext uri="{BB962C8B-B14F-4D97-AF65-F5344CB8AC3E}">
-        <p14:creationId xmlns:p14="http://schemas.microsoft.com/office/powerpoint/2010/main" xmlns="" val="3933745380"/>
+        <p14:creationId xmlns="" xmlns:p14="http://schemas.microsoft.com/office/powerpoint/2010/main" val="1934465878"/>
       </p:ext>
     </p:extLst>
   </p:cSld>
@@ -7740,7 +7755,7 @@
           <a:p>
             <a:r>
               <a:rPr lang="en-GB" dirty="0" smtClean="0"/>
-              <a:t>What constitutes a Core Feature?</a:t>
+              <a:t>Architectural Goals</a:t>
             </a:r>
             <a:endParaRPr lang="en-GB" dirty="0"/>
           </a:p>
@@ -7758,62 +7773,33 @@
         </p:nvSpPr>
         <p:spPr/>
         <p:txBody>
-          <a:bodyPr>
-            <a:normAutofit fontScale="85000" lnSpcReduction="20000"/>
-          </a:bodyPr>
-          <a:lstStyle/>
-          <a:p>
-            <a:r>
-              <a:rPr lang="en-GB" dirty="0" smtClean="0"/>
-              <a:t>Core Features:</a:t>
+          <a:bodyPr/>
+          <a:lstStyle/>
+          <a:p>
+            <a:r>
+              <a:rPr lang="en-GB" dirty="0" smtClean="0"/>
+              <a:t>The architecture should continue ensure the following:</a:t>
             </a:r>
           </a:p>
           <a:p>
             <a:pPr lvl="1"/>
             <a:r>
               <a:rPr lang="en-GB" dirty="0" smtClean="0"/>
-              <a:t>Adds to/improve capability of a specific subsystem</a:t>
+              <a:t>Plenty of extension points</a:t>
             </a:r>
           </a:p>
           <a:p>
             <a:pPr lvl="1"/>
             <a:r>
               <a:rPr lang="en-GB" dirty="0" smtClean="0"/>
-              <a:t>Unless providing major new capabilities which are highly desirable to all users they should not constitute an entirely new subsystem</a:t>
+              <a:t>Ability to drop in replacements for most components</a:t>
             </a:r>
           </a:p>
           <a:p>
             <a:pPr lvl="1"/>
             <a:r>
               <a:rPr lang="en-GB" dirty="0" smtClean="0"/>
-              <a:t>Does not require additional dependencies</a:t>
-            </a:r>
-          </a:p>
-          <a:p>
-            <a:r>
-              <a:rPr lang="en-GB" dirty="0" smtClean="0"/>
-              <a:t>Non Core Features:</a:t>
-            </a:r>
-          </a:p>
-          <a:p>
-            <a:pPr lvl="1"/>
-            <a:r>
-              <a:rPr lang="en-GB" dirty="0" smtClean="0"/>
-              <a:t>Provides an entirely new subsystem</a:t>
-            </a:r>
-          </a:p>
-          <a:p>
-            <a:pPr lvl="1"/>
-            <a:r>
-              <a:rPr lang="en-GB" dirty="0" smtClean="0"/>
-              <a:t>Is only of interest to part of the user base</a:t>
-            </a:r>
-          </a:p>
-          <a:p>
-            <a:pPr lvl="1"/>
-            <a:r>
-              <a:rPr lang="en-GB" dirty="0" smtClean="0"/>
-              <a:t>Introduce new dependencies</a:t>
+              <a:t>Not burden the user with large quantities of dependencies</a:t>
             </a:r>
             <a:endParaRPr lang="en-GB" dirty="0"/>
           </a:p>
@@ -7837,7 +7823,7 @@
             <a:fld id="{CDAEE9B0-25E7-4C28-AF1D-B3DDCE7EBBDB}" type="datetime1">
               <a:rPr lang="en-US" smtClean="0"/>
               <a:pPr/>
-              <a:t>7/20/2011</a:t>
+              <a:t>7/26/2011</a:t>
             </a:fld>
             <a:endParaRPr lang="en-GB"/>
           </a:p>
@@ -7891,11 +7877,6 @@
         </p:txBody>
       </p:sp>
     </p:spTree>
-    <p:extLst>
-      <p:ext uri="{BB962C8B-B14F-4D97-AF65-F5344CB8AC3E}">
-        <p14:creationId xmlns:p14="http://schemas.microsoft.com/office/powerpoint/2010/main" xmlns="" val="4089701815"/>
-      </p:ext>
-    </p:extLst>
   </p:cSld>
   <p:clrMapOvr>
     <a:masterClrMapping/>
@@ -7937,7 +7918,7 @@
           <a:p>
             <a:r>
               <a:rPr lang="en-GB" dirty="0" smtClean="0"/>
-              <a:t>Proposed Architecture in practise (1 of 2)</a:t>
+              <a:t>Proposed Architecture</a:t>
             </a:r>
             <a:endParaRPr lang="en-GB" dirty="0"/>
           </a:p>
@@ -7956,33 +7937,39 @@
         <p:spPr/>
         <p:txBody>
           <a:bodyPr>
-            <a:normAutofit fontScale="92500"/>
+            <a:normAutofit fontScale="92500" lnSpcReduction="20000"/>
           </a:bodyPr>
           <a:lstStyle/>
           <a:p>
             <a:r>
               <a:rPr lang="en-GB" dirty="0" smtClean="0"/>
-              <a:t>It is proposed that the new ADO Store be packaged in a separate library</a:t>
+              <a:t>As new features are added it should be considered carefully whether they are really core features</a:t>
             </a:r>
           </a:p>
           <a:p>
             <a:pPr lvl="1"/>
             <a:r>
               <a:rPr lang="en-GB" dirty="0" smtClean="0"/>
-              <a:t>Will reduce the need for dependencies in the core library</a:t>
+              <a:t>Core Features should stay in the core library</a:t>
             </a:r>
           </a:p>
           <a:p>
             <a:pPr lvl="1"/>
             <a:r>
               <a:rPr lang="en-GB" dirty="0" smtClean="0"/>
-              <a:t>Allows additional implementations other than MSSQL to be added in future with their dependencies</a:t>
-            </a:r>
-          </a:p>
-          <a:p>
-            <a:r>
-              <a:rPr lang="en-GB" dirty="0" smtClean="0"/>
-              <a:t>Make it easier to maintain and those who don’t need the features get a smaller library footprint</a:t>
+              <a:t>Non-core features should go into dedicated libraries</a:t>
+            </a:r>
+          </a:p>
+          <a:p>
+            <a:r>
+              <a:rPr lang="en-GB" dirty="0" smtClean="0"/>
+              <a:t>This will help to stop dependency bloat as new features are added</a:t>
+            </a:r>
+          </a:p>
+          <a:p>
+            <a:r>
+              <a:rPr lang="en-GB" dirty="0" smtClean="0"/>
+              <a:t>Also improves maintainability of code and features</a:t>
             </a:r>
             <a:endParaRPr lang="en-GB" dirty="0"/>
           </a:p>
@@ -8006,7 +7993,7 @@
             <a:fld id="{CDAEE9B0-25E7-4C28-AF1D-B3DDCE7EBBDB}" type="datetime1">
               <a:rPr lang="en-US" smtClean="0"/>
               <a:pPr/>
-              <a:t>7/20/2011</a:t>
+              <a:t>7/26/2011</a:t>
             </a:fld>
             <a:endParaRPr lang="en-GB"/>
           </a:p>
@@ -8062,7 +8049,7 @@
     </p:spTree>
     <p:extLst>
       <p:ext uri="{BB962C8B-B14F-4D97-AF65-F5344CB8AC3E}">
-        <p14:creationId xmlns:p14="http://schemas.microsoft.com/office/powerpoint/2010/main" xmlns="" val="1078110969"/>
+        <p14:creationId xmlns="" xmlns:p14="http://schemas.microsoft.com/office/powerpoint/2010/main" val="3933745380"/>
       </p:ext>
     </p:extLst>
   </p:cSld>
@@ -8106,7 +8093,7 @@
           <a:p>
             <a:r>
               <a:rPr lang="en-GB" dirty="0" smtClean="0"/>
-              <a:t>Proposed Architecture in practise (2 of 2)</a:t>
+              <a:t>What constitutes a Core Feature?</a:t>
             </a:r>
             <a:endParaRPr lang="en-GB" dirty="0"/>
           </a:p>
@@ -8124,19 +8111,62 @@
         </p:nvSpPr>
         <p:spPr/>
         <p:txBody>
-          <a:bodyPr/>
-          <a:lstStyle/>
-          <a:p>
-            <a:r>
-              <a:rPr lang="en-GB" dirty="0" smtClean="0"/>
-              <a:t>Virtuoso support will be separated out into it’s own library</a:t>
+          <a:bodyPr>
+            <a:normAutofit fontScale="85000" lnSpcReduction="20000"/>
+          </a:bodyPr>
+          <a:lstStyle/>
+          <a:p>
+            <a:r>
+              <a:rPr lang="en-GB" dirty="0" smtClean="0"/>
+              <a:t>Core Features:</a:t>
             </a:r>
           </a:p>
           <a:p>
             <a:pPr lvl="1"/>
             <a:r>
               <a:rPr lang="en-GB" dirty="0" smtClean="0"/>
-              <a:t>Desirable since Virtuoso support represents only a couple of classes in the API but introduces an entire DLL as a dependency</a:t>
+              <a:t>Adds to/improve capability of a specific subsystem</a:t>
+            </a:r>
+          </a:p>
+          <a:p>
+            <a:pPr lvl="1"/>
+            <a:r>
+              <a:rPr lang="en-GB" dirty="0" smtClean="0"/>
+              <a:t>Unless providing major new capabilities which are highly desirable to all users they should not constitute an entirely new subsystem</a:t>
+            </a:r>
+          </a:p>
+          <a:p>
+            <a:pPr lvl="1"/>
+            <a:r>
+              <a:rPr lang="en-GB" dirty="0" smtClean="0"/>
+              <a:t>Does not require additional dependencies</a:t>
+            </a:r>
+          </a:p>
+          <a:p>
+            <a:r>
+              <a:rPr lang="en-GB" dirty="0" smtClean="0"/>
+              <a:t>Non Core Features:</a:t>
+            </a:r>
+          </a:p>
+          <a:p>
+            <a:pPr lvl="1"/>
+            <a:r>
+              <a:rPr lang="en-GB" dirty="0" smtClean="0"/>
+              <a:t>Provides an entirely new subsystem</a:t>
+            </a:r>
+          </a:p>
+          <a:p>
+            <a:pPr lvl="1"/>
+            <a:r>
+              <a:rPr lang="en-GB" dirty="0" smtClean="0"/>
+              <a:t>Is only of interest to part of the user base</a:t>
+            </a:r>
+          </a:p>
+          <a:p>
+            <a:pPr lvl="1"/>
+            <a:r>
+              <a:rPr lang="en-GB" dirty="0" smtClean="0"/>
+              <a:t>Introduce new dependencies</a:t>
             </a:r>
             <a:endParaRPr lang="en-GB" dirty="0"/>
           </a:p>
@@ -8160,7 +8190,7 @@
             <a:fld id="{CDAEE9B0-25E7-4C28-AF1D-B3DDCE7EBBDB}" type="datetime1">
               <a:rPr lang="en-US" smtClean="0"/>
               <a:pPr/>
-              <a:t>7/20/2011</a:t>
+              <a:t>7/26/2011</a:t>
             </a:fld>
             <a:endParaRPr lang="en-GB"/>
           </a:p>
@@ -8216,7 +8246,7 @@
     </p:spTree>
     <p:extLst>
       <p:ext uri="{BB962C8B-B14F-4D97-AF65-F5344CB8AC3E}">
-        <p14:creationId xmlns:p14="http://schemas.microsoft.com/office/powerpoint/2010/main" xmlns="" val="3038176013"/>
+        <p14:creationId xmlns="" xmlns:p14="http://schemas.microsoft.com/office/powerpoint/2010/main" val="4089701815"/>
       </p:ext>
     </p:extLst>
   </p:cSld>
@@ -8260,7 +8290,7 @@
           <a:p>
             <a:r>
               <a:rPr lang="en-GB" dirty="0" smtClean="0"/>
-              <a:t>Library Naming Conventions</a:t>
+              <a:t>Proposed Architecture in practise (1 of 2)</a:t>
             </a:r>
             <a:endParaRPr lang="en-GB" dirty="0"/>
           </a:p>
@@ -8279,66 +8309,35 @@
         <p:spPr/>
         <p:txBody>
           <a:bodyPr>
-            <a:normAutofit fontScale="85000" lnSpcReduction="20000"/>
+            <a:normAutofit fontScale="92500"/>
           </a:bodyPr>
           <a:lstStyle/>
           <a:p>
             <a:r>
               <a:rPr lang="en-GB" dirty="0" smtClean="0"/>
-              <a:t>Names should all be prefixed with </a:t>
-            </a:r>
-            <a:r>
-              <a:rPr lang="en-GB" dirty="0" err="1" smtClean="0"/>
-              <a:t>dotNetRDF</a:t>
-            </a:r>
-            <a:r>
-              <a:rPr lang="en-GB" dirty="0" smtClean="0"/>
-              <a:t>.</a:t>
-            </a:r>
-          </a:p>
-          <a:p>
-            <a:r>
-              <a:rPr lang="en-GB" dirty="0" smtClean="0"/>
-              <a:t>Name should be descriptive, not necessarily aligned with the root namespace</a:t>
+              <a:t>It is proposed that the new ADO Store be packaged in a separate library</a:t>
             </a:r>
           </a:p>
           <a:p>
             <a:pPr lvl="1"/>
             <a:r>
-              <a:rPr lang="en-GB" dirty="0" err="1" smtClean="0"/>
-              <a:t>Eg</a:t>
-            </a:r>
-            <a:r>
-              <a:rPr lang="en-GB" dirty="0" smtClean="0"/>
-              <a:t>. dotNetRDF.WinForms.dll and dotNetRDF.Data.Sql.dll</a:t>
-            </a:r>
-          </a:p>
-          <a:p>
-            <a:r>
-              <a:rPr lang="en-GB" dirty="0" smtClean="0"/>
-              <a:t>Names can be </a:t>
-            </a:r>
-            <a:r>
-              <a:rPr lang="en-GB" dirty="0" err="1" smtClean="0"/>
-              <a:t>postfixed</a:t>
-            </a:r>
-            <a:r>
-              <a:rPr lang="en-GB" dirty="0" smtClean="0"/>
-              <a:t> with platform identifier where applicable e.g. dotNetRDF.Silverlight.dll</a:t>
-            </a:r>
-          </a:p>
-          <a:p>
-            <a:r>
-              <a:rPr lang="en-GB" dirty="0" smtClean="0"/>
-              <a:t>Version Numbers need not be aligned with core library, should reflect maturity of code</a:t>
+              <a:rPr lang="en-GB" dirty="0" smtClean="0"/>
+              <a:t>Will reduce the need for dependencies in the core library</a:t>
             </a:r>
           </a:p>
           <a:p>
             <a:pPr lvl="1"/>
             <a:r>
               <a:rPr lang="en-GB" dirty="0" smtClean="0"/>
-              <a:t>For simplicity code considered mature/split out of core library will have version numbers aligned with core library</a:t>
-            </a:r>
+              <a:t>Allows additional implementations other than MSSQL to be added in future with their dependencies</a:t>
+            </a:r>
+          </a:p>
+          <a:p>
+            <a:r>
+              <a:rPr lang="en-GB" dirty="0" smtClean="0"/>
+              <a:t>Make it easier to maintain and those who don’t need the features get a smaller library footprint</a:t>
+            </a:r>
+            <a:endParaRPr lang="en-GB" dirty="0"/>
           </a:p>
         </p:txBody>
       </p:sp>
@@ -8360,7 +8359,7 @@
             <a:fld id="{CDAEE9B0-25E7-4C28-AF1D-B3DDCE7EBBDB}" type="datetime1">
               <a:rPr lang="en-US" smtClean="0"/>
               <a:pPr/>
-              <a:t>7/20/2011</a:t>
+              <a:t>7/26/2011</a:t>
             </a:fld>
             <a:endParaRPr lang="en-GB"/>
           </a:p>
@@ -8416,7 +8415,7 @@
     </p:spTree>
     <p:extLst>
       <p:ext uri="{BB962C8B-B14F-4D97-AF65-F5344CB8AC3E}">
-        <p14:creationId xmlns:p14="http://schemas.microsoft.com/office/powerpoint/2010/main" xmlns="" val="687733986"/>
+        <p14:creationId xmlns="" xmlns:p14="http://schemas.microsoft.com/office/powerpoint/2010/main" val="1078110969"/>
       </p:ext>
     </p:extLst>
   </p:cSld>
@@ -8460,7 +8459,7 @@
           <a:p>
             <a:r>
               <a:rPr lang="en-GB" dirty="0" smtClean="0"/>
-              <a:t>Proposed Libraries for 0.5.0 Release</a:t>
+              <a:t>Proposed Architecture in practise (2 of 2)</a:t>
             </a:r>
             <a:endParaRPr lang="en-GB" dirty="0"/>
           </a:p>
@@ -8483,32 +8482,14 @@
           <a:p>
             <a:r>
               <a:rPr lang="en-GB" dirty="0" smtClean="0"/>
-              <a:t>Core Library – dotNetRDF.dll</a:t>
+              <a:t>Virtuoso support will be separated out into it’s own library</a:t>
             </a:r>
           </a:p>
           <a:p>
             <a:pPr lvl="1"/>
             <a:r>
-              <a:rPr lang="en-GB" dirty="0" err="1" smtClean="0"/>
-              <a:t>WinForms</a:t>
-            </a:r>
-            <a:r>
-              <a:rPr lang="en-GB" dirty="0" smtClean="0"/>
-              <a:t> GUI – dotNetRDF.WinForms.dll</a:t>
-            </a:r>
-          </a:p>
-          <a:p>
-            <a:pPr lvl="1"/>
-            <a:r>
-              <a:rPr lang="en-GB" dirty="0" smtClean="0"/>
-              <a:t>ADO Store – dotNetRDF.Data.Sql.dll</a:t>
-            </a:r>
-          </a:p>
-          <a:p>
-            <a:pPr lvl="1"/>
-            <a:r>
-              <a:rPr lang="en-GB" dirty="0" smtClean="0"/>
-              <a:t>Virtuoso support – dotNetRDF.Data.Virtuoso.dll</a:t>
+              <a:rPr lang="en-GB" dirty="0" smtClean="0"/>
+              <a:t>Desirable since Virtuoso support represents only a couple of classes in the API but introduces an entire DLL as a dependency</a:t>
             </a:r>
             <a:endParaRPr lang="en-GB" dirty="0"/>
           </a:p>
@@ -8532,7 +8513,7 @@
             <a:fld id="{CDAEE9B0-25E7-4C28-AF1D-B3DDCE7EBBDB}" type="datetime1">
               <a:rPr lang="en-US" smtClean="0"/>
               <a:pPr/>
-              <a:t>7/20/2011</a:t>
+              <a:t>7/26/2011</a:t>
             </a:fld>
             <a:endParaRPr lang="en-GB"/>
           </a:p>
@@ -8588,7 +8569,7 @@
     </p:spTree>
     <p:extLst>
       <p:ext uri="{BB962C8B-B14F-4D97-AF65-F5344CB8AC3E}">
-        <p14:creationId xmlns:p14="http://schemas.microsoft.com/office/powerpoint/2010/main" xmlns="" val="3219753914"/>
+        <p14:creationId xmlns="" xmlns:p14="http://schemas.microsoft.com/office/powerpoint/2010/main" val="3038176013"/>
       </p:ext>
     </p:extLst>
   </p:cSld>
@@ -8627,82 +8608,90 @@
         </p:nvSpPr>
         <p:spPr/>
         <p:txBody>
+          <a:bodyPr/>
+          <a:lstStyle/>
+          <a:p>
+            <a:r>
+              <a:rPr lang="en-GB" dirty="0" smtClean="0"/>
+              <a:t>Library Naming Conventions</a:t>
+            </a:r>
+            <a:endParaRPr lang="en-GB" dirty="0"/>
+          </a:p>
+        </p:txBody>
+      </p:sp>
+      <p:sp>
+        <p:nvSpPr>
+          <p:cNvPr id="3" name="Content Placeholder 2"/>
+          <p:cNvSpPr>
+            <a:spLocks noGrp="1"/>
+          </p:cNvSpPr>
+          <p:nvPr>
+            <p:ph idx="1"/>
+          </p:nvPr>
+        </p:nvSpPr>
+        <p:spPr/>
+        <p:txBody>
           <a:bodyPr>
-            <a:normAutofit fontScale="90000"/>
+            <a:normAutofit fontScale="85000" lnSpcReduction="20000"/>
           </a:bodyPr>
           <a:lstStyle/>
           <a:p>
             <a:r>
               <a:rPr lang="en-GB" dirty="0" smtClean="0"/>
-              <a:t>Proposed Libraries for Future </a:t>
-            </a:r>
-            <a:r>
-              <a:rPr lang="en-GB" dirty="0" smtClean="0"/>
-              <a:t>Releases (1 of 2)</a:t>
-            </a:r>
-            <a:endParaRPr lang="en-GB" dirty="0"/>
-          </a:p>
-        </p:txBody>
-      </p:sp>
-      <p:sp>
-        <p:nvSpPr>
-          <p:cNvPr id="3" name="Content Placeholder 2"/>
-          <p:cNvSpPr>
-            <a:spLocks noGrp="1"/>
-          </p:cNvSpPr>
-          <p:nvPr>
-            <p:ph idx="1"/>
-          </p:nvPr>
-        </p:nvSpPr>
-        <p:spPr/>
-        <p:txBody>
-          <a:bodyPr/>
-          <a:lstStyle/>
-          <a:p>
-            <a:r>
-              <a:rPr lang="en-GB" dirty="0" smtClean="0"/>
-              <a:t>LINQ Provider – dotNetRDF.Linq.dll</a:t>
+              <a:t>Names should all be prefixed with </a:t>
+            </a:r>
+            <a:r>
+              <a:rPr lang="en-GB" dirty="0" err="1" smtClean="0"/>
+              <a:t>dotNetRDF</a:t>
+            </a:r>
+            <a:r>
+              <a:rPr lang="en-GB" dirty="0" smtClean="0"/>
+              <a:t>.</a:t>
+            </a:r>
+          </a:p>
+          <a:p>
+            <a:r>
+              <a:rPr lang="en-GB" dirty="0" smtClean="0"/>
+              <a:t>Name should be descriptive, not necessarily aligned with the root namespace</a:t>
             </a:r>
           </a:p>
           <a:p>
             <a:pPr lvl="1"/>
             <a:r>
-              <a:rPr lang="en-GB" dirty="0" smtClean="0"/>
-              <a:t>Based on a port of </a:t>
-            </a:r>
-            <a:r>
               <a:rPr lang="en-GB" dirty="0" err="1" smtClean="0"/>
-              <a:t>Andew</a:t>
-            </a:r>
-            <a:r>
-              <a:rPr lang="en-GB" dirty="0" smtClean="0"/>
-              <a:t> Matthew’s </a:t>
+              <a:t>Eg</a:t>
+            </a:r>
+            <a:r>
+              <a:rPr lang="en-GB" dirty="0" smtClean="0"/>
+              <a:t>. dotNetRDF.WinForms.dll and dotNetRDF.Data.Sql.dll</a:t>
+            </a:r>
+          </a:p>
+          <a:p>
+            <a:r>
+              <a:rPr lang="en-GB" dirty="0" smtClean="0"/>
+              <a:t>Names can be </a:t>
             </a:r>
             <a:r>
               <a:rPr lang="en-GB" dirty="0" err="1" smtClean="0"/>
-              <a:t>LinqToRdf</a:t>
-            </a:r>
-            <a:endParaRPr lang="en-GB" dirty="0" smtClean="0"/>
+              <a:t>postfixed</a:t>
+            </a:r>
+            <a:r>
+              <a:rPr lang="en-GB" dirty="0" smtClean="0"/>
+              <a:t> with platform identifier where applicable e.g. dotNetRDF.Silverlight.dll</a:t>
+            </a:r>
+          </a:p>
+          <a:p>
+            <a:r>
+              <a:rPr lang="en-GB" dirty="0" smtClean="0"/>
+              <a:t>Version Numbers need not be aligned with core library, should reflect maturity of code</a:t>
+            </a:r>
           </a:p>
           <a:p>
             <a:pPr lvl="1"/>
             <a:r>
               <a:rPr lang="en-GB" dirty="0" smtClean="0"/>
-              <a:t>Persistence capability added by use of SPARQL Update</a:t>
-            </a:r>
-          </a:p>
-          <a:p>
-            <a:r>
-              <a:rPr lang="en-GB" dirty="0" smtClean="0"/>
-              <a:t>SPIN Implementation – dotNetRDF.Spin.dll</a:t>
-            </a:r>
-          </a:p>
-          <a:p>
-            <a:r>
-              <a:rPr lang="en-GB" dirty="0" smtClean="0"/>
-              <a:t>WPF GUI – dotNetRDF.Wpf.dll</a:t>
-            </a:r>
-            <a:endParaRPr lang="en-GB" dirty="0"/>
+              <a:t>For simplicity code considered mature/split out of core library will have version numbers aligned with core library</a:t>
+            </a:r>
           </a:p>
         </p:txBody>
       </p:sp>
@@ -8724,7 +8713,7 @@
             <a:fld id="{CDAEE9B0-25E7-4C28-AF1D-B3DDCE7EBBDB}" type="datetime1">
               <a:rPr lang="en-US" smtClean="0"/>
               <a:pPr/>
-              <a:t>7/20/2011</a:t>
+              <a:t>7/26/2011</a:t>
             </a:fld>
             <a:endParaRPr lang="en-GB"/>
           </a:p>
@@ -8780,7 +8769,7 @@
     </p:spTree>
     <p:extLst>
       <p:ext uri="{BB962C8B-B14F-4D97-AF65-F5344CB8AC3E}">
-        <p14:creationId xmlns:p14="http://schemas.microsoft.com/office/powerpoint/2010/main" xmlns="" val="3035919924"/>
+        <p14:creationId xmlns="" xmlns:p14="http://schemas.microsoft.com/office/powerpoint/2010/main" val="687733986"/>
       </p:ext>
     </p:extLst>
   </p:cSld>
@@ -8819,14 +8808,12 @@
         </p:nvSpPr>
         <p:spPr/>
         <p:txBody>
-          <a:bodyPr>
-            <a:normAutofit/>
-          </a:bodyPr>
-          <a:lstStyle/>
-          <a:p>
-            <a:r>
-              <a:rPr lang="en-GB" dirty="0" smtClean="0"/>
-              <a:t>General Roadmap</a:t>
+          <a:bodyPr/>
+          <a:lstStyle/>
+          <a:p>
+            <a:r>
+              <a:rPr lang="en-GB" dirty="0" smtClean="0"/>
+              <a:t>Proposed Libraries for 0.5.0 Release</a:t>
             </a:r>
             <a:endParaRPr lang="en-GB" dirty="0"/>
           </a:p>
@@ -8834,7 +8821,55 @@
       </p:sp>
       <p:sp>
         <p:nvSpPr>
-          <p:cNvPr id="3" name="Date Placeholder 2"/>
+          <p:cNvPr id="3" name="Content Placeholder 2"/>
+          <p:cNvSpPr>
+            <a:spLocks noGrp="1"/>
+          </p:cNvSpPr>
+          <p:nvPr>
+            <p:ph idx="1"/>
+          </p:nvPr>
+        </p:nvSpPr>
+        <p:spPr/>
+        <p:txBody>
+          <a:bodyPr/>
+          <a:lstStyle/>
+          <a:p>
+            <a:r>
+              <a:rPr lang="en-GB" dirty="0" smtClean="0"/>
+              <a:t>Core Library – dotNetRDF.dll</a:t>
+            </a:r>
+          </a:p>
+          <a:p>
+            <a:pPr lvl="1"/>
+            <a:r>
+              <a:rPr lang="en-GB" dirty="0" err="1" smtClean="0"/>
+              <a:t>WinForms</a:t>
+            </a:r>
+            <a:r>
+              <a:rPr lang="en-GB" dirty="0" smtClean="0"/>
+              <a:t> GUI – dotNetRDF.WinForms.dll</a:t>
+            </a:r>
+          </a:p>
+          <a:p>
+            <a:pPr lvl="1"/>
+            <a:r>
+              <a:rPr lang="en-GB" dirty="0" smtClean="0"/>
+              <a:t>ADO Store – dotNetRDF.Data.Sql.dll</a:t>
+            </a:r>
+          </a:p>
+          <a:p>
+            <a:pPr lvl="1"/>
+            <a:r>
+              <a:rPr lang="en-GB" dirty="0" smtClean="0"/>
+              <a:t>Virtuoso support – dotNetRDF.Data.Virtuoso.dll</a:t>
+            </a:r>
+            <a:endParaRPr lang="en-GB" dirty="0"/>
+          </a:p>
+        </p:txBody>
+      </p:sp>
+      <p:sp>
+        <p:nvSpPr>
+          <p:cNvPr id="4" name="Date Placeholder 3"/>
           <p:cNvSpPr>
             <a:spLocks noGrp="1"/>
           </p:cNvSpPr>
@@ -8847,10 +8882,10 @@
           <a:bodyPr/>
           <a:lstStyle/>
           <a:p>
-            <a:fld id="{EA5D455B-ECD0-44E3-BA0C-3649A3FCD15C}" type="datetime1">
+            <a:fld id="{CDAEE9B0-25E7-4C28-AF1D-B3DDCE7EBBDB}" type="datetime1">
               <a:rPr lang="en-US" smtClean="0"/>
               <a:pPr/>
-              <a:t>7/20/2011</a:t>
+              <a:t>7/26/2011</a:t>
             </a:fld>
             <a:endParaRPr lang="en-GB"/>
           </a:p>
@@ -8858,7 +8893,7 @@
       </p:sp>
       <p:sp>
         <p:nvSpPr>
-          <p:cNvPr id="4" name="Footer Placeholder 3"/>
+          <p:cNvPr id="5" name="Footer Placeholder 4"/>
           <p:cNvSpPr>
             <a:spLocks noGrp="1"/>
           </p:cNvSpPr>
@@ -8881,7 +8916,7 @@
       </p:sp>
       <p:sp>
         <p:nvSpPr>
-          <p:cNvPr id="5" name="Slide Number Placeholder 4"/>
+          <p:cNvPr id="6" name="Slide Number Placeholder 5"/>
           <p:cNvSpPr>
             <a:spLocks noGrp="1"/>
           </p:cNvSpPr>
@@ -8906,7 +8941,7 @@
     </p:spTree>
     <p:extLst>
       <p:ext uri="{BB962C8B-B14F-4D97-AF65-F5344CB8AC3E}">
-        <p14:creationId xmlns:p14="http://schemas.microsoft.com/office/powerpoint/2010/main" xmlns="" val="2482877072"/>
+        <p14:creationId xmlns="" xmlns:p14="http://schemas.microsoft.com/office/powerpoint/2010/main" val="3219753914"/>
       </p:ext>
     </p:extLst>
   </p:cSld>
@@ -8974,7 +9009,7 @@
             <a:fld id="{EA5D455B-ECD0-44E3-BA0C-3649A3FCD15C}" type="datetime1">
               <a:rPr lang="en-US" smtClean="0"/>
               <a:pPr/>
-              <a:t>7/20/2011</a:t>
+              <a:t>7/26/2011</a:t>
             </a:fld>
             <a:endParaRPr lang="en-GB"/>
           </a:p>
@@ -9030,7 +9065,7 @@
     </p:spTree>
     <p:extLst>
       <p:ext uri="{BB962C8B-B14F-4D97-AF65-F5344CB8AC3E}">
-        <p14:creationId xmlns:p14="http://schemas.microsoft.com/office/powerpoint/2010/main" xmlns="" val="4095227198"/>
+        <p14:creationId xmlns="" xmlns:p14="http://schemas.microsoft.com/office/powerpoint/2010/main" val="4095227198"/>
       </p:ext>
     </p:extLst>
   </p:cSld>
@@ -9059,7 +9094,7 @@
       </p:grpSpPr>
       <p:sp>
         <p:nvSpPr>
-          <p:cNvPr id="6" name="Title 5"/>
+          <p:cNvPr id="2" name="Title 1"/>
           <p:cNvSpPr>
             <a:spLocks noGrp="1"/>
           </p:cNvSpPr>
@@ -9069,12 +9104,14 @@
         </p:nvSpPr>
         <p:spPr/>
         <p:txBody>
-          <a:bodyPr/>
-          <a:lstStyle/>
-          <a:p>
-            <a:r>
-              <a:rPr lang="en-GB" dirty="0" smtClean="0"/>
-              <a:t>Plans</a:t>
+          <a:bodyPr>
+            <a:normAutofit/>
+          </a:bodyPr>
+          <a:lstStyle/>
+          <a:p>
+            <a:r>
+              <a:rPr lang="en-GB" dirty="0" smtClean="0"/>
+              <a:t>In Progress for possible future release</a:t>
             </a:r>
             <a:endParaRPr lang="en-GB" dirty="0"/>
           </a:p>
@@ -9082,7 +9119,7 @@
       </p:sp>
       <p:sp>
         <p:nvSpPr>
-          <p:cNvPr id="7" name="Content Placeholder 6"/>
+          <p:cNvPr id="3" name="Content Placeholder 2"/>
           <p:cNvSpPr>
             <a:spLocks noGrp="1"/>
           </p:cNvSpPr>
@@ -9097,32 +9134,58 @@
           <a:p>
             <a:r>
               <a:rPr lang="en-GB" dirty="0" smtClean="0"/>
-              <a:t>Currently the roadmap is very loose beyond the immediate next releases (the 0.5.x series)</a:t>
-            </a:r>
-          </a:p>
-          <a:p>
-            <a:r>
-              <a:rPr lang="en-GB" dirty="0" smtClean="0"/>
-              <a:t>There are no specific plans for any release beyond 0.5.x at the moment</a:t>
-            </a:r>
-          </a:p>
-          <a:p>
-            <a:r>
-              <a:rPr lang="en-GB" dirty="0" smtClean="0"/>
-              <a:t>Ideally the roadmap from subsequent releases (0.6.x) to the 1.0 release should be driven by the community</a:t>
-            </a:r>
-          </a:p>
-          <a:p>
-            <a:pPr marL="0" indent="0">
-              <a:buNone/>
-            </a:pPr>
+              <a:t>LINQ </a:t>
+            </a:r>
+            <a:r>
+              <a:rPr lang="en-GB" dirty="0" smtClean="0"/>
+              <a:t>Provider – dotNetRDF.Linq.dll</a:t>
+            </a:r>
+          </a:p>
+          <a:p>
+            <a:pPr lvl="1"/>
+            <a:r>
+              <a:rPr lang="en-GB" dirty="0" smtClean="0"/>
+              <a:t>Based on a port of </a:t>
+            </a:r>
+            <a:r>
+              <a:rPr lang="en-GB" dirty="0" err="1" smtClean="0"/>
+              <a:t>Andew</a:t>
+            </a:r>
+            <a:r>
+              <a:rPr lang="en-GB" dirty="0" smtClean="0"/>
+              <a:t> Matthew’s </a:t>
+            </a:r>
+            <a:r>
+              <a:rPr lang="en-GB" dirty="0" err="1" smtClean="0"/>
+              <a:t>LinqToRdf</a:t>
+            </a:r>
+            <a:endParaRPr lang="en-GB" dirty="0" smtClean="0"/>
+          </a:p>
+          <a:p>
+            <a:pPr lvl="1"/>
+            <a:r>
+              <a:rPr lang="en-GB" dirty="0" smtClean="0"/>
+              <a:t>Persistence capability added by use of SPARQL Update</a:t>
+            </a:r>
+          </a:p>
+          <a:p>
+            <a:r>
+              <a:rPr lang="en-GB" dirty="0" smtClean="0"/>
+              <a:t>SPIN Implementation – dotNetRDF.Spin.dll</a:t>
+            </a:r>
+          </a:p>
+          <a:p>
+            <a:r>
+              <a:rPr lang="en-GB" dirty="0" smtClean="0"/>
+              <a:t>WPF GUI – dotNetRDF.Wpf.dll</a:t>
+            </a:r>
             <a:endParaRPr lang="en-GB" dirty="0"/>
           </a:p>
         </p:txBody>
       </p:sp>
       <p:sp>
         <p:nvSpPr>
-          <p:cNvPr id="3" name="Date Placeholder 2"/>
+          <p:cNvPr id="4" name="Date Placeholder 3"/>
           <p:cNvSpPr>
             <a:spLocks noGrp="1"/>
           </p:cNvSpPr>
@@ -9135,10 +9198,10 @@
           <a:bodyPr/>
           <a:lstStyle/>
           <a:p>
-            <a:fld id="{EA5D455B-ECD0-44E3-BA0C-3649A3FCD15C}" type="datetime1">
+            <a:fld id="{CDAEE9B0-25E7-4C28-AF1D-B3DDCE7EBBDB}" type="datetime1">
               <a:rPr lang="en-US" smtClean="0"/>
               <a:pPr/>
-              <a:t>7/20/2011</a:t>
+              <a:t>7/26/2011</a:t>
             </a:fld>
             <a:endParaRPr lang="en-GB"/>
           </a:p>
@@ -9146,7 +9209,7 @@
       </p:sp>
       <p:sp>
         <p:nvSpPr>
-          <p:cNvPr id="4" name="Footer Placeholder 3"/>
+          <p:cNvPr id="5" name="Footer Placeholder 4"/>
           <p:cNvSpPr>
             <a:spLocks noGrp="1"/>
           </p:cNvSpPr>
@@ -9169,7 +9232,7 @@
       </p:sp>
       <p:sp>
         <p:nvSpPr>
-          <p:cNvPr id="5" name="Slide Number Placeholder 4"/>
+          <p:cNvPr id="6" name="Slide Number Placeholder 5"/>
           <p:cNvSpPr>
             <a:spLocks noGrp="1"/>
           </p:cNvSpPr>
@@ -9194,7 +9257,7 @@
     </p:spTree>
     <p:extLst>
       <p:ext uri="{BB962C8B-B14F-4D97-AF65-F5344CB8AC3E}">
-        <p14:creationId xmlns:p14="http://schemas.microsoft.com/office/powerpoint/2010/main" xmlns="" val="381284594"/>
+        <p14:creationId xmlns="" xmlns:p14="http://schemas.microsoft.com/office/powerpoint/2010/main" val="3035919924"/>
       </p:ext>
     </p:extLst>
   </p:cSld>
@@ -9233,12 +9296,14 @@
         </p:nvSpPr>
         <p:spPr/>
         <p:txBody>
-          <a:bodyPr/>
-          <a:lstStyle/>
-          <a:p>
-            <a:r>
-              <a:rPr lang="en-GB" dirty="0" smtClean="0"/>
-              <a:t>Community Driven Planning</a:t>
+          <a:bodyPr>
+            <a:normAutofit/>
+          </a:bodyPr>
+          <a:lstStyle/>
+          <a:p>
+            <a:r>
+              <a:rPr lang="en-GB" dirty="0" smtClean="0"/>
+              <a:t>General Roadmap</a:t>
             </a:r>
             <a:endParaRPr lang="en-GB" dirty="0"/>
           </a:p>
@@ -9246,45 +9311,7 @@
       </p:sp>
       <p:sp>
         <p:nvSpPr>
-          <p:cNvPr id="3" name="Content Placeholder 2"/>
-          <p:cNvSpPr>
-            <a:spLocks noGrp="1"/>
-          </p:cNvSpPr>
-          <p:nvPr>
-            <p:ph idx="1"/>
-          </p:nvPr>
-        </p:nvSpPr>
-        <p:spPr/>
-        <p:txBody>
-          <a:bodyPr>
-            <a:normAutofit lnSpcReduction="10000"/>
-          </a:bodyPr>
-          <a:lstStyle/>
-          <a:p>
-            <a:r>
-              <a:rPr lang="en-GB" dirty="0" smtClean="0"/>
-              <a:t>For 0.6.x releases new features/improvements should be primarily driven by community request</a:t>
-            </a:r>
-          </a:p>
-          <a:p>
-            <a:pPr lvl="1"/>
-            <a:r>
-              <a:rPr lang="en-GB" dirty="0" smtClean="0"/>
-              <a:t>i.e. features will be prioritised based on community request/need/feedback</a:t>
-            </a:r>
-          </a:p>
-          <a:p>
-            <a:r>
-              <a:rPr lang="en-GB" dirty="0" smtClean="0"/>
-              <a:t>We have some possible features lined up which we will prioritise unless community suggests other features</a:t>
-            </a:r>
-            <a:endParaRPr lang="en-GB" dirty="0"/>
-          </a:p>
-        </p:txBody>
-      </p:sp>
-      <p:sp>
-        <p:nvSpPr>
-          <p:cNvPr id="4" name="Date Placeholder 3"/>
+          <p:cNvPr id="3" name="Date Placeholder 2"/>
           <p:cNvSpPr>
             <a:spLocks noGrp="1"/>
           </p:cNvSpPr>
@@ -9297,10 +9324,10 @@
           <a:bodyPr/>
           <a:lstStyle/>
           <a:p>
-            <a:fld id="{CDAEE9B0-25E7-4C28-AF1D-B3DDCE7EBBDB}" type="datetime1">
+            <a:fld id="{EA5D455B-ECD0-44E3-BA0C-3649A3FCD15C}" type="datetime1">
               <a:rPr lang="en-US" smtClean="0"/>
               <a:pPr/>
-              <a:t>7/20/2011</a:t>
+              <a:t>7/26/2011</a:t>
             </a:fld>
             <a:endParaRPr lang="en-GB"/>
           </a:p>
@@ -9308,7 +9335,7 @@
       </p:sp>
       <p:sp>
         <p:nvSpPr>
-          <p:cNvPr id="5" name="Footer Placeholder 4"/>
+          <p:cNvPr id="4" name="Footer Placeholder 3"/>
           <p:cNvSpPr>
             <a:spLocks noGrp="1"/>
           </p:cNvSpPr>
@@ -9331,7 +9358,7 @@
       </p:sp>
       <p:sp>
         <p:nvSpPr>
-          <p:cNvPr id="6" name="Slide Number Placeholder 5"/>
+          <p:cNvPr id="5" name="Slide Number Placeholder 4"/>
           <p:cNvSpPr>
             <a:spLocks noGrp="1"/>
           </p:cNvSpPr>
@@ -9356,7 +9383,7 @@
     </p:spTree>
     <p:extLst>
       <p:ext uri="{BB962C8B-B14F-4D97-AF65-F5344CB8AC3E}">
-        <p14:creationId xmlns:p14="http://schemas.microsoft.com/office/powerpoint/2010/main" xmlns="" val="3357694366"/>
+        <p14:creationId xmlns="" xmlns:p14="http://schemas.microsoft.com/office/powerpoint/2010/main" val="2482877072"/>
       </p:ext>
     </p:extLst>
   </p:cSld>
@@ -9385,7 +9412,7 @@
       </p:grpSpPr>
       <p:sp>
         <p:nvSpPr>
-          <p:cNvPr id="2" name="Title 1"/>
+          <p:cNvPr id="6" name="Title 5"/>
           <p:cNvSpPr>
             <a:spLocks noGrp="1"/>
           </p:cNvSpPr>
@@ -9400,11 +9427,7 @@
           <a:p>
             <a:r>
               <a:rPr lang="en-GB" dirty="0" smtClean="0"/>
-              <a:t>Our Suggestions (1 of </a:t>
-            </a:r>
-            <a:r>
-              <a:rPr lang="en-GB" dirty="0" smtClean="0"/>
-              <a:t>4)</a:t>
+              <a:t>Plans</a:t>
             </a:r>
             <a:endParaRPr lang="en-GB" dirty="0"/>
           </a:p>
@@ -9412,7 +9435,7 @@
       </p:sp>
       <p:sp>
         <p:nvSpPr>
-          <p:cNvPr id="3" name="Content Placeholder 2"/>
+          <p:cNvPr id="7" name="Content Placeholder 6"/>
           <p:cNvSpPr>
             <a:spLocks noGrp="1"/>
           </p:cNvSpPr>
@@ -9422,51 +9445,37 @@
         </p:nvSpPr>
         <p:spPr/>
         <p:txBody>
-          <a:bodyPr>
-            <a:normAutofit fontScale="92500"/>
-          </a:bodyPr>
-          <a:lstStyle/>
-          <a:p>
-            <a:r>
-              <a:rPr lang="en-GB" dirty="0" smtClean="0"/>
-              <a:t>Full text SPARQL Support – dotNetRDF.Sparql.FullText.dll</a:t>
-            </a:r>
-          </a:p>
-          <a:p>
-            <a:pPr lvl="1"/>
-            <a:r>
-              <a:rPr lang="en-GB" dirty="0" smtClean="0"/>
-              <a:t>Use </a:t>
-            </a:r>
-            <a:r>
-              <a:rPr lang="en-GB" dirty="0" err="1" smtClean="0"/>
-              <a:t>Lucene.Net</a:t>
-            </a:r>
-            <a:r>
-              <a:rPr lang="en-GB" dirty="0" smtClean="0"/>
-              <a:t> to provide full text search capabilities</a:t>
-            </a:r>
-          </a:p>
-          <a:p>
-            <a:pPr lvl="1"/>
-            <a:r>
-              <a:rPr lang="en-GB" dirty="0" smtClean="0"/>
-              <a:t>Syntax compatible with other implementations as far as possible</a:t>
-            </a:r>
-          </a:p>
-          <a:p>
-            <a:pPr lvl="1"/>
-            <a:r>
-              <a:rPr lang="en-GB" dirty="0" smtClean="0"/>
-              <a:t>Will be implemented as a new library since as per the architecture proposal it is a non core feature and requires additional dependencies</a:t>
-            </a:r>
+          <a:bodyPr/>
+          <a:lstStyle/>
+          <a:p>
+            <a:r>
+              <a:rPr lang="en-GB" dirty="0" smtClean="0"/>
+              <a:t>Currently the roadmap is very loose beyond the immediate next releases (the 0.5.x series)</a:t>
+            </a:r>
+          </a:p>
+          <a:p>
+            <a:r>
+              <a:rPr lang="en-GB" dirty="0" smtClean="0"/>
+              <a:t>There are no specific plans for any release beyond 0.5.x at the moment</a:t>
+            </a:r>
+          </a:p>
+          <a:p>
+            <a:r>
+              <a:rPr lang="en-GB" dirty="0" smtClean="0"/>
+              <a:t>Ideally the roadmap from subsequent releases (0.6.x) to the 1.0 release should be driven by the community</a:t>
+            </a:r>
+          </a:p>
+          <a:p>
+            <a:pPr marL="0" indent="0">
+              <a:buNone/>
+            </a:pPr>
             <a:endParaRPr lang="en-GB" dirty="0"/>
           </a:p>
         </p:txBody>
       </p:sp>
       <p:sp>
         <p:nvSpPr>
-          <p:cNvPr id="4" name="Date Placeholder 3"/>
+          <p:cNvPr id="3" name="Date Placeholder 2"/>
           <p:cNvSpPr>
             <a:spLocks noGrp="1"/>
           </p:cNvSpPr>
@@ -9479,10 +9488,10 @@
           <a:bodyPr/>
           <a:lstStyle/>
           <a:p>
-            <a:fld id="{CDAEE9B0-25E7-4C28-AF1D-B3DDCE7EBBDB}" type="datetime1">
+            <a:fld id="{EA5D455B-ECD0-44E3-BA0C-3649A3FCD15C}" type="datetime1">
               <a:rPr lang="en-US" smtClean="0"/>
               <a:pPr/>
-              <a:t>7/20/2011</a:t>
+              <a:t>7/26/2011</a:t>
             </a:fld>
             <a:endParaRPr lang="en-GB"/>
           </a:p>
@@ -9490,7 +9499,7 @@
       </p:sp>
       <p:sp>
         <p:nvSpPr>
-          <p:cNvPr id="5" name="Footer Placeholder 4"/>
+          <p:cNvPr id="4" name="Footer Placeholder 3"/>
           <p:cNvSpPr>
             <a:spLocks noGrp="1"/>
           </p:cNvSpPr>
@@ -9513,7 +9522,7 @@
       </p:sp>
       <p:sp>
         <p:nvSpPr>
-          <p:cNvPr id="6" name="Slide Number Placeholder 5"/>
+          <p:cNvPr id="5" name="Slide Number Placeholder 4"/>
           <p:cNvSpPr>
             <a:spLocks noGrp="1"/>
           </p:cNvSpPr>
@@ -9538,7 +9547,7 @@
     </p:spTree>
     <p:extLst>
       <p:ext uri="{BB962C8B-B14F-4D97-AF65-F5344CB8AC3E}">
-        <p14:creationId xmlns:p14="http://schemas.microsoft.com/office/powerpoint/2010/main" xmlns="" val="912609684"/>
+        <p14:creationId xmlns="" xmlns:p14="http://schemas.microsoft.com/office/powerpoint/2010/main" val="381284594"/>
       </p:ext>
     </p:extLst>
   </p:cSld>
@@ -9582,11 +9591,7 @@
           <a:p>
             <a:r>
               <a:rPr lang="en-GB" dirty="0" smtClean="0"/>
-              <a:t>Our Suggestions (2 of </a:t>
-            </a:r>
-            <a:r>
-              <a:rPr lang="en-GB" dirty="0" smtClean="0"/>
-              <a:t>4)</a:t>
+              <a:t>Community Driven Planning</a:t>
             </a:r>
             <a:endParaRPr lang="en-GB" dirty="0"/>
           </a:p>
@@ -9604,38 +9609,27 @@
         </p:nvSpPr>
         <p:spPr/>
         <p:txBody>
-          <a:bodyPr/>
-          <a:lstStyle/>
-          <a:p>
-            <a:r>
-              <a:rPr lang="en-GB" dirty="0" err="1" smtClean="0"/>
-              <a:t>GeoSPARQL</a:t>
-            </a:r>
-            <a:r>
-              <a:rPr lang="en-GB" dirty="0" smtClean="0"/>
-              <a:t> Support – dotNetRDF.Sparql.Geo.dll</a:t>
+          <a:bodyPr>
+            <a:normAutofit lnSpcReduction="10000"/>
+          </a:bodyPr>
+          <a:lstStyle/>
+          <a:p>
+            <a:r>
+              <a:rPr lang="en-GB" dirty="0" smtClean="0"/>
+              <a:t>For 0.6.x releases new features/improvements should be primarily driven by community request</a:t>
             </a:r>
           </a:p>
           <a:p>
             <a:pPr lvl="1"/>
             <a:r>
               <a:rPr lang="en-GB" dirty="0" smtClean="0"/>
-              <a:t>Provide an implementation of the OGC </a:t>
-            </a:r>
-            <a:r>
-              <a:rPr lang="en-GB" dirty="0" err="1" smtClean="0"/>
-              <a:t>GeoSPARQL</a:t>
-            </a:r>
-            <a:r>
-              <a:rPr lang="en-GB" dirty="0" smtClean="0"/>
-              <a:t> standard</a:t>
-            </a:r>
-          </a:p>
-          <a:p>
-            <a:pPr lvl="1"/>
-            <a:r>
-              <a:rPr lang="en-GB" dirty="0" smtClean="0"/>
-              <a:t>As with full text SPARQL will be implemented as a new library as is as non-core feature</a:t>
+              <a:t>i.e. features will be prioritised based on community request/need/feedback</a:t>
+            </a:r>
+          </a:p>
+          <a:p>
+            <a:r>
+              <a:rPr lang="en-GB" dirty="0" smtClean="0"/>
+              <a:t>We have some possible features lined up which we will prioritise unless community suggests other features</a:t>
             </a:r>
             <a:endParaRPr lang="en-GB" dirty="0"/>
           </a:p>
@@ -9659,7 +9653,7 @@
             <a:fld id="{CDAEE9B0-25E7-4C28-AF1D-B3DDCE7EBBDB}" type="datetime1">
               <a:rPr lang="en-US" smtClean="0"/>
               <a:pPr/>
-              <a:t>7/20/2011</a:t>
+              <a:t>7/26/2011</a:t>
             </a:fld>
             <a:endParaRPr lang="en-GB"/>
           </a:p>
@@ -9715,7 +9709,7 @@
     </p:spTree>
     <p:extLst>
       <p:ext uri="{BB962C8B-B14F-4D97-AF65-F5344CB8AC3E}">
-        <p14:creationId xmlns:p14="http://schemas.microsoft.com/office/powerpoint/2010/main" xmlns="" val="585871984"/>
+        <p14:creationId xmlns="" xmlns:p14="http://schemas.microsoft.com/office/powerpoint/2010/main" val="3357694366"/>
       </p:ext>
     </p:extLst>
   </p:cSld>
@@ -9754,131 +9748,66 @@
         </p:nvSpPr>
         <p:spPr/>
         <p:txBody>
+          <a:bodyPr/>
+          <a:lstStyle/>
+          <a:p>
+            <a:r>
+              <a:rPr lang="en-GB" dirty="0" smtClean="0"/>
+              <a:t>Our Suggestions (1 of 4)</a:t>
+            </a:r>
+            <a:endParaRPr lang="en-GB" dirty="0"/>
+          </a:p>
+        </p:txBody>
+      </p:sp>
+      <p:sp>
+        <p:nvSpPr>
+          <p:cNvPr id="3" name="Content Placeholder 2"/>
+          <p:cNvSpPr>
+            <a:spLocks noGrp="1"/>
+          </p:cNvSpPr>
+          <p:nvPr>
+            <p:ph idx="1"/>
+          </p:nvPr>
+        </p:nvSpPr>
+        <p:spPr/>
+        <p:txBody>
           <a:bodyPr>
-            <a:normAutofit/>
+            <a:normAutofit fontScale="92500"/>
           </a:bodyPr>
           <a:lstStyle/>
           <a:p>
             <a:r>
               <a:rPr lang="en-GB" dirty="0" smtClean="0"/>
-              <a:t>Our Suggestions (3 of 4)</a:t>
-            </a:r>
-            <a:endParaRPr lang="en-GB" dirty="0"/>
-          </a:p>
-        </p:txBody>
-      </p:sp>
-      <p:sp>
-        <p:nvSpPr>
-          <p:cNvPr id="3" name="Content Placeholder 2"/>
-          <p:cNvSpPr>
-            <a:spLocks noGrp="1"/>
-          </p:cNvSpPr>
-          <p:nvPr>
-            <p:ph idx="1"/>
-          </p:nvPr>
-        </p:nvSpPr>
-        <p:spPr/>
-        <p:txBody>
-          <a:bodyPr/>
-          <a:lstStyle/>
-          <a:p>
+              <a:t>Full text SPARQL Support – dotNetRDF.Sparql.FullText.dll</a:t>
+            </a:r>
+          </a:p>
+          <a:p>
+            <a:pPr lvl="1"/>
+            <a:r>
+              <a:rPr lang="en-GB" dirty="0" smtClean="0"/>
+              <a:t>Use </a:t>
+            </a:r>
             <a:r>
               <a:rPr lang="en-GB" dirty="0" err="1" smtClean="0"/>
-              <a:t>rdfEditor</a:t>
-            </a:r>
-            <a:r>
-              <a:rPr lang="en-GB" dirty="0" smtClean="0"/>
-              <a:t> Core – </a:t>
-            </a:r>
-            <a:r>
-              <a:rPr lang="en-GB" dirty="0" err="1" smtClean="0"/>
-              <a:t>rdfEditor.Core.dll</a:t>
-            </a:r>
-            <a:endParaRPr lang="en-GB" dirty="0" smtClean="0"/>
+              <a:t>Lucene.Net</a:t>
+            </a:r>
+            <a:r>
+              <a:rPr lang="en-GB" dirty="0" smtClean="0"/>
+              <a:t> to provide full text search capabilities</a:t>
+            </a:r>
           </a:p>
           <a:p>
             <a:pPr lvl="1"/>
             <a:r>
               <a:rPr lang="en-GB" dirty="0" smtClean="0"/>
-              <a:t>Abstraction </a:t>
-            </a:r>
-            <a:r>
-              <a:rPr lang="en-GB" dirty="0" smtClean="0"/>
-              <a:t>of much of the core functionality into a separate library </a:t>
-            </a:r>
-            <a:r>
-              <a:rPr lang="en-GB" dirty="0" err="1" smtClean="0"/>
-              <a:t>rdfEditor.Core</a:t>
-            </a:r>
-            <a:endParaRPr lang="en-GB" dirty="0" smtClean="0"/>
+              <a:t>Syntax compatible with other implementations as far as possible</a:t>
+            </a:r>
           </a:p>
           <a:p>
             <a:pPr lvl="1"/>
             <a:r>
               <a:rPr lang="en-GB" dirty="0" smtClean="0"/>
-              <a:t>Alternative GUI implementation </a:t>
-            </a:r>
-            <a:r>
-              <a:rPr lang="en-GB" dirty="0" smtClean="0"/>
-              <a:t>of </a:t>
-            </a:r>
-            <a:r>
-              <a:rPr lang="en-GB" dirty="0" err="1" smtClean="0"/>
-              <a:t>rdfEditor</a:t>
-            </a:r>
-            <a:r>
-              <a:rPr lang="en-GB" dirty="0" smtClean="0"/>
-              <a:t> using this new library</a:t>
-            </a:r>
-          </a:p>
-          <a:p>
-            <a:pPr lvl="2"/>
-            <a:r>
-              <a:rPr lang="en-GB" dirty="0" smtClean="0"/>
-              <a:t>Will use a GUI that is works on Mono and non-Windows systems </a:t>
-            </a:r>
-            <a:r>
-              <a:rPr lang="en-GB" dirty="0" err="1" smtClean="0"/>
-              <a:t>e.g</a:t>
-            </a:r>
-            <a:r>
-              <a:rPr lang="en-GB" dirty="0" smtClean="0"/>
-              <a:t> </a:t>
-            </a:r>
-            <a:r>
-              <a:rPr lang="en-GB" dirty="0" err="1" smtClean="0"/>
-              <a:t>MonoDevelop’s</a:t>
-            </a:r>
-            <a:r>
-              <a:rPr lang="en-GB" dirty="0" smtClean="0"/>
-              <a:t> GTK# based editor</a:t>
-            </a:r>
-          </a:p>
-          <a:p>
-            <a:pPr lvl="1"/>
-            <a:r>
-              <a:rPr lang="en-GB" dirty="0" smtClean="0"/>
-              <a:t>Existing WPF version of </a:t>
-            </a:r>
-            <a:r>
-              <a:rPr lang="en-GB" dirty="0" err="1" smtClean="0"/>
-              <a:t>rdfEditor</a:t>
-            </a:r>
-            <a:r>
-              <a:rPr lang="en-GB" dirty="0" smtClean="0"/>
-              <a:t> will be </a:t>
-            </a:r>
-            <a:r>
-              <a:rPr lang="en-GB" dirty="0" err="1" smtClean="0"/>
-              <a:t>refactored</a:t>
-            </a:r>
-            <a:r>
-              <a:rPr lang="en-GB" dirty="0" smtClean="0"/>
-              <a:t> to use </a:t>
-            </a:r>
-            <a:r>
-              <a:rPr lang="en-GB" dirty="0" smtClean="0"/>
-              <a:t>this</a:t>
+              <a:t>Will be implemented as a new library since as per the architecture proposal it is a non core feature and requires additional dependencies</a:t>
             </a:r>
             <a:endParaRPr lang="en-GB" dirty="0"/>
           </a:p>
@@ -9902,9 +9831,9 @@
             <a:fld id="{CDAEE9B0-25E7-4C28-AF1D-B3DDCE7EBBDB}" type="datetime1">
               <a:rPr lang="en-US" smtClean="0"/>
               <a:pPr/>
-              <a:t>7/20/2011</a:t>
+              <a:t>7/26/2011</a:t>
             </a:fld>
-            <a:endParaRPr lang="en-GB" dirty="0"/>
+            <a:endParaRPr lang="en-GB"/>
           </a:p>
         </p:txBody>
       </p:sp>
@@ -9924,10 +9853,10 @@
           <a:lstStyle/>
           <a:p>
             <a:r>
-              <a:rPr lang="en-GB" dirty="0" smtClean="0"/>
+              <a:rPr lang="en-GB" smtClean="0"/>
               <a:t>http://www.dotnetrdf.org</a:t>
             </a:r>
-            <a:endParaRPr lang="en-GB" dirty="0"/>
+            <a:endParaRPr lang="en-GB"/>
           </a:p>
         </p:txBody>
       </p:sp>
@@ -9956,6 +9885,11 @@
         </p:txBody>
       </p:sp>
     </p:spTree>
+    <p:extLst>
+      <p:ext uri="{BB962C8B-B14F-4D97-AF65-F5344CB8AC3E}">
+        <p14:creationId xmlns="" xmlns:p14="http://schemas.microsoft.com/office/powerpoint/2010/main" val="912609684"/>
+      </p:ext>
+    </p:extLst>
   </p:cSld>
   <p:clrMapOvr>
     <a:masterClrMapping/>
@@ -9997,7 +9931,7 @@
           <a:p>
             <a:r>
               <a:rPr lang="en-GB" dirty="0" smtClean="0"/>
-              <a:t>Our Suggestions (4 of 4)</a:t>
+              <a:t>Our Suggestions (2 of 4)</a:t>
             </a:r>
             <a:endParaRPr lang="en-GB" dirty="0"/>
           </a:p>
@@ -10020,58 +9954,34 @@
           <a:p>
             <a:r>
               <a:rPr lang="en-GB" dirty="0" err="1" smtClean="0"/>
-              <a:t>rdfEditor.Core</a:t>
-            </a:r>
-            <a:r>
-              <a:rPr lang="en-GB" smtClean="0"/>
-              <a:t> will provide </a:t>
-            </a:r>
-            <a:r>
-              <a:rPr lang="en-GB" dirty="0" smtClean="0"/>
-              <a:t>the following:</a:t>
+              <a:t>GeoSPARQL</a:t>
+            </a:r>
+            <a:r>
+              <a:rPr lang="en-GB" dirty="0" smtClean="0"/>
+              <a:t> Support – dotNetRDF.Sparql.Geo.dll</a:t>
             </a:r>
           </a:p>
           <a:p>
             <a:pPr lvl="1"/>
             <a:r>
               <a:rPr lang="en-GB" dirty="0" smtClean="0"/>
-              <a:t>Cleaner and reusable shared code based between different GUI frontends</a:t>
+              <a:t>Provide an implementation of the OGC </a:t>
+            </a:r>
+            <a:r>
+              <a:rPr lang="en-GB" dirty="0" err="1" smtClean="0"/>
+              <a:t>GeoSPARQL</a:t>
+            </a:r>
+            <a:r>
+              <a:rPr lang="en-GB" dirty="0" smtClean="0"/>
+              <a:t> standard</a:t>
             </a:r>
           </a:p>
           <a:p>
             <a:pPr lvl="1"/>
             <a:r>
               <a:rPr lang="en-GB" dirty="0" smtClean="0"/>
-              <a:t>Support for multiple document editing</a:t>
-            </a:r>
-          </a:p>
-          <a:p>
-            <a:pPr lvl="1"/>
-            <a:r>
-              <a:rPr lang="en-GB" dirty="0" smtClean="0"/>
-              <a:t>Improved support for conversion between formats</a:t>
-            </a:r>
-          </a:p>
-          <a:p>
-            <a:pPr lvl="1"/>
-            <a:r>
-              <a:rPr lang="en-GB" dirty="0" smtClean="0"/>
-              <a:t>Extensible </a:t>
-            </a:r>
-            <a:r>
-              <a:rPr lang="en-GB" dirty="0" err="1" smtClean="0"/>
-              <a:t>plugin</a:t>
-            </a:r>
-            <a:r>
-              <a:rPr lang="en-GB" dirty="0" smtClean="0"/>
-              <a:t> system</a:t>
-            </a:r>
-          </a:p>
-          <a:p>
-            <a:pPr lvl="1"/>
-            <a:endParaRPr lang="en-GB" dirty="0" smtClean="0"/>
-          </a:p>
-          <a:p>
+              <a:t>As with full text SPARQL will be implemented as a new library as is as non-core feature</a:t>
+            </a:r>
             <a:endParaRPr lang="en-GB" dirty="0"/>
           </a:p>
         </p:txBody>
@@ -10094,7 +10004,7 @@
             <a:fld id="{CDAEE9B0-25E7-4C28-AF1D-B3DDCE7EBBDB}" type="datetime1">
               <a:rPr lang="en-US" smtClean="0"/>
               <a:pPr/>
-              <a:t>7/20/2011</a:t>
+              <a:t>7/26/2011</a:t>
             </a:fld>
             <a:endParaRPr lang="en-GB"/>
           </a:p>
@@ -10148,6 +10058,11 @@
         </p:txBody>
       </p:sp>
     </p:spTree>
+    <p:extLst>
+      <p:ext uri="{BB962C8B-B14F-4D97-AF65-F5344CB8AC3E}">
+        <p14:creationId xmlns="" xmlns:p14="http://schemas.microsoft.com/office/powerpoint/2010/main" val="585871984"/>
+      </p:ext>
+    </p:extLst>
   </p:cSld>
   <p:clrMapOvr>
     <a:masterClrMapping/>
@@ -10184,12 +10099,14 @@
         </p:nvSpPr>
         <p:spPr/>
         <p:txBody>
-          <a:bodyPr/>
-          <a:lstStyle/>
-          <a:p>
-            <a:r>
-              <a:rPr lang="en-GB" dirty="0" smtClean="0"/>
-              <a:t>Existing Community Suggestions</a:t>
+          <a:bodyPr>
+            <a:normAutofit/>
+          </a:bodyPr>
+          <a:lstStyle/>
+          <a:p>
+            <a:r>
+              <a:rPr lang="en-GB" dirty="0" smtClean="0"/>
+              <a:t>Our Suggestions (3 of 4)</a:t>
             </a:r>
             <a:endParaRPr lang="en-GB" dirty="0"/>
           </a:p>
@@ -10210,52 +10127,91 @@
           <a:bodyPr/>
           <a:lstStyle/>
           <a:p>
-            <a:r>
-              <a:rPr lang="en-GB" dirty="0" smtClean="0"/>
-              <a:t>Currently the following features have been suggested/requested by the community:</a:t>
-            </a:r>
-          </a:p>
-          <a:p>
-            <a:pPr lvl="1"/>
-            <a:r>
-              <a:rPr lang="en-GB" dirty="0" err="1" smtClean="0"/>
-              <a:t>.Net</a:t>
-            </a:r>
-            <a:r>
-              <a:rPr lang="en-GB" dirty="0" smtClean="0"/>
-              <a:t> Serialization support</a:t>
-            </a:r>
-          </a:p>
-          <a:p>
-            <a:pPr lvl="1"/>
-            <a:r>
-              <a:rPr lang="en-GB" dirty="0" smtClean="0"/>
-              <a:t>SPIN (SPARQL Inferencing Notation) Support</a:t>
-            </a:r>
-          </a:p>
-          <a:p>
-            <a:pPr lvl="1"/>
             <a:r>
               <a:rPr lang="en-GB" dirty="0" err="1" smtClean="0"/>
               <a:t>rdfEditor</a:t>
             </a:r>
             <a:r>
               <a:rPr lang="en-GB" dirty="0" smtClean="0"/>
-              <a:t> for non-Windows systems</a:t>
+              <a:t> Core – </a:t>
+            </a:r>
+            <a:r>
+              <a:rPr lang="en-GB" dirty="0" err="1" smtClean="0"/>
+              <a:t>rdfEditor.Core.dll</a:t>
+            </a:r>
+            <a:endParaRPr lang="en-GB" dirty="0" smtClean="0"/>
+          </a:p>
+          <a:p>
+            <a:pPr lvl="1"/>
+            <a:r>
+              <a:rPr lang="en-GB" dirty="0" smtClean="0"/>
+              <a:t>Abstraction of much of the core functionality into a separate library </a:t>
+            </a:r>
+            <a:r>
+              <a:rPr lang="en-GB" dirty="0" err="1" smtClean="0"/>
+              <a:t>rdfEditor.Core</a:t>
+            </a:r>
+            <a:endParaRPr lang="en-GB" dirty="0" smtClean="0"/>
+          </a:p>
+          <a:p>
+            <a:pPr lvl="1"/>
+            <a:r>
+              <a:rPr lang="en-GB" dirty="0" smtClean="0"/>
+              <a:t>Alternative GUI implementation of </a:t>
+            </a:r>
+            <a:r>
+              <a:rPr lang="en-GB" dirty="0" err="1" smtClean="0"/>
+              <a:t>rdfEditor</a:t>
+            </a:r>
+            <a:r>
+              <a:rPr lang="en-GB" dirty="0" smtClean="0"/>
+              <a:t> using this new library</a:t>
             </a:r>
           </a:p>
           <a:p>
             <a:pPr lvl="2"/>
             <a:r>
               <a:rPr lang="en-GB" dirty="0" smtClean="0"/>
-              <a:t>As it is WPF based it does not run under Mono which limits it to Windows only currently</a:t>
+              <a:t>Will use a GUI that is works on Mono and non-Windows systems </a:t>
+            </a:r>
+            <a:r>
+              <a:rPr lang="en-GB" dirty="0" err="1" smtClean="0"/>
+              <a:t>e.g</a:t>
+            </a:r>
+            <a:r>
+              <a:rPr lang="en-GB" dirty="0" smtClean="0"/>
+              <a:t> </a:t>
+            </a:r>
+            <a:r>
+              <a:rPr lang="en-GB" dirty="0" err="1" smtClean="0"/>
+              <a:t>MonoDevelop’s</a:t>
+            </a:r>
+            <a:r>
+              <a:rPr lang="en-GB" dirty="0" smtClean="0"/>
+              <a:t> GTK# based editor</a:t>
             </a:r>
           </a:p>
           <a:p>
             <a:pPr lvl="1"/>
             <a:r>
               <a:rPr lang="en-GB" dirty="0" smtClean="0"/>
-              <a:t>Additional JSON format support</a:t>
+              <a:t>Existing WPF version of </a:t>
+            </a:r>
+            <a:r>
+              <a:rPr lang="en-GB" dirty="0" err="1" smtClean="0"/>
+              <a:t>rdfEditor</a:t>
+            </a:r>
+            <a:r>
+              <a:rPr lang="en-GB" dirty="0" smtClean="0"/>
+              <a:t> will be </a:t>
+            </a:r>
+            <a:r>
+              <a:rPr lang="en-GB" dirty="0" err="1" smtClean="0"/>
+              <a:t>refactored</a:t>
+            </a:r>
+            <a:r>
+              <a:rPr lang="en-GB" dirty="0" smtClean="0"/>
+              <a:t> to use this</a:t>
             </a:r>
             <a:endParaRPr lang="en-GB" dirty="0"/>
           </a:p>
@@ -10279,9 +10235,9 @@
             <a:fld id="{CDAEE9B0-25E7-4C28-AF1D-B3DDCE7EBBDB}" type="datetime1">
               <a:rPr lang="en-US" smtClean="0"/>
               <a:pPr/>
-              <a:t>7/20/2011</a:t>
+              <a:t>7/26/2011</a:t>
             </a:fld>
-            <a:endParaRPr lang="en-GB"/>
+            <a:endParaRPr lang="en-GB" dirty="0"/>
           </a:p>
         </p:txBody>
       </p:sp>
@@ -10301,10 +10257,10 @@
           <a:lstStyle/>
           <a:p>
             <a:r>
-              <a:rPr lang="en-GB" smtClean="0"/>
+              <a:rPr lang="en-GB" dirty="0" smtClean="0"/>
               <a:t>http://www.dotnetrdf.org</a:t>
             </a:r>
-            <a:endParaRPr lang="en-GB"/>
+            <a:endParaRPr lang="en-GB" dirty="0"/>
           </a:p>
         </p:txBody>
       </p:sp>
@@ -10333,11 +10289,6 @@
         </p:txBody>
       </p:sp>
     </p:spTree>
-    <p:extLst>
-      <p:ext uri="{BB962C8B-B14F-4D97-AF65-F5344CB8AC3E}">
-        <p14:creationId xmlns:p14="http://schemas.microsoft.com/office/powerpoint/2010/main" xmlns="" val="2152085500"/>
-      </p:ext>
-    </p:extLst>
   </p:cSld>
   <p:clrMapOvr>
     <a:masterClrMapping/>
@@ -10364,7 +10315,7 @@
       </p:grpSpPr>
       <p:sp>
         <p:nvSpPr>
-          <p:cNvPr id="7" name="Title 6"/>
+          <p:cNvPr id="2" name="Title 1"/>
           <p:cNvSpPr>
             <a:spLocks noGrp="1"/>
           </p:cNvSpPr>
@@ -10379,8 +10330,81 @@
           <a:p>
             <a:r>
               <a:rPr lang="en-GB" dirty="0" smtClean="0"/>
-              <a:t>Get Involved</a:t>
-            </a:r>
+              <a:t>Our Suggestions (4 of 4)</a:t>
+            </a:r>
+            <a:endParaRPr lang="en-GB" dirty="0"/>
+          </a:p>
+        </p:txBody>
+      </p:sp>
+      <p:sp>
+        <p:nvSpPr>
+          <p:cNvPr id="3" name="Content Placeholder 2"/>
+          <p:cNvSpPr>
+            <a:spLocks noGrp="1"/>
+          </p:cNvSpPr>
+          <p:nvPr>
+            <p:ph idx="1"/>
+          </p:nvPr>
+        </p:nvSpPr>
+        <p:spPr/>
+        <p:txBody>
+          <a:bodyPr/>
+          <a:lstStyle/>
+          <a:p>
+            <a:r>
+              <a:rPr lang="en-GB" dirty="0" err="1" smtClean="0"/>
+              <a:t>rdfEditor.Core</a:t>
+            </a:r>
+            <a:r>
+              <a:rPr lang="en-GB" smtClean="0"/>
+              <a:t> will provide </a:t>
+            </a:r>
+            <a:r>
+              <a:rPr lang="en-GB" dirty="0" smtClean="0"/>
+              <a:t>the following:</a:t>
+            </a:r>
+          </a:p>
+          <a:p>
+            <a:pPr lvl="1"/>
+            <a:r>
+              <a:rPr lang="en-GB" dirty="0" smtClean="0"/>
+              <a:t>Cleaner and reusable shared code based between different GUI frontends</a:t>
+            </a:r>
+          </a:p>
+          <a:p>
+            <a:pPr lvl="1"/>
+            <a:r>
+              <a:rPr lang="en-GB" dirty="0" smtClean="0"/>
+              <a:t>Support for multiple document editing</a:t>
+            </a:r>
+          </a:p>
+          <a:p>
+            <a:pPr lvl="1"/>
+            <a:r>
+              <a:rPr lang="en-GB" dirty="0" smtClean="0"/>
+              <a:t>Improved support for conversion between formats</a:t>
+            </a:r>
+          </a:p>
+          <a:p>
+            <a:pPr lvl="1"/>
+            <a:r>
+              <a:rPr lang="en-GB" dirty="0" smtClean="0"/>
+              <a:t>Extensible </a:t>
+            </a:r>
+            <a:r>
+              <a:rPr lang="en-GB" dirty="0" err="1" smtClean="0"/>
+              <a:t>plugin</a:t>
+            </a:r>
+            <a:r>
+              <a:rPr lang="en-GB" dirty="0" smtClean="0"/>
+              <a:t> system</a:t>
+            </a:r>
+          </a:p>
+          <a:p>
+            <a:pPr lvl="1"/>
+            <a:endParaRPr lang="en-GB" dirty="0" smtClean="0"/>
+          </a:p>
+          <a:p>
             <a:endParaRPr lang="en-GB" dirty="0"/>
           </a:p>
         </p:txBody>
@@ -10403,7 +10427,7 @@
             <a:fld id="{CDAEE9B0-25E7-4C28-AF1D-B3DDCE7EBBDB}" type="datetime1">
               <a:rPr lang="en-US" smtClean="0"/>
               <a:pPr/>
-              <a:t>7/20/2011</a:t>
+              <a:t>7/26/2011</a:t>
             </a:fld>
             <a:endParaRPr lang="en-GB"/>
           </a:p>
@@ -10457,11 +10481,6 @@
         </p:txBody>
       </p:sp>
     </p:spTree>
-    <p:extLst>
-      <p:ext uri="{BB962C8B-B14F-4D97-AF65-F5344CB8AC3E}">
-        <p14:creationId xmlns:p14="http://schemas.microsoft.com/office/powerpoint/2010/main" xmlns="" val="3258641840"/>
-      </p:ext>
-    </p:extLst>
   </p:cSld>
   <p:clrMapOvr>
     <a:masterClrMapping/>
@@ -10503,7 +10522,7 @@
           <a:p>
             <a:r>
               <a:rPr lang="en-GB" dirty="0" smtClean="0"/>
-              <a:t>Get Involved</a:t>
+              <a:t>Existing Community Suggestions</a:t>
             </a:r>
             <a:endParaRPr lang="en-GB" dirty="0"/>
           </a:p>
@@ -10521,63 +10540,57 @@
         </p:nvSpPr>
         <p:spPr/>
         <p:txBody>
-          <a:bodyPr>
-            <a:normAutofit/>
-          </a:bodyPr>
-          <a:lstStyle/>
-          <a:p>
-            <a:r>
-              <a:rPr lang="en-GB" dirty="0" smtClean="0"/>
-              <a:t>Suggestions and feedback on this roadmap are solicited and welcomed</a:t>
-            </a:r>
-          </a:p>
-          <a:p>
-            <a:r>
-              <a:rPr lang="en-GB" dirty="0" smtClean="0"/>
-              <a:t>Via email:</a:t>
+          <a:bodyPr/>
+          <a:lstStyle/>
+          <a:p>
+            <a:r>
+              <a:rPr lang="en-GB" dirty="0" smtClean="0"/>
+              <a:t>Currently the following features have been suggested/requested by the community:</a:t>
             </a:r>
           </a:p>
           <a:p>
             <a:pPr lvl="1"/>
             <a:r>
-              <a:rPr lang="en-GB" dirty="0" smtClean="0"/>
-              <a:t>Mailing List – </a:t>
-            </a:r>
-            <a:r>
-              <a:rPr lang="en-GB" dirty="0" smtClean="0">
-                <a:hlinkClick r:id="rId2"/>
-              </a:rPr>
-              <a:t>dotnetrdf-develop@lists.sf.net</a:t>
-            </a:r>
-            <a:endParaRPr lang="en-GB" dirty="0" smtClean="0"/>
+              <a:rPr lang="en-GB" dirty="0" err="1" smtClean="0"/>
+              <a:t>.Net</a:t>
+            </a:r>
+            <a:r>
+              <a:rPr lang="en-GB" dirty="0" smtClean="0"/>
+              <a:t> Serialization support</a:t>
+            </a:r>
           </a:p>
           <a:p>
             <a:pPr lvl="1"/>
             <a:r>
               <a:rPr lang="en-GB" dirty="0" smtClean="0"/>
-              <a:t>Direct Email – </a:t>
-            </a:r>
-            <a:r>
-              <a:rPr lang="en-GB" dirty="0" smtClean="0">
-                <a:hlinkClick r:id="rId3"/>
-              </a:rPr>
-              <a:t>rvesse@dotnetrdf.org</a:t>
-            </a:r>
-            <a:endParaRPr lang="en-GB" dirty="0" smtClean="0"/>
-          </a:p>
-          <a:p>
-            <a:r>
-              <a:rPr lang="en-GB" dirty="0" smtClean="0"/>
-              <a:t>Via Skype (</a:t>
-            </a:r>
+              <a:t>SPIN (SPARQL Inferencing Notation) Support</a:t>
+            </a:r>
+          </a:p>
+          <a:p>
+            <a:pPr lvl="1"/>
             <a:r>
               <a:rPr lang="en-GB" dirty="0" err="1" smtClean="0"/>
-              <a:t>rvesse</a:t>
-            </a:r>
-            <a:r>
-              <a:rPr lang="en-GB" dirty="0" smtClean="0"/>
-              <a:t>) – please email first to arrange a meeting</a:t>
-            </a:r>
+              <a:t>rdfEditor</a:t>
+            </a:r>
+            <a:r>
+              <a:rPr lang="en-GB" dirty="0" smtClean="0"/>
+              <a:t> for non-Windows systems</a:t>
+            </a:r>
+          </a:p>
+          <a:p>
+            <a:pPr lvl="2"/>
+            <a:r>
+              <a:rPr lang="en-GB" dirty="0" smtClean="0"/>
+              <a:t>As it is WPF based it does not run under Mono which limits it to Windows only currently</a:t>
+            </a:r>
+          </a:p>
+          <a:p>
+            <a:pPr lvl="1"/>
+            <a:r>
+              <a:rPr lang="en-GB" dirty="0" smtClean="0"/>
+              <a:t>Additional JSON format support</a:t>
+            </a:r>
+            <a:endParaRPr lang="en-GB" dirty="0"/>
           </a:p>
         </p:txBody>
       </p:sp>
@@ -10599,7 +10612,7 @@
             <a:fld id="{CDAEE9B0-25E7-4C28-AF1D-B3DDCE7EBBDB}" type="datetime1">
               <a:rPr lang="en-US" smtClean="0"/>
               <a:pPr/>
-              <a:t>7/20/2011</a:t>
+              <a:t>7/26/2011</a:t>
             </a:fld>
             <a:endParaRPr lang="en-GB"/>
           </a:p>
@@ -10655,7 +10668,7 @@
     </p:spTree>
     <p:extLst>
       <p:ext uri="{BB962C8B-B14F-4D97-AF65-F5344CB8AC3E}">
-        <p14:creationId xmlns:p14="http://schemas.microsoft.com/office/powerpoint/2010/main" xmlns="" val="1264147251"/>
+        <p14:creationId xmlns="" xmlns:p14="http://schemas.microsoft.com/office/powerpoint/2010/main" val="2152085500"/>
       </p:ext>
     </p:extLst>
   </p:cSld>
@@ -10684,7 +10697,7 @@
       </p:grpSpPr>
       <p:sp>
         <p:nvSpPr>
-          <p:cNvPr id="2" name="Title 1"/>
+          <p:cNvPr id="7" name="Title 6"/>
           <p:cNvSpPr>
             <a:spLocks noGrp="1"/>
           </p:cNvSpPr>
@@ -10699,84 +10712,12 @@
           <a:p>
             <a:r>
               <a:rPr lang="en-GB" dirty="0" smtClean="0"/>
-              <a:t>Get Involved</a:t>
-            </a:r>
-            <a:endParaRPr lang="en-GB" dirty="0"/>
-          </a:p>
-        </p:txBody>
-      </p:sp>
-      <p:sp>
-        <p:nvSpPr>
-          <p:cNvPr id="3" name="Content Placeholder 2"/>
-          <p:cNvSpPr>
-            <a:spLocks noGrp="1"/>
-          </p:cNvSpPr>
-          <p:nvPr>
-            <p:ph idx="1"/>
-          </p:nvPr>
-        </p:nvSpPr>
-        <p:spPr/>
-        <p:txBody>
-          <a:bodyPr/>
-          <a:lstStyle/>
-          <a:p>
-            <a:r>
-              <a:rPr lang="en-GB" dirty="0"/>
-              <a:t>Face to Face </a:t>
-            </a:r>
-          </a:p>
-          <a:p>
-            <a:pPr lvl="1"/>
-            <a:r>
-              <a:rPr lang="en-GB" dirty="0"/>
-              <a:t>Conferences – contact me via email to see what conferences I plain on attending later this year</a:t>
-            </a:r>
-          </a:p>
-          <a:p>
-            <a:pPr lvl="1"/>
-            <a:r>
-              <a:rPr lang="en-GB" dirty="0" err="1"/>
-              <a:t>Meetup</a:t>
-            </a:r>
-            <a:r>
-              <a:rPr lang="en-GB" dirty="0"/>
-              <a:t> – I attend the London </a:t>
-            </a:r>
-            <a:r>
-              <a:rPr lang="en-GB" dirty="0" err="1"/>
-              <a:t>SemWeb</a:t>
-            </a:r>
-            <a:r>
-              <a:rPr lang="en-GB" dirty="0"/>
-              <a:t> </a:t>
-            </a:r>
-            <a:r>
-              <a:rPr lang="en-GB" dirty="0" err="1" smtClean="0"/>
-              <a:t>Meetup</a:t>
-            </a:r>
-            <a:r>
-              <a:rPr lang="en-GB" dirty="0" smtClean="0"/>
-              <a:t>, please check with me via email whether I will be at a specific </a:t>
-            </a:r>
-            <a:r>
-              <a:rPr lang="en-GB" dirty="0" err="1" smtClean="0"/>
-              <a:t>meetup</a:t>
-            </a:r>
-            <a:endParaRPr lang="en-GB" dirty="0"/>
-          </a:p>
-          <a:p>
-            <a:pPr lvl="1"/>
-            <a:r>
-              <a:rPr lang="en-GB" dirty="0"/>
-              <a:t>Meetings – If you are based in the </a:t>
-            </a:r>
-            <a:r>
-              <a:rPr lang="en-GB" dirty="0" smtClean="0"/>
-              <a:t>south of the UK I am happy to arrange meetings via email</a:t>
-            </a:r>
-            <a:endParaRPr lang="en-GB" dirty="0"/>
-          </a:p>
-          <a:p>
+              <a:t>Getting </a:t>
+            </a:r>
+            <a:r>
+              <a:rPr lang="en-GB" dirty="0" smtClean="0"/>
+              <a:t>Involved</a:t>
+            </a:r>
             <a:endParaRPr lang="en-GB" dirty="0"/>
           </a:p>
         </p:txBody>
@@ -10799,7 +10740,7 @@
             <a:fld id="{CDAEE9B0-25E7-4C28-AF1D-B3DDCE7EBBDB}" type="datetime1">
               <a:rPr lang="en-US" smtClean="0"/>
               <a:pPr/>
-              <a:t>7/20/2011</a:t>
+              <a:t>7/26/2011</a:t>
             </a:fld>
             <a:endParaRPr lang="en-GB"/>
           </a:p>
@@ -10855,7 +10796,7 @@
     </p:spTree>
     <p:extLst>
       <p:ext uri="{BB962C8B-B14F-4D97-AF65-F5344CB8AC3E}">
-        <p14:creationId xmlns:p14="http://schemas.microsoft.com/office/powerpoint/2010/main" xmlns="" val="798761902"/>
+        <p14:creationId xmlns="" xmlns:p14="http://schemas.microsoft.com/office/powerpoint/2010/main" val="3258641840"/>
       </p:ext>
     </p:extLst>
   </p:cSld>
@@ -10980,7 +10921,7 @@
             <a:fld id="{CDAEE9B0-25E7-4C28-AF1D-B3DDCE7EBBDB}" type="datetime1">
               <a:rPr lang="en-US" smtClean="0"/>
               <a:pPr/>
-              <a:t>7/20/2011</a:t>
+              <a:t>7/26/2011</a:t>
             </a:fld>
             <a:endParaRPr lang="en-GB"/>
           </a:p>
@@ -11036,9 +10977,1018 @@
     </p:spTree>
     <p:extLst>
       <p:ext uri="{BB962C8B-B14F-4D97-AF65-F5344CB8AC3E}">
-        <p14:creationId xmlns:p14="http://schemas.microsoft.com/office/powerpoint/2010/main" xmlns="" val="685525953"/>
+        <p14:creationId xmlns="" xmlns:p14="http://schemas.microsoft.com/office/powerpoint/2010/main" val="685525953"/>
       </p:ext>
     </p:extLst>
+  </p:cSld>
+  <p:clrMapOvr>
+    <a:masterClrMapping/>
+  </p:clrMapOvr>
+</p:sld>
+</file>
+
+<file path=ppt/slides/slide50.xml><?xml version="1.0" encoding="utf-8"?>
+<p:sld xmlns:a="http://schemas.openxmlformats.org/drawingml/2006/main" xmlns:r="http://schemas.openxmlformats.org/officeDocument/2006/relationships" xmlns:p="http://schemas.openxmlformats.org/presentationml/2006/main">
+  <p:cSld>
+    <p:spTree>
+      <p:nvGrpSpPr>
+        <p:cNvPr id="1" name=""/>
+        <p:cNvGrpSpPr/>
+        <p:nvPr/>
+      </p:nvGrpSpPr>
+      <p:grpSpPr>
+        <a:xfrm>
+          <a:off x="0" y="0"/>
+          <a:ext cx="0" cy="0"/>
+          <a:chOff x="0" y="0"/>
+          <a:chExt cx="0" cy="0"/>
+        </a:xfrm>
+      </p:grpSpPr>
+      <p:sp>
+        <p:nvSpPr>
+          <p:cNvPr id="2" name="Title 1"/>
+          <p:cNvSpPr>
+            <a:spLocks noGrp="1"/>
+          </p:cNvSpPr>
+          <p:nvPr>
+            <p:ph type="title"/>
+          </p:nvPr>
+        </p:nvSpPr>
+        <p:spPr/>
+        <p:txBody>
+          <a:bodyPr/>
+          <a:lstStyle/>
+          <a:p>
+            <a:r>
+              <a:rPr lang="en-GB" dirty="0" smtClean="0"/>
+              <a:t>Get </a:t>
+            </a:r>
+            <a:r>
+              <a:rPr lang="en-GB" dirty="0" smtClean="0"/>
+              <a:t>Involved (1 of 3)</a:t>
+            </a:r>
+            <a:endParaRPr lang="en-GB" dirty="0"/>
+          </a:p>
+        </p:txBody>
+      </p:sp>
+      <p:sp>
+        <p:nvSpPr>
+          <p:cNvPr id="3" name="Content Placeholder 2"/>
+          <p:cNvSpPr>
+            <a:spLocks noGrp="1"/>
+          </p:cNvSpPr>
+          <p:nvPr>
+            <p:ph idx="1"/>
+          </p:nvPr>
+        </p:nvSpPr>
+        <p:spPr/>
+        <p:txBody>
+          <a:bodyPr>
+            <a:normAutofit/>
+          </a:bodyPr>
+          <a:lstStyle/>
+          <a:p>
+            <a:r>
+              <a:rPr lang="en-GB" dirty="0" smtClean="0"/>
+              <a:t>Suggestions and feedback on this roadmap are solicited and welcomed</a:t>
+            </a:r>
+          </a:p>
+          <a:p>
+            <a:r>
+              <a:rPr lang="en-GB" dirty="0" smtClean="0"/>
+              <a:t>Via email:</a:t>
+            </a:r>
+          </a:p>
+          <a:p>
+            <a:pPr lvl="1"/>
+            <a:r>
+              <a:rPr lang="en-GB" dirty="0" smtClean="0"/>
+              <a:t>Mailing List – </a:t>
+            </a:r>
+            <a:r>
+              <a:rPr lang="en-GB" dirty="0" smtClean="0">
+                <a:hlinkClick r:id="rId2"/>
+              </a:rPr>
+              <a:t>dotnetrdf-develop@lists.sf.net</a:t>
+            </a:r>
+            <a:endParaRPr lang="en-GB" dirty="0" smtClean="0"/>
+          </a:p>
+          <a:p>
+            <a:pPr lvl="1"/>
+            <a:r>
+              <a:rPr lang="en-GB" dirty="0" smtClean="0"/>
+              <a:t>Direct Email – </a:t>
+            </a:r>
+            <a:r>
+              <a:rPr lang="en-GB" dirty="0" smtClean="0">
+                <a:hlinkClick r:id="rId3"/>
+              </a:rPr>
+              <a:t>rvesse@dotnetrdf.org</a:t>
+            </a:r>
+            <a:endParaRPr lang="en-GB" dirty="0" smtClean="0"/>
+          </a:p>
+          <a:p>
+            <a:r>
+              <a:rPr lang="en-GB" dirty="0" smtClean="0"/>
+              <a:t>Via Skype (</a:t>
+            </a:r>
+            <a:r>
+              <a:rPr lang="en-GB" dirty="0" err="1" smtClean="0"/>
+              <a:t>rvesse</a:t>
+            </a:r>
+            <a:r>
+              <a:rPr lang="en-GB" dirty="0" smtClean="0"/>
+              <a:t>) – please email first to arrange a meeting</a:t>
+            </a:r>
+          </a:p>
+        </p:txBody>
+      </p:sp>
+      <p:sp>
+        <p:nvSpPr>
+          <p:cNvPr id="4" name="Date Placeholder 3"/>
+          <p:cNvSpPr>
+            <a:spLocks noGrp="1"/>
+          </p:cNvSpPr>
+          <p:nvPr>
+            <p:ph type="dt" sz="half" idx="10"/>
+          </p:nvPr>
+        </p:nvSpPr>
+        <p:spPr/>
+        <p:txBody>
+          <a:bodyPr/>
+          <a:lstStyle/>
+          <a:p>
+            <a:fld id="{CDAEE9B0-25E7-4C28-AF1D-B3DDCE7EBBDB}" type="datetime1">
+              <a:rPr lang="en-US" smtClean="0"/>
+              <a:pPr/>
+              <a:t>7/26/2011</a:t>
+            </a:fld>
+            <a:endParaRPr lang="en-GB"/>
+          </a:p>
+        </p:txBody>
+      </p:sp>
+      <p:sp>
+        <p:nvSpPr>
+          <p:cNvPr id="5" name="Footer Placeholder 4"/>
+          <p:cNvSpPr>
+            <a:spLocks noGrp="1"/>
+          </p:cNvSpPr>
+          <p:nvPr>
+            <p:ph type="ftr" sz="quarter" idx="11"/>
+          </p:nvPr>
+        </p:nvSpPr>
+        <p:spPr/>
+        <p:txBody>
+          <a:bodyPr/>
+          <a:lstStyle/>
+          <a:p>
+            <a:r>
+              <a:rPr lang="en-GB" smtClean="0"/>
+              <a:t>http://www.dotnetrdf.org</a:t>
+            </a:r>
+            <a:endParaRPr lang="en-GB"/>
+          </a:p>
+        </p:txBody>
+      </p:sp>
+      <p:sp>
+        <p:nvSpPr>
+          <p:cNvPr id="6" name="Slide Number Placeholder 5"/>
+          <p:cNvSpPr>
+            <a:spLocks noGrp="1"/>
+          </p:cNvSpPr>
+          <p:nvPr>
+            <p:ph type="sldNum" sz="quarter" idx="12"/>
+          </p:nvPr>
+        </p:nvSpPr>
+        <p:spPr/>
+        <p:txBody>
+          <a:bodyPr/>
+          <a:lstStyle/>
+          <a:p>
+            <a:fld id="{35128F56-7434-487A-8B29-0C024560A5F4}" type="slidenum">
+              <a:rPr lang="en-GB" smtClean="0"/>
+              <a:pPr/>
+              <a:t>50</a:t>
+            </a:fld>
+            <a:endParaRPr lang="en-GB"/>
+          </a:p>
+        </p:txBody>
+      </p:sp>
+    </p:spTree>
+    <p:extLst>
+      <p:ext uri="{BB962C8B-B14F-4D97-AF65-F5344CB8AC3E}">
+        <p14:creationId xmlns="" xmlns:p14="http://schemas.microsoft.com/office/powerpoint/2010/main" val="1264147251"/>
+      </p:ext>
+    </p:extLst>
+  </p:cSld>
+  <p:clrMapOvr>
+    <a:masterClrMapping/>
+  </p:clrMapOvr>
+</p:sld>
+</file>
+
+<file path=ppt/slides/slide51.xml><?xml version="1.0" encoding="utf-8"?>
+<p:sld xmlns:a="http://schemas.openxmlformats.org/drawingml/2006/main" xmlns:r="http://schemas.openxmlformats.org/officeDocument/2006/relationships" xmlns:p="http://schemas.openxmlformats.org/presentationml/2006/main">
+  <p:cSld>
+    <p:spTree>
+      <p:nvGrpSpPr>
+        <p:cNvPr id="1" name=""/>
+        <p:cNvGrpSpPr/>
+        <p:nvPr/>
+      </p:nvGrpSpPr>
+      <p:grpSpPr>
+        <a:xfrm>
+          <a:off x="0" y="0"/>
+          <a:ext cx="0" cy="0"/>
+          <a:chOff x="0" y="0"/>
+          <a:chExt cx="0" cy="0"/>
+        </a:xfrm>
+      </p:grpSpPr>
+      <p:sp>
+        <p:nvSpPr>
+          <p:cNvPr id="2" name="Title 1"/>
+          <p:cNvSpPr>
+            <a:spLocks noGrp="1"/>
+          </p:cNvSpPr>
+          <p:nvPr>
+            <p:ph type="title"/>
+          </p:nvPr>
+        </p:nvSpPr>
+        <p:spPr/>
+        <p:txBody>
+          <a:bodyPr/>
+          <a:lstStyle/>
+          <a:p>
+            <a:r>
+              <a:rPr lang="en-GB" dirty="0" smtClean="0"/>
+              <a:t>Get Involved (2 of 3)</a:t>
+            </a:r>
+            <a:endParaRPr lang="en-GB" dirty="0"/>
+          </a:p>
+        </p:txBody>
+      </p:sp>
+      <p:sp>
+        <p:nvSpPr>
+          <p:cNvPr id="3" name="Content Placeholder 2"/>
+          <p:cNvSpPr>
+            <a:spLocks noGrp="1"/>
+          </p:cNvSpPr>
+          <p:nvPr>
+            <p:ph idx="1"/>
+          </p:nvPr>
+        </p:nvSpPr>
+        <p:spPr/>
+        <p:txBody>
+          <a:bodyPr/>
+          <a:lstStyle/>
+          <a:p>
+            <a:r>
+              <a:rPr lang="en-GB" dirty="0" smtClean="0"/>
+              <a:t>Use the Issue Tracker – </a:t>
+            </a:r>
+            <a:r>
+              <a:rPr lang="en-GB" dirty="0" smtClean="0">
+                <a:hlinkClick r:id="rId2"/>
+              </a:rPr>
+              <a:t>http://www.dotnetrdf.org/tracker/</a:t>
+            </a:r>
+            <a:endParaRPr lang="en-GB" dirty="0" smtClean="0"/>
+          </a:p>
+          <a:p>
+            <a:pPr lvl="1"/>
+            <a:r>
+              <a:rPr lang="en-GB" dirty="0" smtClean="0"/>
+              <a:t>Report Bugs</a:t>
+            </a:r>
+          </a:p>
+          <a:p>
+            <a:pPr lvl="1"/>
+            <a:r>
+              <a:rPr lang="en-GB" dirty="0" smtClean="0"/>
+              <a:t>Request/Propose Features</a:t>
+            </a:r>
+          </a:p>
+          <a:p>
+            <a:pPr lvl="1"/>
+            <a:r>
+              <a:rPr lang="en-GB" dirty="0" smtClean="0"/>
+              <a:t>Contribute Patches etc</a:t>
+            </a:r>
+            <a:endParaRPr lang="en-GB" dirty="0"/>
+          </a:p>
+        </p:txBody>
+      </p:sp>
+      <p:sp>
+        <p:nvSpPr>
+          <p:cNvPr id="4" name="Date Placeholder 3"/>
+          <p:cNvSpPr>
+            <a:spLocks noGrp="1"/>
+          </p:cNvSpPr>
+          <p:nvPr>
+            <p:ph type="dt" sz="half" idx="10"/>
+          </p:nvPr>
+        </p:nvSpPr>
+        <p:spPr/>
+        <p:txBody>
+          <a:bodyPr/>
+          <a:lstStyle/>
+          <a:p>
+            <a:fld id="{CDAEE9B0-25E7-4C28-AF1D-B3DDCE7EBBDB}" type="datetime1">
+              <a:rPr lang="en-US" smtClean="0"/>
+              <a:pPr/>
+              <a:t>7/26/2011</a:t>
+            </a:fld>
+            <a:endParaRPr lang="en-GB"/>
+          </a:p>
+        </p:txBody>
+      </p:sp>
+      <p:sp>
+        <p:nvSpPr>
+          <p:cNvPr id="5" name="Footer Placeholder 4"/>
+          <p:cNvSpPr>
+            <a:spLocks noGrp="1"/>
+          </p:cNvSpPr>
+          <p:nvPr>
+            <p:ph type="ftr" sz="quarter" idx="11"/>
+          </p:nvPr>
+        </p:nvSpPr>
+        <p:spPr/>
+        <p:txBody>
+          <a:bodyPr/>
+          <a:lstStyle/>
+          <a:p>
+            <a:r>
+              <a:rPr lang="en-GB" smtClean="0"/>
+              <a:t>http://www.dotnetrdf.org</a:t>
+            </a:r>
+            <a:endParaRPr lang="en-GB"/>
+          </a:p>
+        </p:txBody>
+      </p:sp>
+      <p:sp>
+        <p:nvSpPr>
+          <p:cNvPr id="6" name="Slide Number Placeholder 5"/>
+          <p:cNvSpPr>
+            <a:spLocks noGrp="1"/>
+          </p:cNvSpPr>
+          <p:nvPr>
+            <p:ph type="sldNum" sz="quarter" idx="12"/>
+          </p:nvPr>
+        </p:nvSpPr>
+        <p:spPr/>
+        <p:txBody>
+          <a:bodyPr/>
+          <a:lstStyle/>
+          <a:p>
+            <a:fld id="{35128F56-7434-487A-8B29-0C024560A5F4}" type="slidenum">
+              <a:rPr lang="en-GB" smtClean="0"/>
+              <a:pPr/>
+              <a:t>51</a:t>
+            </a:fld>
+            <a:endParaRPr lang="en-GB"/>
+          </a:p>
+        </p:txBody>
+      </p:sp>
+    </p:spTree>
+  </p:cSld>
+  <p:clrMapOvr>
+    <a:masterClrMapping/>
+  </p:clrMapOvr>
+</p:sld>
+</file>
+
+<file path=ppt/slides/slide52.xml><?xml version="1.0" encoding="utf-8"?>
+<p:sld xmlns:a="http://schemas.openxmlformats.org/drawingml/2006/main" xmlns:r="http://schemas.openxmlformats.org/officeDocument/2006/relationships" xmlns:p="http://schemas.openxmlformats.org/presentationml/2006/main">
+  <p:cSld>
+    <p:spTree>
+      <p:nvGrpSpPr>
+        <p:cNvPr id="1" name=""/>
+        <p:cNvGrpSpPr/>
+        <p:nvPr/>
+      </p:nvGrpSpPr>
+      <p:grpSpPr>
+        <a:xfrm>
+          <a:off x="0" y="0"/>
+          <a:ext cx="0" cy="0"/>
+          <a:chOff x="0" y="0"/>
+          <a:chExt cx="0" cy="0"/>
+        </a:xfrm>
+      </p:grpSpPr>
+      <p:sp>
+        <p:nvSpPr>
+          <p:cNvPr id="2" name="Title 1"/>
+          <p:cNvSpPr>
+            <a:spLocks noGrp="1"/>
+          </p:cNvSpPr>
+          <p:nvPr>
+            <p:ph type="title"/>
+          </p:nvPr>
+        </p:nvSpPr>
+        <p:spPr/>
+        <p:txBody>
+          <a:bodyPr/>
+          <a:lstStyle/>
+          <a:p>
+            <a:r>
+              <a:rPr lang="en-GB" dirty="0" smtClean="0"/>
+              <a:t>Get </a:t>
+            </a:r>
+            <a:r>
+              <a:rPr lang="en-GB" dirty="0" smtClean="0"/>
+              <a:t>Involved (3 of 3)</a:t>
+            </a:r>
+            <a:endParaRPr lang="en-GB" dirty="0"/>
+          </a:p>
+        </p:txBody>
+      </p:sp>
+      <p:sp>
+        <p:nvSpPr>
+          <p:cNvPr id="3" name="Content Placeholder 2"/>
+          <p:cNvSpPr>
+            <a:spLocks noGrp="1"/>
+          </p:cNvSpPr>
+          <p:nvPr>
+            <p:ph idx="1"/>
+          </p:nvPr>
+        </p:nvSpPr>
+        <p:spPr/>
+        <p:txBody>
+          <a:bodyPr/>
+          <a:lstStyle/>
+          <a:p>
+            <a:r>
+              <a:rPr lang="en-GB" dirty="0"/>
+              <a:t>Face to Face </a:t>
+            </a:r>
+          </a:p>
+          <a:p>
+            <a:pPr lvl="1"/>
+            <a:r>
+              <a:rPr lang="en-GB" dirty="0"/>
+              <a:t>Conferences – contact me via email to see what conferences I plain on attending later this year</a:t>
+            </a:r>
+          </a:p>
+          <a:p>
+            <a:pPr lvl="1"/>
+            <a:r>
+              <a:rPr lang="en-GB" dirty="0" err="1"/>
+              <a:t>Meetup</a:t>
+            </a:r>
+            <a:r>
+              <a:rPr lang="en-GB" dirty="0"/>
+              <a:t> – I attend the London </a:t>
+            </a:r>
+            <a:r>
+              <a:rPr lang="en-GB" dirty="0" err="1"/>
+              <a:t>SemWeb</a:t>
+            </a:r>
+            <a:r>
+              <a:rPr lang="en-GB" dirty="0"/>
+              <a:t> </a:t>
+            </a:r>
+            <a:r>
+              <a:rPr lang="en-GB" dirty="0" err="1" smtClean="0"/>
+              <a:t>Meetup</a:t>
+            </a:r>
+            <a:r>
+              <a:rPr lang="en-GB" dirty="0" smtClean="0"/>
+              <a:t>, please check with me via email whether I will be at a specific </a:t>
+            </a:r>
+            <a:r>
+              <a:rPr lang="en-GB" dirty="0" err="1" smtClean="0"/>
+              <a:t>meetup</a:t>
+            </a:r>
+            <a:endParaRPr lang="en-GB" dirty="0"/>
+          </a:p>
+          <a:p>
+            <a:pPr lvl="1"/>
+            <a:r>
+              <a:rPr lang="en-GB" dirty="0"/>
+              <a:t>Meetings – If you are based in the </a:t>
+            </a:r>
+            <a:r>
+              <a:rPr lang="en-GB" dirty="0" smtClean="0"/>
+              <a:t>south of the UK I am happy to arrange meetings via email</a:t>
+            </a:r>
+            <a:endParaRPr lang="en-GB" dirty="0"/>
+          </a:p>
+          <a:p>
+            <a:endParaRPr lang="en-GB" dirty="0"/>
+          </a:p>
+        </p:txBody>
+      </p:sp>
+      <p:sp>
+        <p:nvSpPr>
+          <p:cNvPr id="4" name="Date Placeholder 3"/>
+          <p:cNvSpPr>
+            <a:spLocks noGrp="1"/>
+          </p:cNvSpPr>
+          <p:nvPr>
+            <p:ph type="dt" sz="half" idx="10"/>
+          </p:nvPr>
+        </p:nvSpPr>
+        <p:spPr/>
+        <p:txBody>
+          <a:bodyPr/>
+          <a:lstStyle/>
+          <a:p>
+            <a:fld id="{CDAEE9B0-25E7-4C28-AF1D-B3DDCE7EBBDB}" type="datetime1">
+              <a:rPr lang="en-US" smtClean="0"/>
+              <a:pPr/>
+              <a:t>7/26/2011</a:t>
+            </a:fld>
+            <a:endParaRPr lang="en-GB"/>
+          </a:p>
+        </p:txBody>
+      </p:sp>
+      <p:sp>
+        <p:nvSpPr>
+          <p:cNvPr id="5" name="Footer Placeholder 4"/>
+          <p:cNvSpPr>
+            <a:spLocks noGrp="1"/>
+          </p:cNvSpPr>
+          <p:nvPr>
+            <p:ph type="ftr" sz="quarter" idx="11"/>
+          </p:nvPr>
+        </p:nvSpPr>
+        <p:spPr/>
+        <p:txBody>
+          <a:bodyPr/>
+          <a:lstStyle/>
+          <a:p>
+            <a:r>
+              <a:rPr lang="en-GB" smtClean="0"/>
+              <a:t>http://www.dotnetrdf.org</a:t>
+            </a:r>
+            <a:endParaRPr lang="en-GB"/>
+          </a:p>
+        </p:txBody>
+      </p:sp>
+      <p:sp>
+        <p:nvSpPr>
+          <p:cNvPr id="6" name="Slide Number Placeholder 5"/>
+          <p:cNvSpPr>
+            <a:spLocks noGrp="1"/>
+          </p:cNvSpPr>
+          <p:nvPr>
+            <p:ph type="sldNum" sz="quarter" idx="12"/>
+          </p:nvPr>
+        </p:nvSpPr>
+        <p:spPr/>
+        <p:txBody>
+          <a:bodyPr/>
+          <a:lstStyle/>
+          <a:p>
+            <a:fld id="{35128F56-7434-487A-8B29-0C024560A5F4}" type="slidenum">
+              <a:rPr lang="en-GB" smtClean="0"/>
+              <a:pPr/>
+              <a:t>52</a:t>
+            </a:fld>
+            <a:endParaRPr lang="en-GB"/>
+          </a:p>
+        </p:txBody>
+      </p:sp>
+    </p:spTree>
+    <p:extLst>
+      <p:ext uri="{BB962C8B-B14F-4D97-AF65-F5344CB8AC3E}">
+        <p14:creationId xmlns="" xmlns:p14="http://schemas.microsoft.com/office/powerpoint/2010/main" val="798761902"/>
+      </p:ext>
+    </p:extLst>
+  </p:cSld>
+  <p:clrMapOvr>
+    <a:masterClrMapping/>
+  </p:clrMapOvr>
+</p:sld>
+</file>
+
+<file path=ppt/slides/slide53.xml><?xml version="1.0" encoding="utf-8"?>
+<p:sld xmlns:a="http://schemas.openxmlformats.org/drawingml/2006/main" xmlns:r="http://schemas.openxmlformats.org/officeDocument/2006/relationships" xmlns:p="http://schemas.openxmlformats.org/presentationml/2006/main">
+  <p:cSld>
+    <p:spTree>
+      <p:nvGrpSpPr>
+        <p:cNvPr id="1" name=""/>
+        <p:cNvGrpSpPr/>
+        <p:nvPr/>
+      </p:nvGrpSpPr>
+      <p:grpSpPr>
+        <a:xfrm>
+          <a:off x="0" y="0"/>
+          <a:ext cx="0" cy="0"/>
+          <a:chOff x="0" y="0"/>
+          <a:chExt cx="0" cy="0"/>
+        </a:xfrm>
+      </p:grpSpPr>
+      <p:sp>
+        <p:nvSpPr>
+          <p:cNvPr id="2" name="Title 1"/>
+          <p:cNvSpPr>
+            <a:spLocks noGrp="1"/>
+          </p:cNvSpPr>
+          <p:nvPr>
+            <p:ph type="title"/>
+          </p:nvPr>
+        </p:nvSpPr>
+        <p:spPr/>
+        <p:txBody>
+          <a:bodyPr/>
+          <a:lstStyle/>
+          <a:p>
+            <a:r>
+              <a:rPr lang="en-GB" dirty="0" smtClean="0"/>
+              <a:t>Steering Committee</a:t>
+            </a:r>
+            <a:endParaRPr lang="en-GB" dirty="0"/>
+          </a:p>
+        </p:txBody>
+      </p:sp>
+      <p:sp>
+        <p:nvSpPr>
+          <p:cNvPr id="3" name="Content Placeholder 2"/>
+          <p:cNvSpPr>
+            <a:spLocks noGrp="1"/>
+          </p:cNvSpPr>
+          <p:nvPr>
+            <p:ph idx="1"/>
+          </p:nvPr>
+        </p:nvSpPr>
+        <p:spPr/>
+        <p:txBody>
+          <a:bodyPr/>
+          <a:lstStyle/>
+          <a:p>
+            <a:r>
+              <a:rPr lang="en-GB" dirty="0" smtClean="0"/>
+              <a:t>May form an informal steering committee</a:t>
+            </a:r>
+          </a:p>
+          <a:p>
+            <a:pPr lvl="1"/>
+            <a:r>
+              <a:rPr lang="en-GB" dirty="0" smtClean="0"/>
+              <a:t>Would provide oversight and design input into the project development</a:t>
+            </a:r>
+          </a:p>
+          <a:p>
+            <a:pPr lvl="1"/>
+            <a:r>
+              <a:rPr lang="en-GB" dirty="0" smtClean="0"/>
+              <a:t>Ideally formed of community members and contributors</a:t>
+            </a:r>
+          </a:p>
+          <a:p>
+            <a:pPr lvl="1"/>
+            <a:r>
+              <a:rPr lang="en-GB" dirty="0" smtClean="0"/>
+              <a:t>Help ensure the project goes where the community needs it to</a:t>
+            </a:r>
+          </a:p>
+          <a:p>
+            <a:pPr lvl="1"/>
+            <a:r>
+              <a:rPr lang="en-GB" dirty="0" smtClean="0"/>
+              <a:t>If you are interested please get in touch</a:t>
+            </a:r>
+          </a:p>
+          <a:p>
+            <a:endParaRPr lang="en-GB" dirty="0"/>
+          </a:p>
+        </p:txBody>
+      </p:sp>
+      <p:sp>
+        <p:nvSpPr>
+          <p:cNvPr id="4" name="Date Placeholder 3"/>
+          <p:cNvSpPr>
+            <a:spLocks noGrp="1"/>
+          </p:cNvSpPr>
+          <p:nvPr>
+            <p:ph type="dt" sz="half" idx="10"/>
+          </p:nvPr>
+        </p:nvSpPr>
+        <p:spPr/>
+        <p:txBody>
+          <a:bodyPr/>
+          <a:lstStyle/>
+          <a:p>
+            <a:fld id="{CDAEE9B0-25E7-4C28-AF1D-B3DDCE7EBBDB}" type="datetime1">
+              <a:rPr lang="en-US" smtClean="0"/>
+              <a:pPr/>
+              <a:t>7/26/2011</a:t>
+            </a:fld>
+            <a:endParaRPr lang="en-GB"/>
+          </a:p>
+        </p:txBody>
+      </p:sp>
+      <p:sp>
+        <p:nvSpPr>
+          <p:cNvPr id="5" name="Footer Placeholder 4"/>
+          <p:cNvSpPr>
+            <a:spLocks noGrp="1"/>
+          </p:cNvSpPr>
+          <p:nvPr>
+            <p:ph type="ftr" sz="quarter" idx="11"/>
+          </p:nvPr>
+        </p:nvSpPr>
+        <p:spPr/>
+        <p:txBody>
+          <a:bodyPr/>
+          <a:lstStyle/>
+          <a:p>
+            <a:r>
+              <a:rPr lang="en-GB" smtClean="0"/>
+              <a:t>http://www.dotnetrdf.org</a:t>
+            </a:r>
+            <a:endParaRPr lang="en-GB"/>
+          </a:p>
+        </p:txBody>
+      </p:sp>
+      <p:sp>
+        <p:nvSpPr>
+          <p:cNvPr id="6" name="Slide Number Placeholder 5"/>
+          <p:cNvSpPr>
+            <a:spLocks noGrp="1"/>
+          </p:cNvSpPr>
+          <p:nvPr>
+            <p:ph type="sldNum" sz="quarter" idx="12"/>
+          </p:nvPr>
+        </p:nvSpPr>
+        <p:spPr/>
+        <p:txBody>
+          <a:bodyPr/>
+          <a:lstStyle/>
+          <a:p>
+            <a:fld id="{35128F56-7434-487A-8B29-0C024560A5F4}" type="slidenum">
+              <a:rPr lang="en-GB" smtClean="0"/>
+              <a:pPr/>
+              <a:t>53</a:t>
+            </a:fld>
+            <a:endParaRPr lang="en-GB"/>
+          </a:p>
+        </p:txBody>
+      </p:sp>
+    </p:spTree>
+  </p:cSld>
+  <p:clrMapOvr>
+    <a:masterClrMapping/>
+  </p:clrMapOvr>
+</p:sld>
+</file>
+
+<file path=ppt/slides/slide54.xml><?xml version="1.0" encoding="utf-8"?>
+<p:sld xmlns:a="http://schemas.openxmlformats.org/drawingml/2006/main" xmlns:r="http://schemas.openxmlformats.org/officeDocument/2006/relationships" xmlns:p="http://schemas.openxmlformats.org/presentationml/2006/main">
+  <p:cSld>
+    <p:spTree>
+      <p:nvGrpSpPr>
+        <p:cNvPr id="1" name=""/>
+        <p:cNvGrpSpPr/>
+        <p:nvPr/>
+      </p:nvGrpSpPr>
+      <p:grpSpPr>
+        <a:xfrm>
+          <a:off x="0" y="0"/>
+          <a:ext cx="0" cy="0"/>
+          <a:chOff x="0" y="0"/>
+          <a:chExt cx="0" cy="0"/>
+        </a:xfrm>
+      </p:grpSpPr>
+      <p:sp>
+        <p:nvSpPr>
+          <p:cNvPr id="2" name="Title 1"/>
+          <p:cNvSpPr>
+            <a:spLocks noGrp="1"/>
+          </p:cNvSpPr>
+          <p:nvPr>
+            <p:ph type="title"/>
+          </p:nvPr>
+        </p:nvSpPr>
+        <p:spPr/>
+        <p:txBody>
+          <a:bodyPr/>
+          <a:lstStyle/>
+          <a:p>
+            <a:r>
+              <a:rPr lang="en-GB" dirty="0" smtClean="0"/>
+              <a:t>Acknowledgements</a:t>
+            </a:r>
+            <a:endParaRPr lang="en-GB" dirty="0"/>
+          </a:p>
+        </p:txBody>
+      </p:sp>
+      <p:sp>
+        <p:nvSpPr>
+          <p:cNvPr id="3" name="Content Placeholder 2"/>
+          <p:cNvSpPr>
+            <a:spLocks noGrp="1"/>
+          </p:cNvSpPr>
+          <p:nvPr>
+            <p:ph idx="1"/>
+          </p:nvPr>
+        </p:nvSpPr>
+        <p:spPr/>
+        <p:txBody>
+          <a:bodyPr/>
+          <a:lstStyle/>
+          <a:p>
+            <a:r>
+              <a:rPr lang="en-GB" dirty="0" smtClean="0"/>
+              <a:t>Thanks to the many people who have already contributed to the project in various ways:</a:t>
+            </a:r>
+          </a:p>
+          <a:p>
+            <a:pPr lvl="1"/>
+            <a:r>
+              <a:rPr lang="en-GB" sz="1600" dirty="0" err="1" smtClean="0"/>
+              <a:t>Eamon</a:t>
+            </a:r>
+            <a:r>
+              <a:rPr lang="en-GB" sz="1600" dirty="0" smtClean="0"/>
+              <a:t> </a:t>
+            </a:r>
+            <a:r>
+              <a:rPr lang="en-GB" sz="1600" dirty="0" err="1" smtClean="0"/>
+              <a:t>Nerbonne</a:t>
+            </a:r>
+            <a:r>
+              <a:rPr lang="en-GB" sz="1600" dirty="0" smtClean="0"/>
+              <a:t>, Hugh Williams, Jacqui Hand, Toby Inkster, </a:t>
+            </a:r>
+            <a:r>
+              <a:rPr lang="en-GB" sz="1600" dirty="0" err="1" smtClean="0"/>
+              <a:t>Marek</a:t>
+            </a:r>
+            <a:r>
+              <a:rPr lang="en-GB" sz="1600" dirty="0" smtClean="0"/>
+              <a:t> Safar, Andy Seaborne, Steve Harris, Peter </a:t>
+            </a:r>
+            <a:r>
+              <a:rPr lang="en-GB" sz="1600" dirty="0" err="1" smtClean="0"/>
+              <a:t>Kahle</a:t>
+            </a:r>
+            <a:r>
+              <a:rPr lang="en-GB" sz="1600" dirty="0" smtClean="0"/>
+              <a:t>, Paul Hermans, Graham Moore, Laurent </a:t>
+            </a:r>
+            <a:r>
+              <a:rPr lang="en-GB" sz="1600" dirty="0" err="1" smtClean="0"/>
+              <a:t>Lefort</a:t>
+            </a:r>
+            <a:r>
+              <a:rPr lang="en-GB" sz="1600" dirty="0" smtClean="0"/>
+              <a:t>, Tana Isaac, Koos </a:t>
+            </a:r>
+            <a:r>
+              <a:rPr lang="en-GB" sz="1600" dirty="0" err="1" smtClean="0"/>
+              <a:t>Strydoom</a:t>
+            </a:r>
+            <a:r>
+              <a:rPr lang="en-GB" sz="1600" dirty="0" smtClean="0"/>
+              <a:t>, Alexander Sidorov, Michael </a:t>
+            </a:r>
+            <a:r>
+              <a:rPr lang="en-GB" sz="1600" dirty="0" err="1" smtClean="0"/>
+              <a:t>Friis</a:t>
+            </a:r>
+            <a:r>
+              <a:rPr lang="en-GB" sz="1600" dirty="0" smtClean="0"/>
+              <a:t>, Bob </a:t>
+            </a:r>
+            <a:r>
+              <a:rPr lang="en-GB" sz="1600" dirty="0" err="1" smtClean="0"/>
+              <a:t>DuCharme</a:t>
+            </a:r>
+            <a:r>
+              <a:rPr lang="en-GB" sz="1600" dirty="0" smtClean="0"/>
+              <a:t>, Alexander </a:t>
+            </a:r>
+            <a:r>
+              <a:rPr lang="en-GB" sz="1600" dirty="0" err="1" smtClean="0"/>
+              <a:t>Zapirov</a:t>
+            </a:r>
+            <a:r>
+              <a:rPr lang="en-GB" sz="1600" dirty="0" smtClean="0"/>
+              <a:t>, Sergey Novikov, </a:t>
+            </a:r>
+            <a:r>
+              <a:rPr lang="en-GB" sz="1600" dirty="0" err="1" smtClean="0"/>
+              <a:t>Jeen</a:t>
+            </a:r>
+            <a:r>
+              <a:rPr lang="en-GB" sz="1600" dirty="0" smtClean="0"/>
+              <a:t> </a:t>
+            </a:r>
+            <a:r>
+              <a:rPr lang="en-GB" sz="1600" dirty="0" err="1" smtClean="0"/>
+              <a:t>Broekstra</a:t>
+            </a:r>
+            <a:r>
+              <a:rPr lang="en-GB" sz="1600" dirty="0" smtClean="0"/>
+              <a:t>, Robert DeCarlo, Clive Emberey, Anton </a:t>
+            </a:r>
+            <a:r>
+              <a:rPr lang="en-GB" sz="1600" dirty="0" err="1" smtClean="0"/>
+              <a:t>Adreev</a:t>
+            </a:r>
+            <a:r>
+              <a:rPr lang="en-GB" sz="1600" dirty="0" smtClean="0"/>
+              <a:t>, Steve </a:t>
+            </a:r>
+            <a:r>
+              <a:rPr lang="en-GB" sz="1600" dirty="0" err="1" smtClean="0"/>
+              <a:t>Fraleigh</a:t>
+            </a:r>
+            <a:r>
+              <a:rPr lang="en-GB" sz="1600" dirty="0" smtClean="0"/>
+              <a:t>, Felipe Santos, Bob Morris, Daniel Bittencourt, Rodrigo de Castro Reis, Rafael Dias </a:t>
+            </a:r>
+            <a:r>
+              <a:rPr lang="en-GB" sz="1600" dirty="0" err="1" smtClean="0"/>
+              <a:t>Araujo</a:t>
+            </a:r>
+            <a:r>
+              <a:rPr lang="en-GB" sz="1600" dirty="0" smtClean="0"/>
+              <a:t>, Jim Rhyne, Kendall Clark, Michael Grove, Ben Lavender</a:t>
+            </a:r>
+          </a:p>
+          <a:p>
+            <a:r>
+              <a:rPr lang="en-GB" dirty="0" smtClean="0"/>
+              <a:t>Apologies to anyone I have missed from the list</a:t>
+            </a:r>
+            <a:endParaRPr lang="en-GB" dirty="0"/>
+          </a:p>
+        </p:txBody>
+      </p:sp>
+      <p:sp>
+        <p:nvSpPr>
+          <p:cNvPr id="4" name="Date Placeholder 3"/>
+          <p:cNvSpPr>
+            <a:spLocks noGrp="1"/>
+          </p:cNvSpPr>
+          <p:nvPr>
+            <p:ph type="dt" sz="half" idx="10"/>
+          </p:nvPr>
+        </p:nvSpPr>
+        <p:spPr/>
+        <p:txBody>
+          <a:bodyPr/>
+          <a:lstStyle/>
+          <a:p>
+            <a:fld id="{CDAEE9B0-25E7-4C28-AF1D-B3DDCE7EBBDB}" type="datetime1">
+              <a:rPr lang="en-US" smtClean="0"/>
+              <a:pPr/>
+              <a:t>7/26/2011</a:t>
+            </a:fld>
+            <a:endParaRPr lang="en-GB"/>
+          </a:p>
+        </p:txBody>
+      </p:sp>
+      <p:sp>
+        <p:nvSpPr>
+          <p:cNvPr id="5" name="Footer Placeholder 4"/>
+          <p:cNvSpPr>
+            <a:spLocks noGrp="1"/>
+          </p:cNvSpPr>
+          <p:nvPr>
+            <p:ph type="ftr" sz="quarter" idx="11"/>
+          </p:nvPr>
+        </p:nvSpPr>
+        <p:spPr/>
+        <p:txBody>
+          <a:bodyPr/>
+          <a:lstStyle/>
+          <a:p>
+            <a:r>
+              <a:rPr lang="en-GB" smtClean="0"/>
+              <a:t>http://www.dotnetrdf.org</a:t>
+            </a:r>
+            <a:endParaRPr lang="en-GB"/>
+          </a:p>
+        </p:txBody>
+      </p:sp>
+      <p:sp>
+        <p:nvSpPr>
+          <p:cNvPr id="6" name="Slide Number Placeholder 5"/>
+          <p:cNvSpPr>
+            <a:spLocks noGrp="1"/>
+          </p:cNvSpPr>
+          <p:nvPr>
+            <p:ph type="sldNum" sz="quarter" idx="12"/>
+          </p:nvPr>
+        </p:nvSpPr>
+        <p:spPr/>
+        <p:txBody>
+          <a:bodyPr/>
+          <a:lstStyle/>
+          <a:p>
+            <a:fld id="{35128F56-7434-487A-8B29-0C024560A5F4}" type="slidenum">
+              <a:rPr lang="en-GB" smtClean="0"/>
+              <a:pPr/>
+              <a:t>54</a:t>
+            </a:fld>
+            <a:endParaRPr lang="en-GB"/>
+          </a:p>
+        </p:txBody>
+      </p:sp>
+    </p:spTree>
   </p:cSld>
   <p:clrMapOvr>
     <a:masterClrMapping/>
@@ -11104,7 +12054,7 @@
             <a:fld id="{EA5D455B-ECD0-44E3-BA0C-3649A3FCD15C}" type="datetime1">
               <a:rPr lang="en-US" smtClean="0"/>
               <a:pPr/>
-              <a:t>7/20/2011</a:t>
+              <a:t>7/26/2011</a:t>
             </a:fld>
             <a:endParaRPr lang="en-GB"/>
           </a:p>
@@ -11160,7 +12110,7 @@
     </p:spTree>
     <p:extLst>
       <p:ext uri="{BB962C8B-B14F-4D97-AF65-F5344CB8AC3E}">
-        <p14:creationId xmlns:p14="http://schemas.microsoft.com/office/powerpoint/2010/main" xmlns="" val="2062332550"/>
+        <p14:creationId xmlns="" xmlns:p14="http://schemas.microsoft.com/office/powerpoint/2010/main" val="2062332550"/>
       </p:ext>
     </p:extLst>
   </p:cSld>
@@ -11266,7 +12216,7 @@
             <a:fld id="{CDAEE9B0-25E7-4C28-AF1D-B3DDCE7EBBDB}" type="datetime1">
               <a:rPr lang="en-US" smtClean="0"/>
               <a:pPr/>
-              <a:t>7/20/2011</a:t>
+              <a:t>7/26/2011</a:t>
             </a:fld>
             <a:endParaRPr lang="en-GB"/>
           </a:p>
@@ -11322,7 +12272,7 @@
     </p:spTree>
     <p:extLst>
       <p:ext uri="{BB962C8B-B14F-4D97-AF65-F5344CB8AC3E}">
-        <p14:creationId xmlns:p14="http://schemas.microsoft.com/office/powerpoint/2010/main" xmlns="" val="2752513629"/>
+        <p14:creationId xmlns="" xmlns:p14="http://schemas.microsoft.com/office/powerpoint/2010/main" val="2752513629"/>
       </p:ext>
     </p:extLst>
   </p:cSld>
@@ -11403,14 +12353,27 @@
             <a:pPr lvl="1"/>
             <a:r>
               <a:rPr lang="en-GB" dirty="0" smtClean="0"/>
-              <a:t>Beta phase – Version 0.4.x up to Version 0.6.x</a:t>
-            </a:r>
+              <a:t>Beta phase – Version 0.4.x up to Version </a:t>
+            </a:r>
+            <a:r>
+              <a:rPr lang="en-GB" dirty="0" smtClean="0"/>
+              <a:t>0.7.x</a:t>
+            </a:r>
+            <a:endParaRPr lang="en-GB" dirty="0" smtClean="0"/>
           </a:p>
           <a:p>
             <a:pPr lvl="1"/>
             <a:r>
               <a:rPr lang="en-GB" dirty="0" smtClean="0"/>
-              <a:t>Release Candidate phase – Versions 0.7.0 onwards</a:t>
+              <a:t>Release Candidate phase – Versions </a:t>
+            </a:r>
+            <a:r>
+              <a:rPr lang="en-GB" dirty="0" smtClean="0"/>
+              <a:t>0.8.0 </a:t>
+            </a:r>
+            <a:r>
+              <a:rPr lang="en-GB" dirty="0" smtClean="0"/>
+              <a:t>onwards</a:t>
             </a:r>
           </a:p>
           <a:p>
@@ -11446,7 +12409,7 @@
             <a:fld id="{CDAEE9B0-25E7-4C28-AF1D-B3DDCE7EBBDB}" type="datetime1">
               <a:rPr lang="en-US" smtClean="0"/>
               <a:pPr/>
-              <a:t>7/20/2011</a:t>
+              <a:t>7/26/2011</a:t>
             </a:fld>
             <a:endParaRPr lang="en-GB"/>
           </a:p>
@@ -11502,7 +12465,7 @@
     </p:spTree>
     <p:extLst>
       <p:ext uri="{BB962C8B-B14F-4D97-AF65-F5344CB8AC3E}">
-        <p14:creationId xmlns:p14="http://schemas.microsoft.com/office/powerpoint/2010/main" xmlns="" val="1884836899"/>
+        <p14:creationId xmlns="" xmlns:p14="http://schemas.microsoft.com/office/powerpoint/2010/main" val="1884836899"/>
       </p:ext>
     </p:extLst>
   </p:cSld>
@@ -11599,7 +12562,7 @@
             <a:fld id="{CDAEE9B0-25E7-4C28-AF1D-B3DDCE7EBBDB}" type="datetime1">
               <a:rPr lang="en-US" smtClean="0"/>
               <a:pPr/>
-              <a:t>7/20/2011</a:t>
+              <a:t>7/26/2011</a:t>
             </a:fld>
             <a:endParaRPr lang="en-GB"/>
           </a:p>
@@ -11655,7 +12618,7 @@
     </p:spTree>
     <p:extLst>
       <p:ext uri="{BB962C8B-B14F-4D97-AF65-F5344CB8AC3E}">
-        <p14:creationId xmlns:p14="http://schemas.microsoft.com/office/powerpoint/2010/main" xmlns="" val="1547614895"/>
+        <p14:creationId xmlns="" xmlns:p14="http://schemas.microsoft.com/office/powerpoint/2010/main" val="1547614895"/>
       </p:ext>
     </p:extLst>
   </p:cSld>
